--- a/documentation/Demonstrations/Connacht_University_TeamDC.pptx
+++ b/documentation/Demonstrations/Connacht_University_TeamDC.pptx
@@ -5,10 +5,10 @@
     <p:sldMasterId id="2147483648" r:id="rId4"/>
   </p:sldMasterIdLst>
   <p:notesMasterIdLst>
-    <p:notesMasterId r:id="rId14"/>
+    <p:notesMasterId r:id="rId16"/>
   </p:notesMasterIdLst>
   <p:handoutMasterIdLst>
-    <p:handoutMasterId r:id="rId15"/>
+    <p:handoutMasterId r:id="rId17"/>
   </p:handoutMasterIdLst>
   <p:sldIdLst>
     <p:sldId id="256" r:id="rId5"/>
@@ -19,7 +19,9 @@
     <p:sldId id="272" r:id="rId10"/>
     <p:sldId id="273" r:id="rId11"/>
     <p:sldId id="274" r:id="rId12"/>
-    <p:sldId id="264" r:id="rId13"/>
+    <p:sldId id="276" r:id="rId13"/>
+    <p:sldId id="275" r:id="rId14"/>
+    <p:sldId id="264" r:id="rId15"/>
   </p:sldIdLst>
   <p:sldSz cx="12192000" cy="6858000"/>
   <p:notesSz cx="6858000" cy="9144000"/>
@@ -223,7 +225,7 @@
           <a:p>
             <a:fld id="{73B2889B-A0AC-4482-8592-5C96F2309420}" type="datetimeFigureOut">
               <a:rPr lang="en-US" smtClean="0"/>
-              <a:t>6/15/2020</a:t>
+              <a:t>6/17/2020</a:t>
             </a:fld>
             <a:endParaRPr lang="en-US" dirty="0"/>
           </a:p>
@@ -400,7 +402,7 @@
           <a:p>
             <a:fld id="{830EB223-FFC0-462A-A3B8-EAA7CE0F8CBD}" type="datetimeFigureOut">
               <a:rPr lang="en-US" smtClean="0"/>
-              <a:t>6/15/2020</a:t>
+              <a:t>6/17/2020</a:t>
             </a:fld>
             <a:endParaRPr lang="en-US" dirty="0"/>
           </a:p>
@@ -2281,6 +2283,261 @@
           <a:lstStyle/>
           <a:p>
             <a:r>
+              <a:rPr lang="en-US" i="0" dirty="0">
+                <a:latin typeface="Segoe UI" panose="020B0502040204020203" pitchFamily="34" charset="0"/>
+                <a:cs typeface="Segoe UI" panose="020B0502040204020203" pitchFamily="34" charset="0"/>
+              </a:rPr>
+              <a:t>Once you find your sources, you will want to evaluate your sources using the following questions: </a:t>
+            </a:r>
+          </a:p>
+          <a:p>
+            <a:endParaRPr lang="en-US" i="0" dirty="0">
+              <a:latin typeface="Segoe UI" panose="020B0502040204020203" pitchFamily="34" charset="0"/>
+              <a:cs typeface="Segoe UI" panose="020B0502040204020203" pitchFamily="34" charset="0"/>
+            </a:endParaRPr>
+          </a:p>
+          <a:p>
+            <a:r>
+              <a:rPr lang="en-US" b="1" i="0" dirty="0">
+                <a:latin typeface="Segoe UI" panose="020B0502040204020203" pitchFamily="34" charset="0"/>
+                <a:cs typeface="Segoe UI" panose="020B0502040204020203" pitchFamily="34" charset="0"/>
+              </a:rPr>
+              <a:t>Author: </a:t>
+            </a:r>
+          </a:p>
+          <a:p>
+            <a:pPr marL="171450" indent="-171450">
+              <a:buFont typeface="Arial" panose="020B0604020202020204" pitchFamily="34" charset="0"/>
+              <a:buChar char="•"/>
+            </a:pPr>
+            <a:r>
+              <a:rPr lang="en-US" i="0" dirty="0">
+                <a:latin typeface="Segoe UI" panose="020B0502040204020203" pitchFamily="34" charset="0"/>
+                <a:cs typeface="Segoe UI" panose="020B0502040204020203" pitchFamily="34" charset="0"/>
+              </a:rPr>
+              <a:t>Who is the author?</a:t>
+            </a:r>
+          </a:p>
+          <a:p>
+            <a:pPr marL="171450" indent="-171450">
+              <a:buFont typeface="Arial" panose="020B0604020202020204" pitchFamily="34" charset="0"/>
+              <a:buChar char="•"/>
+            </a:pPr>
+            <a:r>
+              <a:rPr lang="en-US" i="0" dirty="0">
+                <a:latin typeface="Segoe UI" panose="020B0502040204020203" pitchFamily="34" charset="0"/>
+                <a:cs typeface="Segoe UI" panose="020B0502040204020203" pitchFamily="34" charset="0"/>
+              </a:rPr>
+              <a:t>Why should I believe what he or she has to say on the topic?</a:t>
+            </a:r>
+          </a:p>
+          <a:p>
+            <a:pPr marL="171450" indent="-171450">
+              <a:buFont typeface="Arial" panose="020B0604020202020204" pitchFamily="34" charset="0"/>
+              <a:buChar char="•"/>
+            </a:pPr>
+            <a:r>
+              <a:rPr lang="en-US" i="0" dirty="0">
+                <a:latin typeface="Segoe UI" panose="020B0502040204020203" pitchFamily="34" charset="0"/>
+                <a:cs typeface="Segoe UI" panose="020B0502040204020203" pitchFamily="34" charset="0"/>
+              </a:rPr>
+              <a:t>Is the author seen as an expert on the topic? How do you know?</a:t>
+            </a:r>
+          </a:p>
+          <a:p>
+            <a:pPr marL="171450" indent="-171450">
+              <a:buFont typeface="Arial" panose="020B0604020202020204" pitchFamily="34" charset="0"/>
+              <a:buChar char="•"/>
+            </a:pPr>
+            <a:endParaRPr lang="en-US" i="0" dirty="0">
+              <a:latin typeface="Segoe UI" panose="020B0502040204020203" pitchFamily="34" charset="0"/>
+              <a:cs typeface="Segoe UI" panose="020B0502040204020203" pitchFamily="34" charset="0"/>
+            </a:endParaRPr>
+          </a:p>
+          <a:p>
+            <a:pPr marL="0" indent="0">
+              <a:buFont typeface="Arial" panose="020B0604020202020204" pitchFamily="34" charset="0"/>
+              <a:buNone/>
+            </a:pPr>
+            <a:r>
+              <a:rPr lang="en-US" b="1" i="0" dirty="0">
+                <a:latin typeface="Segoe UI" panose="020B0502040204020203" pitchFamily="34" charset="0"/>
+                <a:cs typeface="Segoe UI" panose="020B0502040204020203" pitchFamily="34" charset="0"/>
+              </a:rPr>
+              <a:t>Current: </a:t>
+            </a:r>
+          </a:p>
+          <a:p>
+            <a:pPr marL="171450" indent="-171450">
+              <a:buFont typeface="Arial" panose="020B0604020202020204" pitchFamily="34" charset="0"/>
+              <a:buChar char="•"/>
+            </a:pPr>
+            <a:r>
+              <a:rPr lang="en-US" i="0" dirty="0">
+                <a:latin typeface="Segoe UI" panose="020B0502040204020203" pitchFamily="34" charset="0"/>
+                <a:cs typeface="Segoe UI" panose="020B0502040204020203" pitchFamily="34" charset="0"/>
+              </a:rPr>
+              <a:t>How current is the information in the source?</a:t>
+            </a:r>
+          </a:p>
+          <a:p>
+            <a:pPr marL="171450" indent="-171450">
+              <a:buFont typeface="Arial" panose="020B0604020202020204" pitchFamily="34" charset="0"/>
+              <a:buChar char="•"/>
+            </a:pPr>
+            <a:r>
+              <a:rPr lang="en-US" i="0" dirty="0">
+                <a:latin typeface="Segoe UI" panose="020B0502040204020203" pitchFamily="34" charset="0"/>
+                <a:cs typeface="Segoe UI" panose="020B0502040204020203" pitchFamily="34" charset="0"/>
+              </a:rPr>
+              <a:t>When was the source published?</a:t>
+            </a:r>
+          </a:p>
+          <a:p>
+            <a:pPr marL="171450" indent="-171450">
+              <a:buFont typeface="Arial" panose="020B0604020202020204" pitchFamily="34" charset="0"/>
+              <a:buChar char="•"/>
+            </a:pPr>
+            <a:r>
+              <a:rPr lang="en-US" i="0" dirty="0">
+                <a:latin typeface="Segoe UI" panose="020B0502040204020203" pitchFamily="34" charset="0"/>
+                <a:cs typeface="Segoe UI" panose="020B0502040204020203" pitchFamily="34" charset="0"/>
+              </a:rPr>
+              <a:t>Is the information out-of-date?</a:t>
+            </a:r>
+          </a:p>
+          <a:p>
+            <a:pPr marL="171450" indent="-171450">
+              <a:buFont typeface="Arial" panose="020B0604020202020204" pitchFamily="34" charset="0"/>
+              <a:buChar char="•"/>
+            </a:pPr>
+            <a:endParaRPr lang="en-US" b="1" i="0" dirty="0">
+              <a:latin typeface="Segoe UI" panose="020B0502040204020203" pitchFamily="34" charset="0"/>
+              <a:cs typeface="Segoe UI" panose="020B0502040204020203" pitchFamily="34" charset="0"/>
+            </a:endParaRPr>
+          </a:p>
+          <a:p>
+            <a:pPr marL="0" indent="0">
+              <a:buFont typeface="Arial" panose="020B0604020202020204" pitchFamily="34" charset="0"/>
+              <a:buNone/>
+            </a:pPr>
+            <a:r>
+              <a:rPr lang="en-US" b="1" i="0" dirty="0">
+                <a:latin typeface="Segoe UI" panose="020B0502040204020203" pitchFamily="34" charset="0"/>
+                <a:cs typeface="Segoe UI" panose="020B0502040204020203" pitchFamily="34" charset="0"/>
+              </a:rPr>
+              <a:t>Accuracy: </a:t>
+            </a:r>
+          </a:p>
+          <a:p>
+            <a:pPr marL="171450" indent="-171450">
+              <a:buFont typeface="Arial" panose="020B0604020202020204" pitchFamily="34" charset="0"/>
+              <a:buChar char="•"/>
+            </a:pPr>
+            <a:r>
+              <a:rPr lang="en-US" i="0" dirty="0">
+                <a:latin typeface="Segoe UI" panose="020B0502040204020203" pitchFamily="34" charset="0"/>
+                <a:cs typeface="Segoe UI" panose="020B0502040204020203" pitchFamily="34" charset="0"/>
+              </a:rPr>
+              <a:t>Is the content accurate?</a:t>
+            </a:r>
+          </a:p>
+          <a:p>
+            <a:pPr marL="171450" indent="-171450">
+              <a:buFont typeface="Arial" panose="020B0604020202020204" pitchFamily="34" charset="0"/>
+              <a:buChar char="•"/>
+            </a:pPr>
+            <a:r>
+              <a:rPr lang="en-US" i="0" dirty="0">
+                <a:latin typeface="Segoe UI" panose="020B0502040204020203" pitchFamily="34" charset="0"/>
+                <a:cs typeface="Segoe UI" panose="020B0502040204020203" pitchFamily="34" charset="0"/>
+              </a:rPr>
+              <a:t>Is the information presented objectively?  Do they share the pros and cons?</a:t>
+            </a:r>
+          </a:p>
+        </p:txBody>
+      </p:sp>
+      <p:sp>
+        <p:nvSpPr>
+          <p:cNvPr id="4" name="Slide Number Placeholder 3"/>
+          <p:cNvSpPr>
+            <a:spLocks noGrp="1"/>
+          </p:cNvSpPr>
+          <p:nvPr>
+            <p:ph type="sldNum" sz="quarter" idx="10"/>
+          </p:nvPr>
+        </p:nvSpPr>
+        <p:spPr/>
+        <p:txBody>
+          <a:bodyPr/>
+          <a:lstStyle/>
+          <a:p>
+            <a:fld id="{BC849E9A-41F7-4779-A581-48A7C374A227}" type="slidenum">
+              <a:rPr lang="en-US" smtClean="0"/>
+              <a:t>10</a:t>
+            </a:fld>
+            <a:endParaRPr lang="en-US" dirty="0"/>
+          </a:p>
+        </p:txBody>
+      </p:sp>
+    </p:spTree>
+    <p:extLst>
+      <p:ext uri="{BB962C8B-B14F-4D97-AF65-F5344CB8AC3E}">
+        <p14:creationId xmlns:p14="http://schemas.microsoft.com/office/powerpoint/2010/main" val="2026532120"/>
+      </p:ext>
+    </p:extLst>
+  </p:cSld>
+  <p:clrMapOvr>
+    <a:masterClrMapping/>
+  </p:clrMapOvr>
+</p:notes>
+</file>
+
+<file path=ppt/notesSlides/notesSlide9.xml><?xml version="1.0" encoding="utf-8"?>
+<p:notes xmlns:a="http://schemas.openxmlformats.org/drawingml/2006/main" xmlns:r="http://schemas.openxmlformats.org/officeDocument/2006/relationships" xmlns:p="http://schemas.openxmlformats.org/presentationml/2006/main">
+  <p:cSld>
+    <p:spTree>
+      <p:nvGrpSpPr>
+        <p:cNvPr id="1" name=""/>
+        <p:cNvGrpSpPr/>
+        <p:nvPr/>
+      </p:nvGrpSpPr>
+      <p:grpSpPr>
+        <a:xfrm>
+          <a:off x="0" y="0"/>
+          <a:ext cx="0" cy="0"/>
+          <a:chOff x="0" y="0"/>
+          <a:chExt cx="0" cy="0"/>
+        </a:xfrm>
+      </p:grpSpPr>
+      <p:sp>
+        <p:nvSpPr>
+          <p:cNvPr id="2" name="Slide Image Placeholder 1"/>
+          <p:cNvSpPr>
+            <a:spLocks noGrp="1" noRot="1" noChangeAspect="1"/>
+          </p:cNvSpPr>
+          <p:nvPr>
+            <p:ph type="sldImg"/>
+          </p:nvPr>
+        </p:nvSpPr>
+        <p:spPr/>
+      </p:sp>
+      <p:sp>
+        <p:nvSpPr>
+          <p:cNvPr id="3" name="Notes Placeholder 2"/>
+          <p:cNvSpPr>
+            <a:spLocks noGrp="1"/>
+          </p:cNvSpPr>
+          <p:nvPr>
+            <p:ph type="body" idx="1"/>
+          </p:nvPr>
+        </p:nvSpPr>
+        <p:spPr/>
+        <p:txBody>
+          <a:bodyPr/>
+          <a:lstStyle/>
+          <a:p>
+            <a:r>
               <a:rPr lang="en-US" dirty="0">
                 <a:latin typeface="Segoe UI" panose="020B0502040204020203" pitchFamily="34" charset="0"/>
                 <a:cs typeface="Segoe UI" panose="020B0502040204020203" pitchFamily="34" charset="0"/>
@@ -2391,7 +2648,7 @@
           <a:p>
             <a:fld id="{BC849E9A-41F7-4779-A581-48A7C374A227}" type="slidenum">
               <a:rPr lang="en-US" smtClean="0"/>
-              <a:t>9</a:t>
+              <a:t>11</a:t>
             </a:fld>
             <a:endParaRPr lang="en-US" dirty="0"/>
           </a:p>
@@ -2557,7 +2814,7 @@
           <a:p>
             <a:fld id="{DECF21A4-E71B-4D3A-AF45-E989C23A7BB1}" type="datetimeFigureOut">
               <a:rPr lang="en-US" smtClean="0"/>
-              <a:t>6/15/2020</a:t>
+              <a:t>6/17/2020</a:t>
             </a:fld>
             <a:endParaRPr lang="en-US" dirty="0"/>
           </a:p>
@@ -2755,7 +3012,7 @@
           <a:p>
             <a:fld id="{DECF21A4-E71B-4D3A-AF45-E989C23A7BB1}" type="datetimeFigureOut">
               <a:rPr lang="en-US" smtClean="0"/>
-              <a:t>6/15/2020</a:t>
+              <a:t>6/17/2020</a:t>
             </a:fld>
             <a:endParaRPr lang="en-US" dirty="0"/>
           </a:p>
@@ -2963,7 +3220,7 @@
           <a:p>
             <a:fld id="{DECF21A4-E71B-4D3A-AF45-E989C23A7BB1}" type="datetimeFigureOut">
               <a:rPr lang="en-US" smtClean="0"/>
-              <a:t>6/15/2020</a:t>
+              <a:t>6/17/2020</a:t>
             </a:fld>
             <a:endParaRPr lang="en-US" dirty="0"/>
           </a:p>
@@ -3161,7 +3418,7 @@
           <a:p>
             <a:fld id="{DECF21A4-E71B-4D3A-AF45-E989C23A7BB1}" type="datetimeFigureOut">
               <a:rPr lang="en-US" smtClean="0"/>
-              <a:t>6/15/2020</a:t>
+              <a:t>6/17/2020</a:t>
             </a:fld>
             <a:endParaRPr lang="en-US" dirty="0"/>
           </a:p>
@@ -3436,7 +3693,7 @@
           <a:p>
             <a:fld id="{DECF21A4-E71B-4D3A-AF45-E989C23A7BB1}" type="datetimeFigureOut">
               <a:rPr lang="en-US" smtClean="0"/>
-              <a:t>6/15/2020</a:t>
+              <a:t>6/17/2020</a:t>
             </a:fld>
             <a:endParaRPr lang="en-US" dirty="0"/>
           </a:p>
@@ -3701,7 +3958,7 @@
           <a:p>
             <a:fld id="{DECF21A4-E71B-4D3A-AF45-E989C23A7BB1}" type="datetimeFigureOut">
               <a:rPr lang="en-US" smtClean="0"/>
-              <a:t>6/15/2020</a:t>
+              <a:t>6/17/2020</a:t>
             </a:fld>
             <a:endParaRPr lang="en-US" dirty="0"/>
           </a:p>
@@ -4113,7 +4370,7 @@
           <a:p>
             <a:fld id="{DECF21A4-E71B-4D3A-AF45-E989C23A7BB1}" type="datetimeFigureOut">
               <a:rPr lang="en-US" smtClean="0"/>
-              <a:t>6/15/2020</a:t>
+              <a:t>6/17/2020</a:t>
             </a:fld>
             <a:endParaRPr lang="en-US" dirty="0"/>
           </a:p>
@@ -4254,7 +4511,7 @@
           <a:p>
             <a:fld id="{DECF21A4-E71B-4D3A-AF45-E989C23A7BB1}" type="datetimeFigureOut">
               <a:rPr lang="en-US" smtClean="0"/>
-              <a:t>6/15/2020</a:t>
+              <a:t>6/17/2020</a:t>
             </a:fld>
             <a:endParaRPr lang="en-US" dirty="0"/>
           </a:p>
@@ -4367,7 +4624,7 @@
           <a:p>
             <a:fld id="{DECF21A4-E71B-4D3A-AF45-E989C23A7BB1}" type="datetimeFigureOut">
               <a:rPr lang="en-US" smtClean="0"/>
-              <a:t>6/15/2020</a:t>
+              <a:t>6/17/2020</a:t>
             </a:fld>
             <a:endParaRPr lang="en-US" dirty="0"/>
           </a:p>
@@ -4678,7 +4935,7 @@
           <a:p>
             <a:fld id="{DECF21A4-E71B-4D3A-AF45-E989C23A7BB1}" type="datetimeFigureOut">
               <a:rPr lang="en-US" smtClean="0"/>
-              <a:t>6/15/2020</a:t>
+              <a:t>6/17/2020</a:t>
             </a:fld>
             <a:endParaRPr lang="en-US" dirty="0"/>
           </a:p>
@@ -4969,7 +5226,7 @@
           <a:p>
             <a:fld id="{DECF21A4-E71B-4D3A-AF45-E989C23A7BB1}" type="datetimeFigureOut">
               <a:rPr lang="en-US" smtClean="0"/>
-              <a:t>6/15/2020</a:t>
+              <a:t>6/17/2020</a:t>
             </a:fld>
             <a:endParaRPr lang="en-US" dirty="0"/>
           </a:p>
@@ -5210,7 +5467,7 @@
           <a:p>
             <a:fld id="{DECF21A4-E71B-4D3A-AF45-E989C23A7BB1}" type="datetimeFigureOut">
               <a:rPr lang="en-US" smtClean="0"/>
-              <a:t>6/15/2020</a:t>
+              <a:t>6/17/2020</a:t>
             </a:fld>
             <a:endParaRPr lang="en-US" dirty="0"/>
           </a:p>
@@ -5822,7 +6079,7 @@
                 <a:latin typeface="Franklin Gothic Book" panose="020B0503020102020204" pitchFamily="34" charset="0"/>
                 <a:cs typeface="Segoe UI" panose="020B0502040204020203" pitchFamily="34" charset="0"/>
               </a:rPr>
-              <a:t>- Elizabeth Tailon</a:t>
+              <a:t>- Elizabeth Taillon</a:t>
             </a:r>
             <a:br>
               <a:rPr lang="en-US" sz="1200" dirty="0">
@@ -6725,425 +6982,7 @@
 </p:sld>
 </file>
 
-<file path=ppt/slides/slide2.xml><?xml version="1.0" encoding="utf-8"?>
-<p:sld xmlns:a="http://schemas.openxmlformats.org/drawingml/2006/main" xmlns:r="http://schemas.openxmlformats.org/officeDocument/2006/relationships" xmlns:p="http://schemas.openxmlformats.org/presentationml/2006/main">
-  <p:cSld>
-    <p:bg>
-      <p:bgPr>
-        <a:solidFill>
-          <a:schemeClr val="bg1"/>
-        </a:solidFill>
-        <a:effectLst/>
-      </p:bgPr>
-    </p:bg>
-    <p:spTree>
-      <p:nvGrpSpPr>
-        <p:cNvPr id="1" name=""/>
-        <p:cNvGrpSpPr/>
-        <p:nvPr/>
-      </p:nvGrpSpPr>
-      <p:grpSpPr>
-        <a:xfrm>
-          <a:off x="0" y="0"/>
-          <a:ext cx="0" cy="0"/>
-          <a:chOff x="0" y="0"/>
-          <a:chExt cx="0" cy="0"/>
-        </a:xfrm>
-      </p:grpSpPr>
-      <p:sp useBgFill="1">
-        <p:nvSpPr>
-          <p:cNvPr id="14" name="Rectangle 13">
-            <a:extLst>
-              <a:ext uri="{FF2B5EF4-FFF2-40B4-BE49-F238E27FC236}">
-                <a16:creationId xmlns:a16="http://schemas.microsoft.com/office/drawing/2014/main" id="{3B854194-185D-494D-905C-7C7CB2E30F6E}"/>
-              </a:ext>
-              <a:ext uri="{C183D7F6-B498-43B3-948B-1728B52AA6E4}">
-                <adec:decorative xmlns:adec="http://schemas.microsoft.com/office/drawing/2017/decorative" val="1"/>
-              </a:ext>
-            </a:extLst>
-          </p:cNvPr>
-          <p:cNvSpPr>
-            <a:spLocks noGrp="1" noRot="1" noChangeAspect="1" noMove="1" noResize="1" noEditPoints="1" noAdjustHandles="1" noChangeArrowheads="1" noChangeShapeType="1" noTextEdit="1"/>
-          </p:cNvSpPr>
-          <p:nvPr>
-            <p:extLst>
-              <p:ext uri="{386F3935-93C4-4BCD-93E2-E3B085C9AB24}">
-                <p16:designElem xmlns:p16="http://schemas.microsoft.com/office/powerpoint/2015/main" val="1"/>
-              </p:ext>
-            </p:extLst>
-          </p:nvPr>
-        </p:nvSpPr>
-        <p:spPr>
-          <a:xfrm>
-            <a:off x="1" y="0"/>
-            <a:ext cx="6082110" cy="6858000"/>
-          </a:xfrm>
-          <a:prstGeom prst="rect">
-            <a:avLst/>
-          </a:prstGeom>
-          <a:ln>
-            <a:noFill/>
-          </a:ln>
-        </p:spPr>
-        <p:style>
-          <a:lnRef idx="2">
-            <a:schemeClr val="accent1">
-              <a:shade val="50000"/>
-            </a:schemeClr>
-          </a:lnRef>
-          <a:fillRef idx="1">
-            <a:schemeClr val="accent1"/>
-          </a:fillRef>
-          <a:effectRef idx="0">
-            <a:schemeClr val="accent1"/>
-          </a:effectRef>
-          <a:fontRef idx="minor">
-            <a:schemeClr val="lt1"/>
-          </a:fontRef>
-        </p:style>
-        <p:txBody>
-          <a:bodyPr rtlCol="0" anchor="ctr"/>
-          <a:lstStyle/>
-          <a:p>
-            <a:pPr algn="ctr"/>
-            <a:endParaRPr lang="en-US" dirty="0"/>
-          </a:p>
-        </p:txBody>
-      </p:sp>
-      <p:sp>
-        <p:nvSpPr>
-          <p:cNvPr id="16" name="Rectangle 15">
-            <a:extLst>
-              <a:ext uri="{FF2B5EF4-FFF2-40B4-BE49-F238E27FC236}">
-                <a16:creationId xmlns:a16="http://schemas.microsoft.com/office/drawing/2014/main" id="{B4F5FA0D-0104-4987-8241-EFF7C85B88DE}"/>
-              </a:ext>
-              <a:ext uri="{C183D7F6-B498-43B3-948B-1728B52AA6E4}">
-                <adec:decorative xmlns:adec="http://schemas.microsoft.com/office/drawing/2017/decorative" val="1"/>
-              </a:ext>
-            </a:extLst>
-          </p:cNvPr>
-          <p:cNvSpPr>
-            <a:spLocks noGrp="1" noRot="1" noChangeAspect="1" noMove="1" noResize="1" noEditPoints="1" noAdjustHandles="1" noChangeArrowheads="1" noChangeShapeType="1" noTextEdit="1"/>
-          </p:cNvSpPr>
-          <p:nvPr>
-            <p:extLst>
-              <p:ext uri="{386F3935-93C4-4BCD-93E2-E3B085C9AB24}">
-                <p16:designElem xmlns:p16="http://schemas.microsoft.com/office/powerpoint/2015/main" val="1"/>
-              </p:ext>
-            </p:extLst>
-          </p:nvPr>
-        </p:nvSpPr>
-        <p:spPr>
-          <a:xfrm>
-            <a:off x="1" y="0"/>
-            <a:ext cx="12191998" cy="6858000"/>
-          </a:xfrm>
-          <a:prstGeom prst="rect">
-            <a:avLst/>
-          </a:prstGeom>
-          <a:gradFill>
-            <a:gsLst>
-              <a:gs pos="0">
-                <a:schemeClr val="accent1">
-                  <a:lumMod val="90000"/>
-                </a:schemeClr>
-              </a:gs>
-              <a:gs pos="25000">
-                <a:schemeClr val="accent1">
-                  <a:lumMod val="90000"/>
-                </a:schemeClr>
-              </a:gs>
-              <a:gs pos="94000">
-                <a:schemeClr val="bg2">
-                  <a:lumMod val="25000"/>
-                </a:schemeClr>
-              </a:gs>
-              <a:gs pos="100000">
-                <a:schemeClr val="bg2">
-                  <a:lumMod val="25000"/>
-                </a:schemeClr>
-              </a:gs>
-            </a:gsLst>
-            <a:lin ang="4200000" scaled="0"/>
-          </a:gradFill>
-          <a:ln>
-            <a:noFill/>
-          </a:ln>
-        </p:spPr>
-        <p:style>
-          <a:lnRef idx="2">
-            <a:schemeClr val="accent1">
-              <a:shade val="50000"/>
-            </a:schemeClr>
-          </a:lnRef>
-          <a:fillRef idx="1">
-            <a:schemeClr val="accent1"/>
-          </a:fillRef>
-          <a:effectRef idx="0">
-            <a:schemeClr val="accent1"/>
-          </a:effectRef>
-          <a:fontRef idx="minor">
-            <a:schemeClr val="lt1"/>
-          </a:fontRef>
-        </p:style>
-        <p:txBody>
-          <a:bodyPr rtlCol="0" anchor="ctr"/>
-          <a:lstStyle/>
-          <a:p>
-            <a:pPr algn="ctr"/>
-            <a:endParaRPr lang="en-US" dirty="0"/>
-          </a:p>
-        </p:txBody>
-      </p:sp>
-      <p:pic>
-        <p:nvPicPr>
-          <p:cNvPr id="18" name="Picture 17">
-            <a:extLst>
-              <a:ext uri="{FF2B5EF4-FFF2-40B4-BE49-F238E27FC236}">
-                <a16:creationId xmlns:a16="http://schemas.microsoft.com/office/drawing/2014/main" id="{2897127E-6CEF-446C-BE87-93B7C46E49D1}"/>
-              </a:ext>
-              <a:ext uri="{C183D7F6-B498-43B3-948B-1728B52AA6E4}">
-                <adec:decorative xmlns:adec="http://schemas.microsoft.com/office/drawing/2017/decorative" val="1"/>
-              </a:ext>
-            </a:extLst>
-          </p:cNvPr>
-          <p:cNvPicPr>
-            <a:picLocks noGrp="1" noRot="1" noChangeAspect="1" noMove="1" noResize="1" noEditPoints="1" noAdjustHandles="1" noChangeArrowheads="1" noChangeShapeType="1" noCrop="1"/>
-          </p:cNvPicPr>
-          <p:nvPr>
-            <p:extLst>
-              <p:ext uri="{386F3935-93C4-4BCD-93E2-E3B085C9AB24}">
-                <p16:designElem xmlns:p16="http://schemas.microsoft.com/office/powerpoint/2015/main" val="1"/>
-              </p:ext>
-            </p:extLst>
-          </p:nvPr>
-        </p:nvPicPr>
-        <p:blipFill>
-          <a:blip r:embed="rId3">
-            <a:extLst>
-              <a:ext uri="{28A0092B-C50C-407E-A947-70E740481C1C}">
-                <a14:useLocalDpi xmlns:a14="http://schemas.microsoft.com/office/drawing/2010/main" val="0"/>
-              </a:ext>
-            </a:extLst>
-          </a:blip>
-          <a:stretch>
-            <a:fillRect/>
-          </a:stretch>
-        </p:blipFill>
-        <p:spPr>
-          <a:xfrm>
-            <a:off x="0" y="0"/>
-            <a:ext cx="12192000" cy="6858000"/>
-          </a:xfrm>
-          <a:prstGeom prst="rect">
-            <a:avLst/>
-          </a:prstGeom>
-        </p:spPr>
-      </p:pic>
-      <p:sp>
-        <p:nvSpPr>
-          <p:cNvPr id="2" name="Title 1">
-            <a:extLst>
-              <a:ext uri="{FF2B5EF4-FFF2-40B4-BE49-F238E27FC236}">
-                <a16:creationId xmlns:a16="http://schemas.microsoft.com/office/drawing/2014/main" id="{EA0D9B4E-C292-45AA-8116-562703040382}"/>
-              </a:ext>
-            </a:extLst>
-          </p:cNvPr>
-          <p:cNvSpPr>
-            <a:spLocks noGrp="1"/>
-          </p:cNvSpPr>
-          <p:nvPr>
-            <p:ph type="title"/>
-          </p:nvPr>
-        </p:nvSpPr>
-        <p:spPr>
-          <a:xfrm>
-            <a:off x="640079" y="2053641"/>
-            <a:ext cx="3669161" cy="2760098"/>
-          </a:xfrm>
-        </p:spPr>
-        <p:txBody>
-          <a:bodyPr>
-            <a:normAutofit/>
-          </a:bodyPr>
-          <a:lstStyle/>
-          <a:p>
-            <a:r>
-              <a:rPr lang="en-US" dirty="0">
-                <a:solidFill>
-                  <a:srgbClr val="FFFFFF"/>
-                </a:solidFill>
-                <a:latin typeface="Franklin Gothic Book" panose="020B0503020102020204" pitchFamily="34" charset="0"/>
-                <a:cs typeface="Segoe UI" panose="020B0502040204020203" pitchFamily="34" charset="0"/>
-              </a:rPr>
-              <a:t>Business Requirements</a:t>
-            </a:r>
-          </a:p>
-        </p:txBody>
-      </p:sp>
-      <p:sp>
-        <p:nvSpPr>
-          <p:cNvPr id="3" name="Content Placeholder 2">
-            <a:extLst>
-              <a:ext uri="{FF2B5EF4-FFF2-40B4-BE49-F238E27FC236}">
-                <a16:creationId xmlns:a16="http://schemas.microsoft.com/office/drawing/2014/main" id="{81072FAC-EEE9-4F26-A784-BC07EACCBE9F}"/>
-              </a:ext>
-            </a:extLst>
-          </p:cNvPr>
-          <p:cNvSpPr>
-            <a:spLocks noGrp="1"/>
-          </p:cNvSpPr>
-          <p:nvPr>
-            <p:ph idx="1"/>
-          </p:nvPr>
-        </p:nvSpPr>
-        <p:spPr>
-          <a:xfrm>
-            <a:off x="5448299" y="647700"/>
-            <a:ext cx="6600825" cy="2266950"/>
-          </a:xfrm>
-        </p:spPr>
-        <p:txBody>
-          <a:bodyPr vert="horz" lIns="91440" tIns="45720" rIns="91440" bIns="45720" rtlCol="0" anchor="ctr">
-            <a:normAutofit/>
-          </a:bodyPr>
-          <a:lstStyle/>
-          <a:p>
-            <a:pPr marL="0" indent="0">
-              <a:buNone/>
-            </a:pPr>
-            <a:r>
-              <a:rPr lang="en-US" sz="2400" dirty="0">
-                <a:solidFill>
-                  <a:srgbClr val="000000"/>
-                </a:solidFill>
-                <a:cs typeface="Segoe UI" panose="020B0502040204020203" pitchFamily="34" charset="0"/>
-              </a:rPr>
-              <a:t>Due to Covid-19, Connacht University needs a fast solution to move all courses to an online offering. Services are also provided to local small businesses and startups. The request is to design a solution for an online repository to these customers.</a:t>
-            </a:r>
-          </a:p>
-          <a:p>
-            <a:pPr marL="0" indent="0">
-              <a:buNone/>
-            </a:pPr>
-            <a:endParaRPr lang="en-US" sz="2400" dirty="0">
-              <a:solidFill>
-                <a:srgbClr val="000000"/>
-              </a:solidFill>
-              <a:cs typeface="Segoe UI" panose="020B0502040204020203" pitchFamily="34" charset="0"/>
-            </a:endParaRPr>
-          </a:p>
-          <a:p>
-            <a:pPr marL="0" indent="0">
-              <a:buNone/>
-            </a:pPr>
-            <a:endParaRPr lang="en-US" sz="2400" dirty="0">
-              <a:solidFill>
-                <a:srgbClr val="000000"/>
-              </a:solidFill>
-              <a:cs typeface="Segoe UI" panose="020B0502040204020203" pitchFamily="34" charset="0"/>
-            </a:endParaRPr>
-          </a:p>
-        </p:txBody>
-      </p:sp>
-      <p:sp>
-        <p:nvSpPr>
-          <p:cNvPr id="6" name="TextBox 5">
-            <a:extLst>
-              <a:ext uri="{FF2B5EF4-FFF2-40B4-BE49-F238E27FC236}">
-                <a16:creationId xmlns:a16="http://schemas.microsoft.com/office/drawing/2014/main" id="{EF90CB24-CE1E-4C52-A116-F4477694A516}"/>
-              </a:ext>
-            </a:extLst>
-          </p:cNvPr>
-          <p:cNvSpPr txBox="1"/>
-          <p:nvPr/>
-        </p:nvSpPr>
-        <p:spPr>
-          <a:xfrm>
-            <a:off x="6082112" y="3333750"/>
-            <a:ext cx="5224064" cy="1754326"/>
-          </a:xfrm>
-          <a:prstGeom prst="rect">
-            <a:avLst/>
-          </a:prstGeom>
-          <a:noFill/>
-        </p:spPr>
-        <p:txBody>
-          <a:bodyPr wrap="square" rtlCol="0">
-            <a:spAutoFit/>
-          </a:bodyPr>
-          <a:lstStyle/>
-          <a:p>
-            <a:r>
-              <a:rPr lang="en-US" dirty="0">
-                <a:solidFill>
-                  <a:srgbClr val="000000"/>
-                </a:solidFill>
-                <a:cs typeface="Segoe UI" panose="020B0502040204020203" pitchFamily="34" charset="0"/>
-              </a:rPr>
-              <a:t>Design to include:</a:t>
-            </a:r>
-          </a:p>
-          <a:p>
-            <a:r>
-              <a:rPr lang="en-US" dirty="0">
-                <a:solidFill>
-                  <a:srgbClr val="000000"/>
-                </a:solidFill>
-                <a:cs typeface="Segoe UI" panose="020B0502040204020203" pitchFamily="34" charset="0"/>
-              </a:rPr>
-              <a:t>Clean and simple design</a:t>
-            </a:r>
-          </a:p>
-          <a:p>
-            <a:r>
-              <a:rPr lang="en-US" dirty="0">
-                <a:solidFill>
-                  <a:srgbClr val="000000"/>
-                </a:solidFill>
-                <a:cs typeface="Segoe UI" panose="020B0502040204020203" pitchFamily="34" charset="0"/>
-              </a:rPr>
-              <a:t>User access levels (client, administrator)</a:t>
-            </a:r>
-          </a:p>
-          <a:p>
-            <a:r>
-              <a:rPr lang="en-US" dirty="0">
-                <a:solidFill>
-                  <a:srgbClr val="000000"/>
-                </a:solidFill>
-                <a:cs typeface="Segoe UI" panose="020B0502040204020203" pitchFamily="34" charset="0"/>
-              </a:rPr>
-              <a:t>Includes at least one self developed API and one webservice</a:t>
-            </a:r>
-          </a:p>
-          <a:p>
-            <a:r>
-              <a:rPr lang="en-US" dirty="0">
-                <a:solidFill>
-                  <a:srgbClr val="000000"/>
-                </a:solidFill>
-                <a:cs typeface="Segoe UI" panose="020B0502040204020203" pitchFamily="34" charset="0"/>
-              </a:rPr>
-              <a:t>To be run over Amazon AWS</a:t>
-            </a:r>
-          </a:p>
-        </p:txBody>
-      </p:sp>
-    </p:spTree>
-    <p:extLst>
-      <p:ext uri="{BB962C8B-B14F-4D97-AF65-F5344CB8AC3E}">
-        <p14:creationId xmlns:p14="http://schemas.microsoft.com/office/powerpoint/2010/main" val="381659708"/>
-      </p:ext>
-    </p:extLst>
-  </p:cSld>
-  <p:clrMapOvr>
-    <a:masterClrMapping/>
-  </p:clrMapOvr>
-</p:sld>
-</file>
-
-<file path=ppt/slides/slide3.xml><?xml version="1.0" encoding="utf-8"?>
+<file path=ppt/slides/slide10.xml><?xml version="1.0" encoding="utf-8"?>
 <p:sld xmlns:a="http://schemas.openxmlformats.org/drawingml/2006/main" xmlns:r="http://schemas.openxmlformats.org/officeDocument/2006/relationships" xmlns:p="http://schemas.openxmlformats.org/presentationml/2006/main">
   <p:cSld>
     <p:bg>
@@ -7365,7 +7204,7 @@
                 <a:ea typeface="+mj-ea"/>
                 <a:cs typeface="+mj-cs"/>
               </a:rPr>
-              <a:t>Architectural Diagram</a:t>
+              <a:t>Mock-ups</a:t>
             </a:r>
           </a:p>
         </p:txBody>
@@ -7440,56 +7279,10 @@
           </a:p>
         </p:txBody>
       </p:sp>
-      <p:pic>
-        <p:nvPicPr>
-          <p:cNvPr id="2050" name="Picture 2">
-            <a:extLst>
-              <a:ext uri="{FF2B5EF4-FFF2-40B4-BE49-F238E27FC236}">
-                <a16:creationId xmlns:a16="http://schemas.microsoft.com/office/drawing/2014/main" id="{33E07461-F097-4C85-8DBD-810E1FD14814}"/>
-              </a:ext>
-            </a:extLst>
-          </p:cNvPr>
-          <p:cNvPicPr>
-            <a:picLocks noChangeAspect="1" noChangeArrowheads="1"/>
-          </p:cNvPicPr>
-          <p:nvPr/>
-        </p:nvPicPr>
-        <p:blipFill>
-          <a:blip r:embed="rId3">
-            <a:extLst>
-              <a:ext uri="{28A0092B-C50C-407E-A947-70E740481C1C}">
-                <a14:useLocalDpi xmlns:a14="http://schemas.microsoft.com/office/drawing/2010/main" val="0"/>
-              </a:ext>
-            </a:extLst>
-          </a:blip>
-          <a:stretch>
-            <a:fillRect/>
-          </a:stretch>
-        </p:blipFill>
-        <p:spPr bwMode="auto">
-          <a:xfrm>
-            <a:off x="910541" y="1897207"/>
-            <a:ext cx="10370917" cy="4338789"/>
-          </a:xfrm>
-          <a:prstGeom prst="rect">
-            <a:avLst/>
-          </a:prstGeom>
-          <a:noFill/>
-          <a:extLst>
-            <a:ext uri="{909E8E84-426E-40DD-AFC4-6F175D3DCCD1}">
-              <a14:hiddenFill xmlns:a14="http://schemas.microsoft.com/office/drawing/2010/main">
-                <a:solidFill>
-                  <a:srgbClr val="FFFFFF"/>
-                </a:solidFill>
-              </a14:hiddenFill>
-            </a:ext>
-          </a:extLst>
-        </p:spPr>
-      </p:pic>
     </p:spTree>
     <p:extLst>
       <p:ext uri="{BB962C8B-B14F-4D97-AF65-F5344CB8AC3E}">
-        <p14:creationId xmlns:p14="http://schemas.microsoft.com/office/powerpoint/2010/main" val="882630486"/>
+        <p14:creationId xmlns:p14="http://schemas.microsoft.com/office/powerpoint/2010/main" val="3893044674"/>
       </p:ext>
     </p:extLst>
   </p:cSld>
@@ -7499,1699 +7292,7 @@
 </p:sld>
 </file>
 
-<file path=ppt/slides/slide4.xml><?xml version="1.0" encoding="utf-8"?>
-<p:sld xmlns:a="http://schemas.openxmlformats.org/drawingml/2006/main" xmlns:r="http://schemas.openxmlformats.org/officeDocument/2006/relationships" xmlns:p="http://schemas.openxmlformats.org/presentationml/2006/main">
-  <p:cSld>
-    <p:bg>
-      <p:bgPr>
-        <a:solidFill>
-          <a:schemeClr val="bg1"/>
-        </a:solidFill>
-        <a:effectLst/>
-      </p:bgPr>
-    </p:bg>
-    <p:spTree>
-      <p:nvGrpSpPr>
-        <p:cNvPr id="1" name=""/>
-        <p:cNvGrpSpPr/>
-        <p:nvPr/>
-      </p:nvGrpSpPr>
-      <p:grpSpPr>
-        <a:xfrm>
-          <a:off x="0" y="0"/>
-          <a:ext cx="0" cy="0"/>
-          <a:chOff x="0" y="0"/>
-          <a:chExt cx="0" cy="0"/>
-        </a:xfrm>
-      </p:grpSpPr>
-      <p:sp useBgFill="1">
-        <p:nvSpPr>
-          <p:cNvPr id="13" name="Rectangle 12">
-            <a:extLst>
-              <a:ext uri="{FF2B5EF4-FFF2-40B4-BE49-F238E27FC236}">
-                <a16:creationId xmlns:a16="http://schemas.microsoft.com/office/drawing/2014/main" id="{72C7A71F-A746-4AB2-8FF5-03D4135FAFAD}"/>
-              </a:ext>
-              <a:ext uri="{C183D7F6-B498-43B3-948B-1728B52AA6E4}">
-                <adec:decorative xmlns:adec="http://schemas.microsoft.com/office/drawing/2017/decorative" val="1"/>
-              </a:ext>
-            </a:extLst>
-          </p:cNvPr>
-          <p:cNvSpPr>
-            <a:spLocks noGrp="1" noRot="1" noChangeAspect="1" noMove="1" noResize="1" noEditPoints="1" noAdjustHandles="1" noChangeArrowheads="1" noChangeShapeType="1" noTextEdit="1"/>
-          </p:cNvSpPr>
-          <p:nvPr>
-            <p:extLst>
-              <p:ext uri="{386F3935-93C4-4BCD-93E2-E3B085C9AB24}">
-                <p16:designElem xmlns:p16="http://schemas.microsoft.com/office/powerpoint/2015/main" val="1"/>
-              </p:ext>
-            </p:extLst>
-          </p:nvPr>
-        </p:nvSpPr>
-        <p:spPr>
-          <a:xfrm>
-            <a:off x="0" y="0"/>
-            <a:ext cx="12192000" cy="6858000"/>
-          </a:xfrm>
-          <a:prstGeom prst="rect">
-            <a:avLst/>
-          </a:prstGeom>
-          <a:ln>
-            <a:noFill/>
-          </a:ln>
-        </p:spPr>
-        <p:style>
-          <a:lnRef idx="2">
-            <a:schemeClr val="accent1">
-              <a:shade val="50000"/>
-            </a:schemeClr>
-          </a:lnRef>
-          <a:fillRef idx="1">
-            <a:schemeClr val="accent1"/>
-          </a:fillRef>
-          <a:effectRef idx="0">
-            <a:schemeClr val="accent1"/>
-          </a:effectRef>
-          <a:fontRef idx="minor">
-            <a:schemeClr val="lt1"/>
-          </a:fontRef>
-        </p:style>
-        <p:txBody>
-          <a:bodyPr rtlCol="0" anchor="ctr"/>
-          <a:lstStyle/>
-          <a:p>
-            <a:pPr algn="ctr"/>
-            <a:endParaRPr lang="en-US"/>
-          </a:p>
-        </p:txBody>
-      </p:sp>
-      <p:sp useBgFill="1">
-        <p:nvSpPr>
-          <p:cNvPr id="15" name="Rectangle 14">
-            <a:extLst>
-              <a:ext uri="{FF2B5EF4-FFF2-40B4-BE49-F238E27FC236}">
-                <a16:creationId xmlns:a16="http://schemas.microsoft.com/office/drawing/2014/main" id="{17FF8914-DDE9-46F8-AF0A-54FD0AC09BEE}"/>
-              </a:ext>
-              <a:ext uri="{C183D7F6-B498-43B3-948B-1728B52AA6E4}">
-                <adec:decorative xmlns:adec="http://schemas.microsoft.com/office/drawing/2017/decorative" val="1"/>
-              </a:ext>
-            </a:extLst>
-          </p:cNvPr>
-          <p:cNvSpPr>
-            <a:spLocks noGrp="1" noRot="1" noChangeAspect="1" noMove="1" noResize="1" noEditPoints="1" noAdjustHandles="1" noChangeArrowheads="1" noChangeShapeType="1" noTextEdit="1"/>
-          </p:cNvSpPr>
-          <p:nvPr>
-            <p:extLst>
-              <p:ext uri="{386F3935-93C4-4BCD-93E2-E3B085C9AB24}">
-                <p16:designElem xmlns:p16="http://schemas.microsoft.com/office/powerpoint/2015/main" val="1"/>
-              </p:ext>
-            </p:extLst>
-          </p:nvPr>
-        </p:nvSpPr>
-        <p:spPr>
-          <a:xfrm>
-            <a:off x="665853" y="1533525"/>
-            <a:ext cx="10917063" cy="3790950"/>
-          </a:xfrm>
-          <a:prstGeom prst="rect">
-            <a:avLst/>
-          </a:prstGeom>
-          <a:solidFill>
-            <a:schemeClr val="bg1"/>
-          </a:solidFill>
-          <a:ln w="12700">
-            <a:solidFill>
-              <a:srgbClr val="E1E1E1"/>
-            </a:solidFill>
-          </a:ln>
-          <a:effectLst>
-            <a:outerShdw blurRad="50800" dist="38100" dir="2700000" algn="tl" rotWithShape="0">
-              <a:schemeClr val="bg1">
-                <a:lumMod val="85000"/>
-                <a:alpha val="50000"/>
-              </a:schemeClr>
-            </a:outerShdw>
-          </a:effectLst>
-        </p:spPr>
-        <p:style>
-          <a:lnRef idx="2">
-            <a:schemeClr val="accent1">
-              <a:shade val="50000"/>
-            </a:schemeClr>
-          </a:lnRef>
-          <a:fillRef idx="1">
-            <a:schemeClr val="accent1"/>
-          </a:fillRef>
-          <a:effectRef idx="0">
-            <a:schemeClr val="accent1"/>
-          </a:effectRef>
-          <a:fontRef idx="minor">
-            <a:schemeClr val="lt1"/>
-          </a:fontRef>
-        </p:style>
-        <p:txBody>
-          <a:bodyPr rtlCol="0" anchor="ctr"/>
-          <a:lstStyle/>
-          <a:p>
-            <a:pPr algn="ctr"/>
-            <a:endParaRPr lang="en-US" dirty="0">
-              <a:solidFill>
-                <a:prstClr val="white"/>
-              </a:solidFill>
-              <a:latin typeface="Calibri" panose="020F0502020204030204"/>
-            </a:endParaRPr>
-          </a:p>
-        </p:txBody>
-      </p:sp>
-      <p:sp>
-        <p:nvSpPr>
-          <p:cNvPr id="2" name="Title 1">
-            <a:extLst>
-              <a:ext uri="{FF2B5EF4-FFF2-40B4-BE49-F238E27FC236}">
-                <a16:creationId xmlns:a16="http://schemas.microsoft.com/office/drawing/2014/main" id="{2D34CEF4-01D3-4AF7-9E84-F43030ACA972}"/>
-              </a:ext>
-            </a:extLst>
-          </p:cNvPr>
-          <p:cNvSpPr>
-            <a:spLocks noGrp="1"/>
-          </p:cNvSpPr>
-          <p:nvPr>
-            <p:ph type="title"/>
-          </p:nvPr>
-        </p:nvSpPr>
-        <p:spPr>
-          <a:xfrm>
-            <a:off x="1074419" y="1933575"/>
-            <a:ext cx="7013448" cy="2990849"/>
-          </a:xfrm>
-        </p:spPr>
-        <p:txBody>
-          <a:bodyPr vert="horz" lIns="91440" tIns="45720" rIns="91440" bIns="45720" rtlCol="0" anchor="ctr">
-            <a:normAutofit/>
-          </a:bodyPr>
-          <a:lstStyle/>
-          <a:p>
-            <a:r>
-              <a:rPr lang="en-US" sz="5400" kern="1200">
-                <a:solidFill>
-                  <a:schemeClr val="tx1"/>
-                </a:solidFill>
-                <a:latin typeface="+mj-lt"/>
-                <a:ea typeface="+mj-ea"/>
-                <a:cs typeface="+mj-cs"/>
-              </a:rPr>
-              <a:t>Key Project Components</a:t>
-            </a:r>
-          </a:p>
-        </p:txBody>
-      </p:sp>
-      <p:sp>
-        <p:nvSpPr>
-          <p:cNvPr id="5" name="TextBox 4">
-            <a:extLst>
-              <a:ext uri="{FF2B5EF4-FFF2-40B4-BE49-F238E27FC236}">
-                <a16:creationId xmlns:a16="http://schemas.microsoft.com/office/drawing/2014/main" id="{B91596C9-FAE5-4736-ADAF-DA6854F51C54}"/>
-              </a:ext>
-            </a:extLst>
-          </p:cNvPr>
-          <p:cNvSpPr txBox="1"/>
-          <p:nvPr/>
-        </p:nvSpPr>
-        <p:spPr>
-          <a:xfrm>
-            <a:off x="8610600" y="1933574"/>
-            <a:ext cx="2686812" cy="2990849"/>
-          </a:xfrm>
-          <a:prstGeom prst="rect">
-            <a:avLst/>
-          </a:prstGeom>
-        </p:spPr>
-        <p:txBody>
-          <a:bodyPr vert="horz" lIns="91440" tIns="45720" rIns="91440" bIns="45720" rtlCol="0" anchor="ctr">
-            <a:normAutofit/>
-          </a:bodyPr>
-          <a:lstStyle/>
-          <a:p>
-            <a:pPr>
-              <a:lnSpc>
-                <a:spcPct val="90000"/>
-              </a:lnSpc>
-              <a:spcBef>
-                <a:spcPts val="1000"/>
-              </a:spcBef>
-            </a:pPr>
-            <a:r>
-              <a:rPr lang="en-US" sz="2800" kern="1200" dirty="0">
-                <a:solidFill>
-                  <a:schemeClr val="tx1"/>
-                </a:solidFill>
-                <a:latin typeface="+mn-lt"/>
-                <a:ea typeface="+mn-ea"/>
-                <a:cs typeface="+mn-cs"/>
-              </a:rPr>
-              <a:t>The following components will be implemented in later phases of the project.</a:t>
-            </a:r>
-          </a:p>
-        </p:txBody>
-      </p:sp>
-      <p:sp>
-        <p:nvSpPr>
-          <p:cNvPr id="17" name="Rectangle 16">
-            <a:extLst>
-              <a:ext uri="{FF2B5EF4-FFF2-40B4-BE49-F238E27FC236}">
-                <a16:creationId xmlns:a16="http://schemas.microsoft.com/office/drawing/2014/main" id="{094C1DE0-31FE-4AD0-95EA-B65CA6B89D58}"/>
-              </a:ext>
-              <a:ext uri="{C183D7F6-B498-43B3-948B-1728B52AA6E4}">
-                <adec:decorative xmlns:adec="http://schemas.microsoft.com/office/drawing/2017/decorative" val="1"/>
-              </a:ext>
-            </a:extLst>
-          </p:cNvPr>
-          <p:cNvSpPr>
-            <a:spLocks noGrp="1" noRot="1" noChangeAspect="1" noMove="1" noResize="1" noEditPoints="1" noAdjustHandles="1" noChangeArrowheads="1" noChangeShapeType="1" noTextEdit="1"/>
-          </p:cNvSpPr>
-          <p:nvPr>
-            <p:extLst>
-              <p:ext uri="{386F3935-93C4-4BCD-93E2-E3B085C9AB24}">
-                <p16:designElem xmlns:p16="http://schemas.microsoft.com/office/powerpoint/2015/main" val="1"/>
-              </p:ext>
-            </p:extLst>
-          </p:nvPr>
-        </p:nvSpPr>
-        <p:spPr>
-          <a:xfrm>
-            <a:off x="609084" y="2965074"/>
-            <a:ext cx="128016" cy="914400"/>
-          </a:xfrm>
-          <a:prstGeom prst="rect">
-            <a:avLst/>
-          </a:prstGeom>
-          <a:solidFill>
-            <a:schemeClr val="accent2"/>
-          </a:solidFill>
-          <a:ln>
-            <a:noFill/>
-          </a:ln>
-        </p:spPr>
-        <p:style>
-          <a:lnRef idx="2">
-            <a:schemeClr val="accent1">
-              <a:shade val="50000"/>
-            </a:schemeClr>
-          </a:lnRef>
-          <a:fillRef idx="1">
-            <a:schemeClr val="accent1"/>
-          </a:fillRef>
-          <a:effectRef idx="0">
-            <a:schemeClr val="accent1"/>
-          </a:effectRef>
-          <a:fontRef idx="minor">
-            <a:schemeClr val="lt1"/>
-          </a:fontRef>
-        </p:style>
-        <p:txBody>
-          <a:bodyPr rtlCol="0" anchor="ctr"/>
-          <a:lstStyle/>
-          <a:p>
-            <a:pPr marL="0" marR="0" lvl="0" indent="0" algn="ctr" defTabSz="914400" rtl="0" eaLnBrk="1" fontAlgn="auto" latinLnBrk="0" hangingPunct="1">
-              <a:lnSpc>
-                <a:spcPct val="100000"/>
-              </a:lnSpc>
-              <a:spcBef>
-                <a:spcPts val="0"/>
-              </a:spcBef>
-              <a:spcAft>
-                <a:spcPts val="0"/>
-              </a:spcAft>
-              <a:buClrTx/>
-              <a:buSzTx/>
-              <a:buFontTx/>
-              <a:buNone/>
-              <a:tabLst/>
-              <a:defRPr/>
-            </a:pPr>
-            <a:endParaRPr kumimoji="0" lang="en-US" sz="1800" b="0" i="0" u="none" strike="noStrike" kern="1200" cap="none" spc="0" normalizeH="0" baseline="0" noProof="0">
-              <a:ln>
-                <a:noFill/>
-              </a:ln>
-              <a:solidFill>
-                <a:prstClr val="white"/>
-              </a:solidFill>
-              <a:effectLst/>
-              <a:uLnTx/>
-              <a:uFillTx/>
-              <a:latin typeface="Calibri" panose="020F0502020204030204"/>
-              <a:ea typeface="+mn-ea"/>
-              <a:cs typeface="+mn-cs"/>
-            </a:endParaRPr>
-          </a:p>
-        </p:txBody>
-      </p:sp>
-      <p:sp>
-        <p:nvSpPr>
-          <p:cNvPr id="19" name="Rectangle 18">
-            <a:extLst>
-              <a:ext uri="{FF2B5EF4-FFF2-40B4-BE49-F238E27FC236}">
-                <a16:creationId xmlns:a16="http://schemas.microsoft.com/office/drawing/2014/main" id="{3F736409-6C07-4CE8-86F8-1174E2235C2E}"/>
-              </a:ext>
-              <a:ext uri="{C183D7F6-B498-43B3-948B-1728B52AA6E4}">
-                <adec:decorative xmlns:adec="http://schemas.microsoft.com/office/drawing/2017/decorative" val="1"/>
-              </a:ext>
-            </a:extLst>
-          </p:cNvPr>
-          <p:cNvSpPr>
-            <a:spLocks noGrp="1" noRot="1" noChangeAspect="1" noMove="1" noResize="1" noEditPoints="1" noAdjustHandles="1" noChangeArrowheads="1" noChangeShapeType="1" noTextEdit="1"/>
-          </p:cNvSpPr>
-          <p:nvPr>
-            <p:extLst>
-              <p:ext uri="{386F3935-93C4-4BCD-93E2-E3B085C9AB24}">
-                <p16:designElem xmlns:p16="http://schemas.microsoft.com/office/powerpoint/2015/main" val="1"/>
-              </p:ext>
-            </p:extLst>
-          </p:nvPr>
-        </p:nvSpPr>
-        <p:spPr>
-          <a:xfrm rot="5400000">
-            <a:off x="7360539" y="3424428"/>
-            <a:ext cx="2103120" cy="9144"/>
-          </a:xfrm>
-          <a:prstGeom prst="rect">
-            <a:avLst/>
-          </a:prstGeom>
-          <a:solidFill>
-            <a:srgbClr val="D5D5D5"/>
-          </a:solidFill>
-          <a:ln w="3175">
-            <a:noFill/>
-          </a:ln>
-          <a:effectLst/>
-        </p:spPr>
-        <p:style>
-          <a:lnRef idx="2">
-            <a:schemeClr val="accent1">
-              <a:shade val="50000"/>
-            </a:schemeClr>
-          </a:lnRef>
-          <a:fillRef idx="1">
-            <a:schemeClr val="accent1"/>
-          </a:fillRef>
-          <a:effectRef idx="0">
-            <a:schemeClr val="accent1"/>
-          </a:effectRef>
-          <a:fontRef idx="minor">
-            <a:schemeClr val="lt1"/>
-          </a:fontRef>
-        </p:style>
-        <p:txBody>
-          <a:bodyPr rtlCol="0" anchor="ctr"/>
-          <a:lstStyle/>
-          <a:p>
-            <a:pPr marL="0" marR="0" lvl="0" indent="0" algn="ctr" defTabSz="914400" rtl="0" eaLnBrk="1" fontAlgn="auto" latinLnBrk="0" hangingPunct="1">
-              <a:lnSpc>
-                <a:spcPct val="100000"/>
-              </a:lnSpc>
-              <a:spcBef>
-                <a:spcPts val="0"/>
-              </a:spcBef>
-              <a:spcAft>
-                <a:spcPts val="0"/>
-              </a:spcAft>
-              <a:buClrTx/>
-              <a:buSzTx/>
-              <a:buFontTx/>
-              <a:buNone/>
-              <a:tabLst/>
-              <a:defRPr/>
-            </a:pPr>
-            <a:endParaRPr kumimoji="0" lang="en-US" sz="1800" b="0" i="0" u="none" strike="noStrike" kern="1200" cap="none" spc="0" normalizeH="0" baseline="0" noProof="0">
-              <a:ln>
-                <a:noFill/>
-              </a:ln>
-              <a:solidFill>
-                <a:prstClr val="white"/>
-              </a:solidFill>
-              <a:effectLst/>
-              <a:uLnTx/>
-              <a:uFillTx/>
-              <a:latin typeface="Calibri" panose="020F0502020204030204"/>
-              <a:ea typeface="+mn-ea"/>
-              <a:cs typeface="+mn-cs"/>
-            </a:endParaRPr>
-          </a:p>
-        </p:txBody>
-      </p:sp>
-    </p:spTree>
-    <p:extLst>
-      <p:ext uri="{BB962C8B-B14F-4D97-AF65-F5344CB8AC3E}">
-        <p14:creationId xmlns:p14="http://schemas.microsoft.com/office/powerpoint/2010/main" val="397072516"/>
-      </p:ext>
-    </p:extLst>
-  </p:cSld>
-  <p:clrMapOvr>
-    <a:masterClrMapping/>
-  </p:clrMapOvr>
-</p:sld>
-</file>
-
-<file path=ppt/slides/slide5.xml><?xml version="1.0" encoding="utf-8"?>
-<p:sld xmlns:a="http://schemas.openxmlformats.org/drawingml/2006/main" xmlns:r="http://schemas.openxmlformats.org/officeDocument/2006/relationships" xmlns:p="http://schemas.openxmlformats.org/presentationml/2006/main">
-  <p:cSld>
-    <p:bg>
-      <p:bgPr>
-        <a:solidFill>
-          <a:schemeClr val="bg1"/>
-        </a:solidFill>
-        <a:effectLst/>
-      </p:bgPr>
-    </p:bg>
-    <p:spTree>
-      <p:nvGrpSpPr>
-        <p:cNvPr id="1" name=""/>
-        <p:cNvGrpSpPr/>
-        <p:nvPr/>
-      </p:nvGrpSpPr>
-      <p:grpSpPr>
-        <a:xfrm>
-          <a:off x="0" y="0"/>
-          <a:ext cx="0" cy="0"/>
-          <a:chOff x="0" y="0"/>
-          <a:chExt cx="0" cy="0"/>
-        </a:xfrm>
-      </p:grpSpPr>
-      <p:sp useBgFill="1">
-        <p:nvSpPr>
-          <p:cNvPr id="71" name="Rectangle 70">
-            <a:extLst>
-              <a:ext uri="{FF2B5EF4-FFF2-40B4-BE49-F238E27FC236}">
-                <a16:creationId xmlns:a16="http://schemas.microsoft.com/office/drawing/2014/main" id="{C1A1C5D3-C053-4EE9-BE1A-419B6E27CCAE}"/>
-              </a:ext>
-              <a:ext uri="{C183D7F6-B498-43B3-948B-1728B52AA6E4}">
-                <adec:decorative xmlns:adec="http://schemas.microsoft.com/office/drawing/2017/decorative" val="1"/>
-              </a:ext>
-            </a:extLst>
-          </p:cNvPr>
-          <p:cNvSpPr>
-            <a:spLocks noGrp="1" noRot="1" noChangeAspect="1" noMove="1" noResize="1" noEditPoints="1" noAdjustHandles="1" noChangeArrowheads="1" noChangeShapeType="1" noTextEdit="1"/>
-          </p:cNvSpPr>
-          <p:nvPr>
-            <p:extLst>
-              <p:ext uri="{386F3935-93C4-4BCD-93E2-E3B085C9AB24}">
-                <p16:designElem xmlns:p16="http://schemas.microsoft.com/office/powerpoint/2015/main" val="1"/>
-              </p:ext>
-            </p:extLst>
-          </p:nvPr>
-        </p:nvSpPr>
-        <p:spPr>
-          <a:xfrm>
-            <a:off x="0" y="0"/>
-            <a:ext cx="12192000" cy="6858000"/>
-          </a:xfrm>
-          <a:prstGeom prst="rect">
-            <a:avLst/>
-          </a:prstGeom>
-          <a:ln>
-            <a:noFill/>
-          </a:ln>
-        </p:spPr>
-        <p:style>
-          <a:lnRef idx="2">
-            <a:schemeClr val="accent1">
-              <a:shade val="50000"/>
-            </a:schemeClr>
-          </a:lnRef>
-          <a:fillRef idx="1">
-            <a:schemeClr val="accent1"/>
-          </a:fillRef>
-          <a:effectRef idx="0">
-            <a:schemeClr val="accent1"/>
-          </a:effectRef>
-          <a:fontRef idx="minor">
-            <a:schemeClr val="lt1"/>
-          </a:fontRef>
-        </p:style>
-        <p:txBody>
-          <a:bodyPr rtlCol="0" anchor="ctr"/>
-          <a:lstStyle/>
-          <a:p>
-            <a:pPr algn="ctr"/>
-            <a:endParaRPr lang="en-US" dirty="0"/>
-          </a:p>
-        </p:txBody>
-      </p:sp>
-      <p:sp useBgFill="1">
-        <p:nvSpPr>
-          <p:cNvPr id="73" name="Rectangle 72">
-            <a:extLst>
-              <a:ext uri="{FF2B5EF4-FFF2-40B4-BE49-F238E27FC236}">
-                <a16:creationId xmlns:a16="http://schemas.microsoft.com/office/drawing/2014/main" id="{A3473CF9-37EB-43E7-89EF-D2D1C53D1DAC}"/>
-              </a:ext>
-              <a:ext uri="{C183D7F6-B498-43B3-948B-1728B52AA6E4}">
-                <adec:decorative xmlns:adec="http://schemas.microsoft.com/office/drawing/2017/decorative" val="1"/>
-              </a:ext>
-            </a:extLst>
-          </p:cNvPr>
-          <p:cNvSpPr>
-            <a:spLocks noGrp="1" noRot="1" noChangeAspect="1" noMove="1" noResize="1" noEditPoints="1" noAdjustHandles="1" noChangeArrowheads="1" noChangeShapeType="1" noTextEdit="1"/>
-          </p:cNvSpPr>
-          <p:nvPr>
-            <p:extLst>
-              <p:ext uri="{386F3935-93C4-4BCD-93E2-E3B085C9AB24}">
-                <p16:designElem xmlns:p16="http://schemas.microsoft.com/office/powerpoint/2015/main" val="1"/>
-              </p:ext>
-            </p:extLst>
-          </p:nvPr>
-        </p:nvSpPr>
-        <p:spPr>
-          <a:xfrm>
-            <a:off x="1903615" y="221673"/>
-            <a:ext cx="8384770" cy="1332634"/>
-          </a:xfrm>
-          <a:prstGeom prst="rect">
-            <a:avLst/>
-          </a:prstGeom>
-          <a:ln w="12700">
-            <a:solidFill>
-              <a:srgbClr val="E1E1E1"/>
-            </a:solidFill>
-          </a:ln>
-          <a:effectLst>
-            <a:outerShdw blurRad="50800" dist="38100" dir="2700000" algn="tl" rotWithShape="0">
-              <a:schemeClr val="bg2">
-                <a:lumMod val="85000"/>
-                <a:alpha val="50000"/>
-              </a:schemeClr>
-            </a:outerShdw>
-          </a:effectLst>
-        </p:spPr>
-        <p:style>
-          <a:lnRef idx="2">
-            <a:schemeClr val="accent1">
-              <a:shade val="50000"/>
-            </a:schemeClr>
-          </a:lnRef>
-          <a:fillRef idx="1">
-            <a:schemeClr val="accent1"/>
-          </a:fillRef>
-          <a:effectRef idx="0">
-            <a:schemeClr val="accent1"/>
-          </a:effectRef>
-          <a:fontRef idx="minor">
-            <a:schemeClr val="lt1"/>
-          </a:fontRef>
-        </p:style>
-        <p:txBody>
-          <a:bodyPr rtlCol="0" anchor="ctr"/>
-          <a:lstStyle/>
-          <a:p>
-            <a:pPr marL="0" marR="0" lvl="0" indent="0" algn="ctr" defTabSz="914400" rtl="0" eaLnBrk="1" fontAlgn="auto" latinLnBrk="0" hangingPunct="1">
-              <a:lnSpc>
-                <a:spcPct val="100000"/>
-              </a:lnSpc>
-              <a:spcBef>
-                <a:spcPts val="0"/>
-              </a:spcBef>
-              <a:spcAft>
-                <a:spcPts val="0"/>
-              </a:spcAft>
-              <a:buClrTx/>
-              <a:buSzTx/>
-              <a:buFontTx/>
-              <a:buNone/>
-              <a:tabLst/>
-              <a:defRPr/>
-            </a:pPr>
-            <a:endParaRPr kumimoji="0" lang="en-US" sz="1800" b="0" i="0" u="none" strike="noStrike" kern="1200" cap="none" spc="0" normalizeH="0" baseline="0" noProof="0" dirty="0">
-              <a:ln>
-                <a:noFill/>
-              </a:ln>
-              <a:solidFill>
-                <a:prstClr val="white"/>
-              </a:solidFill>
-              <a:effectLst/>
-              <a:uLnTx/>
-              <a:uFillTx/>
-              <a:latin typeface="Calibri" panose="020F0502020204030204"/>
-              <a:ea typeface="+mn-ea"/>
-              <a:cs typeface="+mn-cs"/>
-            </a:endParaRPr>
-          </a:p>
-        </p:txBody>
-      </p:sp>
-      <p:sp>
-        <p:nvSpPr>
-          <p:cNvPr id="2" name="Title 1">
-            <a:extLst>
-              <a:ext uri="{FF2B5EF4-FFF2-40B4-BE49-F238E27FC236}">
-                <a16:creationId xmlns:a16="http://schemas.microsoft.com/office/drawing/2014/main" id="{0FDE5079-B185-4DE0-AF2C-AE4B7709FBC3}"/>
-              </a:ext>
-            </a:extLst>
-          </p:cNvPr>
-          <p:cNvSpPr>
-            <a:spLocks noGrp="1"/>
-          </p:cNvSpPr>
-          <p:nvPr>
-            <p:ph type="title"/>
-          </p:nvPr>
-        </p:nvSpPr>
-        <p:spPr>
-          <a:xfrm>
-            <a:off x="2103121" y="310343"/>
-            <a:ext cx="7985759" cy="868823"/>
-          </a:xfrm>
-        </p:spPr>
-        <p:txBody>
-          <a:bodyPr vert="horz" lIns="91440" tIns="45720" rIns="91440" bIns="45720" rtlCol="0" anchor="ctr">
-            <a:normAutofit/>
-          </a:bodyPr>
-          <a:lstStyle/>
-          <a:p>
-            <a:pPr algn="ctr"/>
-            <a:r>
-              <a:rPr lang="en-US" sz="4000" kern="1200" dirty="0">
-                <a:solidFill>
-                  <a:schemeClr val="tx1"/>
-                </a:solidFill>
-                <a:latin typeface="+mj-lt"/>
-                <a:ea typeface="+mj-ea"/>
-                <a:cs typeface="+mj-cs"/>
-              </a:rPr>
-              <a:t>Code Scanning</a:t>
-            </a:r>
-          </a:p>
-        </p:txBody>
-      </p:sp>
-      <p:sp>
-        <p:nvSpPr>
-          <p:cNvPr id="75" name="Rectangle: Rounded Corners 74">
-            <a:extLst>
-              <a:ext uri="{FF2B5EF4-FFF2-40B4-BE49-F238E27FC236}">
-                <a16:creationId xmlns:a16="http://schemas.microsoft.com/office/drawing/2014/main" id="{586B4EF9-43BA-4655-A6FF-1D8E21574C95}"/>
-              </a:ext>
-              <a:ext uri="{C183D7F6-B498-43B3-948B-1728B52AA6E4}">
-                <adec:decorative xmlns:adec="http://schemas.microsoft.com/office/drawing/2017/decorative" val="1"/>
-              </a:ext>
-            </a:extLst>
-          </p:cNvPr>
-          <p:cNvSpPr>
-            <a:spLocks noGrp="1" noRot="1" noChangeAspect="1" noMove="1" noResize="1" noEditPoints="1" noAdjustHandles="1" noChangeArrowheads="1" noChangeShapeType="1" noTextEdit="1"/>
-          </p:cNvSpPr>
-          <p:nvPr>
-            <p:extLst>
-              <p:ext uri="{386F3935-93C4-4BCD-93E2-E3B085C9AB24}">
-                <p16:designElem xmlns:p16="http://schemas.microsoft.com/office/powerpoint/2015/main" val="1"/>
-              </p:ext>
-            </p:extLst>
-          </p:nvPr>
-        </p:nvSpPr>
-        <p:spPr>
-          <a:xfrm>
-            <a:off x="2483110" y="1211407"/>
-            <a:ext cx="7225780" cy="685800"/>
-          </a:xfrm>
-          <a:prstGeom prst="roundRect">
-            <a:avLst>
-              <a:gd name="adj" fmla="val 0"/>
-            </a:avLst>
-          </a:prstGeom>
-          <a:solidFill>
-            <a:schemeClr val="accent2"/>
-          </a:solidFill>
-          <a:ln>
-            <a:noFill/>
-          </a:ln>
-        </p:spPr>
-        <p:style>
-          <a:lnRef idx="2">
-            <a:schemeClr val="accent1">
-              <a:shade val="50000"/>
-            </a:schemeClr>
-          </a:lnRef>
-          <a:fillRef idx="1">
-            <a:schemeClr val="accent1"/>
-          </a:fillRef>
-          <a:effectRef idx="0">
-            <a:schemeClr val="accent1"/>
-          </a:effectRef>
-          <a:fontRef idx="minor">
-            <a:schemeClr val="lt1"/>
-          </a:fontRef>
-        </p:style>
-        <p:txBody>
-          <a:bodyPr rtlCol="0" anchor="ctr"/>
-          <a:lstStyle/>
-          <a:p>
-            <a:pPr algn="ctr"/>
-            <a:endParaRPr lang="en-US" dirty="0">
-              <a:solidFill>
-                <a:prstClr val="white"/>
-              </a:solidFill>
-              <a:latin typeface="Calibri" panose="020F0502020204030204"/>
-            </a:endParaRPr>
-          </a:p>
-        </p:txBody>
-      </p:sp>
-    </p:spTree>
-    <p:extLst>
-      <p:ext uri="{BB962C8B-B14F-4D97-AF65-F5344CB8AC3E}">
-        <p14:creationId xmlns:p14="http://schemas.microsoft.com/office/powerpoint/2010/main" val="2948992908"/>
-      </p:ext>
-    </p:extLst>
-  </p:cSld>
-  <p:clrMapOvr>
-    <a:masterClrMapping/>
-  </p:clrMapOvr>
-</p:sld>
-</file>
-
-<file path=ppt/slides/slide6.xml><?xml version="1.0" encoding="utf-8"?>
-<p:sld xmlns:a="http://schemas.openxmlformats.org/drawingml/2006/main" xmlns:r="http://schemas.openxmlformats.org/officeDocument/2006/relationships" xmlns:p="http://schemas.openxmlformats.org/presentationml/2006/main">
-  <p:cSld>
-    <p:bg>
-      <p:bgPr>
-        <a:solidFill>
-          <a:schemeClr val="bg1"/>
-        </a:solidFill>
-        <a:effectLst/>
-      </p:bgPr>
-    </p:bg>
-    <p:spTree>
-      <p:nvGrpSpPr>
-        <p:cNvPr id="1" name=""/>
-        <p:cNvGrpSpPr/>
-        <p:nvPr/>
-      </p:nvGrpSpPr>
-      <p:grpSpPr>
-        <a:xfrm>
-          <a:off x="0" y="0"/>
-          <a:ext cx="0" cy="0"/>
-          <a:chOff x="0" y="0"/>
-          <a:chExt cx="0" cy="0"/>
-        </a:xfrm>
-      </p:grpSpPr>
-      <p:sp useBgFill="1">
-        <p:nvSpPr>
-          <p:cNvPr id="71" name="Rectangle 70">
-            <a:extLst>
-              <a:ext uri="{FF2B5EF4-FFF2-40B4-BE49-F238E27FC236}">
-                <a16:creationId xmlns:a16="http://schemas.microsoft.com/office/drawing/2014/main" id="{C1A1C5D3-C053-4EE9-BE1A-419B6E27CCAE}"/>
-              </a:ext>
-              <a:ext uri="{C183D7F6-B498-43B3-948B-1728B52AA6E4}">
-                <adec:decorative xmlns:adec="http://schemas.microsoft.com/office/drawing/2017/decorative" val="1"/>
-              </a:ext>
-            </a:extLst>
-          </p:cNvPr>
-          <p:cNvSpPr>
-            <a:spLocks noGrp="1" noRot="1" noChangeAspect="1" noMove="1" noResize="1" noEditPoints="1" noAdjustHandles="1" noChangeArrowheads="1" noChangeShapeType="1" noTextEdit="1"/>
-          </p:cNvSpPr>
-          <p:nvPr>
-            <p:extLst>
-              <p:ext uri="{386F3935-93C4-4BCD-93E2-E3B085C9AB24}">
-                <p16:designElem xmlns:p16="http://schemas.microsoft.com/office/powerpoint/2015/main" val="1"/>
-              </p:ext>
-            </p:extLst>
-          </p:nvPr>
-        </p:nvSpPr>
-        <p:spPr>
-          <a:xfrm>
-            <a:off x="0" y="0"/>
-            <a:ext cx="12192000" cy="6858000"/>
-          </a:xfrm>
-          <a:prstGeom prst="rect">
-            <a:avLst/>
-          </a:prstGeom>
-          <a:ln>
-            <a:noFill/>
-          </a:ln>
-        </p:spPr>
-        <p:style>
-          <a:lnRef idx="2">
-            <a:schemeClr val="accent1">
-              <a:shade val="50000"/>
-            </a:schemeClr>
-          </a:lnRef>
-          <a:fillRef idx="1">
-            <a:schemeClr val="accent1"/>
-          </a:fillRef>
-          <a:effectRef idx="0">
-            <a:schemeClr val="accent1"/>
-          </a:effectRef>
-          <a:fontRef idx="minor">
-            <a:schemeClr val="lt1"/>
-          </a:fontRef>
-        </p:style>
-        <p:txBody>
-          <a:bodyPr rtlCol="0" anchor="ctr"/>
-          <a:lstStyle/>
-          <a:p>
-            <a:pPr algn="ctr"/>
-            <a:endParaRPr lang="en-US" dirty="0"/>
-          </a:p>
-        </p:txBody>
-      </p:sp>
-      <p:sp useBgFill="1">
-        <p:nvSpPr>
-          <p:cNvPr id="73" name="Rectangle 72">
-            <a:extLst>
-              <a:ext uri="{FF2B5EF4-FFF2-40B4-BE49-F238E27FC236}">
-                <a16:creationId xmlns:a16="http://schemas.microsoft.com/office/drawing/2014/main" id="{A3473CF9-37EB-43E7-89EF-D2D1C53D1DAC}"/>
-              </a:ext>
-              <a:ext uri="{C183D7F6-B498-43B3-948B-1728B52AA6E4}">
-                <adec:decorative xmlns:adec="http://schemas.microsoft.com/office/drawing/2017/decorative" val="1"/>
-              </a:ext>
-            </a:extLst>
-          </p:cNvPr>
-          <p:cNvSpPr>
-            <a:spLocks noGrp="1" noRot="1" noChangeAspect="1" noMove="1" noResize="1" noEditPoints="1" noAdjustHandles="1" noChangeArrowheads="1" noChangeShapeType="1" noTextEdit="1"/>
-          </p:cNvSpPr>
-          <p:nvPr>
-            <p:extLst>
-              <p:ext uri="{386F3935-93C4-4BCD-93E2-E3B085C9AB24}">
-                <p16:designElem xmlns:p16="http://schemas.microsoft.com/office/powerpoint/2015/main" val="1"/>
-              </p:ext>
-            </p:extLst>
-          </p:nvPr>
-        </p:nvSpPr>
-        <p:spPr>
-          <a:xfrm>
-            <a:off x="1903615" y="221673"/>
-            <a:ext cx="8384770" cy="1332634"/>
-          </a:xfrm>
-          <a:prstGeom prst="rect">
-            <a:avLst/>
-          </a:prstGeom>
-          <a:ln w="12700">
-            <a:solidFill>
-              <a:srgbClr val="E1E1E1"/>
-            </a:solidFill>
-          </a:ln>
-          <a:effectLst>
-            <a:outerShdw blurRad="50800" dist="38100" dir="2700000" algn="tl" rotWithShape="0">
-              <a:schemeClr val="bg2">
-                <a:lumMod val="85000"/>
-                <a:alpha val="50000"/>
-              </a:schemeClr>
-            </a:outerShdw>
-          </a:effectLst>
-        </p:spPr>
-        <p:style>
-          <a:lnRef idx="2">
-            <a:schemeClr val="accent1">
-              <a:shade val="50000"/>
-            </a:schemeClr>
-          </a:lnRef>
-          <a:fillRef idx="1">
-            <a:schemeClr val="accent1"/>
-          </a:fillRef>
-          <a:effectRef idx="0">
-            <a:schemeClr val="accent1"/>
-          </a:effectRef>
-          <a:fontRef idx="minor">
-            <a:schemeClr val="lt1"/>
-          </a:fontRef>
-        </p:style>
-        <p:txBody>
-          <a:bodyPr rtlCol="0" anchor="ctr"/>
-          <a:lstStyle/>
-          <a:p>
-            <a:pPr marL="0" marR="0" lvl="0" indent="0" algn="ctr" defTabSz="914400" rtl="0" eaLnBrk="1" fontAlgn="auto" latinLnBrk="0" hangingPunct="1">
-              <a:lnSpc>
-                <a:spcPct val="100000"/>
-              </a:lnSpc>
-              <a:spcBef>
-                <a:spcPts val="0"/>
-              </a:spcBef>
-              <a:spcAft>
-                <a:spcPts val="0"/>
-              </a:spcAft>
-              <a:buClrTx/>
-              <a:buSzTx/>
-              <a:buFontTx/>
-              <a:buNone/>
-              <a:tabLst/>
-              <a:defRPr/>
-            </a:pPr>
-            <a:endParaRPr kumimoji="0" lang="en-US" sz="1800" b="0" i="0" u="none" strike="noStrike" kern="1200" cap="none" spc="0" normalizeH="0" baseline="0" noProof="0" dirty="0">
-              <a:ln>
-                <a:noFill/>
-              </a:ln>
-              <a:solidFill>
-                <a:prstClr val="white"/>
-              </a:solidFill>
-              <a:effectLst/>
-              <a:uLnTx/>
-              <a:uFillTx/>
-              <a:latin typeface="Calibri" panose="020F0502020204030204"/>
-              <a:ea typeface="+mn-ea"/>
-              <a:cs typeface="+mn-cs"/>
-            </a:endParaRPr>
-          </a:p>
-        </p:txBody>
-      </p:sp>
-      <p:sp>
-        <p:nvSpPr>
-          <p:cNvPr id="2" name="Title 1">
-            <a:extLst>
-              <a:ext uri="{FF2B5EF4-FFF2-40B4-BE49-F238E27FC236}">
-                <a16:creationId xmlns:a16="http://schemas.microsoft.com/office/drawing/2014/main" id="{0FDE5079-B185-4DE0-AF2C-AE4B7709FBC3}"/>
-              </a:ext>
-            </a:extLst>
-          </p:cNvPr>
-          <p:cNvSpPr>
-            <a:spLocks noGrp="1"/>
-          </p:cNvSpPr>
-          <p:nvPr>
-            <p:ph type="title"/>
-          </p:nvPr>
-        </p:nvSpPr>
-        <p:spPr>
-          <a:xfrm>
-            <a:off x="2103121" y="310343"/>
-            <a:ext cx="7985759" cy="868823"/>
-          </a:xfrm>
-        </p:spPr>
-        <p:txBody>
-          <a:bodyPr vert="horz" lIns="91440" tIns="45720" rIns="91440" bIns="45720" rtlCol="0" anchor="ctr">
-            <a:normAutofit/>
-          </a:bodyPr>
-          <a:lstStyle/>
-          <a:p>
-            <a:pPr algn="ctr"/>
-            <a:r>
-              <a:rPr lang="en-US" sz="4000" kern="1200" dirty="0">
-                <a:solidFill>
-                  <a:schemeClr val="tx1"/>
-                </a:solidFill>
-                <a:latin typeface="+mj-lt"/>
-                <a:ea typeface="+mj-ea"/>
-                <a:cs typeface="+mj-cs"/>
-              </a:rPr>
-              <a:t>Performance Testing</a:t>
-            </a:r>
-          </a:p>
-        </p:txBody>
-      </p:sp>
-      <p:sp>
-        <p:nvSpPr>
-          <p:cNvPr id="75" name="Rectangle: Rounded Corners 74">
-            <a:extLst>
-              <a:ext uri="{FF2B5EF4-FFF2-40B4-BE49-F238E27FC236}">
-                <a16:creationId xmlns:a16="http://schemas.microsoft.com/office/drawing/2014/main" id="{586B4EF9-43BA-4655-A6FF-1D8E21574C95}"/>
-              </a:ext>
-              <a:ext uri="{C183D7F6-B498-43B3-948B-1728B52AA6E4}">
-                <adec:decorative xmlns:adec="http://schemas.microsoft.com/office/drawing/2017/decorative" val="1"/>
-              </a:ext>
-            </a:extLst>
-          </p:cNvPr>
-          <p:cNvSpPr>
-            <a:spLocks noGrp="1" noRot="1" noChangeAspect="1" noMove="1" noResize="1" noEditPoints="1" noAdjustHandles="1" noChangeArrowheads="1" noChangeShapeType="1" noTextEdit="1"/>
-          </p:cNvSpPr>
-          <p:nvPr>
-            <p:extLst>
-              <p:ext uri="{386F3935-93C4-4BCD-93E2-E3B085C9AB24}">
-                <p16:designElem xmlns:p16="http://schemas.microsoft.com/office/powerpoint/2015/main" val="1"/>
-              </p:ext>
-            </p:extLst>
-          </p:nvPr>
-        </p:nvSpPr>
-        <p:spPr>
-          <a:xfrm>
-            <a:off x="2483110" y="1211407"/>
-            <a:ext cx="7225780" cy="685800"/>
-          </a:xfrm>
-          <a:prstGeom prst="roundRect">
-            <a:avLst>
-              <a:gd name="adj" fmla="val 0"/>
-            </a:avLst>
-          </a:prstGeom>
-          <a:solidFill>
-            <a:schemeClr val="accent2"/>
-          </a:solidFill>
-          <a:ln>
-            <a:noFill/>
-          </a:ln>
-        </p:spPr>
-        <p:style>
-          <a:lnRef idx="2">
-            <a:schemeClr val="accent1">
-              <a:shade val="50000"/>
-            </a:schemeClr>
-          </a:lnRef>
-          <a:fillRef idx="1">
-            <a:schemeClr val="accent1"/>
-          </a:fillRef>
-          <a:effectRef idx="0">
-            <a:schemeClr val="accent1"/>
-          </a:effectRef>
-          <a:fontRef idx="minor">
-            <a:schemeClr val="lt1"/>
-          </a:fontRef>
-        </p:style>
-        <p:txBody>
-          <a:bodyPr rtlCol="0" anchor="ctr"/>
-          <a:lstStyle/>
-          <a:p>
-            <a:pPr algn="ctr"/>
-            <a:endParaRPr lang="en-US" dirty="0">
-              <a:solidFill>
-                <a:prstClr val="white"/>
-              </a:solidFill>
-              <a:latin typeface="Calibri" panose="020F0502020204030204"/>
-            </a:endParaRPr>
-          </a:p>
-        </p:txBody>
-      </p:sp>
-    </p:spTree>
-    <p:extLst>
-      <p:ext uri="{BB962C8B-B14F-4D97-AF65-F5344CB8AC3E}">
-        <p14:creationId xmlns:p14="http://schemas.microsoft.com/office/powerpoint/2010/main" val="527754030"/>
-      </p:ext>
-    </p:extLst>
-  </p:cSld>
-  <p:clrMapOvr>
-    <a:masterClrMapping/>
-  </p:clrMapOvr>
-</p:sld>
-</file>
-
-<file path=ppt/slides/slide7.xml><?xml version="1.0" encoding="utf-8"?>
-<p:sld xmlns:a="http://schemas.openxmlformats.org/drawingml/2006/main" xmlns:r="http://schemas.openxmlformats.org/officeDocument/2006/relationships" xmlns:p="http://schemas.openxmlformats.org/presentationml/2006/main">
-  <p:cSld>
-    <p:bg>
-      <p:bgPr>
-        <a:solidFill>
-          <a:schemeClr val="bg1"/>
-        </a:solidFill>
-        <a:effectLst/>
-      </p:bgPr>
-    </p:bg>
-    <p:spTree>
-      <p:nvGrpSpPr>
-        <p:cNvPr id="1" name=""/>
-        <p:cNvGrpSpPr/>
-        <p:nvPr/>
-      </p:nvGrpSpPr>
-      <p:grpSpPr>
-        <a:xfrm>
-          <a:off x="0" y="0"/>
-          <a:ext cx="0" cy="0"/>
-          <a:chOff x="0" y="0"/>
-          <a:chExt cx="0" cy="0"/>
-        </a:xfrm>
-      </p:grpSpPr>
-      <p:sp useBgFill="1">
-        <p:nvSpPr>
-          <p:cNvPr id="71" name="Rectangle 70">
-            <a:extLst>
-              <a:ext uri="{FF2B5EF4-FFF2-40B4-BE49-F238E27FC236}">
-                <a16:creationId xmlns:a16="http://schemas.microsoft.com/office/drawing/2014/main" id="{C1A1C5D3-C053-4EE9-BE1A-419B6E27CCAE}"/>
-              </a:ext>
-              <a:ext uri="{C183D7F6-B498-43B3-948B-1728B52AA6E4}">
-                <adec:decorative xmlns:adec="http://schemas.microsoft.com/office/drawing/2017/decorative" val="1"/>
-              </a:ext>
-            </a:extLst>
-          </p:cNvPr>
-          <p:cNvSpPr>
-            <a:spLocks noGrp="1" noRot="1" noChangeAspect="1" noMove="1" noResize="1" noEditPoints="1" noAdjustHandles="1" noChangeArrowheads="1" noChangeShapeType="1" noTextEdit="1"/>
-          </p:cNvSpPr>
-          <p:nvPr>
-            <p:extLst>
-              <p:ext uri="{386F3935-93C4-4BCD-93E2-E3B085C9AB24}">
-                <p16:designElem xmlns:p16="http://schemas.microsoft.com/office/powerpoint/2015/main" val="1"/>
-              </p:ext>
-            </p:extLst>
-          </p:nvPr>
-        </p:nvSpPr>
-        <p:spPr>
-          <a:xfrm>
-            <a:off x="0" y="0"/>
-            <a:ext cx="12192000" cy="6858000"/>
-          </a:xfrm>
-          <a:prstGeom prst="rect">
-            <a:avLst/>
-          </a:prstGeom>
-          <a:ln>
-            <a:noFill/>
-          </a:ln>
-        </p:spPr>
-        <p:style>
-          <a:lnRef idx="2">
-            <a:schemeClr val="accent1">
-              <a:shade val="50000"/>
-            </a:schemeClr>
-          </a:lnRef>
-          <a:fillRef idx="1">
-            <a:schemeClr val="accent1"/>
-          </a:fillRef>
-          <a:effectRef idx="0">
-            <a:schemeClr val="accent1"/>
-          </a:effectRef>
-          <a:fontRef idx="minor">
-            <a:schemeClr val="lt1"/>
-          </a:fontRef>
-        </p:style>
-        <p:txBody>
-          <a:bodyPr rtlCol="0" anchor="ctr"/>
-          <a:lstStyle/>
-          <a:p>
-            <a:pPr algn="ctr"/>
-            <a:endParaRPr lang="en-US" dirty="0"/>
-          </a:p>
-        </p:txBody>
-      </p:sp>
-      <p:sp useBgFill="1">
-        <p:nvSpPr>
-          <p:cNvPr id="73" name="Rectangle 72">
-            <a:extLst>
-              <a:ext uri="{FF2B5EF4-FFF2-40B4-BE49-F238E27FC236}">
-                <a16:creationId xmlns:a16="http://schemas.microsoft.com/office/drawing/2014/main" id="{A3473CF9-37EB-43E7-89EF-D2D1C53D1DAC}"/>
-              </a:ext>
-              <a:ext uri="{C183D7F6-B498-43B3-948B-1728B52AA6E4}">
-                <adec:decorative xmlns:adec="http://schemas.microsoft.com/office/drawing/2017/decorative" val="1"/>
-              </a:ext>
-            </a:extLst>
-          </p:cNvPr>
-          <p:cNvSpPr>
-            <a:spLocks noGrp="1" noRot="1" noChangeAspect="1" noMove="1" noResize="1" noEditPoints="1" noAdjustHandles="1" noChangeArrowheads="1" noChangeShapeType="1" noTextEdit="1"/>
-          </p:cNvSpPr>
-          <p:nvPr>
-            <p:extLst>
-              <p:ext uri="{386F3935-93C4-4BCD-93E2-E3B085C9AB24}">
-                <p16:designElem xmlns:p16="http://schemas.microsoft.com/office/powerpoint/2015/main" val="1"/>
-              </p:ext>
-            </p:extLst>
-          </p:nvPr>
-        </p:nvSpPr>
-        <p:spPr>
-          <a:xfrm>
-            <a:off x="1903615" y="221673"/>
-            <a:ext cx="8384770" cy="1332634"/>
-          </a:xfrm>
-          <a:prstGeom prst="rect">
-            <a:avLst/>
-          </a:prstGeom>
-          <a:ln w="12700">
-            <a:solidFill>
-              <a:srgbClr val="E1E1E1"/>
-            </a:solidFill>
-          </a:ln>
-          <a:effectLst>
-            <a:outerShdw blurRad="50800" dist="38100" dir="2700000" algn="tl" rotWithShape="0">
-              <a:schemeClr val="bg2">
-                <a:lumMod val="85000"/>
-                <a:alpha val="50000"/>
-              </a:schemeClr>
-            </a:outerShdw>
-          </a:effectLst>
-        </p:spPr>
-        <p:style>
-          <a:lnRef idx="2">
-            <a:schemeClr val="accent1">
-              <a:shade val="50000"/>
-            </a:schemeClr>
-          </a:lnRef>
-          <a:fillRef idx="1">
-            <a:schemeClr val="accent1"/>
-          </a:fillRef>
-          <a:effectRef idx="0">
-            <a:schemeClr val="accent1"/>
-          </a:effectRef>
-          <a:fontRef idx="minor">
-            <a:schemeClr val="lt1"/>
-          </a:fontRef>
-        </p:style>
-        <p:txBody>
-          <a:bodyPr rtlCol="0" anchor="ctr"/>
-          <a:lstStyle/>
-          <a:p>
-            <a:pPr marL="0" marR="0" lvl="0" indent="0" algn="ctr" defTabSz="914400" rtl="0" eaLnBrk="1" fontAlgn="auto" latinLnBrk="0" hangingPunct="1">
-              <a:lnSpc>
-                <a:spcPct val="100000"/>
-              </a:lnSpc>
-              <a:spcBef>
-                <a:spcPts val="0"/>
-              </a:spcBef>
-              <a:spcAft>
-                <a:spcPts val="0"/>
-              </a:spcAft>
-              <a:buClrTx/>
-              <a:buSzTx/>
-              <a:buFontTx/>
-              <a:buNone/>
-              <a:tabLst/>
-              <a:defRPr/>
-            </a:pPr>
-            <a:endParaRPr kumimoji="0" lang="en-US" sz="1800" b="0" i="0" u="none" strike="noStrike" kern="1200" cap="none" spc="0" normalizeH="0" baseline="0" noProof="0" dirty="0">
-              <a:ln>
-                <a:noFill/>
-              </a:ln>
-              <a:solidFill>
-                <a:prstClr val="white"/>
-              </a:solidFill>
-              <a:effectLst/>
-              <a:uLnTx/>
-              <a:uFillTx/>
-              <a:latin typeface="Calibri" panose="020F0502020204030204"/>
-              <a:ea typeface="+mn-ea"/>
-              <a:cs typeface="+mn-cs"/>
-            </a:endParaRPr>
-          </a:p>
-        </p:txBody>
-      </p:sp>
-      <p:sp>
-        <p:nvSpPr>
-          <p:cNvPr id="2" name="Title 1">
-            <a:extLst>
-              <a:ext uri="{FF2B5EF4-FFF2-40B4-BE49-F238E27FC236}">
-                <a16:creationId xmlns:a16="http://schemas.microsoft.com/office/drawing/2014/main" id="{0FDE5079-B185-4DE0-AF2C-AE4B7709FBC3}"/>
-              </a:ext>
-            </a:extLst>
-          </p:cNvPr>
-          <p:cNvSpPr>
-            <a:spLocks noGrp="1"/>
-          </p:cNvSpPr>
-          <p:nvPr>
-            <p:ph type="title"/>
-          </p:nvPr>
-        </p:nvSpPr>
-        <p:spPr>
-          <a:xfrm>
-            <a:off x="2103121" y="310343"/>
-            <a:ext cx="7985759" cy="868823"/>
-          </a:xfrm>
-        </p:spPr>
-        <p:txBody>
-          <a:bodyPr vert="horz" lIns="91440" tIns="45720" rIns="91440" bIns="45720" rtlCol="0" anchor="ctr">
-            <a:normAutofit/>
-          </a:bodyPr>
-          <a:lstStyle/>
-          <a:p>
-            <a:pPr algn="ctr"/>
-            <a:r>
-              <a:rPr lang="en-US" sz="4000" kern="1200" dirty="0">
-                <a:solidFill>
-                  <a:schemeClr val="tx1"/>
-                </a:solidFill>
-                <a:latin typeface="+mj-lt"/>
-                <a:ea typeface="+mj-ea"/>
-                <a:cs typeface="+mj-cs"/>
-              </a:rPr>
-              <a:t>Security Roles</a:t>
-            </a:r>
-          </a:p>
-        </p:txBody>
-      </p:sp>
-      <p:sp>
-        <p:nvSpPr>
-          <p:cNvPr id="75" name="Rectangle: Rounded Corners 74">
-            <a:extLst>
-              <a:ext uri="{FF2B5EF4-FFF2-40B4-BE49-F238E27FC236}">
-                <a16:creationId xmlns:a16="http://schemas.microsoft.com/office/drawing/2014/main" id="{586B4EF9-43BA-4655-A6FF-1D8E21574C95}"/>
-              </a:ext>
-              <a:ext uri="{C183D7F6-B498-43B3-948B-1728B52AA6E4}">
-                <adec:decorative xmlns:adec="http://schemas.microsoft.com/office/drawing/2017/decorative" val="1"/>
-              </a:ext>
-            </a:extLst>
-          </p:cNvPr>
-          <p:cNvSpPr>
-            <a:spLocks noGrp="1" noRot="1" noChangeAspect="1" noMove="1" noResize="1" noEditPoints="1" noAdjustHandles="1" noChangeArrowheads="1" noChangeShapeType="1" noTextEdit="1"/>
-          </p:cNvSpPr>
-          <p:nvPr>
-            <p:extLst>
-              <p:ext uri="{386F3935-93C4-4BCD-93E2-E3B085C9AB24}">
-                <p16:designElem xmlns:p16="http://schemas.microsoft.com/office/powerpoint/2015/main" val="1"/>
-              </p:ext>
-            </p:extLst>
-          </p:nvPr>
-        </p:nvSpPr>
-        <p:spPr>
-          <a:xfrm>
-            <a:off x="2483110" y="1211407"/>
-            <a:ext cx="7225780" cy="685800"/>
-          </a:xfrm>
-          <a:prstGeom prst="roundRect">
-            <a:avLst>
-              <a:gd name="adj" fmla="val 0"/>
-            </a:avLst>
-          </a:prstGeom>
-          <a:solidFill>
-            <a:schemeClr val="accent2"/>
-          </a:solidFill>
-          <a:ln>
-            <a:noFill/>
-          </a:ln>
-        </p:spPr>
-        <p:style>
-          <a:lnRef idx="2">
-            <a:schemeClr val="accent1">
-              <a:shade val="50000"/>
-            </a:schemeClr>
-          </a:lnRef>
-          <a:fillRef idx="1">
-            <a:schemeClr val="accent1"/>
-          </a:fillRef>
-          <a:effectRef idx="0">
-            <a:schemeClr val="accent1"/>
-          </a:effectRef>
-          <a:fontRef idx="minor">
-            <a:schemeClr val="lt1"/>
-          </a:fontRef>
-        </p:style>
-        <p:txBody>
-          <a:bodyPr rtlCol="0" anchor="ctr"/>
-          <a:lstStyle/>
-          <a:p>
-            <a:pPr algn="ctr"/>
-            <a:endParaRPr lang="en-US" dirty="0">
-              <a:solidFill>
-                <a:prstClr val="white"/>
-              </a:solidFill>
-              <a:latin typeface="Calibri" panose="020F0502020204030204"/>
-            </a:endParaRPr>
-          </a:p>
-        </p:txBody>
-      </p:sp>
-    </p:spTree>
-    <p:extLst>
-      <p:ext uri="{BB962C8B-B14F-4D97-AF65-F5344CB8AC3E}">
-        <p14:creationId xmlns:p14="http://schemas.microsoft.com/office/powerpoint/2010/main" val="2730560187"/>
-      </p:ext>
-    </p:extLst>
-  </p:cSld>
-  <p:clrMapOvr>
-    <a:masterClrMapping/>
-  </p:clrMapOvr>
-</p:sld>
-</file>
-
-<file path=ppt/slides/slide8.xml><?xml version="1.0" encoding="utf-8"?>
-<p:sld xmlns:a="http://schemas.openxmlformats.org/drawingml/2006/main" xmlns:r="http://schemas.openxmlformats.org/officeDocument/2006/relationships" xmlns:p="http://schemas.openxmlformats.org/presentationml/2006/main">
-  <p:cSld>
-    <p:bg>
-      <p:bgPr>
-        <a:solidFill>
-          <a:schemeClr val="bg1"/>
-        </a:solidFill>
-        <a:effectLst/>
-      </p:bgPr>
-    </p:bg>
-    <p:spTree>
-      <p:nvGrpSpPr>
-        <p:cNvPr id="1" name=""/>
-        <p:cNvGrpSpPr/>
-        <p:nvPr/>
-      </p:nvGrpSpPr>
-      <p:grpSpPr>
-        <a:xfrm>
-          <a:off x="0" y="0"/>
-          <a:ext cx="0" cy="0"/>
-          <a:chOff x="0" y="0"/>
-          <a:chExt cx="0" cy="0"/>
-        </a:xfrm>
-      </p:grpSpPr>
-      <p:sp useBgFill="1">
-        <p:nvSpPr>
-          <p:cNvPr id="71" name="Rectangle 70">
-            <a:extLst>
-              <a:ext uri="{FF2B5EF4-FFF2-40B4-BE49-F238E27FC236}">
-                <a16:creationId xmlns:a16="http://schemas.microsoft.com/office/drawing/2014/main" id="{C1A1C5D3-C053-4EE9-BE1A-419B6E27CCAE}"/>
-              </a:ext>
-              <a:ext uri="{C183D7F6-B498-43B3-948B-1728B52AA6E4}">
-                <adec:decorative xmlns:adec="http://schemas.microsoft.com/office/drawing/2017/decorative" val="1"/>
-              </a:ext>
-            </a:extLst>
-          </p:cNvPr>
-          <p:cNvSpPr>
-            <a:spLocks noGrp="1" noRot="1" noChangeAspect="1" noMove="1" noResize="1" noEditPoints="1" noAdjustHandles="1" noChangeArrowheads="1" noChangeShapeType="1" noTextEdit="1"/>
-          </p:cNvSpPr>
-          <p:nvPr>
-            <p:extLst>
-              <p:ext uri="{386F3935-93C4-4BCD-93E2-E3B085C9AB24}">
-                <p16:designElem xmlns:p16="http://schemas.microsoft.com/office/powerpoint/2015/main" val="1"/>
-              </p:ext>
-            </p:extLst>
-          </p:nvPr>
-        </p:nvSpPr>
-        <p:spPr>
-          <a:xfrm>
-            <a:off x="0" y="0"/>
-            <a:ext cx="12192000" cy="6858000"/>
-          </a:xfrm>
-          <a:prstGeom prst="rect">
-            <a:avLst/>
-          </a:prstGeom>
-          <a:ln>
-            <a:noFill/>
-          </a:ln>
-        </p:spPr>
-        <p:style>
-          <a:lnRef idx="2">
-            <a:schemeClr val="accent1">
-              <a:shade val="50000"/>
-            </a:schemeClr>
-          </a:lnRef>
-          <a:fillRef idx="1">
-            <a:schemeClr val="accent1"/>
-          </a:fillRef>
-          <a:effectRef idx="0">
-            <a:schemeClr val="accent1"/>
-          </a:effectRef>
-          <a:fontRef idx="minor">
-            <a:schemeClr val="lt1"/>
-          </a:fontRef>
-        </p:style>
-        <p:txBody>
-          <a:bodyPr rtlCol="0" anchor="ctr"/>
-          <a:lstStyle/>
-          <a:p>
-            <a:pPr algn="ctr"/>
-            <a:endParaRPr lang="en-US" dirty="0"/>
-          </a:p>
-        </p:txBody>
-      </p:sp>
-      <p:sp useBgFill="1">
-        <p:nvSpPr>
-          <p:cNvPr id="73" name="Rectangle 72">
-            <a:extLst>
-              <a:ext uri="{FF2B5EF4-FFF2-40B4-BE49-F238E27FC236}">
-                <a16:creationId xmlns:a16="http://schemas.microsoft.com/office/drawing/2014/main" id="{A3473CF9-37EB-43E7-89EF-D2D1C53D1DAC}"/>
-              </a:ext>
-              <a:ext uri="{C183D7F6-B498-43B3-948B-1728B52AA6E4}">
-                <adec:decorative xmlns:adec="http://schemas.microsoft.com/office/drawing/2017/decorative" val="1"/>
-              </a:ext>
-            </a:extLst>
-          </p:cNvPr>
-          <p:cNvSpPr>
-            <a:spLocks noGrp="1" noRot="1" noChangeAspect="1" noMove="1" noResize="1" noEditPoints="1" noAdjustHandles="1" noChangeArrowheads="1" noChangeShapeType="1" noTextEdit="1"/>
-          </p:cNvSpPr>
-          <p:nvPr>
-            <p:extLst>
-              <p:ext uri="{386F3935-93C4-4BCD-93E2-E3B085C9AB24}">
-                <p16:designElem xmlns:p16="http://schemas.microsoft.com/office/powerpoint/2015/main" val="1"/>
-              </p:ext>
-            </p:extLst>
-          </p:nvPr>
-        </p:nvSpPr>
-        <p:spPr>
-          <a:xfrm>
-            <a:off x="1903615" y="221673"/>
-            <a:ext cx="8384770" cy="1332634"/>
-          </a:xfrm>
-          <a:prstGeom prst="rect">
-            <a:avLst/>
-          </a:prstGeom>
-          <a:ln w="12700">
-            <a:solidFill>
-              <a:srgbClr val="E1E1E1"/>
-            </a:solidFill>
-          </a:ln>
-          <a:effectLst>
-            <a:outerShdw blurRad="50800" dist="38100" dir="2700000" algn="tl" rotWithShape="0">
-              <a:schemeClr val="bg2">
-                <a:lumMod val="85000"/>
-                <a:alpha val="50000"/>
-              </a:schemeClr>
-            </a:outerShdw>
-          </a:effectLst>
-        </p:spPr>
-        <p:style>
-          <a:lnRef idx="2">
-            <a:schemeClr val="accent1">
-              <a:shade val="50000"/>
-            </a:schemeClr>
-          </a:lnRef>
-          <a:fillRef idx="1">
-            <a:schemeClr val="accent1"/>
-          </a:fillRef>
-          <a:effectRef idx="0">
-            <a:schemeClr val="accent1"/>
-          </a:effectRef>
-          <a:fontRef idx="minor">
-            <a:schemeClr val="lt1"/>
-          </a:fontRef>
-        </p:style>
-        <p:txBody>
-          <a:bodyPr rtlCol="0" anchor="ctr"/>
-          <a:lstStyle/>
-          <a:p>
-            <a:pPr marL="0" marR="0" lvl="0" indent="0" algn="ctr" defTabSz="914400" rtl="0" eaLnBrk="1" fontAlgn="auto" latinLnBrk="0" hangingPunct="1">
-              <a:lnSpc>
-                <a:spcPct val="100000"/>
-              </a:lnSpc>
-              <a:spcBef>
-                <a:spcPts val="0"/>
-              </a:spcBef>
-              <a:spcAft>
-                <a:spcPts val="0"/>
-              </a:spcAft>
-              <a:buClrTx/>
-              <a:buSzTx/>
-              <a:buFontTx/>
-              <a:buNone/>
-              <a:tabLst/>
-              <a:defRPr/>
-            </a:pPr>
-            <a:endParaRPr kumimoji="0" lang="en-US" sz="1800" b="0" i="0" u="none" strike="noStrike" kern="1200" cap="none" spc="0" normalizeH="0" baseline="0" noProof="0" dirty="0">
-              <a:ln>
-                <a:noFill/>
-              </a:ln>
-              <a:solidFill>
-                <a:prstClr val="white"/>
-              </a:solidFill>
-              <a:effectLst/>
-              <a:uLnTx/>
-              <a:uFillTx/>
-              <a:latin typeface="Calibri" panose="020F0502020204030204"/>
-              <a:ea typeface="+mn-ea"/>
-              <a:cs typeface="+mn-cs"/>
-            </a:endParaRPr>
-          </a:p>
-        </p:txBody>
-      </p:sp>
-      <p:sp>
-        <p:nvSpPr>
-          <p:cNvPr id="2" name="Title 1">
-            <a:extLst>
-              <a:ext uri="{FF2B5EF4-FFF2-40B4-BE49-F238E27FC236}">
-                <a16:creationId xmlns:a16="http://schemas.microsoft.com/office/drawing/2014/main" id="{0FDE5079-B185-4DE0-AF2C-AE4B7709FBC3}"/>
-              </a:ext>
-            </a:extLst>
-          </p:cNvPr>
-          <p:cNvSpPr>
-            <a:spLocks noGrp="1"/>
-          </p:cNvSpPr>
-          <p:nvPr>
-            <p:ph type="title"/>
-          </p:nvPr>
-        </p:nvSpPr>
-        <p:spPr>
-          <a:xfrm>
-            <a:off x="2103121" y="310343"/>
-            <a:ext cx="7985759" cy="868823"/>
-          </a:xfrm>
-        </p:spPr>
-        <p:txBody>
-          <a:bodyPr vert="horz" lIns="91440" tIns="45720" rIns="91440" bIns="45720" rtlCol="0" anchor="ctr">
-            <a:normAutofit/>
-          </a:bodyPr>
-          <a:lstStyle/>
-          <a:p>
-            <a:pPr algn="ctr"/>
-            <a:r>
-              <a:rPr lang="en-US" sz="4000" kern="1200" dirty="0">
-                <a:solidFill>
-                  <a:schemeClr val="tx1"/>
-                </a:solidFill>
-                <a:latin typeface="+mj-lt"/>
-                <a:ea typeface="+mj-ea"/>
-                <a:cs typeface="+mj-cs"/>
-              </a:rPr>
-              <a:t>Mock-ups</a:t>
-            </a:r>
-          </a:p>
-        </p:txBody>
-      </p:sp>
-      <p:sp>
-        <p:nvSpPr>
-          <p:cNvPr id="75" name="Rectangle: Rounded Corners 74">
-            <a:extLst>
-              <a:ext uri="{FF2B5EF4-FFF2-40B4-BE49-F238E27FC236}">
-                <a16:creationId xmlns:a16="http://schemas.microsoft.com/office/drawing/2014/main" id="{586B4EF9-43BA-4655-A6FF-1D8E21574C95}"/>
-              </a:ext>
-              <a:ext uri="{C183D7F6-B498-43B3-948B-1728B52AA6E4}">
-                <adec:decorative xmlns:adec="http://schemas.microsoft.com/office/drawing/2017/decorative" val="1"/>
-              </a:ext>
-            </a:extLst>
-          </p:cNvPr>
-          <p:cNvSpPr>
-            <a:spLocks noGrp="1" noRot="1" noChangeAspect="1" noMove="1" noResize="1" noEditPoints="1" noAdjustHandles="1" noChangeArrowheads="1" noChangeShapeType="1" noTextEdit="1"/>
-          </p:cNvSpPr>
-          <p:nvPr>
-            <p:extLst>
-              <p:ext uri="{386F3935-93C4-4BCD-93E2-E3B085C9AB24}">
-                <p16:designElem xmlns:p16="http://schemas.microsoft.com/office/powerpoint/2015/main" val="1"/>
-              </p:ext>
-            </p:extLst>
-          </p:nvPr>
-        </p:nvSpPr>
-        <p:spPr>
-          <a:xfrm>
-            <a:off x="2483110" y="1211407"/>
-            <a:ext cx="7225780" cy="685800"/>
-          </a:xfrm>
-          <a:prstGeom prst="roundRect">
-            <a:avLst>
-              <a:gd name="adj" fmla="val 0"/>
-            </a:avLst>
-          </a:prstGeom>
-          <a:solidFill>
-            <a:schemeClr val="accent2"/>
-          </a:solidFill>
-          <a:ln>
-            <a:noFill/>
-          </a:ln>
-        </p:spPr>
-        <p:style>
-          <a:lnRef idx="2">
-            <a:schemeClr val="accent1">
-              <a:shade val="50000"/>
-            </a:schemeClr>
-          </a:lnRef>
-          <a:fillRef idx="1">
-            <a:schemeClr val="accent1"/>
-          </a:fillRef>
-          <a:effectRef idx="0">
-            <a:schemeClr val="accent1"/>
-          </a:effectRef>
-          <a:fontRef idx="minor">
-            <a:schemeClr val="lt1"/>
-          </a:fontRef>
-        </p:style>
-        <p:txBody>
-          <a:bodyPr rtlCol="0" anchor="ctr"/>
-          <a:lstStyle/>
-          <a:p>
-            <a:pPr algn="ctr"/>
-            <a:endParaRPr lang="en-US" dirty="0">
-              <a:solidFill>
-                <a:prstClr val="white"/>
-              </a:solidFill>
-              <a:latin typeface="Calibri" panose="020F0502020204030204"/>
-            </a:endParaRPr>
-          </a:p>
-        </p:txBody>
-      </p:sp>
-    </p:spTree>
-    <p:extLst>
-      <p:ext uri="{BB962C8B-B14F-4D97-AF65-F5344CB8AC3E}">
-        <p14:creationId xmlns:p14="http://schemas.microsoft.com/office/powerpoint/2010/main" val="512997375"/>
-      </p:ext>
-    </p:extLst>
-  </p:cSld>
-  <p:clrMapOvr>
-    <a:masterClrMapping/>
-  </p:clrMapOvr>
-</p:sld>
-</file>
-
-<file path=ppt/slides/slide9.xml><?xml version="1.0" encoding="utf-8"?>
+<file path=ppt/slides/slide11.xml><?xml version="1.0" encoding="utf-8"?>
 <p:sld xmlns:a="http://schemas.openxmlformats.org/drawingml/2006/main" xmlns:r="http://schemas.openxmlformats.org/officeDocument/2006/relationships" xmlns:p="http://schemas.openxmlformats.org/presentationml/2006/main">
   <p:cSld>
     <p:bg>
@@ -9938,6 +8039,2820 @@
       </p:par>
     </p:tnLst>
   </p:timing>
+</p:sld>
+</file>
+
+<file path=ppt/slides/slide2.xml><?xml version="1.0" encoding="utf-8"?>
+<p:sld xmlns:a="http://schemas.openxmlformats.org/drawingml/2006/main" xmlns:r="http://schemas.openxmlformats.org/officeDocument/2006/relationships" xmlns:p="http://schemas.openxmlformats.org/presentationml/2006/main">
+  <p:cSld>
+    <p:bg>
+      <p:bgPr>
+        <a:solidFill>
+          <a:schemeClr val="bg1"/>
+        </a:solidFill>
+        <a:effectLst/>
+      </p:bgPr>
+    </p:bg>
+    <p:spTree>
+      <p:nvGrpSpPr>
+        <p:cNvPr id="1" name=""/>
+        <p:cNvGrpSpPr/>
+        <p:nvPr/>
+      </p:nvGrpSpPr>
+      <p:grpSpPr>
+        <a:xfrm>
+          <a:off x="0" y="0"/>
+          <a:ext cx="0" cy="0"/>
+          <a:chOff x="0" y="0"/>
+          <a:chExt cx="0" cy="0"/>
+        </a:xfrm>
+      </p:grpSpPr>
+      <p:sp useBgFill="1">
+        <p:nvSpPr>
+          <p:cNvPr id="14" name="Rectangle 13">
+            <a:extLst>
+              <a:ext uri="{FF2B5EF4-FFF2-40B4-BE49-F238E27FC236}">
+                <a16:creationId xmlns:a16="http://schemas.microsoft.com/office/drawing/2014/main" id="{3B854194-185D-494D-905C-7C7CB2E30F6E}"/>
+              </a:ext>
+              <a:ext uri="{C183D7F6-B498-43B3-948B-1728B52AA6E4}">
+                <adec:decorative xmlns:adec="http://schemas.microsoft.com/office/drawing/2017/decorative" val="1"/>
+              </a:ext>
+            </a:extLst>
+          </p:cNvPr>
+          <p:cNvSpPr>
+            <a:spLocks noGrp="1" noRot="1" noChangeAspect="1" noMove="1" noResize="1" noEditPoints="1" noAdjustHandles="1" noChangeArrowheads="1" noChangeShapeType="1" noTextEdit="1"/>
+          </p:cNvSpPr>
+          <p:nvPr>
+            <p:extLst>
+              <p:ext uri="{386F3935-93C4-4BCD-93E2-E3B085C9AB24}">
+                <p16:designElem xmlns:p16="http://schemas.microsoft.com/office/powerpoint/2015/main" val="1"/>
+              </p:ext>
+            </p:extLst>
+          </p:nvPr>
+        </p:nvSpPr>
+        <p:spPr>
+          <a:xfrm>
+            <a:off x="1" y="0"/>
+            <a:ext cx="6082110" cy="6858000"/>
+          </a:xfrm>
+          <a:prstGeom prst="rect">
+            <a:avLst/>
+          </a:prstGeom>
+          <a:ln>
+            <a:noFill/>
+          </a:ln>
+        </p:spPr>
+        <p:style>
+          <a:lnRef idx="2">
+            <a:schemeClr val="accent1">
+              <a:shade val="50000"/>
+            </a:schemeClr>
+          </a:lnRef>
+          <a:fillRef idx="1">
+            <a:schemeClr val="accent1"/>
+          </a:fillRef>
+          <a:effectRef idx="0">
+            <a:schemeClr val="accent1"/>
+          </a:effectRef>
+          <a:fontRef idx="minor">
+            <a:schemeClr val="lt1"/>
+          </a:fontRef>
+        </p:style>
+        <p:txBody>
+          <a:bodyPr rtlCol="0" anchor="ctr"/>
+          <a:lstStyle/>
+          <a:p>
+            <a:pPr algn="ctr"/>
+            <a:endParaRPr lang="en-US" dirty="0"/>
+          </a:p>
+        </p:txBody>
+      </p:sp>
+      <p:sp>
+        <p:nvSpPr>
+          <p:cNvPr id="16" name="Rectangle 15">
+            <a:extLst>
+              <a:ext uri="{FF2B5EF4-FFF2-40B4-BE49-F238E27FC236}">
+                <a16:creationId xmlns:a16="http://schemas.microsoft.com/office/drawing/2014/main" id="{B4F5FA0D-0104-4987-8241-EFF7C85B88DE}"/>
+              </a:ext>
+              <a:ext uri="{C183D7F6-B498-43B3-948B-1728B52AA6E4}">
+                <adec:decorative xmlns:adec="http://schemas.microsoft.com/office/drawing/2017/decorative" val="1"/>
+              </a:ext>
+            </a:extLst>
+          </p:cNvPr>
+          <p:cNvSpPr>
+            <a:spLocks noGrp="1" noRot="1" noChangeAspect="1" noMove="1" noResize="1" noEditPoints="1" noAdjustHandles="1" noChangeArrowheads="1" noChangeShapeType="1" noTextEdit="1"/>
+          </p:cNvSpPr>
+          <p:nvPr>
+            <p:extLst>
+              <p:ext uri="{386F3935-93C4-4BCD-93E2-E3B085C9AB24}">
+                <p16:designElem xmlns:p16="http://schemas.microsoft.com/office/powerpoint/2015/main" val="1"/>
+              </p:ext>
+            </p:extLst>
+          </p:nvPr>
+        </p:nvSpPr>
+        <p:spPr>
+          <a:xfrm>
+            <a:off x="1" y="0"/>
+            <a:ext cx="12191998" cy="6858000"/>
+          </a:xfrm>
+          <a:prstGeom prst="rect">
+            <a:avLst/>
+          </a:prstGeom>
+          <a:gradFill>
+            <a:gsLst>
+              <a:gs pos="0">
+                <a:schemeClr val="accent1">
+                  <a:lumMod val="90000"/>
+                </a:schemeClr>
+              </a:gs>
+              <a:gs pos="25000">
+                <a:schemeClr val="accent1">
+                  <a:lumMod val="90000"/>
+                </a:schemeClr>
+              </a:gs>
+              <a:gs pos="94000">
+                <a:schemeClr val="bg2">
+                  <a:lumMod val="25000"/>
+                </a:schemeClr>
+              </a:gs>
+              <a:gs pos="100000">
+                <a:schemeClr val="bg2">
+                  <a:lumMod val="25000"/>
+                </a:schemeClr>
+              </a:gs>
+            </a:gsLst>
+            <a:lin ang="4200000" scaled="0"/>
+          </a:gradFill>
+          <a:ln>
+            <a:noFill/>
+          </a:ln>
+        </p:spPr>
+        <p:style>
+          <a:lnRef idx="2">
+            <a:schemeClr val="accent1">
+              <a:shade val="50000"/>
+            </a:schemeClr>
+          </a:lnRef>
+          <a:fillRef idx="1">
+            <a:schemeClr val="accent1"/>
+          </a:fillRef>
+          <a:effectRef idx="0">
+            <a:schemeClr val="accent1"/>
+          </a:effectRef>
+          <a:fontRef idx="minor">
+            <a:schemeClr val="lt1"/>
+          </a:fontRef>
+        </p:style>
+        <p:txBody>
+          <a:bodyPr rtlCol="0" anchor="ctr"/>
+          <a:lstStyle/>
+          <a:p>
+            <a:pPr algn="ctr"/>
+            <a:endParaRPr lang="en-US" dirty="0"/>
+          </a:p>
+        </p:txBody>
+      </p:sp>
+      <p:pic>
+        <p:nvPicPr>
+          <p:cNvPr id="18" name="Picture 17">
+            <a:extLst>
+              <a:ext uri="{FF2B5EF4-FFF2-40B4-BE49-F238E27FC236}">
+                <a16:creationId xmlns:a16="http://schemas.microsoft.com/office/drawing/2014/main" id="{2897127E-6CEF-446C-BE87-93B7C46E49D1}"/>
+              </a:ext>
+              <a:ext uri="{C183D7F6-B498-43B3-948B-1728B52AA6E4}">
+                <adec:decorative xmlns:adec="http://schemas.microsoft.com/office/drawing/2017/decorative" val="1"/>
+              </a:ext>
+            </a:extLst>
+          </p:cNvPr>
+          <p:cNvPicPr>
+            <a:picLocks noGrp="1" noRot="1" noChangeAspect="1" noMove="1" noResize="1" noEditPoints="1" noAdjustHandles="1" noChangeArrowheads="1" noChangeShapeType="1" noCrop="1"/>
+          </p:cNvPicPr>
+          <p:nvPr>
+            <p:extLst>
+              <p:ext uri="{386F3935-93C4-4BCD-93E2-E3B085C9AB24}">
+                <p16:designElem xmlns:p16="http://schemas.microsoft.com/office/powerpoint/2015/main" val="1"/>
+              </p:ext>
+            </p:extLst>
+          </p:nvPr>
+        </p:nvPicPr>
+        <p:blipFill>
+          <a:blip r:embed="rId3">
+            <a:extLst>
+              <a:ext uri="{28A0092B-C50C-407E-A947-70E740481C1C}">
+                <a14:useLocalDpi xmlns:a14="http://schemas.microsoft.com/office/drawing/2010/main" val="0"/>
+              </a:ext>
+            </a:extLst>
+          </a:blip>
+          <a:stretch>
+            <a:fillRect/>
+          </a:stretch>
+        </p:blipFill>
+        <p:spPr>
+          <a:xfrm>
+            <a:off x="0" y="0"/>
+            <a:ext cx="12192000" cy="6858000"/>
+          </a:xfrm>
+          <a:prstGeom prst="rect">
+            <a:avLst/>
+          </a:prstGeom>
+        </p:spPr>
+      </p:pic>
+      <p:sp>
+        <p:nvSpPr>
+          <p:cNvPr id="2" name="Title 1">
+            <a:extLst>
+              <a:ext uri="{FF2B5EF4-FFF2-40B4-BE49-F238E27FC236}">
+                <a16:creationId xmlns:a16="http://schemas.microsoft.com/office/drawing/2014/main" id="{EA0D9B4E-C292-45AA-8116-562703040382}"/>
+              </a:ext>
+            </a:extLst>
+          </p:cNvPr>
+          <p:cNvSpPr>
+            <a:spLocks noGrp="1"/>
+          </p:cNvSpPr>
+          <p:nvPr>
+            <p:ph type="title"/>
+          </p:nvPr>
+        </p:nvSpPr>
+        <p:spPr>
+          <a:xfrm>
+            <a:off x="640079" y="2053641"/>
+            <a:ext cx="3669161" cy="2760098"/>
+          </a:xfrm>
+        </p:spPr>
+        <p:txBody>
+          <a:bodyPr>
+            <a:normAutofit/>
+          </a:bodyPr>
+          <a:lstStyle/>
+          <a:p>
+            <a:r>
+              <a:rPr lang="en-US" dirty="0">
+                <a:solidFill>
+                  <a:srgbClr val="FFFFFF"/>
+                </a:solidFill>
+                <a:latin typeface="Franklin Gothic Book" panose="020B0503020102020204" pitchFamily="34" charset="0"/>
+                <a:cs typeface="Segoe UI" panose="020B0502040204020203" pitchFamily="34" charset="0"/>
+              </a:rPr>
+              <a:t>Business Requirements</a:t>
+            </a:r>
+          </a:p>
+        </p:txBody>
+      </p:sp>
+      <p:sp>
+        <p:nvSpPr>
+          <p:cNvPr id="3" name="Content Placeholder 2">
+            <a:extLst>
+              <a:ext uri="{FF2B5EF4-FFF2-40B4-BE49-F238E27FC236}">
+                <a16:creationId xmlns:a16="http://schemas.microsoft.com/office/drawing/2014/main" id="{81072FAC-EEE9-4F26-A784-BC07EACCBE9F}"/>
+              </a:ext>
+            </a:extLst>
+          </p:cNvPr>
+          <p:cNvSpPr>
+            <a:spLocks noGrp="1"/>
+          </p:cNvSpPr>
+          <p:nvPr>
+            <p:ph idx="1"/>
+          </p:nvPr>
+        </p:nvSpPr>
+        <p:spPr>
+          <a:xfrm>
+            <a:off x="5448299" y="647700"/>
+            <a:ext cx="6600825" cy="2266950"/>
+          </a:xfrm>
+        </p:spPr>
+        <p:txBody>
+          <a:bodyPr vert="horz" lIns="91440" tIns="45720" rIns="91440" bIns="45720" rtlCol="0" anchor="ctr">
+            <a:normAutofit/>
+          </a:bodyPr>
+          <a:lstStyle/>
+          <a:p>
+            <a:pPr marL="0" indent="0">
+              <a:buNone/>
+            </a:pPr>
+            <a:r>
+              <a:rPr lang="en-US" sz="2400" dirty="0">
+                <a:solidFill>
+                  <a:srgbClr val="000000"/>
+                </a:solidFill>
+                <a:cs typeface="Segoe UI" panose="020B0502040204020203" pitchFamily="34" charset="0"/>
+              </a:rPr>
+              <a:t>Due to Covid-19, Connacht University needs a fast solution to move all courses to an online offering. Services are also provided to local small businesses and startups. The request is to design a solution for an online repository to these customers.</a:t>
+            </a:r>
+          </a:p>
+          <a:p>
+            <a:pPr marL="0" indent="0">
+              <a:buNone/>
+            </a:pPr>
+            <a:endParaRPr lang="en-US" sz="2400" dirty="0">
+              <a:solidFill>
+                <a:srgbClr val="000000"/>
+              </a:solidFill>
+              <a:cs typeface="Segoe UI" panose="020B0502040204020203" pitchFamily="34" charset="0"/>
+            </a:endParaRPr>
+          </a:p>
+          <a:p>
+            <a:pPr marL="0" indent="0">
+              <a:buNone/>
+            </a:pPr>
+            <a:endParaRPr lang="en-US" sz="2400" dirty="0">
+              <a:solidFill>
+                <a:srgbClr val="000000"/>
+              </a:solidFill>
+              <a:cs typeface="Segoe UI" panose="020B0502040204020203" pitchFamily="34" charset="0"/>
+            </a:endParaRPr>
+          </a:p>
+        </p:txBody>
+      </p:sp>
+      <p:sp>
+        <p:nvSpPr>
+          <p:cNvPr id="6" name="TextBox 5">
+            <a:extLst>
+              <a:ext uri="{FF2B5EF4-FFF2-40B4-BE49-F238E27FC236}">
+                <a16:creationId xmlns:a16="http://schemas.microsoft.com/office/drawing/2014/main" id="{EF90CB24-CE1E-4C52-A116-F4477694A516}"/>
+              </a:ext>
+            </a:extLst>
+          </p:cNvPr>
+          <p:cNvSpPr txBox="1"/>
+          <p:nvPr/>
+        </p:nvSpPr>
+        <p:spPr>
+          <a:xfrm>
+            <a:off x="6082112" y="3333750"/>
+            <a:ext cx="5224064" cy="1754326"/>
+          </a:xfrm>
+          <a:prstGeom prst="rect">
+            <a:avLst/>
+          </a:prstGeom>
+          <a:noFill/>
+        </p:spPr>
+        <p:txBody>
+          <a:bodyPr wrap="square" rtlCol="0">
+            <a:spAutoFit/>
+          </a:bodyPr>
+          <a:lstStyle/>
+          <a:p>
+            <a:r>
+              <a:rPr lang="en-US" dirty="0">
+                <a:solidFill>
+                  <a:srgbClr val="000000"/>
+                </a:solidFill>
+                <a:cs typeface="Segoe UI" panose="020B0502040204020203" pitchFamily="34" charset="0"/>
+              </a:rPr>
+              <a:t>Design to include:</a:t>
+            </a:r>
+          </a:p>
+          <a:p>
+            <a:r>
+              <a:rPr lang="en-US" dirty="0">
+                <a:solidFill>
+                  <a:srgbClr val="000000"/>
+                </a:solidFill>
+                <a:cs typeface="Segoe UI" panose="020B0502040204020203" pitchFamily="34" charset="0"/>
+              </a:rPr>
+              <a:t>Clean and simple design</a:t>
+            </a:r>
+          </a:p>
+          <a:p>
+            <a:r>
+              <a:rPr lang="en-US" dirty="0">
+                <a:solidFill>
+                  <a:srgbClr val="000000"/>
+                </a:solidFill>
+                <a:cs typeface="Segoe UI" panose="020B0502040204020203" pitchFamily="34" charset="0"/>
+              </a:rPr>
+              <a:t>User access levels (client, administrator)</a:t>
+            </a:r>
+          </a:p>
+          <a:p>
+            <a:r>
+              <a:rPr lang="en-US" dirty="0">
+                <a:solidFill>
+                  <a:srgbClr val="000000"/>
+                </a:solidFill>
+                <a:cs typeface="Segoe UI" panose="020B0502040204020203" pitchFamily="34" charset="0"/>
+              </a:rPr>
+              <a:t>Includes at least one self developed API and one webservice</a:t>
+            </a:r>
+          </a:p>
+          <a:p>
+            <a:r>
+              <a:rPr lang="en-US" dirty="0">
+                <a:solidFill>
+                  <a:srgbClr val="000000"/>
+                </a:solidFill>
+                <a:cs typeface="Segoe UI" panose="020B0502040204020203" pitchFamily="34" charset="0"/>
+              </a:rPr>
+              <a:t>To be run over Amazon AWS</a:t>
+            </a:r>
+          </a:p>
+        </p:txBody>
+      </p:sp>
+    </p:spTree>
+    <p:extLst>
+      <p:ext uri="{BB962C8B-B14F-4D97-AF65-F5344CB8AC3E}">
+        <p14:creationId xmlns:p14="http://schemas.microsoft.com/office/powerpoint/2010/main" val="381659708"/>
+      </p:ext>
+    </p:extLst>
+  </p:cSld>
+  <p:clrMapOvr>
+    <a:masterClrMapping/>
+  </p:clrMapOvr>
+</p:sld>
+</file>
+
+<file path=ppt/slides/slide3.xml><?xml version="1.0" encoding="utf-8"?>
+<p:sld xmlns:a="http://schemas.openxmlformats.org/drawingml/2006/main" xmlns:r="http://schemas.openxmlformats.org/officeDocument/2006/relationships" xmlns:p="http://schemas.openxmlformats.org/presentationml/2006/main">
+  <p:cSld>
+    <p:bg>
+      <p:bgPr>
+        <a:solidFill>
+          <a:schemeClr val="bg1"/>
+        </a:solidFill>
+        <a:effectLst/>
+      </p:bgPr>
+    </p:bg>
+    <p:spTree>
+      <p:nvGrpSpPr>
+        <p:cNvPr id="1" name=""/>
+        <p:cNvGrpSpPr/>
+        <p:nvPr/>
+      </p:nvGrpSpPr>
+      <p:grpSpPr>
+        <a:xfrm>
+          <a:off x="0" y="0"/>
+          <a:ext cx="0" cy="0"/>
+          <a:chOff x="0" y="0"/>
+          <a:chExt cx="0" cy="0"/>
+        </a:xfrm>
+      </p:grpSpPr>
+      <p:sp useBgFill="1">
+        <p:nvSpPr>
+          <p:cNvPr id="71" name="Rectangle 70">
+            <a:extLst>
+              <a:ext uri="{FF2B5EF4-FFF2-40B4-BE49-F238E27FC236}">
+                <a16:creationId xmlns:a16="http://schemas.microsoft.com/office/drawing/2014/main" id="{C1A1C5D3-C053-4EE9-BE1A-419B6E27CCAE}"/>
+              </a:ext>
+              <a:ext uri="{C183D7F6-B498-43B3-948B-1728B52AA6E4}">
+                <adec:decorative xmlns:adec="http://schemas.microsoft.com/office/drawing/2017/decorative" val="1"/>
+              </a:ext>
+            </a:extLst>
+          </p:cNvPr>
+          <p:cNvSpPr>
+            <a:spLocks noGrp="1" noRot="1" noChangeAspect="1" noMove="1" noResize="1" noEditPoints="1" noAdjustHandles="1" noChangeArrowheads="1" noChangeShapeType="1" noTextEdit="1"/>
+          </p:cNvSpPr>
+          <p:nvPr>
+            <p:extLst>
+              <p:ext uri="{386F3935-93C4-4BCD-93E2-E3B085C9AB24}">
+                <p16:designElem xmlns:p16="http://schemas.microsoft.com/office/powerpoint/2015/main" val="1"/>
+              </p:ext>
+            </p:extLst>
+          </p:nvPr>
+        </p:nvSpPr>
+        <p:spPr>
+          <a:xfrm>
+            <a:off x="0" y="0"/>
+            <a:ext cx="12192000" cy="6858000"/>
+          </a:xfrm>
+          <a:prstGeom prst="rect">
+            <a:avLst/>
+          </a:prstGeom>
+          <a:ln>
+            <a:noFill/>
+          </a:ln>
+        </p:spPr>
+        <p:style>
+          <a:lnRef idx="2">
+            <a:schemeClr val="accent1">
+              <a:shade val="50000"/>
+            </a:schemeClr>
+          </a:lnRef>
+          <a:fillRef idx="1">
+            <a:schemeClr val="accent1"/>
+          </a:fillRef>
+          <a:effectRef idx="0">
+            <a:schemeClr val="accent1"/>
+          </a:effectRef>
+          <a:fontRef idx="minor">
+            <a:schemeClr val="lt1"/>
+          </a:fontRef>
+        </p:style>
+        <p:txBody>
+          <a:bodyPr rtlCol="0" anchor="ctr"/>
+          <a:lstStyle/>
+          <a:p>
+            <a:pPr algn="ctr"/>
+            <a:endParaRPr lang="en-US" dirty="0"/>
+          </a:p>
+        </p:txBody>
+      </p:sp>
+      <p:sp useBgFill="1">
+        <p:nvSpPr>
+          <p:cNvPr id="73" name="Rectangle 72">
+            <a:extLst>
+              <a:ext uri="{FF2B5EF4-FFF2-40B4-BE49-F238E27FC236}">
+                <a16:creationId xmlns:a16="http://schemas.microsoft.com/office/drawing/2014/main" id="{A3473CF9-37EB-43E7-89EF-D2D1C53D1DAC}"/>
+              </a:ext>
+              <a:ext uri="{C183D7F6-B498-43B3-948B-1728B52AA6E4}">
+                <adec:decorative xmlns:adec="http://schemas.microsoft.com/office/drawing/2017/decorative" val="1"/>
+              </a:ext>
+            </a:extLst>
+          </p:cNvPr>
+          <p:cNvSpPr>
+            <a:spLocks noGrp="1" noRot="1" noChangeAspect="1" noMove="1" noResize="1" noEditPoints="1" noAdjustHandles="1" noChangeArrowheads="1" noChangeShapeType="1" noTextEdit="1"/>
+          </p:cNvSpPr>
+          <p:nvPr>
+            <p:extLst>
+              <p:ext uri="{386F3935-93C4-4BCD-93E2-E3B085C9AB24}">
+                <p16:designElem xmlns:p16="http://schemas.microsoft.com/office/powerpoint/2015/main" val="1"/>
+              </p:ext>
+            </p:extLst>
+          </p:nvPr>
+        </p:nvSpPr>
+        <p:spPr>
+          <a:xfrm>
+            <a:off x="1903615" y="221673"/>
+            <a:ext cx="8384770" cy="1332634"/>
+          </a:xfrm>
+          <a:prstGeom prst="rect">
+            <a:avLst/>
+          </a:prstGeom>
+          <a:ln w="12700">
+            <a:solidFill>
+              <a:srgbClr val="E1E1E1"/>
+            </a:solidFill>
+          </a:ln>
+          <a:effectLst>
+            <a:outerShdw blurRad="50800" dist="38100" dir="2700000" algn="tl" rotWithShape="0">
+              <a:schemeClr val="bg2">
+                <a:lumMod val="85000"/>
+                <a:alpha val="50000"/>
+              </a:schemeClr>
+            </a:outerShdw>
+          </a:effectLst>
+        </p:spPr>
+        <p:style>
+          <a:lnRef idx="2">
+            <a:schemeClr val="accent1">
+              <a:shade val="50000"/>
+            </a:schemeClr>
+          </a:lnRef>
+          <a:fillRef idx="1">
+            <a:schemeClr val="accent1"/>
+          </a:fillRef>
+          <a:effectRef idx="0">
+            <a:schemeClr val="accent1"/>
+          </a:effectRef>
+          <a:fontRef idx="minor">
+            <a:schemeClr val="lt1"/>
+          </a:fontRef>
+        </p:style>
+        <p:txBody>
+          <a:bodyPr rtlCol="0" anchor="ctr"/>
+          <a:lstStyle/>
+          <a:p>
+            <a:pPr marL="0" marR="0" lvl="0" indent="0" algn="ctr" defTabSz="914400" rtl="0" eaLnBrk="1" fontAlgn="auto" latinLnBrk="0" hangingPunct="1">
+              <a:lnSpc>
+                <a:spcPct val="100000"/>
+              </a:lnSpc>
+              <a:spcBef>
+                <a:spcPts val="0"/>
+              </a:spcBef>
+              <a:spcAft>
+                <a:spcPts val="0"/>
+              </a:spcAft>
+              <a:buClrTx/>
+              <a:buSzTx/>
+              <a:buFontTx/>
+              <a:buNone/>
+              <a:tabLst/>
+              <a:defRPr/>
+            </a:pPr>
+            <a:endParaRPr kumimoji="0" lang="en-US" sz="1800" b="0" i="0" u="none" strike="noStrike" kern="1200" cap="none" spc="0" normalizeH="0" baseline="0" noProof="0" dirty="0">
+              <a:ln>
+                <a:noFill/>
+              </a:ln>
+              <a:solidFill>
+                <a:prstClr val="white"/>
+              </a:solidFill>
+              <a:effectLst/>
+              <a:uLnTx/>
+              <a:uFillTx/>
+              <a:latin typeface="Calibri" panose="020F0502020204030204"/>
+              <a:ea typeface="+mn-ea"/>
+              <a:cs typeface="+mn-cs"/>
+            </a:endParaRPr>
+          </a:p>
+        </p:txBody>
+      </p:sp>
+      <p:sp>
+        <p:nvSpPr>
+          <p:cNvPr id="2" name="Title 1">
+            <a:extLst>
+              <a:ext uri="{FF2B5EF4-FFF2-40B4-BE49-F238E27FC236}">
+                <a16:creationId xmlns:a16="http://schemas.microsoft.com/office/drawing/2014/main" id="{0FDE5079-B185-4DE0-AF2C-AE4B7709FBC3}"/>
+              </a:ext>
+            </a:extLst>
+          </p:cNvPr>
+          <p:cNvSpPr>
+            <a:spLocks noGrp="1"/>
+          </p:cNvSpPr>
+          <p:nvPr>
+            <p:ph type="title"/>
+          </p:nvPr>
+        </p:nvSpPr>
+        <p:spPr>
+          <a:xfrm>
+            <a:off x="2103121" y="310343"/>
+            <a:ext cx="7985759" cy="868823"/>
+          </a:xfrm>
+        </p:spPr>
+        <p:txBody>
+          <a:bodyPr vert="horz" lIns="91440" tIns="45720" rIns="91440" bIns="45720" rtlCol="0" anchor="ctr">
+            <a:normAutofit/>
+          </a:bodyPr>
+          <a:lstStyle/>
+          <a:p>
+            <a:pPr algn="ctr"/>
+            <a:r>
+              <a:rPr lang="en-US" sz="4000" kern="1200" dirty="0">
+                <a:solidFill>
+                  <a:schemeClr val="tx1"/>
+                </a:solidFill>
+                <a:latin typeface="+mj-lt"/>
+                <a:ea typeface="+mj-ea"/>
+                <a:cs typeface="+mj-cs"/>
+              </a:rPr>
+              <a:t>Architectural Diagram</a:t>
+            </a:r>
+          </a:p>
+        </p:txBody>
+      </p:sp>
+      <p:sp>
+        <p:nvSpPr>
+          <p:cNvPr id="75" name="Rectangle: Rounded Corners 74">
+            <a:extLst>
+              <a:ext uri="{FF2B5EF4-FFF2-40B4-BE49-F238E27FC236}">
+                <a16:creationId xmlns:a16="http://schemas.microsoft.com/office/drawing/2014/main" id="{586B4EF9-43BA-4655-A6FF-1D8E21574C95}"/>
+              </a:ext>
+              <a:ext uri="{C183D7F6-B498-43B3-948B-1728B52AA6E4}">
+                <adec:decorative xmlns:adec="http://schemas.microsoft.com/office/drawing/2017/decorative" val="1"/>
+              </a:ext>
+            </a:extLst>
+          </p:cNvPr>
+          <p:cNvSpPr>
+            <a:spLocks noGrp="1" noRot="1" noChangeAspect="1" noMove="1" noResize="1" noEditPoints="1" noAdjustHandles="1" noChangeArrowheads="1" noChangeShapeType="1" noTextEdit="1"/>
+          </p:cNvSpPr>
+          <p:nvPr>
+            <p:extLst>
+              <p:ext uri="{386F3935-93C4-4BCD-93E2-E3B085C9AB24}">
+                <p16:designElem xmlns:p16="http://schemas.microsoft.com/office/powerpoint/2015/main" val="1"/>
+              </p:ext>
+            </p:extLst>
+          </p:nvPr>
+        </p:nvSpPr>
+        <p:spPr>
+          <a:xfrm>
+            <a:off x="2483110" y="1211407"/>
+            <a:ext cx="7225780" cy="685800"/>
+          </a:xfrm>
+          <a:prstGeom prst="roundRect">
+            <a:avLst>
+              <a:gd name="adj" fmla="val 0"/>
+            </a:avLst>
+          </a:prstGeom>
+          <a:solidFill>
+            <a:schemeClr val="accent2"/>
+          </a:solidFill>
+          <a:ln>
+            <a:noFill/>
+          </a:ln>
+        </p:spPr>
+        <p:style>
+          <a:lnRef idx="2">
+            <a:schemeClr val="accent1">
+              <a:shade val="50000"/>
+            </a:schemeClr>
+          </a:lnRef>
+          <a:fillRef idx="1">
+            <a:schemeClr val="accent1"/>
+          </a:fillRef>
+          <a:effectRef idx="0">
+            <a:schemeClr val="accent1"/>
+          </a:effectRef>
+          <a:fontRef idx="minor">
+            <a:schemeClr val="lt1"/>
+          </a:fontRef>
+        </p:style>
+        <p:txBody>
+          <a:bodyPr rtlCol="0" anchor="ctr"/>
+          <a:lstStyle/>
+          <a:p>
+            <a:pPr algn="ctr"/>
+            <a:endParaRPr lang="en-US" dirty="0">
+              <a:solidFill>
+                <a:prstClr val="white"/>
+              </a:solidFill>
+              <a:latin typeface="Calibri" panose="020F0502020204030204"/>
+            </a:endParaRPr>
+          </a:p>
+        </p:txBody>
+      </p:sp>
+      <p:pic>
+        <p:nvPicPr>
+          <p:cNvPr id="2050" name="Picture 2">
+            <a:extLst>
+              <a:ext uri="{FF2B5EF4-FFF2-40B4-BE49-F238E27FC236}">
+                <a16:creationId xmlns:a16="http://schemas.microsoft.com/office/drawing/2014/main" id="{33E07461-F097-4C85-8DBD-810E1FD14814}"/>
+              </a:ext>
+            </a:extLst>
+          </p:cNvPr>
+          <p:cNvPicPr>
+            <a:picLocks noChangeAspect="1" noChangeArrowheads="1"/>
+          </p:cNvPicPr>
+          <p:nvPr/>
+        </p:nvPicPr>
+        <p:blipFill>
+          <a:blip r:embed="rId3">
+            <a:extLst>
+              <a:ext uri="{28A0092B-C50C-407E-A947-70E740481C1C}">
+                <a14:useLocalDpi xmlns:a14="http://schemas.microsoft.com/office/drawing/2010/main" val="0"/>
+              </a:ext>
+            </a:extLst>
+          </a:blip>
+          <a:stretch>
+            <a:fillRect/>
+          </a:stretch>
+        </p:blipFill>
+        <p:spPr bwMode="auto">
+          <a:xfrm>
+            <a:off x="910541" y="1897207"/>
+            <a:ext cx="10370917" cy="4338789"/>
+          </a:xfrm>
+          <a:prstGeom prst="rect">
+            <a:avLst/>
+          </a:prstGeom>
+          <a:noFill/>
+          <a:extLst>
+            <a:ext uri="{909E8E84-426E-40DD-AFC4-6F175D3DCCD1}">
+              <a14:hiddenFill xmlns:a14="http://schemas.microsoft.com/office/drawing/2010/main">
+                <a:solidFill>
+                  <a:srgbClr val="FFFFFF"/>
+                </a:solidFill>
+              </a14:hiddenFill>
+            </a:ext>
+          </a:extLst>
+        </p:spPr>
+      </p:pic>
+    </p:spTree>
+    <p:extLst>
+      <p:ext uri="{BB962C8B-B14F-4D97-AF65-F5344CB8AC3E}">
+        <p14:creationId xmlns:p14="http://schemas.microsoft.com/office/powerpoint/2010/main" val="882630486"/>
+      </p:ext>
+    </p:extLst>
+  </p:cSld>
+  <p:clrMapOvr>
+    <a:masterClrMapping/>
+  </p:clrMapOvr>
+</p:sld>
+</file>
+
+<file path=ppt/slides/slide4.xml><?xml version="1.0" encoding="utf-8"?>
+<p:sld xmlns:a="http://schemas.openxmlformats.org/drawingml/2006/main" xmlns:r="http://schemas.openxmlformats.org/officeDocument/2006/relationships" xmlns:p="http://schemas.openxmlformats.org/presentationml/2006/main">
+  <p:cSld>
+    <p:bg>
+      <p:bgPr>
+        <a:solidFill>
+          <a:schemeClr val="bg1"/>
+        </a:solidFill>
+        <a:effectLst/>
+      </p:bgPr>
+    </p:bg>
+    <p:spTree>
+      <p:nvGrpSpPr>
+        <p:cNvPr id="1" name=""/>
+        <p:cNvGrpSpPr/>
+        <p:nvPr/>
+      </p:nvGrpSpPr>
+      <p:grpSpPr>
+        <a:xfrm>
+          <a:off x="0" y="0"/>
+          <a:ext cx="0" cy="0"/>
+          <a:chOff x="0" y="0"/>
+          <a:chExt cx="0" cy="0"/>
+        </a:xfrm>
+      </p:grpSpPr>
+      <p:sp useBgFill="1">
+        <p:nvSpPr>
+          <p:cNvPr id="13" name="Rectangle 12">
+            <a:extLst>
+              <a:ext uri="{FF2B5EF4-FFF2-40B4-BE49-F238E27FC236}">
+                <a16:creationId xmlns:a16="http://schemas.microsoft.com/office/drawing/2014/main" id="{72C7A71F-A746-4AB2-8FF5-03D4135FAFAD}"/>
+              </a:ext>
+              <a:ext uri="{C183D7F6-B498-43B3-948B-1728B52AA6E4}">
+                <adec:decorative xmlns:adec="http://schemas.microsoft.com/office/drawing/2017/decorative" val="1"/>
+              </a:ext>
+            </a:extLst>
+          </p:cNvPr>
+          <p:cNvSpPr>
+            <a:spLocks noGrp="1" noRot="1" noChangeAspect="1" noMove="1" noResize="1" noEditPoints="1" noAdjustHandles="1" noChangeArrowheads="1" noChangeShapeType="1" noTextEdit="1"/>
+          </p:cNvSpPr>
+          <p:nvPr>
+            <p:extLst>
+              <p:ext uri="{386F3935-93C4-4BCD-93E2-E3B085C9AB24}">
+                <p16:designElem xmlns:p16="http://schemas.microsoft.com/office/powerpoint/2015/main" val="1"/>
+              </p:ext>
+            </p:extLst>
+          </p:nvPr>
+        </p:nvSpPr>
+        <p:spPr>
+          <a:xfrm>
+            <a:off x="0" y="0"/>
+            <a:ext cx="12192000" cy="6858000"/>
+          </a:xfrm>
+          <a:prstGeom prst="rect">
+            <a:avLst/>
+          </a:prstGeom>
+          <a:ln>
+            <a:noFill/>
+          </a:ln>
+        </p:spPr>
+        <p:style>
+          <a:lnRef idx="2">
+            <a:schemeClr val="accent1">
+              <a:shade val="50000"/>
+            </a:schemeClr>
+          </a:lnRef>
+          <a:fillRef idx="1">
+            <a:schemeClr val="accent1"/>
+          </a:fillRef>
+          <a:effectRef idx="0">
+            <a:schemeClr val="accent1"/>
+          </a:effectRef>
+          <a:fontRef idx="minor">
+            <a:schemeClr val="lt1"/>
+          </a:fontRef>
+        </p:style>
+        <p:txBody>
+          <a:bodyPr rtlCol="0" anchor="ctr"/>
+          <a:lstStyle/>
+          <a:p>
+            <a:pPr algn="ctr"/>
+            <a:endParaRPr lang="en-US"/>
+          </a:p>
+        </p:txBody>
+      </p:sp>
+      <p:sp useBgFill="1">
+        <p:nvSpPr>
+          <p:cNvPr id="15" name="Rectangle 14">
+            <a:extLst>
+              <a:ext uri="{FF2B5EF4-FFF2-40B4-BE49-F238E27FC236}">
+                <a16:creationId xmlns:a16="http://schemas.microsoft.com/office/drawing/2014/main" id="{17FF8914-DDE9-46F8-AF0A-54FD0AC09BEE}"/>
+              </a:ext>
+              <a:ext uri="{C183D7F6-B498-43B3-948B-1728B52AA6E4}">
+                <adec:decorative xmlns:adec="http://schemas.microsoft.com/office/drawing/2017/decorative" val="1"/>
+              </a:ext>
+            </a:extLst>
+          </p:cNvPr>
+          <p:cNvSpPr>
+            <a:spLocks noGrp="1" noRot="1" noChangeAspect="1" noMove="1" noResize="1" noEditPoints="1" noAdjustHandles="1" noChangeArrowheads="1" noChangeShapeType="1" noTextEdit="1"/>
+          </p:cNvSpPr>
+          <p:nvPr>
+            <p:extLst>
+              <p:ext uri="{386F3935-93C4-4BCD-93E2-E3B085C9AB24}">
+                <p16:designElem xmlns:p16="http://schemas.microsoft.com/office/powerpoint/2015/main" val="1"/>
+              </p:ext>
+            </p:extLst>
+          </p:nvPr>
+        </p:nvSpPr>
+        <p:spPr>
+          <a:xfrm>
+            <a:off x="665853" y="1533525"/>
+            <a:ext cx="10917063" cy="3790950"/>
+          </a:xfrm>
+          <a:prstGeom prst="rect">
+            <a:avLst/>
+          </a:prstGeom>
+          <a:solidFill>
+            <a:schemeClr val="bg1"/>
+          </a:solidFill>
+          <a:ln w="12700">
+            <a:solidFill>
+              <a:srgbClr val="E1E1E1"/>
+            </a:solidFill>
+          </a:ln>
+          <a:effectLst>
+            <a:outerShdw blurRad="50800" dist="38100" dir="2700000" algn="tl" rotWithShape="0">
+              <a:schemeClr val="bg1">
+                <a:lumMod val="85000"/>
+                <a:alpha val="50000"/>
+              </a:schemeClr>
+            </a:outerShdw>
+          </a:effectLst>
+        </p:spPr>
+        <p:style>
+          <a:lnRef idx="2">
+            <a:schemeClr val="accent1">
+              <a:shade val="50000"/>
+            </a:schemeClr>
+          </a:lnRef>
+          <a:fillRef idx="1">
+            <a:schemeClr val="accent1"/>
+          </a:fillRef>
+          <a:effectRef idx="0">
+            <a:schemeClr val="accent1"/>
+          </a:effectRef>
+          <a:fontRef idx="minor">
+            <a:schemeClr val="lt1"/>
+          </a:fontRef>
+        </p:style>
+        <p:txBody>
+          <a:bodyPr rtlCol="0" anchor="ctr"/>
+          <a:lstStyle/>
+          <a:p>
+            <a:pPr algn="ctr"/>
+            <a:endParaRPr lang="en-US" dirty="0">
+              <a:solidFill>
+                <a:prstClr val="white"/>
+              </a:solidFill>
+              <a:latin typeface="Calibri" panose="020F0502020204030204"/>
+            </a:endParaRPr>
+          </a:p>
+        </p:txBody>
+      </p:sp>
+      <p:sp>
+        <p:nvSpPr>
+          <p:cNvPr id="2" name="Title 1">
+            <a:extLst>
+              <a:ext uri="{FF2B5EF4-FFF2-40B4-BE49-F238E27FC236}">
+                <a16:creationId xmlns:a16="http://schemas.microsoft.com/office/drawing/2014/main" id="{2D34CEF4-01D3-4AF7-9E84-F43030ACA972}"/>
+              </a:ext>
+            </a:extLst>
+          </p:cNvPr>
+          <p:cNvSpPr>
+            <a:spLocks noGrp="1"/>
+          </p:cNvSpPr>
+          <p:nvPr>
+            <p:ph type="title"/>
+          </p:nvPr>
+        </p:nvSpPr>
+        <p:spPr>
+          <a:xfrm>
+            <a:off x="1074419" y="1933575"/>
+            <a:ext cx="7013448" cy="2990849"/>
+          </a:xfrm>
+        </p:spPr>
+        <p:txBody>
+          <a:bodyPr vert="horz" lIns="91440" tIns="45720" rIns="91440" bIns="45720" rtlCol="0" anchor="ctr">
+            <a:normAutofit/>
+          </a:bodyPr>
+          <a:lstStyle/>
+          <a:p>
+            <a:r>
+              <a:rPr lang="en-US" sz="5400" kern="1200">
+                <a:solidFill>
+                  <a:schemeClr val="tx1"/>
+                </a:solidFill>
+                <a:latin typeface="+mj-lt"/>
+                <a:ea typeface="+mj-ea"/>
+                <a:cs typeface="+mj-cs"/>
+              </a:rPr>
+              <a:t>Key Project Components</a:t>
+            </a:r>
+          </a:p>
+        </p:txBody>
+      </p:sp>
+      <p:sp>
+        <p:nvSpPr>
+          <p:cNvPr id="5" name="TextBox 4">
+            <a:extLst>
+              <a:ext uri="{FF2B5EF4-FFF2-40B4-BE49-F238E27FC236}">
+                <a16:creationId xmlns:a16="http://schemas.microsoft.com/office/drawing/2014/main" id="{B91596C9-FAE5-4736-ADAF-DA6854F51C54}"/>
+              </a:ext>
+            </a:extLst>
+          </p:cNvPr>
+          <p:cNvSpPr txBox="1"/>
+          <p:nvPr/>
+        </p:nvSpPr>
+        <p:spPr>
+          <a:xfrm>
+            <a:off x="8610600" y="1933574"/>
+            <a:ext cx="2686812" cy="2990849"/>
+          </a:xfrm>
+          <a:prstGeom prst="rect">
+            <a:avLst/>
+          </a:prstGeom>
+        </p:spPr>
+        <p:txBody>
+          <a:bodyPr vert="horz" lIns="91440" tIns="45720" rIns="91440" bIns="45720" rtlCol="0" anchor="ctr">
+            <a:normAutofit/>
+          </a:bodyPr>
+          <a:lstStyle/>
+          <a:p>
+            <a:pPr>
+              <a:lnSpc>
+                <a:spcPct val="90000"/>
+              </a:lnSpc>
+              <a:spcBef>
+                <a:spcPts val="1000"/>
+              </a:spcBef>
+            </a:pPr>
+            <a:r>
+              <a:rPr lang="en-US" sz="2800" kern="1200" dirty="0">
+                <a:solidFill>
+                  <a:schemeClr val="tx1"/>
+                </a:solidFill>
+                <a:latin typeface="+mn-lt"/>
+                <a:ea typeface="+mn-ea"/>
+                <a:cs typeface="+mn-cs"/>
+              </a:rPr>
+              <a:t>The following components will be implemented in later phases of the project.</a:t>
+            </a:r>
+          </a:p>
+        </p:txBody>
+      </p:sp>
+      <p:sp>
+        <p:nvSpPr>
+          <p:cNvPr id="17" name="Rectangle 16">
+            <a:extLst>
+              <a:ext uri="{FF2B5EF4-FFF2-40B4-BE49-F238E27FC236}">
+                <a16:creationId xmlns:a16="http://schemas.microsoft.com/office/drawing/2014/main" id="{094C1DE0-31FE-4AD0-95EA-B65CA6B89D58}"/>
+              </a:ext>
+              <a:ext uri="{C183D7F6-B498-43B3-948B-1728B52AA6E4}">
+                <adec:decorative xmlns:adec="http://schemas.microsoft.com/office/drawing/2017/decorative" val="1"/>
+              </a:ext>
+            </a:extLst>
+          </p:cNvPr>
+          <p:cNvSpPr>
+            <a:spLocks noGrp="1" noRot="1" noChangeAspect="1" noMove="1" noResize="1" noEditPoints="1" noAdjustHandles="1" noChangeArrowheads="1" noChangeShapeType="1" noTextEdit="1"/>
+          </p:cNvSpPr>
+          <p:nvPr>
+            <p:extLst>
+              <p:ext uri="{386F3935-93C4-4BCD-93E2-E3B085C9AB24}">
+                <p16:designElem xmlns:p16="http://schemas.microsoft.com/office/powerpoint/2015/main" val="1"/>
+              </p:ext>
+            </p:extLst>
+          </p:nvPr>
+        </p:nvSpPr>
+        <p:spPr>
+          <a:xfrm>
+            <a:off x="609084" y="2965074"/>
+            <a:ext cx="128016" cy="914400"/>
+          </a:xfrm>
+          <a:prstGeom prst="rect">
+            <a:avLst/>
+          </a:prstGeom>
+          <a:solidFill>
+            <a:schemeClr val="accent2"/>
+          </a:solidFill>
+          <a:ln>
+            <a:noFill/>
+          </a:ln>
+        </p:spPr>
+        <p:style>
+          <a:lnRef idx="2">
+            <a:schemeClr val="accent1">
+              <a:shade val="50000"/>
+            </a:schemeClr>
+          </a:lnRef>
+          <a:fillRef idx="1">
+            <a:schemeClr val="accent1"/>
+          </a:fillRef>
+          <a:effectRef idx="0">
+            <a:schemeClr val="accent1"/>
+          </a:effectRef>
+          <a:fontRef idx="minor">
+            <a:schemeClr val="lt1"/>
+          </a:fontRef>
+        </p:style>
+        <p:txBody>
+          <a:bodyPr rtlCol="0" anchor="ctr"/>
+          <a:lstStyle/>
+          <a:p>
+            <a:pPr marL="0" marR="0" lvl="0" indent="0" algn="ctr" defTabSz="914400" rtl="0" eaLnBrk="1" fontAlgn="auto" latinLnBrk="0" hangingPunct="1">
+              <a:lnSpc>
+                <a:spcPct val="100000"/>
+              </a:lnSpc>
+              <a:spcBef>
+                <a:spcPts val="0"/>
+              </a:spcBef>
+              <a:spcAft>
+                <a:spcPts val="0"/>
+              </a:spcAft>
+              <a:buClrTx/>
+              <a:buSzTx/>
+              <a:buFontTx/>
+              <a:buNone/>
+              <a:tabLst/>
+              <a:defRPr/>
+            </a:pPr>
+            <a:endParaRPr kumimoji="0" lang="en-US" sz="1800" b="0" i="0" u="none" strike="noStrike" kern="1200" cap="none" spc="0" normalizeH="0" baseline="0" noProof="0">
+              <a:ln>
+                <a:noFill/>
+              </a:ln>
+              <a:solidFill>
+                <a:prstClr val="white"/>
+              </a:solidFill>
+              <a:effectLst/>
+              <a:uLnTx/>
+              <a:uFillTx/>
+              <a:latin typeface="Calibri" panose="020F0502020204030204"/>
+              <a:ea typeface="+mn-ea"/>
+              <a:cs typeface="+mn-cs"/>
+            </a:endParaRPr>
+          </a:p>
+        </p:txBody>
+      </p:sp>
+      <p:sp>
+        <p:nvSpPr>
+          <p:cNvPr id="19" name="Rectangle 18">
+            <a:extLst>
+              <a:ext uri="{FF2B5EF4-FFF2-40B4-BE49-F238E27FC236}">
+                <a16:creationId xmlns:a16="http://schemas.microsoft.com/office/drawing/2014/main" id="{3F736409-6C07-4CE8-86F8-1174E2235C2E}"/>
+              </a:ext>
+              <a:ext uri="{C183D7F6-B498-43B3-948B-1728B52AA6E4}">
+                <adec:decorative xmlns:adec="http://schemas.microsoft.com/office/drawing/2017/decorative" val="1"/>
+              </a:ext>
+            </a:extLst>
+          </p:cNvPr>
+          <p:cNvSpPr>
+            <a:spLocks noGrp="1" noRot="1" noChangeAspect="1" noMove="1" noResize="1" noEditPoints="1" noAdjustHandles="1" noChangeArrowheads="1" noChangeShapeType="1" noTextEdit="1"/>
+          </p:cNvSpPr>
+          <p:nvPr>
+            <p:extLst>
+              <p:ext uri="{386F3935-93C4-4BCD-93E2-E3B085C9AB24}">
+                <p16:designElem xmlns:p16="http://schemas.microsoft.com/office/powerpoint/2015/main" val="1"/>
+              </p:ext>
+            </p:extLst>
+          </p:nvPr>
+        </p:nvSpPr>
+        <p:spPr>
+          <a:xfrm rot="5400000">
+            <a:off x="7360539" y="3424428"/>
+            <a:ext cx="2103120" cy="9144"/>
+          </a:xfrm>
+          <a:prstGeom prst="rect">
+            <a:avLst/>
+          </a:prstGeom>
+          <a:solidFill>
+            <a:srgbClr val="D5D5D5"/>
+          </a:solidFill>
+          <a:ln w="3175">
+            <a:noFill/>
+          </a:ln>
+          <a:effectLst/>
+        </p:spPr>
+        <p:style>
+          <a:lnRef idx="2">
+            <a:schemeClr val="accent1">
+              <a:shade val="50000"/>
+            </a:schemeClr>
+          </a:lnRef>
+          <a:fillRef idx="1">
+            <a:schemeClr val="accent1"/>
+          </a:fillRef>
+          <a:effectRef idx="0">
+            <a:schemeClr val="accent1"/>
+          </a:effectRef>
+          <a:fontRef idx="minor">
+            <a:schemeClr val="lt1"/>
+          </a:fontRef>
+        </p:style>
+        <p:txBody>
+          <a:bodyPr rtlCol="0" anchor="ctr"/>
+          <a:lstStyle/>
+          <a:p>
+            <a:pPr marL="0" marR="0" lvl="0" indent="0" algn="ctr" defTabSz="914400" rtl="0" eaLnBrk="1" fontAlgn="auto" latinLnBrk="0" hangingPunct="1">
+              <a:lnSpc>
+                <a:spcPct val="100000"/>
+              </a:lnSpc>
+              <a:spcBef>
+                <a:spcPts val="0"/>
+              </a:spcBef>
+              <a:spcAft>
+                <a:spcPts val="0"/>
+              </a:spcAft>
+              <a:buClrTx/>
+              <a:buSzTx/>
+              <a:buFontTx/>
+              <a:buNone/>
+              <a:tabLst/>
+              <a:defRPr/>
+            </a:pPr>
+            <a:endParaRPr kumimoji="0" lang="en-US" sz="1800" b="0" i="0" u="none" strike="noStrike" kern="1200" cap="none" spc="0" normalizeH="0" baseline="0" noProof="0">
+              <a:ln>
+                <a:noFill/>
+              </a:ln>
+              <a:solidFill>
+                <a:prstClr val="white"/>
+              </a:solidFill>
+              <a:effectLst/>
+              <a:uLnTx/>
+              <a:uFillTx/>
+              <a:latin typeface="Calibri" panose="020F0502020204030204"/>
+              <a:ea typeface="+mn-ea"/>
+              <a:cs typeface="+mn-cs"/>
+            </a:endParaRPr>
+          </a:p>
+        </p:txBody>
+      </p:sp>
+    </p:spTree>
+    <p:extLst>
+      <p:ext uri="{BB962C8B-B14F-4D97-AF65-F5344CB8AC3E}">
+        <p14:creationId xmlns:p14="http://schemas.microsoft.com/office/powerpoint/2010/main" val="397072516"/>
+      </p:ext>
+    </p:extLst>
+  </p:cSld>
+  <p:clrMapOvr>
+    <a:masterClrMapping/>
+  </p:clrMapOvr>
+</p:sld>
+</file>
+
+<file path=ppt/slides/slide5.xml><?xml version="1.0" encoding="utf-8"?>
+<p:sld xmlns:a="http://schemas.openxmlformats.org/drawingml/2006/main" xmlns:r="http://schemas.openxmlformats.org/officeDocument/2006/relationships" xmlns:p="http://schemas.openxmlformats.org/presentationml/2006/main">
+  <p:cSld>
+    <p:bg>
+      <p:bgPr>
+        <a:solidFill>
+          <a:schemeClr val="bg1"/>
+        </a:solidFill>
+        <a:effectLst/>
+      </p:bgPr>
+    </p:bg>
+    <p:spTree>
+      <p:nvGrpSpPr>
+        <p:cNvPr id="1" name=""/>
+        <p:cNvGrpSpPr/>
+        <p:nvPr/>
+      </p:nvGrpSpPr>
+      <p:grpSpPr>
+        <a:xfrm>
+          <a:off x="0" y="0"/>
+          <a:ext cx="0" cy="0"/>
+          <a:chOff x="0" y="0"/>
+          <a:chExt cx="0" cy="0"/>
+        </a:xfrm>
+      </p:grpSpPr>
+      <p:sp useBgFill="1">
+        <p:nvSpPr>
+          <p:cNvPr id="71" name="Rectangle 70">
+            <a:extLst>
+              <a:ext uri="{FF2B5EF4-FFF2-40B4-BE49-F238E27FC236}">
+                <a16:creationId xmlns:a16="http://schemas.microsoft.com/office/drawing/2014/main" id="{C1A1C5D3-C053-4EE9-BE1A-419B6E27CCAE}"/>
+              </a:ext>
+              <a:ext uri="{C183D7F6-B498-43B3-948B-1728B52AA6E4}">
+                <adec:decorative xmlns:adec="http://schemas.microsoft.com/office/drawing/2017/decorative" val="1"/>
+              </a:ext>
+            </a:extLst>
+          </p:cNvPr>
+          <p:cNvSpPr>
+            <a:spLocks noGrp="1" noRot="1" noChangeAspect="1" noMove="1" noResize="1" noEditPoints="1" noAdjustHandles="1" noChangeArrowheads="1" noChangeShapeType="1" noTextEdit="1"/>
+          </p:cNvSpPr>
+          <p:nvPr>
+            <p:extLst>
+              <p:ext uri="{386F3935-93C4-4BCD-93E2-E3B085C9AB24}">
+                <p16:designElem xmlns:p16="http://schemas.microsoft.com/office/powerpoint/2015/main" val="1"/>
+              </p:ext>
+            </p:extLst>
+          </p:nvPr>
+        </p:nvSpPr>
+        <p:spPr>
+          <a:xfrm>
+            <a:off x="0" y="0"/>
+            <a:ext cx="12192000" cy="6858000"/>
+          </a:xfrm>
+          <a:prstGeom prst="rect">
+            <a:avLst/>
+          </a:prstGeom>
+          <a:ln>
+            <a:noFill/>
+          </a:ln>
+        </p:spPr>
+        <p:style>
+          <a:lnRef idx="2">
+            <a:schemeClr val="accent1">
+              <a:shade val="50000"/>
+            </a:schemeClr>
+          </a:lnRef>
+          <a:fillRef idx="1">
+            <a:schemeClr val="accent1"/>
+          </a:fillRef>
+          <a:effectRef idx="0">
+            <a:schemeClr val="accent1"/>
+          </a:effectRef>
+          <a:fontRef idx="minor">
+            <a:schemeClr val="lt1"/>
+          </a:fontRef>
+        </p:style>
+        <p:txBody>
+          <a:bodyPr rtlCol="0" anchor="ctr"/>
+          <a:lstStyle/>
+          <a:p>
+            <a:pPr algn="ctr"/>
+            <a:endParaRPr lang="en-US" dirty="0"/>
+          </a:p>
+        </p:txBody>
+      </p:sp>
+      <p:sp useBgFill="1">
+        <p:nvSpPr>
+          <p:cNvPr id="73" name="Rectangle 72">
+            <a:extLst>
+              <a:ext uri="{FF2B5EF4-FFF2-40B4-BE49-F238E27FC236}">
+                <a16:creationId xmlns:a16="http://schemas.microsoft.com/office/drawing/2014/main" id="{A3473CF9-37EB-43E7-89EF-D2D1C53D1DAC}"/>
+              </a:ext>
+              <a:ext uri="{C183D7F6-B498-43B3-948B-1728B52AA6E4}">
+                <adec:decorative xmlns:adec="http://schemas.microsoft.com/office/drawing/2017/decorative" val="1"/>
+              </a:ext>
+            </a:extLst>
+          </p:cNvPr>
+          <p:cNvSpPr>
+            <a:spLocks noGrp="1" noRot="1" noChangeAspect="1" noMove="1" noResize="1" noEditPoints="1" noAdjustHandles="1" noChangeArrowheads="1" noChangeShapeType="1" noTextEdit="1"/>
+          </p:cNvSpPr>
+          <p:nvPr>
+            <p:extLst>
+              <p:ext uri="{386F3935-93C4-4BCD-93E2-E3B085C9AB24}">
+                <p16:designElem xmlns:p16="http://schemas.microsoft.com/office/powerpoint/2015/main" val="1"/>
+              </p:ext>
+            </p:extLst>
+          </p:nvPr>
+        </p:nvSpPr>
+        <p:spPr>
+          <a:xfrm>
+            <a:off x="1903615" y="221673"/>
+            <a:ext cx="8384770" cy="1332634"/>
+          </a:xfrm>
+          <a:prstGeom prst="rect">
+            <a:avLst/>
+          </a:prstGeom>
+          <a:ln w="12700">
+            <a:solidFill>
+              <a:srgbClr val="E1E1E1"/>
+            </a:solidFill>
+          </a:ln>
+          <a:effectLst>
+            <a:outerShdw blurRad="50800" dist="38100" dir="2700000" algn="tl" rotWithShape="0">
+              <a:schemeClr val="bg2">
+                <a:lumMod val="85000"/>
+                <a:alpha val="50000"/>
+              </a:schemeClr>
+            </a:outerShdw>
+          </a:effectLst>
+        </p:spPr>
+        <p:style>
+          <a:lnRef idx="2">
+            <a:schemeClr val="accent1">
+              <a:shade val="50000"/>
+            </a:schemeClr>
+          </a:lnRef>
+          <a:fillRef idx="1">
+            <a:schemeClr val="accent1"/>
+          </a:fillRef>
+          <a:effectRef idx="0">
+            <a:schemeClr val="accent1"/>
+          </a:effectRef>
+          <a:fontRef idx="minor">
+            <a:schemeClr val="lt1"/>
+          </a:fontRef>
+        </p:style>
+        <p:txBody>
+          <a:bodyPr rtlCol="0" anchor="ctr"/>
+          <a:lstStyle/>
+          <a:p>
+            <a:pPr marL="0" marR="0" lvl="0" indent="0" algn="ctr" defTabSz="914400" rtl="0" eaLnBrk="1" fontAlgn="auto" latinLnBrk="0" hangingPunct="1">
+              <a:lnSpc>
+                <a:spcPct val="100000"/>
+              </a:lnSpc>
+              <a:spcBef>
+                <a:spcPts val="0"/>
+              </a:spcBef>
+              <a:spcAft>
+                <a:spcPts val="0"/>
+              </a:spcAft>
+              <a:buClrTx/>
+              <a:buSzTx/>
+              <a:buFontTx/>
+              <a:buNone/>
+              <a:tabLst/>
+              <a:defRPr/>
+            </a:pPr>
+            <a:endParaRPr kumimoji="0" lang="en-US" sz="1800" b="0" i="0" u="none" strike="noStrike" kern="1200" cap="none" spc="0" normalizeH="0" baseline="0" noProof="0" dirty="0">
+              <a:ln>
+                <a:noFill/>
+              </a:ln>
+              <a:solidFill>
+                <a:prstClr val="white"/>
+              </a:solidFill>
+              <a:effectLst/>
+              <a:uLnTx/>
+              <a:uFillTx/>
+              <a:latin typeface="Calibri" panose="020F0502020204030204"/>
+              <a:ea typeface="+mn-ea"/>
+              <a:cs typeface="+mn-cs"/>
+            </a:endParaRPr>
+          </a:p>
+        </p:txBody>
+      </p:sp>
+      <p:sp>
+        <p:nvSpPr>
+          <p:cNvPr id="2" name="Title 1">
+            <a:extLst>
+              <a:ext uri="{FF2B5EF4-FFF2-40B4-BE49-F238E27FC236}">
+                <a16:creationId xmlns:a16="http://schemas.microsoft.com/office/drawing/2014/main" id="{0FDE5079-B185-4DE0-AF2C-AE4B7709FBC3}"/>
+              </a:ext>
+            </a:extLst>
+          </p:cNvPr>
+          <p:cNvSpPr>
+            <a:spLocks noGrp="1"/>
+          </p:cNvSpPr>
+          <p:nvPr>
+            <p:ph type="title"/>
+          </p:nvPr>
+        </p:nvSpPr>
+        <p:spPr>
+          <a:xfrm>
+            <a:off x="2103121" y="310343"/>
+            <a:ext cx="7985759" cy="868823"/>
+          </a:xfrm>
+        </p:spPr>
+        <p:txBody>
+          <a:bodyPr vert="horz" lIns="91440" tIns="45720" rIns="91440" bIns="45720" rtlCol="0" anchor="ctr">
+            <a:normAutofit/>
+          </a:bodyPr>
+          <a:lstStyle/>
+          <a:p>
+            <a:pPr algn="ctr"/>
+            <a:r>
+              <a:rPr lang="en-US" sz="4000" kern="1200" dirty="0">
+                <a:solidFill>
+                  <a:schemeClr val="tx1"/>
+                </a:solidFill>
+                <a:latin typeface="+mj-lt"/>
+                <a:ea typeface="+mj-ea"/>
+                <a:cs typeface="+mj-cs"/>
+              </a:rPr>
+              <a:t>Code Scanning</a:t>
+            </a:r>
+          </a:p>
+        </p:txBody>
+      </p:sp>
+      <p:sp>
+        <p:nvSpPr>
+          <p:cNvPr id="75" name="Rectangle: Rounded Corners 74">
+            <a:extLst>
+              <a:ext uri="{FF2B5EF4-FFF2-40B4-BE49-F238E27FC236}">
+                <a16:creationId xmlns:a16="http://schemas.microsoft.com/office/drawing/2014/main" id="{586B4EF9-43BA-4655-A6FF-1D8E21574C95}"/>
+              </a:ext>
+              <a:ext uri="{C183D7F6-B498-43B3-948B-1728B52AA6E4}">
+                <adec:decorative xmlns:adec="http://schemas.microsoft.com/office/drawing/2017/decorative" val="1"/>
+              </a:ext>
+            </a:extLst>
+          </p:cNvPr>
+          <p:cNvSpPr>
+            <a:spLocks noGrp="1" noRot="1" noChangeAspect="1" noMove="1" noResize="1" noEditPoints="1" noAdjustHandles="1" noChangeArrowheads="1" noChangeShapeType="1" noTextEdit="1"/>
+          </p:cNvSpPr>
+          <p:nvPr>
+            <p:extLst>
+              <p:ext uri="{386F3935-93C4-4BCD-93E2-E3B085C9AB24}">
+                <p16:designElem xmlns:p16="http://schemas.microsoft.com/office/powerpoint/2015/main" val="1"/>
+              </p:ext>
+            </p:extLst>
+          </p:nvPr>
+        </p:nvSpPr>
+        <p:spPr>
+          <a:xfrm>
+            <a:off x="2483110" y="1211407"/>
+            <a:ext cx="7225780" cy="685800"/>
+          </a:xfrm>
+          <a:prstGeom prst="roundRect">
+            <a:avLst>
+              <a:gd name="adj" fmla="val 0"/>
+            </a:avLst>
+          </a:prstGeom>
+          <a:solidFill>
+            <a:schemeClr val="accent2"/>
+          </a:solidFill>
+          <a:ln>
+            <a:noFill/>
+          </a:ln>
+        </p:spPr>
+        <p:style>
+          <a:lnRef idx="2">
+            <a:schemeClr val="accent1">
+              <a:shade val="50000"/>
+            </a:schemeClr>
+          </a:lnRef>
+          <a:fillRef idx="1">
+            <a:schemeClr val="accent1"/>
+          </a:fillRef>
+          <a:effectRef idx="0">
+            <a:schemeClr val="accent1"/>
+          </a:effectRef>
+          <a:fontRef idx="minor">
+            <a:schemeClr val="lt1"/>
+          </a:fontRef>
+        </p:style>
+        <p:txBody>
+          <a:bodyPr rtlCol="0" anchor="ctr"/>
+          <a:lstStyle/>
+          <a:p>
+            <a:pPr algn="ctr"/>
+            <a:endParaRPr lang="en-US" dirty="0">
+              <a:solidFill>
+                <a:prstClr val="white"/>
+              </a:solidFill>
+              <a:latin typeface="Calibri" panose="020F0502020204030204"/>
+            </a:endParaRPr>
+          </a:p>
+        </p:txBody>
+      </p:sp>
+    </p:spTree>
+    <p:extLst>
+      <p:ext uri="{BB962C8B-B14F-4D97-AF65-F5344CB8AC3E}">
+        <p14:creationId xmlns:p14="http://schemas.microsoft.com/office/powerpoint/2010/main" val="2948992908"/>
+      </p:ext>
+    </p:extLst>
+  </p:cSld>
+  <p:clrMapOvr>
+    <a:masterClrMapping/>
+  </p:clrMapOvr>
+</p:sld>
+</file>
+
+<file path=ppt/slides/slide6.xml><?xml version="1.0" encoding="utf-8"?>
+<p:sld xmlns:a="http://schemas.openxmlformats.org/drawingml/2006/main" xmlns:r="http://schemas.openxmlformats.org/officeDocument/2006/relationships" xmlns:p="http://schemas.openxmlformats.org/presentationml/2006/main">
+  <p:cSld>
+    <p:bg>
+      <p:bgPr>
+        <a:solidFill>
+          <a:schemeClr val="bg1"/>
+        </a:solidFill>
+        <a:effectLst/>
+      </p:bgPr>
+    </p:bg>
+    <p:spTree>
+      <p:nvGrpSpPr>
+        <p:cNvPr id="1" name=""/>
+        <p:cNvGrpSpPr/>
+        <p:nvPr/>
+      </p:nvGrpSpPr>
+      <p:grpSpPr>
+        <a:xfrm>
+          <a:off x="0" y="0"/>
+          <a:ext cx="0" cy="0"/>
+          <a:chOff x="0" y="0"/>
+          <a:chExt cx="0" cy="0"/>
+        </a:xfrm>
+      </p:grpSpPr>
+      <p:sp useBgFill="1">
+        <p:nvSpPr>
+          <p:cNvPr id="71" name="Rectangle 70">
+            <a:extLst>
+              <a:ext uri="{FF2B5EF4-FFF2-40B4-BE49-F238E27FC236}">
+                <a16:creationId xmlns:a16="http://schemas.microsoft.com/office/drawing/2014/main" id="{C1A1C5D3-C053-4EE9-BE1A-419B6E27CCAE}"/>
+              </a:ext>
+              <a:ext uri="{C183D7F6-B498-43B3-948B-1728B52AA6E4}">
+                <adec:decorative xmlns:adec="http://schemas.microsoft.com/office/drawing/2017/decorative" val="1"/>
+              </a:ext>
+            </a:extLst>
+          </p:cNvPr>
+          <p:cNvSpPr>
+            <a:spLocks noGrp="1" noRot="1" noChangeAspect="1" noMove="1" noResize="1" noEditPoints="1" noAdjustHandles="1" noChangeArrowheads="1" noChangeShapeType="1" noTextEdit="1"/>
+          </p:cNvSpPr>
+          <p:nvPr>
+            <p:extLst>
+              <p:ext uri="{386F3935-93C4-4BCD-93E2-E3B085C9AB24}">
+                <p16:designElem xmlns:p16="http://schemas.microsoft.com/office/powerpoint/2015/main" val="1"/>
+              </p:ext>
+            </p:extLst>
+          </p:nvPr>
+        </p:nvSpPr>
+        <p:spPr>
+          <a:xfrm>
+            <a:off x="0" y="0"/>
+            <a:ext cx="12192000" cy="6858000"/>
+          </a:xfrm>
+          <a:prstGeom prst="rect">
+            <a:avLst/>
+          </a:prstGeom>
+          <a:ln>
+            <a:noFill/>
+          </a:ln>
+        </p:spPr>
+        <p:style>
+          <a:lnRef idx="2">
+            <a:schemeClr val="accent1">
+              <a:shade val="50000"/>
+            </a:schemeClr>
+          </a:lnRef>
+          <a:fillRef idx="1">
+            <a:schemeClr val="accent1"/>
+          </a:fillRef>
+          <a:effectRef idx="0">
+            <a:schemeClr val="accent1"/>
+          </a:effectRef>
+          <a:fontRef idx="minor">
+            <a:schemeClr val="lt1"/>
+          </a:fontRef>
+        </p:style>
+        <p:txBody>
+          <a:bodyPr rtlCol="0" anchor="ctr"/>
+          <a:lstStyle/>
+          <a:p>
+            <a:pPr algn="ctr"/>
+            <a:endParaRPr lang="en-US" dirty="0"/>
+          </a:p>
+        </p:txBody>
+      </p:sp>
+      <p:sp useBgFill="1">
+        <p:nvSpPr>
+          <p:cNvPr id="73" name="Rectangle 72">
+            <a:extLst>
+              <a:ext uri="{FF2B5EF4-FFF2-40B4-BE49-F238E27FC236}">
+                <a16:creationId xmlns:a16="http://schemas.microsoft.com/office/drawing/2014/main" id="{A3473CF9-37EB-43E7-89EF-D2D1C53D1DAC}"/>
+              </a:ext>
+              <a:ext uri="{C183D7F6-B498-43B3-948B-1728B52AA6E4}">
+                <adec:decorative xmlns:adec="http://schemas.microsoft.com/office/drawing/2017/decorative" val="1"/>
+              </a:ext>
+            </a:extLst>
+          </p:cNvPr>
+          <p:cNvSpPr>
+            <a:spLocks noGrp="1" noRot="1" noChangeAspect="1" noMove="1" noResize="1" noEditPoints="1" noAdjustHandles="1" noChangeArrowheads="1" noChangeShapeType="1" noTextEdit="1"/>
+          </p:cNvSpPr>
+          <p:nvPr>
+            <p:extLst>
+              <p:ext uri="{386F3935-93C4-4BCD-93E2-E3B085C9AB24}">
+                <p16:designElem xmlns:p16="http://schemas.microsoft.com/office/powerpoint/2015/main" val="1"/>
+              </p:ext>
+            </p:extLst>
+          </p:nvPr>
+        </p:nvSpPr>
+        <p:spPr>
+          <a:xfrm>
+            <a:off x="1903615" y="221673"/>
+            <a:ext cx="8384770" cy="1332634"/>
+          </a:xfrm>
+          <a:prstGeom prst="rect">
+            <a:avLst/>
+          </a:prstGeom>
+          <a:ln w="12700">
+            <a:solidFill>
+              <a:srgbClr val="E1E1E1"/>
+            </a:solidFill>
+          </a:ln>
+          <a:effectLst>
+            <a:outerShdw blurRad="50800" dist="38100" dir="2700000" algn="tl" rotWithShape="0">
+              <a:schemeClr val="bg2">
+                <a:lumMod val="85000"/>
+                <a:alpha val="50000"/>
+              </a:schemeClr>
+            </a:outerShdw>
+          </a:effectLst>
+        </p:spPr>
+        <p:style>
+          <a:lnRef idx="2">
+            <a:schemeClr val="accent1">
+              <a:shade val="50000"/>
+            </a:schemeClr>
+          </a:lnRef>
+          <a:fillRef idx="1">
+            <a:schemeClr val="accent1"/>
+          </a:fillRef>
+          <a:effectRef idx="0">
+            <a:schemeClr val="accent1"/>
+          </a:effectRef>
+          <a:fontRef idx="minor">
+            <a:schemeClr val="lt1"/>
+          </a:fontRef>
+        </p:style>
+        <p:txBody>
+          <a:bodyPr rtlCol="0" anchor="ctr"/>
+          <a:lstStyle/>
+          <a:p>
+            <a:pPr marL="0" marR="0" lvl="0" indent="0" algn="ctr" defTabSz="914400" rtl="0" eaLnBrk="1" fontAlgn="auto" latinLnBrk="0" hangingPunct="1">
+              <a:lnSpc>
+                <a:spcPct val="100000"/>
+              </a:lnSpc>
+              <a:spcBef>
+                <a:spcPts val="0"/>
+              </a:spcBef>
+              <a:spcAft>
+                <a:spcPts val="0"/>
+              </a:spcAft>
+              <a:buClrTx/>
+              <a:buSzTx/>
+              <a:buFontTx/>
+              <a:buNone/>
+              <a:tabLst/>
+              <a:defRPr/>
+            </a:pPr>
+            <a:endParaRPr kumimoji="0" lang="en-US" sz="1800" b="0" i="0" u="none" strike="noStrike" kern="1200" cap="none" spc="0" normalizeH="0" baseline="0" noProof="0" dirty="0">
+              <a:ln>
+                <a:noFill/>
+              </a:ln>
+              <a:solidFill>
+                <a:prstClr val="white"/>
+              </a:solidFill>
+              <a:effectLst/>
+              <a:uLnTx/>
+              <a:uFillTx/>
+              <a:latin typeface="Calibri" panose="020F0502020204030204"/>
+              <a:ea typeface="+mn-ea"/>
+              <a:cs typeface="+mn-cs"/>
+            </a:endParaRPr>
+          </a:p>
+        </p:txBody>
+      </p:sp>
+      <p:sp>
+        <p:nvSpPr>
+          <p:cNvPr id="2" name="Title 1">
+            <a:extLst>
+              <a:ext uri="{FF2B5EF4-FFF2-40B4-BE49-F238E27FC236}">
+                <a16:creationId xmlns:a16="http://schemas.microsoft.com/office/drawing/2014/main" id="{0FDE5079-B185-4DE0-AF2C-AE4B7709FBC3}"/>
+              </a:ext>
+            </a:extLst>
+          </p:cNvPr>
+          <p:cNvSpPr>
+            <a:spLocks noGrp="1"/>
+          </p:cNvSpPr>
+          <p:nvPr>
+            <p:ph type="title"/>
+          </p:nvPr>
+        </p:nvSpPr>
+        <p:spPr>
+          <a:xfrm>
+            <a:off x="2103121" y="310343"/>
+            <a:ext cx="7985759" cy="868823"/>
+          </a:xfrm>
+        </p:spPr>
+        <p:txBody>
+          <a:bodyPr vert="horz" lIns="91440" tIns="45720" rIns="91440" bIns="45720" rtlCol="0" anchor="ctr">
+            <a:normAutofit/>
+          </a:bodyPr>
+          <a:lstStyle/>
+          <a:p>
+            <a:pPr algn="ctr"/>
+            <a:r>
+              <a:rPr lang="en-US" sz="4000" kern="1200" dirty="0">
+                <a:solidFill>
+                  <a:schemeClr val="tx1"/>
+                </a:solidFill>
+                <a:latin typeface="+mj-lt"/>
+                <a:ea typeface="+mj-ea"/>
+                <a:cs typeface="+mj-cs"/>
+              </a:rPr>
+              <a:t>Performance Testing</a:t>
+            </a:r>
+          </a:p>
+        </p:txBody>
+      </p:sp>
+      <p:sp>
+        <p:nvSpPr>
+          <p:cNvPr id="75" name="Rectangle: Rounded Corners 74">
+            <a:extLst>
+              <a:ext uri="{FF2B5EF4-FFF2-40B4-BE49-F238E27FC236}">
+                <a16:creationId xmlns:a16="http://schemas.microsoft.com/office/drawing/2014/main" id="{586B4EF9-43BA-4655-A6FF-1D8E21574C95}"/>
+              </a:ext>
+              <a:ext uri="{C183D7F6-B498-43B3-948B-1728B52AA6E4}">
+                <adec:decorative xmlns:adec="http://schemas.microsoft.com/office/drawing/2017/decorative" val="1"/>
+              </a:ext>
+            </a:extLst>
+          </p:cNvPr>
+          <p:cNvSpPr>
+            <a:spLocks noGrp="1" noRot="1" noChangeAspect="1" noMove="1" noResize="1" noEditPoints="1" noAdjustHandles="1" noChangeArrowheads="1" noChangeShapeType="1" noTextEdit="1"/>
+          </p:cNvSpPr>
+          <p:nvPr>
+            <p:extLst>
+              <p:ext uri="{386F3935-93C4-4BCD-93E2-E3B085C9AB24}">
+                <p16:designElem xmlns:p16="http://schemas.microsoft.com/office/powerpoint/2015/main" val="1"/>
+              </p:ext>
+            </p:extLst>
+          </p:nvPr>
+        </p:nvSpPr>
+        <p:spPr>
+          <a:xfrm>
+            <a:off x="2483110" y="1211407"/>
+            <a:ext cx="7225780" cy="685800"/>
+          </a:xfrm>
+          <a:prstGeom prst="roundRect">
+            <a:avLst>
+              <a:gd name="adj" fmla="val 0"/>
+            </a:avLst>
+          </a:prstGeom>
+          <a:solidFill>
+            <a:schemeClr val="accent2"/>
+          </a:solidFill>
+          <a:ln>
+            <a:noFill/>
+          </a:ln>
+        </p:spPr>
+        <p:style>
+          <a:lnRef idx="2">
+            <a:schemeClr val="accent1">
+              <a:shade val="50000"/>
+            </a:schemeClr>
+          </a:lnRef>
+          <a:fillRef idx="1">
+            <a:schemeClr val="accent1"/>
+          </a:fillRef>
+          <a:effectRef idx="0">
+            <a:schemeClr val="accent1"/>
+          </a:effectRef>
+          <a:fontRef idx="minor">
+            <a:schemeClr val="lt1"/>
+          </a:fontRef>
+        </p:style>
+        <p:txBody>
+          <a:bodyPr rtlCol="0" anchor="ctr"/>
+          <a:lstStyle/>
+          <a:p>
+            <a:pPr algn="ctr"/>
+            <a:endParaRPr lang="en-US" dirty="0">
+              <a:solidFill>
+                <a:prstClr val="white"/>
+              </a:solidFill>
+              <a:latin typeface="Calibri" panose="020F0502020204030204"/>
+            </a:endParaRPr>
+          </a:p>
+        </p:txBody>
+      </p:sp>
+    </p:spTree>
+    <p:extLst>
+      <p:ext uri="{BB962C8B-B14F-4D97-AF65-F5344CB8AC3E}">
+        <p14:creationId xmlns:p14="http://schemas.microsoft.com/office/powerpoint/2010/main" val="527754030"/>
+      </p:ext>
+    </p:extLst>
+  </p:cSld>
+  <p:clrMapOvr>
+    <a:masterClrMapping/>
+  </p:clrMapOvr>
+</p:sld>
+</file>
+
+<file path=ppt/slides/slide7.xml><?xml version="1.0" encoding="utf-8"?>
+<p:sld xmlns:a="http://schemas.openxmlformats.org/drawingml/2006/main" xmlns:r="http://schemas.openxmlformats.org/officeDocument/2006/relationships" xmlns:p="http://schemas.openxmlformats.org/presentationml/2006/main">
+  <p:cSld>
+    <p:bg>
+      <p:bgPr>
+        <a:solidFill>
+          <a:schemeClr val="bg1"/>
+        </a:solidFill>
+        <a:effectLst/>
+      </p:bgPr>
+    </p:bg>
+    <p:spTree>
+      <p:nvGrpSpPr>
+        <p:cNvPr id="1" name=""/>
+        <p:cNvGrpSpPr/>
+        <p:nvPr/>
+      </p:nvGrpSpPr>
+      <p:grpSpPr>
+        <a:xfrm>
+          <a:off x="0" y="0"/>
+          <a:ext cx="0" cy="0"/>
+          <a:chOff x="0" y="0"/>
+          <a:chExt cx="0" cy="0"/>
+        </a:xfrm>
+      </p:grpSpPr>
+      <p:sp useBgFill="1">
+        <p:nvSpPr>
+          <p:cNvPr id="71" name="Rectangle 70">
+            <a:extLst>
+              <a:ext uri="{FF2B5EF4-FFF2-40B4-BE49-F238E27FC236}">
+                <a16:creationId xmlns:a16="http://schemas.microsoft.com/office/drawing/2014/main" id="{C1A1C5D3-C053-4EE9-BE1A-419B6E27CCAE}"/>
+              </a:ext>
+              <a:ext uri="{C183D7F6-B498-43B3-948B-1728B52AA6E4}">
+                <adec:decorative xmlns:adec="http://schemas.microsoft.com/office/drawing/2017/decorative" val="1"/>
+              </a:ext>
+            </a:extLst>
+          </p:cNvPr>
+          <p:cNvSpPr>
+            <a:spLocks noGrp="1" noRot="1" noChangeAspect="1" noMove="1" noResize="1" noEditPoints="1" noAdjustHandles="1" noChangeArrowheads="1" noChangeShapeType="1" noTextEdit="1"/>
+          </p:cNvSpPr>
+          <p:nvPr>
+            <p:extLst>
+              <p:ext uri="{386F3935-93C4-4BCD-93E2-E3B085C9AB24}">
+                <p16:designElem xmlns:p16="http://schemas.microsoft.com/office/powerpoint/2015/main" val="1"/>
+              </p:ext>
+            </p:extLst>
+          </p:nvPr>
+        </p:nvSpPr>
+        <p:spPr>
+          <a:xfrm>
+            <a:off x="0" y="0"/>
+            <a:ext cx="12192000" cy="6858000"/>
+          </a:xfrm>
+          <a:prstGeom prst="rect">
+            <a:avLst/>
+          </a:prstGeom>
+          <a:ln>
+            <a:noFill/>
+          </a:ln>
+        </p:spPr>
+        <p:style>
+          <a:lnRef idx="2">
+            <a:schemeClr val="accent1">
+              <a:shade val="50000"/>
+            </a:schemeClr>
+          </a:lnRef>
+          <a:fillRef idx="1">
+            <a:schemeClr val="accent1"/>
+          </a:fillRef>
+          <a:effectRef idx="0">
+            <a:schemeClr val="accent1"/>
+          </a:effectRef>
+          <a:fontRef idx="minor">
+            <a:schemeClr val="lt1"/>
+          </a:fontRef>
+        </p:style>
+        <p:txBody>
+          <a:bodyPr rtlCol="0" anchor="ctr"/>
+          <a:lstStyle/>
+          <a:p>
+            <a:pPr algn="ctr"/>
+            <a:endParaRPr lang="en-US" dirty="0"/>
+          </a:p>
+        </p:txBody>
+      </p:sp>
+      <p:sp useBgFill="1">
+        <p:nvSpPr>
+          <p:cNvPr id="73" name="Rectangle 72">
+            <a:extLst>
+              <a:ext uri="{FF2B5EF4-FFF2-40B4-BE49-F238E27FC236}">
+                <a16:creationId xmlns:a16="http://schemas.microsoft.com/office/drawing/2014/main" id="{A3473CF9-37EB-43E7-89EF-D2D1C53D1DAC}"/>
+              </a:ext>
+              <a:ext uri="{C183D7F6-B498-43B3-948B-1728B52AA6E4}">
+                <adec:decorative xmlns:adec="http://schemas.microsoft.com/office/drawing/2017/decorative" val="1"/>
+              </a:ext>
+            </a:extLst>
+          </p:cNvPr>
+          <p:cNvSpPr>
+            <a:spLocks noGrp="1" noRot="1" noChangeAspect="1" noMove="1" noResize="1" noEditPoints="1" noAdjustHandles="1" noChangeArrowheads="1" noChangeShapeType="1" noTextEdit="1"/>
+          </p:cNvSpPr>
+          <p:nvPr>
+            <p:extLst>
+              <p:ext uri="{386F3935-93C4-4BCD-93E2-E3B085C9AB24}">
+                <p16:designElem xmlns:p16="http://schemas.microsoft.com/office/powerpoint/2015/main" val="1"/>
+              </p:ext>
+            </p:extLst>
+          </p:nvPr>
+        </p:nvSpPr>
+        <p:spPr>
+          <a:xfrm>
+            <a:off x="1903615" y="221673"/>
+            <a:ext cx="8384770" cy="1332634"/>
+          </a:xfrm>
+          <a:prstGeom prst="rect">
+            <a:avLst/>
+          </a:prstGeom>
+          <a:ln w="12700">
+            <a:solidFill>
+              <a:srgbClr val="E1E1E1"/>
+            </a:solidFill>
+          </a:ln>
+          <a:effectLst>
+            <a:outerShdw blurRad="50800" dist="38100" dir="2700000" algn="tl" rotWithShape="0">
+              <a:schemeClr val="bg2">
+                <a:lumMod val="85000"/>
+                <a:alpha val="50000"/>
+              </a:schemeClr>
+            </a:outerShdw>
+          </a:effectLst>
+        </p:spPr>
+        <p:style>
+          <a:lnRef idx="2">
+            <a:schemeClr val="accent1">
+              <a:shade val="50000"/>
+            </a:schemeClr>
+          </a:lnRef>
+          <a:fillRef idx="1">
+            <a:schemeClr val="accent1"/>
+          </a:fillRef>
+          <a:effectRef idx="0">
+            <a:schemeClr val="accent1"/>
+          </a:effectRef>
+          <a:fontRef idx="minor">
+            <a:schemeClr val="lt1"/>
+          </a:fontRef>
+        </p:style>
+        <p:txBody>
+          <a:bodyPr rtlCol="0" anchor="ctr"/>
+          <a:lstStyle/>
+          <a:p>
+            <a:pPr marL="0" marR="0" lvl="0" indent="0" algn="ctr" defTabSz="914400" rtl="0" eaLnBrk="1" fontAlgn="auto" latinLnBrk="0" hangingPunct="1">
+              <a:lnSpc>
+                <a:spcPct val="100000"/>
+              </a:lnSpc>
+              <a:spcBef>
+                <a:spcPts val="0"/>
+              </a:spcBef>
+              <a:spcAft>
+                <a:spcPts val="0"/>
+              </a:spcAft>
+              <a:buClrTx/>
+              <a:buSzTx/>
+              <a:buFontTx/>
+              <a:buNone/>
+              <a:tabLst/>
+              <a:defRPr/>
+            </a:pPr>
+            <a:endParaRPr kumimoji="0" lang="en-US" sz="1800" b="0" i="0" u="none" strike="noStrike" kern="1200" cap="none" spc="0" normalizeH="0" baseline="0" noProof="0" dirty="0">
+              <a:ln>
+                <a:noFill/>
+              </a:ln>
+              <a:solidFill>
+                <a:prstClr val="white"/>
+              </a:solidFill>
+              <a:effectLst/>
+              <a:uLnTx/>
+              <a:uFillTx/>
+              <a:latin typeface="Calibri" panose="020F0502020204030204"/>
+              <a:ea typeface="+mn-ea"/>
+              <a:cs typeface="+mn-cs"/>
+            </a:endParaRPr>
+          </a:p>
+        </p:txBody>
+      </p:sp>
+      <p:sp>
+        <p:nvSpPr>
+          <p:cNvPr id="2" name="Title 1">
+            <a:extLst>
+              <a:ext uri="{FF2B5EF4-FFF2-40B4-BE49-F238E27FC236}">
+                <a16:creationId xmlns:a16="http://schemas.microsoft.com/office/drawing/2014/main" id="{0FDE5079-B185-4DE0-AF2C-AE4B7709FBC3}"/>
+              </a:ext>
+            </a:extLst>
+          </p:cNvPr>
+          <p:cNvSpPr>
+            <a:spLocks noGrp="1"/>
+          </p:cNvSpPr>
+          <p:nvPr>
+            <p:ph type="title"/>
+          </p:nvPr>
+        </p:nvSpPr>
+        <p:spPr>
+          <a:xfrm>
+            <a:off x="2103121" y="310343"/>
+            <a:ext cx="7985759" cy="868823"/>
+          </a:xfrm>
+        </p:spPr>
+        <p:txBody>
+          <a:bodyPr vert="horz" lIns="91440" tIns="45720" rIns="91440" bIns="45720" rtlCol="0" anchor="ctr">
+            <a:normAutofit/>
+          </a:bodyPr>
+          <a:lstStyle/>
+          <a:p>
+            <a:pPr algn="ctr"/>
+            <a:r>
+              <a:rPr lang="en-US" sz="4000" kern="1200" dirty="0">
+                <a:solidFill>
+                  <a:schemeClr val="tx1"/>
+                </a:solidFill>
+                <a:latin typeface="+mj-lt"/>
+                <a:ea typeface="+mj-ea"/>
+                <a:cs typeface="+mj-cs"/>
+              </a:rPr>
+              <a:t>Security Roles</a:t>
+            </a:r>
+          </a:p>
+        </p:txBody>
+      </p:sp>
+      <p:sp>
+        <p:nvSpPr>
+          <p:cNvPr id="75" name="Rectangle: Rounded Corners 74">
+            <a:extLst>
+              <a:ext uri="{FF2B5EF4-FFF2-40B4-BE49-F238E27FC236}">
+                <a16:creationId xmlns:a16="http://schemas.microsoft.com/office/drawing/2014/main" id="{586B4EF9-43BA-4655-A6FF-1D8E21574C95}"/>
+              </a:ext>
+              <a:ext uri="{C183D7F6-B498-43B3-948B-1728B52AA6E4}">
+                <adec:decorative xmlns:adec="http://schemas.microsoft.com/office/drawing/2017/decorative" val="1"/>
+              </a:ext>
+            </a:extLst>
+          </p:cNvPr>
+          <p:cNvSpPr>
+            <a:spLocks noGrp="1" noRot="1" noChangeAspect="1" noMove="1" noResize="1" noEditPoints="1" noAdjustHandles="1" noChangeArrowheads="1" noChangeShapeType="1" noTextEdit="1"/>
+          </p:cNvSpPr>
+          <p:nvPr>
+            <p:extLst>
+              <p:ext uri="{386F3935-93C4-4BCD-93E2-E3B085C9AB24}">
+                <p16:designElem xmlns:p16="http://schemas.microsoft.com/office/powerpoint/2015/main" val="1"/>
+              </p:ext>
+            </p:extLst>
+          </p:nvPr>
+        </p:nvSpPr>
+        <p:spPr>
+          <a:xfrm>
+            <a:off x="2483110" y="1211407"/>
+            <a:ext cx="7225780" cy="685800"/>
+          </a:xfrm>
+          <a:prstGeom prst="roundRect">
+            <a:avLst>
+              <a:gd name="adj" fmla="val 0"/>
+            </a:avLst>
+          </a:prstGeom>
+          <a:solidFill>
+            <a:schemeClr val="accent2"/>
+          </a:solidFill>
+          <a:ln>
+            <a:noFill/>
+          </a:ln>
+        </p:spPr>
+        <p:style>
+          <a:lnRef idx="2">
+            <a:schemeClr val="accent1">
+              <a:shade val="50000"/>
+            </a:schemeClr>
+          </a:lnRef>
+          <a:fillRef idx="1">
+            <a:schemeClr val="accent1"/>
+          </a:fillRef>
+          <a:effectRef idx="0">
+            <a:schemeClr val="accent1"/>
+          </a:effectRef>
+          <a:fontRef idx="minor">
+            <a:schemeClr val="lt1"/>
+          </a:fontRef>
+        </p:style>
+        <p:txBody>
+          <a:bodyPr rtlCol="0" anchor="ctr"/>
+          <a:lstStyle/>
+          <a:p>
+            <a:pPr algn="ctr"/>
+            <a:endParaRPr lang="en-US" dirty="0">
+              <a:solidFill>
+                <a:prstClr val="white"/>
+              </a:solidFill>
+              <a:latin typeface="Calibri" panose="020F0502020204030204"/>
+            </a:endParaRPr>
+          </a:p>
+        </p:txBody>
+      </p:sp>
+    </p:spTree>
+    <p:extLst>
+      <p:ext uri="{BB962C8B-B14F-4D97-AF65-F5344CB8AC3E}">
+        <p14:creationId xmlns:p14="http://schemas.microsoft.com/office/powerpoint/2010/main" val="2730560187"/>
+      </p:ext>
+    </p:extLst>
+  </p:cSld>
+  <p:clrMapOvr>
+    <a:masterClrMapping/>
+  </p:clrMapOvr>
+</p:sld>
+</file>
+
+<file path=ppt/slides/slide8.xml><?xml version="1.0" encoding="utf-8"?>
+<p:sld xmlns:a="http://schemas.openxmlformats.org/drawingml/2006/main" xmlns:r="http://schemas.openxmlformats.org/officeDocument/2006/relationships" xmlns:p="http://schemas.openxmlformats.org/presentationml/2006/main">
+  <p:cSld>
+    <p:bg>
+      <p:bgPr>
+        <a:solidFill>
+          <a:schemeClr val="bg1"/>
+        </a:solidFill>
+        <a:effectLst/>
+      </p:bgPr>
+    </p:bg>
+    <p:spTree>
+      <p:nvGrpSpPr>
+        <p:cNvPr id="1" name=""/>
+        <p:cNvGrpSpPr/>
+        <p:nvPr/>
+      </p:nvGrpSpPr>
+      <p:grpSpPr>
+        <a:xfrm>
+          <a:off x="0" y="0"/>
+          <a:ext cx="0" cy="0"/>
+          <a:chOff x="0" y="0"/>
+          <a:chExt cx="0" cy="0"/>
+        </a:xfrm>
+      </p:grpSpPr>
+      <p:sp useBgFill="1">
+        <p:nvSpPr>
+          <p:cNvPr id="71" name="Rectangle 70">
+            <a:extLst>
+              <a:ext uri="{FF2B5EF4-FFF2-40B4-BE49-F238E27FC236}">
+                <a16:creationId xmlns:a16="http://schemas.microsoft.com/office/drawing/2014/main" id="{C1A1C5D3-C053-4EE9-BE1A-419B6E27CCAE}"/>
+              </a:ext>
+              <a:ext uri="{C183D7F6-B498-43B3-948B-1728B52AA6E4}">
+                <adec:decorative xmlns:adec="http://schemas.microsoft.com/office/drawing/2017/decorative" val="1"/>
+              </a:ext>
+            </a:extLst>
+          </p:cNvPr>
+          <p:cNvSpPr>
+            <a:spLocks noGrp="1" noRot="1" noChangeAspect="1" noMove="1" noResize="1" noEditPoints="1" noAdjustHandles="1" noChangeArrowheads="1" noChangeShapeType="1" noTextEdit="1"/>
+          </p:cNvSpPr>
+          <p:nvPr>
+            <p:extLst>
+              <p:ext uri="{386F3935-93C4-4BCD-93E2-E3B085C9AB24}">
+                <p16:designElem xmlns:p16="http://schemas.microsoft.com/office/powerpoint/2015/main" val="1"/>
+              </p:ext>
+            </p:extLst>
+          </p:nvPr>
+        </p:nvSpPr>
+        <p:spPr>
+          <a:xfrm>
+            <a:off x="0" y="0"/>
+            <a:ext cx="12192000" cy="6858000"/>
+          </a:xfrm>
+          <a:prstGeom prst="rect">
+            <a:avLst/>
+          </a:prstGeom>
+          <a:ln>
+            <a:noFill/>
+          </a:ln>
+        </p:spPr>
+        <p:style>
+          <a:lnRef idx="2">
+            <a:schemeClr val="accent1">
+              <a:shade val="50000"/>
+            </a:schemeClr>
+          </a:lnRef>
+          <a:fillRef idx="1">
+            <a:schemeClr val="accent1"/>
+          </a:fillRef>
+          <a:effectRef idx="0">
+            <a:schemeClr val="accent1"/>
+          </a:effectRef>
+          <a:fontRef idx="minor">
+            <a:schemeClr val="lt1"/>
+          </a:fontRef>
+        </p:style>
+        <p:txBody>
+          <a:bodyPr rtlCol="0" anchor="ctr"/>
+          <a:lstStyle/>
+          <a:p>
+            <a:pPr algn="ctr"/>
+            <a:endParaRPr lang="en-US" dirty="0"/>
+          </a:p>
+        </p:txBody>
+      </p:sp>
+      <p:sp useBgFill="1">
+        <p:nvSpPr>
+          <p:cNvPr id="73" name="Rectangle 72">
+            <a:extLst>
+              <a:ext uri="{FF2B5EF4-FFF2-40B4-BE49-F238E27FC236}">
+                <a16:creationId xmlns:a16="http://schemas.microsoft.com/office/drawing/2014/main" id="{A3473CF9-37EB-43E7-89EF-D2D1C53D1DAC}"/>
+              </a:ext>
+              <a:ext uri="{C183D7F6-B498-43B3-948B-1728B52AA6E4}">
+                <adec:decorative xmlns:adec="http://schemas.microsoft.com/office/drawing/2017/decorative" val="1"/>
+              </a:ext>
+            </a:extLst>
+          </p:cNvPr>
+          <p:cNvSpPr>
+            <a:spLocks noGrp="1" noRot="1" noChangeAspect="1" noMove="1" noResize="1" noEditPoints="1" noAdjustHandles="1" noChangeArrowheads="1" noChangeShapeType="1" noTextEdit="1"/>
+          </p:cNvSpPr>
+          <p:nvPr>
+            <p:extLst>
+              <p:ext uri="{386F3935-93C4-4BCD-93E2-E3B085C9AB24}">
+                <p16:designElem xmlns:p16="http://schemas.microsoft.com/office/powerpoint/2015/main" val="1"/>
+              </p:ext>
+            </p:extLst>
+          </p:nvPr>
+        </p:nvSpPr>
+        <p:spPr>
+          <a:xfrm>
+            <a:off x="1903615" y="221673"/>
+            <a:ext cx="8384770" cy="1332634"/>
+          </a:xfrm>
+          <a:prstGeom prst="rect">
+            <a:avLst/>
+          </a:prstGeom>
+          <a:ln w="12700">
+            <a:solidFill>
+              <a:srgbClr val="E1E1E1"/>
+            </a:solidFill>
+          </a:ln>
+          <a:effectLst>
+            <a:outerShdw blurRad="50800" dist="38100" dir="2700000" algn="tl" rotWithShape="0">
+              <a:schemeClr val="bg2">
+                <a:lumMod val="85000"/>
+                <a:alpha val="50000"/>
+              </a:schemeClr>
+            </a:outerShdw>
+          </a:effectLst>
+        </p:spPr>
+        <p:style>
+          <a:lnRef idx="2">
+            <a:schemeClr val="accent1">
+              <a:shade val="50000"/>
+            </a:schemeClr>
+          </a:lnRef>
+          <a:fillRef idx="1">
+            <a:schemeClr val="accent1"/>
+          </a:fillRef>
+          <a:effectRef idx="0">
+            <a:schemeClr val="accent1"/>
+          </a:effectRef>
+          <a:fontRef idx="minor">
+            <a:schemeClr val="lt1"/>
+          </a:fontRef>
+        </p:style>
+        <p:txBody>
+          <a:bodyPr rtlCol="0" anchor="ctr"/>
+          <a:lstStyle/>
+          <a:p>
+            <a:pPr marL="0" marR="0" lvl="0" indent="0" algn="ctr" defTabSz="914400" rtl="0" eaLnBrk="1" fontAlgn="auto" latinLnBrk="0" hangingPunct="1">
+              <a:lnSpc>
+                <a:spcPct val="100000"/>
+              </a:lnSpc>
+              <a:spcBef>
+                <a:spcPts val="0"/>
+              </a:spcBef>
+              <a:spcAft>
+                <a:spcPts val="0"/>
+              </a:spcAft>
+              <a:buClrTx/>
+              <a:buSzTx/>
+              <a:buFontTx/>
+              <a:buNone/>
+              <a:tabLst/>
+              <a:defRPr/>
+            </a:pPr>
+            <a:endParaRPr kumimoji="0" lang="en-US" sz="1800" b="0" i="0" u="none" strike="noStrike" kern="1200" cap="none" spc="0" normalizeH="0" baseline="0" noProof="0" dirty="0">
+              <a:ln>
+                <a:noFill/>
+              </a:ln>
+              <a:solidFill>
+                <a:prstClr val="white"/>
+              </a:solidFill>
+              <a:effectLst/>
+              <a:uLnTx/>
+              <a:uFillTx/>
+              <a:latin typeface="Calibri" panose="020F0502020204030204"/>
+              <a:ea typeface="+mn-ea"/>
+              <a:cs typeface="+mn-cs"/>
+            </a:endParaRPr>
+          </a:p>
+        </p:txBody>
+      </p:sp>
+      <p:sp>
+        <p:nvSpPr>
+          <p:cNvPr id="2" name="Title 1">
+            <a:extLst>
+              <a:ext uri="{FF2B5EF4-FFF2-40B4-BE49-F238E27FC236}">
+                <a16:creationId xmlns:a16="http://schemas.microsoft.com/office/drawing/2014/main" id="{0FDE5079-B185-4DE0-AF2C-AE4B7709FBC3}"/>
+              </a:ext>
+            </a:extLst>
+          </p:cNvPr>
+          <p:cNvSpPr>
+            <a:spLocks noGrp="1"/>
+          </p:cNvSpPr>
+          <p:nvPr>
+            <p:ph type="title"/>
+          </p:nvPr>
+        </p:nvSpPr>
+        <p:spPr>
+          <a:xfrm>
+            <a:off x="2103121" y="310343"/>
+            <a:ext cx="7985759" cy="868823"/>
+          </a:xfrm>
+        </p:spPr>
+        <p:txBody>
+          <a:bodyPr vert="horz" lIns="91440" tIns="45720" rIns="91440" bIns="45720" rtlCol="0" anchor="ctr">
+            <a:normAutofit/>
+          </a:bodyPr>
+          <a:lstStyle/>
+          <a:p>
+            <a:pPr algn="ctr"/>
+            <a:r>
+              <a:rPr lang="en-US" sz="4000" dirty="0"/>
+              <a:t>AWS </a:t>
+            </a:r>
+            <a:r>
+              <a:rPr lang="en-US" sz="4000" dirty="0" err="1"/>
+              <a:t>CodeBuild</a:t>
+            </a:r>
+            <a:endParaRPr lang="en-US" sz="4000" kern="1200" dirty="0">
+              <a:solidFill>
+                <a:schemeClr val="tx1"/>
+              </a:solidFill>
+              <a:latin typeface="+mj-lt"/>
+              <a:ea typeface="+mj-ea"/>
+              <a:cs typeface="+mj-cs"/>
+            </a:endParaRPr>
+          </a:p>
+        </p:txBody>
+      </p:sp>
+      <p:sp>
+        <p:nvSpPr>
+          <p:cNvPr id="75" name="Rectangle: Rounded Corners 74">
+            <a:extLst>
+              <a:ext uri="{FF2B5EF4-FFF2-40B4-BE49-F238E27FC236}">
+                <a16:creationId xmlns:a16="http://schemas.microsoft.com/office/drawing/2014/main" id="{586B4EF9-43BA-4655-A6FF-1D8E21574C95}"/>
+              </a:ext>
+              <a:ext uri="{C183D7F6-B498-43B3-948B-1728B52AA6E4}">
+                <adec:decorative xmlns:adec="http://schemas.microsoft.com/office/drawing/2017/decorative" val="1"/>
+              </a:ext>
+            </a:extLst>
+          </p:cNvPr>
+          <p:cNvSpPr>
+            <a:spLocks noGrp="1" noRot="1" noChangeAspect="1" noMove="1" noResize="1" noEditPoints="1" noAdjustHandles="1" noChangeArrowheads="1" noChangeShapeType="1" noTextEdit="1"/>
+          </p:cNvSpPr>
+          <p:nvPr>
+            <p:extLst>
+              <p:ext uri="{386F3935-93C4-4BCD-93E2-E3B085C9AB24}">
+                <p16:designElem xmlns:p16="http://schemas.microsoft.com/office/powerpoint/2015/main" val="1"/>
+              </p:ext>
+            </p:extLst>
+          </p:nvPr>
+        </p:nvSpPr>
+        <p:spPr>
+          <a:xfrm>
+            <a:off x="2483110" y="1211407"/>
+            <a:ext cx="7225780" cy="685800"/>
+          </a:xfrm>
+          <a:prstGeom prst="roundRect">
+            <a:avLst>
+              <a:gd name="adj" fmla="val 0"/>
+            </a:avLst>
+          </a:prstGeom>
+          <a:solidFill>
+            <a:schemeClr val="accent2"/>
+          </a:solidFill>
+          <a:ln>
+            <a:noFill/>
+          </a:ln>
+        </p:spPr>
+        <p:style>
+          <a:lnRef idx="2">
+            <a:schemeClr val="accent1">
+              <a:shade val="50000"/>
+            </a:schemeClr>
+          </a:lnRef>
+          <a:fillRef idx="1">
+            <a:schemeClr val="accent1"/>
+          </a:fillRef>
+          <a:effectRef idx="0">
+            <a:schemeClr val="accent1"/>
+          </a:effectRef>
+          <a:fontRef idx="minor">
+            <a:schemeClr val="lt1"/>
+          </a:fontRef>
+        </p:style>
+        <p:txBody>
+          <a:bodyPr rtlCol="0" anchor="ctr"/>
+          <a:lstStyle/>
+          <a:p>
+            <a:pPr algn="ctr"/>
+            <a:endParaRPr lang="en-US" dirty="0">
+              <a:solidFill>
+                <a:prstClr val="white"/>
+              </a:solidFill>
+              <a:latin typeface="Calibri" panose="020F0502020204030204"/>
+            </a:endParaRPr>
+          </a:p>
+        </p:txBody>
+      </p:sp>
+      <p:sp>
+        <p:nvSpPr>
+          <p:cNvPr id="3" name="TextBox 2">
+            <a:extLst>
+              <a:ext uri="{FF2B5EF4-FFF2-40B4-BE49-F238E27FC236}">
+                <a16:creationId xmlns:a16="http://schemas.microsoft.com/office/drawing/2014/main" id="{3DA47A83-3C4B-4A44-A497-1DB8B4E3B592}"/>
+              </a:ext>
+            </a:extLst>
+          </p:cNvPr>
+          <p:cNvSpPr txBox="1"/>
+          <p:nvPr/>
+        </p:nvSpPr>
+        <p:spPr>
+          <a:xfrm>
+            <a:off x="1090670" y="2375471"/>
+            <a:ext cx="10113484" cy="4204356"/>
+          </a:xfrm>
+          <a:prstGeom prst="rect">
+            <a:avLst/>
+          </a:prstGeom>
+          <a:noFill/>
+        </p:spPr>
+        <p:txBody>
+          <a:bodyPr wrap="square" rtlCol="0">
+            <a:spAutoFit/>
+          </a:bodyPr>
+          <a:lstStyle/>
+          <a:p>
+            <a:pPr marL="285750" indent="-285750">
+              <a:lnSpc>
+                <a:spcPct val="150000"/>
+              </a:lnSpc>
+              <a:buFont typeface="Arial" panose="020B0604020202020204" pitchFamily="34" charset="0"/>
+              <a:buChar char="•"/>
+            </a:pPr>
+            <a:r>
+              <a:rPr lang="en-US" dirty="0"/>
+              <a:t>Build service, which compiles source code, runs tests, and produces artifacts</a:t>
+            </a:r>
+          </a:p>
+          <a:p>
+            <a:pPr marL="285750" indent="-285750">
+              <a:lnSpc>
+                <a:spcPct val="150000"/>
+              </a:lnSpc>
+              <a:buFont typeface="Arial" panose="020B0604020202020204" pitchFamily="34" charset="0"/>
+              <a:buChar char="•"/>
+            </a:pPr>
+            <a:r>
+              <a:rPr lang="en-US" dirty="0"/>
+              <a:t>Pulls source code from </a:t>
+            </a:r>
+            <a:r>
+              <a:rPr lang="en-US" dirty="0" err="1"/>
+              <a:t>CodeCommit</a:t>
+            </a:r>
+            <a:r>
+              <a:rPr lang="en-US" dirty="0"/>
+              <a:t>, Amazon S3, GitHub, or Bitbucket</a:t>
+            </a:r>
+          </a:p>
+          <a:p>
+            <a:pPr marL="285750" indent="-285750">
+              <a:lnSpc>
+                <a:spcPct val="150000"/>
+              </a:lnSpc>
+              <a:buFont typeface="Arial" panose="020B0604020202020204" pitchFamily="34" charset="0"/>
+              <a:buChar char="•"/>
+            </a:pPr>
+            <a:r>
+              <a:rPr lang="en-US" dirty="0"/>
+              <a:t>Supports popular programming languages and build tools, and can be customized</a:t>
+            </a:r>
+          </a:p>
+          <a:p>
+            <a:pPr marL="285750" indent="-285750">
+              <a:lnSpc>
+                <a:spcPct val="150000"/>
+              </a:lnSpc>
+              <a:buFont typeface="Arial" panose="020B0604020202020204" pitchFamily="34" charset="0"/>
+              <a:buChar char="•"/>
+            </a:pPr>
+            <a:r>
+              <a:rPr lang="en-US" dirty="0"/>
+              <a:t>Run via AWS </a:t>
+            </a:r>
+            <a:r>
+              <a:rPr lang="en-US" dirty="0" err="1"/>
+              <a:t>CodeBuild</a:t>
+            </a:r>
+            <a:r>
+              <a:rPr lang="en-US" dirty="0"/>
+              <a:t> console, AWS CLI, AWS SDKs, or AWS </a:t>
+            </a:r>
+            <a:r>
+              <a:rPr lang="en-US" dirty="0" err="1"/>
+              <a:t>CodePipeline</a:t>
+            </a:r>
+            <a:endParaRPr lang="en-US" dirty="0"/>
+          </a:p>
+          <a:p>
+            <a:pPr marL="285750" indent="-285750">
+              <a:lnSpc>
+                <a:spcPct val="150000"/>
+              </a:lnSpc>
+              <a:buFont typeface="Arial" panose="020B0604020202020204" pitchFamily="34" charset="0"/>
+              <a:buChar char="•"/>
+            </a:pPr>
+            <a:r>
+              <a:rPr lang="en-US" dirty="0"/>
+              <a:t>Ability to view the overall status of the build, build phase details, and build logs</a:t>
+            </a:r>
+          </a:p>
+          <a:p>
+            <a:pPr marL="285750" indent="-285750">
+              <a:lnSpc>
+                <a:spcPct val="150000"/>
+              </a:lnSpc>
+              <a:buFont typeface="Arial" panose="020B0604020202020204" pitchFamily="34" charset="0"/>
+              <a:buChar char="•"/>
+            </a:pPr>
+            <a:r>
+              <a:rPr lang="en-US" dirty="0"/>
+              <a:t>Build specifications are written using a specific </a:t>
+            </a:r>
+            <a:r>
+              <a:rPr lang="en-US" dirty="0">
+                <a:hlinkClick r:id="rId3"/>
+              </a:rPr>
+              <a:t>syntax</a:t>
+            </a:r>
+            <a:r>
+              <a:rPr lang="en-US" dirty="0"/>
+              <a:t>, in a </a:t>
+            </a:r>
+            <a:r>
+              <a:rPr lang="en-US" dirty="0" err="1"/>
+              <a:t>yaml</a:t>
+            </a:r>
+            <a:r>
+              <a:rPr lang="en-US" dirty="0"/>
+              <a:t> format</a:t>
+            </a:r>
+          </a:p>
+          <a:p>
+            <a:pPr marL="285750" indent="-285750">
+              <a:lnSpc>
+                <a:spcPct val="150000"/>
+              </a:lnSpc>
+              <a:buFont typeface="Arial" panose="020B0604020202020204" pitchFamily="34" charset="0"/>
+              <a:buChar char="•"/>
+            </a:pPr>
+            <a:r>
+              <a:rPr lang="en-US" dirty="0">
+                <a:hlinkClick r:id="rId4"/>
+              </a:rPr>
+              <a:t>Pricing</a:t>
+            </a:r>
+            <a:r>
+              <a:rPr lang="en-US" dirty="0"/>
+              <a:t> is based on the number of build minutes, and there is a free tier option</a:t>
+            </a:r>
+          </a:p>
+          <a:p>
+            <a:pPr marL="285750" indent="-285750">
+              <a:lnSpc>
+                <a:spcPct val="150000"/>
+              </a:lnSpc>
+              <a:buFont typeface="Arial" panose="020B0604020202020204" pitchFamily="34" charset="0"/>
+              <a:buChar char="•"/>
+            </a:pPr>
+            <a:r>
+              <a:rPr lang="en-US" dirty="0"/>
+              <a:t>Team decided to use AWS </a:t>
+            </a:r>
+            <a:r>
+              <a:rPr lang="en-US" dirty="0" err="1"/>
+              <a:t>CodeBuild</a:t>
+            </a:r>
+            <a:r>
+              <a:rPr lang="en-US" dirty="0"/>
+              <a:t> because of the easy integration with AWS </a:t>
+            </a:r>
+            <a:r>
+              <a:rPr lang="en-US" dirty="0" err="1"/>
+              <a:t>CodePipeline</a:t>
+            </a:r>
+            <a:endParaRPr lang="en-US" dirty="0"/>
+          </a:p>
+          <a:p>
+            <a:pPr marL="285750" indent="-285750">
+              <a:lnSpc>
+                <a:spcPct val="150000"/>
+              </a:lnSpc>
+              <a:buFont typeface="Arial" panose="020B0604020202020204" pitchFamily="34" charset="0"/>
+              <a:buChar char="•"/>
+            </a:pPr>
+            <a:endParaRPr lang="en-US" dirty="0"/>
+          </a:p>
+          <a:p>
+            <a:pPr lvl="1">
+              <a:lnSpc>
+                <a:spcPct val="150000"/>
+              </a:lnSpc>
+            </a:pPr>
+            <a:r>
+              <a:rPr lang="en-US" dirty="0"/>
+              <a:t>(Source:  </a:t>
+            </a:r>
+            <a:r>
+              <a:rPr lang="fr-FR" dirty="0">
+                <a:hlinkClick r:id="rId5"/>
+              </a:rPr>
+              <a:t>https://docs.aws.amazon.com/codebuild/latest/userguide/welcome.html</a:t>
+            </a:r>
+            <a:r>
+              <a:rPr lang="fr-FR" dirty="0"/>
+              <a:t>)</a:t>
+            </a:r>
+            <a:endParaRPr lang="en-US" dirty="0"/>
+          </a:p>
+        </p:txBody>
+      </p:sp>
+    </p:spTree>
+    <p:extLst>
+      <p:ext uri="{BB962C8B-B14F-4D97-AF65-F5344CB8AC3E}">
+        <p14:creationId xmlns:p14="http://schemas.microsoft.com/office/powerpoint/2010/main" val="512997375"/>
+      </p:ext>
+    </p:extLst>
+  </p:cSld>
+  <p:clrMapOvr>
+    <a:masterClrMapping/>
+  </p:clrMapOvr>
+</p:sld>
+</file>
+
+<file path=ppt/slides/slide9.xml><?xml version="1.0" encoding="utf-8"?>
+<p:sld xmlns:a="http://schemas.openxmlformats.org/drawingml/2006/main" xmlns:r="http://schemas.openxmlformats.org/officeDocument/2006/relationships" xmlns:p="http://schemas.openxmlformats.org/presentationml/2006/main">
+  <p:cSld>
+    <p:spTree>
+      <p:nvGrpSpPr>
+        <p:cNvPr id="1" name=""/>
+        <p:cNvGrpSpPr/>
+        <p:nvPr/>
+      </p:nvGrpSpPr>
+      <p:grpSpPr>
+        <a:xfrm>
+          <a:off x="0" y="0"/>
+          <a:ext cx="0" cy="0"/>
+          <a:chOff x="0" y="0"/>
+          <a:chExt cx="0" cy="0"/>
+        </a:xfrm>
+      </p:grpSpPr>
+      <p:pic>
+        <p:nvPicPr>
+          <p:cNvPr id="4" name="Picture 3">
+            <a:extLst>
+              <a:ext uri="{FF2B5EF4-FFF2-40B4-BE49-F238E27FC236}">
+                <a16:creationId xmlns:a16="http://schemas.microsoft.com/office/drawing/2014/main" id="{05D957DA-20B5-425F-8107-70B33683D008}"/>
+              </a:ext>
+            </a:extLst>
+          </p:cNvPr>
+          <p:cNvPicPr>
+            <a:picLocks noChangeAspect="1"/>
+          </p:cNvPicPr>
+          <p:nvPr/>
+        </p:nvPicPr>
+        <p:blipFill>
+          <a:blip r:embed="rId2"/>
+          <a:stretch>
+            <a:fillRect/>
+          </a:stretch>
+        </p:blipFill>
+        <p:spPr>
+          <a:xfrm>
+            <a:off x="5549735" y="283944"/>
+            <a:ext cx="4381005" cy="3052506"/>
+          </a:xfrm>
+          <a:prstGeom prst="rect">
+            <a:avLst/>
+          </a:prstGeom>
+        </p:spPr>
+      </p:pic>
+      <p:pic>
+        <p:nvPicPr>
+          <p:cNvPr id="5" name="Picture 4">
+            <a:extLst>
+              <a:ext uri="{FF2B5EF4-FFF2-40B4-BE49-F238E27FC236}">
+                <a16:creationId xmlns:a16="http://schemas.microsoft.com/office/drawing/2014/main" id="{C163E8EA-8E86-4750-AAD1-89302E978901}"/>
+              </a:ext>
+            </a:extLst>
+          </p:cNvPr>
+          <p:cNvPicPr>
+            <a:picLocks noChangeAspect="1"/>
+          </p:cNvPicPr>
+          <p:nvPr/>
+        </p:nvPicPr>
+        <p:blipFill>
+          <a:blip r:embed="rId3"/>
+          <a:stretch>
+            <a:fillRect/>
+          </a:stretch>
+        </p:blipFill>
+        <p:spPr>
+          <a:xfrm>
+            <a:off x="2388919" y="3521551"/>
+            <a:ext cx="6915398" cy="2949481"/>
+          </a:xfrm>
+          <a:prstGeom prst="rect">
+            <a:avLst/>
+          </a:prstGeom>
+        </p:spPr>
+      </p:pic>
+      <p:pic>
+        <p:nvPicPr>
+          <p:cNvPr id="6" name="Picture 5">
+            <a:extLst>
+              <a:ext uri="{FF2B5EF4-FFF2-40B4-BE49-F238E27FC236}">
+                <a16:creationId xmlns:a16="http://schemas.microsoft.com/office/drawing/2014/main" id="{D7540EB3-365D-4B5D-AB41-6C01469E3CB0}"/>
+              </a:ext>
+            </a:extLst>
+          </p:cNvPr>
+          <p:cNvPicPr>
+            <a:picLocks noChangeAspect="1"/>
+          </p:cNvPicPr>
+          <p:nvPr/>
+        </p:nvPicPr>
+        <p:blipFill>
+          <a:blip r:embed="rId4"/>
+          <a:stretch>
+            <a:fillRect/>
+          </a:stretch>
+        </p:blipFill>
+        <p:spPr>
+          <a:xfrm>
+            <a:off x="2025654" y="1042988"/>
+            <a:ext cx="2819400" cy="1590675"/>
+          </a:xfrm>
+          <a:prstGeom prst="rect">
+            <a:avLst/>
+          </a:prstGeom>
+        </p:spPr>
+      </p:pic>
+    </p:spTree>
+    <p:extLst>
+      <p:ext uri="{BB962C8B-B14F-4D97-AF65-F5344CB8AC3E}">
+        <p14:creationId xmlns:p14="http://schemas.microsoft.com/office/powerpoint/2010/main" val="519025307"/>
+      </p:ext>
+    </p:extLst>
+  </p:cSld>
+  <p:clrMapOvr>
+    <a:masterClrMapping/>
+  </p:clrMapOvr>
 </p:sld>
 </file>
 
@@ -10827,23 +11742,6 @@
 </file>
 
 <file path=customXml/item1.xml><?xml version="1.0" encoding="utf-8"?>
-<p:properties xmlns:p="http://schemas.microsoft.com/office/2006/metadata/properties" xmlns:xsi="http://www.w3.org/2001/XMLSchema-instance" xmlns:pc="http://schemas.microsoft.com/office/infopath/2007/PartnerControls">
-  <documentManagement>
-    <MediaServiceKeyPoints xmlns="71af3243-3dd4-4a8d-8c0d-dd76da1f02a5" xsi:nil="true"/>
-  </documentManagement>
-</p:properties>
-</file>
-
-<file path=customXml/item2.xml><?xml version="1.0" encoding="utf-8"?>
-<?mso-contentType ?>
-<FormTemplates xmlns="http://schemas.microsoft.com/sharepoint/v3/contenttype/forms">
-  <Display>DocumentLibraryForm</Display>
-  <Edit>DocumentLibraryForm</Edit>
-  <New>DocumentLibraryForm</New>
-</FormTemplates>
-</file>
-
-<file path=customXml/item3.xml><?xml version="1.0" encoding="utf-8"?>
 <ct:contentTypeSchema xmlns:ct="http://schemas.microsoft.com/office/2006/metadata/contentType" xmlns:ma="http://schemas.microsoft.com/office/2006/metadata/properties/metaAttributes" ct:_="" ma:_="" ma:contentTypeName="Document" ma:contentTypeID="0x01010079F111ED35F8CC479449609E8A0923A6" ma:contentTypeVersion="11" ma:contentTypeDescription="Create a new document." ma:contentTypeScope="" ma:versionID="96291512c1ee715ab617f4c07df79fc1">
   <xsd:schema xmlns:xsd="http://www.w3.org/2001/XMLSchema" xmlns:xs="http://www.w3.org/2001/XMLSchema" xmlns:p="http://schemas.microsoft.com/office/2006/metadata/properties" xmlns:ns2="71af3243-3dd4-4a8d-8c0d-dd76da1f02a5" xmlns:ns3="16c05727-aa75-4e4a-9b5f-8a80a1165891" targetNamespace="http://schemas.microsoft.com/office/2006/metadata/properties" ma:root="true" ma:fieldsID="8256c27c40ca5c40ce1cf6c44f0205df" ns2:_="" ns3:_="">
     <xsd:import namespace="71af3243-3dd4-4a8d-8c0d-dd76da1f02a5"/>
@@ -11054,32 +11952,24 @@
 </ct:contentTypeSchema>
 </file>
 
-<file path=customXml/itemProps1.xml><?xml version="1.0" encoding="utf-8"?>
-<ds:datastoreItem xmlns:ds="http://schemas.openxmlformats.org/officeDocument/2006/customXml" ds:itemID="{03C7D9E6-B0D9-433E-BD46-EB60F64F4DA8}">
-  <ds:schemaRefs>
-    <ds:schemaRef ds:uri="http://purl.org/dc/elements/1.1/"/>
-    <ds:schemaRef ds:uri="http://schemas.microsoft.com/office/2006/metadata/properties"/>
-    <ds:schemaRef ds:uri="http://schemas.openxmlformats.org/package/2006/metadata/core-properties"/>
-    <ds:schemaRef ds:uri="16c05727-aa75-4e4a-9b5f-8a80a1165891"/>
-    <ds:schemaRef ds:uri="http://schemas.microsoft.com/office/infopath/2007/PartnerControls"/>
-    <ds:schemaRef ds:uri="http://purl.org/dc/terms/"/>
-    <ds:schemaRef ds:uri="http://schemas.microsoft.com/office/2006/documentManagement/types"/>
-    <ds:schemaRef ds:uri="71af3243-3dd4-4a8d-8c0d-dd76da1f02a5"/>
-    <ds:schemaRef ds:uri="http://www.w3.org/XML/1998/namespace"/>
-    <ds:schemaRef ds:uri="http://purl.org/dc/dcmitype/"/>
-  </ds:schemaRefs>
-</ds:datastoreItem>
+<file path=customXml/item2.xml><?xml version="1.0" encoding="utf-8"?>
+<?mso-contentType ?>
+<FormTemplates xmlns="http://schemas.microsoft.com/sharepoint/v3/contenttype/forms">
+  <Display>DocumentLibraryForm</Display>
+  <Edit>DocumentLibraryForm</Edit>
+  <New>DocumentLibraryForm</New>
+</FormTemplates>
 </file>
 
-<file path=customXml/itemProps2.xml><?xml version="1.0" encoding="utf-8"?>
-<ds:datastoreItem xmlns:ds="http://schemas.openxmlformats.org/officeDocument/2006/customXml" ds:itemID="{5CA875DA-F9FD-4F83-A049-3B1027B542DE}">
-  <ds:schemaRefs>
-    <ds:schemaRef ds:uri="http://schemas.microsoft.com/sharepoint/v3/contenttype/forms"/>
-  </ds:schemaRefs>
-</ds:datastoreItem>
+<file path=customXml/item3.xml><?xml version="1.0" encoding="utf-8"?>
+<p:properties xmlns:p="http://schemas.microsoft.com/office/2006/metadata/properties" xmlns:xsi="http://www.w3.org/2001/XMLSchema-instance" xmlns:pc="http://schemas.microsoft.com/office/infopath/2007/PartnerControls">
+  <documentManagement>
+    <MediaServiceKeyPoints xmlns="71af3243-3dd4-4a8d-8c0d-dd76da1f02a5" xsi:nil="true"/>
+  </documentManagement>
+</p:properties>
 </file>
 
-<file path=customXml/itemProps3.xml><?xml version="1.0" encoding="utf-8"?>
+<file path=customXml/itemProps1.xml><?xml version="1.0" encoding="utf-8"?>
 <ds:datastoreItem xmlns:ds="http://schemas.openxmlformats.org/officeDocument/2006/customXml" ds:itemID="{B2AB02E3-5ADF-4BF0-9C1B-35CDF3FE95B0}">
   <ds:schemaRefs>
     <ds:schemaRef ds:uri="http://schemas.microsoft.com/office/2006/metadata/contentType"/>
@@ -11096,4 +11986,29 @@
     <ds:schemaRef ds:uri="http://schemas.microsoft.com/internal/obd"/>
   </ds:schemaRefs>
 </ds:datastoreItem>
+</file>
+
+<file path=customXml/itemProps2.xml><?xml version="1.0" encoding="utf-8"?>
+<ds:datastoreItem xmlns:ds="http://schemas.openxmlformats.org/officeDocument/2006/customXml" ds:itemID="{5CA875DA-F9FD-4F83-A049-3B1027B542DE}">
+  <ds:schemaRefs>
+    <ds:schemaRef ds:uri="http://schemas.microsoft.com/sharepoint/v3/contenttype/forms"/>
+  </ds:schemaRefs>
+</ds:datastoreItem>
+</file>
+
+<file path=customXml/itemProps3.xml><?xml version="1.0" encoding="utf-8"?>
+<ds:datastoreItem xmlns:ds="http://schemas.openxmlformats.org/officeDocument/2006/customXml" ds:itemID="{03C7D9E6-B0D9-433E-BD46-EB60F64F4DA8}">
+  <ds:schemaRefs>
+    <ds:schemaRef ds:uri="http://purl.org/dc/elements/1.1/"/>
+    <ds:schemaRef ds:uri="http://schemas.microsoft.com/office/2006/metadata/properties"/>
+    <ds:schemaRef ds:uri="http://schemas.openxmlformats.org/package/2006/metadata/core-properties"/>
+    <ds:schemaRef ds:uri="16c05727-aa75-4e4a-9b5f-8a80a1165891"/>
+    <ds:schemaRef ds:uri="http://schemas.microsoft.com/office/infopath/2007/PartnerControls"/>
+    <ds:schemaRef ds:uri="http://purl.org/dc/terms/"/>
+    <ds:schemaRef ds:uri="http://schemas.microsoft.com/office/2006/documentManagement/types"/>
+    <ds:schemaRef ds:uri="71af3243-3dd4-4a8d-8c0d-dd76da1f02a5"/>
+    <ds:schemaRef ds:uri="http://www.w3.org/XML/1998/namespace"/>
+    <ds:schemaRef ds:uri="http://purl.org/dc/dcmitype/"/>
+  </ds:schemaRefs>
+</ds:datastoreItem>
 </file>
--- a/documentation/Demonstrations/Connacht_University_TeamDC.pptx
+++ b/documentation/Demonstrations/Connacht_University_TeamDC.pptx
@@ -5,23 +5,25 @@
     <p:sldMasterId id="2147483648" r:id="rId4"/>
   </p:sldMasterIdLst>
   <p:notesMasterIdLst>
-    <p:notesMasterId r:id="rId16"/>
+    <p:notesMasterId r:id="rId18"/>
   </p:notesMasterIdLst>
   <p:handoutMasterIdLst>
-    <p:handoutMasterId r:id="rId17"/>
+    <p:handoutMasterId r:id="rId19"/>
   </p:handoutMasterIdLst>
   <p:sldIdLst>
     <p:sldId id="256" r:id="rId5"/>
     <p:sldId id="266" r:id="rId6"/>
-    <p:sldId id="270" r:id="rId7"/>
-    <p:sldId id="267" r:id="rId8"/>
-    <p:sldId id="271" r:id="rId9"/>
-    <p:sldId id="272" r:id="rId10"/>
-    <p:sldId id="273" r:id="rId11"/>
-    <p:sldId id="274" r:id="rId12"/>
-    <p:sldId id="276" r:id="rId13"/>
-    <p:sldId id="275" r:id="rId14"/>
-    <p:sldId id="264" r:id="rId15"/>
+    <p:sldId id="278" r:id="rId7"/>
+    <p:sldId id="277" r:id="rId8"/>
+    <p:sldId id="270" r:id="rId9"/>
+    <p:sldId id="267" r:id="rId10"/>
+    <p:sldId id="271" r:id="rId11"/>
+    <p:sldId id="272" r:id="rId12"/>
+    <p:sldId id="273" r:id="rId13"/>
+    <p:sldId id="274" r:id="rId14"/>
+    <p:sldId id="276" r:id="rId15"/>
+    <p:sldId id="275" r:id="rId16"/>
+    <p:sldId id="264" r:id="rId17"/>
   </p:sldIdLst>
   <p:sldSz cx="12192000" cy="6858000"/>
   <p:notesSz cx="6858000" cy="9144000"/>
@@ -225,7 +227,7 @@
           <a:p>
             <a:fld id="{73B2889B-A0AC-4482-8592-5C96F2309420}" type="datetimeFigureOut">
               <a:rPr lang="en-US" smtClean="0"/>
-              <a:t>6/17/2020</a:t>
+              <a:t>6/18/2020</a:t>
             </a:fld>
             <a:endParaRPr lang="en-US" dirty="0"/>
           </a:p>
@@ -402,7 +404,7 @@
           <a:p>
             <a:fld id="{830EB223-FFC0-462A-A3B8-EAA7CE0F8CBD}" type="datetimeFigureOut">
               <a:rPr lang="en-US" smtClean="0"/>
-              <a:t>6/17/2020</a:t>
+              <a:t>6/18/2020</a:t>
             </a:fld>
             <a:endParaRPr lang="en-US" dirty="0"/>
           </a:p>
@@ -1060,7 +1062,7 @@
           <a:p>
             <a:fld id="{BC849E9A-41F7-4779-A581-48A7C374A227}" type="slidenum">
               <a:rPr lang="en-US" smtClean="0"/>
-              <a:t>3</a:t>
+              <a:t>5</a:t>
             </a:fld>
             <a:endParaRPr lang="en-US" dirty="0"/>
           </a:p>
@@ -1199,7 +1201,7 @@
           <a:p>
             <a:fld id="{BC849E9A-41F7-4779-A581-48A7C374A227}" type="slidenum">
               <a:rPr lang="en-US" smtClean="0"/>
-              <a:t>4</a:t>
+              <a:t>6</a:t>
             </a:fld>
             <a:endParaRPr lang="en-US" dirty="0"/>
           </a:p>
@@ -1454,7 +1456,7 @@
           <a:p>
             <a:fld id="{BC849E9A-41F7-4779-A581-48A7C374A227}" type="slidenum">
               <a:rPr lang="en-US" smtClean="0"/>
-              <a:t>5</a:t>
+              <a:t>7</a:t>
             </a:fld>
             <a:endParaRPr lang="en-US" dirty="0"/>
           </a:p>
@@ -1709,7 +1711,7 @@
           <a:p>
             <a:fld id="{BC849E9A-41F7-4779-A581-48A7C374A227}" type="slidenum">
               <a:rPr lang="en-US" smtClean="0"/>
-              <a:t>6</a:t>
+              <a:t>8</a:t>
             </a:fld>
             <a:endParaRPr lang="en-US" dirty="0"/>
           </a:p>
@@ -1964,7 +1966,7 @@
           <a:p>
             <a:fld id="{BC849E9A-41F7-4779-A581-48A7C374A227}" type="slidenum">
               <a:rPr lang="en-US" smtClean="0"/>
-              <a:t>7</a:t>
+              <a:t>9</a:t>
             </a:fld>
             <a:endParaRPr lang="en-US" dirty="0"/>
           </a:p>
@@ -2219,7 +2221,7 @@
           <a:p>
             <a:fld id="{BC849E9A-41F7-4779-A581-48A7C374A227}" type="slidenum">
               <a:rPr lang="en-US" smtClean="0"/>
-              <a:t>8</a:t>
+              <a:t>10</a:t>
             </a:fld>
             <a:endParaRPr lang="en-US" dirty="0"/>
           </a:p>
@@ -2474,7 +2476,7 @@
           <a:p>
             <a:fld id="{BC849E9A-41F7-4779-A581-48A7C374A227}" type="slidenum">
               <a:rPr lang="en-US" smtClean="0"/>
-              <a:t>10</a:t>
+              <a:t>12</a:t>
             </a:fld>
             <a:endParaRPr lang="en-US" dirty="0"/>
           </a:p>
@@ -2648,7 +2650,7 @@
           <a:p>
             <a:fld id="{BC849E9A-41F7-4779-A581-48A7C374A227}" type="slidenum">
               <a:rPr lang="en-US" smtClean="0"/>
-              <a:t>11</a:t>
+              <a:t>13</a:t>
             </a:fld>
             <a:endParaRPr lang="en-US" dirty="0"/>
           </a:p>
@@ -2814,7 +2816,7 @@
           <a:p>
             <a:fld id="{DECF21A4-E71B-4D3A-AF45-E989C23A7BB1}" type="datetimeFigureOut">
               <a:rPr lang="en-US" smtClean="0"/>
-              <a:t>6/17/2020</a:t>
+              <a:t>6/18/2020</a:t>
             </a:fld>
             <a:endParaRPr lang="en-US" dirty="0"/>
           </a:p>
@@ -3012,7 +3014,7 @@
           <a:p>
             <a:fld id="{DECF21A4-E71B-4D3A-AF45-E989C23A7BB1}" type="datetimeFigureOut">
               <a:rPr lang="en-US" smtClean="0"/>
-              <a:t>6/17/2020</a:t>
+              <a:t>6/18/2020</a:t>
             </a:fld>
             <a:endParaRPr lang="en-US" dirty="0"/>
           </a:p>
@@ -3220,7 +3222,7 @@
           <a:p>
             <a:fld id="{DECF21A4-E71B-4D3A-AF45-E989C23A7BB1}" type="datetimeFigureOut">
               <a:rPr lang="en-US" smtClean="0"/>
-              <a:t>6/17/2020</a:t>
+              <a:t>6/18/2020</a:t>
             </a:fld>
             <a:endParaRPr lang="en-US" dirty="0"/>
           </a:p>
@@ -3418,7 +3420,7 @@
           <a:p>
             <a:fld id="{DECF21A4-E71B-4D3A-AF45-E989C23A7BB1}" type="datetimeFigureOut">
               <a:rPr lang="en-US" smtClean="0"/>
-              <a:t>6/17/2020</a:t>
+              <a:t>6/18/2020</a:t>
             </a:fld>
             <a:endParaRPr lang="en-US" dirty="0"/>
           </a:p>
@@ -3693,7 +3695,7 @@
           <a:p>
             <a:fld id="{DECF21A4-E71B-4D3A-AF45-E989C23A7BB1}" type="datetimeFigureOut">
               <a:rPr lang="en-US" smtClean="0"/>
-              <a:t>6/17/2020</a:t>
+              <a:t>6/18/2020</a:t>
             </a:fld>
             <a:endParaRPr lang="en-US" dirty="0"/>
           </a:p>
@@ -3958,7 +3960,7 @@
           <a:p>
             <a:fld id="{DECF21A4-E71B-4D3A-AF45-E989C23A7BB1}" type="datetimeFigureOut">
               <a:rPr lang="en-US" smtClean="0"/>
-              <a:t>6/17/2020</a:t>
+              <a:t>6/18/2020</a:t>
             </a:fld>
             <a:endParaRPr lang="en-US" dirty="0"/>
           </a:p>
@@ -4370,7 +4372,7 @@
           <a:p>
             <a:fld id="{DECF21A4-E71B-4D3A-AF45-E989C23A7BB1}" type="datetimeFigureOut">
               <a:rPr lang="en-US" smtClean="0"/>
-              <a:t>6/17/2020</a:t>
+              <a:t>6/18/2020</a:t>
             </a:fld>
             <a:endParaRPr lang="en-US" dirty="0"/>
           </a:p>
@@ -4511,7 +4513,7 @@
           <a:p>
             <a:fld id="{DECF21A4-E71B-4D3A-AF45-E989C23A7BB1}" type="datetimeFigureOut">
               <a:rPr lang="en-US" smtClean="0"/>
-              <a:t>6/17/2020</a:t>
+              <a:t>6/18/2020</a:t>
             </a:fld>
             <a:endParaRPr lang="en-US" dirty="0"/>
           </a:p>
@@ -4624,7 +4626,7 @@
           <a:p>
             <a:fld id="{DECF21A4-E71B-4D3A-AF45-E989C23A7BB1}" type="datetimeFigureOut">
               <a:rPr lang="en-US" smtClean="0"/>
-              <a:t>6/17/2020</a:t>
+              <a:t>6/18/2020</a:t>
             </a:fld>
             <a:endParaRPr lang="en-US" dirty="0"/>
           </a:p>
@@ -4935,7 +4937,7 @@
           <a:p>
             <a:fld id="{DECF21A4-E71B-4D3A-AF45-E989C23A7BB1}" type="datetimeFigureOut">
               <a:rPr lang="en-US" smtClean="0"/>
-              <a:t>6/17/2020</a:t>
+              <a:t>6/18/2020</a:t>
             </a:fld>
             <a:endParaRPr lang="en-US" dirty="0"/>
           </a:p>
@@ -5226,7 +5228,7 @@
           <a:p>
             <a:fld id="{DECF21A4-E71B-4D3A-AF45-E989C23A7BB1}" type="datetimeFigureOut">
               <a:rPr lang="en-US" smtClean="0"/>
-              <a:t>6/17/2020</a:t>
+              <a:t>6/18/2020</a:t>
             </a:fld>
             <a:endParaRPr lang="en-US" dirty="0"/>
           </a:p>
@@ -5467,7 +5469,7 @@
           <a:p>
             <a:fld id="{DECF21A4-E71B-4D3A-AF45-E989C23A7BB1}" type="datetimeFigureOut">
               <a:rPr lang="en-US" smtClean="0"/>
-              <a:t>6/17/2020</a:t>
+              <a:t>6/18/2020</a:t>
             </a:fld>
             <a:endParaRPr lang="en-US" dirty="0"/>
           </a:p>
@@ -7196,16 +7198,21 @@
           <a:p>
             <a:pPr algn="ctr"/>
             <a:r>
-              <a:rPr lang="en-US" sz="4000" kern="1200" dirty="0">
-                <a:solidFill>
-                  <a:schemeClr val="tx1"/>
-                </a:solidFill>
-                <a:latin typeface="+mj-lt"/>
-                <a:ea typeface="+mj-ea"/>
-                <a:cs typeface="+mj-cs"/>
-              </a:rPr>
-              <a:t>Mock-ups</a:t>
-            </a:r>
+              <a:rPr lang="en-US" sz="4000" dirty="0"/>
+              <a:t>AWS </a:t>
+            </a:r>
+            <a:r>
+              <a:rPr lang="en-US" sz="4000" dirty="0" err="1"/>
+              <a:t>CodeBuild</a:t>
+            </a:r>
+            <a:endParaRPr lang="en-US" sz="4000" kern="1200" dirty="0">
+              <a:solidFill>
+                <a:schemeClr val="tx1"/>
+              </a:solidFill>
+              <a:latin typeface="+mj-lt"/>
+              <a:ea typeface="+mj-ea"/>
+              <a:cs typeface="+mj-cs"/>
+            </a:endParaRPr>
           </a:p>
         </p:txBody>
       </p:sp>
@@ -7279,6 +7286,659 @@
           </a:p>
         </p:txBody>
       </p:sp>
+      <p:sp>
+        <p:nvSpPr>
+          <p:cNvPr id="3" name="TextBox 2">
+            <a:extLst>
+              <a:ext uri="{FF2B5EF4-FFF2-40B4-BE49-F238E27FC236}">
+                <a16:creationId xmlns:a16="http://schemas.microsoft.com/office/drawing/2014/main" id="{3DA47A83-3C4B-4A44-A497-1DB8B4E3B592}"/>
+              </a:ext>
+            </a:extLst>
+          </p:cNvPr>
+          <p:cNvSpPr txBox="1"/>
+          <p:nvPr/>
+        </p:nvSpPr>
+        <p:spPr>
+          <a:xfrm>
+            <a:off x="1090670" y="2375471"/>
+            <a:ext cx="10113484" cy="4204356"/>
+          </a:xfrm>
+          <a:prstGeom prst="rect">
+            <a:avLst/>
+          </a:prstGeom>
+          <a:noFill/>
+        </p:spPr>
+        <p:txBody>
+          <a:bodyPr wrap="square" rtlCol="0">
+            <a:spAutoFit/>
+          </a:bodyPr>
+          <a:lstStyle/>
+          <a:p>
+            <a:pPr marL="285750" indent="-285750">
+              <a:lnSpc>
+                <a:spcPct val="150000"/>
+              </a:lnSpc>
+              <a:buFont typeface="Arial" panose="020B0604020202020204" pitchFamily="34" charset="0"/>
+              <a:buChar char="•"/>
+            </a:pPr>
+            <a:r>
+              <a:rPr lang="en-US" dirty="0"/>
+              <a:t>Build service, which compiles source code, runs tests, and produces artifacts</a:t>
+            </a:r>
+          </a:p>
+          <a:p>
+            <a:pPr marL="285750" indent="-285750">
+              <a:lnSpc>
+                <a:spcPct val="150000"/>
+              </a:lnSpc>
+              <a:buFont typeface="Arial" panose="020B0604020202020204" pitchFamily="34" charset="0"/>
+              <a:buChar char="•"/>
+            </a:pPr>
+            <a:r>
+              <a:rPr lang="en-US" dirty="0"/>
+              <a:t>Pulls source code from </a:t>
+            </a:r>
+            <a:r>
+              <a:rPr lang="en-US" dirty="0" err="1"/>
+              <a:t>CodeCommit</a:t>
+            </a:r>
+            <a:r>
+              <a:rPr lang="en-US" dirty="0"/>
+              <a:t>, Amazon S3, GitHub, or Bitbucket</a:t>
+            </a:r>
+          </a:p>
+          <a:p>
+            <a:pPr marL="285750" indent="-285750">
+              <a:lnSpc>
+                <a:spcPct val="150000"/>
+              </a:lnSpc>
+              <a:buFont typeface="Arial" panose="020B0604020202020204" pitchFamily="34" charset="0"/>
+              <a:buChar char="•"/>
+            </a:pPr>
+            <a:r>
+              <a:rPr lang="en-US" dirty="0"/>
+              <a:t>Supports popular programming languages and build tools, and can be customized</a:t>
+            </a:r>
+          </a:p>
+          <a:p>
+            <a:pPr marL="285750" indent="-285750">
+              <a:lnSpc>
+                <a:spcPct val="150000"/>
+              </a:lnSpc>
+              <a:buFont typeface="Arial" panose="020B0604020202020204" pitchFamily="34" charset="0"/>
+              <a:buChar char="•"/>
+            </a:pPr>
+            <a:r>
+              <a:rPr lang="en-US" dirty="0"/>
+              <a:t>Run via AWS </a:t>
+            </a:r>
+            <a:r>
+              <a:rPr lang="en-US" dirty="0" err="1"/>
+              <a:t>CodeBuild</a:t>
+            </a:r>
+            <a:r>
+              <a:rPr lang="en-US" dirty="0"/>
+              <a:t> console, AWS CLI, AWS SDKs, or AWS </a:t>
+            </a:r>
+            <a:r>
+              <a:rPr lang="en-US" dirty="0" err="1"/>
+              <a:t>CodePipeline</a:t>
+            </a:r>
+            <a:endParaRPr lang="en-US" dirty="0"/>
+          </a:p>
+          <a:p>
+            <a:pPr marL="285750" indent="-285750">
+              <a:lnSpc>
+                <a:spcPct val="150000"/>
+              </a:lnSpc>
+              <a:buFont typeface="Arial" panose="020B0604020202020204" pitchFamily="34" charset="0"/>
+              <a:buChar char="•"/>
+            </a:pPr>
+            <a:r>
+              <a:rPr lang="en-US" dirty="0"/>
+              <a:t>Ability to view the overall status of the build, build phase details, and build logs</a:t>
+            </a:r>
+          </a:p>
+          <a:p>
+            <a:pPr marL="285750" indent="-285750">
+              <a:lnSpc>
+                <a:spcPct val="150000"/>
+              </a:lnSpc>
+              <a:buFont typeface="Arial" panose="020B0604020202020204" pitchFamily="34" charset="0"/>
+              <a:buChar char="•"/>
+            </a:pPr>
+            <a:r>
+              <a:rPr lang="en-US" dirty="0"/>
+              <a:t>Build specifications are written using a specific </a:t>
+            </a:r>
+            <a:r>
+              <a:rPr lang="en-US" dirty="0">
+                <a:hlinkClick r:id="rId3"/>
+              </a:rPr>
+              <a:t>syntax</a:t>
+            </a:r>
+            <a:r>
+              <a:rPr lang="en-US" dirty="0"/>
+              <a:t>, in a </a:t>
+            </a:r>
+            <a:r>
+              <a:rPr lang="en-US" dirty="0" err="1"/>
+              <a:t>yaml</a:t>
+            </a:r>
+            <a:r>
+              <a:rPr lang="en-US" dirty="0"/>
+              <a:t> format</a:t>
+            </a:r>
+          </a:p>
+          <a:p>
+            <a:pPr marL="285750" indent="-285750">
+              <a:lnSpc>
+                <a:spcPct val="150000"/>
+              </a:lnSpc>
+              <a:buFont typeface="Arial" panose="020B0604020202020204" pitchFamily="34" charset="0"/>
+              <a:buChar char="•"/>
+            </a:pPr>
+            <a:r>
+              <a:rPr lang="en-US" dirty="0">
+                <a:hlinkClick r:id="rId4"/>
+              </a:rPr>
+              <a:t>Pricing</a:t>
+            </a:r>
+            <a:r>
+              <a:rPr lang="en-US" dirty="0"/>
+              <a:t> is based on the number of build minutes, and there is a free tier option</a:t>
+            </a:r>
+          </a:p>
+          <a:p>
+            <a:pPr marL="285750" indent="-285750">
+              <a:lnSpc>
+                <a:spcPct val="150000"/>
+              </a:lnSpc>
+              <a:buFont typeface="Arial" panose="020B0604020202020204" pitchFamily="34" charset="0"/>
+              <a:buChar char="•"/>
+            </a:pPr>
+            <a:r>
+              <a:rPr lang="en-US" dirty="0"/>
+              <a:t>Team decided to use AWS </a:t>
+            </a:r>
+            <a:r>
+              <a:rPr lang="en-US" dirty="0" err="1"/>
+              <a:t>CodeBuild</a:t>
+            </a:r>
+            <a:r>
+              <a:rPr lang="en-US" dirty="0"/>
+              <a:t> because of the easy integration with AWS </a:t>
+            </a:r>
+            <a:r>
+              <a:rPr lang="en-US" dirty="0" err="1"/>
+              <a:t>CodePipeline</a:t>
+            </a:r>
+            <a:endParaRPr lang="en-US" dirty="0"/>
+          </a:p>
+          <a:p>
+            <a:pPr marL="285750" indent="-285750">
+              <a:lnSpc>
+                <a:spcPct val="150000"/>
+              </a:lnSpc>
+              <a:buFont typeface="Arial" panose="020B0604020202020204" pitchFamily="34" charset="0"/>
+              <a:buChar char="•"/>
+            </a:pPr>
+            <a:endParaRPr lang="en-US" dirty="0"/>
+          </a:p>
+          <a:p>
+            <a:pPr lvl="1">
+              <a:lnSpc>
+                <a:spcPct val="150000"/>
+              </a:lnSpc>
+            </a:pPr>
+            <a:r>
+              <a:rPr lang="en-US" dirty="0"/>
+              <a:t>(Source:  </a:t>
+            </a:r>
+            <a:r>
+              <a:rPr lang="fr-FR" dirty="0">
+                <a:hlinkClick r:id="rId5"/>
+              </a:rPr>
+              <a:t>https://docs.aws.amazon.com/codebuild/latest/userguide/welcome.html</a:t>
+            </a:r>
+            <a:r>
+              <a:rPr lang="fr-FR" dirty="0"/>
+              <a:t>)</a:t>
+            </a:r>
+            <a:endParaRPr lang="en-US" dirty="0"/>
+          </a:p>
+        </p:txBody>
+      </p:sp>
+    </p:spTree>
+    <p:extLst>
+      <p:ext uri="{BB962C8B-B14F-4D97-AF65-F5344CB8AC3E}">
+        <p14:creationId xmlns:p14="http://schemas.microsoft.com/office/powerpoint/2010/main" val="512997375"/>
+      </p:ext>
+    </p:extLst>
+  </p:cSld>
+  <p:clrMapOvr>
+    <a:masterClrMapping/>
+  </p:clrMapOvr>
+</p:sld>
+</file>
+
+<file path=ppt/slides/slide11.xml><?xml version="1.0" encoding="utf-8"?>
+<p:sld xmlns:a="http://schemas.openxmlformats.org/drawingml/2006/main" xmlns:r="http://schemas.openxmlformats.org/officeDocument/2006/relationships" xmlns:p="http://schemas.openxmlformats.org/presentationml/2006/main">
+  <p:cSld>
+    <p:spTree>
+      <p:nvGrpSpPr>
+        <p:cNvPr id="1" name=""/>
+        <p:cNvGrpSpPr/>
+        <p:nvPr/>
+      </p:nvGrpSpPr>
+      <p:grpSpPr>
+        <a:xfrm>
+          <a:off x="0" y="0"/>
+          <a:ext cx="0" cy="0"/>
+          <a:chOff x="0" y="0"/>
+          <a:chExt cx="0" cy="0"/>
+        </a:xfrm>
+      </p:grpSpPr>
+      <p:pic>
+        <p:nvPicPr>
+          <p:cNvPr id="4" name="Picture 3">
+            <a:extLst>
+              <a:ext uri="{FF2B5EF4-FFF2-40B4-BE49-F238E27FC236}">
+                <a16:creationId xmlns:a16="http://schemas.microsoft.com/office/drawing/2014/main" id="{05D957DA-20B5-425F-8107-70B33683D008}"/>
+              </a:ext>
+            </a:extLst>
+          </p:cNvPr>
+          <p:cNvPicPr>
+            <a:picLocks noChangeAspect="1"/>
+          </p:cNvPicPr>
+          <p:nvPr/>
+        </p:nvPicPr>
+        <p:blipFill>
+          <a:blip r:embed="rId2"/>
+          <a:stretch>
+            <a:fillRect/>
+          </a:stretch>
+        </p:blipFill>
+        <p:spPr>
+          <a:xfrm>
+            <a:off x="5549735" y="283944"/>
+            <a:ext cx="4381005" cy="3052506"/>
+          </a:xfrm>
+          <a:prstGeom prst="rect">
+            <a:avLst/>
+          </a:prstGeom>
+        </p:spPr>
+      </p:pic>
+      <p:pic>
+        <p:nvPicPr>
+          <p:cNvPr id="5" name="Picture 4">
+            <a:extLst>
+              <a:ext uri="{FF2B5EF4-FFF2-40B4-BE49-F238E27FC236}">
+                <a16:creationId xmlns:a16="http://schemas.microsoft.com/office/drawing/2014/main" id="{C163E8EA-8E86-4750-AAD1-89302E978901}"/>
+              </a:ext>
+            </a:extLst>
+          </p:cNvPr>
+          <p:cNvPicPr>
+            <a:picLocks noChangeAspect="1"/>
+          </p:cNvPicPr>
+          <p:nvPr/>
+        </p:nvPicPr>
+        <p:blipFill>
+          <a:blip r:embed="rId3"/>
+          <a:stretch>
+            <a:fillRect/>
+          </a:stretch>
+        </p:blipFill>
+        <p:spPr>
+          <a:xfrm>
+            <a:off x="2388919" y="3521551"/>
+            <a:ext cx="6915398" cy="2949481"/>
+          </a:xfrm>
+          <a:prstGeom prst="rect">
+            <a:avLst/>
+          </a:prstGeom>
+        </p:spPr>
+      </p:pic>
+      <p:pic>
+        <p:nvPicPr>
+          <p:cNvPr id="6" name="Picture 5">
+            <a:extLst>
+              <a:ext uri="{FF2B5EF4-FFF2-40B4-BE49-F238E27FC236}">
+                <a16:creationId xmlns:a16="http://schemas.microsoft.com/office/drawing/2014/main" id="{D7540EB3-365D-4B5D-AB41-6C01469E3CB0}"/>
+              </a:ext>
+            </a:extLst>
+          </p:cNvPr>
+          <p:cNvPicPr>
+            <a:picLocks noChangeAspect="1"/>
+          </p:cNvPicPr>
+          <p:nvPr/>
+        </p:nvPicPr>
+        <p:blipFill>
+          <a:blip r:embed="rId4"/>
+          <a:stretch>
+            <a:fillRect/>
+          </a:stretch>
+        </p:blipFill>
+        <p:spPr>
+          <a:xfrm>
+            <a:off x="2025654" y="1042988"/>
+            <a:ext cx="2819400" cy="1590675"/>
+          </a:xfrm>
+          <a:prstGeom prst="rect">
+            <a:avLst/>
+          </a:prstGeom>
+        </p:spPr>
+      </p:pic>
+    </p:spTree>
+    <p:extLst>
+      <p:ext uri="{BB962C8B-B14F-4D97-AF65-F5344CB8AC3E}">
+        <p14:creationId xmlns:p14="http://schemas.microsoft.com/office/powerpoint/2010/main" val="519025307"/>
+      </p:ext>
+    </p:extLst>
+  </p:cSld>
+  <p:clrMapOvr>
+    <a:masterClrMapping/>
+  </p:clrMapOvr>
+</p:sld>
+</file>
+
+<file path=ppt/slides/slide12.xml><?xml version="1.0" encoding="utf-8"?>
+<p:sld xmlns:a="http://schemas.openxmlformats.org/drawingml/2006/main" xmlns:r="http://schemas.openxmlformats.org/officeDocument/2006/relationships" xmlns:p="http://schemas.openxmlformats.org/presentationml/2006/main">
+  <p:cSld>
+    <p:bg>
+      <p:bgPr>
+        <a:solidFill>
+          <a:schemeClr val="bg1"/>
+        </a:solidFill>
+        <a:effectLst/>
+      </p:bgPr>
+    </p:bg>
+    <p:spTree>
+      <p:nvGrpSpPr>
+        <p:cNvPr id="1" name=""/>
+        <p:cNvGrpSpPr/>
+        <p:nvPr/>
+      </p:nvGrpSpPr>
+      <p:grpSpPr>
+        <a:xfrm>
+          <a:off x="0" y="0"/>
+          <a:ext cx="0" cy="0"/>
+          <a:chOff x="0" y="0"/>
+          <a:chExt cx="0" cy="0"/>
+        </a:xfrm>
+      </p:grpSpPr>
+      <p:sp useBgFill="1">
+        <p:nvSpPr>
+          <p:cNvPr id="71" name="Rectangle 70">
+            <a:extLst>
+              <a:ext uri="{FF2B5EF4-FFF2-40B4-BE49-F238E27FC236}">
+                <a16:creationId xmlns:a16="http://schemas.microsoft.com/office/drawing/2014/main" id="{C1A1C5D3-C053-4EE9-BE1A-419B6E27CCAE}"/>
+              </a:ext>
+              <a:ext uri="{C183D7F6-B498-43B3-948B-1728B52AA6E4}">
+                <adec:decorative xmlns:adec="http://schemas.microsoft.com/office/drawing/2017/decorative" val="1"/>
+              </a:ext>
+            </a:extLst>
+          </p:cNvPr>
+          <p:cNvSpPr>
+            <a:spLocks noGrp="1" noRot="1" noChangeAspect="1" noMove="1" noResize="1" noEditPoints="1" noAdjustHandles="1" noChangeArrowheads="1" noChangeShapeType="1" noTextEdit="1"/>
+          </p:cNvSpPr>
+          <p:nvPr>
+            <p:extLst>
+              <p:ext uri="{386F3935-93C4-4BCD-93E2-E3B085C9AB24}">
+                <p16:designElem xmlns:p16="http://schemas.microsoft.com/office/powerpoint/2015/main" val="1"/>
+              </p:ext>
+            </p:extLst>
+          </p:nvPr>
+        </p:nvSpPr>
+        <p:spPr>
+          <a:xfrm>
+            <a:off x="0" y="0"/>
+            <a:ext cx="12192000" cy="6858000"/>
+          </a:xfrm>
+          <a:prstGeom prst="rect">
+            <a:avLst/>
+          </a:prstGeom>
+          <a:ln>
+            <a:noFill/>
+          </a:ln>
+        </p:spPr>
+        <p:style>
+          <a:lnRef idx="2">
+            <a:schemeClr val="accent1">
+              <a:shade val="50000"/>
+            </a:schemeClr>
+          </a:lnRef>
+          <a:fillRef idx="1">
+            <a:schemeClr val="accent1"/>
+          </a:fillRef>
+          <a:effectRef idx="0">
+            <a:schemeClr val="accent1"/>
+          </a:effectRef>
+          <a:fontRef idx="minor">
+            <a:schemeClr val="lt1"/>
+          </a:fontRef>
+        </p:style>
+        <p:txBody>
+          <a:bodyPr rtlCol="0" anchor="ctr"/>
+          <a:lstStyle/>
+          <a:p>
+            <a:pPr algn="ctr"/>
+            <a:endParaRPr lang="en-US" dirty="0"/>
+          </a:p>
+        </p:txBody>
+      </p:sp>
+      <p:sp useBgFill="1">
+        <p:nvSpPr>
+          <p:cNvPr id="73" name="Rectangle 72">
+            <a:extLst>
+              <a:ext uri="{FF2B5EF4-FFF2-40B4-BE49-F238E27FC236}">
+                <a16:creationId xmlns:a16="http://schemas.microsoft.com/office/drawing/2014/main" id="{A3473CF9-37EB-43E7-89EF-D2D1C53D1DAC}"/>
+              </a:ext>
+              <a:ext uri="{C183D7F6-B498-43B3-948B-1728B52AA6E4}">
+                <adec:decorative xmlns:adec="http://schemas.microsoft.com/office/drawing/2017/decorative" val="1"/>
+              </a:ext>
+            </a:extLst>
+          </p:cNvPr>
+          <p:cNvSpPr>
+            <a:spLocks noGrp="1" noRot="1" noChangeAspect="1" noMove="1" noResize="1" noEditPoints="1" noAdjustHandles="1" noChangeArrowheads="1" noChangeShapeType="1" noTextEdit="1"/>
+          </p:cNvSpPr>
+          <p:nvPr>
+            <p:extLst>
+              <p:ext uri="{386F3935-93C4-4BCD-93E2-E3B085C9AB24}">
+                <p16:designElem xmlns:p16="http://schemas.microsoft.com/office/powerpoint/2015/main" val="1"/>
+              </p:ext>
+            </p:extLst>
+          </p:nvPr>
+        </p:nvSpPr>
+        <p:spPr>
+          <a:xfrm>
+            <a:off x="1903615" y="221673"/>
+            <a:ext cx="8384770" cy="1332634"/>
+          </a:xfrm>
+          <a:prstGeom prst="rect">
+            <a:avLst/>
+          </a:prstGeom>
+          <a:ln w="12700">
+            <a:solidFill>
+              <a:srgbClr val="E1E1E1"/>
+            </a:solidFill>
+          </a:ln>
+          <a:effectLst>
+            <a:outerShdw blurRad="50800" dist="38100" dir="2700000" algn="tl" rotWithShape="0">
+              <a:schemeClr val="bg2">
+                <a:lumMod val="85000"/>
+                <a:alpha val="50000"/>
+              </a:schemeClr>
+            </a:outerShdw>
+          </a:effectLst>
+        </p:spPr>
+        <p:style>
+          <a:lnRef idx="2">
+            <a:schemeClr val="accent1">
+              <a:shade val="50000"/>
+            </a:schemeClr>
+          </a:lnRef>
+          <a:fillRef idx="1">
+            <a:schemeClr val="accent1"/>
+          </a:fillRef>
+          <a:effectRef idx="0">
+            <a:schemeClr val="accent1"/>
+          </a:effectRef>
+          <a:fontRef idx="minor">
+            <a:schemeClr val="lt1"/>
+          </a:fontRef>
+        </p:style>
+        <p:txBody>
+          <a:bodyPr rtlCol="0" anchor="ctr"/>
+          <a:lstStyle/>
+          <a:p>
+            <a:pPr marL="0" marR="0" lvl="0" indent="0" algn="ctr" defTabSz="914400" rtl="0" eaLnBrk="1" fontAlgn="auto" latinLnBrk="0" hangingPunct="1">
+              <a:lnSpc>
+                <a:spcPct val="100000"/>
+              </a:lnSpc>
+              <a:spcBef>
+                <a:spcPts val="0"/>
+              </a:spcBef>
+              <a:spcAft>
+                <a:spcPts val="0"/>
+              </a:spcAft>
+              <a:buClrTx/>
+              <a:buSzTx/>
+              <a:buFontTx/>
+              <a:buNone/>
+              <a:tabLst/>
+              <a:defRPr/>
+            </a:pPr>
+            <a:endParaRPr kumimoji="0" lang="en-US" sz="1800" b="0" i="0" u="none" strike="noStrike" kern="1200" cap="none" spc="0" normalizeH="0" baseline="0" noProof="0" dirty="0">
+              <a:ln>
+                <a:noFill/>
+              </a:ln>
+              <a:solidFill>
+                <a:prstClr val="white"/>
+              </a:solidFill>
+              <a:effectLst/>
+              <a:uLnTx/>
+              <a:uFillTx/>
+              <a:latin typeface="Calibri" panose="020F0502020204030204"/>
+              <a:ea typeface="+mn-ea"/>
+              <a:cs typeface="+mn-cs"/>
+            </a:endParaRPr>
+          </a:p>
+        </p:txBody>
+      </p:sp>
+      <p:sp>
+        <p:nvSpPr>
+          <p:cNvPr id="2" name="Title 1">
+            <a:extLst>
+              <a:ext uri="{FF2B5EF4-FFF2-40B4-BE49-F238E27FC236}">
+                <a16:creationId xmlns:a16="http://schemas.microsoft.com/office/drawing/2014/main" id="{0FDE5079-B185-4DE0-AF2C-AE4B7709FBC3}"/>
+              </a:ext>
+            </a:extLst>
+          </p:cNvPr>
+          <p:cNvSpPr>
+            <a:spLocks noGrp="1"/>
+          </p:cNvSpPr>
+          <p:nvPr>
+            <p:ph type="title"/>
+          </p:nvPr>
+        </p:nvSpPr>
+        <p:spPr>
+          <a:xfrm>
+            <a:off x="2103121" y="310343"/>
+            <a:ext cx="7985759" cy="868823"/>
+          </a:xfrm>
+        </p:spPr>
+        <p:txBody>
+          <a:bodyPr vert="horz" lIns="91440" tIns="45720" rIns="91440" bIns="45720" rtlCol="0" anchor="ctr">
+            <a:normAutofit/>
+          </a:bodyPr>
+          <a:lstStyle/>
+          <a:p>
+            <a:pPr algn="ctr"/>
+            <a:r>
+              <a:rPr lang="en-US" sz="4000" kern="1200" dirty="0">
+                <a:solidFill>
+                  <a:schemeClr val="tx1"/>
+                </a:solidFill>
+                <a:latin typeface="+mj-lt"/>
+                <a:ea typeface="+mj-ea"/>
+                <a:cs typeface="+mj-cs"/>
+              </a:rPr>
+              <a:t>Mock-ups</a:t>
+            </a:r>
+          </a:p>
+        </p:txBody>
+      </p:sp>
+      <p:sp>
+        <p:nvSpPr>
+          <p:cNvPr id="75" name="Rectangle: Rounded Corners 74">
+            <a:extLst>
+              <a:ext uri="{FF2B5EF4-FFF2-40B4-BE49-F238E27FC236}">
+                <a16:creationId xmlns:a16="http://schemas.microsoft.com/office/drawing/2014/main" id="{586B4EF9-43BA-4655-A6FF-1D8E21574C95}"/>
+              </a:ext>
+              <a:ext uri="{C183D7F6-B498-43B3-948B-1728B52AA6E4}">
+                <adec:decorative xmlns:adec="http://schemas.microsoft.com/office/drawing/2017/decorative" val="1"/>
+              </a:ext>
+            </a:extLst>
+          </p:cNvPr>
+          <p:cNvSpPr>
+            <a:spLocks noGrp="1" noRot="1" noChangeAspect="1" noMove="1" noResize="1" noEditPoints="1" noAdjustHandles="1" noChangeArrowheads="1" noChangeShapeType="1" noTextEdit="1"/>
+          </p:cNvSpPr>
+          <p:nvPr>
+            <p:extLst>
+              <p:ext uri="{386F3935-93C4-4BCD-93E2-E3B085C9AB24}">
+                <p16:designElem xmlns:p16="http://schemas.microsoft.com/office/powerpoint/2015/main" val="1"/>
+              </p:ext>
+            </p:extLst>
+          </p:nvPr>
+        </p:nvSpPr>
+        <p:spPr>
+          <a:xfrm>
+            <a:off x="2483110" y="1211407"/>
+            <a:ext cx="7225780" cy="685800"/>
+          </a:xfrm>
+          <a:prstGeom prst="roundRect">
+            <a:avLst>
+              <a:gd name="adj" fmla="val 0"/>
+            </a:avLst>
+          </a:prstGeom>
+          <a:solidFill>
+            <a:schemeClr val="accent2"/>
+          </a:solidFill>
+          <a:ln>
+            <a:noFill/>
+          </a:ln>
+        </p:spPr>
+        <p:style>
+          <a:lnRef idx="2">
+            <a:schemeClr val="accent1">
+              <a:shade val="50000"/>
+            </a:schemeClr>
+          </a:lnRef>
+          <a:fillRef idx="1">
+            <a:schemeClr val="accent1"/>
+          </a:fillRef>
+          <a:effectRef idx="0">
+            <a:schemeClr val="accent1"/>
+          </a:effectRef>
+          <a:fontRef idx="minor">
+            <a:schemeClr val="lt1"/>
+          </a:fontRef>
+        </p:style>
+        <p:txBody>
+          <a:bodyPr rtlCol="0" anchor="ctr"/>
+          <a:lstStyle/>
+          <a:p>
+            <a:pPr algn="ctr"/>
+            <a:endParaRPr lang="en-US" dirty="0">
+              <a:solidFill>
+                <a:prstClr val="white"/>
+              </a:solidFill>
+              <a:latin typeface="Calibri" panose="020F0502020204030204"/>
+            </a:endParaRPr>
+          </a:p>
+        </p:txBody>
+      </p:sp>
     </p:spTree>
     <p:extLst>
       <p:ext uri="{BB962C8B-B14F-4D97-AF65-F5344CB8AC3E}">
@@ -7292,7 +7952,7 @@
 </p:sld>
 </file>
 
-<file path=ppt/slides/slide11.xml><?xml version="1.0" encoding="utf-8"?>
+<file path=ppt/slides/slide13.xml><?xml version="1.0" encoding="utf-8"?>
 <p:sld xmlns:a="http://schemas.openxmlformats.org/drawingml/2006/main" xmlns:r="http://schemas.openxmlformats.org/officeDocument/2006/relationships" xmlns:p="http://schemas.openxmlformats.org/presentationml/2006/main">
   <p:cSld>
     <p:bg>
@@ -8463,6 +9123,301 @@
 <file path=ppt/slides/slide3.xml><?xml version="1.0" encoding="utf-8"?>
 <p:sld xmlns:a="http://schemas.openxmlformats.org/drawingml/2006/main" xmlns:r="http://schemas.openxmlformats.org/officeDocument/2006/relationships" xmlns:p="http://schemas.openxmlformats.org/presentationml/2006/main">
   <p:cSld>
+    <p:spTree>
+      <p:nvGrpSpPr>
+        <p:cNvPr id="1" name=""/>
+        <p:cNvGrpSpPr/>
+        <p:nvPr/>
+      </p:nvGrpSpPr>
+      <p:grpSpPr>
+        <a:xfrm>
+          <a:off x="0" y="0"/>
+          <a:ext cx="0" cy="0"/>
+          <a:chOff x="0" y="0"/>
+          <a:chExt cx="0" cy="0"/>
+        </a:xfrm>
+      </p:grpSpPr>
+      <p:sp>
+        <p:nvSpPr>
+          <p:cNvPr id="2" name="Title 1">
+            <a:extLst>
+              <a:ext uri="{FF2B5EF4-FFF2-40B4-BE49-F238E27FC236}">
+                <a16:creationId xmlns:a16="http://schemas.microsoft.com/office/drawing/2014/main" id="{3D9AB449-5692-402C-87A1-3CB34FC97E90}"/>
+              </a:ext>
+            </a:extLst>
+          </p:cNvPr>
+          <p:cNvSpPr>
+            <a:spLocks noGrp="1"/>
+          </p:cNvSpPr>
+          <p:nvPr>
+            <p:ph type="title"/>
+          </p:nvPr>
+        </p:nvSpPr>
+        <p:spPr/>
+        <p:txBody>
+          <a:bodyPr/>
+          <a:lstStyle/>
+          <a:p>
+            <a:r>
+              <a:rPr lang="en-US" dirty="0"/>
+              <a:t>Trello</a:t>
+            </a:r>
+          </a:p>
+        </p:txBody>
+      </p:sp>
+      <p:pic>
+        <p:nvPicPr>
+          <p:cNvPr id="5" name="Content Placeholder 4" descr="A screenshot of a cell phone&#10;&#10;Description automatically generated">
+            <a:extLst>
+              <a:ext uri="{FF2B5EF4-FFF2-40B4-BE49-F238E27FC236}">
+                <a16:creationId xmlns:a16="http://schemas.microsoft.com/office/drawing/2014/main" id="{9B033EA9-4120-4DF7-9507-D5D7EE18488F}"/>
+              </a:ext>
+            </a:extLst>
+          </p:cNvPr>
+          <p:cNvPicPr>
+            <a:picLocks noGrp="1" noChangeAspect="1"/>
+          </p:cNvPicPr>
+          <p:nvPr>
+            <p:ph idx="1"/>
+          </p:nvPr>
+        </p:nvPicPr>
+        <p:blipFill>
+          <a:blip r:embed="rId2">
+            <a:extLst>
+              <a:ext uri="{28A0092B-C50C-407E-A947-70E740481C1C}">
+                <a14:useLocalDpi xmlns:a14="http://schemas.microsoft.com/office/drawing/2010/main" val="0"/>
+              </a:ext>
+            </a:extLst>
+          </a:blip>
+          <a:stretch>
+            <a:fillRect/>
+          </a:stretch>
+        </p:blipFill>
+        <p:spPr>
+          <a:xfrm>
+            <a:off x="8243680" y="2975473"/>
+            <a:ext cx="3639510" cy="3385322"/>
+          </a:xfrm>
+        </p:spPr>
+      </p:pic>
+      <p:pic>
+        <p:nvPicPr>
+          <p:cNvPr id="7" name="Picture 6" descr="A screenshot of a social media post&#10;&#10;Description automatically generated">
+            <a:extLst>
+              <a:ext uri="{FF2B5EF4-FFF2-40B4-BE49-F238E27FC236}">
+                <a16:creationId xmlns:a16="http://schemas.microsoft.com/office/drawing/2014/main" id="{D2EEBF16-7210-432D-B7C2-3B21DFBB6549}"/>
+              </a:ext>
+            </a:extLst>
+          </p:cNvPr>
+          <p:cNvPicPr>
+            <a:picLocks noChangeAspect="1"/>
+          </p:cNvPicPr>
+          <p:nvPr/>
+        </p:nvPicPr>
+        <p:blipFill>
+          <a:blip r:embed="rId3">
+            <a:extLst>
+              <a:ext uri="{28A0092B-C50C-407E-A947-70E740481C1C}">
+                <a14:useLocalDpi xmlns:a14="http://schemas.microsoft.com/office/drawing/2010/main" val="0"/>
+              </a:ext>
+            </a:extLst>
+          </a:blip>
+          <a:stretch>
+            <a:fillRect/>
+          </a:stretch>
+        </p:blipFill>
+        <p:spPr>
+          <a:xfrm>
+            <a:off x="410410" y="1690688"/>
+            <a:ext cx="4417282" cy="3316219"/>
+          </a:xfrm>
+          <a:prstGeom prst="rect">
+            <a:avLst/>
+          </a:prstGeom>
+        </p:spPr>
+      </p:pic>
+    </p:spTree>
+    <p:extLst>
+      <p:ext uri="{BB962C8B-B14F-4D97-AF65-F5344CB8AC3E}">
+        <p14:creationId xmlns:p14="http://schemas.microsoft.com/office/powerpoint/2010/main" val="3431884766"/>
+      </p:ext>
+    </p:extLst>
+  </p:cSld>
+  <p:clrMapOvr>
+    <a:masterClrMapping/>
+  </p:clrMapOvr>
+</p:sld>
+</file>
+
+<file path=ppt/slides/slide4.xml><?xml version="1.0" encoding="utf-8"?>
+<p:sld xmlns:a="http://schemas.openxmlformats.org/drawingml/2006/main" xmlns:r="http://schemas.openxmlformats.org/officeDocument/2006/relationships" xmlns:p="http://schemas.openxmlformats.org/presentationml/2006/main">
+  <p:cSld>
+    <p:spTree>
+      <p:nvGrpSpPr>
+        <p:cNvPr id="1" name=""/>
+        <p:cNvGrpSpPr/>
+        <p:nvPr/>
+      </p:nvGrpSpPr>
+      <p:grpSpPr>
+        <a:xfrm>
+          <a:off x="0" y="0"/>
+          <a:ext cx="0" cy="0"/>
+          <a:chOff x="0" y="0"/>
+          <a:chExt cx="0" cy="0"/>
+        </a:xfrm>
+      </p:grpSpPr>
+      <p:sp>
+        <p:nvSpPr>
+          <p:cNvPr id="2" name="Title 1">
+            <a:extLst>
+              <a:ext uri="{FF2B5EF4-FFF2-40B4-BE49-F238E27FC236}">
+                <a16:creationId xmlns:a16="http://schemas.microsoft.com/office/drawing/2014/main" id="{1334FB56-4D11-4019-974B-0EE40A820B62}"/>
+              </a:ext>
+            </a:extLst>
+          </p:cNvPr>
+          <p:cNvSpPr>
+            <a:spLocks noGrp="1"/>
+          </p:cNvSpPr>
+          <p:nvPr>
+            <p:ph type="title"/>
+          </p:nvPr>
+        </p:nvSpPr>
+        <p:spPr/>
+        <p:txBody>
+          <a:bodyPr/>
+          <a:lstStyle/>
+          <a:p>
+            <a:r>
+              <a:rPr lang="en-US" dirty="0" err="1"/>
+              <a:t>Github</a:t>
+            </a:r>
+            <a:endParaRPr lang="en-US" dirty="0"/>
+          </a:p>
+        </p:txBody>
+      </p:sp>
+      <p:pic>
+        <p:nvPicPr>
+          <p:cNvPr id="5" name="Content Placeholder 4" descr="A screenshot of a cell phone&#10;&#10;Description automatically generated">
+            <a:extLst>
+              <a:ext uri="{FF2B5EF4-FFF2-40B4-BE49-F238E27FC236}">
+                <a16:creationId xmlns:a16="http://schemas.microsoft.com/office/drawing/2014/main" id="{4EDBE5E4-8833-499A-91D4-08D0083B2AB9}"/>
+              </a:ext>
+            </a:extLst>
+          </p:cNvPr>
+          <p:cNvPicPr>
+            <a:picLocks noGrp="1" noChangeAspect="1"/>
+          </p:cNvPicPr>
+          <p:nvPr>
+            <p:ph idx="1"/>
+          </p:nvPr>
+        </p:nvPicPr>
+        <p:blipFill>
+          <a:blip r:embed="rId2">
+            <a:extLst>
+              <a:ext uri="{28A0092B-C50C-407E-A947-70E740481C1C}">
+                <a14:useLocalDpi xmlns:a14="http://schemas.microsoft.com/office/drawing/2010/main" val="0"/>
+              </a:ext>
+            </a:extLst>
+          </a:blip>
+          <a:stretch>
+            <a:fillRect/>
+          </a:stretch>
+        </p:blipFill>
+        <p:spPr>
+          <a:xfrm>
+            <a:off x="6470627" y="4132935"/>
+            <a:ext cx="5084943" cy="2367298"/>
+          </a:xfrm>
+        </p:spPr>
+      </p:pic>
+      <p:pic>
+        <p:nvPicPr>
+          <p:cNvPr id="7" name="Picture 6" descr="A screenshot of a social media post&#10;&#10;Description automatically generated">
+            <a:extLst>
+              <a:ext uri="{FF2B5EF4-FFF2-40B4-BE49-F238E27FC236}">
+                <a16:creationId xmlns:a16="http://schemas.microsoft.com/office/drawing/2014/main" id="{89A27AC0-15D2-458F-AB97-FA4F6222D393}"/>
+              </a:ext>
+            </a:extLst>
+          </p:cNvPr>
+          <p:cNvPicPr>
+            <a:picLocks noChangeAspect="1"/>
+          </p:cNvPicPr>
+          <p:nvPr/>
+        </p:nvPicPr>
+        <p:blipFill>
+          <a:blip r:embed="rId3">
+            <a:extLst>
+              <a:ext uri="{28A0092B-C50C-407E-A947-70E740481C1C}">
+                <a14:useLocalDpi xmlns:a14="http://schemas.microsoft.com/office/drawing/2010/main" val="0"/>
+              </a:ext>
+            </a:extLst>
+          </a:blip>
+          <a:stretch>
+            <a:fillRect/>
+          </a:stretch>
+        </p:blipFill>
+        <p:spPr>
+          <a:xfrm>
+            <a:off x="6018537" y="414373"/>
+            <a:ext cx="5989125" cy="3469429"/>
+          </a:xfrm>
+          <a:prstGeom prst="rect">
+            <a:avLst/>
+          </a:prstGeom>
+        </p:spPr>
+      </p:pic>
+      <p:pic>
+        <p:nvPicPr>
+          <p:cNvPr id="9" name="Picture 8" descr="A screenshot of a cell phone&#10;&#10;Description automatically generated">
+            <a:extLst>
+              <a:ext uri="{FF2B5EF4-FFF2-40B4-BE49-F238E27FC236}">
+                <a16:creationId xmlns:a16="http://schemas.microsoft.com/office/drawing/2014/main" id="{BE7BAC33-851C-4BDA-81BB-EA6754EFD3DD}"/>
+              </a:ext>
+            </a:extLst>
+          </p:cNvPr>
+          <p:cNvPicPr>
+            <a:picLocks noChangeAspect="1"/>
+          </p:cNvPicPr>
+          <p:nvPr/>
+        </p:nvPicPr>
+        <p:blipFill>
+          <a:blip r:embed="rId4">
+            <a:extLst>
+              <a:ext uri="{28A0092B-C50C-407E-A947-70E740481C1C}">
+                <a14:useLocalDpi xmlns:a14="http://schemas.microsoft.com/office/drawing/2010/main" val="0"/>
+              </a:ext>
+            </a:extLst>
+          </a:blip>
+          <a:stretch>
+            <a:fillRect/>
+          </a:stretch>
+        </p:blipFill>
+        <p:spPr>
+          <a:xfrm>
+            <a:off x="621218" y="4053841"/>
+            <a:ext cx="2244373" cy="2525486"/>
+          </a:xfrm>
+          <a:prstGeom prst="rect">
+            <a:avLst/>
+          </a:prstGeom>
+        </p:spPr>
+      </p:pic>
+    </p:spTree>
+    <p:extLst>
+      <p:ext uri="{BB962C8B-B14F-4D97-AF65-F5344CB8AC3E}">
+        <p14:creationId xmlns:p14="http://schemas.microsoft.com/office/powerpoint/2010/main" val="4039153521"/>
+      </p:ext>
+    </p:extLst>
+  </p:cSld>
+  <p:clrMapOvr>
+    <a:masterClrMapping/>
+  </p:clrMapOvr>
+</p:sld>
+</file>
+
+<file path=ppt/slides/slide5.xml><?xml version="1.0" encoding="utf-8"?>
+<p:sld xmlns:a="http://schemas.openxmlformats.org/drawingml/2006/main" xmlns:r="http://schemas.openxmlformats.org/officeDocument/2006/relationships" xmlns:p="http://schemas.openxmlformats.org/presentationml/2006/main">
+  <p:cSld>
     <p:bg>
       <p:bgPr>
         <a:solidFill>
@@ -8816,7 +9771,7 @@
 </p:sld>
 </file>
 
-<file path=ppt/slides/slide4.xml><?xml version="1.0" encoding="utf-8"?>
+<file path=ppt/slides/slide6.xml><?xml version="1.0" encoding="utf-8"?>
 <p:sld xmlns:a="http://schemas.openxmlformats.org/drawingml/2006/main" xmlns:r="http://schemas.openxmlformats.org/officeDocument/2006/relationships" xmlns:p="http://schemas.openxmlformats.org/presentationml/2006/main">
   <p:cSld>
     <p:bg>
@@ -9268,7 +10223,7 @@
 </p:sld>
 </file>
 
-<file path=ppt/slides/slide5.xml><?xml version="1.0" encoding="utf-8"?>
+<file path=ppt/slides/slide7.xml><?xml version="1.0" encoding="utf-8"?>
 <p:sld xmlns:a="http://schemas.openxmlformats.org/drawingml/2006/main" xmlns:r="http://schemas.openxmlformats.org/officeDocument/2006/relationships" xmlns:p="http://schemas.openxmlformats.org/presentationml/2006/main">
   <p:cSld>
     <p:bg>
@@ -9578,7 +10533,7 @@
 </p:sld>
 </file>
 
-<file path=ppt/slides/slide6.xml><?xml version="1.0" encoding="utf-8"?>
+<file path=ppt/slides/slide8.xml><?xml version="1.0" encoding="utf-8"?>
 <p:sld xmlns:a="http://schemas.openxmlformats.org/drawingml/2006/main" xmlns:r="http://schemas.openxmlformats.org/officeDocument/2006/relationships" xmlns:p="http://schemas.openxmlformats.org/presentationml/2006/main">
   <p:cSld>
     <p:bg>
@@ -9888,7 +10843,7 @@
 </p:sld>
 </file>
 
-<file path=ppt/slides/slide7.xml><?xml version="1.0" encoding="utf-8"?>
+<file path=ppt/slides/slide9.xml><?xml version="1.0" encoding="utf-8"?>
 <p:sld xmlns:a="http://schemas.openxmlformats.org/drawingml/2006/main" xmlns:r="http://schemas.openxmlformats.org/officeDocument/2006/relationships" xmlns:p="http://schemas.openxmlformats.org/presentationml/2006/main">
   <p:cSld>
     <p:bg>
@@ -10189,664 +11144,6 @@
     <p:extLst>
       <p:ext uri="{BB962C8B-B14F-4D97-AF65-F5344CB8AC3E}">
         <p14:creationId xmlns:p14="http://schemas.microsoft.com/office/powerpoint/2010/main" val="2730560187"/>
-      </p:ext>
-    </p:extLst>
-  </p:cSld>
-  <p:clrMapOvr>
-    <a:masterClrMapping/>
-  </p:clrMapOvr>
-</p:sld>
-</file>
-
-<file path=ppt/slides/slide8.xml><?xml version="1.0" encoding="utf-8"?>
-<p:sld xmlns:a="http://schemas.openxmlformats.org/drawingml/2006/main" xmlns:r="http://schemas.openxmlformats.org/officeDocument/2006/relationships" xmlns:p="http://schemas.openxmlformats.org/presentationml/2006/main">
-  <p:cSld>
-    <p:bg>
-      <p:bgPr>
-        <a:solidFill>
-          <a:schemeClr val="bg1"/>
-        </a:solidFill>
-        <a:effectLst/>
-      </p:bgPr>
-    </p:bg>
-    <p:spTree>
-      <p:nvGrpSpPr>
-        <p:cNvPr id="1" name=""/>
-        <p:cNvGrpSpPr/>
-        <p:nvPr/>
-      </p:nvGrpSpPr>
-      <p:grpSpPr>
-        <a:xfrm>
-          <a:off x="0" y="0"/>
-          <a:ext cx="0" cy="0"/>
-          <a:chOff x="0" y="0"/>
-          <a:chExt cx="0" cy="0"/>
-        </a:xfrm>
-      </p:grpSpPr>
-      <p:sp useBgFill="1">
-        <p:nvSpPr>
-          <p:cNvPr id="71" name="Rectangle 70">
-            <a:extLst>
-              <a:ext uri="{FF2B5EF4-FFF2-40B4-BE49-F238E27FC236}">
-                <a16:creationId xmlns:a16="http://schemas.microsoft.com/office/drawing/2014/main" id="{C1A1C5D3-C053-4EE9-BE1A-419B6E27CCAE}"/>
-              </a:ext>
-              <a:ext uri="{C183D7F6-B498-43B3-948B-1728B52AA6E4}">
-                <adec:decorative xmlns:adec="http://schemas.microsoft.com/office/drawing/2017/decorative" val="1"/>
-              </a:ext>
-            </a:extLst>
-          </p:cNvPr>
-          <p:cNvSpPr>
-            <a:spLocks noGrp="1" noRot="1" noChangeAspect="1" noMove="1" noResize="1" noEditPoints="1" noAdjustHandles="1" noChangeArrowheads="1" noChangeShapeType="1" noTextEdit="1"/>
-          </p:cNvSpPr>
-          <p:nvPr>
-            <p:extLst>
-              <p:ext uri="{386F3935-93C4-4BCD-93E2-E3B085C9AB24}">
-                <p16:designElem xmlns:p16="http://schemas.microsoft.com/office/powerpoint/2015/main" val="1"/>
-              </p:ext>
-            </p:extLst>
-          </p:nvPr>
-        </p:nvSpPr>
-        <p:spPr>
-          <a:xfrm>
-            <a:off x="0" y="0"/>
-            <a:ext cx="12192000" cy="6858000"/>
-          </a:xfrm>
-          <a:prstGeom prst="rect">
-            <a:avLst/>
-          </a:prstGeom>
-          <a:ln>
-            <a:noFill/>
-          </a:ln>
-        </p:spPr>
-        <p:style>
-          <a:lnRef idx="2">
-            <a:schemeClr val="accent1">
-              <a:shade val="50000"/>
-            </a:schemeClr>
-          </a:lnRef>
-          <a:fillRef idx="1">
-            <a:schemeClr val="accent1"/>
-          </a:fillRef>
-          <a:effectRef idx="0">
-            <a:schemeClr val="accent1"/>
-          </a:effectRef>
-          <a:fontRef idx="minor">
-            <a:schemeClr val="lt1"/>
-          </a:fontRef>
-        </p:style>
-        <p:txBody>
-          <a:bodyPr rtlCol="0" anchor="ctr"/>
-          <a:lstStyle/>
-          <a:p>
-            <a:pPr algn="ctr"/>
-            <a:endParaRPr lang="en-US" dirty="0"/>
-          </a:p>
-        </p:txBody>
-      </p:sp>
-      <p:sp useBgFill="1">
-        <p:nvSpPr>
-          <p:cNvPr id="73" name="Rectangle 72">
-            <a:extLst>
-              <a:ext uri="{FF2B5EF4-FFF2-40B4-BE49-F238E27FC236}">
-                <a16:creationId xmlns:a16="http://schemas.microsoft.com/office/drawing/2014/main" id="{A3473CF9-37EB-43E7-89EF-D2D1C53D1DAC}"/>
-              </a:ext>
-              <a:ext uri="{C183D7F6-B498-43B3-948B-1728B52AA6E4}">
-                <adec:decorative xmlns:adec="http://schemas.microsoft.com/office/drawing/2017/decorative" val="1"/>
-              </a:ext>
-            </a:extLst>
-          </p:cNvPr>
-          <p:cNvSpPr>
-            <a:spLocks noGrp="1" noRot="1" noChangeAspect="1" noMove="1" noResize="1" noEditPoints="1" noAdjustHandles="1" noChangeArrowheads="1" noChangeShapeType="1" noTextEdit="1"/>
-          </p:cNvSpPr>
-          <p:nvPr>
-            <p:extLst>
-              <p:ext uri="{386F3935-93C4-4BCD-93E2-E3B085C9AB24}">
-                <p16:designElem xmlns:p16="http://schemas.microsoft.com/office/powerpoint/2015/main" val="1"/>
-              </p:ext>
-            </p:extLst>
-          </p:nvPr>
-        </p:nvSpPr>
-        <p:spPr>
-          <a:xfrm>
-            <a:off x="1903615" y="221673"/>
-            <a:ext cx="8384770" cy="1332634"/>
-          </a:xfrm>
-          <a:prstGeom prst="rect">
-            <a:avLst/>
-          </a:prstGeom>
-          <a:ln w="12700">
-            <a:solidFill>
-              <a:srgbClr val="E1E1E1"/>
-            </a:solidFill>
-          </a:ln>
-          <a:effectLst>
-            <a:outerShdw blurRad="50800" dist="38100" dir="2700000" algn="tl" rotWithShape="0">
-              <a:schemeClr val="bg2">
-                <a:lumMod val="85000"/>
-                <a:alpha val="50000"/>
-              </a:schemeClr>
-            </a:outerShdw>
-          </a:effectLst>
-        </p:spPr>
-        <p:style>
-          <a:lnRef idx="2">
-            <a:schemeClr val="accent1">
-              <a:shade val="50000"/>
-            </a:schemeClr>
-          </a:lnRef>
-          <a:fillRef idx="1">
-            <a:schemeClr val="accent1"/>
-          </a:fillRef>
-          <a:effectRef idx="0">
-            <a:schemeClr val="accent1"/>
-          </a:effectRef>
-          <a:fontRef idx="minor">
-            <a:schemeClr val="lt1"/>
-          </a:fontRef>
-        </p:style>
-        <p:txBody>
-          <a:bodyPr rtlCol="0" anchor="ctr"/>
-          <a:lstStyle/>
-          <a:p>
-            <a:pPr marL="0" marR="0" lvl="0" indent="0" algn="ctr" defTabSz="914400" rtl="0" eaLnBrk="1" fontAlgn="auto" latinLnBrk="0" hangingPunct="1">
-              <a:lnSpc>
-                <a:spcPct val="100000"/>
-              </a:lnSpc>
-              <a:spcBef>
-                <a:spcPts val="0"/>
-              </a:spcBef>
-              <a:spcAft>
-                <a:spcPts val="0"/>
-              </a:spcAft>
-              <a:buClrTx/>
-              <a:buSzTx/>
-              <a:buFontTx/>
-              <a:buNone/>
-              <a:tabLst/>
-              <a:defRPr/>
-            </a:pPr>
-            <a:endParaRPr kumimoji="0" lang="en-US" sz="1800" b="0" i="0" u="none" strike="noStrike" kern="1200" cap="none" spc="0" normalizeH="0" baseline="0" noProof="0" dirty="0">
-              <a:ln>
-                <a:noFill/>
-              </a:ln>
-              <a:solidFill>
-                <a:prstClr val="white"/>
-              </a:solidFill>
-              <a:effectLst/>
-              <a:uLnTx/>
-              <a:uFillTx/>
-              <a:latin typeface="Calibri" panose="020F0502020204030204"/>
-              <a:ea typeface="+mn-ea"/>
-              <a:cs typeface="+mn-cs"/>
-            </a:endParaRPr>
-          </a:p>
-        </p:txBody>
-      </p:sp>
-      <p:sp>
-        <p:nvSpPr>
-          <p:cNvPr id="2" name="Title 1">
-            <a:extLst>
-              <a:ext uri="{FF2B5EF4-FFF2-40B4-BE49-F238E27FC236}">
-                <a16:creationId xmlns:a16="http://schemas.microsoft.com/office/drawing/2014/main" id="{0FDE5079-B185-4DE0-AF2C-AE4B7709FBC3}"/>
-              </a:ext>
-            </a:extLst>
-          </p:cNvPr>
-          <p:cNvSpPr>
-            <a:spLocks noGrp="1"/>
-          </p:cNvSpPr>
-          <p:nvPr>
-            <p:ph type="title"/>
-          </p:nvPr>
-        </p:nvSpPr>
-        <p:spPr>
-          <a:xfrm>
-            <a:off x="2103121" y="310343"/>
-            <a:ext cx="7985759" cy="868823"/>
-          </a:xfrm>
-        </p:spPr>
-        <p:txBody>
-          <a:bodyPr vert="horz" lIns="91440" tIns="45720" rIns="91440" bIns="45720" rtlCol="0" anchor="ctr">
-            <a:normAutofit/>
-          </a:bodyPr>
-          <a:lstStyle/>
-          <a:p>
-            <a:pPr algn="ctr"/>
-            <a:r>
-              <a:rPr lang="en-US" sz="4000" dirty="0"/>
-              <a:t>AWS </a:t>
-            </a:r>
-            <a:r>
-              <a:rPr lang="en-US" sz="4000" dirty="0" err="1"/>
-              <a:t>CodeBuild</a:t>
-            </a:r>
-            <a:endParaRPr lang="en-US" sz="4000" kern="1200" dirty="0">
-              <a:solidFill>
-                <a:schemeClr val="tx1"/>
-              </a:solidFill>
-              <a:latin typeface="+mj-lt"/>
-              <a:ea typeface="+mj-ea"/>
-              <a:cs typeface="+mj-cs"/>
-            </a:endParaRPr>
-          </a:p>
-        </p:txBody>
-      </p:sp>
-      <p:sp>
-        <p:nvSpPr>
-          <p:cNvPr id="75" name="Rectangle: Rounded Corners 74">
-            <a:extLst>
-              <a:ext uri="{FF2B5EF4-FFF2-40B4-BE49-F238E27FC236}">
-                <a16:creationId xmlns:a16="http://schemas.microsoft.com/office/drawing/2014/main" id="{586B4EF9-43BA-4655-A6FF-1D8E21574C95}"/>
-              </a:ext>
-              <a:ext uri="{C183D7F6-B498-43B3-948B-1728B52AA6E4}">
-                <adec:decorative xmlns:adec="http://schemas.microsoft.com/office/drawing/2017/decorative" val="1"/>
-              </a:ext>
-            </a:extLst>
-          </p:cNvPr>
-          <p:cNvSpPr>
-            <a:spLocks noGrp="1" noRot="1" noChangeAspect="1" noMove="1" noResize="1" noEditPoints="1" noAdjustHandles="1" noChangeArrowheads="1" noChangeShapeType="1" noTextEdit="1"/>
-          </p:cNvSpPr>
-          <p:nvPr>
-            <p:extLst>
-              <p:ext uri="{386F3935-93C4-4BCD-93E2-E3B085C9AB24}">
-                <p16:designElem xmlns:p16="http://schemas.microsoft.com/office/powerpoint/2015/main" val="1"/>
-              </p:ext>
-            </p:extLst>
-          </p:nvPr>
-        </p:nvSpPr>
-        <p:spPr>
-          <a:xfrm>
-            <a:off x="2483110" y="1211407"/>
-            <a:ext cx="7225780" cy="685800"/>
-          </a:xfrm>
-          <a:prstGeom prst="roundRect">
-            <a:avLst>
-              <a:gd name="adj" fmla="val 0"/>
-            </a:avLst>
-          </a:prstGeom>
-          <a:solidFill>
-            <a:schemeClr val="accent2"/>
-          </a:solidFill>
-          <a:ln>
-            <a:noFill/>
-          </a:ln>
-        </p:spPr>
-        <p:style>
-          <a:lnRef idx="2">
-            <a:schemeClr val="accent1">
-              <a:shade val="50000"/>
-            </a:schemeClr>
-          </a:lnRef>
-          <a:fillRef idx="1">
-            <a:schemeClr val="accent1"/>
-          </a:fillRef>
-          <a:effectRef idx="0">
-            <a:schemeClr val="accent1"/>
-          </a:effectRef>
-          <a:fontRef idx="minor">
-            <a:schemeClr val="lt1"/>
-          </a:fontRef>
-        </p:style>
-        <p:txBody>
-          <a:bodyPr rtlCol="0" anchor="ctr"/>
-          <a:lstStyle/>
-          <a:p>
-            <a:pPr algn="ctr"/>
-            <a:endParaRPr lang="en-US" dirty="0">
-              <a:solidFill>
-                <a:prstClr val="white"/>
-              </a:solidFill>
-              <a:latin typeface="Calibri" panose="020F0502020204030204"/>
-            </a:endParaRPr>
-          </a:p>
-        </p:txBody>
-      </p:sp>
-      <p:sp>
-        <p:nvSpPr>
-          <p:cNvPr id="3" name="TextBox 2">
-            <a:extLst>
-              <a:ext uri="{FF2B5EF4-FFF2-40B4-BE49-F238E27FC236}">
-                <a16:creationId xmlns:a16="http://schemas.microsoft.com/office/drawing/2014/main" id="{3DA47A83-3C4B-4A44-A497-1DB8B4E3B592}"/>
-              </a:ext>
-            </a:extLst>
-          </p:cNvPr>
-          <p:cNvSpPr txBox="1"/>
-          <p:nvPr/>
-        </p:nvSpPr>
-        <p:spPr>
-          <a:xfrm>
-            <a:off x="1090670" y="2375471"/>
-            <a:ext cx="10113484" cy="4204356"/>
-          </a:xfrm>
-          <a:prstGeom prst="rect">
-            <a:avLst/>
-          </a:prstGeom>
-          <a:noFill/>
-        </p:spPr>
-        <p:txBody>
-          <a:bodyPr wrap="square" rtlCol="0">
-            <a:spAutoFit/>
-          </a:bodyPr>
-          <a:lstStyle/>
-          <a:p>
-            <a:pPr marL="285750" indent="-285750">
-              <a:lnSpc>
-                <a:spcPct val="150000"/>
-              </a:lnSpc>
-              <a:buFont typeface="Arial" panose="020B0604020202020204" pitchFamily="34" charset="0"/>
-              <a:buChar char="•"/>
-            </a:pPr>
-            <a:r>
-              <a:rPr lang="en-US" dirty="0"/>
-              <a:t>Build service, which compiles source code, runs tests, and produces artifacts</a:t>
-            </a:r>
-          </a:p>
-          <a:p>
-            <a:pPr marL="285750" indent="-285750">
-              <a:lnSpc>
-                <a:spcPct val="150000"/>
-              </a:lnSpc>
-              <a:buFont typeface="Arial" panose="020B0604020202020204" pitchFamily="34" charset="0"/>
-              <a:buChar char="•"/>
-            </a:pPr>
-            <a:r>
-              <a:rPr lang="en-US" dirty="0"/>
-              <a:t>Pulls source code from </a:t>
-            </a:r>
-            <a:r>
-              <a:rPr lang="en-US" dirty="0" err="1"/>
-              <a:t>CodeCommit</a:t>
-            </a:r>
-            <a:r>
-              <a:rPr lang="en-US" dirty="0"/>
-              <a:t>, Amazon S3, GitHub, or Bitbucket</a:t>
-            </a:r>
-          </a:p>
-          <a:p>
-            <a:pPr marL="285750" indent="-285750">
-              <a:lnSpc>
-                <a:spcPct val="150000"/>
-              </a:lnSpc>
-              <a:buFont typeface="Arial" panose="020B0604020202020204" pitchFamily="34" charset="0"/>
-              <a:buChar char="•"/>
-            </a:pPr>
-            <a:r>
-              <a:rPr lang="en-US" dirty="0"/>
-              <a:t>Supports popular programming languages and build tools, and can be customized</a:t>
-            </a:r>
-          </a:p>
-          <a:p>
-            <a:pPr marL="285750" indent="-285750">
-              <a:lnSpc>
-                <a:spcPct val="150000"/>
-              </a:lnSpc>
-              <a:buFont typeface="Arial" panose="020B0604020202020204" pitchFamily="34" charset="0"/>
-              <a:buChar char="•"/>
-            </a:pPr>
-            <a:r>
-              <a:rPr lang="en-US" dirty="0"/>
-              <a:t>Run via AWS </a:t>
-            </a:r>
-            <a:r>
-              <a:rPr lang="en-US" dirty="0" err="1"/>
-              <a:t>CodeBuild</a:t>
-            </a:r>
-            <a:r>
-              <a:rPr lang="en-US" dirty="0"/>
-              <a:t> console, AWS CLI, AWS SDKs, or AWS </a:t>
-            </a:r>
-            <a:r>
-              <a:rPr lang="en-US" dirty="0" err="1"/>
-              <a:t>CodePipeline</a:t>
-            </a:r>
-            <a:endParaRPr lang="en-US" dirty="0"/>
-          </a:p>
-          <a:p>
-            <a:pPr marL="285750" indent="-285750">
-              <a:lnSpc>
-                <a:spcPct val="150000"/>
-              </a:lnSpc>
-              <a:buFont typeface="Arial" panose="020B0604020202020204" pitchFamily="34" charset="0"/>
-              <a:buChar char="•"/>
-            </a:pPr>
-            <a:r>
-              <a:rPr lang="en-US" dirty="0"/>
-              <a:t>Ability to view the overall status of the build, build phase details, and build logs</a:t>
-            </a:r>
-          </a:p>
-          <a:p>
-            <a:pPr marL="285750" indent="-285750">
-              <a:lnSpc>
-                <a:spcPct val="150000"/>
-              </a:lnSpc>
-              <a:buFont typeface="Arial" panose="020B0604020202020204" pitchFamily="34" charset="0"/>
-              <a:buChar char="•"/>
-            </a:pPr>
-            <a:r>
-              <a:rPr lang="en-US" dirty="0"/>
-              <a:t>Build specifications are written using a specific </a:t>
-            </a:r>
-            <a:r>
-              <a:rPr lang="en-US" dirty="0">
-                <a:hlinkClick r:id="rId3"/>
-              </a:rPr>
-              <a:t>syntax</a:t>
-            </a:r>
-            <a:r>
-              <a:rPr lang="en-US" dirty="0"/>
-              <a:t>, in a </a:t>
-            </a:r>
-            <a:r>
-              <a:rPr lang="en-US" dirty="0" err="1"/>
-              <a:t>yaml</a:t>
-            </a:r>
-            <a:r>
-              <a:rPr lang="en-US" dirty="0"/>
-              <a:t> format</a:t>
-            </a:r>
-          </a:p>
-          <a:p>
-            <a:pPr marL="285750" indent="-285750">
-              <a:lnSpc>
-                <a:spcPct val="150000"/>
-              </a:lnSpc>
-              <a:buFont typeface="Arial" panose="020B0604020202020204" pitchFamily="34" charset="0"/>
-              <a:buChar char="•"/>
-            </a:pPr>
-            <a:r>
-              <a:rPr lang="en-US" dirty="0">
-                <a:hlinkClick r:id="rId4"/>
-              </a:rPr>
-              <a:t>Pricing</a:t>
-            </a:r>
-            <a:r>
-              <a:rPr lang="en-US" dirty="0"/>
-              <a:t> is based on the number of build minutes, and there is a free tier option</a:t>
-            </a:r>
-          </a:p>
-          <a:p>
-            <a:pPr marL="285750" indent="-285750">
-              <a:lnSpc>
-                <a:spcPct val="150000"/>
-              </a:lnSpc>
-              <a:buFont typeface="Arial" panose="020B0604020202020204" pitchFamily="34" charset="0"/>
-              <a:buChar char="•"/>
-            </a:pPr>
-            <a:r>
-              <a:rPr lang="en-US" dirty="0"/>
-              <a:t>Team decided to use AWS </a:t>
-            </a:r>
-            <a:r>
-              <a:rPr lang="en-US" dirty="0" err="1"/>
-              <a:t>CodeBuild</a:t>
-            </a:r>
-            <a:r>
-              <a:rPr lang="en-US" dirty="0"/>
-              <a:t> because of the easy integration with AWS </a:t>
-            </a:r>
-            <a:r>
-              <a:rPr lang="en-US" dirty="0" err="1"/>
-              <a:t>CodePipeline</a:t>
-            </a:r>
-            <a:endParaRPr lang="en-US" dirty="0"/>
-          </a:p>
-          <a:p>
-            <a:pPr marL="285750" indent="-285750">
-              <a:lnSpc>
-                <a:spcPct val="150000"/>
-              </a:lnSpc>
-              <a:buFont typeface="Arial" panose="020B0604020202020204" pitchFamily="34" charset="0"/>
-              <a:buChar char="•"/>
-            </a:pPr>
-            <a:endParaRPr lang="en-US" dirty="0"/>
-          </a:p>
-          <a:p>
-            <a:pPr lvl="1">
-              <a:lnSpc>
-                <a:spcPct val="150000"/>
-              </a:lnSpc>
-            </a:pPr>
-            <a:r>
-              <a:rPr lang="en-US" dirty="0"/>
-              <a:t>(Source:  </a:t>
-            </a:r>
-            <a:r>
-              <a:rPr lang="fr-FR" dirty="0">
-                <a:hlinkClick r:id="rId5"/>
-              </a:rPr>
-              <a:t>https://docs.aws.amazon.com/codebuild/latest/userguide/welcome.html</a:t>
-            </a:r>
-            <a:r>
-              <a:rPr lang="fr-FR" dirty="0"/>
-              <a:t>)</a:t>
-            </a:r>
-            <a:endParaRPr lang="en-US" dirty="0"/>
-          </a:p>
-        </p:txBody>
-      </p:sp>
-    </p:spTree>
-    <p:extLst>
-      <p:ext uri="{BB962C8B-B14F-4D97-AF65-F5344CB8AC3E}">
-        <p14:creationId xmlns:p14="http://schemas.microsoft.com/office/powerpoint/2010/main" val="512997375"/>
-      </p:ext>
-    </p:extLst>
-  </p:cSld>
-  <p:clrMapOvr>
-    <a:masterClrMapping/>
-  </p:clrMapOvr>
-</p:sld>
-</file>
-
-<file path=ppt/slides/slide9.xml><?xml version="1.0" encoding="utf-8"?>
-<p:sld xmlns:a="http://schemas.openxmlformats.org/drawingml/2006/main" xmlns:r="http://schemas.openxmlformats.org/officeDocument/2006/relationships" xmlns:p="http://schemas.openxmlformats.org/presentationml/2006/main">
-  <p:cSld>
-    <p:spTree>
-      <p:nvGrpSpPr>
-        <p:cNvPr id="1" name=""/>
-        <p:cNvGrpSpPr/>
-        <p:nvPr/>
-      </p:nvGrpSpPr>
-      <p:grpSpPr>
-        <a:xfrm>
-          <a:off x="0" y="0"/>
-          <a:ext cx="0" cy="0"/>
-          <a:chOff x="0" y="0"/>
-          <a:chExt cx="0" cy="0"/>
-        </a:xfrm>
-      </p:grpSpPr>
-      <p:pic>
-        <p:nvPicPr>
-          <p:cNvPr id="4" name="Picture 3">
-            <a:extLst>
-              <a:ext uri="{FF2B5EF4-FFF2-40B4-BE49-F238E27FC236}">
-                <a16:creationId xmlns:a16="http://schemas.microsoft.com/office/drawing/2014/main" id="{05D957DA-20B5-425F-8107-70B33683D008}"/>
-              </a:ext>
-            </a:extLst>
-          </p:cNvPr>
-          <p:cNvPicPr>
-            <a:picLocks noChangeAspect="1"/>
-          </p:cNvPicPr>
-          <p:nvPr/>
-        </p:nvPicPr>
-        <p:blipFill>
-          <a:blip r:embed="rId2"/>
-          <a:stretch>
-            <a:fillRect/>
-          </a:stretch>
-        </p:blipFill>
-        <p:spPr>
-          <a:xfrm>
-            <a:off x="5549735" y="283944"/>
-            <a:ext cx="4381005" cy="3052506"/>
-          </a:xfrm>
-          <a:prstGeom prst="rect">
-            <a:avLst/>
-          </a:prstGeom>
-        </p:spPr>
-      </p:pic>
-      <p:pic>
-        <p:nvPicPr>
-          <p:cNvPr id="5" name="Picture 4">
-            <a:extLst>
-              <a:ext uri="{FF2B5EF4-FFF2-40B4-BE49-F238E27FC236}">
-                <a16:creationId xmlns:a16="http://schemas.microsoft.com/office/drawing/2014/main" id="{C163E8EA-8E86-4750-AAD1-89302E978901}"/>
-              </a:ext>
-            </a:extLst>
-          </p:cNvPr>
-          <p:cNvPicPr>
-            <a:picLocks noChangeAspect="1"/>
-          </p:cNvPicPr>
-          <p:nvPr/>
-        </p:nvPicPr>
-        <p:blipFill>
-          <a:blip r:embed="rId3"/>
-          <a:stretch>
-            <a:fillRect/>
-          </a:stretch>
-        </p:blipFill>
-        <p:spPr>
-          <a:xfrm>
-            <a:off x="2388919" y="3521551"/>
-            <a:ext cx="6915398" cy="2949481"/>
-          </a:xfrm>
-          <a:prstGeom prst="rect">
-            <a:avLst/>
-          </a:prstGeom>
-        </p:spPr>
-      </p:pic>
-      <p:pic>
-        <p:nvPicPr>
-          <p:cNvPr id="6" name="Picture 5">
-            <a:extLst>
-              <a:ext uri="{FF2B5EF4-FFF2-40B4-BE49-F238E27FC236}">
-                <a16:creationId xmlns:a16="http://schemas.microsoft.com/office/drawing/2014/main" id="{D7540EB3-365D-4B5D-AB41-6C01469E3CB0}"/>
-              </a:ext>
-            </a:extLst>
-          </p:cNvPr>
-          <p:cNvPicPr>
-            <a:picLocks noChangeAspect="1"/>
-          </p:cNvPicPr>
-          <p:nvPr/>
-        </p:nvPicPr>
-        <p:blipFill>
-          <a:blip r:embed="rId4"/>
-          <a:stretch>
-            <a:fillRect/>
-          </a:stretch>
-        </p:blipFill>
-        <p:spPr>
-          <a:xfrm>
-            <a:off x="2025654" y="1042988"/>
-            <a:ext cx="2819400" cy="1590675"/>
-          </a:xfrm>
-          <a:prstGeom prst="rect">
-            <a:avLst/>
-          </a:prstGeom>
-        </p:spPr>
-      </p:pic>
-    </p:spTree>
-    <p:extLst>
-      <p:ext uri="{BB962C8B-B14F-4D97-AF65-F5344CB8AC3E}">
-        <p14:creationId xmlns:p14="http://schemas.microsoft.com/office/powerpoint/2010/main" val="519025307"/>
       </p:ext>
     </p:extLst>
   </p:cSld>
@@ -11742,6 +12039,15 @@
 </file>
 
 <file path=customXml/item1.xml><?xml version="1.0" encoding="utf-8"?>
+<?mso-contentType ?>
+<FormTemplates xmlns="http://schemas.microsoft.com/sharepoint/v3/contenttype/forms">
+  <Display>DocumentLibraryForm</Display>
+  <Edit>DocumentLibraryForm</Edit>
+  <New>DocumentLibraryForm</New>
+</FormTemplates>
+</file>
+
+<file path=customXml/item2.xml><?xml version="1.0" encoding="utf-8"?>
 <ct:contentTypeSchema xmlns:ct="http://schemas.microsoft.com/office/2006/metadata/contentType" xmlns:ma="http://schemas.microsoft.com/office/2006/metadata/properties/metaAttributes" ct:_="" ma:_="" ma:contentTypeName="Document" ma:contentTypeID="0x01010079F111ED35F8CC479449609E8A0923A6" ma:contentTypeVersion="11" ma:contentTypeDescription="Create a new document." ma:contentTypeScope="" ma:versionID="96291512c1ee715ab617f4c07df79fc1">
   <xsd:schema xmlns:xsd="http://www.w3.org/2001/XMLSchema" xmlns:xs="http://www.w3.org/2001/XMLSchema" xmlns:p="http://schemas.microsoft.com/office/2006/metadata/properties" xmlns:ns2="71af3243-3dd4-4a8d-8c0d-dd76da1f02a5" xmlns:ns3="16c05727-aa75-4e4a-9b5f-8a80a1165891" targetNamespace="http://schemas.microsoft.com/office/2006/metadata/properties" ma:root="true" ma:fieldsID="8256c27c40ca5c40ce1cf6c44f0205df" ns2:_="" ns3:_="">
     <xsd:import namespace="71af3243-3dd4-4a8d-8c0d-dd76da1f02a5"/>
@@ -11952,15 +12258,6 @@
 </ct:contentTypeSchema>
 </file>
 
-<file path=customXml/item2.xml><?xml version="1.0" encoding="utf-8"?>
-<?mso-contentType ?>
-<FormTemplates xmlns="http://schemas.microsoft.com/sharepoint/v3/contenttype/forms">
-  <Display>DocumentLibraryForm</Display>
-  <Edit>DocumentLibraryForm</Edit>
-  <New>DocumentLibraryForm</New>
-</FormTemplates>
-</file>
-
 <file path=customXml/item3.xml><?xml version="1.0" encoding="utf-8"?>
 <p:properties xmlns:p="http://schemas.microsoft.com/office/2006/metadata/properties" xmlns:xsi="http://www.w3.org/2001/XMLSchema-instance" xmlns:pc="http://schemas.microsoft.com/office/infopath/2007/PartnerControls">
   <documentManagement>
@@ -11970,6 +12267,14 @@
 </file>
 
 <file path=customXml/itemProps1.xml><?xml version="1.0" encoding="utf-8"?>
+<ds:datastoreItem xmlns:ds="http://schemas.openxmlformats.org/officeDocument/2006/customXml" ds:itemID="{5CA875DA-F9FD-4F83-A049-3B1027B542DE}">
+  <ds:schemaRefs>
+    <ds:schemaRef ds:uri="http://schemas.microsoft.com/sharepoint/v3/contenttype/forms"/>
+  </ds:schemaRefs>
+</ds:datastoreItem>
+</file>
+
+<file path=customXml/itemProps2.xml><?xml version="1.0" encoding="utf-8"?>
 <ds:datastoreItem xmlns:ds="http://schemas.openxmlformats.org/officeDocument/2006/customXml" ds:itemID="{B2AB02E3-5ADF-4BF0-9C1B-35CDF3FE95B0}">
   <ds:schemaRefs>
     <ds:schemaRef ds:uri="http://schemas.microsoft.com/office/2006/metadata/contentType"/>
@@ -11984,14 +12289,6 @@
     <ds:schemaRef ds:uri="http://purl.org/dc/elements/1.1/"/>
     <ds:schemaRef ds:uri="http://purl.org/dc/terms/"/>
     <ds:schemaRef ds:uri="http://schemas.microsoft.com/internal/obd"/>
-  </ds:schemaRefs>
-</ds:datastoreItem>
-</file>
-
-<file path=customXml/itemProps2.xml><?xml version="1.0" encoding="utf-8"?>
-<ds:datastoreItem xmlns:ds="http://schemas.openxmlformats.org/officeDocument/2006/customXml" ds:itemID="{5CA875DA-F9FD-4F83-A049-3B1027B542DE}">
-  <ds:schemaRefs>
-    <ds:schemaRef ds:uri="http://schemas.microsoft.com/sharepoint/v3/contenttype/forms"/>
   </ds:schemaRefs>
 </ds:datastoreItem>
 </file>

--- a/documentation/Demonstrations/Connacht_University_TeamDC.pptx
+++ b/documentation/Demonstrations/Connacht_University_TeamDC.pptx
@@ -5,25 +5,29 @@
     <p:sldMasterId id="2147483648" r:id="rId4"/>
   </p:sldMasterIdLst>
   <p:notesMasterIdLst>
-    <p:notesMasterId r:id="rId18"/>
+    <p:notesMasterId r:id="rId22"/>
   </p:notesMasterIdLst>
   <p:handoutMasterIdLst>
-    <p:handoutMasterId r:id="rId19"/>
+    <p:handoutMasterId r:id="rId23"/>
   </p:handoutMasterIdLst>
   <p:sldIdLst>
     <p:sldId id="256" r:id="rId5"/>
     <p:sldId id="266" r:id="rId6"/>
-    <p:sldId id="278" r:id="rId7"/>
-    <p:sldId id="277" r:id="rId8"/>
-    <p:sldId id="270" r:id="rId9"/>
-    <p:sldId id="267" r:id="rId10"/>
-    <p:sldId id="271" r:id="rId11"/>
-    <p:sldId id="272" r:id="rId12"/>
-    <p:sldId id="273" r:id="rId13"/>
-    <p:sldId id="274" r:id="rId14"/>
-    <p:sldId id="276" r:id="rId15"/>
-    <p:sldId id="275" r:id="rId16"/>
-    <p:sldId id="264" r:id="rId17"/>
+    <p:sldId id="270" r:id="rId7"/>
+    <p:sldId id="267" r:id="rId8"/>
+    <p:sldId id="271" r:id="rId9"/>
+    <p:sldId id="277" r:id="rId10"/>
+    <p:sldId id="282" r:id="rId11"/>
+    <p:sldId id="278" r:id="rId12"/>
+    <p:sldId id="279" r:id="rId13"/>
+    <p:sldId id="273" r:id="rId14"/>
+    <p:sldId id="272" r:id="rId15"/>
+    <p:sldId id="274" r:id="rId16"/>
+    <p:sldId id="276" r:id="rId17"/>
+    <p:sldId id="275" r:id="rId18"/>
+    <p:sldId id="280" r:id="rId19"/>
+    <p:sldId id="281" r:id="rId20"/>
+    <p:sldId id="264" r:id="rId21"/>
   </p:sldIdLst>
   <p:sldSz cx="12192000" cy="6858000"/>
   <p:notesSz cx="6858000" cy="9144000"/>
@@ -826,6 +830,1455 @@
 </p:notes>
 </file>
 
+<file path=ppt/notesSlides/notesSlide10.xml><?xml version="1.0" encoding="utf-8"?>
+<p:notes xmlns:a="http://schemas.openxmlformats.org/drawingml/2006/main" xmlns:r="http://schemas.openxmlformats.org/officeDocument/2006/relationships" xmlns:p="http://schemas.openxmlformats.org/presentationml/2006/main">
+  <p:cSld>
+    <p:spTree>
+      <p:nvGrpSpPr>
+        <p:cNvPr id="1" name=""/>
+        <p:cNvGrpSpPr/>
+        <p:nvPr/>
+      </p:nvGrpSpPr>
+      <p:grpSpPr>
+        <a:xfrm>
+          <a:off x="0" y="0"/>
+          <a:ext cx="0" cy="0"/>
+          <a:chOff x="0" y="0"/>
+          <a:chExt cx="0" cy="0"/>
+        </a:xfrm>
+      </p:grpSpPr>
+      <p:sp>
+        <p:nvSpPr>
+          <p:cNvPr id="2" name="Slide Image Placeholder 1"/>
+          <p:cNvSpPr>
+            <a:spLocks noGrp="1" noRot="1" noChangeAspect="1"/>
+          </p:cNvSpPr>
+          <p:nvPr>
+            <p:ph type="sldImg"/>
+          </p:nvPr>
+        </p:nvSpPr>
+        <p:spPr/>
+      </p:sp>
+      <p:sp>
+        <p:nvSpPr>
+          <p:cNvPr id="3" name="Notes Placeholder 2"/>
+          <p:cNvSpPr>
+            <a:spLocks noGrp="1"/>
+          </p:cNvSpPr>
+          <p:nvPr>
+            <p:ph type="body" idx="1"/>
+          </p:nvPr>
+        </p:nvSpPr>
+        <p:spPr/>
+        <p:txBody>
+          <a:bodyPr/>
+          <a:lstStyle/>
+          <a:p>
+            <a:r>
+              <a:rPr lang="en-US" i="0" dirty="0">
+                <a:latin typeface="Segoe UI" panose="020B0502040204020203" pitchFamily="34" charset="0"/>
+                <a:cs typeface="Segoe UI" panose="020B0502040204020203" pitchFamily="34" charset="0"/>
+              </a:rPr>
+              <a:t>Once you find your sources, you will want to evaluate your sources using the following questions: </a:t>
+            </a:r>
+          </a:p>
+          <a:p>
+            <a:endParaRPr lang="en-US" i="0" dirty="0">
+              <a:latin typeface="Segoe UI" panose="020B0502040204020203" pitchFamily="34" charset="0"/>
+              <a:cs typeface="Segoe UI" panose="020B0502040204020203" pitchFamily="34" charset="0"/>
+            </a:endParaRPr>
+          </a:p>
+          <a:p>
+            <a:r>
+              <a:rPr lang="en-US" b="1" i="0" dirty="0">
+                <a:latin typeface="Segoe UI" panose="020B0502040204020203" pitchFamily="34" charset="0"/>
+                <a:cs typeface="Segoe UI" panose="020B0502040204020203" pitchFamily="34" charset="0"/>
+              </a:rPr>
+              <a:t>Author: </a:t>
+            </a:r>
+          </a:p>
+          <a:p>
+            <a:pPr marL="171450" indent="-171450">
+              <a:buFont typeface="Arial" panose="020B0604020202020204" pitchFamily="34" charset="0"/>
+              <a:buChar char="•"/>
+            </a:pPr>
+            <a:r>
+              <a:rPr lang="en-US" i="0" dirty="0">
+                <a:latin typeface="Segoe UI" panose="020B0502040204020203" pitchFamily="34" charset="0"/>
+                <a:cs typeface="Segoe UI" panose="020B0502040204020203" pitchFamily="34" charset="0"/>
+              </a:rPr>
+              <a:t>Who is the author?</a:t>
+            </a:r>
+          </a:p>
+          <a:p>
+            <a:pPr marL="171450" indent="-171450">
+              <a:buFont typeface="Arial" panose="020B0604020202020204" pitchFamily="34" charset="0"/>
+              <a:buChar char="•"/>
+            </a:pPr>
+            <a:r>
+              <a:rPr lang="en-US" i="0" dirty="0">
+                <a:latin typeface="Segoe UI" panose="020B0502040204020203" pitchFamily="34" charset="0"/>
+                <a:cs typeface="Segoe UI" panose="020B0502040204020203" pitchFamily="34" charset="0"/>
+              </a:rPr>
+              <a:t>Why should I believe what he or she has to say on the topic?</a:t>
+            </a:r>
+          </a:p>
+          <a:p>
+            <a:pPr marL="171450" indent="-171450">
+              <a:buFont typeface="Arial" panose="020B0604020202020204" pitchFamily="34" charset="0"/>
+              <a:buChar char="•"/>
+            </a:pPr>
+            <a:r>
+              <a:rPr lang="en-US" i="0" dirty="0">
+                <a:latin typeface="Segoe UI" panose="020B0502040204020203" pitchFamily="34" charset="0"/>
+                <a:cs typeface="Segoe UI" panose="020B0502040204020203" pitchFamily="34" charset="0"/>
+              </a:rPr>
+              <a:t>Is the author seen as an expert on the topic? How do you know?</a:t>
+            </a:r>
+          </a:p>
+          <a:p>
+            <a:pPr marL="171450" indent="-171450">
+              <a:buFont typeface="Arial" panose="020B0604020202020204" pitchFamily="34" charset="0"/>
+              <a:buChar char="•"/>
+            </a:pPr>
+            <a:endParaRPr lang="en-US" i="0" dirty="0">
+              <a:latin typeface="Segoe UI" panose="020B0502040204020203" pitchFamily="34" charset="0"/>
+              <a:cs typeface="Segoe UI" panose="020B0502040204020203" pitchFamily="34" charset="0"/>
+            </a:endParaRPr>
+          </a:p>
+          <a:p>
+            <a:pPr marL="0" indent="0">
+              <a:buFont typeface="Arial" panose="020B0604020202020204" pitchFamily="34" charset="0"/>
+              <a:buNone/>
+            </a:pPr>
+            <a:r>
+              <a:rPr lang="en-US" b="1" i="0" dirty="0">
+                <a:latin typeface="Segoe UI" panose="020B0502040204020203" pitchFamily="34" charset="0"/>
+                <a:cs typeface="Segoe UI" panose="020B0502040204020203" pitchFamily="34" charset="0"/>
+              </a:rPr>
+              <a:t>Current: </a:t>
+            </a:r>
+          </a:p>
+          <a:p>
+            <a:pPr marL="171450" indent="-171450">
+              <a:buFont typeface="Arial" panose="020B0604020202020204" pitchFamily="34" charset="0"/>
+              <a:buChar char="•"/>
+            </a:pPr>
+            <a:r>
+              <a:rPr lang="en-US" i="0" dirty="0">
+                <a:latin typeface="Segoe UI" panose="020B0502040204020203" pitchFamily="34" charset="0"/>
+                <a:cs typeface="Segoe UI" panose="020B0502040204020203" pitchFamily="34" charset="0"/>
+              </a:rPr>
+              <a:t>How current is the information in the source?</a:t>
+            </a:r>
+          </a:p>
+          <a:p>
+            <a:pPr marL="171450" indent="-171450">
+              <a:buFont typeface="Arial" panose="020B0604020202020204" pitchFamily="34" charset="0"/>
+              <a:buChar char="•"/>
+            </a:pPr>
+            <a:r>
+              <a:rPr lang="en-US" i="0" dirty="0">
+                <a:latin typeface="Segoe UI" panose="020B0502040204020203" pitchFamily="34" charset="0"/>
+                <a:cs typeface="Segoe UI" panose="020B0502040204020203" pitchFamily="34" charset="0"/>
+              </a:rPr>
+              <a:t>When was the source published?</a:t>
+            </a:r>
+          </a:p>
+          <a:p>
+            <a:pPr marL="171450" indent="-171450">
+              <a:buFont typeface="Arial" panose="020B0604020202020204" pitchFamily="34" charset="0"/>
+              <a:buChar char="•"/>
+            </a:pPr>
+            <a:r>
+              <a:rPr lang="en-US" i="0" dirty="0">
+                <a:latin typeface="Segoe UI" panose="020B0502040204020203" pitchFamily="34" charset="0"/>
+                <a:cs typeface="Segoe UI" panose="020B0502040204020203" pitchFamily="34" charset="0"/>
+              </a:rPr>
+              <a:t>Is the information out-of-date?</a:t>
+            </a:r>
+          </a:p>
+          <a:p>
+            <a:pPr marL="171450" indent="-171450">
+              <a:buFont typeface="Arial" panose="020B0604020202020204" pitchFamily="34" charset="0"/>
+              <a:buChar char="•"/>
+            </a:pPr>
+            <a:endParaRPr lang="en-US" b="1" i="0" dirty="0">
+              <a:latin typeface="Segoe UI" panose="020B0502040204020203" pitchFamily="34" charset="0"/>
+              <a:cs typeface="Segoe UI" panose="020B0502040204020203" pitchFamily="34" charset="0"/>
+            </a:endParaRPr>
+          </a:p>
+          <a:p>
+            <a:pPr marL="0" indent="0">
+              <a:buFont typeface="Arial" panose="020B0604020202020204" pitchFamily="34" charset="0"/>
+              <a:buNone/>
+            </a:pPr>
+            <a:r>
+              <a:rPr lang="en-US" b="1" i="0" dirty="0">
+                <a:latin typeface="Segoe UI" panose="020B0502040204020203" pitchFamily="34" charset="0"/>
+                <a:cs typeface="Segoe UI" panose="020B0502040204020203" pitchFamily="34" charset="0"/>
+              </a:rPr>
+              <a:t>Accuracy: </a:t>
+            </a:r>
+          </a:p>
+          <a:p>
+            <a:pPr marL="171450" indent="-171450">
+              <a:buFont typeface="Arial" panose="020B0604020202020204" pitchFamily="34" charset="0"/>
+              <a:buChar char="•"/>
+            </a:pPr>
+            <a:r>
+              <a:rPr lang="en-US" i="0" dirty="0">
+                <a:latin typeface="Segoe UI" panose="020B0502040204020203" pitchFamily="34" charset="0"/>
+                <a:cs typeface="Segoe UI" panose="020B0502040204020203" pitchFamily="34" charset="0"/>
+              </a:rPr>
+              <a:t>Is the content accurate?</a:t>
+            </a:r>
+          </a:p>
+          <a:p>
+            <a:pPr marL="171450" indent="-171450">
+              <a:buFont typeface="Arial" panose="020B0604020202020204" pitchFamily="34" charset="0"/>
+              <a:buChar char="•"/>
+            </a:pPr>
+            <a:r>
+              <a:rPr lang="en-US" i="0" dirty="0">
+                <a:latin typeface="Segoe UI" panose="020B0502040204020203" pitchFamily="34" charset="0"/>
+                <a:cs typeface="Segoe UI" panose="020B0502040204020203" pitchFamily="34" charset="0"/>
+              </a:rPr>
+              <a:t>Is the information presented objectively?  Do they share the pros and cons?</a:t>
+            </a:r>
+          </a:p>
+        </p:txBody>
+      </p:sp>
+      <p:sp>
+        <p:nvSpPr>
+          <p:cNvPr id="4" name="Slide Number Placeholder 3"/>
+          <p:cNvSpPr>
+            <a:spLocks noGrp="1"/>
+          </p:cNvSpPr>
+          <p:nvPr>
+            <p:ph type="sldNum" sz="quarter" idx="10"/>
+          </p:nvPr>
+        </p:nvSpPr>
+        <p:spPr/>
+        <p:txBody>
+          <a:bodyPr/>
+          <a:lstStyle/>
+          <a:p>
+            <a:fld id="{BC849E9A-41F7-4779-A581-48A7C374A227}" type="slidenum">
+              <a:rPr lang="en-US" smtClean="0"/>
+              <a:t>11</a:t>
+            </a:fld>
+            <a:endParaRPr lang="en-US" dirty="0"/>
+          </a:p>
+        </p:txBody>
+      </p:sp>
+    </p:spTree>
+    <p:extLst>
+      <p:ext uri="{BB962C8B-B14F-4D97-AF65-F5344CB8AC3E}">
+        <p14:creationId xmlns:p14="http://schemas.microsoft.com/office/powerpoint/2010/main" val="3015317987"/>
+      </p:ext>
+    </p:extLst>
+  </p:cSld>
+  <p:clrMapOvr>
+    <a:masterClrMapping/>
+  </p:clrMapOvr>
+</p:notes>
+</file>
+
+<file path=ppt/notesSlides/notesSlide11.xml><?xml version="1.0" encoding="utf-8"?>
+<p:notes xmlns:a="http://schemas.openxmlformats.org/drawingml/2006/main" xmlns:r="http://schemas.openxmlformats.org/officeDocument/2006/relationships" xmlns:p="http://schemas.openxmlformats.org/presentationml/2006/main">
+  <p:cSld>
+    <p:spTree>
+      <p:nvGrpSpPr>
+        <p:cNvPr id="1" name=""/>
+        <p:cNvGrpSpPr/>
+        <p:nvPr/>
+      </p:nvGrpSpPr>
+      <p:grpSpPr>
+        <a:xfrm>
+          <a:off x="0" y="0"/>
+          <a:ext cx="0" cy="0"/>
+          <a:chOff x="0" y="0"/>
+          <a:chExt cx="0" cy="0"/>
+        </a:xfrm>
+      </p:grpSpPr>
+      <p:sp>
+        <p:nvSpPr>
+          <p:cNvPr id="2" name="Slide Image Placeholder 1"/>
+          <p:cNvSpPr>
+            <a:spLocks noGrp="1" noRot="1" noChangeAspect="1"/>
+          </p:cNvSpPr>
+          <p:nvPr>
+            <p:ph type="sldImg"/>
+          </p:nvPr>
+        </p:nvSpPr>
+        <p:spPr/>
+      </p:sp>
+      <p:sp>
+        <p:nvSpPr>
+          <p:cNvPr id="3" name="Notes Placeholder 2"/>
+          <p:cNvSpPr>
+            <a:spLocks noGrp="1"/>
+          </p:cNvSpPr>
+          <p:nvPr>
+            <p:ph type="body" idx="1"/>
+          </p:nvPr>
+        </p:nvSpPr>
+        <p:spPr/>
+        <p:txBody>
+          <a:bodyPr/>
+          <a:lstStyle/>
+          <a:p>
+            <a:r>
+              <a:rPr lang="en-US" i="0" dirty="0">
+                <a:latin typeface="Segoe UI" panose="020B0502040204020203" pitchFamily="34" charset="0"/>
+                <a:cs typeface="Segoe UI" panose="020B0502040204020203" pitchFamily="34" charset="0"/>
+              </a:rPr>
+              <a:t>Once you find your sources, you will want to evaluate your sources using the following questions: </a:t>
+            </a:r>
+          </a:p>
+          <a:p>
+            <a:endParaRPr lang="en-US" i="0" dirty="0">
+              <a:latin typeface="Segoe UI" panose="020B0502040204020203" pitchFamily="34" charset="0"/>
+              <a:cs typeface="Segoe UI" panose="020B0502040204020203" pitchFamily="34" charset="0"/>
+            </a:endParaRPr>
+          </a:p>
+          <a:p>
+            <a:r>
+              <a:rPr lang="en-US" b="1" i="0" dirty="0">
+                <a:latin typeface="Segoe UI" panose="020B0502040204020203" pitchFamily="34" charset="0"/>
+                <a:cs typeface="Segoe UI" panose="020B0502040204020203" pitchFamily="34" charset="0"/>
+              </a:rPr>
+              <a:t>Author: </a:t>
+            </a:r>
+          </a:p>
+          <a:p>
+            <a:pPr marL="171450" indent="-171450">
+              <a:buFont typeface="Arial" panose="020B0604020202020204" pitchFamily="34" charset="0"/>
+              <a:buChar char="•"/>
+            </a:pPr>
+            <a:r>
+              <a:rPr lang="en-US" i="0" dirty="0">
+                <a:latin typeface="Segoe UI" panose="020B0502040204020203" pitchFamily="34" charset="0"/>
+                <a:cs typeface="Segoe UI" panose="020B0502040204020203" pitchFamily="34" charset="0"/>
+              </a:rPr>
+              <a:t>Who is the author?</a:t>
+            </a:r>
+          </a:p>
+          <a:p>
+            <a:pPr marL="171450" indent="-171450">
+              <a:buFont typeface="Arial" panose="020B0604020202020204" pitchFamily="34" charset="0"/>
+              <a:buChar char="•"/>
+            </a:pPr>
+            <a:r>
+              <a:rPr lang="en-US" i="0" dirty="0">
+                <a:latin typeface="Segoe UI" panose="020B0502040204020203" pitchFamily="34" charset="0"/>
+                <a:cs typeface="Segoe UI" panose="020B0502040204020203" pitchFamily="34" charset="0"/>
+              </a:rPr>
+              <a:t>Why should I believe what he or she has to say on the topic?</a:t>
+            </a:r>
+          </a:p>
+          <a:p>
+            <a:pPr marL="171450" indent="-171450">
+              <a:buFont typeface="Arial" panose="020B0604020202020204" pitchFamily="34" charset="0"/>
+              <a:buChar char="•"/>
+            </a:pPr>
+            <a:r>
+              <a:rPr lang="en-US" i="0" dirty="0">
+                <a:latin typeface="Segoe UI" panose="020B0502040204020203" pitchFamily="34" charset="0"/>
+                <a:cs typeface="Segoe UI" panose="020B0502040204020203" pitchFamily="34" charset="0"/>
+              </a:rPr>
+              <a:t>Is the author seen as an expert on the topic? How do you know?</a:t>
+            </a:r>
+          </a:p>
+          <a:p>
+            <a:pPr marL="171450" indent="-171450">
+              <a:buFont typeface="Arial" panose="020B0604020202020204" pitchFamily="34" charset="0"/>
+              <a:buChar char="•"/>
+            </a:pPr>
+            <a:endParaRPr lang="en-US" i="0" dirty="0">
+              <a:latin typeface="Segoe UI" panose="020B0502040204020203" pitchFamily="34" charset="0"/>
+              <a:cs typeface="Segoe UI" panose="020B0502040204020203" pitchFamily="34" charset="0"/>
+            </a:endParaRPr>
+          </a:p>
+          <a:p>
+            <a:pPr marL="0" indent="0">
+              <a:buFont typeface="Arial" panose="020B0604020202020204" pitchFamily="34" charset="0"/>
+              <a:buNone/>
+            </a:pPr>
+            <a:r>
+              <a:rPr lang="en-US" b="1" i="0" dirty="0">
+                <a:latin typeface="Segoe UI" panose="020B0502040204020203" pitchFamily="34" charset="0"/>
+                <a:cs typeface="Segoe UI" panose="020B0502040204020203" pitchFamily="34" charset="0"/>
+              </a:rPr>
+              <a:t>Current: </a:t>
+            </a:r>
+          </a:p>
+          <a:p>
+            <a:pPr marL="171450" indent="-171450">
+              <a:buFont typeface="Arial" panose="020B0604020202020204" pitchFamily="34" charset="0"/>
+              <a:buChar char="•"/>
+            </a:pPr>
+            <a:r>
+              <a:rPr lang="en-US" i="0" dirty="0">
+                <a:latin typeface="Segoe UI" panose="020B0502040204020203" pitchFamily="34" charset="0"/>
+                <a:cs typeface="Segoe UI" panose="020B0502040204020203" pitchFamily="34" charset="0"/>
+              </a:rPr>
+              <a:t>How current is the information in the source?</a:t>
+            </a:r>
+          </a:p>
+          <a:p>
+            <a:pPr marL="171450" indent="-171450">
+              <a:buFont typeface="Arial" panose="020B0604020202020204" pitchFamily="34" charset="0"/>
+              <a:buChar char="•"/>
+            </a:pPr>
+            <a:r>
+              <a:rPr lang="en-US" i="0" dirty="0">
+                <a:latin typeface="Segoe UI" panose="020B0502040204020203" pitchFamily="34" charset="0"/>
+                <a:cs typeface="Segoe UI" panose="020B0502040204020203" pitchFamily="34" charset="0"/>
+              </a:rPr>
+              <a:t>When was the source published?</a:t>
+            </a:r>
+          </a:p>
+          <a:p>
+            <a:pPr marL="171450" indent="-171450">
+              <a:buFont typeface="Arial" panose="020B0604020202020204" pitchFamily="34" charset="0"/>
+              <a:buChar char="•"/>
+            </a:pPr>
+            <a:r>
+              <a:rPr lang="en-US" i="0" dirty="0">
+                <a:latin typeface="Segoe UI" panose="020B0502040204020203" pitchFamily="34" charset="0"/>
+                <a:cs typeface="Segoe UI" panose="020B0502040204020203" pitchFamily="34" charset="0"/>
+              </a:rPr>
+              <a:t>Is the information out-of-date?</a:t>
+            </a:r>
+          </a:p>
+          <a:p>
+            <a:pPr marL="171450" indent="-171450">
+              <a:buFont typeface="Arial" panose="020B0604020202020204" pitchFamily="34" charset="0"/>
+              <a:buChar char="•"/>
+            </a:pPr>
+            <a:endParaRPr lang="en-US" b="1" i="0" dirty="0">
+              <a:latin typeface="Segoe UI" panose="020B0502040204020203" pitchFamily="34" charset="0"/>
+              <a:cs typeface="Segoe UI" panose="020B0502040204020203" pitchFamily="34" charset="0"/>
+            </a:endParaRPr>
+          </a:p>
+          <a:p>
+            <a:pPr marL="0" indent="0">
+              <a:buFont typeface="Arial" panose="020B0604020202020204" pitchFamily="34" charset="0"/>
+              <a:buNone/>
+            </a:pPr>
+            <a:r>
+              <a:rPr lang="en-US" b="1" i="0" dirty="0">
+                <a:latin typeface="Segoe UI" panose="020B0502040204020203" pitchFamily="34" charset="0"/>
+                <a:cs typeface="Segoe UI" panose="020B0502040204020203" pitchFamily="34" charset="0"/>
+              </a:rPr>
+              <a:t>Accuracy: </a:t>
+            </a:r>
+          </a:p>
+          <a:p>
+            <a:pPr marL="171450" indent="-171450">
+              <a:buFont typeface="Arial" panose="020B0604020202020204" pitchFamily="34" charset="0"/>
+              <a:buChar char="•"/>
+            </a:pPr>
+            <a:r>
+              <a:rPr lang="en-US" i="0" dirty="0">
+                <a:latin typeface="Segoe UI" panose="020B0502040204020203" pitchFamily="34" charset="0"/>
+                <a:cs typeface="Segoe UI" panose="020B0502040204020203" pitchFamily="34" charset="0"/>
+              </a:rPr>
+              <a:t>Is the content accurate?</a:t>
+            </a:r>
+          </a:p>
+          <a:p>
+            <a:pPr marL="171450" indent="-171450">
+              <a:buFont typeface="Arial" panose="020B0604020202020204" pitchFamily="34" charset="0"/>
+              <a:buChar char="•"/>
+            </a:pPr>
+            <a:r>
+              <a:rPr lang="en-US" i="0" dirty="0">
+                <a:latin typeface="Segoe UI" panose="020B0502040204020203" pitchFamily="34" charset="0"/>
+                <a:cs typeface="Segoe UI" panose="020B0502040204020203" pitchFamily="34" charset="0"/>
+              </a:rPr>
+              <a:t>Is the information presented objectively?  Do they share the pros and cons?</a:t>
+            </a:r>
+          </a:p>
+        </p:txBody>
+      </p:sp>
+      <p:sp>
+        <p:nvSpPr>
+          <p:cNvPr id="4" name="Slide Number Placeholder 3"/>
+          <p:cNvSpPr>
+            <a:spLocks noGrp="1"/>
+          </p:cNvSpPr>
+          <p:nvPr>
+            <p:ph type="sldNum" sz="quarter" idx="10"/>
+          </p:nvPr>
+        </p:nvSpPr>
+        <p:spPr/>
+        <p:txBody>
+          <a:bodyPr/>
+          <a:lstStyle/>
+          <a:p>
+            <a:fld id="{BC849E9A-41F7-4779-A581-48A7C374A227}" type="slidenum">
+              <a:rPr lang="en-US" smtClean="0"/>
+              <a:t>12</a:t>
+            </a:fld>
+            <a:endParaRPr lang="en-US" dirty="0"/>
+          </a:p>
+        </p:txBody>
+      </p:sp>
+    </p:spTree>
+    <p:extLst>
+      <p:ext uri="{BB962C8B-B14F-4D97-AF65-F5344CB8AC3E}">
+        <p14:creationId xmlns:p14="http://schemas.microsoft.com/office/powerpoint/2010/main" val="1490987536"/>
+      </p:ext>
+    </p:extLst>
+  </p:cSld>
+  <p:clrMapOvr>
+    <a:masterClrMapping/>
+  </p:clrMapOvr>
+</p:notes>
+</file>
+
+<file path=ppt/notesSlides/notesSlide12.xml><?xml version="1.0" encoding="utf-8"?>
+<p:notes xmlns:a="http://schemas.openxmlformats.org/drawingml/2006/main" xmlns:r="http://schemas.openxmlformats.org/officeDocument/2006/relationships" xmlns:p="http://schemas.openxmlformats.org/presentationml/2006/main">
+  <p:cSld>
+    <p:spTree>
+      <p:nvGrpSpPr>
+        <p:cNvPr id="1" name=""/>
+        <p:cNvGrpSpPr/>
+        <p:nvPr/>
+      </p:nvGrpSpPr>
+      <p:grpSpPr>
+        <a:xfrm>
+          <a:off x="0" y="0"/>
+          <a:ext cx="0" cy="0"/>
+          <a:chOff x="0" y="0"/>
+          <a:chExt cx="0" cy="0"/>
+        </a:xfrm>
+      </p:grpSpPr>
+      <p:sp>
+        <p:nvSpPr>
+          <p:cNvPr id="2" name="Slide Image Placeholder 1"/>
+          <p:cNvSpPr>
+            <a:spLocks noGrp="1" noRot="1" noChangeAspect="1"/>
+          </p:cNvSpPr>
+          <p:nvPr>
+            <p:ph type="sldImg"/>
+          </p:nvPr>
+        </p:nvSpPr>
+        <p:spPr/>
+      </p:sp>
+      <p:sp>
+        <p:nvSpPr>
+          <p:cNvPr id="3" name="Notes Placeholder 2"/>
+          <p:cNvSpPr>
+            <a:spLocks noGrp="1"/>
+          </p:cNvSpPr>
+          <p:nvPr>
+            <p:ph type="body" idx="1"/>
+          </p:nvPr>
+        </p:nvSpPr>
+        <p:spPr/>
+        <p:txBody>
+          <a:bodyPr/>
+          <a:lstStyle/>
+          <a:p>
+            <a:r>
+              <a:rPr lang="en-US" i="0" dirty="0">
+                <a:latin typeface="Segoe UI" panose="020B0502040204020203" pitchFamily="34" charset="0"/>
+                <a:cs typeface="Segoe UI" panose="020B0502040204020203" pitchFamily="34" charset="0"/>
+              </a:rPr>
+              <a:t>Once you find your sources, you will want to evaluate your sources using the following questions: </a:t>
+            </a:r>
+          </a:p>
+          <a:p>
+            <a:endParaRPr lang="en-US" i="0" dirty="0">
+              <a:latin typeface="Segoe UI" panose="020B0502040204020203" pitchFamily="34" charset="0"/>
+              <a:cs typeface="Segoe UI" panose="020B0502040204020203" pitchFamily="34" charset="0"/>
+            </a:endParaRPr>
+          </a:p>
+          <a:p>
+            <a:r>
+              <a:rPr lang="en-US" b="1" i="0" dirty="0">
+                <a:latin typeface="Segoe UI" panose="020B0502040204020203" pitchFamily="34" charset="0"/>
+                <a:cs typeface="Segoe UI" panose="020B0502040204020203" pitchFamily="34" charset="0"/>
+              </a:rPr>
+              <a:t>Author: </a:t>
+            </a:r>
+          </a:p>
+          <a:p>
+            <a:pPr marL="171450" indent="-171450">
+              <a:buFont typeface="Arial" panose="020B0604020202020204" pitchFamily="34" charset="0"/>
+              <a:buChar char="•"/>
+            </a:pPr>
+            <a:r>
+              <a:rPr lang="en-US" i="0" dirty="0">
+                <a:latin typeface="Segoe UI" panose="020B0502040204020203" pitchFamily="34" charset="0"/>
+                <a:cs typeface="Segoe UI" panose="020B0502040204020203" pitchFamily="34" charset="0"/>
+              </a:rPr>
+              <a:t>Who is the author?</a:t>
+            </a:r>
+          </a:p>
+          <a:p>
+            <a:pPr marL="171450" indent="-171450">
+              <a:buFont typeface="Arial" panose="020B0604020202020204" pitchFamily="34" charset="0"/>
+              <a:buChar char="•"/>
+            </a:pPr>
+            <a:r>
+              <a:rPr lang="en-US" i="0" dirty="0">
+                <a:latin typeface="Segoe UI" panose="020B0502040204020203" pitchFamily="34" charset="0"/>
+                <a:cs typeface="Segoe UI" panose="020B0502040204020203" pitchFamily="34" charset="0"/>
+              </a:rPr>
+              <a:t>Why should I believe what he or she has to say on the topic?</a:t>
+            </a:r>
+          </a:p>
+          <a:p>
+            <a:pPr marL="171450" indent="-171450">
+              <a:buFont typeface="Arial" panose="020B0604020202020204" pitchFamily="34" charset="0"/>
+              <a:buChar char="•"/>
+            </a:pPr>
+            <a:r>
+              <a:rPr lang="en-US" i="0" dirty="0">
+                <a:latin typeface="Segoe UI" panose="020B0502040204020203" pitchFamily="34" charset="0"/>
+                <a:cs typeface="Segoe UI" panose="020B0502040204020203" pitchFamily="34" charset="0"/>
+              </a:rPr>
+              <a:t>Is the author seen as an expert on the topic? How do you know?</a:t>
+            </a:r>
+          </a:p>
+          <a:p>
+            <a:pPr marL="171450" indent="-171450">
+              <a:buFont typeface="Arial" panose="020B0604020202020204" pitchFamily="34" charset="0"/>
+              <a:buChar char="•"/>
+            </a:pPr>
+            <a:endParaRPr lang="en-US" i="0" dirty="0">
+              <a:latin typeface="Segoe UI" panose="020B0502040204020203" pitchFamily="34" charset="0"/>
+              <a:cs typeface="Segoe UI" panose="020B0502040204020203" pitchFamily="34" charset="0"/>
+            </a:endParaRPr>
+          </a:p>
+          <a:p>
+            <a:pPr marL="0" indent="0">
+              <a:buFont typeface="Arial" panose="020B0604020202020204" pitchFamily="34" charset="0"/>
+              <a:buNone/>
+            </a:pPr>
+            <a:r>
+              <a:rPr lang="en-US" b="1" i="0" dirty="0">
+                <a:latin typeface="Segoe UI" panose="020B0502040204020203" pitchFamily="34" charset="0"/>
+                <a:cs typeface="Segoe UI" panose="020B0502040204020203" pitchFamily="34" charset="0"/>
+              </a:rPr>
+              <a:t>Current: </a:t>
+            </a:r>
+          </a:p>
+          <a:p>
+            <a:pPr marL="171450" indent="-171450">
+              <a:buFont typeface="Arial" panose="020B0604020202020204" pitchFamily="34" charset="0"/>
+              <a:buChar char="•"/>
+            </a:pPr>
+            <a:r>
+              <a:rPr lang="en-US" i="0" dirty="0">
+                <a:latin typeface="Segoe UI" panose="020B0502040204020203" pitchFamily="34" charset="0"/>
+                <a:cs typeface="Segoe UI" panose="020B0502040204020203" pitchFamily="34" charset="0"/>
+              </a:rPr>
+              <a:t>How current is the information in the source?</a:t>
+            </a:r>
+          </a:p>
+          <a:p>
+            <a:pPr marL="171450" indent="-171450">
+              <a:buFont typeface="Arial" panose="020B0604020202020204" pitchFamily="34" charset="0"/>
+              <a:buChar char="•"/>
+            </a:pPr>
+            <a:r>
+              <a:rPr lang="en-US" i="0" dirty="0">
+                <a:latin typeface="Segoe UI" panose="020B0502040204020203" pitchFamily="34" charset="0"/>
+                <a:cs typeface="Segoe UI" panose="020B0502040204020203" pitchFamily="34" charset="0"/>
+              </a:rPr>
+              <a:t>When was the source published?</a:t>
+            </a:r>
+          </a:p>
+          <a:p>
+            <a:pPr marL="171450" indent="-171450">
+              <a:buFont typeface="Arial" panose="020B0604020202020204" pitchFamily="34" charset="0"/>
+              <a:buChar char="•"/>
+            </a:pPr>
+            <a:r>
+              <a:rPr lang="en-US" i="0" dirty="0">
+                <a:latin typeface="Segoe UI" panose="020B0502040204020203" pitchFamily="34" charset="0"/>
+                <a:cs typeface="Segoe UI" panose="020B0502040204020203" pitchFamily="34" charset="0"/>
+              </a:rPr>
+              <a:t>Is the information out-of-date?</a:t>
+            </a:r>
+          </a:p>
+          <a:p>
+            <a:pPr marL="171450" indent="-171450">
+              <a:buFont typeface="Arial" panose="020B0604020202020204" pitchFamily="34" charset="0"/>
+              <a:buChar char="•"/>
+            </a:pPr>
+            <a:endParaRPr lang="en-US" b="1" i="0" dirty="0">
+              <a:latin typeface="Segoe UI" panose="020B0502040204020203" pitchFamily="34" charset="0"/>
+              <a:cs typeface="Segoe UI" panose="020B0502040204020203" pitchFamily="34" charset="0"/>
+            </a:endParaRPr>
+          </a:p>
+          <a:p>
+            <a:pPr marL="0" indent="0">
+              <a:buFont typeface="Arial" panose="020B0604020202020204" pitchFamily="34" charset="0"/>
+              <a:buNone/>
+            </a:pPr>
+            <a:r>
+              <a:rPr lang="en-US" b="1" i="0" dirty="0">
+                <a:latin typeface="Segoe UI" panose="020B0502040204020203" pitchFamily="34" charset="0"/>
+                <a:cs typeface="Segoe UI" panose="020B0502040204020203" pitchFamily="34" charset="0"/>
+              </a:rPr>
+              <a:t>Accuracy: </a:t>
+            </a:r>
+          </a:p>
+          <a:p>
+            <a:pPr marL="171450" indent="-171450">
+              <a:buFont typeface="Arial" panose="020B0604020202020204" pitchFamily="34" charset="0"/>
+              <a:buChar char="•"/>
+            </a:pPr>
+            <a:r>
+              <a:rPr lang="en-US" i="0" dirty="0">
+                <a:latin typeface="Segoe UI" panose="020B0502040204020203" pitchFamily="34" charset="0"/>
+                <a:cs typeface="Segoe UI" panose="020B0502040204020203" pitchFamily="34" charset="0"/>
+              </a:rPr>
+              <a:t>Is the content accurate?</a:t>
+            </a:r>
+          </a:p>
+          <a:p>
+            <a:pPr marL="171450" indent="-171450">
+              <a:buFont typeface="Arial" panose="020B0604020202020204" pitchFamily="34" charset="0"/>
+              <a:buChar char="•"/>
+            </a:pPr>
+            <a:r>
+              <a:rPr lang="en-US" i="0" dirty="0">
+                <a:latin typeface="Segoe UI" panose="020B0502040204020203" pitchFamily="34" charset="0"/>
+                <a:cs typeface="Segoe UI" panose="020B0502040204020203" pitchFamily="34" charset="0"/>
+              </a:rPr>
+              <a:t>Is the information presented objectively?  Do they share the pros and cons?</a:t>
+            </a:r>
+          </a:p>
+        </p:txBody>
+      </p:sp>
+      <p:sp>
+        <p:nvSpPr>
+          <p:cNvPr id="4" name="Slide Number Placeholder 3"/>
+          <p:cNvSpPr>
+            <a:spLocks noGrp="1"/>
+          </p:cNvSpPr>
+          <p:nvPr>
+            <p:ph type="sldNum" sz="quarter" idx="10"/>
+          </p:nvPr>
+        </p:nvSpPr>
+        <p:spPr/>
+        <p:txBody>
+          <a:bodyPr/>
+          <a:lstStyle/>
+          <a:p>
+            <a:fld id="{BC849E9A-41F7-4779-A581-48A7C374A227}" type="slidenum">
+              <a:rPr lang="en-US" smtClean="0"/>
+              <a:t>14</a:t>
+            </a:fld>
+            <a:endParaRPr lang="en-US" dirty="0"/>
+          </a:p>
+        </p:txBody>
+      </p:sp>
+    </p:spTree>
+    <p:extLst>
+      <p:ext uri="{BB962C8B-B14F-4D97-AF65-F5344CB8AC3E}">
+        <p14:creationId xmlns:p14="http://schemas.microsoft.com/office/powerpoint/2010/main" val="2026532120"/>
+      </p:ext>
+    </p:extLst>
+  </p:cSld>
+  <p:clrMapOvr>
+    <a:masterClrMapping/>
+  </p:clrMapOvr>
+</p:notes>
+</file>
+
+<file path=ppt/notesSlides/notesSlide13.xml><?xml version="1.0" encoding="utf-8"?>
+<p:notes xmlns:a="http://schemas.openxmlformats.org/drawingml/2006/main" xmlns:r="http://schemas.openxmlformats.org/officeDocument/2006/relationships" xmlns:p="http://schemas.openxmlformats.org/presentationml/2006/main">
+  <p:cSld>
+    <p:spTree>
+      <p:nvGrpSpPr>
+        <p:cNvPr id="1" name=""/>
+        <p:cNvGrpSpPr/>
+        <p:nvPr/>
+      </p:nvGrpSpPr>
+      <p:grpSpPr>
+        <a:xfrm>
+          <a:off x="0" y="0"/>
+          <a:ext cx="0" cy="0"/>
+          <a:chOff x="0" y="0"/>
+          <a:chExt cx="0" cy="0"/>
+        </a:xfrm>
+      </p:grpSpPr>
+      <p:sp>
+        <p:nvSpPr>
+          <p:cNvPr id="2" name="Slide Image Placeholder 1"/>
+          <p:cNvSpPr>
+            <a:spLocks noGrp="1" noRot="1" noChangeAspect="1"/>
+          </p:cNvSpPr>
+          <p:nvPr>
+            <p:ph type="sldImg"/>
+          </p:nvPr>
+        </p:nvSpPr>
+        <p:spPr/>
+      </p:sp>
+      <p:sp>
+        <p:nvSpPr>
+          <p:cNvPr id="3" name="Notes Placeholder 2"/>
+          <p:cNvSpPr>
+            <a:spLocks noGrp="1"/>
+          </p:cNvSpPr>
+          <p:nvPr>
+            <p:ph type="body" idx="1"/>
+          </p:nvPr>
+        </p:nvSpPr>
+        <p:spPr/>
+        <p:txBody>
+          <a:bodyPr/>
+          <a:lstStyle/>
+          <a:p>
+            <a:r>
+              <a:rPr lang="en-US" i="0" dirty="0">
+                <a:latin typeface="Segoe UI" panose="020B0502040204020203" pitchFamily="34" charset="0"/>
+                <a:cs typeface="Segoe UI" panose="020B0502040204020203" pitchFamily="34" charset="0"/>
+              </a:rPr>
+              <a:t>Once you find your sources, you will want to evaluate your sources using the following questions: </a:t>
+            </a:r>
+          </a:p>
+          <a:p>
+            <a:endParaRPr lang="en-US" i="0" dirty="0">
+              <a:latin typeface="Segoe UI" panose="020B0502040204020203" pitchFamily="34" charset="0"/>
+              <a:cs typeface="Segoe UI" panose="020B0502040204020203" pitchFamily="34" charset="0"/>
+            </a:endParaRPr>
+          </a:p>
+          <a:p>
+            <a:r>
+              <a:rPr lang="en-US" b="1" i="0" dirty="0">
+                <a:latin typeface="Segoe UI" panose="020B0502040204020203" pitchFamily="34" charset="0"/>
+                <a:cs typeface="Segoe UI" panose="020B0502040204020203" pitchFamily="34" charset="0"/>
+              </a:rPr>
+              <a:t>Author: </a:t>
+            </a:r>
+          </a:p>
+          <a:p>
+            <a:pPr marL="171450" indent="-171450">
+              <a:buFont typeface="Arial" panose="020B0604020202020204" pitchFamily="34" charset="0"/>
+              <a:buChar char="•"/>
+            </a:pPr>
+            <a:r>
+              <a:rPr lang="en-US" i="0" dirty="0">
+                <a:latin typeface="Segoe UI" panose="020B0502040204020203" pitchFamily="34" charset="0"/>
+                <a:cs typeface="Segoe UI" panose="020B0502040204020203" pitchFamily="34" charset="0"/>
+              </a:rPr>
+              <a:t>Who is the author?</a:t>
+            </a:r>
+          </a:p>
+          <a:p>
+            <a:pPr marL="171450" indent="-171450">
+              <a:buFont typeface="Arial" panose="020B0604020202020204" pitchFamily="34" charset="0"/>
+              <a:buChar char="•"/>
+            </a:pPr>
+            <a:r>
+              <a:rPr lang="en-US" i="0" dirty="0">
+                <a:latin typeface="Segoe UI" panose="020B0502040204020203" pitchFamily="34" charset="0"/>
+                <a:cs typeface="Segoe UI" panose="020B0502040204020203" pitchFamily="34" charset="0"/>
+              </a:rPr>
+              <a:t>Why should I believe what he or she has to say on the topic?</a:t>
+            </a:r>
+          </a:p>
+          <a:p>
+            <a:pPr marL="171450" indent="-171450">
+              <a:buFont typeface="Arial" panose="020B0604020202020204" pitchFamily="34" charset="0"/>
+              <a:buChar char="•"/>
+            </a:pPr>
+            <a:r>
+              <a:rPr lang="en-US" i="0" dirty="0">
+                <a:latin typeface="Segoe UI" panose="020B0502040204020203" pitchFamily="34" charset="0"/>
+                <a:cs typeface="Segoe UI" panose="020B0502040204020203" pitchFamily="34" charset="0"/>
+              </a:rPr>
+              <a:t>Is the author seen as an expert on the topic? How do you know?</a:t>
+            </a:r>
+          </a:p>
+          <a:p>
+            <a:pPr marL="171450" indent="-171450">
+              <a:buFont typeface="Arial" panose="020B0604020202020204" pitchFamily="34" charset="0"/>
+              <a:buChar char="•"/>
+            </a:pPr>
+            <a:endParaRPr lang="en-US" i="0" dirty="0">
+              <a:latin typeface="Segoe UI" panose="020B0502040204020203" pitchFamily="34" charset="0"/>
+              <a:cs typeface="Segoe UI" panose="020B0502040204020203" pitchFamily="34" charset="0"/>
+            </a:endParaRPr>
+          </a:p>
+          <a:p>
+            <a:pPr marL="0" indent="0">
+              <a:buFont typeface="Arial" panose="020B0604020202020204" pitchFamily="34" charset="0"/>
+              <a:buNone/>
+            </a:pPr>
+            <a:r>
+              <a:rPr lang="en-US" b="1" i="0" dirty="0">
+                <a:latin typeface="Segoe UI" panose="020B0502040204020203" pitchFamily="34" charset="0"/>
+                <a:cs typeface="Segoe UI" panose="020B0502040204020203" pitchFamily="34" charset="0"/>
+              </a:rPr>
+              <a:t>Current: </a:t>
+            </a:r>
+          </a:p>
+          <a:p>
+            <a:pPr marL="171450" indent="-171450">
+              <a:buFont typeface="Arial" panose="020B0604020202020204" pitchFamily="34" charset="0"/>
+              <a:buChar char="•"/>
+            </a:pPr>
+            <a:r>
+              <a:rPr lang="en-US" i="0" dirty="0">
+                <a:latin typeface="Segoe UI" panose="020B0502040204020203" pitchFamily="34" charset="0"/>
+                <a:cs typeface="Segoe UI" panose="020B0502040204020203" pitchFamily="34" charset="0"/>
+              </a:rPr>
+              <a:t>How current is the information in the source?</a:t>
+            </a:r>
+          </a:p>
+          <a:p>
+            <a:pPr marL="171450" indent="-171450">
+              <a:buFont typeface="Arial" panose="020B0604020202020204" pitchFamily="34" charset="0"/>
+              <a:buChar char="•"/>
+            </a:pPr>
+            <a:r>
+              <a:rPr lang="en-US" i="0" dirty="0">
+                <a:latin typeface="Segoe UI" panose="020B0502040204020203" pitchFamily="34" charset="0"/>
+                <a:cs typeface="Segoe UI" panose="020B0502040204020203" pitchFamily="34" charset="0"/>
+              </a:rPr>
+              <a:t>When was the source published?</a:t>
+            </a:r>
+          </a:p>
+          <a:p>
+            <a:pPr marL="171450" indent="-171450">
+              <a:buFont typeface="Arial" panose="020B0604020202020204" pitchFamily="34" charset="0"/>
+              <a:buChar char="•"/>
+            </a:pPr>
+            <a:r>
+              <a:rPr lang="en-US" i="0" dirty="0">
+                <a:latin typeface="Segoe UI" panose="020B0502040204020203" pitchFamily="34" charset="0"/>
+                <a:cs typeface="Segoe UI" panose="020B0502040204020203" pitchFamily="34" charset="0"/>
+              </a:rPr>
+              <a:t>Is the information out-of-date?</a:t>
+            </a:r>
+          </a:p>
+          <a:p>
+            <a:pPr marL="171450" indent="-171450">
+              <a:buFont typeface="Arial" panose="020B0604020202020204" pitchFamily="34" charset="0"/>
+              <a:buChar char="•"/>
+            </a:pPr>
+            <a:endParaRPr lang="en-US" b="1" i="0" dirty="0">
+              <a:latin typeface="Segoe UI" panose="020B0502040204020203" pitchFamily="34" charset="0"/>
+              <a:cs typeface="Segoe UI" panose="020B0502040204020203" pitchFamily="34" charset="0"/>
+            </a:endParaRPr>
+          </a:p>
+          <a:p>
+            <a:pPr marL="0" indent="0">
+              <a:buFont typeface="Arial" panose="020B0604020202020204" pitchFamily="34" charset="0"/>
+              <a:buNone/>
+            </a:pPr>
+            <a:r>
+              <a:rPr lang="en-US" b="1" i="0" dirty="0">
+                <a:latin typeface="Segoe UI" panose="020B0502040204020203" pitchFamily="34" charset="0"/>
+                <a:cs typeface="Segoe UI" panose="020B0502040204020203" pitchFamily="34" charset="0"/>
+              </a:rPr>
+              <a:t>Accuracy: </a:t>
+            </a:r>
+          </a:p>
+          <a:p>
+            <a:pPr marL="171450" indent="-171450">
+              <a:buFont typeface="Arial" panose="020B0604020202020204" pitchFamily="34" charset="0"/>
+              <a:buChar char="•"/>
+            </a:pPr>
+            <a:r>
+              <a:rPr lang="en-US" i="0" dirty="0">
+                <a:latin typeface="Segoe UI" panose="020B0502040204020203" pitchFamily="34" charset="0"/>
+                <a:cs typeface="Segoe UI" panose="020B0502040204020203" pitchFamily="34" charset="0"/>
+              </a:rPr>
+              <a:t>Is the content accurate?</a:t>
+            </a:r>
+          </a:p>
+          <a:p>
+            <a:pPr marL="171450" indent="-171450">
+              <a:buFont typeface="Arial" panose="020B0604020202020204" pitchFamily="34" charset="0"/>
+              <a:buChar char="•"/>
+            </a:pPr>
+            <a:r>
+              <a:rPr lang="en-US" i="0" dirty="0">
+                <a:latin typeface="Segoe UI" panose="020B0502040204020203" pitchFamily="34" charset="0"/>
+                <a:cs typeface="Segoe UI" panose="020B0502040204020203" pitchFamily="34" charset="0"/>
+              </a:rPr>
+              <a:t>Is the information presented objectively?  Do they share the pros and cons?</a:t>
+            </a:r>
+          </a:p>
+        </p:txBody>
+      </p:sp>
+      <p:sp>
+        <p:nvSpPr>
+          <p:cNvPr id="4" name="Slide Number Placeholder 3"/>
+          <p:cNvSpPr>
+            <a:spLocks noGrp="1"/>
+          </p:cNvSpPr>
+          <p:nvPr>
+            <p:ph type="sldNum" sz="quarter" idx="10"/>
+          </p:nvPr>
+        </p:nvSpPr>
+        <p:spPr/>
+        <p:txBody>
+          <a:bodyPr/>
+          <a:lstStyle/>
+          <a:p>
+            <a:fld id="{BC849E9A-41F7-4779-A581-48A7C374A227}" type="slidenum">
+              <a:rPr lang="en-US" smtClean="0"/>
+              <a:t>15</a:t>
+            </a:fld>
+            <a:endParaRPr lang="en-US" dirty="0"/>
+          </a:p>
+        </p:txBody>
+      </p:sp>
+    </p:spTree>
+    <p:extLst>
+      <p:ext uri="{BB962C8B-B14F-4D97-AF65-F5344CB8AC3E}">
+        <p14:creationId xmlns:p14="http://schemas.microsoft.com/office/powerpoint/2010/main" val="302575544"/>
+      </p:ext>
+    </p:extLst>
+  </p:cSld>
+  <p:clrMapOvr>
+    <a:masterClrMapping/>
+  </p:clrMapOvr>
+</p:notes>
+</file>
+
+<file path=ppt/notesSlides/notesSlide14.xml><?xml version="1.0" encoding="utf-8"?>
+<p:notes xmlns:a="http://schemas.openxmlformats.org/drawingml/2006/main" xmlns:r="http://schemas.openxmlformats.org/officeDocument/2006/relationships" xmlns:p="http://schemas.openxmlformats.org/presentationml/2006/main">
+  <p:cSld>
+    <p:spTree>
+      <p:nvGrpSpPr>
+        <p:cNvPr id="1" name=""/>
+        <p:cNvGrpSpPr/>
+        <p:nvPr/>
+      </p:nvGrpSpPr>
+      <p:grpSpPr>
+        <a:xfrm>
+          <a:off x="0" y="0"/>
+          <a:ext cx="0" cy="0"/>
+          <a:chOff x="0" y="0"/>
+          <a:chExt cx="0" cy="0"/>
+        </a:xfrm>
+      </p:grpSpPr>
+      <p:sp>
+        <p:nvSpPr>
+          <p:cNvPr id="2" name="Slide Image Placeholder 1"/>
+          <p:cNvSpPr>
+            <a:spLocks noGrp="1" noRot="1" noChangeAspect="1"/>
+          </p:cNvSpPr>
+          <p:nvPr>
+            <p:ph type="sldImg"/>
+          </p:nvPr>
+        </p:nvSpPr>
+        <p:spPr/>
+      </p:sp>
+      <p:sp>
+        <p:nvSpPr>
+          <p:cNvPr id="3" name="Notes Placeholder 2"/>
+          <p:cNvSpPr>
+            <a:spLocks noGrp="1"/>
+          </p:cNvSpPr>
+          <p:nvPr>
+            <p:ph type="body" idx="1"/>
+          </p:nvPr>
+        </p:nvSpPr>
+        <p:spPr/>
+        <p:txBody>
+          <a:bodyPr/>
+          <a:lstStyle/>
+          <a:p>
+            <a:r>
+              <a:rPr lang="en-US" i="0" dirty="0">
+                <a:latin typeface="Segoe UI" panose="020B0502040204020203" pitchFamily="34" charset="0"/>
+                <a:cs typeface="Segoe UI" panose="020B0502040204020203" pitchFamily="34" charset="0"/>
+              </a:rPr>
+              <a:t>Once you find your sources, you will want to evaluate your sources using the following questions: </a:t>
+            </a:r>
+          </a:p>
+          <a:p>
+            <a:endParaRPr lang="en-US" i="0" dirty="0">
+              <a:latin typeface="Segoe UI" panose="020B0502040204020203" pitchFamily="34" charset="0"/>
+              <a:cs typeface="Segoe UI" panose="020B0502040204020203" pitchFamily="34" charset="0"/>
+            </a:endParaRPr>
+          </a:p>
+          <a:p>
+            <a:r>
+              <a:rPr lang="en-US" b="1" i="0" dirty="0">
+                <a:latin typeface="Segoe UI" panose="020B0502040204020203" pitchFamily="34" charset="0"/>
+                <a:cs typeface="Segoe UI" panose="020B0502040204020203" pitchFamily="34" charset="0"/>
+              </a:rPr>
+              <a:t>Author: </a:t>
+            </a:r>
+          </a:p>
+          <a:p>
+            <a:pPr marL="171450" indent="-171450">
+              <a:buFont typeface="Arial" panose="020B0604020202020204" pitchFamily="34" charset="0"/>
+              <a:buChar char="•"/>
+            </a:pPr>
+            <a:r>
+              <a:rPr lang="en-US" i="0" dirty="0">
+                <a:latin typeface="Segoe UI" panose="020B0502040204020203" pitchFamily="34" charset="0"/>
+                <a:cs typeface="Segoe UI" panose="020B0502040204020203" pitchFamily="34" charset="0"/>
+              </a:rPr>
+              <a:t>Who is the author?</a:t>
+            </a:r>
+          </a:p>
+          <a:p>
+            <a:pPr marL="171450" indent="-171450">
+              <a:buFont typeface="Arial" panose="020B0604020202020204" pitchFamily="34" charset="0"/>
+              <a:buChar char="•"/>
+            </a:pPr>
+            <a:r>
+              <a:rPr lang="en-US" i="0" dirty="0">
+                <a:latin typeface="Segoe UI" panose="020B0502040204020203" pitchFamily="34" charset="0"/>
+                <a:cs typeface="Segoe UI" panose="020B0502040204020203" pitchFamily="34" charset="0"/>
+              </a:rPr>
+              <a:t>Why should I believe what he or she has to say on the topic?</a:t>
+            </a:r>
+          </a:p>
+          <a:p>
+            <a:pPr marL="171450" indent="-171450">
+              <a:buFont typeface="Arial" panose="020B0604020202020204" pitchFamily="34" charset="0"/>
+              <a:buChar char="•"/>
+            </a:pPr>
+            <a:r>
+              <a:rPr lang="en-US" i="0" dirty="0">
+                <a:latin typeface="Segoe UI" panose="020B0502040204020203" pitchFamily="34" charset="0"/>
+                <a:cs typeface="Segoe UI" panose="020B0502040204020203" pitchFamily="34" charset="0"/>
+              </a:rPr>
+              <a:t>Is the author seen as an expert on the topic? How do you know?</a:t>
+            </a:r>
+          </a:p>
+          <a:p>
+            <a:pPr marL="171450" indent="-171450">
+              <a:buFont typeface="Arial" panose="020B0604020202020204" pitchFamily="34" charset="0"/>
+              <a:buChar char="•"/>
+            </a:pPr>
+            <a:endParaRPr lang="en-US" i="0" dirty="0">
+              <a:latin typeface="Segoe UI" panose="020B0502040204020203" pitchFamily="34" charset="0"/>
+              <a:cs typeface="Segoe UI" panose="020B0502040204020203" pitchFamily="34" charset="0"/>
+            </a:endParaRPr>
+          </a:p>
+          <a:p>
+            <a:pPr marL="0" indent="0">
+              <a:buFont typeface="Arial" panose="020B0604020202020204" pitchFamily="34" charset="0"/>
+              <a:buNone/>
+            </a:pPr>
+            <a:r>
+              <a:rPr lang="en-US" b="1" i="0" dirty="0">
+                <a:latin typeface="Segoe UI" panose="020B0502040204020203" pitchFamily="34" charset="0"/>
+                <a:cs typeface="Segoe UI" panose="020B0502040204020203" pitchFamily="34" charset="0"/>
+              </a:rPr>
+              <a:t>Current: </a:t>
+            </a:r>
+          </a:p>
+          <a:p>
+            <a:pPr marL="171450" indent="-171450">
+              <a:buFont typeface="Arial" panose="020B0604020202020204" pitchFamily="34" charset="0"/>
+              <a:buChar char="•"/>
+            </a:pPr>
+            <a:r>
+              <a:rPr lang="en-US" i="0" dirty="0">
+                <a:latin typeface="Segoe UI" panose="020B0502040204020203" pitchFamily="34" charset="0"/>
+                <a:cs typeface="Segoe UI" panose="020B0502040204020203" pitchFamily="34" charset="0"/>
+              </a:rPr>
+              <a:t>How current is the information in the source?</a:t>
+            </a:r>
+          </a:p>
+          <a:p>
+            <a:pPr marL="171450" indent="-171450">
+              <a:buFont typeface="Arial" panose="020B0604020202020204" pitchFamily="34" charset="0"/>
+              <a:buChar char="•"/>
+            </a:pPr>
+            <a:r>
+              <a:rPr lang="en-US" i="0" dirty="0">
+                <a:latin typeface="Segoe UI" panose="020B0502040204020203" pitchFamily="34" charset="0"/>
+                <a:cs typeface="Segoe UI" panose="020B0502040204020203" pitchFamily="34" charset="0"/>
+              </a:rPr>
+              <a:t>When was the source published?</a:t>
+            </a:r>
+          </a:p>
+          <a:p>
+            <a:pPr marL="171450" indent="-171450">
+              <a:buFont typeface="Arial" panose="020B0604020202020204" pitchFamily="34" charset="0"/>
+              <a:buChar char="•"/>
+            </a:pPr>
+            <a:r>
+              <a:rPr lang="en-US" i="0" dirty="0">
+                <a:latin typeface="Segoe UI" panose="020B0502040204020203" pitchFamily="34" charset="0"/>
+                <a:cs typeface="Segoe UI" panose="020B0502040204020203" pitchFamily="34" charset="0"/>
+              </a:rPr>
+              <a:t>Is the information out-of-date?</a:t>
+            </a:r>
+          </a:p>
+          <a:p>
+            <a:pPr marL="171450" indent="-171450">
+              <a:buFont typeface="Arial" panose="020B0604020202020204" pitchFamily="34" charset="0"/>
+              <a:buChar char="•"/>
+            </a:pPr>
+            <a:endParaRPr lang="en-US" b="1" i="0" dirty="0">
+              <a:latin typeface="Segoe UI" panose="020B0502040204020203" pitchFamily="34" charset="0"/>
+              <a:cs typeface="Segoe UI" panose="020B0502040204020203" pitchFamily="34" charset="0"/>
+            </a:endParaRPr>
+          </a:p>
+          <a:p>
+            <a:pPr marL="0" indent="0">
+              <a:buFont typeface="Arial" panose="020B0604020202020204" pitchFamily="34" charset="0"/>
+              <a:buNone/>
+            </a:pPr>
+            <a:r>
+              <a:rPr lang="en-US" b="1" i="0" dirty="0">
+                <a:latin typeface="Segoe UI" panose="020B0502040204020203" pitchFamily="34" charset="0"/>
+                <a:cs typeface="Segoe UI" panose="020B0502040204020203" pitchFamily="34" charset="0"/>
+              </a:rPr>
+              <a:t>Accuracy: </a:t>
+            </a:r>
+          </a:p>
+          <a:p>
+            <a:pPr marL="171450" indent="-171450">
+              <a:buFont typeface="Arial" panose="020B0604020202020204" pitchFamily="34" charset="0"/>
+              <a:buChar char="•"/>
+            </a:pPr>
+            <a:r>
+              <a:rPr lang="en-US" i="0" dirty="0">
+                <a:latin typeface="Segoe UI" panose="020B0502040204020203" pitchFamily="34" charset="0"/>
+                <a:cs typeface="Segoe UI" panose="020B0502040204020203" pitchFamily="34" charset="0"/>
+              </a:rPr>
+              <a:t>Is the content accurate?</a:t>
+            </a:r>
+          </a:p>
+          <a:p>
+            <a:pPr marL="171450" indent="-171450">
+              <a:buFont typeface="Arial" panose="020B0604020202020204" pitchFamily="34" charset="0"/>
+              <a:buChar char="•"/>
+            </a:pPr>
+            <a:r>
+              <a:rPr lang="en-US" i="0" dirty="0">
+                <a:latin typeface="Segoe UI" panose="020B0502040204020203" pitchFamily="34" charset="0"/>
+                <a:cs typeface="Segoe UI" panose="020B0502040204020203" pitchFamily="34" charset="0"/>
+              </a:rPr>
+              <a:t>Is the information presented objectively?  Do they share the pros and cons?</a:t>
+            </a:r>
+          </a:p>
+        </p:txBody>
+      </p:sp>
+      <p:sp>
+        <p:nvSpPr>
+          <p:cNvPr id="4" name="Slide Number Placeholder 3"/>
+          <p:cNvSpPr>
+            <a:spLocks noGrp="1"/>
+          </p:cNvSpPr>
+          <p:nvPr>
+            <p:ph type="sldNum" sz="quarter" idx="10"/>
+          </p:nvPr>
+        </p:nvSpPr>
+        <p:spPr/>
+        <p:txBody>
+          <a:bodyPr/>
+          <a:lstStyle/>
+          <a:p>
+            <a:fld id="{BC849E9A-41F7-4779-A581-48A7C374A227}" type="slidenum">
+              <a:rPr lang="en-US" smtClean="0"/>
+              <a:t>16</a:t>
+            </a:fld>
+            <a:endParaRPr lang="en-US" dirty="0"/>
+          </a:p>
+        </p:txBody>
+      </p:sp>
+    </p:spTree>
+    <p:extLst>
+      <p:ext uri="{BB962C8B-B14F-4D97-AF65-F5344CB8AC3E}">
+        <p14:creationId xmlns:p14="http://schemas.microsoft.com/office/powerpoint/2010/main" val="1699864772"/>
+      </p:ext>
+    </p:extLst>
+  </p:cSld>
+  <p:clrMapOvr>
+    <a:masterClrMapping/>
+  </p:clrMapOvr>
+</p:notes>
+</file>
+
+<file path=ppt/notesSlides/notesSlide15.xml><?xml version="1.0" encoding="utf-8"?>
+<p:notes xmlns:a="http://schemas.openxmlformats.org/drawingml/2006/main" xmlns:r="http://schemas.openxmlformats.org/officeDocument/2006/relationships" xmlns:p="http://schemas.openxmlformats.org/presentationml/2006/main">
+  <p:cSld>
+    <p:spTree>
+      <p:nvGrpSpPr>
+        <p:cNvPr id="1" name=""/>
+        <p:cNvGrpSpPr/>
+        <p:nvPr/>
+      </p:nvGrpSpPr>
+      <p:grpSpPr>
+        <a:xfrm>
+          <a:off x="0" y="0"/>
+          <a:ext cx="0" cy="0"/>
+          <a:chOff x="0" y="0"/>
+          <a:chExt cx="0" cy="0"/>
+        </a:xfrm>
+      </p:grpSpPr>
+      <p:sp>
+        <p:nvSpPr>
+          <p:cNvPr id="2" name="Slide Image Placeholder 1"/>
+          <p:cNvSpPr>
+            <a:spLocks noGrp="1" noRot="1" noChangeAspect="1"/>
+          </p:cNvSpPr>
+          <p:nvPr>
+            <p:ph type="sldImg"/>
+          </p:nvPr>
+        </p:nvSpPr>
+        <p:spPr/>
+      </p:sp>
+      <p:sp>
+        <p:nvSpPr>
+          <p:cNvPr id="3" name="Notes Placeholder 2"/>
+          <p:cNvSpPr>
+            <a:spLocks noGrp="1"/>
+          </p:cNvSpPr>
+          <p:nvPr>
+            <p:ph type="body" idx="1"/>
+          </p:nvPr>
+        </p:nvSpPr>
+        <p:spPr/>
+        <p:txBody>
+          <a:bodyPr/>
+          <a:lstStyle/>
+          <a:p>
+            <a:r>
+              <a:rPr lang="en-US" dirty="0">
+                <a:latin typeface="Segoe UI" panose="020B0502040204020203" pitchFamily="34" charset="0"/>
+                <a:cs typeface="Segoe UI" panose="020B0502040204020203" pitchFamily="34" charset="0"/>
+              </a:rPr>
+              <a:t>You can use this slide as your opening or closing slide.  Should you choose to use it as a closing, make sure you review the main points of your presentation.  One creative way to do that is by adding animations to the various graphics on a slide.  This slide has 4 different graphics, and, when you view the slideshow, you will see that you can click to reveal the next graphic.  Similarly, as you review the main topics in your presentation, you may want each point to show up when you are addressing that topic. </a:t>
+            </a:r>
+          </a:p>
+          <a:p>
+            <a:endParaRPr lang="en-US" dirty="0">
+              <a:latin typeface="Segoe UI" panose="020B0502040204020203" pitchFamily="34" charset="0"/>
+              <a:cs typeface="Segoe UI" panose="020B0502040204020203" pitchFamily="34" charset="0"/>
+            </a:endParaRPr>
+          </a:p>
+          <a:p>
+            <a:r>
+              <a:rPr lang="en-US" b="1" dirty="0">
+                <a:latin typeface="Segoe UI" panose="020B0502040204020203" pitchFamily="34" charset="0"/>
+                <a:cs typeface="Segoe UI" panose="020B0502040204020203" pitchFamily="34" charset="0"/>
+              </a:rPr>
+              <a:t>Add animation to images and graphics: </a:t>
+            </a:r>
+          </a:p>
+          <a:p>
+            <a:pPr marL="228600" indent="-228600">
+              <a:buAutoNum type="arabicPeriod"/>
+            </a:pPr>
+            <a:r>
+              <a:rPr lang="en-US" dirty="0">
+                <a:latin typeface="Segoe UI" panose="020B0502040204020203" pitchFamily="34" charset="0"/>
+                <a:cs typeface="Segoe UI" panose="020B0502040204020203" pitchFamily="34" charset="0"/>
+              </a:rPr>
+              <a:t>Select your image or graphic.</a:t>
+            </a:r>
+          </a:p>
+          <a:p>
+            <a:pPr marL="228600" indent="-228600">
+              <a:buAutoNum type="arabicPeriod"/>
+            </a:pPr>
+            <a:r>
+              <a:rPr lang="en-US" dirty="0">
+                <a:latin typeface="Segoe UI" panose="020B0502040204020203" pitchFamily="34" charset="0"/>
+                <a:cs typeface="Segoe UI" panose="020B0502040204020203" pitchFamily="34" charset="0"/>
+              </a:rPr>
+              <a:t>Click on the Animations tab.</a:t>
+            </a:r>
+          </a:p>
+          <a:p>
+            <a:pPr marL="228600" indent="-228600">
+              <a:buAutoNum type="arabicPeriod"/>
+            </a:pPr>
+            <a:r>
+              <a:rPr lang="en-US" dirty="0">
+                <a:latin typeface="Segoe UI" panose="020B0502040204020203" pitchFamily="34" charset="0"/>
+                <a:cs typeface="Segoe UI" panose="020B0502040204020203" pitchFamily="34" charset="0"/>
+              </a:rPr>
+              <a:t>Choose from the options.  The animation for this slide is “Split”.  The drop-down menu in the Animation section gives even more animations you can use.</a:t>
+            </a:r>
+          </a:p>
+          <a:p>
+            <a:pPr marL="228600" indent="-228600">
+              <a:buAutoNum type="arabicPeriod"/>
+            </a:pPr>
+            <a:r>
+              <a:rPr lang="en-US" dirty="0">
+                <a:latin typeface="Segoe UI" panose="020B0502040204020203" pitchFamily="34" charset="0"/>
+                <a:cs typeface="Segoe UI" panose="020B0502040204020203" pitchFamily="34" charset="0"/>
+              </a:rPr>
+              <a:t>If you have multiple graphics or images, you will see a number appear next to it that notes the order of the animations.</a:t>
+            </a:r>
+          </a:p>
+          <a:p>
+            <a:pPr marL="228600" indent="-228600">
+              <a:buAutoNum type="arabicPeriod"/>
+            </a:pPr>
+            <a:endParaRPr lang="en-US" b="1" dirty="0">
+              <a:latin typeface="Segoe UI" panose="020B0502040204020203" pitchFamily="34" charset="0"/>
+              <a:cs typeface="Segoe UI" panose="020B0502040204020203" pitchFamily="34" charset="0"/>
+            </a:endParaRPr>
+          </a:p>
+          <a:p>
+            <a:pPr marL="0" indent="0">
+              <a:buNone/>
+            </a:pPr>
+            <a:r>
+              <a:rPr lang="en-US" b="1" dirty="0">
+                <a:latin typeface="Segoe UI" panose="020B0502040204020203" pitchFamily="34" charset="0"/>
+                <a:cs typeface="Segoe UI" panose="020B0502040204020203" pitchFamily="34" charset="0"/>
+              </a:rPr>
+              <a:t>Note: You will want to choose the animations carefully.  You do not want to make your audience dizzy from your presentation.</a:t>
+            </a:r>
+          </a:p>
+        </p:txBody>
+      </p:sp>
+      <p:sp>
+        <p:nvSpPr>
+          <p:cNvPr id="4" name="Slide Number Placeholder 3"/>
+          <p:cNvSpPr>
+            <a:spLocks noGrp="1"/>
+          </p:cNvSpPr>
+          <p:nvPr>
+            <p:ph type="sldNum" sz="quarter" idx="10"/>
+          </p:nvPr>
+        </p:nvSpPr>
+        <p:spPr/>
+        <p:txBody>
+          <a:bodyPr/>
+          <a:lstStyle/>
+          <a:p>
+            <a:fld id="{BC849E9A-41F7-4779-A581-48A7C374A227}" type="slidenum">
+              <a:rPr lang="en-US" smtClean="0"/>
+              <a:t>17</a:t>
+            </a:fld>
+            <a:endParaRPr lang="en-US" dirty="0"/>
+          </a:p>
+        </p:txBody>
+      </p:sp>
+    </p:spTree>
+    <p:extLst>
+      <p:ext uri="{BB962C8B-B14F-4D97-AF65-F5344CB8AC3E}">
+        <p14:creationId xmlns:p14="http://schemas.microsoft.com/office/powerpoint/2010/main" val="644202468"/>
+      </p:ext>
+    </p:extLst>
+  </p:cSld>
+  <p:clrMapOvr>
+    <a:masterClrMapping/>
+  </p:clrMapOvr>
+</p:notes>
+</file>
+
 <file path=ppt/notesSlides/notesSlide2.xml><?xml version="1.0" encoding="utf-8"?>
 <p:notes xmlns:a="http://schemas.openxmlformats.org/drawingml/2006/main" xmlns:r="http://schemas.openxmlformats.org/officeDocument/2006/relationships" xmlns:p="http://schemas.openxmlformats.org/presentationml/2006/main">
   <p:cSld>
@@ -1062,7 +2515,7 @@
           <a:p>
             <a:fld id="{BC849E9A-41F7-4779-A581-48A7C374A227}" type="slidenum">
               <a:rPr lang="en-US" smtClean="0"/>
-              <a:t>5</a:t>
+              <a:t>3</a:t>
             </a:fld>
             <a:endParaRPr lang="en-US" dirty="0"/>
           </a:p>
@@ -1201,7 +2654,7 @@
           <a:p>
             <a:fld id="{BC849E9A-41F7-4779-A581-48A7C374A227}" type="slidenum">
               <a:rPr lang="en-US" smtClean="0"/>
-              <a:t>6</a:t>
+              <a:t>4</a:t>
             </a:fld>
             <a:endParaRPr lang="en-US" dirty="0"/>
           </a:p>
@@ -1456,7 +2909,7 @@
           <a:p>
             <a:fld id="{BC849E9A-41F7-4779-A581-48A7C374A227}" type="slidenum">
               <a:rPr lang="en-US" smtClean="0"/>
-              <a:t>7</a:t>
+              <a:t>5</a:t>
             </a:fld>
             <a:endParaRPr lang="en-US" dirty="0"/>
           </a:p>
@@ -1711,7 +3164,7 @@
           <a:p>
             <a:fld id="{BC849E9A-41F7-4779-A581-48A7C374A227}" type="slidenum">
               <a:rPr lang="en-US" smtClean="0"/>
-              <a:t>8</a:t>
+              <a:t>6</a:t>
             </a:fld>
             <a:endParaRPr lang="en-US" dirty="0"/>
           </a:p>
@@ -1720,7 +3173,7 @@
     </p:spTree>
     <p:extLst>
       <p:ext uri="{BB962C8B-B14F-4D97-AF65-F5344CB8AC3E}">
-        <p14:creationId xmlns:p14="http://schemas.microsoft.com/office/powerpoint/2010/main" val="3015317987"/>
+        <p14:creationId xmlns:p14="http://schemas.microsoft.com/office/powerpoint/2010/main" val="3094578283"/>
       </p:ext>
     </p:extLst>
   </p:cSld>
@@ -1966,7 +3419,7 @@
           <a:p>
             <a:fld id="{BC849E9A-41F7-4779-A581-48A7C374A227}" type="slidenum">
               <a:rPr lang="en-US" smtClean="0"/>
-              <a:t>9</a:t>
+              <a:t>7</a:t>
             </a:fld>
             <a:endParaRPr lang="en-US" dirty="0"/>
           </a:p>
@@ -1975,7 +3428,7 @@
     </p:spTree>
     <p:extLst>
       <p:ext uri="{BB962C8B-B14F-4D97-AF65-F5344CB8AC3E}">
-        <p14:creationId xmlns:p14="http://schemas.microsoft.com/office/powerpoint/2010/main" val="1913292273"/>
+        <p14:creationId xmlns:p14="http://schemas.microsoft.com/office/powerpoint/2010/main" val="2501638200"/>
       </p:ext>
     </p:extLst>
   </p:cSld>
@@ -2221,7 +3674,7 @@
           <a:p>
             <a:fld id="{BC849E9A-41F7-4779-A581-48A7C374A227}" type="slidenum">
               <a:rPr lang="en-US" smtClean="0"/>
-              <a:t>10</a:t>
+              <a:t>8</a:t>
             </a:fld>
             <a:endParaRPr lang="en-US" dirty="0"/>
           </a:p>
@@ -2230,7 +3683,7 @@
     </p:spTree>
     <p:extLst>
       <p:ext uri="{BB962C8B-B14F-4D97-AF65-F5344CB8AC3E}">
-        <p14:creationId xmlns:p14="http://schemas.microsoft.com/office/powerpoint/2010/main" val="1490987536"/>
+        <p14:creationId xmlns:p14="http://schemas.microsoft.com/office/powerpoint/2010/main" val="1482810740"/>
       </p:ext>
     </p:extLst>
   </p:cSld>
@@ -2476,7 +3929,7 @@
           <a:p>
             <a:fld id="{BC849E9A-41F7-4779-A581-48A7C374A227}" type="slidenum">
               <a:rPr lang="en-US" smtClean="0"/>
-              <a:t>12</a:t>
+              <a:t>9</a:t>
             </a:fld>
             <a:endParaRPr lang="en-US" dirty="0"/>
           </a:p>
@@ -2485,7 +3938,7 @@
     </p:spTree>
     <p:extLst>
       <p:ext uri="{BB962C8B-B14F-4D97-AF65-F5344CB8AC3E}">
-        <p14:creationId xmlns:p14="http://schemas.microsoft.com/office/powerpoint/2010/main" val="2026532120"/>
+        <p14:creationId xmlns:p14="http://schemas.microsoft.com/office/powerpoint/2010/main" val="2084342735"/>
       </p:ext>
     </p:extLst>
   </p:cSld>
@@ -2540,95 +3993,176 @@
           <a:lstStyle/>
           <a:p>
             <a:r>
-              <a:rPr lang="en-US" dirty="0">
+              <a:rPr lang="en-US" i="0" dirty="0">
                 <a:latin typeface="Segoe UI" panose="020B0502040204020203" pitchFamily="34" charset="0"/>
                 <a:cs typeface="Segoe UI" panose="020B0502040204020203" pitchFamily="34" charset="0"/>
               </a:rPr>
-              <a:t>You can use this slide as your opening or closing slide.  Should you choose to use it as a closing, make sure you review the main points of your presentation.  One creative way to do that is by adding animations to the various graphics on a slide.  This slide has 4 different graphics, and, when you view the slideshow, you will see that you can click to reveal the next graphic.  Similarly, as you review the main topics in your presentation, you may want each point to show up when you are addressing that topic. </a:t>
-            </a:r>
-          </a:p>
-          <a:p>
-            <a:endParaRPr lang="en-US" dirty="0">
+              <a:t>Once you find your sources, you will want to evaluate your sources using the following questions: </a:t>
+            </a:r>
+          </a:p>
+          <a:p>
+            <a:endParaRPr lang="en-US" i="0" dirty="0">
               <a:latin typeface="Segoe UI" panose="020B0502040204020203" pitchFamily="34" charset="0"/>
               <a:cs typeface="Segoe UI" panose="020B0502040204020203" pitchFamily="34" charset="0"/>
             </a:endParaRPr>
           </a:p>
           <a:p>
             <a:r>
-              <a:rPr lang="en-US" b="1" dirty="0">
+              <a:rPr lang="en-US" b="1" i="0" dirty="0">
                 <a:latin typeface="Segoe UI" panose="020B0502040204020203" pitchFamily="34" charset="0"/>
                 <a:cs typeface="Segoe UI" panose="020B0502040204020203" pitchFamily="34" charset="0"/>
               </a:rPr>
-              <a:t>Add animation to images and graphics: </a:t>
-            </a:r>
-          </a:p>
-          <a:p>
-            <a:pPr marL="228600" indent="-228600">
-              <a:buAutoNum type="arabicPeriod"/>
-            </a:pPr>
-            <a:r>
-              <a:rPr lang="en-US" dirty="0">
+              <a:t>Author: </a:t>
+            </a:r>
+          </a:p>
+          <a:p>
+            <a:pPr marL="171450" indent="-171450">
+              <a:buFont typeface="Arial" panose="020B0604020202020204" pitchFamily="34" charset="0"/>
+              <a:buChar char="•"/>
+            </a:pPr>
+            <a:r>
+              <a:rPr lang="en-US" i="0" dirty="0">
                 <a:latin typeface="Segoe UI" panose="020B0502040204020203" pitchFamily="34" charset="0"/>
                 <a:cs typeface="Segoe UI" panose="020B0502040204020203" pitchFamily="34" charset="0"/>
               </a:rPr>
-              <a:t>Select your image or graphic.</a:t>
-            </a:r>
-          </a:p>
-          <a:p>
-            <a:pPr marL="228600" indent="-228600">
-              <a:buAutoNum type="arabicPeriod"/>
-            </a:pPr>
-            <a:r>
-              <a:rPr lang="en-US" dirty="0">
+              <a:t>Who is the author?</a:t>
+            </a:r>
+          </a:p>
+          <a:p>
+            <a:pPr marL="171450" indent="-171450">
+              <a:buFont typeface="Arial" panose="020B0604020202020204" pitchFamily="34" charset="0"/>
+              <a:buChar char="•"/>
+            </a:pPr>
+            <a:r>
+              <a:rPr lang="en-US" i="0" dirty="0">
                 <a:latin typeface="Segoe UI" panose="020B0502040204020203" pitchFamily="34" charset="0"/>
                 <a:cs typeface="Segoe UI" panose="020B0502040204020203" pitchFamily="34" charset="0"/>
               </a:rPr>
-              <a:t>Click on the Animations tab.</a:t>
-            </a:r>
-          </a:p>
-          <a:p>
-            <a:pPr marL="228600" indent="-228600">
-              <a:buAutoNum type="arabicPeriod"/>
-            </a:pPr>
-            <a:r>
-              <a:rPr lang="en-US" dirty="0">
+              <a:t>Why should I believe what he or she has to say on the topic?</a:t>
+            </a:r>
+          </a:p>
+          <a:p>
+            <a:pPr marL="171450" indent="-171450">
+              <a:buFont typeface="Arial" panose="020B0604020202020204" pitchFamily="34" charset="0"/>
+              <a:buChar char="•"/>
+            </a:pPr>
+            <a:r>
+              <a:rPr lang="en-US" i="0" dirty="0">
                 <a:latin typeface="Segoe UI" panose="020B0502040204020203" pitchFamily="34" charset="0"/>
                 <a:cs typeface="Segoe UI" panose="020B0502040204020203" pitchFamily="34" charset="0"/>
               </a:rPr>
-              <a:t>Choose from the options.  The animation for this slide is “Split”.  The drop-down menu in the Animation section gives even more animations you can use.</a:t>
-            </a:r>
-          </a:p>
-          <a:p>
-            <a:pPr marL="228600" indent="-228600">
-              <a:buAutoNum type="arabicPeriod"/>
-            </a:pPr>
-            <a:r>
-              <a:rPr lang="en-US" dirty="0">
-                <a:latin typeface="Segoe UI" panose="020B0502040204020203" pitchFamily="34" charset="0"/>
-                <a:cs typeface="Segoe UI" panose="020B0502040204020203" pitchFamily="34" charset="0"/>
-              </a:rPr>
-              <a:t>If you have multiple graphics or images, you will see a number appear next to it that notes the order of the animations.</a:t>
-            </a:r>
-          </a:p>
-          <a:p>
-            <a:pPr marL="228600" indent="-228600">
-              <a:buAutoNum type="arabicPeriod"/>
-            </a:pPr>
-            <a:endParaRPr lang="en-US" b="1" dirty="0">
+              <a:t>Is the author seen as an expert on the topic? How do you know?</a:t>
+            </a:r>
+          </a:p>
+          <a:p>
+            <a:pPr marL="171450" indent="-171450">
+              <a:buFont typeface="Arial" panose="020B0604020202020204" pitchFamily="34" charset="0"/>
+              <a:buChar char="•"/>
+            </a:pPr>
+            <a:endParaRPr lang="en-US" i="0" dirty="0">
               <a:latin typeface="Segoe UI" panose="020B0502040204020203" pitchFamily="34" charset="0"/>
               <a:cs typeface="Segoe UI" panose="020B0502040204020203" pitchFamily="34" charset="0"/>
             </a:endParaRPr>
           </a:p>
           <a:p>
             <a:pPr marL="0" indent="0">
+              <a:buFont typeface="Arial" panose="020B0604020202020204" pitchFamily="34" charset="0"/>
               <a:buNone/>
             </a:pPr>
             <a:r>
-              <a:rPr lang="en-US" b="1" dirty="0">
+              <a:rPr lang="en-US" b="1" i="0" dirty="0">
                 <a:latin typeface="Segoe UI" panose="020B0502040204020203" pitchFamily="34" charset="0"/>
                 <a:cs typeface="Segoe UI" panose="020B0502040204020203" pitchFamily="34" charset="0"/>
               </a:rPr>
-              <a:t>Note: You will want to choose the animations carefully.  You do not want to make your audience dizzy from your presentation.</a:t>
+              <a:t>Current: </a:t>
+            </a:r>
+          </a:p>
+          <a:p>
+            <a:pPr marL="171450" indent="-171450">
+              <a:buFont typeface="Arial" panose="020B0604020202020204" pitchFamily="34" charset="0"/>
+              <a:buChar char="•"/>
+            </a:pPr>
+            <a:r>
+              <a:rPr lang="en-US" i="0" dirty="0">
+                <a:latin typeface="Segoe UI" panose="020B0502040204020203" pitchFamily="34" charset="0"/>
+                <a:cs typeface="Segoe UI" panose="020B0502040204020203" pitchFamily="34" charset="0"/>
+              </a:rPr>
+              <a:t>How current is the information in the source?</a:t>
+            </a:r>
+          </a:p>
+          <a:p>
+            <a:pPr marL="171450" indent="-171450">
+              <a:buFont typeface="Arial" panose="020B0604020202020204" pitchFamily="34" charset="0"/>
+              <a:buChar char="•"/>
+            </a:pPr>
+            <a:r>
+              <a:rPr lang="en-US" i="0" dirty="0">
+                <a:latin typeface="Segoe UI" panose="020B0502040204020203" pitchFamily="34" charset="0"/>
+                <a:cs typeface="Segoe UI" panose="020B0502040204020203" pitchFamily="34" charset="0"/>
+              </a:rPr>
+              <a:t>When was the source published?</a:t>
+            </a:r>
+          </a:p>
+          <a:p>
+            <a:pPr marL="171450" indent="-171450">
+              <a:buFont typeface="Arial" panose="020B0604020202020204" pitchFamily="34" charset="0"/>
+              <a:buChar char="•"/>
+            </a:pPr>
+            <a:r>
+              <a:rPr lang="en-US" i="0" dirty="0">
+                <a:latin typeface="Segoe UI" panose="020B0502040204020203" pitchFamily="34" charset="0"/>
+                <a:cs typeface="Segoe UI" panose="020B0502040204020203" pitchFamily="34" charset="0"/>
+              </a:rPr>
+              <a:t>Is the information out-of-date?</a:t>
+            </a:r>
+          </a:p>
+          <a:p>
+            <a:pPr marL="171450" indent="-171450">
+              <a:buFont typeface="Arial" panose="020B0604020202020204" pitchFamily="34" charset="0"/>
+              <a:buChar char="•"/>
+            </a:pPr>
+            <a:endParaRPr lang="en-US" b="1" i="0" dirty="0">
+              <a:latin typeface="Segoe UI" panose="020B0502040204020203" pitchFamily="34" charset="0"/>
+              <a:cs typeface="Segoe UI" panose="020B0502040204020203" pitchFamily="34" charset="0"/>
+            </a:endParaRPr>
+          </a:p>
+          <a:p>
+            <a:pPr marL="0" indent="0">
+              <a:buFont typeface="Arial" panose="020B0604020202020204" pitchFamily="34" charset="0"/>
+              <a:buNone/>
+            </a:pPr>
+            <a:r>
+              <a:rPr lang="en-US" b="1" i="0" dirty="0">
+                <a:latin typeface="Segoe UI" panose="020B0502040204020203" pitchFamily="34" charset="0"/>
+                <a:cs typeface="Segoe UI" panose="020B0502040204020203" pitchFamily="34" charset="0"/>
+              </a:rPr>
+              <a:t>Accuracy: </a:t>
+            </a:r>
+          </a:p>
+          <a:p>
+            <a:pPr marL="171450" indent="-171450">
+              <a:buFont typeface="Arial" panose="020B0604020202020204" pitchFamily="34" charset="0"/>
+              <a:buChar char="•"/>
+            </a:pPr>
+            <a:r>
+              <a:rPr lang="en-US" i="0" dirty="0">
+                <a:latin typeface="Segoe UI" panose="020B0502040204020203" pitchFamily="34" charset="0"/>
+                <a:cs typeface="Segoe UI" panose="020B0502040204020203" pitchFamily="34" charset="0"/>
+              </a:rPr>
+              <a:t>Is the content accurate?</a:t>
+            </a:r>
+          </a:p>
+          <a:p>
+            <a:pPr marL="171450" indent="-171450">
+              <a:buFont typeface="Arial" panose="020B0604020202020204" pitchFamily="34" charset="0"/>
+              <a:buChar char="•"/>
+            </a:pPr>
+            <a:r>
+              <a:rPr lang="en-US" i="0" dirty="0">
+                <a:latin typeface="Segoe UI" panose="020B0502040204020203" pitchFamily="34" charset="0"/>
+                <a:cs typeface="Segoe UI" panose="020B0502040204020203" pitchFamily="34" charset="0"/>
+              </a:rPr>
+              <a:t>Is the information presented objectively?  Do they share the pros and cons?</a:t>
             </a:r>
           </a:p>
         </p:txBody>
@@ -2650,7 +4184,7 @@
           <a:p>
             <a:fld id="{BC849E9A-41F7-4779-A581-48A7C374A227}" type="slidenum">
               <a:rPr lang="en-US" smtClean="0"/>
-              <a:t>13</a:t>
+              <a:t>10</a:t>
             </a:fld>
             <a:endParaRPr lang="en-US" dirty="0"/>
           </a:p>
@@ -2659,7 +4193,7 @@
     </p:spTree>
     <p:extLst>
       <p:ext uri="{BB962C8B-B14F-4D97-AF65-F5344CB8AC3E}">
-        <p14:creationId xmlns:p14="http://schemas.microsoft.com/office/powerpoint/2010/main" val="644202468"/>
+        <p14:creationId xmlns:p14="http://schemas.microsoft.com/office/powerpoint/2010/main" val="1913292273"/>
       </p:ext>
     </p:extLst>
   </p:cSld>
@@ -7198,21 +8732,16 @@
           <a:p>
             <a:pPr algn="ctr"/>
             <a:r>
-              <a:rPr lang="en-US" sz="4000" dirty="0"/>
-              <a:t>AWS </a:t>
-            </a:r>
-            <a:r>
-              <a:rPr lang="en-US" sz="4000" dirty="0" err="1"/>
-              <a:t>CodeBuild</a:t>
-            </a:r>
-            <a:endParaRPr lang="en-US" sz="4000" kern="1200" dirty="0">
-              <a:solidFill>
-                <a:schemeClr val="tx1"/>
-              </a:solidFill>
-              <a:latin typeface="+mj-lt"/>
-              <a:ea typeface="+mj-ea"/>
-              <a:cs typeface="+mj-cs"/>
-            </a:endParaRPr>
+              <a:rPr lang="en-US" sz="4000" kern="1200" dirty="0">
+                <a:solidFill>
+                  <a:schemeClr val="tx1"/>
+                </a:solidFill>
+                <a:latin typeface="+mj-lt"/>
+                <a:ea typeface="+mj-ea"/>
+                <a:cs typeface="+mj-cs"/>
+              </a:rPr>
+              <a:t>Security Roles</a:t>
+            </a:r>
           </a:p>
         </p:txBody>
       </p:sp>
@@ -7291,7 +8820,7 @@
           <p:cNvPr id="3" name="TextBox 2">
             <a:extLst>
               <a:ext uri="{FF2B5EF4-FFF2-40B4-BE49-F238E27FC236}">
-                <a16:creationId xmlns:a16="http://schemas.microsoft.com/office/drawing/2014/main" id="{3DA47A83-3C4B-4A44-A497-1DB8B4E3B592}"/>
+                <a16:creationId xmlns:a16="http://schemas.microsoft.com/office/drawing/2014/main" id="{9541D1AC-EC5A-4D3E-A0C4-7747BACB8150}"/>
               </a:ext>
             </a:extLst>
           </p:cNvPr>
@@ -7300,8 +8829,8 @@
         </p:nvSpPr>
         <p:spPr>
           <a:xfrm>
-            <a:off x="1090670" y="2375471"/>
-            <a:ext cx="10113484" cy="4204356"/>
+            <a:off x="535709" y="1910772"/>
+            <a:ext cx="11591635" cy="5324535"/>
           </a:xfrm>
           <a:prstGeom prst="rect">
             <a:avLst/>
@@ -7315,204 +8844,166 @@
           <a:lstStyle/>
           <a:p>
             <a:pPr marL="285750" indent="-285750">
-              <a:lnSpc>
-                <a:spcPct val="150000"/>
-              </a:lnSpc>
-              <a:buFont typeface="Arial" panose="020B0604020202020204" pitchFamily="34" charset="0"/>
-              <a:buChar char="•"/>
-            </a:pPr>
-            <a:r>
-              <a:rPr lang="en-US" dirty="0"/>
-              <a:t>Build service, which compiles source code, runs tests, and produces artifacts</a:t>
-            </a:r>
+              <a:buFont typeface="Arial" panose="020B0604020202020204" pitchFamily="34" charset="0"/>
+              <a:buChar char="•"/>
+            </a:pPr>
+            <a:r>
+              <a:rPr lang="en-US" sz="1700" dirty="0"/>
+              <a:t>IAM users are granted the least privilege access and added to user groups that were related to their job function, instead of granting individual permissions.</a:t>
+            </a:r>
+          </a:p>
+          <a:p>
+            <a:pPr marL="742950" lvl="1" indent="-285750">
+              <a:buFont typeface="Arial" panose="020B0604020202020204" pitchFamily="34" charset="0"/>
+              <a:buChar char="•"/>
+            </a:pPr>
+            <a:r>
+              <a:rPr lang="en-US" sz="1700" dirty="0"/>
+              <a:t>We utilized user groups for more streamlined access management. If needed, changes can be made at the group level in one-place.</a:t>
+            </a:r>
+          </a:p>
+          <a:p>
+            <a:pPr marL="742950" lvl="1" indent="-285750">
+              <a:buFont typeface="Arial" panose="020B0604020202020204" pitchFamily="34" charset="0"/>
+              <a:buChar char="•"/>
+            </a:pPr>
+            <a:endParaRPr lang="en-US" sz="1700" dirty="0"/>
           </a:p>
           <a:p>
             <a:pPr marL="285750" indent="-285750">
-              <a:lnSpc>
-                <a:spcPct val="150000"/>
-              </a:lnSpc>
-              <a:buFont typeface="Arial" panose="020B0604020202020204" pitchFamily="34" charset="0"/>
-              <a:buChar char="•"/>
-            </a:pPr>
-            <a:r>
-              <a:rPr lang="en-US" dirty="0"/>
-              <a:t>Pulls source code from </a:t>
-            </a:r>
-            <a:r>
-              <a:rPr lang="en-US" dirty="0" err="1"/>
-              <a:t>CodeCommit</a:t>
-            </a:r>
-            <a:r>
-              <a:rPr lang="en-US" dirty="0"/>
-              <a:t>, Amazon S3, GitHub, or Bitbucket</a:t>
-            </a:r>
+              <a:buFont typeface="Arial" panose="020B0604020202020204" pitchFamily="34" charset="0"/>
+              <a:buChar char="•"/>
+            </a:pPr>
+            <a:r>
+              <a:rPr lang="en-US" sz="1700" dirty="0"/>
+              <a:t>AWS defined access level classifications for the actions in a services as:</a:t>
+            </a:r>
+          </a:p>
+          <a:p>
+            <a:pPr marL="742950" lvl="1" indent="-285750">
+              <a:buFont typeface="Arial" panose="020B0604020202020204" pitchFamily="34" charset="0"/>
+              <a:buChar char="•"/>
+            </a:pPr>
+            <a:r>
+              <a:rPr lang="en-US" sz="1700" b="1" dirty="0"/>
+              <a:t>List</a:t>
+            </a:r>
+            <a:r>
+              <a:rPr lang="en-US" sz="1700" dirty="0"/>
+              <a:t>: permission to list  resources within a service to determine if an object exists, but cannot see the contents of the resource</a:t>
+            </a:r>
+          </a:p>
+          <a:p>
+            <a:pPr marL="742950" lvl="1" indent="-285750">
+              <a:buFont typeface="Arial" panose="020B0604020202020204" pitchFamily="34" charset="0"/>
+              <a:buChar char="•"/>
+            </a:pPr>
+            <a:r>
+              <a:rPr lang="en-US" sz="1700" b="1" dirty="0"/>
+              <a:t>Read</a:t>
+            </a:r>
+            <a:r>
+              <a:rPr lang="en-US" sz="1700" dirty="0"/>
+              <a:t>: read only permission, cannot edit the contents or attributes in the service</a:t>
+            </a:r>
+          </a:p>
+          <a:p>
+            <a:pPr marL="742950" lvl="1" indent="-285750">
+              <a:buFont typeface="Arial" panose="020B0604020202020204" pitchFamily="34" charset="0"/>
+              <a:buChar char="•"/>
+            </a:pPr>
+            <a:r>
+              <a:rPr lang="en-US" sz="1700" b="1" dirty="0"/>
+              <a:t>Write</a:t>
+            </a:r>
+            <a:r>
+              <a:rPr lang="en-US" sz="1700" dirty="0"/>
+              <a:t>: permission to create, delete, and modify  resources in the service</a:t>
+            </a:r>
+          </a:p>
+          <a:p>
+            <a:pPr marL="742950" lvl="1" indent="-285750">
+              <a:buFont typeface="Arial" panose="020B0604020202020204" pitchFamily="34" charset="0"/>
+              <a:buChar char="•"/>
+            </a:pPr>
+            <a:r>
+              <a:rPr lang="en-US" sz="1700" b="1" dirty="0"/>
+              <a:t>Tagging</a:t>
+            </a:r>
+            <a:r>
+              <a:rPr lang="en-US" sz="1700" dirty="0"/>
+              <a:t>: permission to perform actions that only change the state of the resource tags</a:t>
+            </a:r>
+          </a:p>
+          <a:p>
+            <a:pPr marL="742950" lvl="1" indent="-285750">
+              <a:buFont typeface="Arial" panose="020B0604020202020204" pitchFamily="34" charset="0"/>
+              <a:buChar char="•"/>
+            </a:pPr>
+            <a:r>
+              <a:rPr lang="en-US" sz="1700" b="1" dirty="0"/>
+              <a:t>Permissions Management</a:t>
+            </a:r>
+            <a:r>
+              <a:rPr lang="en-US" sz="1700" dirty="0"/>
+              <a:t>: permission to grant or modify resource permissions in a service</a:t>
+            </a:r>
+          </a:p>
+          <a:p>
+            <a:pPr marL="742950" lvl="1" indent="-285750">
+              <a:buFont typeface="Arial" panose="020B0604020202020204" pitchFamily="34" charset="0"/>
+              <a:buChar char="•"/>
+            </a:pPr>
+            <a:endParaRPr lang="en-US" sz="1700" dirty="0"/>
           </a:p>
           <a:p>
             <a:pPr marL="285750" indent="-285750">
-              <a:lnSpc>
-                <a:spcPct val="150000"/>
-              </a:lnSpc>
-              <a:buFont typeface="Arial" panose="020B0604020202020204" pitchFamily="34" charset="0"/>
-              <a:buChar char="•"/>
-            </a:pPr>
-            <a:r>
-              <a:rPr lang="en-US" dirty="0"/>
-              <a:t>Supports popular programming languages and build tools, and can be customized</a:t>
-            </a:r>
+              <a:buFont typeface="Arial" panose="020B0604020202020204" pitchFamily="34" charset="0"/>
+              <a:buChar char="•"/>
+            </a:pPr>
+            <a:r>
+              <a:rPr lang="en-US" sz="1700" dirty="0"/>
+              <a:t>The following groups would be created: Admin, Developer, User</a:t>
+            </a:r>
+          </a:p>
+          <a:p>
+            <a:endParaRPr lang="en-US" sz="1700" dirty="0"/>
           </a:p>
           <a:p>
             <a:pPr marL="285750" indent="-285750">
-              <a:lnSpc>
-                <a:spcPct val="150000"/>
-              </a:lnSpc>
-              <a:buFont typeface="Arial" panose="020B0604020202020204" pitchFamily="34" charset="0"/>
-              <a:buChar char="•"/>
-            </a:pPr>
-            <a:r>
-              <a:rPr lang="en-US" dirty="0"/>
-              <a:t>Run via AWS </a:t>
-            </a:r>
-            <a:r>
-              <a:rPr lang="en-US" dirty="0" err="1"/>
-              <a:t>CodeBuild</a:t>
-            </a:r>
-            <a:r>
-              <a:rPr lang="en-US" dirty="0"/>
-              <a:t> console, AWS CLI, AWS SDKs, or AWS </a:t>
-            </a:r>
-            <a:r>
-              <a:rPr lang="en-US" dirty="0" err="1"/>
-              <a:t>CodePipeline</a:t>
-            </a:r>
-            <a:endParaRPr lang="en-US" dirty="0"/>
-          </a:p>
-          <a:p>
-            <a:pPr marL="285750" indent="-285750">
-              <a:lnSpc>
-                <a:spcPct val="150000"/>
-              </a:lnSpc>
-              <a:buFont typeface="Arial" panose="020B0604020202020204" pitchFamily="34" charset="0"/>
-              <a:buChar char="•"/>
-            </a:pPr>
-            <a:r>
-              <a:rPr lang="en-US" dirty="0"/>
-              <a:t>Ability to view the overall status of the build, build phase details, and build logs</a:t>
-            </a:r>
-          </a:p>
-          <a:p>
-            <a:pPr marL="285750" indent="-285750">
-              <a:lnSpc>
-                <a:spcPct val="150000"/>
-              </a:lnSpc>
-              <a:buFont typeface="Arial" panose="020B0604020202020204" pitchFamily="34" charset="0"/>
-              <a:buChar char="•"/>
-            </a:pPr>
-            <a:r>
-              <a:rPr lang="en-US" dirty="0"/>
-              <a:t>Build specifications are written using a specific </a:t>
-            </a:r>
-            <a:r>
-              <a:rPr lang="en-US" dirty="0">
+              <a:buFont typeface="Arial" panose="020B0604020202020204" pitchFamily="34" charset="0"/>
+              <a:buChar char="•"/>
+            </a:pPr>
+            <a:r>
+              <a:rPr lang="en-US" sz="1700" dirty="0"/>
+              <a:t>AWS Managed Policies would also be attached to each of the roles, as they are already available, and are maintained and updated by AWS.</a:t>
+            </a:r>
+          </a:p>
+          <a:p>
+            <a:endParaRPr lang="en-US" sz="1700" dirty="0"/>
+          </a:p>
+          <a:p>
+            <a:r>
+              <a:rPr lang="en-US" sz="1700" dirty="0"/>
+              <a:t>Source: </a:t>
+            </a:r>
+            <a:r>
+              <a:rPr lang="en-US" sz="1700" dirty="0">
                 <a:hlinkClick r:id="rId3"/>
               </a:rPr>
-              <a:t>syntax</a:t>
-            </a:r>
-            <a:r>
-              <a:rPr lang="en-US" dirty="0"/>
-              <a:t>, in a </a:t>
-            </a:r>
-            <a:r>
-              <a:rPr lang="en-US" dirty="0" err="1"/>
-              <a:t>yaml</a:t>
-            </a:r>
-            <a:r>
-              <a:rPr lang="en-US" dirty="0"/>
-              <a:t> format</a:t>
-            </a:r>
-          </a:p>
-          <a:p>
-            <a:pPr marL="285750" indent="-285750">
-              <a:lnSpc>
-                <a:spcPct val="150000"/>
-              </a:lnSpc>
-              <a:buFont typeface="Arial" panose="020B0604020202020204" pitchFamily="34" charset="0"/>
-              <a:buChar char="•"/>
-            </a:pPr>
-            <a:r>
-              <a:rPr lang="en-US" dirty="0">
-                <a:hlinkClick r:id="rId4"/>
-              </a:rPr>
-              <a:t>Pricing</a:t>
-            </a:r>
-            <a:r>
-              <a:rPr lang="en-US" dirty="0"/>
-              <a:t> is based on the number of build minutes, and there is a free tier option</a:t>
-            </a:r>
-          </a:p>
-          <a:p>
-            <a:pPr marL="285750" indent="-285750">
-              <a:lnSpc>
-                <a:spcPct val="150000"/>
-              </a:lnSpc>
-              <a:buFont typeface="Arial" panose="020B0604020202020204" pitchFamily="34" charset="0"/>
-              <a:buChar char="•"/>
-            </a:pPr>
-            <a:r>
-              <a:rPr lang="en-US" dirty="0"/>
-              <a:t>Team decided to use AWS </a:t>
-            </a:r>
-            <a:r>
-              <a:rPr lang="en-US" dirty="0" err="1"/>
-              <a:t>CodeBuild</a:t>
-            </a:r>
-            <a:r>
-              <a:rPr lang="en-US" dirty="0"/>
-              <a:t> because of the easy integration with AWS </a:t>
-            </a:r>
-            <a:r>
-              <a:rPr lang="en-US" dirty="0" err="1"/>
-              <a:t>CodePipeline</a:t>
-            </a:r>
-            <a:endParaRPr lang="en-US" dirty="0"/>
-          </a:p>
-          <a:p>
-            <a:pPr marL="285750" indent="-285750">
-              <a:lnSpc>
-                <a:spcPct val="150000"/>
-              </a:lnSpc>
-              <a:buFont typeface="Arial" panose="020B0604020202020204" pitchFamily="34" charset="0"/>
-              <a:buChar char="•"/>
-            </a:pPr>
-            <a:endParaRPr lang="en-US" dirty="0"/>
-          </a:p>
-          <a:p>
-            <a:pPr lvl="1">
-              <a:lnSpc>
-                <a:spcPct val="150000"/>
-              </a:lnSpc>
-            </a:pPr>
-            <a:r>
-              <a:rPr lang="en-US" dirty="0"/>
-              <a:t>(Source:  </a:t>
-            </a:r>
-            <a:r>
-              <a:rPr lang="fr-FR" dirty="0">
-                <a:hlinkClick r:id="rId5"/>
-              </a:rPr>
-              <a:t>https://docs.aws.amazon.com/codebuild/latest/userguide/welcome.html</a:t>
-            </a:r>
-            <a:r>
-              <a:rPr lang="fr-FR" dirty="0"/>
-              <a:t>)</a:t>
-            </a:r>
-            <a:endParaRPr lang="en-US" dirty="0"/>
+              <a:t>https://docs.aws.amazon.com/IAM/latest/UserGuide/best-practices.html</a:t>
+            </a:r>
+            <a:endParaRPr lang="en-US" sz="1700" dirty="0"/>
+          </a:p>
+          <a:p>
+            <a:endParaRPr lang="en-US" sz="1700" dirty="0"/>
           </a:p>
         </p:txBody>
       </p:sp>
     </p:spTree>
     <p:extLst>
       <p:ext uri="{BB962C8B-B14F-4D97-AF65-F5344CB8AC3E}">
-        <p14:creationId xmlns:p14="http://schemas.microsoft.com/office/powerpoint/2010/main" val="512997375"/>
+        <p14:creationId xmlns:p14="http://schemas.microsoft.com/office/powerpoint/2010/main" val="2730560187"/>
       </p:ext>
     </p:extLst>
   </p:cSld>
@@ -7523,126 +9014,6 @@
 </file>
 
 <file path=ppt/slides/slide11.xml><?xml version="1.0" encoding="utf-8"?>
-<p:sld xmlns:a="http://schemas.openxmlformats.org/drawingml/2006/main" xmlns:r="http://schemas.openxmlformats.org/officeDocument/2006/relationships" xmlns:p="http://schemas.openxmlformats.org/presentationml/2006/main">
-  <p:cSld>
-    <p:spTree>
-      <p:nvGrpSpPr>
-        <p:cNvPr id="1" name=""/>
-        <p:cNvGrpSpPr/>
-        <p:nvPr/>
-      </p:nvGrpSpPr>
-      <p:grpSpPr>
-        <a:xfrm>
-          <a:off x="0" y="0"/>
-          <a:ext cx="0" cy="0"/>
-          <a:chOff x="0" y="0"/>
-          <a:chExt cx="0" cy="0"/>
-        </a:xfrm>
-      </p:grpSpPr>
-      <p:pic>
-        <p:nvPicPr>
-          <p:cNvPr id="4" name="Picture 3">
-            <a:extLst>
-              <a:ext uri="{FF2B5EF4-FFF2-40B4-BE49-F238E27FC236}">
-                <a16:creationId xmlns:a16="http://schemas.microsoft.com/office/drawing/2014/main" id="{05D957DA-20B5-425F-8107-70B33683D008}"/>
-              </a:ext>
-            </a:extLst>
-          </p:cNvPr>
-          <p:cNvPicPr>
-            <a:picLocks noChangeAspect="1"/>
-          </p:cNvPicPr>
-          <p:nvPr/>
-        </p:nvPicPr>
-        <p:blipFill>
-          <a:blip r:embed="rId2"/>
-          <a:stretch>
-            <a:fillRect/>
-          </a:stretch>
-        </p:blipFill>
-        <p:spPr>
-          <a:xfrm>
-            <a:off x="5549735" y="283944"/>
-            <a:ext cx="4381005" cy="3052506"/>
-          </a:xfrm>
-          <a:prstGeom prst="rect">
-            <a:avLst/>
-          </a:prstGeom>
-        </p:spPr>
-      </p:pic>
-      <p:pic>
-        <p:nvPicPr>
-          <p:cNvPr id="5" name="Picture 4">
-            <a:extLst>
-              <a:ext uri="{FF2B5EF4-FFF2-40B4-BE49-F238E27FC236}">
-                <a16:creationId xmlns:a16="http://schemas.microsoft.com/office/drawing/2014/main" id="{C163E8EA-8E86-4750-AAD1-89302E978901}"/>
-              </a:ext>
-            </a:extLst>
-          </p:cNvPr>
-          <p:cNvPicPr>
-            <a:picLocks noChangeAspect="1"/>
-          </p:cNvPicPr>
-          <p:nvPr/>
-        </p:nvPicPr>
-        <p:blipFill>
-          <a:blip r:embed="rId3"/>
-          <a:stretch>
-            <a:fillRect/>
-          </a:stretch>
-        </p:blipFill>
-        <p:spPr>
-          <a:xfrm>
-            <a:off x="2388919" y="3521551"/>
-            <a:ext cx="6915398" cy="2949481"/>
-          </a:xfrm>
-          <a:prstGeom prst="rect">
-            <a:avLst/>
-          </a:prstGeom>
-        </p:spPr>
-      </p:pic>
-      <p:pic>
-        <p:nvPicPr>
-          <p:cNvPr id="6" name="Picture 5">
-            <a:extLst>
-              <a:ext uri="{FF2B5EF4-FFF2-40B4-BE49-F238E27FC236}">
-                <a16:creationId xmlns:a16="http://schemas.microsoft.com/office/drawing/2014/main" id="{D7540EB3-365D-4B5D-AB41-6C01469E3CB0}"/>
-              </a:ext>
-            </a:extLst>
-          </p:cNvPr>
-          <p:cNvPicPr>
-            <a:picLocks noChangeAspect="1"/>
-          </p:cNvPicPr>
-          <p:nvPr/>
-        </p:nvPicPr>
-        <p:blipFill>
-          <a:blip r:embed="rId4"/>
-          <a:stretch>
-            <a:fillRect/>
-          </a:stretch>
-        </p:blipFill>
-        <p:spPr>
-          <a:xfrm>
-            <a:off x="2025654" y="1042988"/>
-            <a:ext cx="2819400" cy="1590675"/>
-          </a:xfrm>
-          <a:prstGeom prst="rect">
-            <a:avLst/>
-          </a:prstGeom>
-        </p:spPr>
-      </p:pic>
-    </p:spTree>
-    <p:extLst>
-      <p:ext uri="{BB962C8B-B14F-4D97-AF65-F5344CB8AC3E}">
-        <p14:creationId xmlns:p14="http://schemas.microsoft.com/office/powerpoint/2010/main" val="519025307"/>
-      </p:ext>
-    </p:extLst>
-  </p:cSld>
-  <p:clrMapOvr>
-    <a:masterClrMapping/>
-  </p:clrMapOvr>
-</p:sld>
-</file>
-
-<file path=ppt/slides/slide12.xml><?xml version="1.0" encoding="utf-8"?>
 <p:sld xmlns:a="http://schemas.openxmlformats.org/drawingml/2006/main" xmlns:r="http://schemas.openxmlformats.org/officeDocument/2006/relationships" xmlns:p="http://schemas.openxmlformats.org/presentationml/2006/main">
   <p:cSld>
     <p:bg>
@@ -7864,7 +9235,7 @@
                 <a:ea typeface="+mj-ea"/>
                 <a:cs typeface="+mj-cs"/>
               </a:rPr>
-              <a:t>Mock-ups</a:t>
+              <a:t>Performance Testing</a:t>
             </a:r>
           </a:p>
         </p:txBody>
@@ -7939,6 +9310,1093 @@
           </a:p>
         </p:txBody>
       </p:sp>
+      <p:sp>
+        <p:nvSpPr>
+          <p:cNvPr id="3" name="TextBox 2">
+            <a:extLst>
+              <a:ext uri="{FF2B5EF4-FFF2-40B4-BE49-F238E27FC236}">
+                <a16:creationId xmlns:a16="http://schemas.microsoft.com/office/drawing/2014/main" id="{883BB1EE-B47C-4F88-9BD4-DD794BA5AECE}"/>
+              </a:ext>
+            </a:extLst>
+          </p:cNvPr>
+          <p:cNvSpPr txBox="1"/>
+          <p:nvPr/>
+        </p:nvSpPr>
+        <p:spPr>
+          <a:xfrm>
+            <a:off x="443345" y="2179782"/>
+            <a:ext cx="11305310" cy="4801314"/>
+          </a:xfrm>
+          <a:prstGeom prst="rect">
+            <a:avLst/>
+          </a:prstGeom>
+          <a:noFill/>
+        </p:spPr>
+        <p:txBody>
+          <a:bodyPr wrap="square" rtlCol="0">
+            <a:spAutoFit/>
+          </a:bodyPr>
+          <a:lstStyle/>
+          <a:p>
+            <a:r>
+              <a:rPr lang="en-US" dirty="0"/>
+              <a:t>For performance testing our Angular application code, we have chosen to use Apache JMeter.</a:t>
+            </a:r>
+          </a:p>
+          <a:p>
+            <a:endParaRPr lang="en-US" dirty="0"/>
+          </a:p>
+          <a:p>
+            <a:r>
+              <a:rPr lang="en-US" dirty="0"/>
+              <a:t>JMeter is an open-source tool that is a Java application designed to load test functional behavior and measure performance. </a:t>
+            </a:r>
+          </a:p>
+          <a:p>
+            <a:pPr marL="742950" lvl="1" indent="-285750">
+              <a:buFont typeface="Arial" panose="020B0604020202020204" pitchFamily="34" charset="0"/>
+              <a:buChar char="•"/>
+            </a:pPr>
+            <a:r>
+              <a:rPr lang="en-US" i="1" dirty="0"/>
+              <a:t>It can test performance on static and dynamic resources, Web dynamic applications</a:t>
+            </a:r>
+          </a:p>
+          <a:p>
+            <a:pPr marL="742950" lvl="1" indent="-285750">
+              <a:buFont typeface="Arial" panose="020B0604020202020204" pitchFamily="34" charset="0"/>
+              <a:buChar char="•"/>
+            </a:pPr>
+            <a:r>
+              <a:rPr lang="en-US" i="1" dirty="0"/>
+              <a:t>It can simulate a heavy load on a server, group of servers, network or object to test its strength or to analyze overall performance under different load types</a:t>
+            </a:r>
+          </a:p>
+          <a:p>
+            <a:pPr marL="742950" lvl="1" indent="-285750">
+              <a:buFont typeface="Arial" panose="020B0604020202020204" pitchFamily="34" charset="0"/>
+              <a:buChar char="•"/>
+            </a:pPr>
+            <a:endParaRPr lang="en-US" dirty="0"/>
+          </a:p>
+          <a:p>
+            <a:r>
+              <a:rPr lang="en-US" dirty="0"/>
+              <a:t>According to our research, it is the most friendly option for beginners.</a:t>
+            </a:r>
+          </a:p>
+          <a:p>
+            <a:pPr marL="742950" lvl="1" indent="-285750">
+              <a:buFont typeface="Arial" panose="020B0604020202020204" pitchFamily="34" charset="0"/>
+              <a:buChar char="•"/>
+            </a:pPr>
+            <a:r>
+              <a:rPr lang="en-US" dirty="0"/>
+              <a:t>There is no programming language knowledge required; test cases can be created in GUI form</a:t>
+            </a:r>
+          </a:p>
+          <a:p>
+            <a:pPr marL="742950" lvl="1" indent="-285750">
+              <a:buFont typeface="Arial" panose="020B0604020202020204" pitchFamily="34" charset="0"/>
+              <a:buChar char="•"/>
+            </a:pPr>
+            <a:endParaRPr lang="en-US" dirty="0"/>
+          </a:p>
+          <a:p>
+            <a:r>
+              <a:rPr lang="en-US" dirty="0"/>
+              <a:t>While there are several open source tools available to test Angular applications, Apache JMeter was chosen based on the cost and availability, shorter learning curve, and the functionality it provides. A close second tool was Selenium, which provided many of the same features as Apache JMeter, but did not offer the same accuracy.</a:t>
+            </a:r>
+          </a:p>
+          <a:p>
+            <a:endParaRPr lang="en-US" dirty="0"/>
+          </a:p>
+          <a:p>
+            <a:r>
+              <a:rPr lang="en-US" dirty="0"/>
+              <a:t>Source: </a:t>
+            </a:r>
+            <a:r>
+              <a:rPr lang="en-US" dirty="0">
+                <a:hlinkClick r:id="rId3"/>
+              </a:rPr>
+              <a:t>https://jmeter.apache.org/index.html</a:t>
+            </a:r>
+            <a:endParaRPr lang="en-US" dirty="0"/>
+          </a:p>
+          <a:p>
+            <a:endParaRPr lang="en-US" dirty="0"/>
+          </a:p>
+        </p:txBody>
+      </p:sp>
+    </p:spTree>
+    <p:extLst>
+      <p:ext uri="{BB962C8B-B14F-4D97-AF65-F5344CB8AC3E}">
+        <p14:creationId xmlns:p14="http://schemas.microsoft.com/office/powerpoint/2010/main" val="527754030"/>
+      </p:ext>
+    </p:extLst>
+  </p:cSld>
+  <p:clrMapOvr>
+    <a:masterClrMapping/>
+  </p:clrMapOvr>
+</p:sld>
+</file>
+
+<file path=ppt/slides/slide12.xml><?xml version="1.0" encoding="utf-8"?>
+<p:sld xmlns:a="http://schemas.openxmlformats.org/drawingml/2006/main" xmlns:r="http://schemas.openxmlformats.org/officeDocument/2006/relationships" xmlns:p="http://schemas.openxmlformats.org/presentationml/2006/main">
+  <p:cSld>
+    <p:bg>
+      <p:bgPr>
+        <a:solidFill>
+          <a:schemeClr val="bg1"/>
+        </a:solidFill>
+        <a:effectLst/>
+      </p:bgPr>
+    </p:bg>
+    <p:spTree>
+      <p:nvGrpSpPr>
+        <p:cNvPr id="1" name=""/>
+        <p:cNvGrpSpPr/>
+        <p:nvPr/>
+      </p:nvGrpSpPr>
+      <p:grpSpPr>
+        <a:xfrm>
+          <a:off x="0" y="0"/>
+          <a:ext cx="0" cy="0"/>
+          <a:chOff x="0" y="0"/>
+          <a:chExt cx="0" cy="0"/>
+        </a:xfrm>
+      </p:grpSpPr>
+      <p:sp useBgFill="1">
+        <p:nvSpPr>
+          <p:cNvPr id="71" name="Rectangle 70">
+            <a:extLst>
+              <a:ext uri="{FF2B5EF4-FFF2-40B4-BE49-F238E27FC236}">
+                <a16:creationId xmlns:a16="http://schemas.microsoft.com/office/drawing/2014/main" id="{C1A1C5D3-C053-4EE9-BE1A-419B6E27CCAE}"/>
+              </a:ext>
+              <a:ext uri="{C183D7F6-B498-43B3-948B-1728B52AA6E4}">
+                <adec:decorative xmlns:adec="http://schemas.microsoft.com/office/drawing/2017/decorative" val="1"/>
+              </a:ext>
+            </a:extLst>
+          </p:cNvPr>
+          <p:cNvSpPr>
+            <a:spLocks noGrp="1" noRot="1" noChangeAspect="1" noMove="1" noResize="1" noEditPoints="1" noAdjustHandles="1" noChangeArrowheads="1" noChangeShapeType="1" noTextEdit="1"/>
+          </p:cNvSpPr>
+          <p:nvPr>
+            <p:extLst>
+              <p:ext uri="{386F3935-93C4-4BCD-93E2-E3B085C9AB24}">
+                <p16:designElem xmlns:p16="http://schemas.microsoft.com/office/powerpoint/2015/main" val="1"/>
+              </p:ext>
+            </p:extLst>
+          </p:nvPr>
+        </p:nvSpPr>
+        <p:spPr>
+          <a:xfrm>
+            <a:off x="0" y="0"/>
+            <a:ext cx="12192000" cy="6858000"/>
+          </a:xfrm>
+          <a:prstGeom prst="rect">
+            <a:avLst/>
+          </a:prstGeom>
+          <a:ln>
+            <a:noFill/>
+          </a:ln>
+        </p:spPr>
+        <p:style>
+          <a:lnRef idx="2">
+            <a:schemeClr val="accent1">
+              <a:shade val="50000"/>
+            </a:schemeClr>
+          </a:lnRef>
+          <a:fillRef idx="1">
+            <a:schemeClr val="accent1"/>
+          </a:fillRef>
+          <a:effectRef idx="0">
+            <a:schemeClr val="accent1"/>
+          </a:effectRef>
+          <a:fontRef idx="minor">
+            <a:schemeClr val="lt1"/>
+          </a:fontRef>
+        </p:style>
+        <p:txBody>
+          <a:bodyPr rtlCol="0" anchor="ctr"/>
+          <a:lstStyle/>
+          <a:p>
+            <a:pPr algn="ctr"/>
+            <a:endParaRPr lang="en-US" dirty="0"/>
+          </a:p>
+        </p:txBody>
+      </p:sp>
+      <p:sp useBgFill="1">
+        <p:nvSpPr>
+          <p:cNvPr id="73" name="Rectangle 72">
+            <a:extLst>
+              <a:ext uri="{FF2B5EF4-FFF2-40B4-BE49-F238E27FC236}">
+                <a16:creationId xmlns:a16="http://schemas.microsoft.com/office/drawing/2014/main" id="{A3473CF9-37EB-43E7-89EF-D2D1C53D1DAC}"/>
+              </a:ext>
+              <a:ext uri="{C183D7F6-B498-43B3-948B-1728B52AA6E4}">
+                <adec:decorative xmlns:adec="http://schemas.microsoft.com/office/drawing/2017/decorative" val="1"/>
+              </a:ext>
+            </a:extLst>
+          </p:cNvPr>
+          <p:cNvSpPr>
+            <a:spLocks noGrp="1" noRot="1" noChangeAspect="1" noMove="1" noResize="1" noEditPoints="1" noAdjustHandles="1" noChangeArrowheads="1" noChangeShapeType="1" noTextEdit="1"/>
+          </p:cNvSpPr>
+          <p:nvPr>
+            <p:extLst>
+              <p:ext uri="{386F3935-93C4-4BCD-93E2-E3B085C9AB24}">
+                <p16:designElem xmlns:p16="http://schemas.microsoft.com/office/powerpoint/2015/main" val="1"/>
+              </p:ext>
+            </p:extLst>
+          </p:nvPr>
+        </p:nvSpPr>
+        <p:spPr>
+          <a:xfrm>
+            <a:off x="1903615" y="221673"/>
+            <a:ext cx="8384770" cy="1332634"/>
+          </a:xfrm>
+          <a:prstGeom prst="rect">
+            <a:avLst/>
+          </a:prstGeom>
+          <a:ln w="12700">
+            <a:solidFill>
+              <a:srgbClr val="E1E1E1"/>
+            </a:solidFill>
+          </a:ln>
+          <a:effectLst>
+            <a:outerShdw blurRad="50800" dist="38100" dir="2700000" algn="tl" rotWithShape="0">
+              <a:schemeClr val="bg2">
+                <a:lumMod val="85000"/>
+                <a:alpha val="50000"/>
+              </a:schemeClr>
+            </a:outerShdw>
+          </a:effectLst>
+        </p:spPr>
+        <p:style>
+          <a:lnRef idx="2">
+            <a:schemeClr val="accent1">
+              <a:shade val="50000"/>
+            </a:schemeClr>
+          </a:lnRef>
+          <a:fillRef idx="1">
+            <a:schemeClr val="accent1"/>
+          </a:fillRef>
+          <a:effectRef idx="0">
+            <a:schemeClr val="accent1"/>
+          </a:effectRef>
+          <a:fontRef idx="minor">
+            <a:schemeClr val="lt1"/>
+          </a:fontRef>
+        </p:style>
+        <p:txBody>
+          <a:bodyPr rtlCol="0" anchor="ctr"/>
+          <a:lstStyle/>
+          <a:p>
+            <a:pPr marL="0" marR="0" lvl="0" indent="0" algn="ctr" defTabSz="914400" rtl="0" eaLnBrk="1" fontAlgn="auto" latinLnBrk="0" hangingPunct="1">
+              <a:lnSpc>
+                <a:spcPct val="100000"/>
+              </a:lnSpc>
+              <a:spcBef>
+                <a:spcPts val="0"/>
+              </a:spcBef>
+              <a:spcAft>
+                <a:spcPts val="0"/>
+              </a:spcAft>
+              <a:buClrTx/>
+              <a:buSzTx/>
+              <a:buFontTx/>
+              <a:buNone/>
+              <a:tabLst/>
+              <a:defRPr/>
+            </a:pPr>
+            <a:endParaRPr kumimoji="0" lang="en-US" sz="1800" b="0" i="0" u="none" strike="noStrike" kern="1200" cap="none" spc="0" normalizeH="0" baseline="0" noProof="0" dirty="0">
+              <a:ln>
+                <a:noFill/>
+              </a:ln>
+              <a:solidFill>
+                <a:prstClr val="white"/>
+              </a:solidFill>
+              <a:effectLst/>
+              <a:uLnTx/>
+              <a:uFillTx/>
+              <a:latin typeface="Calibri" panose="020F0502020204030204"/>
+              <a:ea typeface="+mn-ea"/>
+              <a:cs typeface="+mn-cs"/>
+            </a:endParaRPr>
+          </a:p>
+        </p:txBody>
+      </p:sp>
+      <p:sp>
+        <p:nvSpPr>
+          <p:cNvPr id="2" name="Title 1">
+            <a:extLst>
+              <a:ext uri="{FF2B5EF4-FFF2-40B4-BE49-F238E27FC236}">
+                <a16:creationId xmlns:a16="http://schemas.microsoft.com/office/drawing/2014/main" id="{0FDE5079-B185-4DE0-AF2C-AE4B7709FBC3}"/>
+              </a:ext>
+            </a:extLst>
+          </p:cNvPr>
+          <p:cNvSpPr>
+            <a:spLocks noGrp="1"/>
+          </p:cNvSpPr>
+          <p:nvPr>
+            <p:ph type="title"/>
+          </p:nvPr>
+        </p:nvSpPr>
+        <p:spPr>
+          <a:xfrm>
+            <a:off x="2103121" y="310343"/>
+            <a:ext cx="7985759" cy="868823"/>
+          </a:xfrm>
+        </p:spPr>
+        <p:txBody>
+          <a:bodyPr vert="horz" lIns="91440" tIns="45720" rIns="91440" bIns="45720" rtlCol="0" anchor="ctr">
+            <a:normAutofit/>
+          </a:bodyPr>
+          <a:lstStyle/>
+          <a:p>
+            <a:pPr algn="ctr"/>
+            <a:r>
+              <a:rPr lang="en-US" sz="4000" dirty="0"/>
+              <a:t>AWS </a:t>
+            </a:r>
+            <a:r>
+              <a:rPr lang="en-US" sz="4000" dirty="0" err="1"/>
+              <a:t>CodeBuild</a:t>
+            </a:r>
+            <a:endParaRPr lang="en-US" sz="4000" kern="1200" dirty="0">
+              <a:solidFill>
+                <a:schemeClr val="tx1"/>
+              </a:solidFill>
+              <a:latin typeface="+mj-lt"/>
+              <a:ea typeface="+mj-ea"/>
+              <a:cs typeface="+mj-cs"/>
+            </a:endParaRPr>
+          </a:p>
+        </p:txBody>
+      </p:sp>
+      <p:sp>
+        <p:nvSpPr>
+          <p:cNvPr id="75" name="Rectangle: Rounded Corners 74">
+            <a:extLst>
+              <a:ext uri="{FF2B5EF4-FFF2-40B4-BE49-F238E27FC236}">
+                <a16:creationId xmlns:a16="http://schemas.microsoft.com/office/drawing/2014/main" id="{586B4EF9-43BA-4655-A6FF-1D8E21574C95}"/>
+              </a:ext>
+              <a:ext uri="{C183D7F6-B498-43B3-948B-1728B52AA6E4}">
+                <adec:decorative xmlns:adec="http://schemas.microsoft.com/office/drawing/2017/decorative" val="1"/>
+              </a:ext>
+            </a:extLst>
+          </p:cNvPr>
+          <p:cNvSpPr>
+            <a:spLocks noGrp="1" noRot="1" noChangeAspect="1" noMove="1" noResize="1" noEditPoints="1" noAdjustHandles="1" noChangeArrowheads="1" noChangeShapeType="1" noTextEdit="1"/>
+          </p:cNvSpPr>
+          <p:nvPr>
+            <p:extLst>
+              <p:ext uri="{386F3935-93C4-4BCD-93E2-E3B085C9AB24}">
+                <p16:designElem xmlns:p16="http://schemas.microsoft.com/office/powerpoint/2015/main" val="1"/>
+              </p:ext>
+            </p:extLst>
+          </p:nvPr>
+        </p:nvSpPr>
+        <p:spPr>
+          <a:xfrm>
+            <a:off x="2483110" y="1211407"/>
+            <a:ext cx="7225780" cy="685800"/>
+          </a:xfrm>
+          <a:prstGeom prst="roundRect">
+            <a:avLst>
+              <a:gd name="adj" fmla="val 0"/>
+            </a:avLst>
+          </a:prstGeom>
+          <a:solidFill>
+            <a:schemeClr val="accent2"/>
+          </a:solidFill>
+          <a:ln>
+            <a:noFill/>
+          </a:ln>
+        </p:spPr>
+        <p:style>
+          <a:lnRef idx="2">
+            <a:schemeClr val="accent1">
+              <a:shade val="50000"/>
+            </a:schemeClr>
+          </a:lnRef>
+          <a:fillRef idx="1">
+            <a:schemeClr val="accent1"/>
+          </a:fillRef>
+          <a:effectRef idx="0">
+            <a:schemeClr val="accent1"/>
+          </a:effectRef>
+          <a:fontRef idx="minor">
+            <a:schemeClr val="lt1"/>
+          </a:fontRef>
+        </p:style>
+        <p:txBody>
+          <a:bodyPr rtlCol="0" anchor="ctr"/>
+          <a:lstStyle/>
+          <a:p>
+            <a:pPr algn="ctr"/>
+            <a:endParaRPr lang="en-US" dirty="0">
+              <a:solidFill>
+                <a:prstClr val="white"/>
+              </a:solidFill>
+              <a:latin typeface="Calibri" panose="020F0502020204030204"/>
+            </a:endParaRPr>
+          </a:p>
+        </p:txBody>
+      </p:sp>
+      <p:sp>
+        <p:nvSpPr>
+          <p:cNvPr id="3" name="TextBox 2">
+            <a:extLst>
+              <a:ext uri="{FF2B5EF4-FFF2-40B4-BE49-F238E27FC236}">
+                <a16:creationId xmlns:a16="http://schemas.microsoft.com/office/drawing/2014/main" id="{3DA47A83-3C4B-4A44-A497-1DB8B4E3B592}"/>
+              </a:ext>
+            </a:extLst>
+          </p:cNvPr>
+          <p:cNvSpPr txBox="1"/>
+          <p:nvPr/>
+        </p:nvSpPr>
+        <p:spPr>
+          <a:xfrm>
+            <a:off x="1090670" y="2375471"/>
+            <a:ext cx="10113484" cy="4204356"/>
+          </a:xfrm>
+          <a:prstGeom prst="rect">
+            <a:avLst/>
+          </a:prstGeom>
+          <a:noFill/>
+        </p:spPr>
+        <p:txBody>
+          <a:bodyPr wrap="square" rtlCol="0">
+            <a:spAutoFit/>
+          </a:bodyPr>
+          <a:lstStyle/>
+          <a:p>
+            <a:pPr marL="285750" indent="-285750">
+              <a:lnSpc>
+                <a:spcPct val="150000"/>
+              </a:lnSpc>
+              <a:buFont typeface="Arial" panose="020B0604020202020204" pitchFamily="34" charset="0"/>
+              <a:buChar char="•"/>
+            </a:pPr>
+            <a:r>
+              <a:rPr lang="en-US" dirty="0"/>
+              <a:t>Build service, which compiles source code, runs tests, and produces artifacts</a:t>
+            </a:r>
+          </a:p>
+          <a:p>
+            <a:pPr marL="285750" indent="-285750">
+              <a:lnSpc>
+                <a:spcPct val="150000"/>
+              </a:lnSpc>
+              <a:buFont typeface="Arial" panose="020B0604020202020204" pitchFamily="34" charset="0"/>
+              <a:buChar char="•"/>
+            </a:pPr>
+            <a:r>
+              <a:rPr lang="en-US" dirty="0"/>
+              <a:t>Pulls source code from </a:t>
+            </a:r>
+            <a:r>
+              <a:rPr lang="en-US" dirty="0" err="1"/>
+              <a:t>CodeCommit</a:t>
+            </a:r>
+            <a:r>
+              <a:rPr lang="en-US" dirty="0"/>
+              <a:t>, Amazon S3, GitHub, or Bitbucket</a:t>
+            </a:r>
+          </a:p>
+          <a:p>
+            <a:pPr marL="285750" indent="-285750">
+              <a:lnSpc>
+                <a:spcPct val="150000"/>
+              </a:lnSpc>
+              <a:buFont typeface="Arial" panose="020B0604020202020204" pitchFamily="34" charset="0"/>
+              <a:buChar char="•"/>
+            </a:pPr>
+            <a:r>
+              <a:rPr lang="en-US" dirty="0"/>
+              <a:t>Supports popular programming languages and build tools, and can be customized</a:t>
+            </a:r>
+          </a:p>
+          <a:p>
+            <a:pPr marL="285750" indent="-285750">
+              <a:lnSpc>
+                <a:spcPct val="150000"/>
+              </a:lnSpc>
+              <a:buFont typeface="Arial" panose="020B0604020202020204" pitchFamily="34" charset="0"/>
+              <a:buChar char="•"/>
+            </a:pPr>
+            <a:r>
+              <a:rPr lang="en-US" dirty="0"/>
+              <a:t>Run via AWS </a:t>
+            </a:r>
+            <a:r>
+              <a:rPr lang="en-US" dirty="0" err="1"/>
+              <a:t>CodeBuild</a:t>
+            </a:r>
+            <a:r>
+              <a:rPr lang="en-US" dirty="0"/>
+              <a:t> console, AWS CLI, AWS SDKs, or AWS </a:t>
+            </a:r>
+            <a:r>
+              <a:rPr lang="en-US" dirty="0" err="1"/>
+              <a:t>CodePipeline</a:t>
+            </a:r>
+            <a:endParaRPr lang="en-US" dirty="0"/>
+          </a:p>
+          <a:p>
+            <a:pPr marL="285750" indent="-285750">
+              <a:lnSpc>
+                <a:spcPct val="150000"/>
+              </a:lnSpc>
+              <a:buFont typeface="Arial" panose="020B0604020202020204" pitchFamily="34" charset="0"/>
+              <a:buChar char="•"/>
+            </a:pPr>
+            <a:r>
+              <a:rPr lang="en-US" dirty="0"/>
+              <a:t>Ability to view the overall status of the build, build phase details, and build logs</a:t>
+            </a:r>
+          </a:p>
+          <a:p>
+            <a:pPr marL="285750" indent="-285750">
+              <a:lnSpc>
+                <a:spcPct val="150000"/>
+              </a:lnSpc>
+              <a:buFont typeface="Arial" panose="020B0604020202020204" pitchFamily="34" charset="0"/>
+              <a:buChar char="•"/>
+            </a:pPr>
+            <a:r>
+              <a:rPr lang="en-US" dirty="0"/>
+              <a:t>Build specifications are written using a specific </a:t>
+            </a:r>
+            <a:r>
+              <a:rPr lang="en-US" dirty="0">
+                <a:hlinkClick r:id="rId3"/>
+              </a:rPr>
+              <a:t>syntax</a:t>
+            </a:r>
+            <a:r>
+              <a:rPr lang="en-US" dirty="0"/>
+              <a:t>, in a </a:t>
+            </a:r>
+            <a:r>
+              <a:rPr lang="en-US" dirty="0" err="1"/>
+              <a:t>yaml</a:t>
+            </a:r>
+            <a:r>
+              <a:rPr lang="en-US" dirty="0"/>
+              <a:t> format</a:t>
+            </a:r>
+          </a:p>
+          <a:p>
+            <a:pPr marL="285750" indent="-285750">
+              <a:lnSpc>
+                <a:spcPct val="150000"/>
+              </a:lnSpc>
+              <a:buFont typeface="Arial" panose="020B0604020202020204" pitchFamily="34" charset="0"/>
+              <a:buChar char="•"/>
+            </a:pPr>
+            <a:r>
+              <a:rPr lang="en-US" dirty="0">
+                <a:hlinkClick r:id="rId4"/>
+              </a:rPr>
+              <a:t>Pricing</a:t>
+            </a:r>
+            <a:r>
+              <a:rPr lang="en-US" dirty="0"/>
+              <a:t> is based on the number of build minutes, and there is a free tier option</a:t>
+            </a:r>
+          </a:p>
+          <a:p>
+            <a:pPr marL="285750" indent="-285750">
+              <a:lnSpc>
+                <a:spcPct val="150000"/>
+              </a:lnSpc>
+              <a:buFont typeface="Arial" panose="020B0604020202020204" pitchFamily="34" charset="0"/>
+              <a:buChar char="•"/>
+            </a:pPr>
+            <a:r>
+              <a:rPr lang="en-US" dirty="0"/>
+              <a:t>Team decided to use AWS </a:t>
+            </a:r>
+            <a:r>
+              <a:rPr lang="en-US" dirty="0" err="1"/>
+              <a:t>CodeBuild</a:t>
+            </a:r>
+            <a:r>
+              <a:rPr lang="en-US" dirty="0"/>
+              <a:t> because of the easy integration with AWS </a:t>
+            </a:r>
+            <a:r>
+              <a:rPr lang="en-US" dirty="0" err="1"/>
+              <a:t>CodePipeline</a:t>
+            </a:r>
+            <a:endParaRPr lang="en-US" dirty="0"/>
+          </a:p>
+          <a:p>
+            <a:pPr marL="285750" indent="-285750">
+              <a:lnSpc>
+                <a:spcPct val="150000"/>
+              </a:lnSpc>
+              <a:buFont typeface="Arial" panose="020B0604020202020204" pitchFamily="34" charset="0"/>
+              <a:buChar char="•"/>
+            </a:pPr>
+            <a:endParaRPr lang="en-US" dirty="0"/>
+          </a:p>
+          <a:p>
+            <a:pPr lvl="1">
+              <a:lnSpc>
+                <a:spcPct val="150000"/>
+              </a:lnSpc>
+            </a:pPr>
+            <a:r>
+              <a:rPr lang="en-US" dirty="0"/>
+              <a:t>(Source:  </a:t>
+            </a:r>
+            <a:r>
+              <a:rPr lang="fr-FR" dirty="0">
+                <a:hlinkClick r:id="rId5"/>
+              </a:rPr>
+              <a:t>https://docs.aws.amazon.com/codebuild/latest/userguide/welcome.html</a:t>
+            </a:r>
+            <a:r>
+              <a:rPr lang="fr-FR" dirty="0"/>
+              <a:t>)</a:t>
+            </a:r>
+            <a:endParaRPr lang="en-US" dirty="0"/>
+          </a:p>
+        </p:txBody>
+      </p:sp>
+    </p:spTree>
+    <p:extLst>
+      <p:ext uri="{BB962C8B-B14F-4D97-AF65-F5344CB8AC3E}">
+        <p14:creationId xmlns:p14="http://schemas.microsoft.com/office/powerpoint/2010/main" val="512997375"/>
+      </p:ext>
+    </p:extLst>
+  </p:cSld>
+  <p:clrMapOvr>
+    <a:masterClrMapping/>
+  </p:clrMapOvr>
+</p:sld>
+</file>
+
+<file path=ppt/slides/slide13.xml><?xml version="1.0" encoding="utf-8"?>
+<p:sld xmlns:a="http://schemas.openxmlformats.org/drawingml/2006/main" xmlns:r="http://schemas.openxmlformats.org/officeDocument/2006/relationships" xmlns:p="http://schemas.openxmlformats.org/presentationml/2006/main">
+  <p:cSld>
+    <p:spTree>
+      <p:nvGrpSpPr>
+        <p:cNvPr id="1" name=""/>
+        <p:cNvGrpSpPr/>
+        <p:nvPr/>
+      </p:nvGrpSpPr>
+      <p:grpSpPr>
+        <a:xfrm>
+          <a:off x="0" y="0"/>
+          <a:ext cx="0" cy="0"/>
+          <a:chOff x="0" y="0"/>
+          <a:chExt cx="0" cy="0"/>
+        </a:xfrm>
+      </p:grpSpPr>
+      <p:pic>
+        <p:nvPicPr>
+          <p:cNvPr id="4" name="Picture 3">
+            <a:extLst>
+              <a:ext uri="{FF2B5EF4-FFF2-40B4-BE49-F238E27FC236}">
+                <a16:creationId xmlns:a16="http://schemas.microsoft.com/office/drawing/2014/main" id="{05D957DA-20B5-425F-8107-70B33683D008}"/>
+              </a:ext>
+            </a:extLst>
+          </p:cNvPr>
+          <p:cNvPicPr>
+            <a:picLocks noChangeAspect="1"/>
+          </p:cNvPicPr>
+          <p:nvPr/>
+        </p:nvPicPr>
+        <p:blipFill>
+          <a:blip r:embed="rId2"/>
+          <a:stretch>
+            <a:fillRect/>
+          </a:stretch>
+        </p:blipFill>
+        <p:spPr>
+          <a:xfrm>
+            <a:off x="5549735" y="283944"/>
+            <a:ext cx="4381005" cy="3052506"/>
+          </a:xfrm>
+          <a:prstGeom prst="rect">
+            <a:avLst/>
+          </a:prstGeom>
+        </p:spPr>
+      </p:pic>
+      <p:pic>
+        <p:nvPicPr>
+          <p:cNvPr id="5" name="Picture 4">
+            <a:extLst>
+              <a:ext uri="{FF2B5EF4-FFF2-40B4-BE49-F238E27FC236}">
+                <a16:creationId xmlns:a16="http://schemas.microsoft.com/office/drawing/2014/main" id="{C163E8EA-8E86-4750-AAD1-89302E978901}"/>
+              </a:ext>
+            </a:extLst>
+          </p:cNvPr>
+          <p:cNvPicPr>
+            <a:picLocks noChangeAspect="1"/>
+          </p:cNvPicPr>
+          <p:nvPr/>
+        </p:nvPicPr>
+        <p:blipFill>
+          <a:blip r:embed="rId3"/>
+          <a:stretch>
+            <a:fillRect/>
+          </a:stretch>
+        </p:blipFill>
+        <p:spPr>
+          <a:xfrm>
+            <a:off x="2388919" y="3521551"/>
+            <a:ext cx="6915398" cy="2949481"/>
+          </a:xfrm>
+          <a:prstGeom prst="rect">
+            <a:avLst/>
+          </a:prstGeom>
+        </p:spPr>
+      </p:pic>
+      <p:pic>
+        <p:nvPicPr>
+          <p:cNvPr id="6" name="Picture 5">
+            <a:extLst>
+              <a:ext uri="{FF2B5EF4-FFF2-40B4-BE49-F238E27FC236}">
+                <a16:creationId xmlns:a16="http://schemas.microsoft.com/office/drawing/2014/main" id="{D7540EB3-365D-4B5D-AB41-6C01469E3CB0}"/>
+              </a:ext>
+            </a:extLst>
+          </p:cNvPr>
+          <p:cNvPicPr>
+            <a:picLocks noChangeAspect="1"/>
+          </p:cNvPicPr>
+          <p:nvPr/>
+        </p:nvPicPr>
+        <p:blipFill>
+          <a:blip r:embed="rId4"/>
+          <a:stretch>
+            <a:fillRect/>
+          </a:stretch>
+        </p:blipFill>
+        <p:spPr>
+          <a:xfrm>
+            <a:off x="2025654" y="1042988"/>
+            <a:ext cx="2819400" cy="1590675"/>
+          </a:xfrm>
+          <a:prstGeom prst="rect">
+            <a:avLst/>
+          </a:prstGeom>
+        </p:spPr>
+      </p:pic>
+    </p:spTree>
+    <p:extLst>
+      <p:ext uri="{BB962C8B-B14F-4D97-AF65-F5344CB8AC3E}">
+        <p14:creationId xmlns:p14="http://schemas.microsoft.com/office/powerpoint/2010/main" val="519025307"/>
+      </p:ext>
+    </p:extLst>
+  </p:cSld>
+  <p:clrMapOvr>
+    <a:masterClrMapping/>
+  </p:clrMapOvr>
+</p:sld>
+</file>
+
+<file path=ppt/slides/slide14.xml><?xml version="1.0" encoding="utf-8"?>
+<p:sld xmlns:a="http://schemas.openxmlformats.org/drawingml/2006/main" xmlns:r="http://schemas.openxmlformats.org/officeDocument/2006/relationships" xmlns:p="http://schemas.openxmlformats.org/presentationml/2006/main">
+  <p:cSld>
+    <p:bg>
+      <p:bgPr>
+        <a:solidFill>
+          <a:schemeClr val="bg1"/>
+        </a:solidFill>
+        <a:effectLst/>
+      </p:bgPr>
+    </p:bg>
+    <p:spTree>
+      <p:nvGrpSpPr>
+        <p:cNvPr id="1" name=""/>
+        <p:cNvGrpSpPr/>
+        <p:nvPr/>
+      </p:nvGrpSpPr>
+      <p:grpSpPr>
+        <a:xfrm>
+          <a:off x="0" y="0"/>
+          <a:ext cx="0" cy="0"/>
+          <a:chOff x="0" y="0"/>
+          <a:chExt cx="0" cy="0"/>
+        </a:xfrm>
+      </p:grpSpPr>
+      <p:sp useBgFill="1">
+        <p:nvSpPr>
+          <p:cNvPr id="71" name="Rectangle 70">
+            <a:extLst>
+              <a:ext uri="{FF2B5EF4-FFF2-40B4-BE49-F238E27FC236}">
+                <a16:creationId xmlns:a16="http://schemas.microsoft.com/office/drawing/2014/main" id="{C1A1C5D3-C053-4EE9-BE1A-419B6E27CCAE}"/>
+              </a:ext>
+              <a:ext uri="{C183D7F6-B498-43B3-948B-1728B52AA6E4}">
+                <adec:decorative xmlns:adec="http://schemas.microsoft.com/office/drawing/2017/decorative" val="1"/>
+              </a:ext>
+            </a:extLst>
+          </p:cNvPr>
+          <p:cNvSpPr>
+            <a:spLocks noGrp="1" noRot="1" noChangeAspect="1" noMove="1" noResize="1" noEditPoints="1" noAdjustHandles="1" noChangeArrowheads="1" noChangeShapeType="1" noTextEdit="1"/>
+          </p:cNvSpPr>
+          <p:nvPr>
+            <p:extLst>
+              <p:ext uri="{386F3935-93C4-4BCD-93E2-E3B085C9AB24}">
+                <p16:designElem xmlns:p16="http://schemas.microsoft.com/office/powerpoint/2015/main" val="1"/>
+              </p:ext>
+            </p:extLst>
+          </p:nvPr>
+        </p:nvSpPr>
+        <p:spPr>
+          <a:xfrm>
+            <a:off x="0" y="0"/>
+            <a:ext cx="12192000" cy="6858000"/>
+          </a:xfrm>
+          <a:prstGeom prst="rect">
+            <a:avLst/>
+          </a:prstGeom>
+          <a:ln>
+            <a:noFill/>
+          </a:ln>
+        </p:spPr>
+        <p:style>
+          <a:lnRef idx="2">
+            <a:schemeClr val="accent1">
+              <a:shade val="50000"/>
+            </a:schemeClr>
+          </a:lnRef>
+          <a:fillRef idx="1">
+            <a:schemeClr val="accent1"/>
+          </a:fillRef>
+          <a:effectRef idx="0">
+            <a:schemeClr val="accent1"/>
+          </a:effectRef>
+          <a:fontRef idx="minor">
+            <a:schemeClr val="lt1"/>
+          </a:fontRef>
+        </p:style>
+        <p:txBody>
+          <a:bodyPr rtlCol="0" anchor="ctr"/>
+          <a:lstStyle/>
+          <a:p>
+            <a:pPr algn="ctr"/>
+            <a:endParaRPr lang="en-US" dirty="0"/>
+          </a:p>
+        </p:txBody>
+      </p:sp>
+      <p:sp useBgFill="1">
+        <p:nvSpPr>
+          <p:cNvPr id="73" name="Rectangle 72">
+            <a:extLst>
+              <a:ext uri="{FF2B5EF4-FFF2-40B4-BE49-F238E27FC236}">
+                <a16:creationId xmlns:a16="http://schemas.microsoft.com/office/drawing/2014/main" id="{A3473CF9-37EB-43E7-89EF-D2D1C53D1DAC}"/>
+              </a:ext>
+              <a:ext uri="{C183D7F6-B498-43B3-948B-1728B52AA6E4}">
+                <adec:decorative xmlns:adec="http://schemas.microsoft.com/office/drawing/2017/decorative" val="1"/>
+              </a:ext>
+            </a:extLst>
+          </p:cNvPr>
+          <p:cNvSpPr>
+            <a:spLocks noGrp="1" noRot="1" noChangeAspect="1" noMove="1" noResize="1" noEditPoints="1" noAdjustHandles="1" noChangeArrowheads="1" noChangeShapeType="1" noTextEdit="1"/>
+          </p:cNvSpPr>
+          <p:nvPr>
+            <p:extLst>
+              <p:ext uri="{386F3935-93C4-4BCD-93E2-E3B085C9AB24}">
+                <p16:designElem xmlns:p16="http://schemas.microsoft.com/office/powerpoint/2015/main" val="1"/>
+              </p:ext>
+            </p:extLst>
+          </p:nvPr>
+        </p:nvSpPr>
+        <p:spPr>
+          <a:xfrm>
+            <a:off x="1903615" y="221673"/>
+            <a:ext cx="8384770" cy="1332634"/>
+          </a:xfrm>
+          <a:prstGeom prst="rect">
+            <a:avLst/>
+          </a:prstGeom>
+          <a:ln w="12700">
+            <a:solidFill>
+              <a:srgbClr val="E1E1E1"/>
+            </a:solidFill>
+          </a:ln>
+          <a:effectLst>
+            <a:outerShdw blurRad="50800" dist="38100" dir="2700000" algn="tl" rotWithShape="0">
+              <a:schemeClr val="bg2">
+                <a:lumMod val="85000"/>
+                <a:alpha val="50000"/>
+              </a:schemeClr>
+            </a:outerShdw>
+          </a:effectLst>
+        </p:spPr>
+        <p:style>
+          <a:lnRef idx="2">
+            <a:schemeClr val="accent1">
+              <a:shade val="50000"/>
+            </a:schemeClr>
+          </a:lnRef>
+          <a:fillRef idx="1">
+            <a:schemeClr val="accent1"/>
+          </a:fillRef>
+          <a:effectRef idx="0">
+            <a:schemeClr val="accent1"/>
+          </a:effectRef>
+          <a:fontRef idx="minor">
+            <a:schemeClr val="lt1"/>
+          </a:fontRef>
+        </p:style>
+        <p:txBody>
+          <a:bodyPr rtlCol="0" anchor="ctr"/>
+          <a:lstStyle/>
+          <a:p>
+            <a:pPr marL="0" marR="0" lvl="0" indent="0" algn="ctr" defTabSz="914400" rtl="0" eaLnBrk="1" fontAlgn="auto" latinLnBrk="0" hangingPunct="1">
+              <a:lnSpc>
+                <a:spcPct val="100000"/>
+              </a:lnSpc>
+              <a:spcBef>
+                <a:spcPts val="0"/>
+              </a:spcBef>
+              <a:spcAft>
+                <a:spcPts val="0"/>
+              </a:spcAft>
+              <a:buClrTx/>
+              <a:buSzTx/>
+              <a:buFontTx/>
+              <a:buNone/>
+              <a:tabLst/>
+              <a:defRPr/>
+            </a:pPr>
+            <a:endParaRPr kumimoji="0" lang="en-US" sz="1800" b="0" i="0" u="none" strike="noStrike" kern="1200" cap="none" spc="0" normalizeH="0" baseline="0" noProof="0" dirty="0">
+              <a:ln>
+                <a:noFill/>
+              </a:ln>
+              <a:solidFill>
+                <a:prstClr val="white"/>
+              </a:solidFill>
+              <a:effectLst/>
+              <a:uLnTx/>
+              <a:uFillTx/>
+              <a:latin typeface="Calibri" panose="020F0502020204030204"/>
+              <a:ea typeface="+mn-ea"/>
+              <a:cs typeface="+mn-cs"/>
+            </a:endParaRPr>
+          </a:p>
+        </p:txBody>
+      </p:sp>
+      <p:sp>
+        <p:nvSpPr>
+          <p:cNvPr id="2" name="Title 1">
+            <a:extLst>
+              <a:ext uri="{FF2B5EF4-FFF2-40B4-BE49-F238E27FC236}">
+                <a16:creationId xmlns:a16="http://schemas.microsoft.com/office/drawing/2014/main" id="{0FDE5079-B185-4DE0-AF2C-AE4B7709FBC3}"/>
+              </a:ext>
+            </a:extLst>
+          </p:cNvPr>
+          <p:cNvSpPr>
+            <a:spLocks noGrp="1"/>
+          </p:cNvSpPr>
+          <p:nvPr>
+            <p:ph type="title"/>
+          </p:nvPr>
+        </p:nvSpPr>
+        <p:spPr>
+          <a:xfrm>
+            <a:off x="2103121" y="310343"/>
+            <a:ext cx="7985759" cy="868823"/>
+          </a:xfrm>
+        </p:spPr>
+        <p:txBody>
+          <a:bodyPr vert="horz" lIns="91440" tIns="45720" rIns="91440" bIns="45720" rtlCol="0" anchor="ctr">
+            <a:normAutofit/>
+          </a:bodyPr>
+          <a:lstStyle/>
+          <a:p>
+            <a:pPr algn="ctr"/>
+            <a:r>
+              <a:rPr lang="en-US" sz="4000" kern="1200" dirty="0">
+                <a:solidFill>
+                  <a:schemeClr val="tx1"/>
+                </a:solidFill>
+                <a:latin typeface="+mj-lt"/>
+                <a:ea typeface="+mj-ea"/>
+                <a:cs typeface="+mj-cs"/>
+              </a:rPr>
+              <a:t>Mock-ups</a:t>
+            </a:r>
+          </a:p>
+        </p:txBody>
+      </p:sp>
+      <p:sp>
+        <p:nvSpPr>
+          <p:cNvPr id="75" name="Rectangle: Rounded Corners 74">
+            <a:extLst>
+              <a:ext uri="{FF2B5EF4-FFF2-40B4-BE49-F238E27FC236}">
+                <a16:creationId xmlns:a16="http://schemas.microsoft.com/office/drawing/2014/main" id="{586B4EF9-43BA-4655-A6FF-1D8E21574C95}"/>
+              </a:ext>
+              <a:ext uri="{C183D7F6-B498-43B3-948B-1728B52AA6E4}">
+                <adec:decorative xmlns:adec="http://schemas.microsoft.com/office/drawing/2017/decorative" val="1"/>
+              </a:ext>
+            </a:extLst>
+          </p:cNvPr>
+          <p:cNvSpPr>
+            <a:spLocks noGrp="1" noRot="1" noChangeAspect="1" noMove="1" noResize="1" noEditPoints="1" noAdjustHandles="1" noChangeArrowheads="1" noChangeShapeType="1" noTextEdit="1"/>
+          </p:cNvSpPr>
+          <p:nvPr>
+            <p:extLst>
+              <p:ext uri="{386F3935-93C4-4BCD-93E2-E3B085C9AB24}">
+                <p16:designElem xmlns:p16="http://schemas.microsoft.com/office/powerpoint/2015/main" val="1"/>
+              </p:ext>
+            </p:extLst>
+          </p:nvPr>
+        </p:nvSpPr>
+        <p:spPr>
+          <a:xfrm>
+            <a:off x="2483110" y="1211407"/>
+            <a:ext cx="7225780" cy="685800"/>
+          </a:xfrm>
+          <a:prstGeom prst="roundRect">
+            <a:avLst>
+              <a:gd name="adj" fmla="val 0"/>
+            </a:avLst>
+          </a:prstGeom>
+          <a:solidFill>
+            <a:schemeClr val="accent2"/>
+          </a:solidFill>
+          <a:ln>
+            <a:noFill/>
+          </a:ln>
+        </p:spPr>
+        <p:style>
+          <a:lnRef idx="2">
+            <a:schemeClr val="accent1">
+              <a:shade val="50000"/>
+            </a:schemeClr>
+          </a:lnRef>
+          <a:fillRef idx="1">
+            <a:schemeClr val="accent1"/>
+          </a:fillRef>
+          <a:effectRef idx="0">
+            <a:schemeClr val="accent1"/>
+          </a:effectRef>
+          <a:fontRef idx="minor">
+            <a:schemeClr val="lt1"/>
+          </a:fontRef>
+        </p:style>
+        <p:txBody>
+          <a:bodyPr rtlCol="0" anchor="ctr"/>
+          <a:lstStyle/>
+          <a:p>
+            <a:pPr algn="ctr"/>
+            <a:endParaRPr lang="en-US" dirty="0">
+              <a:solidFill>
+                <a:prstClr val="white"/>
+              </a:solidFill>
+              <a:latin typeface="Calibri" panose="020F0502020204030204"/>
+            </a:endParaRPr>
+          </a:p>
+        </p:txBody>
+      </p:sp>
     </p:spTree>
     <p:extLst>
       <p:ext uri="{BB962C8B-B14F-4D97-AF65-F5344CB8AC3E}">
@@ -7952,7 +10410,2009 @@
 </p:sld>
 </file>
 
-<file path=ppt/slides/slide13.xml><?xml version="1.0" encoding="utf-8"?>
+<file path=ppt/slides/slide15.xml><?xml version="1.0" encoding="utf-8"?>
+<p:sld xmlns:a="http://schemas.openxmlformats.org/drawingml/2006/main" xmlns:r="http://schemas.openxmlformats.org/officeDocument/2006/relationships" xmlns:p="http://schemas.openxmlformats.org/presentationml/2006/main">
+  <p:cSld>
+    <p:bg>
+      <p:bgPr>
+        <a:solidFill>
+          <a:schemeClr val="bg1"/>
+        </a:solidFill>
+        <a:effectLst/>
+      </p:bgPr>
+    </p:bg>
+    <p:spTree>
+      <p:nvGrpSpPr>
+        <p:cNvPr id="1" name=""/>
+        <p:cNvGrpSpPr/>
+        <p:nvPr/>
+      </p:nvGrpSpPr>
+      <p:grpSpPr>
+        <a:xfrm>
+          <a:off x="0" y="0"/>
+          <a:ext cx="0" cy="0"/>
+          <a:chOff x="0" y="0"/>
+          <a:chExt cx="0" cy="0"/>
+        </a:xfrm>
+      </p:grpSpPr>
+      <p:sp useBgFill="1">
+        <p:nvSpPr>
+          <p:cNvPr id="71" name="Rectangle 70">
+            <a:extLst>
+              <a:ext uri="{FF2B5EF4-FFF2-40B4-BE49-F238E27FC236}">
+                <a16:creationId xmlns:a16="http://schemas.microsoft.com/office/drawing/2014/main" id="{C1A1C5D3-C053-4EE9-BE1A-419B6E27CCAE}"/>
+              </a:ext>
+              <a:ext uri="{C183D7F6-B498-43B3-948B-1728B52AA6E4}">
+                <adec:decorative xmlns:adec="http://schemas.microsoft.com/office/drawing/2017/decorative" val="1"/>
+              </a:ext>
+            </a:extLst>
+          </p:cNvPr>
+          <p:cNvSpPr>
+            <a:spLocks noGrp="1" noRot="1" noChangeAspect="1" noMove="1" noResize="1" noEditPoints="1" noAdjustHandles="1" noChangeArrowheads="1" noChangeShapeType="1" noTextEdit="1"/>
+          </p:cNvSpPr>
+          <p:nvPr>
+            <p:extLst>
+              <p:ext uri="{386F3935-93C4-4BCD-93E2-E3B085C9AB24}">
+                <p16:designElem xmlns:p16="http://schemas.microsoft.com/office/powerpoint/2015/main" val="1"/>
+              </p:ext>
+            </p:extLst>
+          </p:nvPr>
+        </p:nvSpPr>
+        <p:spPr>
+          <a:xfrm>
+            <a:off x="0" y="0"/>
+            <a:ext cx="12192000" cy="6858000"/>
+          </a:xfrm>
+          <a:prstGeom prst="rect">
+            <a:avLst/>
+          </a:prstGeom>
+          <a:ln>
+            <a:noFill/>
+          </a:ln>
+        </p:spPr>
+        <p:style>
+          <a:lnRef idx="2">
+            <a:schemeClr val="accent1">
+              <a:shade val="50000"/>
+            </a:schemeClr>
+          </a:lnRef>
+          <a:fillRef idx="1">
+            <a:schemeClr val="accent1"/>
+          </a:fillRef>
+          <a:effectRef idx="0">
+            <a:schemeClr val="accent1"/>
+          </a:effectRef>
+          <a:fontRef idx="minor">
+            <a:schemeClr val="lt1"/>
+          </a:fontRef>
+        </p:style>
+        <p:txBody>
+          <a:bodyPr rtlCol="0" anchor="ctr"/>
+          <a:lstStyle/>
+          <a:p>
+            <a:pPr algn="ctr"/>
+            <a:endParaRPr lang="en-US" dirty="0"/>
+          </a:p>
+        </p:txBody>
+      </p:sp>
+      <p:sp useBgFill="1">
+        <p:nvSpPr>
+          <p:cNvPr id="73" name="Rectangle 72">
+            <a:extLst>
+              <a:ext uri="{FF2B5EF4-FFF2-40B4-BE49-F238E27FC236}">
+                <a16:creationId xmlns:a16="http://schemas.microsoft.com/office/drawing/2014/main" id="{A3473CF9-37EB-43E7-89EF-D2D1C53D1DAC}"/>
+              </a:ext>
+              <a:ext uri="{C183D7F6-B498-43B3-948B-1728B52AA6E4}">
+                <adec:decorative xmlns:adec="http://schemas.microsoft.com/office/drawing/2017/decorative" val="1"/>
+              </a:ext>
+            </a:extLst>
+          </p:cNvPr>
+          <p:cNvSpPr>
+            <a:spLocks noGrp="1" noRot="1" noChangeAspect="1" noMove="1" noResize="1" noEditPoints="1" noAdjustHandles="1" noChangeArrowheads="1" noChangeShapeType="1" noTextEdit="1"/>
+          </p:cNvSpPr>
+          <p:nvPr>
+            <p:extLst>
+              <p:ext uri="{386F3935-93C4-4BCD-93E2-E3B085C9AB24}">
+                <p16:designElem xmlns:p16="http://schemas.microsoft.com/office/powerpoint/2015/main" val="1"/>
+              </p:ext>
+            </p:extLst>
+          </p:nvPr>
+        </p:nvSpPr>
+        <p:spPr>
+          <a:xfrm>
+            <a:off x="1903615" y="221673"/>
+            <a:ext cx="8384770" cy="1332634"/>
+          </a:xfrm>
+          <a:prstGeom prst="rect">
+            <a:avLst/>
+          </a:prstGeom>
+          <a:ln w="12700">
+            <a:solidFill>
+              <a:srgbClr val="E1E1E1"/>
+            </a:solidFill>
+          </a:ln>
+          <a:effectLst>
+            <a:outerShdw blurRad="50800" dist="38100" dir="2700000" algn="tl" rotWithShape="0">
+              <a:schemeClr val="bg2">
+                <a:lumMod val="85000"/>
+                <a:alpha val="50000"/>
+              </a:schemeClr>
+            </a:outerShdw>
+          </a:effectLst>
+        </p:spPr>
+        <p:style>
+          <a:lnRef idx="2">
+            <a:schemeClr val="accent1">
+              <a:shade val="50000"/>
+            </a:schemeClr>
+          </a:lnRef>
+          <a:fillRef idx="1">
+            <a:schemeClr val="accent1"/>
+          </a:fillRef>
+          <a:effectRef idx="0">
+            <a:schemeClr val="accent1"/>
+          </a:effectRef>
+          <a:fontRef idx="minor">
+            <a:schemeClr val="lt1"/>
+          </a:fontRef>
+        </p:style>
+        <p:txBody>
+          <a:bodyPr rtlCol="0" anchor="ctr"/>
+          <a:lstStyle/>
+          <a:p>
+            <a:pPr marL="0" marR="0" lvl="0" indent="0" algn="ctr" defTabSz="914400" rtl="0" eaLnBrk="1" fontAlgn="auto" latinLnBrk="0" hangingPunct="1">
+              <a:lnSpc>
+                <a:spcPct val="100000"/>
+              </a:lnSpc>
+              <a:spcBef>
+                <a:spcPts val="0"/>
+              </a:spcBef>
+              <a:spcAft>
+                <a:spcPts val="0"/>
+              </a:spcAft>
+              <a:buClrTx/>
+              <a:buSzTx/>
+              <a:buFontTx/>
+              <a:buNone/>
+              <a:tabLst/>
+              <a:defRPr/>
+            </a:pPr>
+            <a:endParaRPr kumimoji="0" lang="en-US" sz="1800" b="0" i="0" u="none" strike="noStrike" kern="1200" cap="none" spc="0" normalizeH="0" baseline="0" noProof="0" dirty="0">
+              <a:ln>
+                <a:noFill/>
+              </a:ln>
+              <a:solidFill>
+                <a:prstClr val="white"/>
+              </a:solidFill>
+              <a:effectLst/>
+              <a:uLnTx/>
+              <a:uFillTx/>
+              <a:latin typeface="Calibri" panose="020F0502020204030204"/>
+              <a:ea typeface="+mn-ea"/>
+              <a:cs typeface="+mn-cs"/>
+            </a:endParaRPr>
+          </a:p>
+        </p:txBody>
+      </p:sp>
+      <p:sp>
+        <p:nvSpPr>
+          <p:cNvPr id="2" name="Title 1">
+            <a:extLst>
+              <a:ext uri="{FF2B5EF4-FFF2-40B4-BE49-F238E27FC236}">
+                <a16:creationId xmlns:a16="http://schemas.microsoft.com/office/drawing/2014/main" id="{0FDE5079-B185-4DE0-AF2C-AE4B7709FBC3}"/>
+              </a:ext>
+            </a:extLst>
+          </p:cNvPr>
+          <p:cNvSpPr>
+            <a:spLocks noGrp="1"/>
+          </p:cNvSpPr>
+          <p:nvPr>
+            <p:ph type="title"/>
+          </p:nvPr>
+        </p:nvSpPr>
+        <p:spPr>
+          <a:xfrm>
+            <a:off x="2103121" y="310343"/>
+            <a:ext cx="7985759" cy="868823"/>
+          </a:xfrm>
+        </p:spPr>
+        <p:txBody>
+          <a:bodyPr vert="horz" lIns="91440" tIns="45720" rIns="91440" bIns="45720" rtlCol="0" anchor="ctr">
+            <a:normAutofit/>
+          </a:bodyPr>
+          <a:lstStyle/>
+          <a:p>
+            <a:pPr algn="ctr"/>
+            <a:r>
+              <a:rPr lang="en-US" sz="4000" kern="1200" dirty="0">
+                <a:solidFill>
+                  <a:schemeClr val="tx1"/>
+                </a:solidFill>
+                <a:latin typeface="+mj-lt"/>
+                <a:ea typeface="+mj-ea"/>
+                <a:cs typeface="+mj-cs"/>
+              </a:rPr>
+              <a:t>Mock-ups</a:t>
+            </a:r>
+          </a:p>
+        </p:txBody>
+      </p:sp>
+      <p:sp>
+        <p:nvSpPr>
+          <p:cNvPr id="75" name="Rectangle: Rounded Corners 74">
+            <a:extLst>
+              <a:ext uri="{FF2B5EF4-FFF2-40B4-BE49-F238E27FC236}">
+                <a16:creationId xmlns:a16="http://schemas.microsoft.com/office/drawing/2014/main" id="{586B4EF9-43BA-4655-A6FF-1D8E21574C95}"/>
+              </a:ext>
+              <a:ext uri="{C183D7F6-B498-43B3-948B-1728B52AA6E4}">
+                <adec:decorative xmlns:adec="http://schemas.microsoft.com/office/drawing/2017/decorative" val="1"/>
+              </a:ext>
+            </a:extLst>
+          </p:cNvPr>
+          <p:cNvSpPr>
+            <a:spLocks noGrp="1" noRot="1" noChangeAspect="1" noMove="1" noResize="1" noEditPoints="1" noAdjustHandles="1" noChangeArrowheads="1" noChangeShapeType="1" noTextEdit="1"/>
+          </p:cNvSpPr>
+          <p:nvPr>
+            <p:extLst>
+              <p:ext uri="{386F3935-93C4-4BCD-93E2-E3B085C9AB24}">
+                <p16:designElem xmlns:p16="http://schemas.microsoft.com/office/powerpoint/2015/main" val="1"/>
+              </p:ext>
+            </p:extLst>
+          </p:nvPr>
+        </p:nvSpPr>
+        <p:spPr>
+          <a:xfrm>
+            <a:off x="2483110" y="1211407"/>
+            <a:ext cx="7225780" cy="685800"/>
+          </a:xfrm>
+          <a:prstGeom prst="roundRect">
+            <a:avLst>
+              <a:gd name="adj" fmla="val 0"/>
+            </a:avLst>
+          </a:prstGeom>
+          <a:solidFill>
+            <a:schemeClr val="accent2"/>
+          </a:solidFill>
+          <a:ln>
+            <a:noFill/>
+          </a:ln>
+        </p:spPr>
+        <p:style>
+          <a:lnRef idx="2">
+            <a:schemeClr val="accent1">
+              <a:shade val="50000"/>
+            </a:schemeClr>
+          </a:lnRef>
+          <a:fillRef idx="1">
+            <a:schemeClr val="accent1"/>
+          </a:fillRef>
+          <a:effectRef idx="0">
+            <a:schemeClr val="accent1"/>
+          </a:effectRef>
+          <a:fontRef idx="minor">
+            <a:schemeClr val="lt1"/>
+          </a:fontRef>
+        </p:style>
+        <p:txBody>
+          <a:bodyPr rtlCol="0" anchor="ctr"/>
+          <a:lstStyle/>
+          <a:p>
+            <a:pPr algn="ctr"/>
+            <a:endParaRPr lang="en-US" dirty="0">
+              <a:solidFill>
+                <a:prstClr val="white"/>
+              </a:solidFill>
+              <a:latin typeface="Calibri" panose="020F0502020204030204"/>
+            </a:endParaRPr>
+          </a:p>
+        </p:txBody>
+      </p:sp>
+      <p:sp useBgFill="1">
+        <p:nvSpPr>
+          <p:cNvPr id="6" name="Rectangle 5">
+            <a:extLst>
+              <a:ext uri="{FF2B5EF4-FFF2-40B4-BE49-F238E27FC236}">
+                <a16:creationId xmlns:a16="http://schemas.microsoft.com/office/drawing/2014/main" id="{A5CF232E-4688-45AB-91BA-966C407455DC}"/>
+              </a:ext>
+              <a:ext uri="{C183D7F6-B498-43B3-948B-1728B52AA6E4}">
+                <adec:decorative xmlns:adec="http://schemas.microsoft.com/office/drawing/2017/decorative" val="1"/>
+              </a:ext>
+            </a:extLst>
+          </p:cNvPr>
+          <p:cNvSpPr>
+            <a:spLocks noGrp="1" noRot="1" noChangeAspect="1" noMove="1" noResize="1" noEditPoints="1" noAdjustHandles="1" noChangeArrowheads="1" noChangeShapeType="1" noTextEdit="1"/>
+          </p:cNvSpPr>
+          <p:nvPr>
+            <p:extLst>
+              <p:ext uri="{386F3935-93C4-4BCD-93E2-E3B085C9AB24}">
+                <p16:designElem xmlns:p16="http://schemas.microsoft.com/office/powerpoint/2015/main" val="1"/>
+              </p:ext>
+            </p:extLst>
+          </p:nvPr>
+        </p:nvSpPr>
+        <p:spPr>
+          <a:xfrm>
+            <a:off x="0" y="0"/>
+            <a:ext cx="12192000" cy="6858000"/>
+          </a:xfrm>
+          <a:prstGeom prst="rect">
+            <a:avLst/>
+          </a:prstGeom>
+          <a:ln>
+            <a:noFill/>
+          </a:ln>
+        </p:spPr>
+        <p:style>
+          <a:lnRef idx="2">
+            <a:schemeClr val="accent1">
+              <a:shade val="50000"/>
+            </a:schemeClr>
+          </a:lnRef>
+          <a:fillRef idx="1">
+            <a:schemeClr val="accent1"/>
+          </a:fillRef>
+          <a:effectRef idx="0">
+            <a:schemeClr val="accent1"/>
+          </a:effectRef>
+          <a:fontRef idx="minor">
+            <a:schemeClr val="lt1"/>
+          </a:fontRef>
+        </p:style>
+        <p:txBody>
+          <a:bodyPr rtlCol="0" anchor="ctr"/>
+          <a:lstStyle/>
+          <a:p>
+            <a:pPr algn="ctr"/>
+            <a:endParaRPr lang="en-US" dirty="0"/>
+          </a:p>
+        </p:txBody>
+      </p:sp>
+      <p:sp useBgFill="1">
+        <p:nvSpPr>
+          <p:cNvPr id="7" name="Rectangle 6">
+            <a:extLst>
+              <a:ext uri="{FF2B5EF4-FFF2-40B4-BE49-F238E27FC236}">
+                <a16:creationId xmlns:a16="http://schemas.microsoft.com/office/drawing/2014/main" id="{B9A6EEF5-232F-4206-A5C3-2004CDBA3F51}"/>
+              </a:ext>
+              <a:ext uri="{C183D7F6-B498-43B3-948B-1728B52AA6E4}">
+                <adec:decorative xmlns:adec="http://schemas.microsoft.com/office/drawing/2017/decorative" val="1"/>
+              </a:ext>
+            </a:extLst>
+          </p:cNvPr>
+          <p:cNvSpPr>
+            <a:spLocks noGrp="1" noRot="1" noChangeAspect="1" noMove="1" noResize="1" noEditPoints="1" noAdjustHandles="1" noChangeArrowheads="1" noChangeShapeType="1" noTextEdit="1"/>
+          </p:cNvSpPr>
+          <p:nvPr>
+            <p:extLst>
+              <p:ext uri="{386F3935-93C4-4BCD-93E2-E3B085C9AB24}">
+                <p16:designElem xmlns:p16="http://schemas.microsoft.com/office/powerpoint/2015/main" val="1"/>
+              </p:ext>
+            </p:extLst>
+          </p:nvPr>
+        </p:nvSpPr>
+        <p:spPr>
+          <a:xfrm>
+            <a:off x="1903615" y="221673"/>
+            <a:ext cx="8384770" cy="1332634"/>
+          </a:xfrm>
+          <a:prstGeom prst="rect">
+            <a:avLst/>
+          </a:prstGeom>
+          <a:ln w="12700">
+            <a:solidFill>
+              <a:srgbClr val="E1E1E1"/>
+            </a:solidFill>
+          </a:ln>
+          <a:effectLst>
+            <a:outerShdw blurRad="50800" dist="38100" dir="2700000" algn="tl" rotWithShape="0">
+              <a:schemeClr val="bg2">
+                <a:lumMod val="85000"/>
+                <a:alpha val="50000"/>
+              </a:schemeClr>
+            </a:outerShdw>
+          </a:effectLst>
+        </p:spPr>
+        <p:style>
+          <a:lnRef idx="2">
+            <a:schemeClr val="accent1">
+              <a:shade val="50000"/>
+            </a:schemeClr>
+          </a:lnRef>
+          <a:fillRef idx="1">
+            <a:schemeClr val="accent1"/>
+          </a:fillRef>
+          <a:effectRef idx="0">
+            <a:schemeClr val="accent1"/>
+          </a:effectRef>
+          <a:fontRef idx="minor">
+            <a:schemeClr val="lt1"/>
+          </a:fontRef>
+        </p:style>
+        <p:txBody>
+          <a:bodyPr rtlCol="0" anchor="ctr"/>
+          <a:lstStyle/>
+          <a:p>
+            <a:pPr marL="0" marR="0" lvl="0" indent="0" algn="ctr" defTabSz="914400" rtl="0" eaLnBrk="1" fontAlgn="auto" latinLnBrk="0" hangingPunct="1">
+              <a:lnSpc>
+                <a:spcPct val="100000"/>
+              </a:lnSpc>
+              <a:spcBef>
+                <a:spcPts val="0"/>
+              </a:spcBef>
+              <a:spcAft>
+                <a:spcPts val="0"/>
+              </a:spcAft>
+              <a:buClrTx/>
+              <a:buSzTx/>
+              <a:buFontTx/>
+              <a:buNone/>
+              <a:tabLst/>
+              <a:defRPr/>
+            </a:pPr>
+            <a:endParaRPr kumimoji="0" lang="en-US" sz="1800" b="0" i="0" u="none" strike="noStrike" kern="1200" cap="none" spc="0" normalizeH="0" baseline="0" noProof="0" dirty="0">
+              <a:ln>
+                <a:noFill/>
+              </a:ln>
+              <a:solidFill>
+                <a:prstClr val="white"/>
+              </a:solidFill>
+              <a:effectLst/>
+              <a:uLnTx/>
+              <a:uFillTx/>
+              <a:latin typeface="Calibri" panose="020F0502020204030204"/>
+              <a:ea typeface="+mn-ea"/>
+              <a:cs typeface="+mn-cs"/>
+            </a:endParaRPr>
+          </a:p>
+        </p:txBody>
+      </p:sp>
+      <p:sp>
+        <p:nvSpPr>
+          <p:cNvPr id="8" name="Title 1">
+            <a:extLst>
+              <a:ext uri="{FF2B5EF4-FFF2-40B4-BE49-F238E27FC236}">
+                <a16:creationId xmlns:a16="http://schemas.microsoft.com/office/drawing/2014/main" id="{046F6EB2-F0E8-4FDA-82BF-764849ACBB21}"/>
+              </a:ext>
+            </a:extLst>
+          </p:cNvPr>
+          <p:cNvSpPr txBox="1">
+            <a:spLocks/>
+          </p:cNvSpPr>
+          <p:nvPr/>
+        </p:nvSpPr>
+        <p:spPr>
+          <a:xfrm>
+            <a:off x="2103121" y="310343"/>
+            <a:ext cx="7985759" cy="868823"/>
+          </a:xfrm>
+          <a:prstGeom prst="rect">
+            <a:avLst/>
+          </a:prstGeom>
+        </p:spPr>
+        <p:txBody>
+          <a:bodyPr vert="horz" lIns="91440" tIns="45720" rIns="91440" bIns="45720" rtlCol="0" anchor="ctr">
+            <a:normAutofit/>
+          </a:bodyPr>
+          <a:lstStyle>
+            <a:lvl1pPr algn="l" defTabSz="914400" rtl="0" eaLnBrk="1" latinLnBrk="0" hangingPunct="1">
+              <a:lnSpc>
+                <a:spcPct val="90000"/>
+              </a:lnSpc>
+              <a:spcBef>
+                <a:spcPct val="0"/>
+              </a:spcBef>
+              <a:buNone/>
+              <a:defRPr sz="4400" kern="1200">
+                <a:solidFill>
+                  <a:schemeClr val="tx1"/>
+                </a:solidFill>
+                <a:latin typeface="+mj-lt"/>
+                <a:ea typeface="+mj-ea"/>
+                <a:cs typeface="+mj-cs"/>
+              </a:defRPr>
+            </a:lvl1pPr>
+          </a:lstStyle>
+          <a:p>
+            <a:pPr algn="ctr"/>
+            <a:r>
+              <a:rPr lang="en-US" sz="4000"/>
+              <a:t>AWS Service choices</a:t>
+            </a:r>
+            <a:endParaRPr lang="en-US" sz="4000" dirty="0"/>
+          </a:p>
+        </p:txBody>
+      </p:sp>
+      <p:sp>
+        <p:nvSpPr>
+          <p:cNvPr id="9" name="Rectangle: Rounded Corners 8">
+            <a:extLst>
+              <a:ext uri="{FF2B5EF4-FFF2-40B4-BE49-F238E27FC236}">
+                <a16:creationId xmlns:a16="http://schemas.microsoft.com/office/drawing/2014/main" id="{3093EA87-1287-49B8-BAEF-1B00D6E8B777}"/>
+              </a:ext>
+              <a:ext uri="{C183D7F6-B498-43B3-948B-1728B52AA6E4}">
+                <adec:decorative xmlns:adec="http://schemas.microsoft.com/office/drawing/2017/decorative" val="1"/>
+              </a:ext>
+            </a:extLst>
+          </p:cNvPr>
+          <p:cNvSpPr>
+            <a:spLocks noGrp="1" noRot="1" noChangeAspect="1" noMove="1" noResize="1" noEditPoints="1" noAdjustHandles="1" noChangeArrowheads="1" noChangeShapeType="1" noTextEdit="1"/>
+          </p:cNvSpPr>
+          <p:nvPr>
+            <p:extLst>
+              <p:ext uri="{386F3935-93C4-4BCD-93E2-E3B085C9AB24}">
+                <p16:designElem xmlns:p16="http://schemas.microsoft.com/office/powerpoint/2015/main" val="1"/>
+              </p:ext>
+            </p:extLst>
+          </p:nvPr>
+        </p:nvSpPr>
+        <p:spPr>
+          <a:xfrm>
+            <a:off x="2483110" y="1211407"/>
+            <a:ext cx="7225780" cy="685800"/>
+          </a:xfrm>
+          <a:prstGeom prst="roundRect">
+            <a:avLst>
+              <a:gd name="adj" fmla="val 0"/>
+            </a:avLst>
+          </a:prstGeom>
+          <a:solidFill>
+            <a:schemeClr val="accent2"/>
+          </a:solidFill>
+          <a:ln>
+            <a:noFill/>
+          </a:ln>
+        </p:spPr>
+        <p:style>
+          <a:lnRef idx="2">
+            <a:schemeClr val="accent1">
+              <a:shade val="50000"/>
+            </a:schemeClr>
+          </a:lnRef>
+          <a:fillRef idx="1">
+            <a:schemeClr val="accent1"/>
+          </a:fillRef>
+          <a:effectRef idx="0">
+            <a:schemeClr val="accent1"/>
+          </a:effectRef>
+          <a:fontRef idx="minor">
+            <a:schemeClr val="lt1"/>
+          </a:fontRef>
+        </p:style>
+        <p:txBody>
+          <a:bodyPr rtlCol="0" anchor="ctr"/>
+          <a:lstStyle/>
+          <a:p>
+            <a:pPr algn="ctr"/>
+            <a:endParaRPr lang="en-US" dirty="0">
+              <a:solidFill>
+                <a:prstClr val="white"/>
+              </a:solidFill>
+              <a:latin typeface="Calibri" panose="020F0502020204030204"/>
+            </a:endParaRPr>
+          </a:p>
+        </p:txBody>
+      </p:sp>
+      <p:sp>
+        <p:nvSpPr>
+          <p:cNvPr id="10" name="TextBox 9">
+            <a:extLst>
+              <a:ext uri="{FF2B5EF4-FFF2-40B4-BE49-F238E27FC236}">
+                <a16:creationId xmlns:a16="http://schemas.microsoft.com/office/drawing/2014/main" id="{AD61C7D7-49C3-4845-B117-89B002224F74}"/>
+              </a:ext>
+            </a:extLst>
+          </p:cNvPr>
+          <p:cNvSpPr txBox="1"/>
+          <p:nvPr/>
+        </p:nvSpPr>
+        <p:spPr>
+          <a:xfrm>
+            <a:off x="1800902" y="2113713"/>
+            <a:ext cx="8384770" cy="5078313"/>
+          </a:xfrm>
+          <a:prstGeom prst="rect">
+            <a:avLst/>
+          </a:prstGeom>
+          <a:noFill/>
+        </p:spPr>
+        <p:txBody>
+          <a:bodyPr wrap="square" rtlCol="0">
+            <a:spAutoFit/>
+          </a:bodyPr>
+          <a:lstStyle/>
+          <a:p>
+            <a:r>
+              <a:rPr lang="en-US" dirty="0"/>
+              <a:t>Elastic Beanstalk</a:t>
+            </a:r>
+          </a:p>
+          <a:p>
+            <a:pPr marL="285750" indent="-285750">
+              <a:buFont typeface="Arial" panose="020B0604020202020204" pitchFamily="34" charset="0"/>
+              <a:buChar char="•"/>
+            </a:pPr>
+            <a:r>
+              <a:rPr lang="en-US" dirty="0"/>
+              <a:t>PaaS</a:t>
+            </a:r>
+          </a:p>
+          <a:p>
+            <a:pPr marL="285750" indent="-285750">
+              <a:buFont typeface="Arial" panose="020B0604020202020204" pitchFamily="34" charset="0"/>
+              <a:buChar char="•"/>
+            </a:pPr>
+            <a:r>
+              <a:rPr lang="en-US" dirty="0"/>
+              <a:t>Auto scaling, load balancing, health monitoring, configurable critical updates</a:t>
+            </a:r>
+          </a:p>
+          <a:p>
+            <a:pPr marL="285750" indent="-285750">
+              <a:buFont typeface="Arial" panose="020B0604020202020204" pitchFamily="34" charset="0"/>
+              <a:buChar char="•"/>
+            </a:pPr>
+            <a:r>
+              <a:rPr lang="en-US" dirty="0"/>
+              <a:t>Nginx, Node JS</a:t>
+            </a:r>
+          </a:p>
+          <a:p>
+            <a:pPr marL="285750" indent="-285750">
+              <a:buFont typeface="Arial" panose="020B0604020202020204" pitchFamily="34" charset="0"/>
+              <a:buChar char="•"/>
+            </a:pPr>
+            <a:r>
+              <a:rPr lang="en-US" dirty="0"/>
+              <a:t>Uses CloudFormation</a:t>
+            </a:r>
+          </a:p>
+          <a:p>
+            <a:pPr marL="285750" indent="-285750">
+              <a:buFont typeface="Arial" panose="020B0604020202020204" pitchFamily="34" charset="0"/>
+              <a:buChar char="•"/>
+            </a:pPr>
+            <a:r>
+              <a:rPr lang="en-US" dirty="0"/>
+              <a:t>One application, multiple Cloned environments</a:t>
+            </a:r>
+          </a:p>
+          <a:p>
+            <a:pPr marL="285750" indent="-285750">
+              <a:buFont typeface="Arial" panose="020B0604020202020204" pitchFamily="34" charset="0"/>
+              <a:buChar char="•"/>
+            </a:pPr>
+            <a:r>
+              <a:rPr lang="en-US" dirty="0"/>
+              <a:t>Template can be checked into GitHub for provisioning other environments</a:t>
+            </a:r>
+          </a:p>
+          <a:p>
+            <a:pPr marL="285750" indent="-285750">
+              <a:buFont typeface="Arial" panose="020B0604020202020204" pitchFamily="34" charset="0"/>
+              <a:buChar char="•"/>
+            </a:pPr>
+            <a:r>
+              <a:rPr lang="en-US" dirty="0"/>
+              <a:t>Used with </a:t>
+            </a:r>
+            <a:r>
+              <a:rPr lang="en-US" dirty="0" err="1"/>
+              <a:t>CodePipeline</a:t>
+            </a:r>
+            <a:endParaRPr lang="en-US" dirty="0"/>
+          </a:p>
+          <a:p>
+            <a:pPr marL="285750" indent="-285750">
+              <a:buFont typeface="Arial" panose="020B0604020202020204" pitchFamily="34" charset="0"/>
+              <a:buChar char="•"/>
+            </a:pPr>
+            <a:endParaRPr lang="en-US" dirty="0"/>
+          </a:p>
+          <a:p>
+            <a:r>
+              <a:rPr lang="en-US" dirty="0"/>
+              <a:t>Stand alone EC2 instance using LAMP technology</a:t>
+            </a:r>
+          </a:p>
+          <a:p>
+            <a:pPr marL="285750" indent="-285750">
+              <a:buFont typeface="Arial" panose="020B0604020202020204" pitchFamily="34" charset="0"/>
+              <a:buChar char="•"/>
+            </a:pPr>
+            <a:r>
+              <a:rPr lang="en-US" dirty="0"/>
+              <a:t>Linux, Apache, </a:t>
+            </a:r>
+            <a:r>
+              <a:rPr lang="en-US" dirty="0" err="1"/>
+              <a:t>Mysql</a:t>
+            </a:r>
+            <a:r>
+              <a:rPr lang="en-US" dirty="0"/>
+              <a:t>/MariaDB, PHP, Angular, Node JS</a:t>
+            </a:r>
+          </a:p>
+          <a:p>
+            <a:pPr marL="285750" indent="-285750">
+              <a:buFont typeface="Arial" panose="020B0604020202020204" pitchFamily="34" charset="0"/>
+              <a:buChar char="•"/>
+            </a:pPr>
+            <a:r>
+              <a:rPr lang="en-US" dirty="0"/>
+              <a:t>Used with Code Deploy</a:t>
+            </a:r>
+          </a:p>
+          <a:p>
+            <a:pPr marL="285750" indent="-285750">
+              <a:buFont typeface="Arial" panose="020B0604020202020204" pitchFamily="34" charset="0"/>
+              <a:buChar char="•"/>
+            </a:pPr>
+            <a:endParaRPr lang="en-US" dirty="0"/>
+          </a:p>
+          <a:p>
+            <a:r>
+              <a:rPr lang="en-US" dirty="0"/>
+              <a:t>S3 bucket</a:t>
+            </a:r>
+          </a:p>
+          <a:p>
+            <a:pPr marL="285750" indent="-285750">
+              <a:buFont typeface="Arial" panose="020B0604020202020204" pitchFamily="34" charset="0"/>
+              <a:buChar char="•"/>
+            </a:pPr>
+            <a:r>
+              <a:rPr lang="en-US" dirty="0"/>
+              <a:t>Static website</a:t>
+            </a:r>
+          </a:p>
+          <a:p>
+            <a:pPr marL="285750" indent="-285750">
+              <a:buFont typeface="Arial" panose="020B0604020202020204" pitchFamily="34" charset="0"/>
+              <a:buChar char="•"/>
+            </a:pPr>
+            <a:endParaRPr lang="en-US" dirty="0"/>
+          </a:p>
+          <a:p>
+            <a:pPr marL="285750" indent="-285750">
+              <a:buFont typeface="Arial" panose="020B0604020202020204" pitchFamily="34" charset="0"/>
+              <a:buChar char="•"/>
+            </a:pPr>
+            <a:endParaRPr lang="en-US" dirty="0"/>
+          </a:p>
+          <a:p>
+            <a:endParaRPr lang="en-US" dirty="0"/>
+          </a:p>
+        </p:txBody>
+      </p:sp>
+    </p:spTree>
+    <p:extLst>
+      <p:ext uri="{BB962C8B-B14F-4D97-AF65-F5344CB8AC3E}">
+        <p14:creationId xmlns:p14="http://schemas.microsoft.com/office/powerpoint/2010/main" val="61084087"/>
+      </p:ext>
+    </p:extLst>
+  </p:cSld>
+  <p:clrMapOvr>
+    <a:masterClrMapping/>
+  </p:clrMapOvr>
+</p:sld>
+</file>
+
+<file path=ppt/slides/slide16.xml><?xml version="1.0" encoding="utf-8"?>
+<p:sld xmlns:a="http://schemas.openxmlformats.org/drawingml/2006/main" xmlns:r="http://schemas.openxmlformats.org/officeDocument/2006/relationships" xmlns:p="http://schemas.openxmlformats.org/presentationml/2006/main">
+  <p:cSld>
+    <p:bg>
+      <p:bgPr>
+        <a:solidFill>
+          <a:schemeClr val="bg1"/>
+        </a:solidFill>
+        <a:effectLst/>
+      </p:bgPr>
+    </p:bg>
+    <p:spTree>
+      <p:nvGrpSpPr>
+        <p:cNvPr id="1" name=""/>
+        <p:cNvGrpSpPr/>
+        <p:nvPr/>
+      </p:nvGrpSpPr>
+      <p:grpSpPr>
+        <a:xfrm>
+          <a:off x="0" y="0"/>
+          <a:ext cx="0" cy="0"/>
+          <a:chOff x="0" y="0"/>
+          <a:chExt cx="0" cy="0"/>
+        </a:xfrm>
+      </p:grpSpPr>
+      <p:sp useBgFill="1">
+        <p:nvSpPr>
+          <p:cNvPr id="71" name="Rectangle 70">
+            <a:extLst>
+              <a:ext uri="{FF2B5EF4-FFF2-40B4-BE49-F238E27FC236}">
+                <a16:creationId xmlns:a16="http://schemas.microsoft.com/office/drawing/2014/main" id="{C1A1C5D3-C053-4EE9-BE1A-419B6E27CCAE}"/>
+              </a:ext>
+              <a:ext uri="{C183D7F6-B498-43B3-948B-1728B52AA6E4}">
+                <adec:decorative xmlns:adec="http://schemas.microsoft.com/office/drawing/2017/decorative" val="1"/>
+              </a:ext>
+            </a:extLst>
+          </p:cNvPr>
+          <p:cNvSpPr>
+            <a:spLocks noGrp="1" noRot="1" noChangeAspect="1" noMove="1" noResize="1" noEditPoints="1" noAdjustHandles="1" noChangeArrowheads="1" noChangeShapeType="1" noTextEdit="1"/>
+          </p:cNvSpPr>
+          <p:nvPr>
+            <p:extLst>
+              <p:ext uri="{386F3935-93C4-4BCD-93E2-E3B085C9AB24}">
+                <p16:designElem xmlns:p16="http://schemas.microsoft.com/office/powerpoint/2015/main" val="1"/>
+              </p:ext>
+            </p:extLst>
+          </p:nvPr>
+        </p:nvSpPr>
+        <p:spPr>
+          <a:xfrm>
+            <a:off x="0" y="0"/>
+            <a:ext cx="12192000" cy="6858000"/>
+          </a:xfrm>
+          <a:prstGeom prst="rect">
+            <a:avLst/>
+          </a:prstGeom>
+          <a:ln>
+            <a:noFill/>
+          </a:ln>
+        </p:spPr>
+        <p:style>
+          <a:lnRef idx="2">
+            <a:schemeClr val="accent1">
+              <a:shade val="50000"/>
+            </a:schemeClr>
+          </a:lnRef>
+          <a:fillRef idx="1">
+            <a:schemeClr val="accent1"/>
+          </a:fillRef>
+          <a:effectRef idx="0">
+            <a:schemeClr val="accent1"/>
+          </a:effectRef>
+          <a:fontRef idx="minor">
+            <a:schemeClr val="lt1"/>
+          </a:fontRef>
+        </p:style>
+        <p:txBody>
+          <a:bodyPr rtlCol="0" anchor="ctr"/>
+          <a:lstStyle/>
+          <a:p>
+            <a:pPr algn="ctr"/>
+            <a:endParaRPr lang="en-US" dirty="0"/>
+          </a:p>
+        </p:txBody>
+      </p:sp>
+      <p:sp useBgFill="1">
+        <p:nvSpPr>
+          <p:cNvPr id="73" name="Rectangle 72">
+            <a:extLst>
+              <a:ext uri="{FF2B5EF4-FFF2-40B4-BE49-F238E27FC236}">
+                <a16:creationId xmlns:a16="http://schemas.microsoft.com/office/drawing/2014/main" id="{A3473CF9-37EB-43E7-89EF-D2D1C53D1DAC}"/>
+              </a:ext>
+              <a:ext uri="{C183D7F6-B498-43B3-948B-1728B52AA6E4}">
+                <adec:decorative xmlns:adec="http://schemas.microsoft.com/office/drawing/2017/decorative" val="1"/>
+              </a:ext>
+            </a:extLst>
+          </p:cNvPr>
+          <p:cNvSpPr>
+            <a:spLocks noGrp="1" noRot="1" noChangeAspect="1" noMove="1" noResize="1" noEditPoints="1" noAdjustHandles="1" noChangeArrowheads="1" noChangeShapeType="1" noTextEdit="1"/>
+          </p:cNvSpPr>
+          <p:nvPr>
+            <p:extLst>
+              <p:ext uri="{386F3935-93C4-4BCD-93E2-E3B085C9AB24}">
+                <p16:designElem xmlns:p16="http://schemas.microsoft.com/office/powerpoint/2015/main" val="1"/>
+              </p:ext>
+            </p:extLst>
+          </p:nvPr>
+        </p:nvSpPr>
+        <p:spPr>
+          <a:xfrm>
+            <a:off x="1903615" y="221673"/>
+            <a:ext cx="8384770" cy="1332634"/>
+          </a:xfrm>
+          <a:prstGeom prst="rect">
+            <a:avLst/>
+          </a:prstGeom>
+          <a:ln w="12700">
+            <a:solidFill>
+              <a:srgbClr val="E1E1E1"/>
+            </a:solidFill>
+          </a:ln>
+          <a:effectLst>
+            <a:outerShdw blurRad="50800" dist="38100" dir="2700000" algn="tl" rotWithShape="0">
+              <a:schemeClr val="bg2">
+                <a:lumMod val="85000"/>
+                <a:alpha val="50000"/>
+              </a:schemeClr>
+            </a:outerShdw>
+          </a:effectLst>
+        </p:spPr>
+        <p:style>
+          <a:lnRef idx="2">
+            <a:schemeClr val="accent1">
+              <a:shade val="50000"/>
+            </a:schemeClr>
+          </a:lnRef>
+          <a:fillRef idx="1">
+            <a:schemeClr val="accent1"/>
+          </a:fillRef>
+          <a:effectRef idx="0">
+            <a:schemeClr val="accent1"/>
+          </a:effectRef>
+          <a:fontRef idx="minor">
+            <a:schemeClr val="lt1"/>
+          </a:fontRef>
+        </p:style>
+        <p:txBody>
+          <a:bodyPr rtlCol="0" anchor="ctr"/>
+          <a:lstStyle/>
+          <a:p>
+            <a:pPr marL="0" marR="0" lvl="0" indent="0" algn="ctr" defTabSz="914400" rtl="0" eaLnBrk="1" fontAlgn="auto" latinLnBrk="0" hangingPunct="1">
+              <a:lnSpc>
+                <a:spcPct val="100000"/>
+              </a:lnSpc>
+              <a:spcBef>
+                <a:spcPts val="0"/>
+              </a:spcBef>
+              <a:spcAft>
+                <a:spcPts val="0"/>
+              </a:spcAft>
+              <a:buClrTx/>
+              <a:buSzTx/>
+              <a:buFontTx/>
+              <a:buNone/>
+              <a:tabLst/>
+              <a:defRPr/>
+            </a:pPr>
+            <a:endParaRPr kumimoji="0" lang="en-US" sz="1800" b="0" i="0" u="none" strike="noStrike" kern="1200" cap="none" spc="0" normalizeH="0" baseline="0" noProof="0" dirty="0">
+              <a:ln>
+                <a:noFill/>
+              </a:ln>
+              <a:solidFill>
+                <a:prstClr val="white"/>
+              </a:solidFill>
+              <a:effectLst/>
+              <a:uLnTx/>
+              <a:uFillTx/>
+              <a:latin typeface="Calibri" panose="020F0502020204030204"/>
+              <a:ea typeface="+mn-ea"/>
+              <a:cs typeface="+mn-cs"/>
+            </a:endParaRPr>
+          </a:p>
+        </p:txBody>
+      </p:sp>
+      <p:sp>
+        <p:nvSpPr>
+          <p:cNvPr id="2" name="Title 1">
+            <a:extLst>
+              <a:ext uri="{FF2B5EF4-FFF2-40B4-BE49-F238E27FC236}">
+                <a16:creationId xmlns:a16="http://schemas.microsoft.com/office/drawing/2014/main" id="{0FDE5079-B185-4DE0-AF2C-AE4B7709FBC3}"/>
+              </a:ext>
+            </a:extLst>
+          </p:cNvPr>
+          <p:cNvSpPr>
+            <a:spLocks noGrp="1"/>
+          </p:cNvSpPr>
+          <p:nvPr>
+            <p:ph type="title"/>
+          </p:nvPr>
+        </p:nvSpPr>
+        <p:spPr>
+          <a:xfrm>
+            <a:off x="2103121" y="310343"/>
+            <a:ext cx="7985759" cy="868823"/>
+          </a:xfrm>
+        </p:spPr>
+        <p:txBody>
+          <a:bodyPr vert="horz" lIns="91440" tIns="45720" rIns="91440" bIns="45720" rtlCol="0" anchor="ctr">
+            <a:normAutofit/>
+          </a:bodyPr>
+          <a:lstStyle/>
+          <a:p>
+            <a:pPr algn="ctr"/>
+            <a:r>
+              <a:rPr lang="en-US" sz="4000" kern="1200" dirty="0">
+                <a:solidFill>
+                  <a:schemeClr val="tx1"/>
+                </a:solidFill>
+                <a:latin typeface="+mj-lt"/>
+                <a:ea typeface="+mj-ea"/>
+                <a:cs typeface="+mj-cs"/>
+              </a:rPr>
+              <a:t>Mock-ups</a:t>
+            </a:r>
+          </a:p>
+        </p:txBody>
+      </p:sp>
+      <p:sp>
+        <p:nvSpPr>
+          <p:cNvPr id="75" name="Rectangle: Rounded Corners 74">
+            <a:extLst>
+              <a:ext uri="{FF2B5EF4-FFF2-40B4-BE49-F238E27FC236}">
+                <a16:creationId xmlns:a16="http://schemas.microsoft.com/office/drawing/2014/main" id="{586B4EF9-43BA-4655-A6FF-1D8E21574C95}"/>
+              </a:ext>
+              <a:ext uri="{C183D7F6-B498-43B3-948B-1728B52AA6E4}">
+                <adec:decorative xmlns:adec="http://schemas.microsoft.com/office/drawing/2017/decorative" val="1"/>
+              </a:ext>
+            </a:extLst>
+          </p:cNvPr>
+          <p:cNvSpPr>
+            <a:spLocks noGrp="1" noRot="1" noChangeAspect="1" noMove="1" noResize="1" noEditPoints="1" noAdjustHandles="1" noChangeArrowheads="1" noChangeShapeType="1" noTextEdit="1"/>
+          </p:cNvSpPr>
+          <p:nvPr>
+            <p:extLst>
+              <p:ext uri="{386F3935-93C4-4BCD-93E2-E3B085C9AB24}">
+                <p16:designElem xmlns:p16="http://schemas.microsoft.com/office/powerpoint/2015/main" val="1"/>
+              </p:ext>
+            </p:extLst>
+          </p:nvPr>
+        </p:nvSpPr>
+        <p:spPr>
+          <a:xfrm>
+            <a:off x="2483110" y="1211407"/>
+            <a:ext cx="7225780" cy="685800"/>
+          </a:xfrm>
+          <a:prstGeom prst="roundRect">
+            <a:avLst>
+              <a:gd name="adj" fmla="val 0"/>
+            </a:avLst>
+          </a:prstGeom>
+          <a:solidFill>
+            <a:schemeClr val="accent2"/>
+          </a:solidFill>
+          <a:ln>
+            <a:noFill/>
+          </a:ln>
+        </p:spPr>
+        <p:style>
+          <a:lnRef idx="2">
+            <a:schemeClr val="accent1">
+              <a:shade val="50000"/>
+            </a:schemeClr>
+          </a:lnRef>
+          <a:fillRef idx="1">
+            <a:schemeClr val="accent1"/>
+          </a:fillRef>
+          <a:effectRef idx="0">
+            <a:schemeClr val="accent1"/>
+          </a:effectRef>
+          <a:fontRef idx="minor">
+            <a:schemeClr val="lt1"/>
+          </a:fontRef>
+        </p:style>
+        <p:txBody>
+          <a:bodyPr rtlCol="0" anchor="ctr"/>
+          <a:lstStyle/>
+          <a:p>
+            <a:pPr algn="ctr"/>
+            <a:endParaRPr lang="en-US" dirty="0">
+              <a:solidFill>
+                <a:prstClr val="white"/>
+              </a:solidFill>
+              <a:latin typeface="Calibri" panose="020F0502020204030204"/>
+            </a:endParaRPr>
+          </a:p>
+        </p:txBody>
+      </p:sp>
+      <p:sp useBgFill="1">
+        <p:nvSpPr>
+          <p:cNvPr id="6" name="Rectangle 5">
+            <a:extLst>
+              <a:ext uri="{FF2B5EF4-FFF2-40B4-BE49-F238E27FC236}">
+                <a16:creationId xmlns:a16="http://schemas.microsoft.com/office/drawing/2014/main" id="{A5CF232E-4688-45AB-91BA-966C407455DC}"/>
+              </a:ext>
+              <a:ext uri="{C183D7F6-B498-43B3-948B-1728B52AA6E4}">
+                <adec:decorative xmlns:adec="http://schemas.microsoft.com/office/drawing/2017/decorative" val="1"/>
+              </a:ext>
+            </a:extLst>
+          </p:cNvPr>
+          <p:cNvSpPr>
+            <a:spLocks noGrp="1" noRot="1" noChangeAspect="1" noMove="1" noResize="1" noEditPoints="1" noAdjustHandles="1" noChangeArrowheads="1" noChangeShapeType="1" noTextEdit="1"/>
+          </p:cNvSpPr>
+          <p:nvPr>
+            <p:extLst>
+              <p:ext uri="{386F3935-93C4-4BCD-93E2-E3B085C9AB24}">
+                <p16:designElem xmlns:p16="http://schemas.microsoft.com/office/powerpoint/2015/main" val="1"/>
+              </p:ext>
+            </p:extLst>
+          </p:nvPr>
+        </p:nvSpPr>
+        <p:spPr>
+          <a:xfrm>
+            <a:off x="0" y="0"/>
+            <a:ext cx="12192000" cy="6858000"/>
+          </a:xfrm>
+          <a:prstGeom prst="rect">
+            <a:avLst/>
+          </a:prstGeom>
+          <a:ln>
+            <a:noFill/>
+          </a:ln>
+        </p:spPr>
+        <p:style>
+          <a:lnRef idx="2">
+            <a:schemeClr val="accent1">
+              <a:shade val="50000"/>
+            </a:schemeClr>
+          </a:lnRef>
+          <a:fillRef idx="1">
+            <a:schemeClr val="accent1"/>
+          </a:fillRef>
+          <a:effectRef idx="0">
+            <a:schemeClr val="accent1"/>
+          </a:effectRef>
+          <a:fontRef idx="minor">
+            <a:schemeClr val="lt1"/>
+          </a:fontRef>
+        </p:style>
+        <p:txBody>
+          <a:bodyPr rtlCol="0" anchor="ctr"/>
+          <a:lstStyle/>
+          <a:p>
+            <a:pPr algn="ctr"/>
+            <a:endParaRPr lang="en-US" dirty="0"/>
+          </a:p>
+        </p:txBody>
+      </p:sp>
+      <p:sp useBgFill="1">
+        <p:nvSpPr>
+          <p:cNvPr id="7" name="Rectangle 6">
+            <a:extLst>
+              <a:ext uri="{FF2B5EF4-FFF2-40B4-BE49-F238E27FC236}">
+                <a16:creationId xmlns:a16="http://schemas.microsoft.com/office/drawing/2014/main" id="{B9A6EEF5-232F-4206-A5C3-2004CDBA3F51}"/>
+              </a:ext>
+              <a:ext uri="{C183D7F6-B498-43B3-948B-1728B52AA6E4}">
+                <adec:decorative xmlns:adec="http://schemas.microsoft.com/office/drawing/2017/decorative" val="1"/>
+              </a:ext>
+            </a:extLst>
+          </p:cNvPr>
+          <p:cNvSpPr>
+            <a:spLocks noGrp="1" noRot="1" noChangeAspect="1" noMove="1" noResize="1" noEditPoints="1" noAdjustHandles="1" noChangeArrowheads="1" noChangeShapeType="1" noTextEdit="1"/>
+          </p:cNvSpPr>
+          <p:nvPr>
+            <p:extLst>
+              <p:ext uri="{386F3935-93C4-4BCD-93E2-E3B085C9AB24}">
+                <p16:designElem xmlns:p16="http://schemas.microsoft.com/office/powerpoint/2015/main" val="1"/>
+              </p:ext>
+            </p:extLst>
+          </p:nvPr>
+        </p:nvSpPr>
+        <p:spPr>
+          <a:xfrm>
+            <a:off x="1903615" y="221673"/>
+            <a:ext cx="8384770" cy="1332634"/>
+          </a:xfrm>
+          <a:prstGeom prst="rect">
+            <a:avLst/>
+          </a:prstGeom>
+          <a:ln w="12700">
+            <a:solidFill>
+              <a:srgbClr val="E1E1E1"/>
+            </a:solidFill>
+          </a:ln>
+          <a:effectLst>
+            <a:outerShdw blurRad="50800" dist="38100" dir="2700000" algn="tl" rotWithShape="0">
+              <a:schemeClr val="bg2">
+                <a:lumMod val="85000"/>
+                <a:alpha val="50000"/>
+              </a:schemeClr>
+            </a:outerShdw>
+          </a:effectLst>
+        </p:spPr>
+        <p:style>
+          <a:lnRef idx="2">
+            <a:schemeClr val="accent1">
+              <a:shade val="50000"/>
+            </a:schemeClr>
+          </a:lnRef>
+          <a:fillRef idx="1">
+            <a:schemeClr val="accent1"/>
+          </a:fillRef>
+          <a:effectRef idx="0">
+            <a:schemeClr val="accent1"/>
+          </a:effectRef>
+          <a:fontRef idx="minor">
+            <a:schemeClr val="lt1"/>
+          </a:fontRef>
+        </p:style>
+        <p:txBody>
+          <a:bodyPr rtlCol="0" anchor="ctr"/>
+          <a:lstStyle/>
+          <a:p>
+            <a:pPr marL="0" marR="0" lvl="0" indent="0" algn="ctr" defTabSz="914400" rtl="0" eaLnBrk="1" fontAlgn="auto" latinLnBrk="0" hangingPunct="1">
+              <a:lnSpc>
+                <a:spcPct val="100000"/>
+              </a:lnSpc>
+              <a:spcBef>
+                <a:spcPts val="0"/>
+              </a:spcBef>
+              <a:spcAft>
+                <a:spcPts val="0"/>
+              </a:spcAft>
+              <a:buClrTx/>
+              <a:buSzTx/>
+              <a:buFontTx/>
+              <a:buNone/>
+              <a:tabLst/>
+              <a:defRPr/>
+            </a:pPr>
+            <a:endParaRPr kumimoji="0" lang="en-US" sz="1800" b="0" i="0" u="none" strike="noStrike" kern="1200" cap="none" spc="0" normalizeH="0" baseline="0" noProof="0" dirty="0">
+              <a:ln>
+                <a:noFill/>
+              </a:ln>
+              <a:solidFill>
+                <a:prstClr val="white"/>
+              </a:solidFill>
+              <a:effectLst/>
+              <a:uLnTx/>
+              <a:uFillTx/>
+              <a:latin typeface="Calibri" panose="020F0502020204030204"/>
+              <a:ea typeface="+mn-ea"/>
+              <a:cs typeface="+mn-cs"/>
+            </a:endParaRPr>
+          </a:p>
+        </p:txBody>
+      </p:sp>
+      <p:sp>
+        <p:nvSpPr>
+          <p:cNvPr id="8" name="Title 1">
+            <a:extLst>
+              <a:ext uri="{FF2B5EF4-FFF2-40B4-BE49-F238E27FC236}">
+                <a16:creationId xmlns:a16="http://schemas.microsoft.com/office/drawing/2014/main" id="{046F6EB2-F0E8-4FDA-82BF-764849ACBB21}"/>
+              </a:ext>
+            </a:extLst>
+          </p:cNvPr>
+          <p:cNvSpPr txBox="1">
+            <a:spLocks/>
+          </p:cNvSpPr>
+          <p:nvPr/>
+        </p:nvSpPr>
+        <p:spPr>
+          <a:xfrm>
+            <a:off x="2103121" y="310343"/>
+            <a:ext cx="7985759" cy="868823"/>
+          </a:xfrm>
+          <a:prstGeom prst="rect">
+            <a:avLst/>
+          </a:prstGeom>
+        </p:spPr>
+        <p:txBody>
+          <a:bodyPr vert="horz" lIns="91440" tIns="45720" rIns="91440" bIns="45720" rtlCol="0" anchor="ctr">
+            <a:normAutofit/>
+          </a:bodyPr>
+          <a:lstStyle>
+            <a:lvl1pPr algn="l" defTabSz="914400" rtl="0" eaLnBrk="1" latinLnBrk="0" hangingPunct="1">
+              <a:lnSpc>
+                <a:spcPct val="90000"/>
+              </a:lnSpc>
+              <a:spcBef>
+                <a:spcPct val="0"/>
+              </a:spcBef>
+              <a:buNone/>
+              <a:defRPr sz="4400" kern="1200">
+                <a:solidFill>
+                  <a:schemeClr val="tx1"/>
+                </a:solidFill>
+                <a:latin typeface="+mj-lt"/>
+                <a:ea typeface="+mj-ea"/>
+                <a:cs typeface="+mj-cs"/>
+              </a:defRPr>
+            </a:lvl1pPr>
+          </a:lstStyle>
+          <a:p>
+            <a:pPr algn="ctr"/>
+            <a:r>
+              <a:rPr lang="en-US" sz="4000"/>
+              <a:t>AWS Service choices</a:t>
+            </a:r>
+            <a:endParaRPr lang="en-US" sz="4000" dirty="0"/>
+          </a:p>
+        </p:txBody>
+      </p:sp>
+      <p:sp>
+        <p:nvSpPr>
+          <p:cNvPr id="9" name="Rectangle: Rounded Corners 8">
+            <a:extLst>
+              <a:ext uri="{FF2B5EF4-FFF2-40B4-BE49-F238E27FC236}">
+                <a16:creationId xmlns:a16="http://schemas.microsoft.com/office/drawing/2014/main" id="{3093EA87-1287-49B8-BAEF-1B00D6E8B777}"/>
+              </a:ext>
+              <a:ext uri="{C183D7F6-B498-43B3-948B-1728B52AA6E4}">
+                <adec:decorative xmlns:adec="http://schemas.microsoft.com/office/drawing/2017/decorative" val="1"/>
+              </a:ext>
+            </a:extLst>
+          </p:cNvPr>
+          <p:cNvSpPr>
+            <a:spLocks noGrp="1" noRot="1" noChangeAspect="1" noMove="1" noResize="1" noEditPoints="1" noAdjustHandles="1" noChangeArrowheads="1" noChangeShapeType="1" noTextEdit="1"/>
+          </p:cNvSpPr>
+          <p:nvPr>
+            <p:extLst>
+              <p:ext uri="{386F3935-93C4-4BCD-93E2-E3B085C9AB24}">
+                <p16:designElem xmlns:p16="http://schemas.microsoft.com/office/powerpoint/2015/main" val="1"/>
+              </p:ext>
+            </p:extLst>
+          </p:nvPr>
+        </p:nvSpPr>
+        <p:spPr>
+          <a:xfrm>
+            <a:off x="2483110" y="1211407"/>
+            <a:ext cx="7225780" cy="685800"/>
+          </a:xfrm>
+          <a:prstGeom prst="roundRect">
+            <a:avLst>
+              <a:gd name="adj" fmla="val 0"/>
+            </a:avLst>
+          </a:prstGeom>
+          <a:solidFill>
+            <a:schemeClr val="accent2"/>
+          </a:solidFill>
+          <a:ln>
+            <a:noFill/>
+          </a:ln>
+        </p:spPr>
+        <p:style>
+          <a:lnRef idx="2">
+            <a:schemeClr val="accent1">
+              <a:shade val="50000"/>
+            </a:schemeClr>
+          </a:lnRef>
+          <a:fillRef idx="1">
+            <a:schemeClr val="accent1"/>
+          </a:fillRef>
+          <a:effectRef idx="0">
+            <a:schemeClr val="accent1"/>
+          </a:effectRef>
+          <a:fontRef idx="minor">
+            <a:schemeClr val="lt1"/>
+          </a:fontRef>
+        </p:style>
+        <p:txBody>
+          <a:bodyPr rtlCol="0" anchor="ctr"/>
+          <a:lstStyle/>
+          <a:p>
+            <a:pPr algn="ctr"/>
+            <a:endParaRPr lang="en-US" dirty="0">
+              <a:solidFill>
+                <a:prstClr val="white"/>
+              </a:solidFill>
+              <a:latin typeface="Calibri" panose="020F0502020204030204"/>
+            </a:endParaRPr>
+          </a:p>
+        </p:txBody>
+      </p:sp>
+      <p:sp>
+        <p:nvSpPr>
+          <p:cNvPr id="10" name="TextBox 9">
+            <a:extLst>
+              <a:ext uri="{FF2B5EF4-FFF2-40B4-BE49-F238E27FC236}">
+                <a16:creationId xmlns:a16="http://schemas.microsoft.com/office/drawing/2014/main" id="{AD61C7D7-49C3-4845-B117-89B002224F74}"/>
+              </a:ext>
+            </a:extLst>
+          </p:cNvPr>
+          <p:cNvSpPr txBox="1"/>
+          <p:nvPr/>
+        </p:nvSpPr>
+        <p:spPr>
+          <a:xfrm>
+            <a:off x="1800902" y="2113713"/>
+            <a:ext cx="8384770" cy="4801314"/>
+          </a:xfrm>
+          <a:prstGeom prst="rect">
+            <a:avLst/>
+          </a:prstGeom>
+          <a:noFill/>
+        </p:spPr>
+        <p:txBody>
+          <a:bodyPr wrap="square" rtlCol="0">
+            <a:spAutoFit/>
+          </a:bodyPr>
+          <a:lstStyle/>
+          <a:p>
+            <a:r>
+              <a:rPr lang="en-US" dirty="0"/>
+              <a:t>Code Pipeline</a:t>
+            </a:r>
+          </a:p>
+          <a:p>
+            <a:pPr marL="285750" indent="-285750">
+              <a:buFont typeface="Arial" panose="020B0604020202020204" pitchFamily="34" charset="0"/>
+              <a:buChar char="•"/>
+            </a:pPr>
+            <a:r>
+              <a:rPr lang="en-US" dirty="0"/>
+              <a:t>Source: GitHub</a:t>
+            </a:r>
+          </a:p>
+          <a:p>
+            <a:pPr marL="285750" indent="-285750">
+              <a:buFont typeface="Arial" panose="020B0604020202020204" pitchFamily="34" charset="0"/>
+              <a:buChar char="•"/>
+            </a:pPr>
+            <a:r>
+              <a:rPr lang="en-US" dirty="0"/>
+              <a:t>Deploy: AWS Elastic Beanstalk</a:t>
+            </a:r>
+          </a:p>
+          <a:p>
+            <a:pPr marL="285750" indent="-285750">
+              <a:buFont typeface="Arial" panose="020B0604020202020204" pitchFamily="34" charset="0"/>
+              <a:buChar char="•"/>
+            </a:pPr>
+            <a:r>
+              <a:rPr lang="en-US" dirty="0"/>
+              <a:t>Artifact sored in S3 bucket</a:t>
+            </a:r>
+          </a:p>
+          <a:p>
+            <a:endParaRPr lang="en-US" dirty="0"/>
+          </a:p>
+          <a:p>
+            <a:r>
+              <a:rPr lang="en-US" dirty="0"/>
+              <a:t>Code Commit</a:t>
+            </a:r>
+          </a:p>
+          <a:p>
+            <a:pPr marL="285750" indent="-285750">
+              <a:buFont typeface="Arial" panose="020B0604020202020204" pitchFamily="34" charset="0"/>
+              <a:buChar char="•"/>
+            </a:pPr>
+            <a:r>
+              <a:rPr lang="en-US" dirty="0"/>
+              <a:t>GitHub using </a:t>
+            </a:r>
+            <a:r>
+              <a:rPr lang="en-US" dirty="0" err="1"/>
+              <a:t>oAuth</a:t>
+            </a:r>
+            <a:endParaRPr lang="en-US" dirty="0"/>
+          </a:p>
+          <a:p>
+            <a:pPr marL="285750" indent="-285750">
+              <a:buFont typeface="Arial" panose="020B0604020202020204" pitchFamily="34" charset="0"/>
+              <a:buChar char="•"/>
+            </a:pPr>
+            <a:r>
+              <a:rPr lang="en-US" dirty="0"/>
+              <a:t>Repository using S3 bucket</a:t>
+            </a:r>
+          </a:p>
+          <a:p>
+            <a:pPr marL="285750" indent="-285750">
+              <a:buFont typeface="Arial" panose="020B0604020202020204" pitchFamily="34" charset="0"/>
+              <a:buChar char="•"/>
+            </a:pPr>
+            <a:endParaRPr lang="en-US" dirty="0"/>
+          </a:p>
+          <a:p>
+            <a:r>
+              <a:rPr lang="en-US" dirty="0"/>
+              <a:t>Code Build</a:t>
+            </a:r>
+          </a:p>
+          <a:p>
+            <a:pPr marL="285750" indent="-285750">
+              <a:buFont typeface="Arial" panose="020B0604020202020204" pitchFamily="34" charset="0"/>
+              <a:buChar char="•"/>
+            </a:pPr>
+            <a:r>
+              <a:rPr lang="en-US" dirty="0"/>
+              <a:t>Build Projects for packaging code, executing test cases</a:t>
+            </a:r>
+          </a:p>
+          <a:p>
+            <a:endParaRPr lang="en-US" dirty="0"/>
+          </a:p>
+          <a:p>
+            <a:r>
+              <a:rPr lang="en-US" dirty="0"/>
+              <a:t>Code Deploy</a:t>
+            </a:r>
+          </a:p>
+          <a:p>
+            <a:pPr marL="285750" indent="-285750">
+              <a:buFont typeface="Arial" panose="020B0604020202020204" pitchFamily="34" charset="0"/>
+              <a:buChar char="•"/>
+            </a:pPr>
+            <a:r>
+              <a:rPr lang="en-US" dirty="0"/>
+              <a:t>Deploy on EC2</a:t>
+            </a:r>
+          </a:p>
+          <a:p>
+            <a:pPr marL="285750" indent="-285750">
+              <a:buFont typeface="Arial" panose="020B0604020202020204" pitchFamily="34" charset="0"/>
+              <a:buChar char="•"/>
+            </a:pPr>
+            <a:r>
+              <a:rPr lang="en-US" dirty="0"/>
+              <a:t>Deployment Groups, rolling changes</a:t>
+            </a:r>
+          </a:p>
+          <a:p>
+            <a:pPr marL="285750" indent="-285750">
+              <a:buFont typeface="Arial" panose="020B0604020202020204" pitchFamily="34" charset="0"/>
+              <a:buChar char="•"/>
+            </a:pPr>
+            <a:r>
+              <a:rPr lang="en-US" dirty="0"/>
+              <a:t>IAM roles</a:t>
+            </a:r>
+          </a:p>
+          <a:p>
+            <a:pPr marL="285750" indent="-285750">
+              <a:buFont typeface="Arial" panose="020B0604020202020204" pitchFamily="34" charset="0"/>
+              <a:buChar char="•"/>
+            </a:pPr>
+            <a:endParaRPr lang="en-US" dirty="0"/>
+          </a:p>
+        </p:txBody>
+      </p:sp>
+      <p:sp useBgFill="1">
+        <p:nvSpPr>
+          <p:cNvPr id="11" name="Rectangle 10">
+            <a:extLst>
+              <a:ext uri="{FF2B5EF4-FFF2-40B4-BE49-F238E27FC236}">
+                <a16:creationId xmlns:a16="http://schemas.microsoft.com/office/drawing/2014/main" id="{3F0B700A-1508-4097-A8C8-8A474BB0C4BE}"/>
+              </a:ext>
+              <a:ext uri="{C183D7F6-B498-43B3-948B-1728B52AA6E4}">
+                <adec:decorative xmlns:adec="http://schemas.microsoft.com/office/drawing/2017/decorative" val="1"/>
+              </a:ext>
+            </a:extLst>
+          </p:cNvPr>
+          <p:cNvSpPr>
+            <a:spLocks noGrp="1" noRot="1" noChangeAspect="1" noMove="1" noResize="1" noEditPoints="1" noAdjustHandles="1" noChangeArrowheads="1" noChangeShapeType="1" noTextEdit="1"/>
+          </p:cNvSpPr>
+          <p:nvPr>
+            <p:extLst>
+              <p:ext uri="{386F3935-93C4-4BCD-93E2-E3B085C9AB24}">
+                <p16:designElem xmlns:p16="http://schemas.microsoft.com/office/powerpoint/2015/main" val="1"/>
+              </p:ext>
+            </p:extLst>
+          </p:nvPr>
+        </p:nvSpPr>
+        <p:spPr>
+          <a:xfrm>
+            <a:off x="0" y="0"/>
+            <a:ext cx="12192000" cy="6858000"/>
+          </a:xfrm>
+          <a:prstGeom prst="rect">
+            <a:avLst/>
+          </a:prstGeom>
+          <a:ln>
+            <a:noFill/>
+          </a:ln>
+        </p:spPr>
+        <p:style>
+          <a:lnRef idx="2">
+            <a:schemeClr val="accent1">
+              <a:shade val="50000"/>
+            </a:schemeClr>
+          </a:lnRef>
+          <a:fillRef idx="1">
+            <a:schemeClr val="accent1"/>
+          </a:fillRef>
+          <a:effectRef idx="0">
+            <a:schemeClr val="accent1"/>
+          </a:effectRef>
+          <a:fontRef idx="minor">
+            <a:schemeClr val="lt1"/>
+          </a:fontRef>
+        </p:style>
+        <p:txBody>
+          <a:bodyPr rtlCol="0" anchor="ctr"/>
+          <a:lstStyle/>
+          <a:p>
+            <a:pPr algn="ctr"/>
+            <a:endParaRPr lang="en-US" dirty="0"/>
+          </a:p>
+        </p:txBody>
+      </p:sp>
+      <p:sp useBgFill="1">
+        <p:nvSpPr>
+          <p:cNvPr id="12" name="Rectangle 11">
+            <a:extLst>
+              <a:ext uri="{FF2B5EF4-FFF2-40B4-BE49-F238E27FC236}">
+                <a16:creationId xmlns:a16="http://schemas.microsoft.com/office/drawing/2014/main" id="{7E4FDD61-6761-4F50-8A17-F88F5C26BD30}"/>
+              </a:ext>
+              <a:ext uri="{C183D7F6-B498-43B3-948B-1728B52AA6E4}">
+                <adec:decorative xmlns:adec="http://schemas.microsoft.com/office/drawing/2017/decorative" val="1"/>
+              </a:ext>
+            </a:extLst>
+          </p:cNvPr>
+          <p:cNvSpPr>
+            <a:spLocks noGrp="1" noRot="1" noChangeAspect="1" noMove="1" noResize="1" noEditPoints="1" noAdjustHandles="1" noChangeArrowheads="1" noChangeShapeType="1" noTextEdit="1"/>
+          </p:cNvSpPr>
+          <p:nvPr>
+            <p:extLst>
+              <p:ext uri="{386F3935-93C4-4BCD-93E2-E3B085C9AB24}">
+                <p16:designElem xmlns:p16="http://schemas.microsoft.com/office/powerpoint/2015/main" val="1"/>
+              </p:ext>
+            </p:extLst>
+          </p:nvPr>
+        </p:nvSpPr>
+        <p:spPr>
+          <a:xfrm>
+            <a:off x="1903615" y="221673"/>
+            <a:ext cx="8384770" cy="1332634"/>
+          </a:xfrm>
+          <a:prstGeom prst="rect">
+            <a:avLst/>
+          </a:prstGeom>
+          <a:ln w="12700">
+            <a:solidFill>
+              <a:srgbClr val="E1E1E1"/>
+            </a:solidFill>
+          </a:ln>
+          <a:effectLst>
+            <a:outerShdw blurRad="50800" dist="38100" dir="2700000" algn="tl" rotWithShape="0">
+              <a:schemeClr val="bg2">
+                <a:lumMod val="85000"/>
+                <a:alpha val="50000"/>
+              </a:schemeClr>
+            </a:outerShdw>
+          </a:effectLst>
+        </p:spPr>
+        <p:style>
+          <a:lnRef idx="2">
+            <a:schemeClr val="accent1">
+              <a:shade val="50000"/>
+            </a:schemeClr>
+          </a:lnRef>
+          <a:fillRef idx="1">
+            <a:schemeClr val="accent1"/>
+          </a:fillRef>
+          <a:effectRef idx="0">
+            <a:schemeClr val="accent1"/>
+          </a:effectRef>
+          <a:fontRef idx="minor">
+            <a:schemeClr val="lt1"/>
+          </a:fontRef>
+        </p:style>
+        <p:txBody>
+          <a:bodyPr rtlCol="0" anchor="ctr"/>
+          <a:lstStyle/>
+          <a:p>
+            <a:pPr marL="0" marR="0" lvl="0" indent="0" algn="ctr" defTabSz="914400" rtl="0" eaLnBrk="1" fontAlgn="auto" latinLnBrk="0" hangingPunct="1">
+              <a:lnSpc>
+                <a:spcPct val="100000"/>
+              </a:lnSpc>
+              <a:spcBef>
+                <a:spcPts val="0"/>
+              </a:spcBef>
+              <a:spcAft>
+                <a:spcPts val="0"/>
+              </a:spcAft>
+              <a:buClrTx/>
+              <a:buSzTx/>
+              <a:buFontTx/>
+              <a:buNone/>
+              <a:tabLst/>
+              <a:defRPr/>
+            </a:pPr>
+            <a:endParaRPr kumimoji="0" lang="en-US" sz="1800" b="0" i="0" u="none" strike="noStrike" kern="1200" cap="none" spc="0" normalizeH="0" baseline="0" noProof="0" dirty="0">
+              <a:ln>
+                <a:noFill/>
+              </a:ln>
+              <a:solidFill>
+                <a:prstClr val="white"/>
+              </a:solidFill>
+              <a:effectLst/>
+              <a:uLnTx/>
+              <a:uFillTx/>
+              <a:latin typeface="Calibri" panose="020F0502020204030204"/>
+              <a:ea typeface="+mn-ea"/>
+              <a:cs typeface="+mn-cs"/>
+            </a:endParaRPr>
+          </a:p>
+        </p:txBody>
+      </p:sp>
+      <p:sp>
+        <p:nvSpPr>
+          <p:cNvPr id="13" name="Title 1">
+            <a:extLst>
+              <a:ext uri="{FF2B5EF4-FFF2-40B4-BE49-F238E27FC236}">
+                <a16:creationId xmlns:a16="http://schemas.microsoft.com/office/drawing/2014/main" id="{D21650C2-4448-4869-8636-550B6AF58D81}"/>
+              </a:ext>
+            </a:extLst>
+          </p:cNvPr>
+          <p:cNvSpPr txBox="1">
+            <a:spLocks/>
+          </p:cNvSpPr>
+          <p:nvPr/>
+        </p:nvSpPr>
+        <p:spPr>
+          <a:xfrm>
+            <a:off x="2160197" y="310343"/>
+            <a:ext cx="7985759" cy="868823"/>
+          </a:xfrm>
+          <a:prstGeom prst="rect">
+            <a:avLst/>
+          </a:prstGeom>
+        </p:spPr>
+        <p:txBody>
+          <a:bodyPr vert="horz" lIns="91440" tIns="45720" rIns="91440" bIns="45720" rtlCol="0" anchor="ctr">
+            <a:normAutofit/>
+          </a:bodyPr>
+          <a:lstStyle>
+            <a:lvl1pPr algn="l" defTabSz="914400" rtl="0" eaLnBrk="1" latinLnBrk="0" hangingPunct="1">
+              <a:lnSpc>
+                <a:spcPct val="90000"/>
+              </a:lnSpc>
+              <a:spcBef>
+                <a:spcPct val="0"/>
+              </a:spcBef>
+              <a:buNone/>
+              <a:defRPr sz="4400" kern="1200">
+                <a:solidFill>
+                  <a:schemeClr val="tx1"/>
+                </a:solidFill>
+                <a:latin typeface="+mj-lt"/>
+                <a:ea typeface="+mj-ea"/>
+                <a:cs typeface="+mj-cs"/>
+              </a:defRPr>
+            </a:lvl1pPr>
+          </a:lstStyle>
+          <a:p>
+            <a:pPr algn="ctr"/>
+            <a:r>
+              <a:rPr lang="en-US" sz="4000"/>
+              <a:t>Automated Pipeline</a:t>
+            </a:r>
+            <a:endParaRPr lang="en-US" sz="4000" dirty="0"/>
+          </a:p>
+        </p:txBody>
+      </p:sp>
+      <p:sp>
+        <p:nvSpPr>
+          <p:cNvPr id="14" name="Rectangle: Rounded Corners 13">
+            <a:extLst>
+              <a:ext uri="{FF2B5EF4-FFF2-40B4-BE49-F238E27FC236}">
+                <a16:creationId xmlns:a16="http://schemas.microsoft.com/office/drawing/2014/main" id="{BE88FAD3-CB4F-403F-9CCE-61E433CDD217}"/>
+              </a:ext>
+              <a:ext uri="{C183D7F6-B498-43B3-948B-1728B52AA6E4}">
+                <adec:decorative xmlns:adec="http://schemas.microsoft.com/office/drawing/2017/decorative" val="1"/>
+              </a:ext>
+            </a:extLst>
+          </p:cNvPr>
+          <p:cNvSpPr>
+            <a:spLocks noGrp="1" noRot="1" noChangeAspect="1" noMove="1" noResize="1" noEditPoints="1" noAdjustHandles="1" noChangeArrowheads="1" noChangeShapeType="1" noTextEdit="1"/>
+          </p:cNvSpPr>
+          <p:nvPr>
+            <p:extLst>
+              <p:ext uri="{386F3935-93C4-4BCD-93E2-E3B085C9AB24}">
+                <p16:designElem xmlns:p16="http://schemas.microsoft.com/office/powerpoint/2015/main" val="1"/>
+              </p:ext>
+            </p:extLst>
+          </p:nvPr>
+        </p:nvSpPr>
+        <p:spPr>
+          <a:xfrm>
+            <a:off x="2483110" y="1211407"/>
+            <a:ext cx="7225780" cy="685800"/>
+          </a:xfrm>
+          <a:prstGeom prst="roundRect">
+            <a:avLst>
+              <a:gd name="adj" fmla="val 0"/>
+            </a:avLst>
+          </a:prstGeom>
+          <a:solidFill>
+            <a:schemeClr val="accent2"/>
+          </a:solidFill>
+          <a:ln>
+            <a:noFill/>
+          </a:ln>
+        </p:spPr>
+        <p:style>
+          <a:lnRef idx="2">
+            <a:schemeClr val="accent1">
+              <a:shade val="50000"/>
+            </a:schemeClr>
+          </a:lnRef>
+          <a:fillRef idx="1">
+            <a:schemeClr val="accent1"/>
+          </a:fillRef>
+          <a:effectRef idx="0">
+            <a:schemeClr val="accent1"/>
+          </a:effectRef>
+          <a:fontRef idx="minor">
+            <a:schemeClr val="lt1"/>
+          </a:fontRef>
+        </p:style>
+        <p:txBody>
+          <a:bodyPr rtlCol="0" anchor="ctr"/>
+          <a:lstStyle/>
+          <a:p>
+            <a:pPr algn="ctr"/>
+            <a:endParaRPr lang="en-US" dirty="0">
+              <a:solidFill>
+                <a:prstClr val="white"/>
+              </a:solidFill>
+              <a:latin typeface="Calibri" panose="020F0502020204030204"/>
+            </a:endParaRPr>
+          </a:p>
+        </p:txBody>
+      </p:sp>
+      <p:sp>
+        <p:nvSpPr>
+          <p:cNvPr id="15" name="TextBox 14">
+            <a:extLst>
+              <a:ext uri="{FF2B5EF4-FFF2-40B4-BE49-F238E27FC236}">
+                <a16:creationId xmlns:a16="http://schemas.microsoft.com/office/drawing/2014/main" id="{995FEE27-0AFE-4B0B-8C9F-E7D391128E82}"/>
+              </a:ext>
+            </a:extLst>
+          </p:cNvPr>
+          <p:cNvSpPr txBox="1"/>
+          <p:nvPr/>
+        </p:nvSpPr>
+        <p:spPr>
+          <a:xfrm>
+            <a:off x="1704109" y="1929448"/>
+            <a:ext cx="8384770" cy="4801314"/>
+          </a:xfrm>
+          <a:prstGeom prst="rect">
+            <a:avLst/>
+          </a:prstGeom>
+          <a:noFill/>
+        </p:spPr>
+        <p:txBody>
+          <a:bodyPr wrap="square" rtlCol="0">
+            <a:spAutoFit/>
+          </a:bodyPr>
+          <a:lstStyle/>
+          <a:p>
+            <a:r>
+              <a:rPr lang="en-US" dirty="0"/>
+              <a:t>Code Pipeline</a:t>
+            </a:r>
+          </a:p>
+          <a:p>
+            <a:pPr marL="285750" indent="-285750">
+              <a:buFont typeface="Arial" panose="020B0604020202020204" pitchFamily="34" charset="0"/>
+              <a:buChar char="•"/>
+            </a:pPr>
+            <a:r>
+              <a:rPr lang="en-US" dirty="0"/>
+              <a:t>Source: GitHub</a:t>
+            </a:r>
+          </a:p>
+          <a:p>
+            <a:pPr marL="285750" indent="-285750">
+              <a:buFont typeface="Arial" panose="020B0604020202020204" pitchFamily="34" charset="0"/>
+              <a:buChar char="•"/>
+            </a:pPr>
+            <a:r>
+              <a:rPr lang="en-US" dirty="0"/>
+              <a:t>Deploy: AWS Elastic Beanstalk</a:t>
+            </a:r>
+          </a:p>
+          <a:p>
+            <a:pPr marL="285750" indent="-285750">
+              <a:buFont typeface="Arial" panose="020B0604020202020204" pitchFamily="34" charset="0"/>
+              <a:buChar char="•"/>
+            </a:pPr>
+            <a:r>
+              <a:rPr lang="en-US" dirty="0"/>
+              <a:t>Artifact sored in S3 bucket</a:t>
+            </a:r>
+          </a:p>
+          <a:p>
+            <a:endParaRPr lang="en-US" dirty="0"/>
+          </a:p>
+          <a:p>
+            <a:r>
+              <a:rPr lang="en-US" dirty="0"/>
+              <a:t>Code Commit</a:t>
+            </a:r>
+          </a:p>
+          <a:p>
+            <a:pPr marL="285750" indent="-285750">
+              <a:buFont typeface="Arial" panose="020B0604020202020204" pitchFamily="34" charset="0"/>
+              <a:buChar char="•"/>
+            </a:pPr>
+            <a:r>
+              <a:rPr lang="en-US" dirty="0"/>
+              <a:t>GitHub using </a:t>
+            </a:r>
+            <a:r>
+              <a:rPr lang="en-US" dirty="0" err="1"/>
+              <a:t>oAuth</a:t>
+            </a:r>
+            <a:endParaRPr lang="en-US" dirty="0"/>
+          </a:p>
+          <a:p>
+            <a:pPr marL="285750" indent="-285750">
+              <a:buFont typeface="Arial" panose="020B0604020202020204" pitchFamily="34" charset="0"/>
+              <a:buChar char="•"/>
+            </a:pPr>
+            <a:r>
+              <a:rPr lang="en-US" dirty="0"/>
+              <a:t>Repository using S3 bucket</a:t>
+            </a:r>
+          </a:p>
+          <a:p>
+            <a:pPr marL="285750" indent="-285750">
+              <a:buFont typeface="Arial" panose="020B0604020202020204" pitchFamily="34" charset="0"/>
+              <a:buChar char="•"/>
+            </a:pPr>
+            <a:endParaRPr lang="en-US" dirty="0"/>
+          </a:p>
+          <a:p>
+            <a:r>
+              <a:rPr lang="en-US" dirty="0"/>
+              <a:t>Code Build</a:t>
+            </a:r>
+          </a:p>
+          <a:p>
+            <a:pPr marL="285750" indent="-285750">
+              <a:buFont typeface="Arial" panose="020B0604020202020204" pitchFamily="34" charset="0"/>
+              <a:buChar char="•"/>
+            </a:pPr>
+            <a:r>
+              <a:rPr lang="en-US" dirty="0"/>
+              <a:t>Build Projects for packaging code, executing test cases</a:t>
+            </a:r>
+          </a:p>
+          <a:p>
+            <a:endParaRPr lang="en-US" dirty="0"/>
+          </a:p>
+          <a:p>
+            <a:r>
+              <a:rPr lang="en-US" dirty="0"/>
+              <a:t>Code Deploy</a:t>
+            </a:r>
+          </a:p>
+          <a:p>
+            <a:pPr marL="285750" indent="-285750">
+              <a:buFont typeface="Arial" panose="020B0604020202020204" pitchFamily="34" charset="0"/>
+              <a:buChar char="•"/>
+            </a:pPr>
+            <a:r>
+              <a:rPr lang="en-US" dirty="0"/>
+              <a:t>Deploy on EC2</a:t>
+            </a:r>
+          </a:p>
+          <a:p>
+            <a:pPr marL="285750" indent="-285750">
+              <a:buFont typeface="Arial" panose="020B0604020202020204" pitchFamily="34" charset="0"/>
+              <a:buChar char="•"/>
+            </a:pPr>
+            <a:r>
+              <a:rPr lang="en-US" dirty="0"/>
+              <a:t>Deployment Groups, rolling changes</a:t>
+            </a:r>
+          </a:p>
+          <a:p>
+            <a:pPr marL="285750" indent="-285750">
+              <a:buFont typeface="Arial" panose="020B0604020202020204" pitchFamily="34" charset="0"/>
+              <a:buChar char="•"/>
+            </a:pPr>
+            <a:r>
+              <a:rPr lang="en-US" dirty="0"/>
+              <a:t>IAM roles</a:t>
+            </a:r>
+          </a:p>
+          <a:p>
+            <a:pPr marL="285750" indent="-285750">
+              <a:buFont typeface="Arial" panose="020B0604020202020204" pitchFamily="34" charset="0"/>
+              <a:buChar char="•"/>
+            </a:pPr>
+            <a:endParaRPr lang="en-US" dirty="0"/>
+          </a:p>
+        </p:txBody>
+      </p:sp>
+    </p:spTree>
+    <p:extLst>
+      <p:ext uri="{BB962C8B-B14F-4D97-AF65-F5344CB8AC3E}">
+        <p14:creationId xmlns:p14="http://schemas.microsoft.com/office/powerpoint/2010/main" val="361104267"/>
+      </p:ext>
+    </p:extLst>
+  </p:cSld>
+  <p:clrMapOvr>
+    <a:masterClrMapping/>
+  </p:clrMapOvr>
+</p:sld>
+</file>
+
+<file path=ppt/slides/slide17.xml><?xml version="1.0" encoding="utf-8"?>
 <p:sld xmlns:a="http://schemas.openxmlformats.org/drawingml/2006/main" xmlns:r="http://schemas.openxmlformats.org/officeDocument/2006/relationships" xmlns:p="http://schemas.openxmlformats.org/presentationml/2006/main">
   <p:cSld>
     <p:bg>
@@ -9123,301 +13583,6 @@
 <file path=ppt/slides/slide3.xml><?xml version="1.0" encoding="utf-8"?>
 <p:sld xmlns:a="http://schemas.openxmlformats.org/drawingml/2006/main" xmlns:r="http://schemas.openxmlformats.org/officeDocument/2006/relationships" xmlns:p="http://schemas.openxmlformats.org/presentationml/2006/main">
   <p:cSld>
-    <p:spTree>
-      <p:nvGrpSpPr>
-        <p:cNvPr id="1" name=""/>
-        <p:cNvGrpSpPr/>
-        <p:nvPr/>
-      </p:nvGrpSpPr>
-      <p:grpSpPr>
-        <a:xfrm>
-          <a:off x="0" y="0"/>
-          <a:ext cx="0" cy="0"/>
-          <a:chOff x="0" y="0"/>
-          <a:chExt cx="0" cy="0"/>
-        </a:xfrm>
-      </p:grpSpPr>
-      <p:sp>
-        <p:nvSpPr>
-          <p:cNvPr id="2" name="Title 1">
-            <a:extLst>
-              <a:ext uri="{FF2B5EF4-FFF2-40B4-BE49-F238E27FC236}">
-                <a16:creationId xmlns:a16="http://schemas.microsoft.com/office/drawing/2014/main" id="{3D9AB449-5692-402C-87A1-3CB34FC97E90}"/>
-              </a:ext>
-            </a:extLst>
-          </p:cNvPr>
-          <p:cNvSpPr>
-            <a:spLocks noGrp="1"/>
-          </p:cNvSpPr>
-          <p:nvPr>
-            <p:ph type="title"/>
-          </p:nvPr>
-        </p:nvSpPr>
-        <p:spPr/>
-        <p:txBody>
-          <a:bodyPr/>
-          <a:lstStyle/>
-          <a:p>
-            <a:r>
-              <a:rPr lang="en-US" dirty="0"/>
-              <a:t>Trello</a:t>
-            </a:r>
-          </a:p>
-        </p:txBody>
-      </p:sp>
-      <p:pic>
-        <p:nvPicPr>
-          <p:cNvPr id="5" name="Content Placeholder 4" descr="A screenshot of a cell phone&#10;&#10;Description automatically generated">
-            <a:extLst>
-              <a:ext uri="{FF2B5EF4-FFF2-40B4-BE49-F238E27FC236}">
-                <a16:creationId xmlns:a16="http://schemas.microsoft.com/office/drawing/2014/main" id="{9B033EA9-4120-4DF7-9507-D5D7EE18488F}"/>
-              </a:ext>
-            </a:extLst>
-          </p:cNvPr>
-          <p:cNvPicPr>
-            <a:picLocks noGrp="1" noChangeAspect="1"/>
-          </p:cNvPicPr>
-          <p:nvPr>
-            <p:ph idx="1"/>
-          </p:nvPr>
-        </p:nvPicPr>
-        <p:blipFill>
-          <a:blip r:embed="rId2">
-            <a:extLst>
-              <a:ext uri="{28A0092B-C50C-407E-A947-70E740481C1C}">
-                <a14:useLocalDpi xmlns:a14="http://schemas.microsoft.com/office/drawing/2010/main" val="0"/>
-              </a:ext>
-            </a:extLst>
-          </a:blip>
-          <a:stretch>
-            <a:fillRect/>
-          </a:stretch>
-        </p:blipFill>
-        <p:spPr>
-          <a:xfrm>
-            <a:off x="8243680" y="2975473"/>
-            <a:ext cx="3639510" cy="3385322"/>
-          </a:xfrm>
-        </p:spPr>
-      </p:pic>
-      <p:pic>
-        <p:nvPicPr>
-          <p:cNvPr id="7" name="Picture 6" descr="A screenshot of a social media post&#10;&#10;Description automatically generated">
-            <a:extLst>
-              <a:ext uri="{FF2B5EF4-FFF2-40B4-BE49-F238E27FC236}">
-                <a16:creationId xmlns:a16="http://schemas.microsoft.com/office/drawing/2014/main" id="{D2EEBF16-7210-432D-B7C2-3B21DFBB6549}"/>
-              </a:ext>
-            </a:extLst>
-          </p:cNvPr>
-          <p:cNvPicPr>
-            <a:picLocks noChangeAspect="1"/>
-          </p:cNvPicPr>
-          <p:nvPr/>
-        </p:nvPicPr>
-        <p:blipFill>
-          <a:blip r:embed="rId3">
-            <a:extLst>
-              <a:ext uri="{28A0092B-C50C-407E-A947-70E740481C1C}">
-                <a14:useLocalDpi xmlns:a14="http://schemas.microsoft.com/office/drawing/2010/main" val="0"/>
-              </a:ext>
-            </a:extLst>
-          </a:blip>
-          <a:stretch>
-            <a:fillRect/>
-          </a:stretch>
-        </p:blipFill>
-        <p:spPr>
-          <a:xfrm>
-            <a:off x="410410" y="1690688"/>
-            <a:ext cx="4417282" cy="3316219"/>
-          </a:xfrm>
-          <a:prstGeom prst="rect">
-            <a:avLst/>
-          </a:prstGeom>
-        </p:spPr>
-      </p:pic>
-    </p:spTree>
-    <p:extLst>
-      <p:ext uri="{BB962C8B-B14F-4D97-AF65-F5344CB8AC3E}">
-        <p14:creationId xmlns:p14="http://schemas.microsoft.com/office/powerpoint/2010/main" val="3431884766"/>
-      </p:ext>
-    </p:extLst>
-  </p:cSld>
-  <p:clrMapOvr>
-    <a:masterClrMapping/>
-  </p:clrMapOvr>
-</p:sld>
-</file>
-
-<file path=ppt/slides/slide4.xml><?xml version="1.0" encoding="utf-8"?>
-<p:sld xmlns:a="http://schemas.openxmlformats.org/drawingml/2006/main" xmlns:r="http://schemas.openxmlformats.org/officeDocument/2006/relationships" xmlns:p="http://schemas.openxmlformats.org/presentationml/2006/main">
-  <p:cSld>
-    <p:spTree>
-      <p:nvGrpSpPr>
-        <p:cNvPr id="1" name=""/>
-        <p:cNvGrpSpPr/>
-        <p:nvPr/>
-      </p:nvGrpSpPr>
-      <p:grpSpPr>
-        <a:xfrm>
-          <a:off x="0" y="0"/>
-          <a:ext cx="0" cy="0"/>
-          <a:chOff x="0" y="0"/>
-          <a:chExt cx="0" cy="0"/>
-        </a:xfrm>
-      </p:grpSpPr>
-      <p:sp>
-        <p:nvSpPr>
-          <p:cNvPr id="2" name="Title 1">
-            <a:extLst>
-              <a:ext uri="{FF2B5EF4-FFF2-40B4-BE49-F238E27FC236}">
-                <a16:creationId xmlns:a16="http://schemas.microsoft.com/office/drawing/2014/main" id="{1334FB56-4D11-4019-974B-0EE40A820B62}"/>
-              </a:ext>
-            </a:extLst>
-          </p:cNvPr>
-          <p:cNvSpPr>
-            <a:spLocks noGrp="1"/>
-          </p:cNvSpPr>
-          <p:nvPr>
-            <p:ph type="title"/>
-          </p:nvPr>
-        </p:nvSpPr>
-        <p:spPr/>
-        <p:txBody>
-          <a:bodyPr/>
-          <a:lstStyle/>
-          <a:p>
-            <a:r>
-              <a:rPr lang="en-US" dirty="0" err="1"/>
-              <a:t>Github</a:t>
-            </a:r>
-            <a:endParaRPr lang="en-US" dirty="0"/>
-          </a:p>
-        </p:txBody>
-      </p:sp>
-      <p:pic>
-        <p:nvPicPr>
-          <p:cNvPr id="5" name="Content Placeholder 4" descr="A screenshot of a cell phone&#10;&#10;Description automatically generated">
-            <a:extLst>
-              <a:ext uri="{FF2B5EF4-FFF2-40B4-BE49-F238E27FC236}">
-                <a16:creationId xmlns:a16="http://schemas.microsoft.com/office/drawing/2014/main" id="{4EDBE5E4-8833-499A-91D4-08D0083B2AB9}"/>
-              </a:ext>
-            </a:extLst>
-          </p:cNvPr>
-          <p:cNvPicPr>
-            <a:picLocks noGrp="1" noChangeAspect="1"/>
-          </p:cNvPicPr>
-          <p:nvPr>
-            <p:ph idx="1"/>
-          </p:nvPr>
-        </p:nvPicPr>
-        <p:blipFill>
-          <a:blip r:embed="rId2">
-            <a:extLst>
-              <a:ext uri="{28A0092B-C50C-407E-A947-70E740481C1C}">
-                <a14:useLocalDpi xmlns:a14="http://schemas.microsoft.com/office/drawing/2010/main" val="0"/>
-              </a:ext>
-            </a:extLst>
-          </a:blip>
-          <a:stretch>
-            <a:fillRect/>
-          </a:stretch>
-        </p:blipFill>
-        <p:spPr>
-          <a:xfrm>
-            <a:off x="6470627" y="4132935"/>
-            <a:ext cx="5084943" cy="2367298"/>
-          </a:xfrm>
-        </p:spPr>
-      </p:pic>
-      <p:pic>
-        <p:nvPicPr>
-          <p:cNvPr id="7" name="Picture 6" descr="A screenshot of a social media post&#10;&#10;Description automatically generated">
-            <a:extLst>
-              <a:ext uri="{FF2B5EF4-FFF2-40B4-BE49-F238E27FC236}">
-                <a16:creationId xmlns:a16="http://schemas.microsoft.com/office/drawing/2014/main" id="{89A27AC0-15D2-458F-AB97-FA4F6222D393}"/>
-              </a:ext>
-            </a:extLst>
-          </p:cNvPr>
-          <p:cNvPicPr>
-            <a:picLocks noChangeAspect="1"/>
-          </p:cNvPicPr>
-          <p:nvPr/>
-        </p:nvPicPr>
-        <p:blipFill>
-          <a:blip r:embed="rId3">
-            <a:extLst>
-              <a:ext uri="{28A0092B-C50C-407E-A947-70E740481C1C}">
-                <a14:useLocalDpi xmlns:a14="http://schemas.microsoft.com/office/drawing/2010/main" val="0"/>
-              </a:ext>
-            </a:extLst>
-          </a:blip>
-          <a:stretch>
-            <a:fillRect/>
-          </a:stretch>
-        </p:blipFill>
-        <p:spPr>
-          <a:xfrm>
-            <a:off x="6018537" y="414373"/>
-            <a:ext cx="5989125" cy="3469429"/>
-          </a:xfrm>
-          <a:prstGeom prst="rect">
-            <a:avLst/>
-          </a:prstGeom>
-        </p:spPr>
-      </p:pic>
-      <p:pic>
-        <p:nvPicPr>
-          <p:cNvPr id="9" name="Picture 8" descr="A screenshot of a cell phone&#10;&#10;Description automatically generated">
-            <a:extLst>
-              <a:ext uri="{FF2B5EF4-FFF2-40B4-BE49-F238E27FC236}">
-                <a16:creationId xmlns:a16="http://schemas.microsoft.com/office/drawing/2014/main" id="{BE7BAC33-851C-4BDA-81BB-EA6754EFD3DD}"/>
-              </a:ext>
-            </a:extLst>
-          </p:cNvPr>
-          <p:cNvPicPr>
-            <a:picLocks noChangeAspect="1"/>
-          </p:cNvPicPr>
-          <p:nvPr/>
-        </p:nvPicPr>
-        <p:blipFill>
-          <a:blip r:embed="rId4">
-            <a:extLst>
-              <a:ext uri="{28A0092B-C50C-407E-A947-70E740481C1C}">
-                <a14:useLocalDpi xmlns:a14="http://schemas.microsoft.com/office/drawing/2010/main" val="0"/>
-              </a:ext>
-            </a:extLst>
-          </a:blip>
-          <a:stretch>
-            <a:fillRect/>
-          </a:stretch>
-        </p:blipFill>
-        <p:spPr>
-          <a:xfrm>
-            <a:off x="621218" y="4053841"/>
-            <a:ext cx="2244373" cy="2525486"/>
-          </a:xfrm>
-          <a:prstGeom prst="rect">
-            <a:avLst/>
-          </a:prstGeom>
-        </p:spPr>
-      </p:pic>
-    </p:spTree>
-    <p:extLst>
-      <p:ext uri="{BB962C8B-B14F-4D97-AF65-F5344CB8AC3E}">
-        <p14:creationId xmlns:p14="http://schemas.microsoft.com/office/powerpoint/2010/main" val="4039153521"/>
-      </p:ext>
-    </p:extLst>
-  </p:cSld>
-  <p:clrMapOvr>
-    <a:masterClrMapping/>
-  </p:clrMapOvr>
-</p:sld>
-</file>
-
-<file path=ppt/slides/slide5.xml><?xml version="1.0" encoding="utf-8"?>
-<p:sld xmlns:a="http://schemas.openxmlformats.org/drawingml/2006/main" xmlns:r="http://schemas.openxmlformats.org/officeDocument/2006/relationships" xmlns:p="http://schemas.openxmlformats.org/presentationml/2006/main">
-  <p:cSld>
     <p:bg>
       <p:bgPr>
         <a:solidFill>
@@ -9771,7 +13936,7 @@
 </p:sld>
 </file>
 
-<file path=ppt/slides/slide6.xml><?xml version="1.0" encoding="utf-8"?>
+<file path=ppt/slides/slide4.xml><?xml version="1.0" encoding="utf-8"?>
 <p:sld xmlns:a="http://schemas.openxmlformats.org/drawingml/2006/main" xmlns:r="http://schemas.openxmlformats.org/officeDocument/2006/relationships" xmlns:p="http://schemas.openxmlformats.org/presentationml/2006/main">
   <p:cSld>
     <p:bg>
@@ -10223,7 +14388,7 @@
 </p:sld>
 </file>
 
-<file path=ppt/slides/slide7.xml><?xml version="1.0" encoding="utf-8"?>
+<file path=ppt/slides/slide5.xml><?xml version="1.0" encoding="utf-8"?>
 <p:sld xmlns:a="http://schemas.openxmlformats.org/drawingml/2006/main" xmlns:r="http://schemas.openxmlformats.org/officeDocument/2006/relationships" xmlns:p="http://schemas.openxmlformats.org/presentationml/2006/main">
   <p:cSld>
     <p:bg>
@@ -10445,7 +14610,7 @@
                 <a:ea typeface="+mj-ea"/>
                 <a:cs typeface="+mj-cs"/>
               </a:rPr>
-              <a:t>Code Scanning</a:t>
+              <a:t>Trello</a:t>
             </a:r>
           </a:p>
         </p:txBody>
@@ -10520,6 +14685,77 @@
           </a:p>
         </p:txBody>
       </p:sp>
+      <p:pic>
+        <p:nvPicPr>
+          <p:cNvPr id="6" name="Picture 5" descr="A screenshot of a social media post&#10;&#10;Description automatically generated">
+            <a:extLst>
+              <a:ext uri="{FF2B5EF4-FFF2-40B4-BE49-F238E27FC236}">
+                <a16:creationId xmlns:a16="http://schemas.microsoft.com/office/drawing/2014/main" id="{F7E5E7B0-38FF-4B8A-949A-DF3F8ECE803C}"/>
+              </a:ext>
+            </a:extLst>
+          </p:cNvPr>
+          <p:cNvPicPr>
+            <a:picLocks noChangeAspect="1"/>
+          </p:cNvPicPr>
+          <p:nvPr/>
+        </p:nvPicPr>
+        <p:blipFill>
+          <a:blip r:embed="rId3">
+            <a:extLst>
+              <a:ext uri="{28A0092B-C50C-407E-A947-70E740481C1C}">
+                <a14:useLocalDpi xmlns:a14="http://schemas.microsoft.com/office/drawing/2010/main" val="0"/>
+              </a:ext>
+            </a:extLst>
+          </a:blip>
+          <a:stretch>
+            <a:fillRect/>
+          </a:stretch>
+        </p:blipFill>
+        <p:spPr>
+          <a:xfrm>
+            <a:off x="353259" y="2205038"/>
+            <a:ext cx="5657015" cy="4246933"/>
+          </a:xfrm>
+          <a:prstGeom prst="rect">
+            <a:avLst/>
+          </a:prstGeom>
+        </p:spPr>
+      </p:pic>
+      <p:pic>
+        <p:nvPicPr>
+          <p:cNvPr id="7" name="Content Placeholder 4" descr="A screenshot of a cell phone&#10;&#10;Description automatically generated">
+            <a:extLst>
+              <a:ext uri="{FF2B5EF4-FFF2-40B4-BE49-F238E27FC236}">
+                <a16:creationId xmlns:a16="http://schemas.microsoft.com/office/drawing/2014/main" id="{D63F2D1F-9BF3-4BB5-85F9-127C38152ED8}"/>
+              </a:ext>
+            </a:extLst>
+          </p:cNvPr>
+          <p:cNvPicPr>
+            <a:picLocks noGrp="1" noChangeAspect="1"/>
+          </p:cNvPicPr>
+          <p:nvPr>
+            <p:ph idx="1"/>
+          </p:nvPr>
+        </p:nvPicPr>
+        <p:blipFill>
+          <a:blip r:embed="rId4">
+            <a:extLst>
+              <a:ext uri="{28A0092B-C50C-407E-A947-70E740481C1C}">
+                <a14:useLocalDpi xmlns:a14="http://schemas.microsoft.com/office/drawing/2010/main" val="0"/>
+              </a:ext>
+            </a:extLst>
+          </a:blip>
+          <a:stretch>
+            <a:fillRect/>
+          </a:stretch>
+        </p:blipFill>
+        <p:spPr>
+          <a:xfrm>
+            <a:off x="6604001" y="2238454"/>
+            <a:ext cx="5234740" cy="4213517"/>
+          </a:xfrm>
+        </p:spPr>
+      </p:pic>
     </p:spTree>
     <p:extLst>
       <p:ext uri="{BB962C8B-B14F-4D97-AF65-F5344CB8AC3E}">
@@ -10533,7 +14769,7 @@
 </p:sld>
 </file>
 
-<file path=ppt/slides/slide8.xml><?xml version="1.0" encoding="utf-8"?>
+<file path=ppt/slides/slide6.xml><?xml version="1.0" encoding="utf-8"?>
 <p:sld xmlns:a="http://schemas.openxmlformats.org/drawingml/2006/main" xmlns:r="http://schemas.openxmlformats.org/officeDocument/2006/relationships" xmlns:p="http://schemas.openxmlformats.org/presentationml/2006/main">
   <p:cSld>
     <p:bg>
@@ -10747,16 +14983,17 @@
           <a:p>
             <a:pPr algn="ctr"/>
             <a:r>
-              <a:rPr lang="en-US" sz="4000" kern="1200" dirty="0">
-                <a:solidFill>
-                  <a:schemeClr val="tx1"/>
-                </a:solidFill>
-                <a:latin typeface="+mj-lt"/>
-                <a:ea typeface="+mj-ea"/>
-                <a:cs typeface="+mj-cs"/>
-              </a:rPr>
-              <a:t>Performance Testing</a:t>
-            </a:r>
+              <a:rPr lang="en-US" dirty="0"/>
+              <a:t>GitHub</a:t>
+            </a:r>
+            <a:endParaRPr lang="en-US" sz="4000" kern="1200" dirty="0">
+              <a:solidFill>
+                <a:schemeClr val="tx1"/>
+              </a:solidFill>
+              <a:latin typeface="+mj-lt"/>
+              <a:ea typeface="+mj-ea"/>
+              <a:cs typeface="+mj-cs"/>
+            </a:endParaRPr>
           </a:p>
         </p:txBody>
       </p:sp>
@@ -10830,10 +15067,152 @@
           </a:p>
         </p:txBody>
       </p:sp>
+      <p:pic>
+        <p:nvPicPr>
+          <p:cNvPr id="6" name="Picture 5" descr="A screenshot of a cell phone&#10;&#10;Description automatically generated">
+            <a:extLst>
+              <a:ext uri="{FF2B5EF4-FFF2-40B4-BE49-F238E27FC236}">
+                <a16:creationId xmlns:a16="http://schemas.microsoft.com/office/drawing/2014/main" id="{2494C468-CB85-4FAD-8A0B-ABEFB3D96E78}"/>
+              </a:ext>
+            </a:extLst>
+          </p:cNvPr>
+          <p:cNvPicPr>
+            <a:picLocks noChangeAspect="1"/>
+          </p:cNvPicPr>
+          <p:nvPr/>
+        </p:nvPicPr>
+        <p:blipFill>
+          <a:blip r:embed="rId3">
+            <a:extLst>
+              <a:ext uri="{28A0092B-C50C-407E-A947-70E740481C1C}">
+                <a14:useLocalDpi xmlns:a14="http://schemas.microsoft.com/office/drawing/2010/main" val="0"/>
+              </a:ext>
+            </a:extLst>
+          </a:blip>
+          <a:stretch>
+            <a:fillRect/>
+          </a:stretch>
+        </p:blipFill>
+        <p:spPr>
+          <a:xfrm>
+            <a:off x="3372462" y="1909811"/>
+            <a:ext cx="2244373" cy="2525486"/>
+          </a:xfrm>
+          <a:prstGeom prst="rect">
+            <a:avLst/>
+          </a:prstGeom>
+        </p:spPr>
+      </p:pic>
+      <p:pic>
+        <p:nvPicPr>
+          <p:cNvPr id="7" name="Picture 6" descr="A screenshot of a social media post&#10;&#10;Description automatically generated">
+            <a:extLst>
+              <a:ext uri="{FF2B5EF4-FFF2-40B4-BE49-F238E27FC236}">
+                <a16:creationId xmlns:a16="http://schemas.microsoft.com/office/drawing/2014/main" id="{08A6834D-41B8-4E9A-9149-6A8707440232}"/>
+              </a:ext>
+            </a:extLst>
+          </p:cNvPr>
+          <p:cNvPicPr>
+            <a:picLocks noChangeAspect="1"/>
+          </p:cNvPicPr>
+          <p:nvPr/>
+        </p:nvPicPr>
+        <p:blipFill>
+          <a:blip r:embed="rId4">
+            <a:extLst>
+              <a:ext uri="{28A0092B-C50C-407E-A947-70E740481C1C}">
+                <a14:useLocalDpi xmlns:a14="http://schemas.microsoft.com/office/drawing/2010/main" val="0"/>
+              </a:ext>
+            </a:extLst>
+          </a:blip>
+          <a:stretch>
+            <a:fillRect/>
+          </a:stretch>
+        </p:blipFill>
+        <p:spPr>
+          <a:xfrm>
+            <a:off x="5964138" y="2063116"/>
+            <a:ext cx="5989125" cy="3469429"/>
+          </a:xfrm>
+          <a:prstGeom prst="rect">
+            <a:avLst/>
+          </a:prstGeom>
+        </p:spPr>
+      </p:pic>
+      <p:pic>
+        <p:nvPicPr>
+          <p:cNvPr id="8" name="Content Placeholder 4" descr="A screenshot of a cell phone&#10;&#10;Description automatically generated">
+            <a:extLst>
+              <a:ext uri="{FF2B5EF4-FFF2-40B4-BE49-F238E27FC236}">
+                <a16:creationId xmlns:a16="http://schemas.microsoft.com/office/drawing/2014/main" id="{E6E56C18-8DA2-46F3-96DF-E0363256A8A2}"/>
+              </a:ext>
+            </a:extLst>
+          </p:cNvPr>
+          <p:cNvPicPr>
+            <a:picLocks noGrp="1" noChangeAspect="1"/>
+          </p:cNvPicPr>
+          <p:nvPr>
+            <p:ph idx="1"/>
+          </p:nvPr>
+        </p:nvPicPr>
+        <p:blipFill>
+          <a:blip r:embed="rId5">
+            <a:extLst>
+              <a:ext uri="{28A0092B-C50C-407E-A947-70E740481C1C}">
+                <a14:useLocalDpi xmlns:a14="http://schemas.microsoft.com/office/drawing/2010/main" val="0"/>
+              </a:ext>
+            </a:extLst>
+          </a:blip>
+          <a:stretch>
+            <a:fillRect/>
+          </a:stretch>
+        </p:blipFill>
+        <p:spPr>
+          <a:xfrm>
+            <a:off x="640458" y="4588602"/>
+            <a:ext cx="5084943" cy="2367298"/>
+          </a:xfrm>
+        </p:spPr>
+      </p:pic>
+      <p:sp>
+        <p:nvSpPr>
+          <p:cNvPr id="3" name="TextBox 2">
+            <a:extLst>
+              <a:ext uri="{FF2B5EF4-FFF2-40B4-BE49-F238E27FC236}">
+                <a16:creationId xmlns:a16="http://schemas.microsoft.com/office/drawing/2014/main" id="{884CCC91-5C01-43E1-949E-61DA5809EACD}"/>
+              </a:ext>
+            </a:extLst>
+          </p:cNvPr>
+          <p:cNvSpPr txBox="1"/>
+          <p:nvPr/>
+        </p:nvSpPr>
+        <p:spPr>
+          <a:xfrm>
+            <a:off x="314325" y="2063116"/>
+            <a:ext cx="3058137" cy="646331"/>
+          </a:xfrm>
+          <a:prstGeom prst="rect">
+            <a:avLst/>
+          </a:prstGeom>
+          <a:noFill/>
+        </p:spPr>
+        <p:txBody>
+          <a:bodyPr wrap="square" rtlCol="0">
+            <a:spAutoFit/>
+          </a:bodyPr>
+          <a:lstStyle/>
+          <a:p>
+            <a:r>
+              <a:rPr lang="en-US" dirty="0"/>
+              <a:t>GitHub is the repository used for code and documentation.</a:t>
+            </a:r>
+          </a:p>
+        </p:txBody>
+      </p:sp>
     </p:spTree>
     <p:extLst>
       <p:ext uri="{BB962C8B-B14F-4D97-AF65-F5344CB8AC3E}">
-        <p14:creationId xmlns:p14="http://schemas.microsoft.com/office/powerpoint/2010/main" val="527754030"/>
+        <p14:creationId xmlns:p14="http://schemas.microsoft.com/office/powerpoint/2010/main" val="2629638476"/>
       </p:ext>
     </p:extLst>
   </p:cSld>
@@ -10843,7 +15222,7 @@
 </p:sld>
 </file>
 
-<file path=ppt/slides/slide9.xml><?xml version="1.0" encoding="utf-8"?>
+<file path=ppt/slides/slide7.xml><?xml version="1.0" encoding="utf-8"?>
 <p:sld xmlns:a="http://schemas.openxmlformats.org/drawingml/2006/main" xmlns:r="http://schemas.openxmlformats.org/officeDocument/2006/relationships" xmlns:p="http://schemas.openxmlformats.org/presentationml/2006/main">
   <p:cSld>
     <p:bg>
@@ -11057,16 +15436,17 @@
           <a:p>
             <a:pPr algn="ctr"/>
             <a:r>
-              <a:rPr lang="en-US" sz="4000" kern="1200" dirty="0">
-                <a:solidFill>
-                  <a:schemeClr val="tx1"/>
-                </a:solidFill>
-                <a:latin typeface="+mj-lt"/>
-                <a:ea typeface="+mj-ea"/>
-                <a:cs typeface="+mj-cs"/>
-              </a:rPr>
-              <a:t>Security Roles</a:t>
-            </a:r>
+              <a:rPr lang="en-US" dirty="0"/>
+              <a:t>Angular code build/Unit test</a:t>
+            </a:r>
+            <a:endParaRPr lang="en-US" sz="4000" kern="1200" dirty="0">
+              <a:solidFill>
+                <a:schemeClr val="tx1"/>
+              </a:solidFill>
+              <a:latin typeface="+mj-lt"/>
+              <a:ea typeface="+mj-ea"/>
+              <a:cs typeface="+mj-cs"/>
+            </a:endParaRPr>
           </a:p>
         </p:txBody>
       </p:sp>
@@ -11143,7 +15523,628 @@
     </p:spTree>
     <p:extLst>
       <p:ext uri="{BB962C8B-B14F-4D97-AF65-F5344CB8AC3E}">
-        <p14:creationId xmlns:p14="http://schemas.microsoft.com/office/powerpoint/2010/main" val="2730560187"/>
+        <p14:creationId xmlns:p14="http://schemas.microsoft.com/office/powerpoint/2010/main" val="2576736714"/>
+      </p:ext>
+    </p:extLst>
+  </p:cSld>
+  <p:clrMapOvr>
+    <a:masterClrMapping/>
+  </p:clrMapOvr>
+</p:sld>
+</file>
+
+<file path=ppt/slides/slide8.xml><?xml version="1.0" encoding="utf-8"?>
+<p:sld xmlns:a="http://schemas.openxmlformats.org/drawingml/2006/main" xmlns:r="http://schemas.openxmlformats.org/officeDocument/2006/relationships" xmlns:p="http://schemas.openxmlformats.org/presentationml/2006/main">
+  <p:cSld>
+    <p:bg>
+      <p:bgPr>
+        <a:solidFill>
+          <a:schemeClr val="bg1"/>
+        </a:solidFill>
+        <a:effectLst/>
+      </p:bgPr>
+    </p:bg>
+    <p:spTree>
+      <p:nvGrpSpPr>
+        <p:cNvPr id="1" name=""/>
+        <p:cNvGrpSpPr/>
+        <p:nvPr/>
+      </p:nvGrpSpPr>
+      <p:grpSpPr>
+        <a:xfrm>
+          <a:off x="0" y="0"/>
+          <a:ext cx="0" cy="0"/>
+          <a:chOff x="0" y="0"/>
+          <a:chExt cx="0" cy="0"/>
+        </a:xfrm>
+      </p:grpSpPr>
+      <p:sp useBgFill="1">
+        <p:nvSpPr>
+          <p:cNvPr id="71" name="Rectangle 70">
+            <a:extLst>
+              <a:ext uri="{FF2B5EF4-FFF2-40B4-BE49-F238E27FC236}">
+                <a16:creationId xmlns:a16="http://schemas.microsoft.com/office/drawing/2014/main" id="{C1A1C5D3-C053-4EE9-BE1A-419B6E27CCAE}"/>
+              </a:ext>
+              <a:ext uri="{C183D7F6-B498-43B3-948B-1728B52AA6E4}">
+                <adec:decorative xmlns:adec="http://schemas.microsoft.com/office/drawing/2017/decorative" val="1"/>
+              </a:ext>
+            </a:extLst>
+          </p:cNvPr>
+          <p:cNvSpPr>
+            <a:spLocks noGrp="1" noRot="1" noChangeAspect="1" noMove="1" noResize="1" noEditPoints="1" noAdjustHandles="1" noChangeArrowheads="1" noChangeShapeType="1" noTextEdit="1"/>
+          </p:cNvSpPr>
+          <p:nvPr>
+            <p:extLst>
+              <p:ext uri="{386F3935-93C4-4BCD-93E2-E3B085C9AB24}">
+                <p16:designElem xmlns:p16="http://schemas.microsoft.com/office/powerpoint/2015/main" val="1"/>
+              </p:ext>
+            </p:extLst>
+          </p:nvPr>
+        </p:nvSpPr>
+        <p:spPr>
+          <a:xfrm>
+            <a:off x="0" y="0"/>
+            <a:ext cx="12192000" cy="6858000"/>
+          </a:xfrm>
+          <a:prstGeom prst="rect">
+            <a:avLst/>
+          </a:prstGeom>
+          <a:ln>
+            <a:noFill/>
+          </a:ln>
+        </p:spPr>
+        <p:style>
+          <a:lnRef idx="2">
+            <a:schemeClr val="accent1">
+              <a:shade val="50000"/>
+            </a:schemeClr>
+          </a:lnRef>
+          <a:fillRef idx="1">
+            <a:schemeClr val="accent1"/>
+          </a:fillRef>
+          <a:effectRef idx="0">
+            <a:schemeClr val="accent1"/>
+          </a:effectRef>
+          <a:fontRef idx="minor">
+            <a:schemeClr val="lt1"/>
+          </a:fontRef>
+        </p:style>
+        <p:txBody>
+          <a:bodyPr rtlCol="0" anchor="ctr"/>
+          <a:lstStyle/>
+          <a:p>
+            <a:pPr algn="ctr"/>
+            <a:endParaRPr lang="en-US" dirty="0"/>
+          </a:p>
+        </p:txBody>
+      </p:sp>
+      <p:sp useBgFill="1">
+        <p:nvSpPr>
+          <p:cNvPr id="73" name="Rectangle 72">
+            <a:extLst>
+              <a:ext uri="{FF2B5EF4-FFF2-40B4-BE49-F238E27FC236}">
+                <a16:creationId xmlns:a16="http://schemas.microsoft.com/office/drawing/2014/main" id="{A3473CF9-37EB-43E7-89EF-D2D1C53D1DAC}"/>
+              </a:ext>
+              <a:ext uri="{C183D7F6-B498-43B3-948B-1728B52AA6E4}">
+                <adec:decorative xmlns:adec="http://schemas.microsoft.com/office/drawing/2017/decorative" val="1"/>
+              </a:ext>
+            </a:extLst>
+          </p:cNvPr>
+          <p:cNvSpPr>
+            <a:spLocks noGrp="1" noRot="1" noChangeAspect="1" noMove="1" noResize="1" noEditPoints="1" noAdjustHandles="1" noChangeArrowheads="1" noChangeShapeType="1" noTextEdit="1"/>
+          </p:cNvSpPr>
+          <p:nvPr>
+            <p:extLst>
+              <p:ext uri="{386F3935-93C4-4BCD-93E2-E3B085C9AB24}">
+                <p16:designElem xmlns:p16="http://schemas.microsoft.com/office/powerpoint/2015/main" val="1"/>
+              </p:ext>
+            </p:extLst>
+          </p:nvPr>
+        </p:nvSpPr>
+        <p:spPr>
+          <a:xfrm>
+            <a:off x="1903615" y="221673"/>
+            <a:ext cx="8384770" cy="1332634"/>
+          </a:xfrm>
+          <a:prstGeom prst="rect">
+            <a:avLst/>
+          </a:prstGeom>
+          <a:ln w="12700">
+            <a:solidFill>
+              <a:srgbClr val="E1E1E1"/>
+            </a:solidFill>
+          </a:ln>
+          <a:effectLst>
+            <a:outerShdw blurRad="50800" dist="38100" dir="2700000" algn="tl" rotWithShape="0">
+              <a:schemeClr val="bg2">
+                <a:lumMod val="85000"/>
+                <a:alpha val="50000"/>
+              </a:schemeClr>
+            </a:outerShdw>
+          </a:effectLst>
+        </p:spPr>
+        <p:style>
+          <a:lnRef idx="2">
+            <a:schemeClr val="accent1">
+              <a:shade val="50000"/>
+            </a:schemeClr>
+          </a:lnRef>
+          <a:fillRef idx="1">
+            <a:schemeClr val="accent1"/>
+          </a:fillRef>
+          <a:effectRef idx="0">
+            <a:schemeClr val="accent1"/>
+          </a:effectRef>
+          <a:fontRef idx="minor">
+            <a:schemeClr val="lt1"/>
+          </a:fontRef>
+        </p:style>
+        <p:txBody>
+          <a:bodyPr rtlCol="0" anchor="ctr"/>
+          <a:lstStyle/>
+          <a:p>
+            <a:pPr marL="0" marR="0" lvl="0" indent="0" algn="ctr" defTabSz="914400" rtl="0" eaLnBrk="1" fontAlgn="auto" latinLnBrk="0" hangingPunct="1">
+              <a:lnSpc>
+                <a:spcPct val="100000"/>
+              </a:lnSpc>
+              <a:spcBef>
+                <a:spcPts val="0"/>
+              </a:spcBef>
+              <a:spcAft>
+                <a:spcPts val="0"/>
+              </a:spcAft>
+              <a:buClrTx/>
+              <a:buSzTx/>
+              <a:buFontTx/>
+              <a:buNone/>
+              <a:tabLst/>
+              <a:defRPr/>
+            </a:pPr>
+            <a:endParaRPr kumimoji="0" lang="en-US" sz="1800" b="0" i="0" u="none" strike="noStrike" kern="1200" cap="none" spc="0" normalizeH="0" baseline="0" noProof="0" dirty="0">
+              <a:ln>
+                <a:noFill/>
+              </a:ln>
+              <a:solidFill>
+                <a:prstClr val="white"/>
+              </a:solidFill>
+              <a:effectLst/>
+              <a:uLnTx/>
+              <a:uFillTx/>
+              <a:latin typeface="Calibri" panose="020F0502020204030204"/>
+              <a:ea typeface="+mn-ea"/>
+              <a:cs typeface="+mn-cs"/>
+            </a:endParaRPr>
+          </a:p>
+        </p:txBody>
+      </p:sp>
+      <p:sp>
+        <p:nvSpPr>
+          <p:cNvPr id="2" name="Title 1">
+            <a:extLst>
+              <a:ext uri="{FF2B5EF4-FFF2-40B4-BE49-F238E27FC236}">
+                <a16:creationId xmlns:a16="http://schemas.microsoft.com/office/drawing/2014/main" id="{0FDE5079-B185-4DE0-AF2C-AE4B7709FBC3}"/>
+              </a:ext>
+            </a:extLst>
+          </p:cNvPr>
+          <p:cNvSpPr>
+            <a:spLocks noGrp="1"/>
+          </p:cNvSpPr>
+          <p:nvPr>
+            <p:ph type="title"/>
+          </p:nvPr>
+        </p:nvSpPr>
+        <p:spPr>
+          <a:xfrm>
+            <a:off x="2103121" y="310343"/>
+            <a:ext cx="7985759" cy="868823"/>
+          </a:xfrm>
+        </p:spPr>
+        <p:txBody>
+          <a:bodyPr vert="horz" lIns="91440" tIns="45720" rIns="91440" bIns="45720" rtlCol="0" anchor="ctr">
+            <a:normAutofit/>
+          </a:bodyPr>
+          <a:lstStyle/>
+          <a:p>
+            <a:pPr algn="ctr"/>
+            <a:r>
+              <a:rPr lang="en-US" dirty="0"/>
+              <a:t>Automated documentation</a:t>
+            </a:r>
+            <a:endParaRPr lang="en-US" sz="4000" kern="1200" dirty="0">
+              <a:solidFill>
+                <a:schemeClr val="tx1"/>
+              </a:solidFill>
+              <a:latin typeface="+mj-lt"/>
+              <a:ea typeface="+mj-ea"/>
+              <a:cs typeface="+mj-cs"/>
+            </a:endParaRPr>
+          </a:p>
+        </p:txBody>
+      </p:sp>
+      <p:sp>
+        <p:nvSpPr>
+          <p:cNvPr id="75" name="Rectangle: Rounded Corners 74">
+            <a:extLst>
+              <a:ext uri="{FF2B5EF4-FFF2-40B4-BE49-F238E27FC236}">
+                <a16:creationId xmlns:a16="http://schemas.microsoft.com/office/drawing/2014/main" id="{586B4EF9-43BA-4655-A6FF-1D8E21574C95}"/>
+              </a:ext>
+              <a:ext uri="{C183D7F6-B498-43B3-948B-1728B52AA6E4}">
+                <adec:decorative xmlns:adec="http://schemas.microsoft.com/office/drawing/2017/decorative" val="1"/>
+              </a:ext>
+            </a:extLst>
+          </p:cNvPr>
+          <p:cNvSpPr>
+            <a:spLocks noGrp="1" noRot="1" noChangeAspect="1" noMove="1" noResize="1" noEditPoints="1" noAdjustHandles="1" noChangeArrowheads="1" noChangeShapeType="1" noTextEdit="1"/>
+          </p:cNvSpPr>
+          <p:nvPr>
+            <p:extLst>
+              <p:ext uri="{386F3935-93C4-4BCD-93E2-E3B085C9AB24}">
+                <p16:designElem xmlns:p16="http://schemas.microsoft.com/office/powerpoint/2015/main" val="1"/>
+              </p:ext>
+            </p:extLst>
+          </p:nvPr>
+        </p:nvSpPr>
+        <p:spPr>
+          <a:xfrm>
+            <a:off x="2483110" y="1211407"/>
+            <a:ext cx="7225780" cy="685800"/>
+          </a:xfrm>
+          <a:prstGeom prst="roundRect">
+            <a:avLst>
+              <a:gd name="adj" fmla="val 0"/>
+            </a:avLst>
+          </a:prstGeom>
+          <a:solidFill>
+            <a:schemeClr val="accent2"/>
+          </a:solidFill>
+          <a:ln>
+            <a:noFill/>
+          </a:ln>
+        </p:spPr>
+        <p:style>
+          <a:lnRef idx="2">
+            <a:schemeClr val="accent1">
+              <a:shade val="50000"/>
+            </a:schemeClr>
+          </a:lnRef>
+          <a:fillRef idx="1">
+            <a:schemeClr val="accent1"/>
+          </a:fillRef>
+          <a:effectRef idx="0">
+            <a:schemeClr val="accent1"/>
+          </a:effectRef>
+          <a:fontRef idx="minor">
+            <a:schemeClr val="lt1"/>
+          </a:fontRef>
+        </p:style>
+        <p:txBody>
+          <a:bodyPr rtlCol="0" anchor="ctr"/>
+          <a:lstStyle/>
+          <a:p>
+            <a:pPr algn="ctr"/>
+            <a:endParaRPr lang="en-US" dirty="0">
+              <a:solidFill>
+                <a:prstClr val="white"/>
+              </a:solidFill>
+              <a:latin typeface="Calibri" panose="020F0502020204030204"/>
+            </a:endParaRPr>
+          </a:p>
+        </p:txBody>
+      </p:sp>
+    </p:spTree>
+    <p:extLst>
+      <p:ext uri="{BB962C8B-B14F-4D97-AF65-F5344CB8AC3E}">
+        <p14:creationId xmlns:p14="http://schemas.microsoft.com/office/powerpoint/2010/main" val="928365377"/>
+      </p:ext>
+    </p:extLst>
+  </p:cSld>
+  <p:clrMapOvr>
+    <a:masterClrMapping/>
+  </p:clrMapOvr>
+</p:sld>
+</file>
+
+<file path=ppt/slides/slide9.xml><?xml version="1.0" encoding="utf-8"?>
+<p:sld xmlns:a="http://schemas.openxmlformats.org/drawingml/2006/main" xmlns:r="http://schemas.openxmlformats.org/officeDocument/2006/relationships" xmlns:p="http://schemas.openxmlformats.org/presentationml/2006/main">
+  <p:cSld>
+    <p:bg>
+      <p:bgPr>
+        <a:solidFill>
+          <a:schemeClr val="bg1"/>
+        </a:solidFill>
+        <a:effectLst/>
+      </p:bgPr>
+    </p:bg>
+    <p:spTree>
+      <p:nvGrpSpPr>
+        <p:cNvPr id="1" name=""/>
+        <p:cNvGrpSpPr/>
+        <p:nvPr/>
+      </p:nvGrpSpPr>
+      <p:grpSpPr>
+        <a:xfrm>
+          <a:off x="0" y="0"/>
+          <a:ext cx="0" cy="0"/>
+          <a:chOff x="0" y="0"/>
+          <a:chExt cx="0" cy="0"/>
+        </a:xfrm>
+      </p:grpSpPr>
+      <p:sp useBgFill="1">
+        <p:nvSpPr>
+          <p:cNvPr id="71" name="Rectangle 70">
+            <a:extLst>
+              <a:ext uri="{FF2B5EF4-FFF2-40B4-BE49-F238E27FC236}">
+                <a16:creationId xmlns:a16="http://schemas.microsoft.com/office/drawing/2014/main" id="{C1A1C5D3-C053-4EE9-BE1A-419B6E27CCAE}"/>
+              </a:ext>
+              <a:ext uri="{C183D7F6-B498-43B3-948B-1728B52AA6E4}">
+                <adec:decorative xmlns:adec="http://schemas.microsoft.com/office/drawing/2017/decorative" val="1"/>
+              </a:ext>
+            </a:extLst>
+          </p:cNvPr>
+          <p:cNvSpPr>
+            <a:spLocks noGrp="1" noRot="1" noChangeAspect="1" noMove="1" noResize="1" noEditPoints="1" noAdjustHandles="1" noChangeArrowheads="1" noChangeShapeType="1" noTextEdit="1"/>
+          </p:cNvSpPr>
+          <p:nvPr>
+            <p:extLst>
+              <p:ext uri="{386F3935-93C4-4BCD-93E2-E3B085C9AB24}">
+                <p16:designElem xmlns:p16="http://schemas.microsoft.com/office/powerpoint/2015/main" val="1"/>
+              </p:ext>
+            </p:extLst>
+          </p:nvPr>
+        </p:nvSpPr>
+        <p:spPr>
+          <a:xfrm>
+            <a:off x="0" y="0"/>
+            <a:ext cx="12192000" cy="6858000"/>
+          </a:xfrm>
+          <a:prstGeom prst="rect">
+            <a:avLst/>
+          </a:prstGeom>
+          <a:ln>
+            <a:noFill/>
+          </a:ln>
+        </p:spPr>
+        <p:style>
+          <a:lnRef idx="2">
+            <a:schemeClr val="accent1">
+              <a:shade val="50000"/>
+            </a:schemeClr>
+          </a:lnRef>
+          <a:fillRef idx="1">
+            <a:schemeClr val="accent1"/>
+          </a:fillRef>
+          <a:effectRef idx="0">
+            <a:schemeClr val="accent1"/>
+          </a:effectRef>
+          <a:fontRef idx="minor">
+            <a:schemeClr val="lt1"/>
+          </a:fontRef>
+        </p:style>
+        <p:txBody>
+          <a:bodyPr rtlCol="0" anchor="ctr"/>
+          <a:lstStyle/>
+          <a:p>
+            <a:pPr algn="ctr"/>
+            <a:endParaRPr lang="en-US" dirty="0"/>
+          </a:p>
+        </p:txBody>
+      </p:sp>
+      <p:sp useBgFill="1">
+        <p:nvSpPr>
+          <p:cNvPr id="73" name="Rectangle 72">
+            <a:extLst>
+              <a:ext uri="{FF2B5EF4-FFF2-40B4-BE49-F238E27FC236}">
+                <a16:creationId xmlns:a16="http://schemas.microsoft.com/office/drawing/2014/main" id="{A3473CF9-37EB-43E7-89EF-D2D1C53D1DAC}"/>
+              </a:ext>
+              <a:ext uri="{C183D7F6-B498-43B3-948B-1728B52AA6E4}">
+                <adec:decorative xmlns:adec="http://schemas.microsoft.com/office/drawing/2017/decorative" val="1"/>
+              </a:ext>
+            </a:extLst>
+          </p:cNvPr>
+          <p:cNvSpPr>
+            <a:spLocks noGrp="1" noRot="1" noChangeAspect="1" noMove="1" noResize="1" noEditPoints="1" noAdjustHandles="1" noChangeArrowheads="1" noChangeShapeType="1" noTextEdit="1"/>
+          </p:cNvSpPr>
+          <p:nvPr>
+            <p:extLst>
+              <p:ext uri="{386F3935-93C4-4BCD-93E2-E3B085C9AB24}">
+                <p16:designElem xmlns:p16="http://schemas.microsoft.com/office/powerpoint/2015/main" val="1"/>
+              </p:ext>
+            </p:extLst>
+          </p:nvPr>
+        </p:nvSpPr>
+        <p:spPr>
+          <a:xfrm>
+            <a:off x="1903615" y="221673"/>
+            <a:ext cx="8384770" cy="1332634"/>
+          </a:xfrm>
+          <a:prstGeom prst="rect">
+            <a:avLst/>
+          </a:prstGeom>
+          <a:ln w="12700">
+            <a:solidFill>
+              <a:srgbClr val="E1E1E1"/>
+            </a:solidFill>
+          </a:ln>
+          <a:effectLst>
+            <a:outerShdw blurRad="50800" dist="38100" dir="2700000" algn="tl" rotWithShape="0">
+              <a:schemeClr val="bg2">
+                <a:lumMod val="85000"/>
+                <a:alpha val="50000"/>
+              </a:schemeClr>
+            </a:outerShdw>
+          </a:effectLst>
+        </p:spPr>
+        <p:style>
+          <a:lnRef idx="2">
+            <a:schemeClr val="accent1">
+              <a:shade val="50000"/>
+            </a:schemeClr>
+          </a:lnRef>
+          <a:fillRef idx="1">
+            <a:schemeClr val="accent1"/>
+          </a:fillRef>
+          <a:effectRef idx="0">
+            <a:schemeClr val="accent1"/>
+          </a:effectRef>
+          <a:fontRef idx="minor">
+            <a:schemeClr val="lt1"/>
+          </a:fontRef>
+        </p:style>
+        <p:txBody>
+          <a:bodyPr rtlCol="0" anchor="ctr"/>
+          <a:lstStyle/>
+          <a:p>
+            <a:pPr marL="0" marR="0" lvl="0" indent="0" algn="ctr" defTabSz="914400" rtl="0" eaLnBrk="1" fontAlgn="auto" latinLnBrk="0" hangingPunct="1">
+              <a:lnSpc>
+                <a:spcPct val="100000"/>
+              </a:lnSpc>
+              <a:spcBef>
+                <a:spcPts val="0"/>
+              </a:spcBef>
+              <a:spcAft>
+                <a:spcPts val="0"/>
+              </a:spcAft>
+              <a:buClrTx/>
+              <a:buSzTx/>
+              <a:buFontTx/>
+              <a:buNone/>
+              <a:tabLst/>
+              <a:defRPr/>
+            </a:pPr>
+            <a:endParaRPr kumimoji="0" lang="en-US" sz="1800" b="0" i="0" u="none" strike="noStrike" kern="1200" cap="none" spc="0" normalizeH="0" baseline="0" noProof="0" dirty="0">
+              <a:ln>
+                <a:noFill/>
+              </a:ln>
+              <a:solidFill>
+                <a:prstClr val="white"/>
+              </a:solidFill>
+              <a:effectLst/>
+              <a:uLnTx/>
+              <a:uFillTx/>
+              <a:latin typeface="Calibri" panose="020F0502020204030204"/>
+              <a:ea typeface="+mn-ea"/>
+              <a:cs typeface="+mn-cs"/>
+            </a:endParaRPr>
+          </a:p>
+        </p:txBody>
+      </p:sp>
+      <p:sp>
+        <p:nvSpPr>
+          <p:cNvPr id="2" name="Title 1">
+            <a:extLst>
+              <a:ext uri="{FF2B5EF4-FFF2-40B4-BE49-F238E27FC236}">
+                <a16:creationId xmlns:a16="http://schemas.microsoft.com/office/drawing/2014/main" id="{0FDE5079-B185-4DE0-AF2C-AE4B7709FBC3}"/>
+              </a:ext>
+            </a:extLst>
+          </p:cNvPr>
+          <p:cNvSpPr>
+            <a:spLocks noGrp="1"/>
+          </p:cNvSpPr>
+          <p:nvPr>
+            <p:ph type="title"/>
+          </p:nvPr>
+        </p:nvSpPr>
+        <p:spPr>
+          <a:xfrm>
+            <a:off x="2103121" y="310343"/>
+            <a:ext cx="7985759" cy="868823"/>
+          </a:xfrm>
+        </p:spPr>
+        <p:txBody>
+          <a:bodyPr vert="horz" lIns="91440" tIns="45720" rIns="91440" bIns="45720" rtlCol="0" anchor="ctr">
+            <a:normAutofit/>
+          </a:bodyPr>
+          <a:lstStyle/>
+          <a:p>
+            <a:pPr algn="ctr"/>
+            <a:r>
+              <a:rPr lang="en-US" sz="4000" kern="1200" dirty="0">
+                <a:solidFill>
+                  <a:schemeClr val="tx1"/>
+                </a:solidFill>
+                <a:latin typeface="+mj-lt"/>
+                <a:ea typeface="+mj-ea"/>
+                <a:cs typeface="+mj-cs"/>
+              </a:rPr>
+              <a:t>Code Scanning</a:t>
+            </a:r>
+          </a:p>
+        </p:txBody>
+      </p:sp>
+      <p:sp>
+        <p:nvSpPr>
+          <p:cNvPr id="75" name="Rectangle: Rounded Corners 74">
+            <a:extLst>
+              <a:ext uri="{FF2B5EF4-FFF2-40B4-BE49-F238E27FC236}">
+                <a16:creationId xmlns:a16="http://schemas.microsoft.com/office/drawing/2014/main" id="{586B4EF9-43BA-4655-A6FF-1D8E21574C95}"/>
+              </a:ext>
+              <a:ext uri="{C183D7F6-B498-43B3-948B-1728B52AA6E4}">
+                <adec:decorative xmlns:adec="http://schemas.microsoft.com/office/drawing/2017/decorative" val="1"/>
+              </a:ext>
+            </a:extLst>
+          </p:cNvPr>
+          <p:cNvSpPr>
+            <a:spLocks noGrp="1" noRot="1" noChangeAspect="1" noMove="1" noResize="1" noEditPoints="1" noAdjustHandles="1" noChangeArrowheads="1" noChangeShapeType="1" noTextEdit="1"/>
+          </p:cNvSpPr>
+          <p:nvPr>
+            <p:extLst>
+              <p:ext uri="{386F3935-93C4-4BCD-93E2-E3B085C9AB24}">
+                <p16:designElem xmlns:p16="http://schemas.microsoft.com/office/powerpoint/2015/main" val="1"/>
+              </p:ext>
+            </p:extLst>
+          </p:nvPr>
+        </p:nvSpPr>
+        <p:spPr>
+          <a:xfrm>
+            <a:off x="2483110" y="1211407"/>
+            <a:ext cx="7225780" cy="685800"/>
+          </a:xfrm>
+          <a:prstGeom prst="roundRect">
+            <a:avLst>
+              <a:gd name="adj" fmla="val 0"/>
+            </a:avLst>
+          </a:prstGeom>
+          <a:solidFill>
+            <a:schemeClr val="accent2"/>
+          </a:solidFill>
+          <a:ln>
+            <a:noFill/>
+          </a:ln>
+        </p:spPr>
+        <p:style>
+          <a:lnRef idx="2">
+            <a:schemeClr val="accent1">
+              <a:shade val="50000"/>
+            </a:schemeClr>
+          </a:lnRef>
+          <a:fillRef idx="1">
+            <a:schemeClr val="accent1"/>
+          </a:fillRef>
+          <a:effectRef idx="0">
+            <a:schemeClr val="accent1"/>
+          </a:effectRef>
+          <a:fontRef idx="minor">
+            <a:schemeClr val="lt1"/>
+          </a:fontRef>
+        </p:style>
+        <p:txBody>
+          <a:bodyPr rtlCol="0" anchor="ctr"/>
+          <a:lstStyle/>
+          <a:p>
+            <a:pPr algn="ctr"/>
+            <a:endParaRPr lang="en-US" dirty="0">
+              <a:solidFill>
+                <a:prstClr val="white"/>
+              </a:solidFill>
+              <a:latin typeface="Calibri" panose="020F0502020204030204"/>
+            </a:endParaRPr>
+          </a:p>
+        </p:txBody>
+      </p:sp>
+    </p:spTree>
+    <p:extLst>
+      <p:ext uri="{BB962C8B-B14F-4D97-AF65-F5344CB8AC3E}">
+        <p14:creationId xmlns:p14="http://schemas.microsoft.com/office/powerpoint/2010/main" val="986790707"/>
       </p:ext>
     </p:extLst>
   </p:cSld>
@@ -12039,12 +17040,11 @@
 </file>
 
 <file path=customXml/item1.xml><?xml version="1.0" encoding="utf-8"?>
-<?mso-contentType ?>
-<FormTemplates xmlns="http://schemas.microsoft.com/sharepoint/v3/contenttype/forms">
-  <Display>DocumentLibraryForm</Display>
-  <Edit>DocumentLibraryForm</Edit>
-  <New>DocumentLibraryForm</New>
-</FormTemplates>
+<p:properties xmlns:p="http://schemas.microsoft.com/office/2006/metadata/properties" xmlns:xsi="http://www.w3.org/2001/XMLSchema-instance" xmlns:pc="http://schemas.microsoft.com/office/infopath/2007/PartnerControls">
+  <documentManagement>
+    <MediaServiceKeyPoints xmlns="71af3243-3dd4-4a8d-8c0d-dd76da1f02a5" xsi:nil="true"/>
+  </documentManagement>
+</p:properties>
 </file>
 
 <file path=customXml/item2.xml><?xml version="1.0" encoding="utf-8"?>
@@ -12259,17 +17259,27 @@
 </file>
 
 <file path=customXml/item3.xml><?xml version="1.0" encoding="utf-8"?>
-<p:properties xmlns:p="http://schemas.microsoft.com/office/2006/metadata/properties" xmlns:xsi="http://www.w3.org/2001/XMLSchema-instance" xmlns:pc="http://schemas.microsoft.com/office/infopath/2007/PartnerControls">
-  <documentManagement>
-    <MediaServiceKeyPoints xmlns="71af3243-3dd4-4a8d-8c0d-dd76da1f02a5" xsi:nil="true"/>
-  </documentManagement>
-</p:properties>
+<?mso-contentType ?>
+<FormTemplates xmlns="http://schemas.microsoft.com/sharepoint/v3/contenttype/forms">
+  <Display>DocumentLibraryForm</Display>
+  <Edit>DocumentLibraryForm</Edit>
+  <New>DocumentLibraryForm</New>
+</FormTemplates>
 </file>
 
 <file path=customXml/itemProps1.xml><?xml version="1.0" encoding="utf-8"?>
-<ds:datastoreItem xmlns:ds="http://schemas.openxmlformats.org/officeDocument/2006/customXml" ds:itemID="{5CA875DA-F9FD-4F83-A049-3B1027B542DE}">
+<ds:datastoreItem xmlns:ds="http://schemas.openxmlformats.org/officeDocument/2006/customXml" ds:itemID="{03C7D9E6-B0D9-433E-BD46-EB60F64F4DA8}">
   <ds:schemaRefs>
-    <ds:schemaRef ds:uri="http://schemas.microsoft.com/sharepoint/v3/contenttype/forms"/>
+    <ds:schemaRef ds:uri="http://purl.org/dc/terms/"/>
+    <ds:schemaRef ds:uri="http://schemas.openxmlformats.org/package/2006/metadata/core-properties"/>
+    <ds:schemaRef ds:uri="16c05727-aa75-4e4a-9b5f-8a80a1165891"/>
+    <ds:schemaRef ds:uri="http://schemas.microsoft.com/office/2006/documentManagement/types"/>
+    <ds:schemaRef ds:uri="http://schemas.microsoft.com/office/infopath/2007/PartnerControls"/>
+    <ds:schemaRef ds:uri="http://purl.org/dc/elements/1.1/"/>
+    <ds:schemaRef ds:uri="http://schemas.microsoft.com/office/2006/metadata/properties"/>
+    <ds:schemaRef ds:uri="71af3243-3dd4-4a8d-8c0d-dd76da1f02a5"/>
+    <ds:schemaRef ds:uri="http://www.w3.org/XML/1998/namespace"/>
+    <ds:schemaRef ds:uri="http://purl.org/dc/dcmitype/"/>
   </ds:schemaRefs>
 </ds:datastoreItem>
 </file>
@@ -12294,18 +17304,9 @@
 </file>
 
 <file path=customXml/itemProps3.xml><?xml version="1.0" encoding="utf-8"?>
-<ds:datastoreItem xmlns:ds="http://schemas.openxmlformats.org/officeDocument/2006/customXml" ds:itemID="{03C7D9E6-B0D9-433E-BD46-EB60F64F4DA8}">
+<ds:datastoreItem xmlns:ds="http://schemas.openxmlformats.org/officeDocument/2006/customXml" ds:itemID="{5CA875DA-F9FD-4F83-A049-3B1027B542DE}">
   <ds:schemaRefs>
-    <ds:schemaRef ds:uri="http://purl.org/dc/elements/1.1/"/>
-    <ds:schemaRef ds:uri="http://schemas.microsoft.com/office/2006/metadata/properties"/>
-    <ds:schemaRef ds:uri="http://schemas.openxmlformats.org/package/2006/metadata/core-properties"/>
-    <ds:schemaRef ds:uri="16c05727-aa75-4e4a-9b5f-8a80a1165891"/>
-    <ds:schemaRef ds:uri="http://schemas.microsoft.com/office/infopath/2007/PartnerControls"/>
-    <ds:schemaRef ds:uri="http://purl.org/dc/terms/"/>
-    <ds:schemaRef ds:uri="http://schemas.microsoft.com/office/2006/documentManagement/types"/>
-    <ds:schemaRef ds:uri="71af3243-3dd4-4a8d-8c0d-dd76da1f02a5"/>
-    <ds:schemaRef ds:uri="http://www.w3.org/XML/1998/namespace"/>
-    <ds:schemaRef ds:uri="http://purl.org/dc/dcmitype/"/>
+    <ds:schemaRef ds:uri="http://schemas.microsoft.com/sharepoint/v3/contenttype/forms"/>
   </ds:schemaRefs>
 </ds:datastoreItem>
 </file>
--- a/documentation/Demonstrations/Connacht_University_TeamDC.pptx
+++ b/documentation/Demonstrations/Connacht_University_TeamDC.pptx
@@ -14687,17 +14687,19 @@
       </p:sp>
       <p:pic>
         <p:nvPicPr>
-          <p:cNvPr id="6" name="Picture 5" descr="A screenshot of a social media post&#10;&#10;Description automatically generated">
-            <a:extLst>
-              <a:ext uri="{FF2B5EF4-FFF2-40B4-BE49-F238E27FC236}">
-                <a16:creationId xmlns:a16="http://schemas.microsoft.com/office/drawing/2014/main" id="{F7E5E7B0-38FF-4B8A-949A-DF3F8ECE803C}"/>
+          <p:cNvPr id="10" name="Content Placeholder 4" descr="A screenshot of a cell phone&#10;&#10;Description automatically generated">
+            <a:extLst>
+              <a:ext uri="{FF2B5EF4-FFF2-40B4-BE49-F238E27FC236}">
+                <a16:creationId xmlns:a16="http://schemas.microsoft.com/office/drawing/2014/main" id="{4E66B466-18BE-40F3-8A35-7001ED79E724}"/>
               </a:ext>
             </a:extLst>
           </p:cNvPr>
           <p:cNvPicPr>
-            <a:picLocks noChangeAspect="1"/>
+            <a:picLocks noGrp="1" noChangeAspect="1"/>
           </p:cNvPicPr>
-          <p:nvPr/>
+          <p:nvPr>
+            <p:ph idx="1"/>
+          </p:nvPr>
         </p:nvPicPr>
         <p:blipFill>
           <a:blip r:embed="rId3">
@@ -14713,29 +14715,40 @@
         </p:blipFill>
         <p:spPr>
           <a:xfrm>
-            <a:off x="353259" y="2205038"/>
-            <a:ext cx="5657015" cy="4246933"/>
+            <a:off x="7364310" y="3181177"/>
+            <a:ext cx="3639510" cy="3385322"/>
           </a:xfrm>
-          <a:prstGeom prst="rect">
-            <a:avLst/>
+          <a:prstGeom prst="roundRect">
+            <a:avLst>
+              <a:gd name="adj" fmla="val 8594"/>
+            </a:avLst>
           </a:prstGeom>
+          <a:solidFill>
+            <a:srgbClr val="FFFFFF">
+              <a:shade val="85000"/>
+            </a:srgbClr>
+          </a:solidFill>
+          <a:ln>
+            <a:noFill/>
+          </a:ln>
+          <a:effectLst>
+            <a:reflection blurRad="12700" stA="38000" endPos="28000" dist="5000" dir="5400000" sy="-100000" algn="bl" rotWithShape="0"/>
+          </a:effectLst>
         </p:spPr>
       </p:pic>
       <p:pic>
         <p:nvPicPr>
-          <p:cNvPr id="7" name="Content Placeholder 4" descr="A screenshot of a cell phone&#10;&#10;Description automatically generated">
-            <a:extLst>
-              <a:ext uri="{FF2B5EF4-FFF2-40B4-BE49-F238E27FC236}">
-                <a16:creationId xmlns:a16="http://schemas.microsoft.com/office/drawing/2014/main" id="{D63F2D1F-9BF3-4BB5-85F9-127C38152ED8}"/>
+          <p:cNvPr id="11" name="Picture 10" descr="A screenshot of a social media post&#10;&#10;Description automatically generated">
+            <a:extLst>
+              <a:ext uri="{FF2B5EF4-FFF2-40B4-BE49-F238E27FC236}">
+                <a16:creationId xmlns:a16="http://schemas.microsoft.com/office/drawing/2014/main" id="{5EAF2BEC-9BDE-401A-A7A2-5DCD5024A3C6}"/>
               </a:ext>
             </a:extLst>
           </p:cNvPr>
           <p:cNvPicPr>
-            <a:picLocks noGrp="1" noChangeAspect="1"/>
+            <a:picLocks noChangeAspect="1"/>
           </p:cNvPicPr>
-          <p:nvPr>
-            <p:ph idx="1"/>
-          </p:nvPr>
+          <p:nvPr/>
         </p:nvPicPr>
         <p:blipFill>
           <a:blip r:embed="rId4">
@@ -14751,11 +14764,154 @@
         </p:blipFill>
         <p:spPr>
           <a:xfrm>
-            <a:off x="6604001" y="2238454"/>
-            <a:ext cx="5234740" cy="4213517"/>
+            <a:off x="410410" y="1690688"/>
+            <a:ext cx="4417282" cy="3316219"/>
           </a:xfrm>
+          <a:prstGeom prst="roundRect">
+            <a:avLst>
+              <a:gd name="adj" fmla="val 8594"/>
+            </a:avLst>
+          </a:prstGeom>
+          <a:solidFill>
+            <a:srgbClr val="FFFFFF">
+              <a:shade val="85000"/>
+            </a:srgbClr>
+          </a:solidFill>
+          <a:ln>
+            <a:noFill/>
+          </a:ln>
+          <a:effectLst>
+            <a:reflection blurRad="12700" stA="38000" endPos="28000" dist="5000" dir="5400000" sy="-100000" algn="bl" rotWithShape="0"/>
+          </a:effectLst>
         </p:spPr>
       </p:pic>
+      <p:sp>
+        <p:nvSpPr>
+          <p:cNvPr id="12" name="TextBox 11">
+            <a:extLst>
+              <a:ext uri="{FF2B5EF4-FFF2-40B4-BE49-F238E27FC236}">
+                <a16:creationId xmlns:a16="http://schemas.microsoft.com/office/drawing/2014/main" id="{EFAEF38F-7387-458E-8FE0-D073ABF7803E}"/>
+              </a:ext>
+            </a:extLst>
+          </p:cNvPr>
+          <p:cNvSpPr txBox="1"/>
+          <p:nvPr/>
+        </p:nvSpPr>
+        <p:spPr>
+          <a:xfrm>
+            <a:off x="410410" y="5352393"/>
+            <a:ext cx="5168462" cy="1200329"/>
+          </a:xfrm>
+          <a:prstGeom prst="rect">
+            <a:avLst/>
+          </a:prstGeom>
+          <a:noFill/>
+        </p:spPr>
+        <p:txBody>
+          <a:bodyPr wrap="square" rtlCol="0">
+            <a:spAutoFit/>
+          </a:bodyPr>
+          <a:lstStyle/>
+          <a:p>
+            <a:pPr marL="285750" indent="-285750">
+              <a:buFont typeface="Arial" panose="020B0604020202020204" pitchFamily="34" charset="0"/>
+              <a:buChar char="•"/>
+            </a:pPr>
+            <a:r>
+              <a:rPr lang="en-US" dirty="0"/>
+              <a:t>Kanban Style through Trello</a:t>
+            </a:r>
+          </a:p>
+          <a:p>
+            <a:pPr marL="285750" indent="-285750">
+              <a:buFont typeface="Arial" panose="020B0604020202020204" pitchFamily="34" charset="0"/>
+              <a:buChar char="•"/>
+            </a:pPr>
+            <a:r>
+              <a:rPr lang="en-US" dirty="0"/>
+              <a:t>Backlog, In-progress, Waiting for Acceptance and Accepted</a:t>
+            </a:r>
+          </a:p>
+          <a:p>
+            <a:pPr marL="285750" indent="-285750">
+              <a:buFont typeface="Arial" panose="020B0604020202020204" pitchFamily="34" charset="0"/>
+              <a:buChar char="•"/>
+            </a:pPr>
+            <a:endParaRPr lang="en-US" dirty="0"/>
+          </a:p>
+        </p:txBody>
+      </p:sp>
+      <p:sp>
+        <p:nvSpPr>
+          <p:cNvPr id="13" name="TextBox 12">
+            <a:extLst>
+              <a:ext uri="{FF2B5EF4-FFF2-40B4-BE49-F238E27FC236}">
+                <a16:creationId xmlns:a16="http://schemas.microsoft.com/office/drawing/2014/main" id="{665A4D58-3DD2-483B-9B6D-2FFF8BC8E4BF}"/>
+              </a:ext>
+            </a:extLst>
+          </p:cNvPr>
+          <p:cNvSpPr txBox="1"/>
+          <p:nvPr/>
+        </p:nvSpPr>
+        <p:spPr>
+          <a:xfrm>
+            <a:off x="6879906" y="2111800"/>
+            <a:ext cx="5168462" cy="1200329"/>
+          </a:xfrm>
+          <a:prstGeom prst="rect">
+            <a:avLst/>
+          </a:prstGeom>
+          <a:noFill/>
+        </p:spPr>
+        <p:txBody>
+          <a:bodyPr wrap="square" rtlCol="0">
+            <a:spAutoFit/>
+          </a:bodyPr>
+          <a:lstStyle/>
+          <a:p>
+            <a:pPr marL="285750" indent="-285750">
+              <a:buFont typeface="Arial" panose="020B0604020202020204" pitchFamily="34" charset="0"/>
+              <a:buChar char="•"/>
+            </a:pPr>
+            <a:r>
+              <a:rPr lang="en-US" dirty="0"/>
+              <a:t>User Stories captured in color-coded cards</a:t>
+            </a:r>
+          </a:p>
+          <a:p>
+            <a:pPr marL="285750" indent="-285750">
+              <a:buFont typeface="Arial" panose="020B0604020202020204" pitchFamily="34" charset="0"/>
+              <a:buChar char="•"/>
+            </a:pPr>
+            <a:r>
+              <a:rPr lang="en-US" dirty="0"/>
+              <a:t>Labeled with related Sprint</a:t>
+            </a:r>
+          </a:p>
+          <a:p>
+            <a:pPr marL="285750" indent="-285750">
+              <a:buFont typeface="Arial" panose="020B0604020202020204" pitchFamily="34" charset="0"/>
+              <a:buChar char="•"/>
+            </a:pPr>
+            <a:r>
+              <a:rPr lang="en-US" dirty="0"/>
+              <a:t>Includes Story Points, Acceptance Criteria, </a:t>
+            </a:r>
+            <a:r>
+              <a:rPr lang="en-US" dirty="0" err="1"/>
+              <a:t>etc</a:t>
+            </a:r>
+            <a:endParaRPr lang="en-US" dirty="0"/>
+          </a:p>
+          <a:p>
+            <a:pPr marL="285750" indent="-285750">
+              <a:buFont typeface="Arial" panose="020B0604020202020204" pitchFamily="34" charset="0"/>
+              <a:buChar char="•"/>
+            </a:pPr>
+            <a:endParaRPr lang="en-US" dirty="0"/>
+          </a:p>
+        </p:txBody>
+      </p:sp>
     </p:spTree>
     <p:extLst>
       <p:ext uri="{BB962C8B-B14F-4D97-AF65-F5344CB8AC3E}">
@@ -15069,10 +15225,10 @@
       </p:sp>
       <p:pic>
         <p:nvPicPr>
-          <p:cNvPr id="6" name="Picture 5" descr="A screenshot of a cell phone&#10;&#10;Description automatically generated">
-            <a:extLst>
-              <a:ext uri="{FF2B5EF4-FFF2-40B4-BE49-F238E27FC236}">
-                <a16:creationId xmlns:a16="http://schemas.microsoft.com/office/drawing/2014/main" id="{2494C468-CB85-4FAD-8A0B-ABEFB3D96E78}"/>
+          <p:cNvPr id="12" name="Content Placeholder 4" descr="A screenshot of a cell phone&#10;&#10;Description automatically generated">
+            <a:extLst>
+              <a:ext uri="{FF2B5EF4-FFF2-40B4-BE49-F238E27FC236}">
+                <a16:creationId xmlns:a16="http://schemas.microsoft.com/office/drawing/2014/main" id="{B8671242-A02E-491F-89B0-06946CBEE489}"/>
               </a:ext>
             </a:extLst>
           </p:cNvPr>
@@ -15095,20 +15251,30 @@
         </p:blipFill>
         <p:spPr>
           <a:xfrm>
-            <a:off x="3372462" y="1909811"/>
-            <a:ext cx="2244373" cy="2525486"/>
+            <a:off x="189264" y="3537784"/>
+            <a:ext cx="4521206" cy="2104850"/>
           </a:xfrm>
           <a:prstGeom prst="rect">
             <a:avLst/>
           </a:prstGeom>
+          <a:ln>
+            <a:noFill/>
+          </a:ln>
+          <a:effectLst>
+            <a:outerShdw blurRad="292100" dist="139700" dir="2700000" algn="tl" rotWithShape="0">
+              <a:srgbClr val="333333">
+                <a:alpha val="65000"/>
+              </a:srgbClr>
+            </a:outerShdw>
+          </a:effectLst>
         </p:spPr>
       </p:pic>
       <p:pic>
         <p:nvPicPr>
-          <p:cNvPr id="7" name="Picture 6" descr="A screenshot of a social media post&#10;&#10;Description automatically generated">
-            <a:extLst>
-              <a:ext uri="{FF2B5EF4-FFF2-40B4-BE49-F238E27FC236}">
-                <a16:creationId xmlns:a16="http://schemas.microsoft.com/office/drawing/2014/main" id="{08A6834D-41B8-4E9A-9149-6A8707440232}"/>
+          <p:cNvPr id="13" name="Picture 12" descr="A screenshot of a social media post&#10;&#10;Description automatically generated">
+            <a:extLst>
+              <a:ext uri="{FF2B5EF4-FFF2-40B4-BE49-F238E27FC236}">
+                <a16:creationId xmlns:a16="http://schemas.microsoft.com/office/drawing/2014/main" id="{CD618D52-A6C2-4869-837F-151DA9BDAB12}"/>
               </a:ext>
             </a:extLst>
           </p:cNvPr>
@@ -15131,29 +15297,37 @@
         </p:blipFill>
         <p:spPr>
           <a:xfrm>
-            <a:off x="5964138" y="2063116"/>
-            <a:ext cx="5989125" cy="3469429"/>
+            <a:off x="4955149" y="3982566"/>
+            <a:ext cx="4157450" cy="2408361"/>
           </a:xfrm>
           <a:prstGeom prst="rect">
             <a:avLst/>
           </a:prstGeom>
+          <a:ln>
+            <a:noFill/>
+          </a:ln>
+          <a:effectLst>
+            <a:outerShdw blurRad="292100" dist="139700" dir="2700000" algn="tl" rotWithShape="0">
+              <a:srgbClr val="333333">
+                <a:alpha val="65000"/>
+              </a:srgbClr>
+            </a:outerShdw>
+          </a:effectLst>
         </p:spPr>
       </p:pic>
       <p:pic>
         <p:nvPicPr>
-          <p:cNvPr id="8" name="Content Placeholder 4" descr="A screenshot of a cell phone&#10;&#10;Description automatically generated">
-            <a:extLst>
-              <a:ext uri="{FF2B5EF4-FFF2-40B4-BE49-F238E27FC236}">
-                <a16:creationId xmlns:a16="http://schemas.microsoft.com/office/drawing/2014/main" id="{E6E56C18-8DA2-46F3-96DF-E0363256A8A2}"/>
+          <p:cNvPr id="14" name="Picture 13" descr="A screenshot of a cell phone&#10;&#10;Description automatically generated">
+            <a:extLst>
+              <a:ext uri="{FF2B5EF4-FFF2-40B4-BE49-F238E27FC236}">
+                <a16:creationId xmlns:a16="http://schemas.microsoft.com/office/drawing/2014/main" id="{A020CB67-F55B-4AD0-BA5F-0D1D29E2E84F}"/>
               </a:ext>
             </a:extLst>
           </p:cNvPr>
           <p:cNvPicPr>
-            <a:picLocks noGrp="1" noChangeAspect="1"/>
+            <a:picLocks noChangeAspect="1"/>
           </p:cNvPicPr>
-          <p:nvPr>
-            <p:ph idx="1"/>
-          </p:nvPr>
+          <p:nvPr/>
         </p:nvPicPr>
         <p:blipFill>
           <a:blip r:embed="rId5">
@@ -15169,17 +15343,30 @@
         </p:blipFill>
         <p:spPr>
           <a:xfrm>
-            <a:off x="640458" y="4588602"/>
-            <a:ext cx="5084943" cy="2367298"/>
+            <a:off x="9530113" y="4110841"/>
+            <a:ext cx="2244373" cy="2525486"/>
           </a:xfrm>
+          <a:prstGeom prst="rect">
+            <a:avLst/>
+          </a:prstGeom>
+          <a:ln>
+            <a:noFill/>
+          </a:ln>
+          <a:effectLst>
+            <a:outerShdw blurRad="292100" dist="139700" dir="2700000" algn="tl" rotWithShape="0">
+              <a:srgbClr val="333333">
+                <a:alpha val="65000"/>
+              </a:srgbClr>
+            </a:outerShdw>
+          </a:effectLst>
         </p:spPr>
       </p:pic>
       <p:sp>
         <p:nvSpPr>
-          <p:cNvPr id="3" name="TextBox 2">
-            <a:extLst>
-              <a:ext uri="{FF2B5EF4-FFF2-40B4-BE49-F238E27FC236}">
-                <a16:creationId xmlns:a16="http://schemas.microsoft.com/office/drawing/2014/main" id="{884CCC91-5C01-43E1-949E-61DA5809EACD}"/>
+          <p:cNvPr id="15" name="TextBox 14">
+            <a:extLst>
+              <a:ext uri="{FF2B5EF4-FFF2-40B4-BE49-F238E27FC236}">
+                <a16:creationId xmlns:a16="http://schemas.microsoft.com/office/drawing/2014/main" id="{A77DB695-897E-4E45-976F-1E13047902A7}"/>
               </a:ext>
             </a:extLst>
           </p:cNvPr>
@@ -15188,8 +15375,8 @@
         </p:nvSpPr>
         <p:spPr>
           <a:xfrm>
-            <a:off x="314325" y="2063116"/>
-            <a:ext cx="3058137" cy="646331"/>
+            <a:off x="606778" y="2085359"/>
+            <a:ext cx="5865142" cy="1477328"/>
           </a:xfrm>
           <a:prstGeom prst="rect">
             <a:avLst/>
@@ -15202,10 +15389,60 @@
           </a:bodyPr>
           <a:lstStyle/>
           <a:p>
+            <a:pPr marL="285750" indent="-285750">
+              <a:buFont typeface="Arial" panose="020B0604020202020204" pitchFamily="34" charset="0"/>
+              <a:buChar char="•"/>
+            </a:pPr>
+            <a:r>
+              <a:rPr lang="en-US" i="1" dirty="0"/>
+              <a:t>Documentation</a:t>
+            </a:r>
             <a:r>
               <a:rPr lang="en-US" dirty="0"/>
-              <a:t>GitHub is the repository used for code and documentation.</a:t>
-            </a:r>
+              <a:t> and </a:t>
+            </a:r>
+            <a:r>
+              <a:rPr lang="en-US" i="1" dirty="0"/>
+              <a:t>Master</a:t>
+            </a:r>
+            <a:r>
+              <a:rPr lang="en-US" dirty="0"/>
+              <a:t> persistent branches</a:t>
+            </a:r>
+          </a:p>
+          <a:p>
+            <a:pPr marL="285750" indent="-285750">
+              <a:buFont typeface="Arial" panose="020B0604020202020204" pitchFamily="34" charset="0"/>
+              <a:buChar char="•"/>
+            </a:pPr>
+            <a:r>
+              <a:rPr lang="en-US" dirty="0"/>
+              <a:t>Branching strategy outlined</a:t>
+            </a:r>
+          </a:p>
+          <a:p>
+            <a:pPr marL="285750" indent="-285750">
+              <a:buFont typeface="Arial" panose="020B0604020202020204" pitchFamily="34" charset="0"/>
+              <a:buChar char="•"/>
+            </a:pPr>
+            <a:r>
+              <a:rPr lang="en-US" dirty="0"/>
+              <a:t>Pull Requests, Code Reviews, and Merging to master</a:t>
+            </a:r>
+          </a:p>
+          <a:p>
+            <a:pPr marL="285750" indent="-285750">
+              <a:buFont typeface="Arial" panose="020B0604020202020204" pitchFamily="34" charset="0"/>
+              <a:buChar char="•"/>
+            </a:pPr>
+            <a:endParaRPr lang="en-US" dirty="0"/>
+          </a:p>
+          <a:p>
+            <a:pPr marL="285750" indent="-285750">
+              <a:buFont typeface="Arial" panose="020B0604020202020204" pitchFamily="34" charset="0"/>
+              <a:buChar char="•"/>
+            </a:pPr>
+            <a:endParaRPr lang="en-US" dirty="0"/>
           </a:p>
         </p:txBody>
       </p:sp>
@@ -17048,6 +17285,15 @@
 </file>
 
 <file path=customXml/item2.xml><?xml version="1.0" encoding="utf-8"?>
+<?mso-contentType ?>
+<FormTemplates xmlns="http://schemas.microsoft.com/sharepoint/v3/contenttype/forms">
+  <Display>DocumentLibraryForm</Display>
+  <Edit>DocumentLibraryForm</Edit>
+  <New>DocumentLibraryForm</New>
+</FormTemplates>
+</file>
+
+<file path=customXml/item3.xml><?xml version="1.0" encoding="utf-8"?>
 <ct:contentTypeSchema xmlns:ct="http://schemas.microsoft.com/office/2006/metadata/contentType" xmlns:ma="http://schemas.microsoft.com/office/2006/metadata/properties/metaAttributes" ct:_="" ma:_="" ma:contentTypeName="Document" ma:contentTypeID="0x01010079F111ED35F8CC479449609E8A0923A6" ma:contentTypeVersion="11" ma:contentTypeDescription="Create a new document." ma:contentTypeScope="" ma:versionID="96291512c1ee715ab617f4c07df79fc1">
   <xsd:schema xmlns:xsd="http://www.w3.org/2001/XMLSchema" xmlns:xs="http://www.w3.org/2001/XMLSchema" xmlns:p="http://schemas.microsoft.com/office/2006/metadata/properties" xmlns:ns2="71af3243-3dd4-4a8d-8c0d-dd76da1f02a5" xmlns:ns3="16c05727-aa75-4e4a-9b5f-8a80a1165891" targetNamespace="http://schemas.microsoft.com/office/2006/metadata/properties" ma:root="true" ma:fieldsID="8256c27c40ca5c40ce1cf6c44f0205df" ns2:_="" ns3:_="">
     <xsd:import namespace="71af3243-3dd4-4a8d-8c0d-dd76da1f02a5"/>
@@ -17258,15 +17504,6 @@
 </ct:contentTypeSchema>
 </file>
 
-<file path=customXml/item3.xml><?xml version="1.0" encoding="utf-8"?>
-<?mso-contentType ?>
-<FormTemplates xmlns="http://schemas.microsoft.com/sharepoint/v3/contenttype/forms">
-  <Display>DocumentLibraryForm</Display>
-  <Edit>DocumentLibraryForm</Edit>
-  <New>DocumentLibraryForm</New>
-</FormTemplates>
-</file>
-
 <file path=customXml/itemProps1.xml><?xml version="1.0" encoding="utf-8"?>
 <ds:datastoreItem xmlns:ds="http://schemas.openxmlformats.org/officeDocument/2006/customXml" ds:itemID="{03C7D9E6-B0D9-433E-BD46-EB60F64F4DA8}">
   <ds:schemaRefs>
@@ -17285,6 +17522,14 @@
 </file>
 
 <file path=customXml/itemProps2.xml><?xml version="1.0" encoding="utf-8"?>
+<ds:datastoreItem xmlns:ds="http://schemas.openxmlformats.org/officeDocument/2006/customXml" ds:itemID="{5CA875DA-F9FD-4F83-A049-3B1027B542DE}">
+  <ds:schemaRefs>
+    <ds:schemaRef ds:uri="http://schemas.microsoft.com/sharepoint/v3/contenttype/forms"/>
+  </ds:schemaRefs>
+</ds:datastoreItem>
+</file>
+
+<file path=customXml/itemProps3.xml><?xml version="1.0" encoding="utf-8"?>
 <ds:datastoreItem xmlns:ds="http://schemas.openxmlformats.org/officeDocument/2006/customXml" ds:itemID="{B2AB02E3-5ADF-4BF0-9C1B-35CDF3FE95B0}">
   <ds:schemaRefs>
     <ds:schemaRef ds:uri="http://schemas.microsoft.com/office/2006/metadata/contentType"/>
@@ -17301,12 +17546,4 @@
     <ds:schemaRef ds:uri="http://schemas.microsoft.com/internal/obd"/>
   </ds:schemaRefs>
 </ds:datastoreItem>
-</file>
-
-<file path=customXml/itemProps3.xml><?xml version="1.0" encoding="utf-8"?>
-<ds:datastoreItem xmlns:ds="http://schemas.openxmlformats.org/officeDocument/2006/customXml" ds:itemID="{5CA875DA-F9FD-4F83-A049-3B1027B542DE}">
-  <ds:schemaRefs>
-    <ds:schemaRef ds:uri="http://schemas.microsoft.com/sharepoint/v3/contenttype/forms"/>
-  </ds:schemaRefs>
-</ds:datastoreItem>
 </file>
--- a/documentation/Demonstrations/Connacht_University_TeamDC.pptx
+++ b/documentation/Demonstrations/Connacht_University_TeamDC.pptx
@@ -5,16 +5,16 @@
     <p:sldMasterId id="2147483648" r:id="rId4"/>
   </p:sldMasterIdLst>
   <p:notesMasterIdLst>
-    <p:notesMasterId r:id="rId22"/>
+    <p:notesMasterId r:id="rId24"/>
   </p:notesMasterIdLst>
   <p:handoutMasterIdLst>
-    <p:handoutMasterId r:id="rId23"/>
+    <p:handoutMasterId r:id="rId25"/>
   </p:handoutMasterIdLst>
   <p:sldIdLst>
     <p:sldId id="256" r:id="rId5"/>
     <p:sldId id="266" r:id="rId6"/>
-    <p:sldId id="270" r:id="rId7"/>
-    <p:sldId id="267" r:id="rId8"/>
+    <p:sldId id="267" r:id="rId7"/>
+    <p:sldId id="270" r:id="rId8"/>
     <p:sldId id="271" r:id="rId9"/>
     <p:sldId id="277" r:id="rId10"/>
     <p:sldId id="282" r:id="rId11"/>
@@ -22,12 +22,14 @@
     <p:sldId id="279" r:id="rId13"/>
     <p:sldId id="273" r:id="rId14"/>
     <p:sldId id="272" r:id="rId15"/>
-    <p:sldId id="274" r:id="rId16"/>
-    <p:sldId id="276" r:id="rId17"/>
-    <p:sldId id="275" r:id="rId18"/>
-    <p:sldId id="280" r:id="rId19"/>
-    <p:sldId id="281" r:id="rId20"/>
+    <p:sldId id="283" r:id="rId16"/>
+    <p:sldId id="280" r:id="rId17"/>
+    <p:sldId id="281" r:id="rId18"/>
+    <p:sldId id="274" r:id="rId19"/>
+    <p:sldId id="276" r:id="rId20"/>
     <p:sldId id="264" r:id="rId21"/>
+    <p:sldId id="284" r:id="rId22"/>
+    <p:sldId id="275" r:id="rId23"/>
   </p:sldIdLst>
   <p:sldSz cx="12192000" cy="6858000"/>
   <p:notesSz cx="6858000" cy="9144000"/>
@@ -1129,27 +1131,28 @@
           <a:bodyPr/>
           <a:lstStyle/>
           <a:p>
-            <a:r>
-              <a:rPr lang="en-US" i="0" dirty="0">
+            <a:pPr marL="0" indent="0">
+              <a:buNone/>
+            </a:pPr>
+            <a:r>
+              <a:rPr lang="en-US" dirty="0">
                 <a:latin typeface="Segoe UI" panose="020B0502040204020203" pitchFamily="34" charset="0"/>
                 <a:cs typeface="Segoe UI" panose="020B0502040204020203" pitchFamily="34" charset="0"/>
               </a:rPr>
-              <a:t>Once you find your sources, you will want to evaluate your sources using the following questions: </a:t>
-            </a:r>
-          </a:p>
-          <a:p>
-            <a:endParaRPr lang="en-US" i="0" dirty="0">
-              <a:latin typeface="Segoe UI" panose="020B0502040204020203" pitchFamily="34" charset="0"/>
-              <a:cs typeface="Segoe UI" panose="020B0502040204020203" pitchFamily="34" charset="0"/>
-            </a:endParaRPr>
-          </a:p>
-          <a:p>
-            <a:r>
-              <a:rPr lang="en-US" b="1" i="0" dirty="0">
+              <a:t>After consulting a variety of sources, you will need to narrow your topic.  For example, the topic of internet safety is huge, but you could narrow that topic to include internet safety in regards to social media apps that teenagers are using heavily.  A topic like that is more specific and will be relevant to your peers.  Some questions to think about to help you narrow your topic: </a:t>
+            </a:r>
+          </a:p>
+          <a:p>
+            <a:pPr marL="171450" indent="-171450">
+              <a:buFont typeface="Arial" panose="020B0604020202020204" pitchFamily="34" charset="0"/>
+              <a:buChar char="•"/>
+            </a:pPr>
+            <a:r>
+              <a:rPr lang="en-US" dirty="0">
                 <a:latin typeface="Segoe UI" panose="020B0502040204020203" pitchFamily="34" charset="0"/>
                 <a:cs typeface="Segoe UI" panose="020B0502040204020203" pitchFamily="34" charset="0"/>
               </a:rPr>
-              <a:t>Author: </a:t>
+              <a:t>What topics of the research interest me the most?</a:t>
             </a:r>
           </a:p>
           <a:p>
@@ -1158,11 +1161,11 @@
               <a:buChar char="•"/>
             </a:pPr>
             <a:r>
-              <a:rPr lang="en-US" i="0" dirty="0">
+              <a:rPr lang="en-US" dirty="0">
                 <a:latin typeface="Segoe UI" panose="020B0502040204020203" pitchFamily="34" charset="0"/>
                 <a:cs typeface="Segoe UI" panose="020B0502040204020203" pitchFamily="34" charset="0"/>
               </a:rPr>
-              <a:t>Who is the author?</a:t>
+              <a:t>What topics of the research will interest my audience the most?</a:t>
             </a:r>
           </a:p>
           <a:p>
@@ -1171,136 +1174,19 @@
               <a:buChar char="•"/>
             </a:pPr>
             <a:r>
-              <a:rPr lang="en-US" i="0" dirty="0">
+              <a:rPr lang="en-US" dirty="0">
                 <a:latin typeface="Segoe UI" panose="020B0502040204020203" pitchFamily="34" charset="0"/>
                 <a:cs typeface="Segoe UI" panose="020B0502040204020203" pitchFamily="34" charset="0"/>
               </a:rPr>
-              <a:t>Why should I believe what he or she has to say on the topic?</a:t>
-            </a:r>
-          </a:p>
-          <a:p>
-            <a:pPr marL="171450" indent="-171450">
-              <a:buFont typeface="Arial" panose="020B0604020202020204" pitchFamily="34" charset="0"/>
-              <a:buChar char="•"/>
-            </a:pPr>
-            <a:r>
-              <a:rPr lang="en-US" i="0" dirty="0">
-                <a:latin typeface="Segoe UI" panose="020B0502040204020203" pitchFamily="34" charset="0"/>
-                <a:cs typeface="Segoe UI" panose="020B0502040204020203" pitchFamily="34" charset="0"/>
-              </a:rPr>
-              <a:t>Is the author seen as an expert on the topic? How do you know?</a:t>
-            </a:r>
-          </a:p>
-          <a:p>
-            <a:pPr marL="171450" indent="-171450">
-              <a:buFont typeface="Arial" panose="020B0604020202020204" pitchFamily="34" charset="0"/>
-              <a:buChar char="•"/>
-            </a:pPr>
-            <a:endParaRPr lang="en-US" i="0" dirty="0">
-              <a:latin typeface="Segoe UI" panose="020B0502040204020203" pitchFamily="34" charset="0"/>
-              <a:cs typeface="Segoe UI" panose="020B0502040204020203" pitchFamily="34" charset="0"/>
-            </a:endParaRPr>
+              <a:t>What topics will the audience find more engaging? Shocking? Inspiring?</a:t>
+            </a:r>
           </a:p>
           <a:p>
             <a:pPr marL="0" indent="0">
               <a:buFont typeface="Arial" panose="020B0604020202020204" pitchFamily="34" charset="0"/>
               <a:buNone/>
             </a:pPr>
-            <a:r>
-              <a:rPr lang="en-US" b="1" i="0" dirty="0">
-                <a:latin typeface="Segoe UI" panose="020B0502040204020203" pitchFamily="34" charset="0"/>
-                <a:cs typeface="Segoe UI" panose="020B0502040204020203" pitchFamily="34" charset="0"/>
-              </a:rPr>
-              <a:t>Current: </a:t>
-            </a:r>
-          </a:p>
-          <a:p>
-            <a:pPr marL="171450" indent="-171450">
-              <a:buFont typeface="Arial" panose="020B0604020202020204" pitchFamily="34" charset="0"/>
-              <a:buChar char="•"/>
-            </a:pPr>
-            <a:r>
-              <a:rPr lang="en-US" i="0" dirty="0">
-                <a:latin typeface="Segoe UI" panose="020B0502040204020203" pitchFamily="34" charset="0"/>
-                <a:cs typeface="Segoe UI" panose="020B0502040204020203" pitchFamily="34" charset="0"/>
-              </a:rPr>
-              <a:t>How current is the information in the source?</a:t>
-            </a:r>
-          </a:p>
-          <a:p>
-            <a:pPr marL="171450" indent="-171450">
-              <a:buFont typeface="Arial" panose="020B0604020202020204" pitchFamily="34" charset="0"/>
-              <a:buChar char="•"/>
-            </a:pPr>
-            <a:r>
-              <a:rPr lang="en-US" i="0" dirty="0">
-                <a:latin typeface="Segoe UI" panose="020B0502040204020203" pitchFamily="34" charset="0"/>
-                <a:cs typeface="Segoe UI" panose="020B0502040204020203" pitchFamily="34" charset="0"/>
-              </a:rPr>
-              <a:t>When was the source published?</a:t>
-            </a:r>
-          </a:p>
-          <a:p>
-            <a:pPr marL="171450" indent="-171450">
-              <a:buFont typeface="Arial" panose="020B0604020202020204" pitchFamily="34" charset="0"/>
-              <a:buChar char="•"/>
-            </a:pPr>
-            <a:r>
-              <a:rPr lang="en-US" i="0" dirty="0">
-                <a:latin typeface="Segoe UI" panose="020B0502040204020203" pitchFamily="34" charset="0"/>
-                <a:cs typeface="Segoe UI" panose="020B0502040204020203" pitchFamily="34" charset="0"/>
-              </a:rPr>
-              <a:t>Is the information out-of-date?</a:t>
-            </a:r>
-          </a:p>
-          <a:p>
-            <a:pPr marL="171450" indent="-171450">
-              <a:buFont typeface="Arial" panose="020B0604020202020204" pitchFamily="34" charset="0"/>
-              <a:buChar char="•"/>
-            </a:pPr>
-            <a:endParaRPr lang="en-US" b="1" i="0" dirty="0">
-              <a:latin typeface="Segoe UI" panose="020B0502040204020203" pitchFamily="34" charset="0"/>
-              <a:cs typeface="Segoe UI" panose="020B0502040204020203" pitchFamily="34" charset="0"/>
-            </a:endParaRPr>
-          </a:p>
-          <a:p>
-            <a:pPr marL="0" indent="0">
-              <a:buFont typeface="Arial" panose="020B0604020202020204" pitchFamily="34" charset="0"/>
-              <a:buNone/>
-            </a:pPr>
-            <a:r>
-              <a:rPr lang="en-US" b="1" i="0" dirty="0">
-                <a:latin typeface="Segoe UI" panose="020B0502040204020203" pitchFamily="34" charset="0"/>
-                <a:cs typeface="Segoe UI" panose="020B0502040204020203" pitchFamily="34" charset="0"/>
-              </a:rPr>
-              <a:t>Accuracy: </a:t>
-            </a:r>
-          </a:p>
-          <a:p>
-            <a:pPr marL="171450" indent="-171450">
-              <a:buFont typeface="Arial" panose="020B0604020202020204" pitchFamily="34" charset="0"/>
-              <a:buChar char="•"/>
-            </a:pPr>
-            <a:r>
-              <a:rPr lang="en-US" i="0" dirty="0">
-                <a:latin typeface="Segoe UI" panose="020B0502040204020203" pitchFamily="34" charset="0"/>
-                <a:cs typeface="Segoe UI" panose="020B0502040204020203" pitchFamily="34" charset="0"/>
-              </a:rPr>
-              <a:t>Is the content accurate?</a:t>
-            </a:r>
-          </a:p>
-          <a:p>
-            <a:pPr marL="171450" indent="-171450">
-              <a:buFont typeface="Arial" panose="020B0604020202020204" pitchFamily="34" charset="0"/>
-              <a:buChar char="•"/>
-            </a:pPr>
-            <a:r>
-              <a:rPr lang="en-US" i="0" dirty="0">
-                <a:latin typeface="Segoe UI" panose="020B0502040204020203" pitchFamily="34" charset="0"/>
-                <a:cs typeface="Segoe UI" panose="020B0502040204020203" pitchFamily="34" charset="0"/>
-              </a:rPr>
-              <a:t>Is the information presented objectively?  Do they share the pros and cons?</a:t>
-            </a:r>
+            <a:endParaRPr lang="en-US" dirty="0"/>
           </a:p>
         </p:txBody>
       </p:sp>
@@ -1330,7 +1216,7 @@
     </p:spTree>
     <p:extLst>
       <p:ext uri="{BB962C8B-B14F-4D97-AF65-F5344CB8AC3E}">
-        <p14:creationId xmlns:p14="http://schemas.microsoft.com/office/powerpoint/2010/main" val="1490987536"/>
+        <p14:creationId xmlns:p14="http://schemas.microsoft.com/office/powerpoint/2010/main" val="154399799"/>
       </p:ext>
     </p:extLst>
   </p:cSld>
@@ -1576,7 +1462,7 @@
           <a:p>
             <a:fld id="{BC849E9A-41F7-4779-A581-48A7C374A227}" type="slidenum">
               <a:rPr lang="en-US" smtClean="0"/>
-              <a:t>14</a:t>
+              <a:t>13</a:t>
             </a:fld>
             <a:endParaRPr lang="en-US" dirty="0"/>
           </a:p>
@@ -1585,7 +1471,7 @@
     </p:spTree>
     <p:extLst>
       <p:ext uri="{BB962C8B-B14F-4D97-AF65-F5344CB8AC3E}">
-        <p14:creationId xmlns:p14="http://schemas.microsoft.com/office/powerpoint/2010/main" val="2026532120"/>
+        <p14:creationId xmlns:p14="http://schemas.microsoft.com/office/powerpoint/2010/main" val="302575544"/>
       </p:ext>
     </p:extLst>
   </p:cSld>
@@ -1831,7 +1717,7 @@
           <a:p>
             <a:fld id="{BC849E9A-41F7-4779-A581-48A7C374A227}" type="slidenum">
               <a:rPr lang="en-US" smtClean="0"/>
-              <a:t>15</a:t>
+              <a:t>14</a:t>
             </a:fld>
             <a:endParaRPr lang="en-US" dirty="0"/>
           </a:p>
@@ -1840,7 +1726,7 @@
     </p:spTree>
     <p:extLst>
       <p:ext uri="{BB962C8B-B14F-4D97-AF65-F5344CB8AC3E}">
-        <p14:creationId xmlns:p14="http://schemas.microsoft.com/office/powerpoint/2010/main" val="302575544"/>
+        <p14:creationId xmlns:p14="http://schemas.microsoft.com/office/powerpoint/2010/main" val="1699864772"/>
       </p:ext>
     </p:extLst>
   </p:cSld>
@@ -2086,7 +1972,7 @@
           <a:p>
             <a:fld id="{BC849E9A-41F7-4779-A581-48A7C374A227}" type="slidenum">
               <a:rPr lang="en-US" smtClean="0"/>
-              <a:t>16</a:t>
+              <a:t>15</a:t>
             </a:fld>
             <a:endParaRPr lang="en-US" dirty="0"/>
           </a:p>
@@ -2095,7 +1981,7 @@
     </p:spTree>
     <p:extLst>
       <p:ext uri="{BB962C8B-B14F-4D97-AF65-F5344CB8AC3E}">
-        <p14:creationId xmlns:p14="http://schemas.microsoft.com/office/powerpoint/2010/main" val="1699864772"/>
+        <p14:creationId xmlns:p14="http://schemas.microsoft.com/office/powerpoint/2010/main" val="1490987536"/>
       </p:ext>
     </p:extLst>
   </p:cSld>
@@ -2279,6 +2165,400 @@
 </p:notes>
 </file>
 
+<file path=ppt/notesSlides/notesSlide16.xml><?xml version="1.0" encoding="utf-8"?>
+<p:notes xmlns:a="http://schemas.openxmlformats.org/drawingml/2006/main" xmlns:r="http://schemas.openxmlformats.org/officeDocument/2006/relationships" xmlns:p="http://schemas.openxmlformats.org/presentationml/2006/main">
+  <p:cSld>
+    <p:spTree>
+      <p:nvGrpSpPr>
+        <p:cNvPr id="1" name=""/>
+        <p:cNvGrpSpPr/>
+        <p:nvPr/>
+      </p:nvGrpSpPr>
+      <p:grpSpPr>
+        <a:xfrm>
+          <a:off x="0" y="0"/>
+          <a:ext cx="0" cy="0"/>
+          <a:chOff x="0" y="0"/>
+          <a:chExt cx="0" cy="0"/>
+        </a:xfrm>
+      </p:grpSpPr>
+      <p:sp>
+        <p:nvSpPr>
+          <p:cNvPr id="2" name="Slide Image Placeholder 1"/>
+          <p:cNvSpPr>
+            <a:spLocks noGrp="1" noRot="1" noChangeAspect="1"/>
+          </p:cNvSpPr>
+          <p:nvPr>
+            <p:ph type="sldImg"/>
+          </p:nvPr>
+        </p:nvSpPr>
+        <p:spPr/>
+      </p:sp>
+      <p:sp>
+        <p:nvSpPr>
+          <p:cNvPr id="3" name="Notes Placeholder 2"/>
+          <p:cNvSpPr>
+            <a:spLocks noGrp="1"/>
+          </p:cNvSpPr>
+          <p:nvPr>
+            <p:ph type="body" idx="1"/>
+          </p:nvPr>
+        </p:nvSpPr>
+        <p:spPr/>
+        <p:txBody>
+          <a:bodyPr/>
+          <a:lstStyle/>
+          <a:p>
+            <a:pPr marL="0" indent="0">
+              <a:buNone/>
+            </a:pPr>
+            <a:r>
+              <a:rPr lang="en-US" dirty="0">
+                <a:latin typeface="Segoe UI" panose="020B0502040204020203" pitchFamily="34" charset="0"/>
+                <a:cs typeface="Segoe UI" panose="020B0502040204020203" pitchFamily="34" charset="0"/>
+              </a:rPr>
+              <a:t>After consulting a variety of sources, you will need to narrow your topic.  For example, the topic of internet safety is huge, but you could narrow that topic to include internet safety in regards to social media apps that teenagers are using heavily.  A topic like that is more specific and will be relevant to your peers.  Some questions to think about to help you narrow your topic: </a:t>
+            </a:r>
+          </a:p>
+          <a:p>
+            <a:pPr marL="171450" indent="-171450">
+              <a:buFont typeface="Arial" panose="020B0604020202020204" pitchFamily="34" charset="0"/>
+              <a:buChar char="•"/>
+            </a:pPr>
+            <a:r>
+              <a:rPr lang="en-US" dirty="0">
+                <a:latin typeface="Segoe UI" panose="020B0502040204020203" pitchFamily="34" charset="0"/>
+                <a:cs typeface="Segoe UI" panose="020B0502040204020203" pitchFamily="34" charset="0"/>
+              </a:rPr>
+              <a:t>What topics of the research interest me the most?</a:t>
+            </a:r>
+          </a:p>
+          <a:p>
+            <a:pPr marL="171450" indent="-171450">
+              <a:buFont typeface="Arial" panose="020B0604020202020204" pitchFamily="34" charset="0"/>
+              <a:buChar char="•"/>
+            </a:pPr>
+            <a:r>
+              <a:rPr lang="en-US" dirty="0">
+                <a:latin typeface="Segoe UI" panose="020B0502040204020203" pitchFamily="34" charset="0"/>
+                <a:cs typeface="Segoe UI" panose="020B0502040204020203" pitchFamily="34" charset="0"/>
+              </a:rPr>
+              <a:t>What topics of the research will interest my audience the most?</a:t>
+            </a:r>
+          </a:p>
+          <a:p>
+            <a:pPr marL="171450" indent="-171450">
+              <a:buFont typeface="Arial" panose="020B0604020202020204" pitchFamily="34" charset="0"/>
+              <a:buChar char="•"/>
+            </a:pPr>
+            <a:r>
+              <a:rPr lang="en-US" dirty="0">
+                <a:latin typeface="Segoe UI" panose="020B0502040204020203" pitchFamily="34" charset="0"/>
+                <a:cs typeface="Segoe UI" panose="020B0502040204020203" pitchFamily="34" charset="0"/>
+              </a:rPr>
+              <a:t>What topics will the audience find more engaging? Shocking? Inspiring?</a:t>
+            </a:r>
+          </a:p>
+          <a:p>
+            <a:pPr marL="0" indent="0">
+              <a:buFont typeface="Arial" panose="020B0604020202020204" pitchFamily="34" charset="0"/>
+              <a:buNone/>
+            </a:pPr>
+            <a:endParaRPr lang="en-US" dirty="0"/>
+          </a:p>
+        </p:txBody>
+      </p:sp>
+      <p:sp>
+        <p:nvSpPr>
+          <p:cNvPr id="4" name="Slide Number Placeholder 3"/>
+          <p:cNvSpPr>
+            <a:spLocks noGrp="1"/>
+          </p:cNvSpPr>
+          <p:nvPr>
+            <p:ph type="sldNum" sz="quarter" idx="10"/>
+          </p:nvPr>
+        </p:nvSpPr>
+        <p:spPr/>
+        <p:txBody>
+          <a:bodyPr/>
+          <a:lstStyle/>
+          <a:p>
+            <a:fld id="{BC849E9A-41F7-4779-A581-48A7C374A227}" type="slidenum">
+              <a:rPr lang="en-US" smtClean="0"/>
+              <a:t>18</a:t>
+            </a:fld>
+            <a:endParaRPr lang="en-US" dirty="0"/>
+          </a:p>
+        </p:txBody>
+      </p:sp>
+    </p:spTree>
+    <p:extLst>
+      <p:ext uri="{BB962C8B-B14F-4D97-AF65-F5344CB8AC3E}">
+        <p14:creationId xmlns:p14="http://schemas.microsoft.com/office/powerpoint/2010/main" val="3863086087"/>
+      </p:ext>
+    </p:extLst>
+  </p:cSld>
+  <p:clrMapOvr>
+    <a:masterClrMapping/>
+  </p:clrMapOvr>
+</p:notes>
+</file>
+
+<file path=ppt/notesSlides/notesSlide17.xml><?xml version="1.0" encoding="utf-8"?>
+<p:notes xmlns:a="http://schemas.openxmlformats.org/drawingml/2006/main" xmlns:r="http://schemas.openxmlformats.org/officeDocument/2006/relationships" xmlns:p="http://schemas.openxmlformats.org/presentationml/2006/main">
+  <p:cSld>
+    <p:spTree>
+      <p:nvGrpSpPr>
+        <p:cNvPr id="1" name=""/>
+        <p:cNvGrpSpPr/>
+        <p:nvPr/>
+      </p:nvGrpSpPr>
+      <p:grpSpPr>
+        <a:xfrm>
+          <a:off x="0" y="0"/>
+          <a:ext cx="0" cy="0"/>
+          <a:chOff x="0" y="0"/>
+          <a:chExt cx="0" cy="0"/>
+        </a:xfrm>
+      </p:grpSpPr>
+      <p:sp>
+        <p:nvSpPr>
+          <p:cNvPr id="2" name="Slide Image Placeholder 1"/>
+          <p:cNvSpPr>
+            <a:spLocks noGrp="1" noRot="1" noChangeAspect="1"/>
+          </p:cNvSpPr>
+          <p:nvPr>
+            <p:ph type="sldImg"/>
+          </p:nvPr>
+        </p:nvSpPr>
+        <p:spPr/>
+      </p:sp>
+      <p:sp>
+        <p:nvSpPr>
+          <p:cNvPr id="3" name="Notes Placeholder 2"/>
+          <p:cNvSpPr>
+            <a:spLocks noGrp="1"/>
+          </p:cNvSpPr>
+          <p:nvPr>
+            <p:ph type="body" idx="1"/>
+          </p:nvPr>
+        </p:nvSpPr>
+        <p:spPr/>
+        <p:txBody>
+          <a:bodyPr/>
+          <a:lstStyle/>
+          <a:p>
+            <a:r>
+              <a:rPr lang="en-US" i="0" dirty="0">
+                <a:latin typeface="Segoe UI" panose="020B0502040204020203" pitchFamily="34" charset="0"/>
+                <a:cs typeface="Segoe UI" panose="020B0502040204020203" pitchFamily="34" charset="0"/>
+              </a:rPr>
+              <a:t>Once you find your sources, you will want to evaluate your sources using the following questions: </a:t>
+            </a:r>
+          </a:p>
+          <a:p>
+            <a:endParaRPr lang="en-US" i="0" dirty="0">
+              <a:latin typeface="Segoe UI" panose="020B0502040204020203" pitchFamily="34" charset="0"/>
+              <a:cs typeface="Segoe UI" panose="020B0502040204020203" pitchFamily="34" charset="0"/>
+            </a:endParaRPr>
+          </a:p>
+          <a:p>
+            <a:r>
+              <a:rPr lang="en-US" b="1" i="0" dirty="0">
+                <a:latin typeface="Segoe UI" panose="020B0502040204020203" pitchFamily="34" charset="0"/>
+                <a:cs typeface="Segoe UI" panose="020B0502040204020203" pitchFamily="34" charset="0"/>
+              </a:rPr>
+              <a:t>Author: </a:t>
+            </a:r>
+          </a:p>
+          <a:p>
+            <a:pPr marL="171450" indent="-171450">
+              <a:buFont typeface="Arial" panose="020B0604020202020204" pitchFamily="34" charset="0"/>
+              <a:buChar char="•"/>
+            </a:pPr>
+            <a:r>
+              <a:rPr lang="en-US" i="0" dirty="0">
+                <a:latin typeface="Segoe UI" panose="020B0502040204020203" pitchFamily="34" charset="0"/>
+                <a:cs typeface="Segoe UI" panose="020B0502040204020203" pitchFamily="34" charset="0"/>
+              </a:rPr>
+              <a:t>Who is the author?</a:t>
+            </a:r>
+          </a:p>
+          <a:p>
+            <a:pPr marL="171450" indent="-171450">
+              <a:buFont typeface="Arial" panose="020B0604020202020204" pitchFamily="34" charset="0"/>
+              <a:buChar char="•"/>
+            </a:pPr>
+            <a:r>
+              <a:rPr lang="en-US" i="0" dirty="0">
+                <a:latin typeface="Segoe UI" panose="020B0502040204020203" pitchFamily="34" charset="0"/>
+                <a:cs typeface="Segoe UI" panose="020B0502040204020203" pitchFamily="34" charset="0"/>
+              </a:rPr>
+              <a:t>Why should I believe what he or she has to say on the topic?</a:t>
+            </a:r>
+          </a:p>
+          <a:p>
+            <a:pPr marL="171450" indent="-171450">
+              <a:buFont typeface="Arial" panose="020B0604020202020204" pitchFamily="34" charset="0"/>
+              <a:buChar char="•"/>
+            </a:pPr>
+            <a:r>
+              <a:rPr lang="en-US" i="0" dirty="0">
+                <a:latin typeface="Segoe UI" panose="020B0502040204020203" pitchFamily="34" charset="0"/>
+                <a:cs typeface="Segoe UI" panose="020B0502040204020203" pitchFamily="34" charset="0"/>
+              </a:rPr>
+              <a:t>Is the author seen as an expert on the topic? How do you know?</a:t>
+            </a:r>
+          </a:p>
+          <a:p>
+            <a:pPr marL="171450" indent="-171450">
+              <a:buFont typeface="Arial" panose="020B0604020202020204" pitchFamily="34" charset="0"/>
+              <a:buChar char="•"/>
+            </a:pPr>
+            <a:endParaRPr lang="en-US" i="0" dirty="0">
+              <a:latin typeface="Segoe UI" panose="020B0502040204020203" pitchFamily="34" charset="0"/>
+              <a:cs typeface="Segoe UI" panose="020B0502040204020203" pitchFamily="34" charset="0"/>
+            </a:endParaRPr>
+          </a:p>
+          <a:p>
+            <a:pPr marL="0" indent="0">
+              <a:buFont typeface="Arial" panose="020B0604020202020204" pitchFamily="34" charset="0"/>
+              <a:buNone/>
+            </a:pPr>
+            <a:r>
+              <a:rPr lang="en-US" b="1" i="0" dirty="0">
+                <a:latin typeface="Segoe UI" panose="020B0502040204020203" pitchFamily="34" charset="0"/>
+                <a:cs typeface="Segoe UI" panose="020B0502040204020203" pitchFamily="34" charset="0"/>
+              </a:rPr>
+              <a:t>Current: </a:t>
+            </a:r>
+          </a:p>
+          <a:p>
+            <a:pPr marL="171450" indent="-171450">
+              <a:buFont typeface="Arial" panose="020B0604020202020204" pitchFamily="34" charset="0"/>
+              <a:buChar char="•"/>
+            </a:pPr>
+            <a:r>
+              <a:rPr lang="en-US" i="0" dirty="0">
+                <a:latin typeface="Segoe UI" panose="020B0502040204020203" pitchFamily="34" charset="0"/>
+                <a:cs typeface="Segoe UI" panose="020B0502040204020203" pitchFamily="34" charset="0"/>
+              </a:rPr>
+              <a:t>How current is the information in the source?</a:t>
+            </a:r>
+          </a:p>
+          <a:p>
+            <a:pPr marL="171450" indent="-171450">
+              <a:buFont typeface="Arial" panose="020B0604020202020204" pitchFamily="34" charset="0"/>
+              <a:buChar char="•"/>
+            </a:pPr>
+            <a:r>
+              <a:rPr lang="en-US" i="0" dirty="0">
+                <a:latin typeface="Segoe UI" panose="020B0502040204020203" pitchFamily="34" charset="0"/>
+                <a:cs typeface="Segoe UI" panose="020B0502040204020203" pitchFamily="34" charset="0"/>
+              </a:rPr>
+              <a:t>When was the source published?</a:t>
+            </a:r>
+          </a:p>
+          <a:p>
+            <a:pPr marL="171450" indent="-171450">
+              <a:buFont typeface="Arial" panose="020B0604020202020204" pitchFamily="34" charset="0"/>
+              <a:buChar char="•"/>
+            </a:pPr>
+            <a:r>
+              <a:rPr lang="en-US" i="0" dirty="0">
+                <a:latin typeface="Segoe UI" panose="020B0502040204020203" pitchFamily="34" charset="0"/>
+                <a:cs typeface="Segoe UI" panose="020B0502040204020203" pitchFamily="34" charset="0"/>
+              </a:rPr>
+              <a:t>Is the information out-of-date?</a:t>
+            </a:r>
+          </a:p>
+          <a:p>
+            <a:pPr marL="171450" indent="-171450">
+              <a:buFont typeface="Arial" panose="020B0604020202020204" pitchFamily="34" charset="0"/>
+              <a:buChar char="•"/>
+            </a:pPr>
+            <a:endParaRPr lang="en-US" b="1" i="0" dirty="0">
+              <a:latin typeface="Segoe UI" panose="020B0502040204020203" pitchFamily="34" charset="0"/>
+              <a:cs typeface="Segoe UI" panose="020B0502040204020203" pitchFamily="34" charset="0"/>
+            </a:endParaRPr>
+          </a:p>
+          <a:p>
+            <a:pPr marL="0" indent="0">
+              <a:buFont typeface="Arial" panose="020B0604020202020204" pitchFamily="34" charset="0"/>
+              <a:buNone/>
+            </a:pPr>
+            <a:r>
+              <a:rPr lang="en-US" b="1" i="0" dirty="0">
+                <a:latin typeface="Segoe UI" panose="020B0502040204020203" pitchFamily="34" charset="0"/>
+                <a:cs typeface="Segoe UI" panose="020B0502040204020203" pitchFamily="34" charset="0"/>
+              </a:rPr>
+              <a:t>Accuracy: </a:t>
+            </a:r>
+          </a:p>
+          <a:p>
+            <a:pPr marL="171450" indent="-171450">
+              <a:buFont typeface="Arial" panose="020B0604020202020204" pitchFamily="34" charset="0"/>
+              <a:buChar char="•"/>
+            </a:pPr>
+            <a:r>
+              <a:rPr lang="en-US" i="0" dirty="0">
+                <a:latin typeface="Segoe UI" panose="020B0502040204020203" pitchFamily="34" charset="0"/>
+                <a:cs typeface="Segoe UI" panose="020B0502040204020203" pitchFamily="34" charset="0"/>
+              </a:rPr>
+              <a:t>Is the content accurate?</a:t>
+            </a:r>
+          </a:p>
+          <a:p>
+            <a:pPr marL="171450" indent="-171450">
+              <a:buFont typeface="Arial" panose="020B0604020202020204" pitchFamily="34" charset="0"/>
+              <a:buChar char="•"/>
+            </a:pPr>
+            <a:r>
+              <a:rPr lang="en-US" i="0" dirty="0">
+                <a:latin typeface="Segoe UI" panose="020B0502040204020203" pitchFamily="34" charset="0"/>
+                <a:cs typeface="Segoe UI" panose="020B0502040204020203" pitchFamily="34" charset="0"/>
+              </a:rPr>
+              <a:t>Is the information presented objectively?  Do they share the pros and cons?</a:t>
+            </a:r>
+          </a:p>
+        </p:txBody>
+      </p:sp>
+      <p:sp>
+        <p:nvSpPr>
+          <p:cNvPr id="4" name="Slide Number Placeholder 3"/>
+          <p:cNvSpPr>
+            <a:spLocks noGrp="1"/>
+          </p:cNvSpPr>
+          <p:nvPr>
+            <p:ph type="sldNum" sz="quarter" idx="10"/>
+          </p:nvPr>
+        </p:nvSpPr>
+        <p:spPr/>
+        <p:txBody>
+          <a:bodyPr/>
+          <a:lstStyle/>
+          <a:p>
+            <a:fld id="{BC849E9A-41F7-4779-A581-48A7C374A227}" type="slidenum">
+              <a:rPr lang="en-US" smtClean="0"/>
+              <a:t>19</a:t>
+            </a:fld>
+            <a:endParaRPr lang="en-US" dirty="0"/>
+          </a:p>
+        </p:txBody>
+      </p:sp>
+    </p:spTree>
+    <p:extLst>
+      <p:ext uri="{BB962C8B-B14F-4D97-AF65-F5344CB8AC3E}">
+        <p14:creationId xmlns:p14="http://schemas.microsoft.com/office/powerpoint/2010/main" val="2026532120"/>
+      </p:ext>
+    </p:extLst>
+  </p:cSld>
+  <p:clrMapOvr>
+    <a:masterClrMapping/>
+  </p:clrMapOvr>
+</p:notes>
+</file>
+
 <file path=ppt/notesSlides/notesSlide2.xml><?xml version="1.0" encoding="utf-8"?>
 <p:notes xmlns:a="http://schemas.openxmlformats.org/drawingml/2006/main" xmlns:r="http://schemas.openxmlformats.org/officeDocument/2006/relationships" xmlns:p="http://schemas.openxmlformats.org/presentationml/2006/main">
   <p:cSld>
@@ -2323,27 +2603,28 @@
           <a:bodyPr/>
           <a:lstStyle/>
           <a:p>
-            <a:r>
-              <a:rPr lang="en-US" i="0" dirty="0">
+            <a:pPr marL="0" indent="0">
+              <a:buNone/>
+            </a:pPr>
+            <a:r>
+              <a:rPr lang="en-US" dirty="0">
                 <a:latin typeface="Segoe UI" panose="020B0502040204020203" pitchFamily="34" charset="0"/>
                 <a:cs typeface="Segoe UI" panose="020B0502040204020203" pitchFamily="34" charset="0"/>
               </a:rPr>
-              <a:t>Once you find your sources, you will want to evaluate your sources using the following questions: </a:t>
-            </a:r>
-          </a:p>
-          <a:p>
-            <a:endParaRPr lang="en-US" i="0" dirty="0">
-              <a:latin typeface="Segoe UI" panose="020B0502040204020203" pitchFamily="34" charset="0"/>
-              <a:cs typeface="Segoe UI" panose="020B0502040204020203" pitchFamily="34" charset="0"/>
-            </a:endParaRPr>
-          </a:p>
-          <a:p>
-            <a:r>
-              <a:rPr lang="en-US" b="1" i="0" dirty="0">
+              <a:t>After consulting a variety of sources, you will need to narrow your topic.  For example, the topic of internet safety is huge, but you could narrow that topic to include internet safety in regards to social media apps that teenagers are using heavily.  A topic like that is more specific and will be relevant to your peers.  Some questions to think about to help you narrow your topic: </a:t>
+            </a:r>
+          </a:p>
+          <a:p>
+            <a:pPr marL="171450" indent="-171450">
+              <a:buFont typeface="Arial" panose="020B0604020202020204" pitchFamily="34" charset="0"/>
+              <a:buChar char="•"/>
+            </a:pPr>
+            <a:r>
+              <a:rPr lang="en-US" dirty="0">
                 <a:latin typeface="Segoe UI" panose="020B0502040204020203" pitchFamily="34" charset="0"/>
                 <a:cs typeface="Segoe UI" panose="020B0502040204020203" pitchFamily="34" charset="0"/>
               </a:rPr>
-              <a:t>Author: </a:t>
+              <a:t>What topics of the research interest me the most?</a:t>
             </a:r>
           </a:p>
           <a:p>
@@ -2352,11 +2633,11 @@
               <a:buChar char="•"/>
             </a:pPr>
             <a:r>
-              <a:rPr lang="en-US" i="0" dirty="0">
+              <a:rPr lang="en-US" dirty="0">
                 <a:latin typeface="Segoe UI" panose="020B0502040204020203" pitchFamily="34" charset="0"/>
                 <a:cs typeface="Segoe UI" panose="020B0502040204020203" pitchFamily="34" charset="0"/>
               </a:rPr>
-              <a:t>Who is the author?</a:t>
+              <a:t>What topics of the research will interest my audience the most?</a:t>
             </a:r>
           </a:p>
           <a:p>
@@ -2365,136 +2646,19 @@
               <a:buChar char="•"/>
             </a:pPr>
             <a:r>
-              <a:rPr lang="en-US" i="0" dirty="0">
+              <a:rPr lang="en-US" dirty="0">
                 <a:latin typeface="Segoe UI" panose="020B0502040204020203" pitchFamily="34" charset="0"/>
                 <a:cs typeface="Segoe UI" panose="020B0502040204020203" pitchFamily="34" charset="0"/>
               </a:rPr>
-              <a:t>Why should I believe what he or she has to say on the topic?</a:t>
-            </a:r>
-          </a:p>
-          <a:p>
-            <a:pPr marL="171450" indent="-171450">
-              <a:buFont typeface="Arial" panose="020B0604020202020204" pitchFamily="34" charset="0"/>
-              <a:buChar char="•"/>
-            </a:pPr>
-            <a:r>
-              <a:rPr lang="en-US" i="0" dirty="0">
-                <a:latin typeface="Segoe UI" panose="020B0502040204020203" pitchFamily="34" charset="0"/>
-                <a:cs typeface="Segoe UI" panose="020B0502040204020203" pitchFamily="34" charset="0"/>
-              </a:rPr>
-              <a:t>Is the author seen as an expert on the topic? How do you know?</a:t>
-            </a:r>
-          </a:p>
-          <a:p>
-            <a:pPr marL="171450" indent="-171450">
-              <a:buFont typeface="Arial" panose="020B0604020202020204" pitchFamily="34" charset="0"/>
-              <a:buChar char="•"/>
-            </a:pPr>
-            <a:endParaRPr lang="en-US" i="0" dirty="0">
-              <a:latin typeface="Segoe UI" panose="020B0502040204020203" pitchFamily="34" charset="0"/>
-              <a:cs typeface="Segoe UI" panose="020B0502040204020203" pitchFamily="34" charset="0"/>
-            </a:endParaRPr>
+              <a:t>What topics will the audience find more engaging? Shocking? Inspiring?</a:t>
+            </a:r>
           </a:p>
           <a:p>
             <a:pPr marL="0" indent="0">
               <a:buFont typeface="Arial" panose="020B0604020202020204" pitchFamily="34" charset="0"/>
               <a:buNone/>
             </a:pPr>
-            <a:r>
-              <a:rPr lang="en-US" b="1" i="0" dirty="0">
-                <a:latin typeface="Segoe UI" panose="020B0502040204020203" pitchFamily="34" charset="0"/>
-                <a:cs typeface="Segoe UI" panose="020B0502040204020203" pitchFamily="34" charset="0"/>
-              </a:rPr>
-              <a:t>Current: </a:t>
-            </a:r>
-          </a:p>
-          <a:p>
-            <a:pPr marL="171450" indent="-171450">
-              <a:buFont typeface="Arial" panose="020B0604020202020204" pitchFamily="34" charset="0"/>
-              <a:buChar char="•"/>
-            </a:pPr>
-            <a:r>
-              <a:rPr lang="en-US" i="0" dirty="0">
-                <a:latin typeface="Segoe UI" panose="020B0502040204020203" pitchFamily="34" charset="0"/>
-                <a:cs typeface="Segoe UI" panose="020B0502040204020203" pitchFamily="34" charset="0"/>
-              </a:rPr>
-              <a:t>How current is the information in the source?</a:t>
-            </a:r>
-          </a:p>
-          <a:p>
-            <a:pPr marL="171450" indent="-171450">
-              <a:buFont typeface="Arial" panose="020B0604020202020204" pitchFamily="34" charset="0"/>
-              <a:buChar char="•"/>
-            </a:pPr>
-            <a:r>
-              <a:rPr lang="en-US" i="0" dirty="0">
-                <a:latin typeface="Segoe UI" panose="020B0502040204020203" pitchFamily="34" charset="0"/>
-                <a:cs typeface="Segoe UI" panose="020B0502040204020203" pitchFamily="34" charset="0"/>
-              </a:rPr>
-              <a:t>When was the source published?</a:t>
-            </a:r>
-          </a:p>
-          <a:p>
-            <a:pPr marL="171450" indent="-171450">
-              <a:buFont typeface="Arial" panose="020B0604020202020204" pitchFamily="34" charset="0"/>
-              <a:buChar char="•"/>
-            </a:pPr>
-            <a:r>
-              <a:rPr lang="en-US" i="0" dirty="0">
-                <a:latin typeface="Segoe UI" panose="020B0502040204020203" pitchFamily="34" charset="0"/>
-                <a:cs typeface="Segoe UI" panose="020B0502040204020203" pitchFamily="34" charset="0"/>
-              </a:rPr>
-              <a:t>Is the information out-of-date?</a:t>
-            </a:r>
-          </a:p>
-          <a:p>
-            <a:pPr marL="171450" indent="-171450">
-              <a:buFont typeface="Arial" panose="020B0604020202020204" pitchFamily="34" charset="0"/>
-              <a:buChar char="•"/>
-            </a:pPr>
-            <a:endParaRPr lang="en-US" b="1" i="0" dirty="0">
-              <a:latin typeface="Segoe UI" panose="020B0502040204020203" pitchFamily="34" charset="0"/>
-              <a:cs typeface="Segoe UI" panose="020B0502040204020203" pitchFamily="34" charset="0"/>
-            </a:endParaRPr>
-          </a:p>
-          <a:p>
-            <a:pPr marL="0" indent="0">
-              <a:buFont typeface="Arial" panose="020B0604020202020204" pitchFamily="34" charset="0"/>
-              <a:buNone/>
-            </a:pPr>
-            <a:r>
-              <a:rPr lang="en-US" b="1" i="0" dirty="0">
-                <a:latin typeface="Segoe UI" panose="020B0502040204020203" pitchFamily="34" charset="0"/>
-                <a:cs typeface="Segoe UI" panose="020B0502040204020203" pitchFamily="34" charset="0"/>
-              </a:rPr>
-              <a:t>Accuracy: </a:t>
-            </a:r>
-          </a:p>
-          <a:p>
-            <a:pPr marL="171450" indent="-171450">
-              <a:buFont typeface="Arial" panose="020B0604020202020204" pitchFamily="34" charset="0"/>
-              <a:buChar char="•"/>
-            </a:pPr>
-            <a:r>
-              <a:rPr lang="en-US" i="0" dirty="0">
-                <a:latin typeface="Segoe UI" panose="020B0502040204020203" pitchFamily="34" charset="0"/>
-                <a:cs typeface="Segoe UI" panose="020B0502040204020203" pitchFamily="34" charset="0"/>
-              </a:rPr>
-              <a:t>Is the content accurate?</a:t>
-            </a:r>
-          </a:p>
-          <a:p>
-            <a:pPr marL="171450" indent="-171450">
-              <a:buFont typeface="Arial" panose="020B0604020202020204" pitchFamily="34" charset="0"/>
-              <a:buChar char="•"/>
-            </a:pPr>
-            <a:r>
-              <a:rPr lang="en-US" i="0" dirty="0">
-                <a:latin typeface="Segoe UI" panose="020B0502040204020203" pitchFamily="34" charset="0"/>
-                <a:cs typeface="Segoe UI" panose="020B0502040204020203" pitchFamily="34" charset="0"/>
-              </a:rPr>
-              <a:t>Is the information presented objectively?  Do they share the pros and cons?</a:t>
-            </a:r>
+            <a:endParaRPr lang="en-US" dirty="0"/>
           </a:p>
         </p:txBody>
       </p:sp>
@@ -2524,7 +2688,7 @@
     </p:spTree>
     <p:extLst>
       <p:ext uri="{BB962C8B-B14F-4D97-AF65-F5344CB8AC3E}">
-        <p14:creationId xmlns:p14="http://schemas.microsoft.com/office/powerpoint/2010/main" val="898123727"/>
+        <p14:creationId xmlns:p14="http://schemas.microsoft.com/office/powerpoint/2010/main" val="4224310962"/>
       </p:ext>
     </p:extLst>
   </p:cSld>
@@ -2578,15 +2742,89 @@
           <a:bodyPr/>
           <a:lstStyle/>
           <a:p>
+            <a:r>
+              <a:rPr lang="en-US" i="0" dirty="0">
+                <a:latin typeface="Segoe UI" panose="020B0502040204020203" pitchFamily="34" charset="0"/>
+                <a:cs typeface="Segoe UI" panose="020B0502040204020203" pitchFamily="34" charset="0"/>
+              </a:rPr>
+              <a:t>Once you find your sources, you will want to evaluate your sources using the following questions: </a:t>
+            </a:r>
+          </a:p>
+          <a:p>
+            <a:endParaRPr lang="en-US" i="0" dirty="0">
+              <a:latin typeface="Segoe UI" panose="020B0502040204020203" pitchFamily="34" charset="0"/>
+              <a:cs typeface="Segoe UI" panose="020B0502040204020203" pitchFamily="34" charset="0"/>
+            </a:endParaRPr>
+          </a:p>
+          <a:p>
+            <a:r>
+              <a:rPr lang="en-US" b="1" i="0" dirty="0">
+                <a:latin typeface="Segoe UI" panose="020B0502040204020203" pitchFamily="34" charset="0"/>
+                <a:cs typeface="Segoe UI" panose="020B0502040204020203" pitchFamily="34" charset="0"/>
+              </a:rPr>
+              <a:t>Author: </a:t>
+            </a:r>
+          </a:p>
+          <a:p>
+            <a:pPr marL="171450" indent="-171450">
+              <a:buFont typeface="Arial" panose="020B0604020202020204" pitchFamily="34" charset="0"/>
+              <a:buChar char="•"/>
+            </a:pPr>
+            <a:r>
+              <a:rPr lang="en-US" i="0" dirty="0">
+                <a:latin typeface="Segoe UI" panose="020B0502040204020203" pitchFamily="34" charset="0"/>
+                <a:cs typeface="Segoe UI" panose="020B0502040204020203" pitchFamily="34" charset="0"/>
+              </a:rPr>
+              <a:t>Who is the author?</a:t>
+            </a:r>
+          </a:p>
+          <a:p>
+            <a:pPr marL="171450" indent="-171450">
+              <a:buFont typeface="Arial" panose="020B0604020202020204" pitchFamily="34" charset="0"/>
+              <a:buChar char="•"/>
+            </a:pPr>
+            <a:r>
+              <a:rPr lang="en-US" i="0" dirty="0">
+                <a:latin typeface="Segoe UI" panose="020B0502040204020203" pitchFamily="34" charset="0"/>
+                <a:cs typeface="Segoe UI" panose="020B0502040204020203" pitchFamily="34" charset="0"/>
+              </a:rPr>
+              <a:t>Why should I believe what he or she has to say on the topic?</a:t>
+            </a:r>
+          </a:p>
+          <a:p>
+            <a:pPr marL="171450" indent="-171450">
+              <a:buFont typeface="Arial" panose="020B0604020202020204" pitchFamily="34" charset="0"/>
+              <a:buChar char="•"/>
+            </a:pPr>
+            <a:r>
+              <a:rPr lang="en-US" i="0" dirty="0">
+                <a:latin typeface="Segoe UI" panose="020B0502040204020203" pitchFamily="34" charset="0"/>
+                <a:cs typeface="Segoe UI" panose="020B0502040204020203" pitchFamily="34" charset="0"/>
+              </a:rPr>
+              <a:t>Is the author seen as an expert on the topic? How do you know?</a:t>
+            </a:r>
+          </a:p>
+          <a:p>
+            <a:pPr marL="171450" indent="-171450">
+              <a:buFont typeface="Arial" panose="020B0604020202020204" pitchFamily="34" charset="0"/>
+              <a:buChar char="•"/>
+            </a:pPr>
+            <a:endParaRPr lang="en-US" i="0" dirty="0">
+              <a:latin typeface="Segoe UI" panose="020B0502040204020203" pitchFamily="34" charset="0"/>
+              <a:cs typeface="Segoe UI" panose="020B0502040204020203" pitchFamily="34" charset="0"/>
+            </a:endParaRPr>
+          </a:p>
+          <a:p>
             <a:pPr marL="0" indent="0">
+              <a:buFont typeface="Arial" panose="020B0604020202020204" pitchFamily="34" charset="0"/>
               <a:buNone/>
             </a:pPr>
             <a:r>
-              <a:rPr lang="en-US" dirty="0">
+              <a:rPr lang="en-US" b="1" i="0" dirty="0">
                 <a:latin typeface="Segoe UI" panose="020B0502040204020203" pitchFamily="34" charset="0"/>
                 <a:cs typeface="Segoe UI" panose="020B0502040204020203" pitchFamily="34" charset="0"/>
               </a:rPr>
-              <a:t>After consulting a variety of sources, you will need to narrow your topic.  For example, the topic of internet safety is huge, but you could narrow that topic to include internet safety in regards to social media apps that teenagers are using heavily.  A topic like that is more specific and will be relevant to your peers.  Some questions to think about to help you narrow your topic: </a:t>
+              <a:t>Current: </a:t>
             </a:r>
           </a:p>
           <a:p>
@@ -2595,11 +2833,11 @@
               <a:buChar char="•"/>
             </a:pPr>
             <a:r>
-              <a:rPr lang="en-US" dirty="0">
+              <a:rPr lang="en-US" i="0" dirty="0">
                 <a:latin typeface="Segoe UI" panose="020B0502040204020203" pitchFamily="34" charset="0"/>
                 <a:cs typeface="Segoe UI" panose="020B0502040204020203" pitchFamily="34" charset="0"/>
               </a:rPr>
-              <a:t>What topics of the research interest me the most?</a:t>
+              <a:t>How current is the information in the source?</a:t>
             </a:r>
           </a:p>
           <a:p>
@@ -2608,11 +2846,11 @@
               <a:buChar char="•"/>
             </a:pPr>
             <a:r>
-              <a:rPr lang="en-US" dirty="0">
+              <a:rPr lang="en-US" i="0" dirty="0">
                 <a:latin typeface="Segoe UI" panose="020B0502040204020203" pitchFamily="34" charset="0"/>
                 <a:cs typeface="Segoe UI" panose="020B0502040204020203" pitchFamily="34" charset="0"/>
               </a:rPr>
-              <a:t>What topics of the research will interest my audience the most?</a:t>
+              <a:t>When was the source published?</a:t>
             </a:r>
           </a:p>
           <a:p>
@@ -2621,19 +2859,61 @@
               <a:buChar char="•"/>
             </a:pPr>
             <a:r>
-              <a:rPr lang="en-US" dirty="0">
+              <a:rPr lang="en-US" i="0" dirty="0">
                 <a:latin typeface="Segoe UI" panose="020B0502040204020203" pitchFamily="34" charset="0"/>
                 <a:cs typeface="Segoe UI" panose="020B0502040204020203" pitchFamily="34" charset="0"/>
               </a:rPr>
-              <a:t>What topics will the audience find more engaging? Shocking? Inspiring?</a:t>
-            </a:r>
+              <a:t>Is the information out-of-date?</a:t>
+            </a:r>
+          </a:p>
+          <a:p>
+            <a:pPr marL="171450" indent="-171450">
+              <a:buFont typeface="Arial" panose="020B0604020202020204" pitchFamily="34" charset="0"/>
+              <a:buChar char="•"/>
+            </a:pPr>
+            <a:endParaRPr lang="en-US" b="1" i="0" dirty="0">
+              <a:latin typeface="Segoe UI" panose="020B0502040204020203" pitchFamily="34" charset="0"/>
+              <a:cs typeface="Segoe UI" panose="020B0502040204020203" pitchFamily="34" charset="0"/>
+            </a:endParaRPr>
           </a:p>
           <a:p>
             <a:pPr marL="0" indent="0">
               <a:buFont typeface="Arial" panose="020B0604020202020204" pitchFamily="34" charset="0"/>
               <a:buNone/>
             </a:pPr>
-            <a:endParaRPr lang="en-US" dirty="0"/>
+            <a:r>
+              <a:rPr lang="en-US" b="1" i="0" dirty="0">
+                <a:latin typeface="Segoe UI" panose="020B0502040204020203" pitchFamily="34" charset="0"/>
+                <a:cs typeface="Segoe UI" panose="020B0502040204020203" pitchFamily="34" charset="0"/>
+              </a:rPr>
+              <a:t>Accuracy: </a:t>
+            </a:r>
+          </a:p>
+          <a:p>
+            <a:pPr marL="171450" indent="-171450">
+              <a:buFont typeface="Arial" panose="020B0604020202020204" pitchFamily="34" charset="0"/>
+              <a:buChar char="•"/>
+            </a:pPr>
+            <a:r>
+              <a:rPr lang="en-US" i="0" dirty="0">
+                <a:latin typeface="Segoe UI" panose="020B0502040204020203" pitchFamily="34" charset="0"/>
+                <a:cs typeface="Segoe UI" panose="020B0502040204020203" pitchFamily="34" charset="0"/>
+              </a:rPr>
+              <a:t>Is the content accurate?</a:t>
+            </a:r>
+          </a:p>
+          <a:p>
+            <a:pPr marL="171450" indent="-171450">
+              <a:buFont typeface="Arial" panose="020B0604020202020204" pitchFamily="34" charset="0"/>
+              <a:buChar char="•"/>
+            </a:pPr>
+            <a:r>
+              <a:rPr lang="en-US" i="0" dirty="0">
+                <a:latin typeface="Segoe UI" panose="020B0502040204020203" pitchFamily="34" charset="0"/>
+                <a:cs typeface="Segoe UI" panose="020B0502040204020203" pitchFamily="34" charset="0"/>
+              </a:rPr>
+              <a:t>Is the information presented objectively?  Do they share the pros and cons?</a:t>
+            </a:r>
           </a:p>
         </p:txBody>
       </p:sp>
@@ -2663,7 +2943,7 @@
     </p:spTree>
     <p:extLst>
       <p:ext uri="{BB962C8B-B14F-4D97-AF65-F5344CB8AC3E}">
-        <p14:creationId xmlns:p14="http://schemas.microsoft.com/office/powerpoint/2010/main" val="4224310962"/>
+        <p14:creationId xmlns:p14="http://schemas.microsoft.com/office/powerpoint/2010/main" val="898123727"/>
       </p:ext>
     </p:extLst>
   </p:cSld>
@@ -8830,7 +9110,7 @@
         <p:spPr>
           <a:xfrm>
             <a:off x="535709" y="1910772"/>
-            <a:ext cx="11591635" cy="5324535"/>
+            <a:ext cx="11591635" cy="3754874"/>
           </a:xfrm>
           <a:prstGeom prst="rect">
             <a:avLst/>
@@ -8876,77 +9156,11 @@
             </a:pPr>
             <a:r>
               <a:rPr lang="en-US" sz="1700" dirty="0"/>
-              <a:t>AWS defined access level classifications for the actions in a services as:</a:t>
-            </a:r>
-          </a:p>
-          <a:p>
-            <a:pPr marL="742950" lvl="1" indent="-285750">
-              <a:buFont typeface="Arial" panose="020B0604020202020204" pitchFamily="34" charset="0"/>
-              <a:buChar char="•"/>
-            </a:pPr>
-            <a:r>
-              <a:rPr lang="en-US" sz="1700" b="1" dirty="0"/>
-              <a:t>List</a:t>
-            </a:r>
-            <a:r>
-              <a:rPr lang="en-US" sz="1700" dirty="0"/>
-              <a:t>: permission to list  resources within a service to determine if an object exists, but cannot see the contents of the resource</a:t>
-            </a:r>
-          </a:p>
-          <a:p>
-            <a:pPr marL="742950" lvl="1" indent="-285750">
-              <a:buFont typeface="Arial" panose="020B0604020202020204" pitchFamily="34" charset="0"/>
-              <a:buChar char="•"/>
-            </a:pPr>
-            <a:r>
-              <a:rPr lang="en-US" sz="1700" b="1" dirty="0"/>
-              <a:t>Read</a:t>
-            </a:r>
-            <a:r>
-              <a:rPr lang="en-US" sz="1700" dirty="0"/>
-              <a:t>: read only permission, cannot edit the contents or attributes in the service</a:t>
-            </a:r>
-          </a:p>
-          <a:p>
-            <a:pPr marL="742950" lvl="1" indent="-285750">
-              <a:buFont typeface="Arial" panose="020B0604020202020204" pitchFamily="34" charset="0"/>
-              <a:buChar char="•"/>
-            </a:pPr>
-            <a:r>
-              <a:rPr lang="en-US" sz="1700" b="1" dirty="0"/>
-              <a:t>Write</a:t>
-            </a:r>
-            <a:r>
-              <a:rPr lang="en-US" sz="1700" dirty="0"/>
-              <a:t>: permission to create, delete, and modify  resources in the service</a:t>
-            </a:r>
-          </a:p>
-          <a:p>
-            <a:pPr marL="742950" lvl="1" indent="-285750">
-              <a:buFont typeface="Arial" panose="020B0604020202020204" pitchFamily="34" charset="0"/>
-              <a:buChar char="•"/>
-            </a:pPr>
-            <a:r>
-              <a:rPr lang="en-US" sz="1700" b="1" dirty="0"/>
-              <a:t>Tagging</a:t>
-            </a:r>
-            <a:r>
-              <a:rPr lang="en-US" sz="1700" dirty="0"/>
-              <a:t>: permission to perform actions that only change the state of the resource tags</a:t>
-            </a:r>
-          </a:p>
-          <a:p>
-            <a:pPr marL="742950" lvl="1" indent="-285750">
-              <a:buFont typeface="Arial" panose="020B0604020202020204" pitchFamily="34" charset="0"/>
-              <a:buChar char="•"/>
-            </a:pPr>
-            <a:r>
-              <a:rPr lang="en-US" sz="1700" b="1" dirty="0"/>
-              <a:t>Permissions Management</a:t>
-            </a:r>
-            <a:r>
-              <a:rPr lang="en-US" sz="1700" dirty="0"/>
-              <a:t>: permission to grant or modify resource permissions in a service</a:t>
+              <a:t>AWS defined access level classifications for the actions in a services as: </a:t>
+            </a:r>
+            <a:r>
+              <a:rPr lang="en-US" sz="1700" i="1" dirty="0"/>
+              <a:t>List, Read, Write, Tagging, Permissions Management</a:t>
             </a:r>
           </a:p>
           <a:p>
@@ -9325,7 +9539,7 @@
         <p:spPr>
           <a:xfrm>
             <a:off x="443345" y="2179782"/>
-            <a:ext cx="11305310" cy="4801314"/>
+            <a:ext cx="11305310" cy="3970318"/>
           </a:xfrm>
           <a:prstGeom prst="rect">
             <a:avLst/>
@@ -9353,30 +9567,7 @@
             </a:r>
           </a:p>
           <a:p>
-            <a:pPr marL="742950" lvl="1" indent="-285750">
-              <a:buFont typeface="Arial" panose="020B0604020202020204" pitchFamily="34" charset="0"/>
-              <a:buChar char="•"/>
-            </a:pPr>
-            <a:r>
-              <a:rPr lang="en-US" i="1" dirty="0"/>
-              <a:t>It can test performance on static and dynamic resources, Web dynamic applications</a:t>
-            </a:r>
-          </a:p>
-          <a:p>
-            <a:pPr marL="742950" lvl="1" indent="-285750">
-              <a:buFont typeface="Arial" panose="020B0604020202020204" pitchFamily="34" charset="0"/>
-              <a:buChar char="•"/>
-            </a:pPr>
-            <a:r>
-              <a:rPr lang="en-US" i="1" dirty="0"/>
-              <a:t>It can simulate a heavy load on a server, group of servers, network or object to test its strength or to analyze overall performance under different load types</a:t>
-            </a:r>
-          </a:p>
-          <a:p>
-            <a:pPr marL="742950" lvl="1" indent="-285750">
-              <a:buFont typeface="Arial" panose="020B0604020202020204" pitchFamily="34" charset="0"/>
-              <a:buChar char="•"/>
-            </a:pPr>
+            <a:pPr lvl="1"/>
             <a:endParaRPr lang="en-US" dirty="0"/>
           </a:p>
           <a:p>
@@ -9469,6 +9660,417 @@
       </p:grpSpPr>
       <p:sp useBgFill="1">
         <p:nvSpPr>
+          <p:cNvPr id="13" name="Rectangle 12">
+            <a:extLst>
+              <a:ext uri="{FF2B5EF4-FFF2-40B4-BE49-F238E27FC236}">
+                <a16:creationId xmlns:a16="http://schemas.microsoft.com/office/drawing/2014/main" id="{72C7A71F-A746-4AB2-8FF5-03D4135FAFAD}"/>
+              </a:ext>
+              <a:ext uri="{C183D7F6-B498-43B3-948B-1728B52AA6E4}">
+                <adec:decorative xmlns:adec="http://schemas.microsoft.com/office/drawing/2017/decorative" val="1"/>
+              </a:ext>
+            </a:extLst>
+          </p:cNvPr>
+          <p:cNvSpPr>
+            <a:spLocks noGrp="1" noRot="1" noChangeAspect="1" noMove="1" noResize="1" noEditPoints="1" noAdjustHandles="1" noChangeArrowheads="1" noChangeShapeType="1" noTextEdit="1"/>
+          </p:cNvSpPr>
+          <p:nvPr>
+            <p:extLst>
+              <p:ext uri="{386F3935-93C4-4BCD-93E2-E3B085C9AB24}">
+                <p16:designElem xmlns:p16="http://schemas.microsoft.com/office/powerpoint/2015/main" val="1"/>
+              </p:ext>
+            </p:extLst>
+          </p:nvPr>
+        </p:nvSpPr>
+        <p:spPr>
+          <a:xfrm>
+            <a:off x="0" y="0"/>
+            <a:ext cx="12192000" cy="6858000"/>
+          </a:xfrm>
+          <a:prstGeom prst="rect">
+            <a:avLst/>
+          </a:prstGeom>
+          <a:ln>
+            <a:noFill/>
+          </a:ln>
+        </p:spPr>
+        <p:style>
+          <a:lnRef idx="2">
+            <a:schemeClr val="accent1">
+              <a:shade val="50000"/>
+            </a:schemeClr>
+          </a:lnRef>
+          <a:fillRef idx="1">
+            <a:schemeClr val="accent1"/>
+          </a:fillRef>
+          <a:effectRef idx="0">
+            <a:schemeClr val="accent1"/>
+          </a:effectRef>
+          <a:fontRef idx="minor">
+            <a:schemeClr val="lt1"/>
+          </a:fontRef>
+        </p:style>
+        <p:txBody>
+          <a:bodyPr rtlCol="0" anchor="ctr"/>
+          <a:lstStyle/>
+          <a:p>
+            <a:pPr algn="ctr"/>
+            <a:endParaRPr lang="en-US"/>
+          </a:p>
+        </p:txBody>
+      </p:sp>
+      <p:sp useBgFill="1">
+        <p:nvSpPr>
+          <p:cNvPr id="15" name="Rectangle 14">
+            <a:extLst>
+              <a:ext uri="{FF2B5EF4-FFF2-40B4-BE49-F238E27FC236}">
+                <a16:creationId xmlns:a16="http://schemas.microsoft.com/office/drawing/2014/main" id="{17FF8914-DDE9-46F8-AF0A-54FD0AC09BEE}"/>
+              </a:ext>
+              <a:ext uri="{C183D7F6-B498-43B3-948B-1728B52AA6E4}">
+                <adec:decorative xmlns:adec="http://schemas.microsoft.com/office/drawing/2017/decorative" val="1"/>
+              </a:ext>
+            </a:extLst>
+          </p:cNvPr>
+          <p:cNvSpPr>
+            <a:spLocks noGrp="1" noRot="1" noChangeAspect="1" noMove="1" noResize="1" noEditPoints="1" noAdjustHandles="1" noChangeArrowheads="1" noChangeShapeType="1" noTextEdit="1"/>
+          </p:cNvSpPr>
+          <p:nvPr>
+            <p:extLst>
+              <p:ext uri="{386F3935-93C4-4BCD-93E2-E3B085C9AB24}">
+                <p16:designElem xmlns:p16="http://schemas.microsoft.com/office/powerpoint/2015/main" val="1"/>
+              </p:ext>
+            </p:extLst>
+          </p:nvPr>
+        </p:nvSpPr>
+        <p:spPr>
+          <a:xfrm>
+            <a:off x="665853" y="1533525"/>
+            <a:ext cx="10917063" cy="3790950"/>
+          </a:xfrm>
+          <a:prstGeom prst="rect">
+            <a:avLst/>
+          </a:prstGeom>
+          <a:solidFill>
+            <a:schemeClr val="bg1"/>
+          </a:solidFill>
+          <a:ln w="12700">
+            <a:solidFill>
+              <a:srgbClr val="E1E1E1"/>
+            </a:solidFill>
+          </a:ln>
+          <a:effectLst>
+            <a:outerShdw blurRad="50800" dist="38100" dir="2700000" algn="tl" rotWithShape="0">
+              <a:schemeClr val="bg1">
+                <a:lumMod val="85000"/>
+                <a:alpha val="50000"/>
+              </a:schemeClr>
+            </a:outerShdw>
+          </a:effectLst>
+        </p:spPr>
+        <p:style>
+          <a:lnRef idx="2">
+            <a:schemeClr val="accent1">
+              <a:shade val="50000"/>
+            </a:schemeClr>
+          </a:lnRef>
+          <a:fillRef idx="1">
+            <a:schemeClr val="accent1"/>
+          </a:fillRef>
+          <a:effectRef idx="0">
+            <a:schemeClr val="accent1"/>
+          </a:effectRef>
+          <a:fontRef idx="minor">
+            <a:schemeClr val="lt1"/>
+          </a:fontRef>
+        </p:style>
+        <p:txBody>
+          <a:bodyPr rtlCol="0" anchor="ctr"/>
+          <a:lstStyle/>
+          <a:p>
+            <a:pPr algn="ctr"/>
+            <a:endParaRPr lang="en-US" dirty="0">
+              <a:solidFill>
+                <a:prstClr val="white"/>
+              </a:solidFill>
+              <a:latin typeface="Calibri" panose="020F0502020204030204"/>
+            </a:endParaRPr>
+          </a:p>
+        </p:txBody>
+      </p:sp>
+      <p:sp>
+        <p:nvSpPr>
+          <p:cNvPr id="2" name="Title 1">
+            <a:extLst>
+              <a:ext uri="{FF2B5EF4-FFF2-40B4-BE49-F238E27FC236}">
+                <a16:creationId xmlns:a16="http://schemas.microsoft.com/office/drawing/2014/main" id="{2D34CEF4-01D3-4AF7-9E84-F43030ACA972}"/>
+              </a:ext>
+            </a:extLst>
+          </p:cNvPr>
+          <p:cNvSpPr>
+            <a:spLocks noGrp="1"/>
+          </p:cNvSpPr>
+          <p:nvPr>
+            <p:ph type="title"/>
+          </p:nvPr>
+        </p:nvSpPr>
+        <p:spPr>
+          <a:xfrm>
+            <a:off x="1074419" y="1933575"/>
+            <a:ext cx="7182890" cy="2990849"/>
+          </a:xfrm>
+        </p:spPr>
+        <p:txBody>
+          <a:bodyPr vert="horz" lIns="91440" tIns="45720" rIns="91440" bIns="45720" rtlCol="0" anchor="ctr">
+            <a:normAutofit/>
+          </a:bodyPr>
+          <a:lstStyle/>
+          <a:p>
+            <a:r>
+              <a:rPr lang="en-US" sz="5400" dirty="0"/>
+              <a:t>Demo</a:t>
+            </a:r>
+            <a:br>
+              <a:rPr lang="en-US" sz="5400" dirty="0"/>
+            </a:br>
+            <a:r>
+              <a:rPr lang="en-US" sz="3600" dirty="0"/>
+              <a:t>(Application provision &amp; deployment)</a:t>
+            </a:r>
+            <a:endParaRPr lang="en-US" sz="3600" kern="1200" dirty="0">
+              <a:solidFill>
+                <a:schemeClr val="tx1"/>
+              </a:solidFill>
+              <a:latin typeface="+mj-lt"/>
+              <a:ea typeface="+mj-ea"/>
+              <a:cs typeface="+mj-cs"/>
+            </a:endParaRPr>
+          </a:p>
+        </p:txBody>
+      </p:sp>
+      <p:sp>
+        <p:nvSpPr>
+          <p:cNvPr id="17" name="Rectangle 16">
+            <a:extLst>
+              <a:ext uri="{FF2B5EF4-FFF2-40B4-BE49-F238E27FC236}">
+                <a16:creationId xmlns:a16="http://schemas.microsoft.com/office/drawing/2014/main" id="{094C1DE0-31FE-4AD0-95EA-B65CA6B89D58}"/>
+              </a:ext>
+              <a:ext uri="{C183D7F6-B498-43B3-948B-1728B52AA6E4}">
+                <adec:decorative xmlns:adec="http://schemas.microsoft.com/office/drawing/2017/decorative" val="1"/>
+              </a:ext>
+            </a:extLst>
+          </p:cNvPr>
+          <p:cNvSpPr>
+            <a:spLocks noGrp="1" noRot="1" noChangeAspect="1" noMove="1" noResize="1" noEditPoints="1" noAdjustHandles="1" noChangeArrowheads="1" noChangeShapeType="1" noTextEdit="1"/>
+          </p:cNvSpPr>
+          <p:nvPr>
+            <p:extLst>
+              <p:ext uri="{386F3935-93C4-4BCD-93E2-E3B085C9AB24}">
+                <p16:designElem xmlns:p16="http://schemas.microsoft.com/office/powerpoint/2015/main" val="1"/>
+              </p:ext>
+            </p:extLst>
+          </p:nvPr>
+        </p:nvSpPr>
+        <p:spPr>
+          <a:xfrm>
+            <a:off x="609084" y="2965074"/>
+            <a:ext cx="128016" cy="914400"/>
+          </a:xfrm>
+          <a:prstGeom prst="rect">
+            <a:avLst/>
+          </a:prstGeom>
+          <a:solidFill>
+            <a:schemeClr val="accent2"/>
+          </a:solidFill>
+          <a:ln>
+            <a:noFill/>
+          </a:ln>
+        </p:spPr>
+        <p:style>
+          <a:lnRef idx="2">
+            <a:schemeClr val="accent1">
+              <a:shade val="50000"/>
+            </a:schemeClr>
+          </a:lnRef>
+          <a:fillRef idx="1">
+            <a:schemeClr val="accent1"/>
+          </a:fillRef>
+          <a:effectRef idx="0">
+            <a:schemeClr val="accent1"/>
+          </a:effectRef>
+          <a:fontRef idx="minor">
+            <a:schemeClr val="lt1"/>
+          </a:fontRef>
+        </p:style>
+        <p:txBody>
+          <a:bodyPr rtlCol="0" anchor="ctr"/>
+          <a:lstStyle/>
+          <a:p>
+            <a:pPr marL="0" marR="0" lvl="0" indent="0" algn="ctr" defTabSz="914400" rtl="0" eaLnBrk="1" fontAlgn="auto" latinLnBrk="0" hangingPunct="1">
+              <a:lnSpc>
+                <a:spcPct val="100000"/>
+              </a:lnSpc>
+              <a:spcBef>
+                <a:spcPts val="0"/>
+              </a:spcBef>
+              <a:spcAft>
+                <a:spcPts val="0"/>
+              </a:spcAft>
+              <a:buClrTx/>
+              <a:buSzTx/>
+              <a:buFontTx/>
+              <a:buNone/>
+              <a:tabLst/>
+              <a:defRPr/>
+            </a:pPr>
+            <a:endParaRPr kumimoji="0" lang="en-US" sz="1800" b="0" i="0" u="none" strike="noStrike" kern="1200" cap="none" spc="0" normalizeH="0" baseline="0" noProof="0">
+              <a:ln>
+                <a:noFill/>
+              </a:ln>
+              <a:solidFill>
+                <a:prstClr val="white"/>
+              </a:solidFill>
+              <a:effectLst/>
+              <a:uLnTx/>
+              <a:uFillTx/>
+              <a:latin typeface="Calibri" panose="020F0502020204030204"/>
+              <a:ea typeface="+mn-ea"/>
+              <a:cs typeface="+mn-cs"/>
+            </a:endParaRPr>
+          </a:p>
+        </p:txBody>
+      </p:sp>
+      <p:sp>
+        <p:nvSpPr>
+          <p:cNvPr id="19" name="Rectangle 18">
+            <a:extLst>
+              <a:ext uri="{FF2B5EF4-FFF2-40B4-BE49-F238E27FC236}">
+                <a16:creationId xmlns:a16="http://schemas.microsoft.com/office/drawing/2014/main" id="{3F736409-6C07-4CE8-86F8-1174E2235C2E}"/>
+              </a:ext>
+              <a:ext uri="{C183D7F6-B498-43B3-948B-1728B52AA6E4}">
+                <adec:decorative xmlns:adec="http://schemas.microsoft.com/office/drawing/2017/decorative" val="1"/>
+              </a:ext>
+            </a:extLst>
+          </p:cNvPr>
+          <p:cNvSpPr>
+            <a:spLocks noGrp="1" noRot="1" noChangeAspect="1" noMove="1" noResize="1" noEditPoints="1" noAdjustHandles="1" noChangeArrowheads="1" noChangeShapeType="1" noTextEdit="1"/>
+          </p:cNvSpPr>
+          <p:nvPr>
+            <p:extLst>
+              <p:ext uri="{386F3935-93C4-4BCD-93E2-E3B085C9AB24}">
+                <p16:designElem xmlns:p16="http://schemas.microsoft.com/office/powerpoint/2015/main" val="1"/>
+              </p:ext>
+            </p:extLst>
+          </p:nvPr>
+        </p:nvSpPr>
+        <p:spPr>
+          <a:xfrm rot="5400000">
+            <a:off x="7360539" y="3424428"/>
+            <a:ext cx="2103120" cy="9144"/>
+          </a:xfrm>
+          <a:prstGeom prst="rect">
+            <a:avLst/>
+          </a:prstGeom>
+          <a:solidFill>
+            <a:srgbClr val="D5D5D5"/>
+          </a:solidFill>
+          <a:ln w="3175">
+            <a:noFill/>
+          </a:ln>
+          <a:effectLst/>
+        </p:spPr>
+        <p:style>
+          <a:lnRef idx="2">
+            <a:schemeClr val="accent1">
+              <a:shade val="50000"/>
+            </a:schemeClr>
+          </a:lnRef>
+          <a:fillRef idx="1">
+            <a:schemeClr val="accent1"/>
+          </a:fillRef>
+          <a:effectRef idx="0">
+            <a:schemeClr val="accent1"/>
+          </a:effectRef>
+          <a:fontRef idx="minor">
+            <a:schemeClr val="lt1"/>
+          </a:fontRef>
+        </p:style>
+        <p:txBody>
+          <a:bodyPr rtlCol="0" anchor="ctr"/>
+          <a:lstStyle/>
+          <a:p>
+            <a:pPr marL="0" marR="0" lvl="0" indent="0" algn="ctr" defTabSz="914400" rtl="0" eaLnBrk="1" fontAlgn="auto" latinLnBrk="0" hangingPunct="1">
+              <a:lnSpc>
+                <a:spcPct val="100000"/>
+              </a:lnSpc>
+              <a:spcBef>
+                <a:spcPts val="0"/>
+              </a:spcBef>
+              <a:spcAft>
+                <a:spcPts val="0"/>
+              </a:spcAft>
+              <a:buClrTx/>
+              <a:buSzTx/>
+              <a:buFontTx/>
+              <a:buNone/>
+              <a:tabLst/>
+              <a:defRPr/>
+            </a:pPr>
+            <a:endParaRPr kumimoji="0" lang="en-US" sz="1800" b="0" i="0" u="none" strike="noStrike" kern="1200" cap="none" spc="0" normalizeH="0" baseline="0" noProof="0">
+              <a:ln>
+                <a:noFill/>
+              </a:ln>
+              <a:solidFill>
+                <a:prstClr val="white"/>
+              </a:solidFill>
+              <a:effectLst/>
+              <a:uLnTx/>
+              <a:uFillTx/>
+              <a:latin typeface="Calibri" panose="020F0502020204030204"/>
+              <a:ea typeface="+mn-ea"/>
+              <a:cs typeface="+mn-cs"/>
+            </a:endParaRPr>
+          </a:p>
+        </p:txBody>
+      </p:sp>
+    </p:spTree>
+    <p:extLst>
+      <p:ext uri="{BB962C8B-B14F-4D97-AF65-F5344CB8AC3E}">
+        <p14:creationId xmlns:p14="http://schemas.microsoft.com/office/powerpoint/2010/main" val="1125178178"/>
+      </p:ext>
+    </p:extLst>
+  </p:cSld>
+  <p:clrMapOvr>
+    <a:masterClrMapping/>
+  </p:clrMapOvr>
+</p:sld>
+</file>
+
+<file path=ppt/slides/slide13.xml><?xml version="1.0" encoding="utf-8"?>
+<p:sld xmlns:a="http://schemas.openxmlformats.org/drawingml/2006/main" xmlns:r="http://schemas.openxmlformats.org/officeDocument/2006/relationships" xmlns:p="http://schemas.openxmlformats.org/presentationml/2006/main">
+  <p:cSld>
+    <p:bg>
+      <p:bgPr>
+        <a:solidFill>
+          <a:schemeClr val="bg1"/>
+        </a:solidFill>
+        <a:effectLst/>
+      </p:bgPr>
+    </p:bg>
+    <p:spTree>
+      <p:nvGrpSpPr>
+        <p:cNvPr id="1" name=""/>
+        <p:cNvGrpSpPr/>
+        <p:nvPr/>
+      </p:nvGrpSpPr>
+      <p:grpSpPr>
+        <a:xfrm>
+          <a:off x="0" y="0"/>
+          <a:ext cx="0" cy="0"/>
+          <a:chOff x="0" y="0"/>
+          <a:chExt cx="0" cy="0"/>
+        </a:xfrm>
+      </p:grpSpPr>
+      <p:sp useBgFill="1">
+        <p:nvSpPr>
           <p:cNvPr id="71" name="Rectangle 70">
             <a:extLst>
               <a:ext uri="{FF2B5EF4-FFF2-40B4-BE49-F238E27FC236}">
@@ -9656,21 +10258,16 @@
           <a:p>
             <a:pPr algn="ctr"/>
             <a:r>
-              <a:rPr lang="en-US" sz="4000" dirty="0"/>
-              <a:t>AWS </a:t>
-            </a:r>
-            <a:r>
-              <a:rPr lang="en-US" sz="4000" dirty="0" err="1"/>
-              <a:t>CodeBuild</a:t>
-            </a:r>
-            <a:endParaRPr lang="en-US" sz="4000" kern="1200" dirty="0">
-              <a:solidFill>
-                <a:schemeClr val="tx1"/>
-              </a:solidFill>
-              <a:latin typeface="+mj-lt"/>
-              <a:ea typeface="+mj-ea"/>
-              <a:cs typeface="+mj-cs"/>
-            </a:endParaRPr>
+              <a:rPr lang="en-US" sz="4000" kern="1200" dirty="0">
+                <a:solidFill>
+                  <a:schemeClr val="tx1"/>
+                </a:solidFill>
+                <a:latin typeface="+mj-lt"/>
+                <a:ea typeface="+mj-ea"/>
+                <a:cs typeface="+mj-cs"/>
+              </a:rPr>
+              <a:t>Mock-ups</a:t>
+            </a:r>
           </a:p>
         </p:txBody>
       </p:sp>
@@ -9744,393 +10341,12 @@
           </a:p>
         </p:txBody>
       </p:sp>
-      <p:sp>
-        <p:nvSpPr>
-          <p:cNvPr id="3" name="TextBox 2">
-            <a:extLst>
-              <a:ext uri="{FF2B5EF4-FFF2-40B4-BE49-F238E27FC236}">
-                <a16:creationId xmlns:a16="http://schemas.microsoft.com/office/drawing/2014/main" id="{3DA47A83-3C4B-4A44-A497-1DB8B4E3B592}"/>
-              </a:ext>
-            </a:extLst>
-          </p:cNvPr>
-          <p:cNvSpPr txBox="1"/>
-          <p:nvPr/>
-        </p:nvSpPr>
-        <p:spPr>
-          <a:xfrm>
-            <a:off x="1090670" y="2375471"/>
-            <a:ext cx="10113484" cy="4204356"/>
-          </a:xfrm>
-          <a:prstGeom prst="rect">
-            <a:avLst/>
-          </a:prstGeom>
-          <a:noFill/>
-        </p:spPr>
-        <p:txBody>
-          <a:bodyPr wrap="square" rtlCol="0">
-            <a:spAutoFit/>
-          </a:bodyPr>
-          <a:lstStyle/>
-          <a:p>
-            <a:pPr marL="285750" indent="-285750">
-              <a:lnSpc>
-                <a:spcPct val="150000"/>
-              </a:lnSpc>
-              <a:buFont typeface="Arial" panose="020B0604020202020204" pitchFamily="34" charset="0"/>
-              <a:buChar char="•"/>
-            </a:pPr>
-            <a:r>
-              <a:rPr lang="en-US" dirty="0"/>
-              <a:t>Build service, which compiles source code, runs tests, and produces artifacts</a:t>
-            </a:r>
-          </a:p>
-          <a:p>
-            <a:pPr marL="285750" indent="-285750">
-              <a:lnSpc>
-                <a:spcPct val="150000"/>
-              </a:lnSpc>
-              <a:buFont typeface="Arial" panose="020B0604020202020204" pitchFamily="34" charset="0"/>
-              <a:buChar char="•"/>
-            </a:pPr>
-            <a:r>
-              <a:rPr lang="en-US" dirty="0"/>
-              <a:t>Pulls source code from </a:t>
-            </a:r>
-            <a:r>
-              <a:rPr lang="en-US" dirty="0" err="1"/>
-              <a:t>CodeCommit</a:t>
-            </a:r>
-            <a:r>
-              <a:rPr lang="en-US" dirty="0"/>
-              <a:t>, Amazon S3, GitHub, or Bitbucket</a:t>
-            </a:r>
-          </a:p>
-          <a:p>
-            <a:pPr marL="285750" indent="-285750">
-              <a:lnSpc>
-                <a:spcPct val="150000"/>
-              </a:lnSpc>
-              <a:buFont typeface="Arial" panose="020B0604020202020204" pitchFamily="34" charset="0"/>
-              <a:buChar char="•"/>
-            </a:pPr>
-            <a:r>
-              <a:rPr lang="en-US" dirty="0"/>
-              <a:t>Supports popular programming languages and build tools, and can be customized</a:t>
-            </a:r>
-          </a:p>
-          <a:p>
-            <a:pPr marL="285750" indent="-285750">
-              <a:lnSpc>
-                <a:spcPct val="150000"/>
-              </a:lnSpc>
-              <a:buFont typeface="Arial" panose="020B0604020202020204" pitchFamily="34" charset="0"/>
-              <a:buChar char="•"/>
-            </a:pPr>
-            <a:r>
-              <a:rPr lang="en-US" dirty="0"/>
-              <a:t>Run via AWS </a:t>
-            </a:r>
-            <a:r>
-              <a:rPr lang="en-US" dirty="0" err="1"/>
-              <a:t>CodeBuild</a:t>
-            </a:r>
-            <a:r>
-              <a:rPr lang="en-US" dirty="0"/>
-              <a:t> console, AWS CLI, AWS SDKs, or AWS </a:t>
-            </a:r>
-            <a:r>
-              <a:rPr lang="en-US" dirty="0" err="1"/>
-              <a:t>CodePipeline</a:t>
-            </a:r>
-            <a:endParaRPr lang="en-US" dirty="0"/>
-          </a:p>
-          <a:p>
-            <a:pPr marL="285750" indent="-285750">
-              <a:lnSpc>
-                <a:spcPct val="150000"/>
-              </a:lnSpc>
-              <a:buFont typeface="Arial" panose="020B0604020202020204" pitchFamily="34" charset="0"/>
-              <a:buChar char="•"/>
-            </a:pPr>
-            <a:r>
-              <a:rPr lang="en-US" dirty="0"/>
-              <a:t>Ability to view the overall status of the build, build phase details, and build logs</a:t>
-            </a:r>
-          </a:p>
-          <a:p>
-            <a:pPr marL="285750" indent="-285750">
-              <a:lnSpc>
-                <a:spcPct val="150000"/>
-              </a:lnSpc>
-              <a:buFont typeface="Arial" panose="020B0604020202020204" pitchFamily="34" charset="0"/>
-              <a:buChar char="•"/>
-            </a:pPr>
-            <a:r>
-              <a:rPr lang="en-US" dirty="0"/>
-              <a:t>Build specifications are written using a specific </a:t>
-            </a:r>
-            <a:r>
-              <a:rPr lang="en-US" dirty="0">
-                <a:hlinkClick r:id="rId3"/>
-              </a:rPr>
-              <a:t>syntax</a:t>
-            </a:r>
-            <a:r>
-              <a:rPr lang="en-US" dirty="0"/>
-              <a:t>, in a </a:t>
-            </a:r>
-            <a:r>
-              <a:rPr lang="en-US" dirty="0" err="1"/>
-              <a:t>yaml</a:t>
-            </a:r>
-            <a:r>
-              <a:rPr lang="en-US" dirty="0"/>
-              <a:t> format</a:t>
-            </a:r>
-          </a:p>
-          <a:p>
-            <a:pPr marL="285750" indent="-285750">
-              <a:lnSpc>
-                <a:spcPct val="150000"/>
-              </a:lnSpc>
-              <a:buFont typeface="Arial" panose="020B0604020202020204" pitchFamily="34" charset="0"/>
-              <a:buChar char="•"/>
-            </a:pPr>
-            <a:r>
-              <a:rPr lang="en-US" dirty="0">
-                <a:hlinkClick r:id="rId4"/>
-              </a:rPr>
-              <a:t>Pricing</a:t>
-            </a:r>
-            <a:r>
-              <a:rPr lang="en-US" dirty="0"/>
-              <a:t> is based on the number of build minutes, and there is a free tier option</a:t>
-            </a:r>
-          </a:p>
-          <a:p>
-            <a:pPr marL="285750" indent="-285750">
-              <a:lnSpc>
-                <a:spcPct val="150000"/>
-              </a:lnSpc>
-              <a:buFont typeface="Arial" panose="020B0604020202020204" pitchFamily="34" charset="0"/>
-              <a:buChar char="•"/>
-            </a:pPr>
-            <a:r>
-              <a:rPr lang="en-US" dirty="0"/>
-              <a:t>Team decided to use AWS </a:t>
-            </a:r>
-            <a:r>
-              <a:rPr lang="en-US" dirty="0" err="1"/>
-              <a:t>CodeBuild</a:t>
-            </a:r>
-            <a:r>
-              <a:rPr lang="en-US" dirty="0"/>
-              <a:t> because of the easy integration with AWS </a:t>
-            </a:r>
-            <a:r>
-              <a:rPr lang="en-US" dirty="0" err="1"/>
-              <a:t>CodePipeline</a:t>
-            </a:r>
-            <a:endParaRPr lang="en-US" dirty="0"/>
-          </a:p>
-          <a:p>
-            <a:pPr marL="285750" indent="-285750">
-              <a:lnSpc>
-                <a:spcPct val="150000"/>
-              </a:lnSpc>
-              <a:buFont typeface="Arial" panose="020B0604020202020204" pitchFamily="34" charset="0"/>
-              <a:buChar char="•"/>
-            </a:pPr>
-            <a:endParaRPr lang="en-US" dirty="0"/>
-          </a:p>
-          <a:p>
-            <a:pPr lvl="1">
-              <a:lnSpc>
-                <a:spcPct val="150000"/>
-              </a:lnSpc>
-            </a:pPr>
-            <a:r>
-              <a:rPr lang="en-US" dirty="0"/>
-              <a:t>(Source:  </a:t>
-            </a:r>
-            <a:r>
-              <a:rPr lang="fr-FR" dirty="0">
-                <a:hlinkClick r:id="rId5"/>
-              </a:rPr>
-              <a:t>https://docs.aws.amazon.com/codebuild/latest/userguide/welcome.html</a:t>
-            </a:r>
-            <a:r>
-              <a:rPr lang="fr-FR" dirty="0"/>
-              <a:t>)</a:t>
-            </a:r>
-            <a:endParaRPr lang="en-US" dirty="0"/>
-          </a:p>
-        </p:txBody>
-      </p:sp>
-    </p:spTree>
-    <p:extLst>
-      <p:ext uri="{BB962C8B-B14F-4D97-AF65-F5344CB8AC3E}">
-        <p14:creationId xmlns:p14="http://schemas.microsoft.com/office/powerpoint/2010/main" val="512997375"/>
-      </p:ext>
-    </p:extLst>
-  </p:cSld>
-  <p:clrMapOvr>
-    <a:masterClrMapping/>
-  </p:clrMapOvr>
-</p:sld>
-</file>
-
-<file path=ppt/slides/slide13.xml><?xml version="1.0" encoding="utf-8"?>
-<p:sld xmlns:a="http://schemas.openxmlformats.org/drawingml/2006/main" xmlns:r="http://schemas.openxmlformats.org/officeDocument/2006/relationships" xmlns:p="http://schemas.openxmlformats.org/presentationml/2006/main">
-  <p:cSld>
-    <p:spTree>
-      <p:nvGrpSpPr>
-        <p:cNvPr id="1" name=""/>
-        <p:cNvGrpSpPr/>
-        <p:nvPr/>
-      </p:nvGrpSpPr>
-      <p:grpSpPr>
-        <a:xfrm>
-          <a:off x="0" y="0"/>
-          <a:ext cx="0" cy="0"/>
-          <a:chOff x="0" y="0"/>
-          <a:chExt cx="0" cy="0"/>
-        </a:xfrm>
-      </p:grpSpPr>
-      <p:pic>
-        <p:nvPicPr>
-          <p:cNvPr id="4" name="Picture 3">
-            <a:extLst>
-              <a:ext uri="{FF2B5EF4-FFF2-40B4-BE49-F238E27FC236}">
-                <a16:creationId xmlns:a16="http://schemas.microsoft.com/office/drawing/2014/main" id="{05D957DA-20B5-425F-8107-70B33683D008}"/>
-              </a:ext>
-            </a:extLst>
-          </p:cNvPr>
-          <p:cNvPicPr>
-            <a:picLocks noChangeAspect="1"/>
-          </p:cNvPicPr>
-          <p:nvPr/>
-        </p:nvPicPr>
-        <p:blipFill>
-          <a:blip r:embed="rId2"/>
-          <a:stretch>
-            <a:fillRect/>
-          </a:stretch>
-        </p:blipFill>
-        <p:spPr>
-          <a:xfrm>
-            <a:off x="5549735" y="283944"/>
-            <a:ext cx="4381005" cy="3052506"/>
-          </a:xfrm>
-          <a:prstGeom prst="rect">
-            <a:avLst/>
-          </a:prstGeom>
-        </p:spPr>
-      </p:pic>
-      <p:pic>
-        <p:nvPicPr>
-          <p:cNvPr id="5" name="Picture 4">
-            <a:extLst>
-              <a:ext uri="{FF2B5EF4-FFF2-40B4-BE49-F238E27FC236}">
-                <a16:creationId xmlns:a16="http://schemas.microsoft.com/office/drawing/2014/main" id="{C163E8EA-8E86-4750-AAD1-89302E978901}"/>
-              </a:ext>
-            </a:extLst>
-          </p:cNvPr>
-          <p:cNvPicPr>
-            <a:picLocks noChangeAspect="1"/>
-          </p:cNvPicPr>
-          <p:nvPr/>
-        </p:nvPicPr>
-        <p:blipFill>
-          <a:blip r:embed="rId3"/>
-          <a:stretch>
-            <a:fillRect/>
-          </a:stretch>
-        </p:blipFill>
-        <p:spPr>
-          <a:xfrm>
-            <a:off x="2388919" y="3521551"/>
-            <a:ext cx="6915398" cy="2949481"/>
-          </a:xfrm>
-          <a:prstGeom prst="rect">
-            <a:avLst/>
-          </a:prstGeom>
-        </p:spPr>
-      </p:pic>
-      <p:pic>
-        <p:nvPicPr>
-          <p:cNvPr id="6" name="Picture 5">
-            <a:extLst>
-              <a:ext uri="{FF2B5EF4-FFF2-40B4-BE49-F238E27FC236}">
-                <a16:creationId xmlns:a16="http://schemas.microsoft.com/office/drawing/2014/main" id="{D7540EB3-365D-4B5D-AB41-6C01469E3CB0}"/>
-              </a:ext>
-            </a:extLst>
-          </p:cNvPr>
-          <p:cNvPicPr>
-            <a:picLocks noChangeAspect="1"/>
-          </p:cNvPicPr>
-          <p:nvPr/>
-        </p:nvPicPr>
-        <p:blipFill>
-          <a:blip r:embed="rId4"/>
-          <a:stretch>
-            <a:fillRect/>
-          </a:stretch>
-        </p:blipFill>
-        <p:spPr>
-          <a:xfrm>
-            <a:off x="2025654" y="1042988"/>
-            <a:ext cx="2819400" cy="1590675"/>
-          </a:xfrm>
-          <a:prstGeom prst="rect">
-            <a:avLst/>
-          </a:prstGeom>
-        </p:spPr>
-      </p:pic>
-    </p:spTree>
-    <p:extLst>
-      <p:ext uri="{BB962C8B-B14F-4D97-AF65-F5344CB8AC3E}">
-        <p14:creationId xmlns:p14="http://schemas.microsoft.com/office/powerpoint/2010/main" val="519025307"/>
-      </p:ext>
-    </p:extLst>
-  </p:cSld>
-  <p:clrMapOvr>
-    <a:masterClrMapping/>
-  </p:clrMapOvr>
-</p:sld>
-</file>
-
-<file path=ppt/slides/slide14.xml><?xml version="1.0" encoding="utf-8"?>
-<p:sld xmlns:a="http://schemas.openxmlformats.org/drawingml/2006/main" xmlns:r="http://schemas.openxmlformats.org/officeDocument/2006/relationships" xmlns:p="http://schemas.openxmlformats.org/presentationml/2006/main">
-  <p:cSld>
-    <p:bg>
-      <p:bgPr>
-        <a:solidFill>
-          <a:schemeClr val="bg1"/>
-        </a:solidFill>
-        <a:effectLst/>
-      </p:bgPr>
-    </p:bg>
-    <p:spTree>
-      <p:nvGrpSpPr>
-        <p:cNvPr id="1" name=""/>
-        <p:cNvGrpSpPr/>
-        <p:nvPr/>
-      </p:nvGrpSpPr>
-      <p:grpSpPr>
-        <a:xfrm>
-          <a:off x="0" y="0"/>
-          <a:ext cx="0" cy="0"/>
-          <a:chOff x="0" y="0"/>
-          <a:chExt cx="0" cy="0"/>
-        </a:xfrm>
-      </p:grpSpPr>
       <p:sp useBgFill="1">
         <p:nvSpPr>
-          <p:cNvPr id="71" name="Rectangle 70">
-            <a:extLst>
-              <a:ext uri="{FF2B5EF4-FFF2-40B4-BE49-F238E27FC236}">
-                <a16:creationId xmlns:a16="http://schemas.microsoft.com/office/drawing/2014/main" id="{C1A1C5D3-C053-4EE9-BE1A-419B6E27CCAE}"/>
+          <p:cNvPr id="6" name="Rectangle 5">
+            <a:extLst>
+              <a:ext uri="{FF2B5EF4-FFF2-40B4-BE49-F238E27FC236}">
+                <a16:creationId xmlns:a16="http://schemas.microsoft.com/office/drawing/2014/main" id="{A5CF232E-4688-45AB-91BA-966C407455DC}"/>
               </a:ext>
               <a:ext uri="{C183D7F6-B498-43B3-948B-1728B52AA6E4}">
                 <adec:decorative xmlns:adec="http://schemas.microsoft.com/office/drawing/2017/decorative" val="1"/>
@@ -10187,10 +10403,10 @@
       </p:sp>
       <p:sp useBgFill="1">
         <p:nvSpPr>
-          <p:cNvPr id="73" name="Rectangle 72">
-            <a:extLst>
-              <a:ext uri="{FF2B5EF4-FFF2-40B4-BE49-F238E27FC236}">
-                <a16:creationId xmlns:a16="http://schemas.microsoft.com/office/drawing/2014/main" id="{A3473CF9-37EB-43E7-89EF-D2D1C53D1DAC}"/>
+          <p:cNvPr id="7" name="Rectangle 6">
+            <a:extLst>
+              <a:ext uri="{FF2B5EF4-FFF2-40B4-BE49-F238E27FC236}">
+                <a16:creationId xmlns:a16="http://schemas.microsoft.com/office/drawing/2014/main" id="{B9A6EEF5-232F-4206-A5C3-2004CDBA3F51}"/>
               </a:ext>
               <a:ext uri="{C183D7F6-B498-43B3-948B-1728B52AA6E4}">
                 <adec:decorative xmlns:adec="http://schemas.microsoft.com/office/drawing/2017/decorative" val="1"/>
@@ -10286,53 +10502,66 @@
       </p:sp>
       <p:sp>
         <p:nvSpPr>
-          <p:cNvPr id="2" name="Title 1">
-            <a:extLst>
-              <a:ext uri="{FF2B5EF4-FFF2-40B4-BE49-F238E27FC236}">
-                <a16:creationId xmlns:a16="http://schemas.microsoft.com/office/drawing/2014/main" id="{0FDE5079-B185-4DE0-AF2C-AE4B7709FBC3}"/>
-              </a:ext>
-            </a:extLst>
-          </p:cNvPr>
-          <p:cNvSpPr>
-            <a:spLocks noGrp="1"/>
-          </p:cNvSpPr>
-          <p:nvPr>
-            <p:ph type="title"/>
-          </p:nvPr>
+          <p:cNvPr id="8" name="Title 1">
+            <a:extLst>
+              <a:ext uri="{FF2B5EF4-FFF2-40B4-BE49-F238E27FC236}">
+                <a16:creationId xmlns:a16="http://schemas.microsoft.com/office/drawing/2014/main" id="{046F6EB2-F0E8-4FDA-82BF-764849ACBB21}"/>
+              </a:ext>
+            </a:extLst>
+          </p:cNvPr>
+          <p:cNvSpPr txBox="1">
+            <a:spLocks/>
+          </p:cNvSpPr>
+          <p:nvPr/>
         </p:nvSpPr>
         <p:spPr>
           <a:xfrm>
             <a:off x="2103121" y="310343"/>
             <a:ext cx="7985759" cy="868823"/>
           </a:xfrm>
+          <a:prstGeom prst="rect">
+            <a:avLst/>
+          </a:prstGeom>
         </p:spPr>
         <p:txBody>
           <a:bodyPr vert="horz" lIns="91440" tIns="45720" rIns="91440" bIns="45720" rtlCol="0" anchor="ctr">
             <a:normAutofit/>
           </a:bodyPr>
-          <a:lstStyle/>
-          <a:p>
-            <a:pPr algn="ctr"/>
-            <a:r>
-              <a:rPr lang="en-US" sz="4000" kern="1200" dirty="0">
+          <a:lstStyle>
+            <a:lvl1pPr algn="l" defTabSz="914400" rtl="0" eaLnBrk="1" latinLnBrk="0" hangingPunct="1">
+              <a:lnSpc>
+                <a:spcPct val="90000"/>
+              </a:lnSpc>
+              <a:spcBef>
+                <a:spcPct val="0"/>
+              </a:spcBef>
+              <a:buNone/>
+              <a:defRPr sz="4400" kern="1200">
                 <a:solidFill>
                   <a:schemeClr val="tx1"/>
                 </a:solidFill>
                 <a:latin typeface="+mj-lt"/>
                 <a:ea typeface="+mj-ea"/>
                 <a:cs typeface="+mj-cs"/>
-              </a:rPr>
-              <a:t>Mock-ups</a:t>
-            </a:r>
+              </a:defRPr>
+            </a:lvl1pPr>
+          </a:lstStyle>
+          <a:p>
+            <a:pPr algn="ctr"/>
+            <a:r>
+              <a:rPr lang="en-US" sz="4000"/>
+              <a:t>AWS Service choices</a:t>
+            </a:r>
+            <a:endParaRPr lang="en-US" sz="4000" dirty="0"/>
           </a:p>
         </p:txBody>
       </p:sp>
       <p:sp>
         <p:nvSpPr>
-          <p:cNvPr id="75" name="Rectangle: Rounded Corners 74">
-            <a:extLst>
-              <a:ext uri="{FF2B5EF4-FFF2-40B4-BE49-F238E27FC236}">
-                <a16:creationId xmlns:a16="http://schemas.microsoft.com/office/drawing/2014/main" id="{586B4EF9-43BA-4655-A6FF-1D8E21574C95}"/>
+          <p:cNvPr id="9" name="Rectangle: Rounded Corners 8">
+            <a:extLst>
+              <a:ext uri="{FF2B5EF4-FFF2-40B4-BE49-F238E27FC236}">
+                <a16:creationId xmlns:a16="http://schemas.microsoft.com/office/drawing/2014/main" id="{3093EA87-1287-49B8-BAEF-1B00D6E8B777}"/>
               </a:ext>
               <a:ext uri="{C183D7F6-B498-43B3-948B-1728B52AA6E4}">
                 <adec:decorative xmlns:adec="http://schemas.microsoft.com/office/drawing/2017/decorative" val="1"/>
@@ -10397,10 +10626,201 @@
           </a:p>
         </p:txBody>
       </p:sp>
+      <p:sp>
+        <p:nvSpPr>
+          <p:cNvPr id="10" name="TextBox 9">
+            <a:extLst>
+              <a:ext uri="{FF2B5EF4-FFF2-40B4-BE49-F238E27FC236}">
+                <a16:creationId xmlns:a16="http://schemas.microsoft.com/office/drawing/2014/main" id="{AD61C7D7-49C3-4845-B117-89B002224F74}"/>
+              </a:ext>
+            </a:extLst>
+          </p:cNvPr>
+          <p:cNvSpPr txBox="1"/>
+          <p:nvPr/>
+        </p:nvSpPr>
+        <p:spPr>
+          <a:xfrm>
+            <a:off x="1800902" y="2113713"/>
+            <a:ext cx="8384770" cy="5078313"/>
+          </a:xfrm>
+          <a:prstGeom prst="rect">
+            <a:avLst/>
+          </a:prstGeom>
+          <a:noFill/>
+        </p:spPr>
+        <p:txBody>
+          <a:bodyPr wrap="square" rtlCol="0">
+            <a:spAutoFit/>
+          </a:bodyPr>
+          <a:lstStyle/>
+          <a:p>
+            <a:r>
+              <a:rPr lang="en-US" dirty="0"/>
+              <a:t>Elastic Beanstalk</a:t>
+            </a:r>
+          </a:p>
+          <a:p>
+            <a:pPr marL="285750" indent="-285750">
+              <a:buFont typeface="Arial" panose="020B0604020202020204" pitchFamily="34" charset="0"/>
+              <a:buChar char="•"/>
+            </a:pPr>
+            <a:r>
+              <a:rPr lang="en-US" dirty="0"/>
+              <a:t>PaaS</a:t>
+            </a:r>
+          </a:p>
+          <a:p>
+            <a:pPr marL="285750" indent="-285750">
+              <a:buFont typeface="Arial" panose="020B0604020202020204" pitchFamily="34" charset="0"/>
+              <a:buChar char="•"/>
+            </a:pPr>
+            <a:r>
+              <a:rPr lang="en-US" dirty="0"/>
+              <a:t>Auto scaling, load balancing, health monitoring, configurable critical updates</a:t>
+            </a:r>
+          </a:p>
+          <a:p>
+            <a:pPr marL="285750" indent="-285750">
+              <a:buFont typeface="Arial" panose="020B0604020202020204" pitchFamily="34" charset="0"/>
+              <a:buChar char="•"/>
+            </a:pPr>
+            <a:r>
+              <a:rPr lang="en-US" dirty="0"/>
+              <a:t>Nginx, Node JS</a:t>
+            </a:r>
+          </a:p>
+          <a:p>
+            <a:pPr marL="285750" indent="-285750">
+              <a:buFont typeface="Arial" panose="020B0604020202020204" pitchFamily="34" charset="0"/>
+              <a:buChar char="•"/>
+            </a:pPr>
+            <a:r>
+              <a:rPr lang="en-US" dirty="0"/>
+              <a:t>Uses CloudFormation</a:t>
+            </a:r>
+          </a:p>
+          <a:p>
+            <a:pPr marL="285750" indent="-285750">
+              <a:buFont typeface="Arial" panose="020B0604020202020204" pitchFamily="34" charset="0"/>
+              <a:buChar char="•"/>
+            </a:pPr>
+            <a:r>
+              <a:rPr lang="en-US" dirty="0"/>
+              <a:t>One application, multiple Cloned environments</a:t>
+            </a:r>
+          </a:p>
+          <a:p>
+            <a:pPr marL="285750" indent="-285750">
+              <a:buFont typeface="Arial" panose="020B0604020202020204" pitchFamily="34" charset="0"/>
+              <a:buChar char="•"/>
+            </a:pPr>
+            <a:r>
+              <a:rPr lang="en-US" dirty="0"/>
+              <a:t>Template can be checked into GitHub for provisioning other environments</a:t>
+            </a:r>
+          </a:p>
+          <a:p>
+            <a:pPr marL="285750" indent="-285750">
+              <a:buFont typeface="Arial" panose="020B0604020202020204" pitchFamily="34" charset="0"/>
+              <a:buChar char="•"/>
+            </a:pPr>
+            <a:r>
+              <a:rPr lang="en-US" dirty="0"/>
+              <a:t>Used with </a:t>
+            </a:r>
+            <a:r>
+              <a:rPr lang="en-US" dirty="0" err="1"/>
+              <a:t>CodePipeline</a:t>
+            </a:r>
+            <a:endParaRPr lang="en-US" dirty="0"/>
+          </a:p>
+          <a:p>
+            <a:pPr marL="285750" indent="-285750">
+              <a:buFont typeface="Arial" panose="020B0604020202020204" pitchFamily="34" charset="0"/>
+              <a:buChar char="•"/>
+            </a:pPr>
+            <a:endParaRPr lang="en-US" dirty="0"/>
+          </a:p>
+          <a:p>
+            <a:r>
+              <a:rPr lang="en-US" dirty="0"/>
+              <a:t>Stand alone EC2 instance using LAMP technology</a:t>
+            </a:r>
+          </a:p>
+          <a:p>
+            <a:pPr marL="285750" indent="-285750">
+              <a:buFont typeface="Arial" panose="020B0604020202020204" pitchFamily="34" charset="0"/>
+              <a:buChar char="•"/>
+            </a:pPr>
+            <a:r>
+              <a:rPr lang="en-US" dirty="0"/>
+              <a:t>Linux, Apache, </a:t>
+            </a:r>
+            <a:r>
+              <a:rPr lang="en-US" dirty="0" err="1"/>
+              <a:t>Mysql</a:t>
+            </a:r>
+            <a:r>
+              <a:rPr lang="en-US" dirty="0"/>
+              <a:t>/MariaDB, PHP, Angular, Node JS</a:t>
+            </a:r>
+          </a:p>
+          <a:p>
+            <a:pPr marL="285750" indent="-285750">
+              <a:buFont typeface="Arial" panose="020B0604020202020204" pitchFamily="34" charset="0"/>
+              <a:buChar char="•"/>
+            </a:pPr>
+            <a:r>
+              <a:rPr lang="en-US" dirty="0"/>
+              <a:t>Used with Code Deploy</a:t>
+            </a:r>
+          </a:p>
+          <a:p>
+            <a:pPr marL="285750" indent="-285750">
+              <a:buFont typeface="Arial" panose="020B0604020202020204" pitchFamily="34" charset="0"/>
+              <a:buChar char="•"/>
+            </a:pPr>
+            <a:endParaRPr lang="en-US" dirty="0"/>
+          </a:p>
+          <a:p>
+            <a:r>
+              <a:rPr lang="en-US" dirty="0"/>
+              <a:t>S3 bucket</a:t>
+            </a:r>
+          </a:p>
+          <a:p>
+            <a:pPr marL="285750" indent="-285750">
+              <a:buFont typeface="Arial" panose="020B0604020202020204" pitchFamily="34" charset="0"/>
+              <a:buChar char="•"/>
+            </a:pPr>
+            <a:r>
+              <a:rPr lang="en-US" dirty="0"/>
+              <a:t>Static website</a:t>
+            </a:r>
+          </a:p>
+          <a:p>
+            <a:pPr marL="285750" indent="-285750">
+              <a:buFont typeface="Arial" panose="020B0604020202020204" pitchFamily="34" charset="0"/>
+              <a:buChar char="•"/>
+            </a:pPr>
+            <a:endParaRPr lang="en-US" dirty="0"/>
+          </a:p>
+          <a:p>
+            <a:pPr marL="285750" indent="-285750">
+              <a:buFont typeface="Arial" panose="020B0604020202020204" pitchFamily="34" charset="0"/>
+              <a:buChar char="•"/>
+            </a:pPr>
+            <a:endParaRPr lang="en-US" dirty="0"/>
+          </a:p>
+          <a:p>
+            <a:endParaRPr lang="en-US" dirty="0"/>
+          </a:p>
+        </p:txBody>
+      </p:sp>
     </p:spTree>
     <p:extLst>
       <p:ext uri="{BB962C8B-B14F-4D97-AF65-F5344CB8AC3E}">
-        <p14:creationId xmlns:p14="http://schemas.microsoft.com/office/powerpoint/2010/main" val="3893044674"/>
+        <p14:creationId xmlns:p14="http://schemas.microsoft.com/office/powerpoint/2010/main" val="61084087"/>
       </p:ext>
     </p:extLst>
   </p:cSld>
@@ -10410,7 +10830,7 @@
 </p:sld>
 </file>
 
-<file path=ppt/slides/slide15.xml><?xml version="1.0" encoding="utf-8"?>
+<file path=ppt/slides/slide14.xml><?xml version="1.0" encoding="utf-8"?>
 <p:sld xmlns:a="http://schemas.openxmlformats.org/drawingml/2006/main" xmlns:r="http://schemas.openxmlformats.org/officeDocument/2006/relationships" xmlns:p="http://schemas.openxmlformats.org/presentationml/2006/main">
   <p:cSld>
     <p:bg>
@@ -11007,7 +11427,7 @@
         <p:spPr>
           <a:xfrm>
             <a:off x="1800902" y="2113713"/>
-            <a:ext cx="8384770" cy="5078313"/>
+            <a:ext cx="8384770" cy="4801314"/>
           </a:xfrm>
           <a:prstGeom prst="rect">
             <a:avLst/>
@@ -11022,7 +11442,7 @@
           <a:p>
             <a:r>
               <a:rPr lang="en-US" dirty="0"/>
-              <a:t>Elastic Beanstalk</a:t>
+              <a:t>Code Pipeline</a:t>
             </a:r>
           </a:p>
           <a:p>
@@ -11032,7 +11452,7 @@
             </a:pPr>
             <a:r>
               <a:rPr lang="en-US" dirty="0"/>
-              <a:t>PaaS</a:t>
+              <a:t>Source: GitHub</a:t>
             </a:r>
           </a:p>
           <a:p>
@@ -11042,7 +11462,7 @@
             </a:pPr>
             <a:r>
               <a:rPr lang="en-US" dirty="0"/>
-              <a:t>Auto scaling, load balancing, health monitoring, configurable critical updates</a:t>
+              <a:t>Deploy: AWS Elastic Beanstalk</a:t>
             </a:r>
           </a:p>
           <a:p>
@@ -11052,7 +11472,16 @@
             </a:pPr>
             <a:r>
               <a:rPr lang="en-US" dirty="0"/>
-              <a:t>Nginx, Node JS</a:t>
+              <a:t>Artifact sored in S3 bucket</a:t>
+            </a:r>
+          </a:p>
+          <a:p>
+            <a:endParaRPr lang="en-US" dirty="0"/>
+          </a:p>
+          <a:p>
+            <a:r>
+              <a:rPr lang="en-US" dirty="0"/>
+              <a:t>Code Commit</a:t>
             </a:r>
           </a:p>
           <a:p>
@@ -11062,8 +11491,13 @@
             </a:pPr>
             <a:r>
               <a:rPr lang="en-US" dirty="0"/>
-              <a:t>Uses CloudFormation</a:t>
-            </a:r>
+              <a:t>GitHub using </a:t>
+            </a:r>
+            <a:r>
+              <a:rPr lang="en-US" dirty="0" err="1"/>
+              <a:t>oAuth</a:t>
+            </a:r>
+            <a:endParaRPr lang="en-US" dirty="0"/>
           </a:p>
           <a:p>
             <a:pPr marL="285750" indent="-285750">
@@ -11072,7 +11506,7 @@
             </a:pPr>
             <a:r>
               <a:rPr lang="en-US" dirty="0"/>
-              <a:t>One application, multiple Cloned environments</a:t>
+              <a:t>Repository using S3 bucket</a:t>
             </a:r>
           </a:p>
           <a:p>
@@ -11080,9 +11514,12 @@
               <a:buFont typeface="Arial" panose="020B0604020202020204" pitchFamily="34" charset="0"/>
               <a:buChar char="•"/>
             </a:pPr>
+            <a:endParaRPr lang="en-US" dirty="0"/>
+          </a:p>
+          <a:p>
             <a:r>
               <a:rPr lang="en-US" dirty="0"/>
-              <a:t>Template can be checked into GitHub for provisioning other environments</a:t>
+              <a:t>Code Build</a:t>
             </a:r>
           </a:p>
           <a:p>
@@ -11092,141 +11529,63 @@
             </a:pPr>
             <a:r>
               <a:rPr lang="en-US" dirty="0"/>
-              <a:t>Used with </a:t>
-            </a:r>
-            <a:r>
-              <a:rPr lang="en-US" dirty="0" err="1"/>
-              <a:t>CodePipeline</a:t>
-            </a:r>
+              <a:t>Build Projects for packaging code, executing test cases</a:t>
+            </a:r>
+          </a:p>
+          <a:p>
             <a:endParaRPr lang="en-US" dirty="0"/>
           </a:p>
           <a:p>
+            <a:r>
+              <a:rPr lang="en-US" dirty="0"/>
+              <a:t>Code Deploy</a:t>
+            </a:r>
+          </a:p>
+          <a:p>
             <a:pPr marL="285750" indent="-285750">
               <a:buFont typeface="Arial" panose="020B0604020202020204" pitchFamily="34" charset="0"/>
               <a:buChar char="•"/>
             </a:pPr>
+            <a:r>
+              <a:rPr lang="en-US" dirty="0"/>
+              <a:t>Deploy on EC2</a:t>
+            </a:r>
+          </a:p>
+          <a:p>
+            <a:pPr marL="285750" indent="-285750">
+              <a:buFont typeface="Arial" panose="020B0604020202020204" pitchFamily="34" charset="0"/>
+              <a:buChar char="•"/>
+            </a:pPr>
+            <a:r>
+              <a:rPr lang="en-US" dirty="0"/>
+              <a:t>Deployment Groups, rolling changes</a:t>
+            </a:r>
+          </a:p>
+          <a:p>
+            <a:pPr marL="285750" indent="-285750">
+              <a:buFont typeface="Arial" panose="020B0604020202020204" pitchFamily="34" charset="0"/>
+              <a:buChar char="•"/>
+            </a:pPr>
+            <a:r>
+              <a:rPr lang="en-US" dirty="0"/>
+              <a:t>IAM roles</a:t>
+            </a:r>
+          </a:p>
+          <a:p>
+            <a:pPr marL="285750" indent="-285750">
+              <a:buFont typeface="Arial" panose="020B0604020202020204" pitchFamily="34" charset="0"/>
+              <a:buChar char="•"/>
+            </a:pPr>
             <a:endParaRPr lang="en-US" dirty="0"/>
           </a:p>
-          <a:p>
-            <a:r>
-              <a:rPr lang="en-US" dirty="0"/>
-              <a:t>Stand alone EC2 instance using LAMP technology</a:t>
-            </a:r>
-          </a:p>
-          <a:p>
-            <a:pPr marL="285750" indent="-285750">
-              <a:buFont typeface="Arial" panose="020B0604020202020204" pitchFamily="34" charset="0"/>
-              <a:buChar char="•"/>
-            </a:pPr>
-            <a:r>
-              <a:rPr lang="en-US" dirty="0"/>
-              <a:t>Linux, Apache, </a:t>
-            </a:r>
-            <a:r>
-              <a:rPr lang="en-US" dirty="0" err="1"/>
-              <a:t>Mysql</a:t>
-            </a:r>
-            <a:r>
-              <a:rPr lang="en-US" dirty="0"/>
-              <a:t>/MariaDB, PHP, Angular, Node JS</a:t>
-            </a:r>
-          </a:p>
-          <a:p>
-            <a:pPr marL="285750" indent="-285750">
-              <a:buFont typeface="Arial" panose="020B0604020202020204" pitchFamily="34" charset="0"/>
-              <a:buChar char="•"/>
-            </a:pPr>
-            <a:r>
-              <a:rPr lang="en-US" dirty="0"/>
-              <a:t>Used with Code Deploy</a:t>
-            </a:r>
-          </a:p>
-          <a:p>
-            <a:pPr marL="285750" indent="-285750">
-              <a:buFont typeface="Arial" panose="020B0604020202020204" pitchFamily="34" charset="0"/>
-              <a:buChar char="•"/>
-            </a:pPr>
-            <a:endParaRPr lang="en-US" dirty="0"/>
-          </a:p>
-          <a:p>
-            <a:r>
-              <a:rPr lang="en-US" dirty="0"/>
-              <a:t>S3 bucket</a:t>
-            </a:r>
-          </a:p>
-          <a:p>
-            <a:pPr marL="285750" indent="-285750">
-              <a:buFont typeface="Arial" panose="020B0604020202020204" pitchFamily="34" charset="0"/>
-              <a:buChar char="•"/>
-            </a:pPr>
-            <a:r>
-              <a:rPr lang="en-US" dirty="0"/>
-              <a:t>Static website</a:t>
-            </a:r>
-          </a:p>
-          <a:p>
-            <a:pPr marL="285750" indent="-285750">
-              <a:buFont typeface="Arial" panose="020B0604020202020204" pitchFamily="34" charset="0"/>
-              <a:buChar char="•"/>
-            </a:pPr>
-            <a:endParaRPr lang="en-US" dirty="0"/>
-          </a:p>
-          <a:p>
-            <a:pPr marL="285750" indent="-285750">
-              <a:buFont typeface="Arial" panose="020B0604020202020204" pitchFamily="34" charset="0"/>
-              <a:buChar char="•"/>
-            </a:pPr>
-            <a:endParaRPr lang="en-US" dirty="0"/>
-          </a:p>
-          <a:p>
-            <a:endParaRPr lang="en-US" dirty="0"/>
-          </a:p>
-        </p:txBody>
-      </p:sp>
-    </p:spTree>
-    <p:extLst>
-      <p:ext uri="{BB962C8B-B14F-4D97-AF65-F5344CB8AC3E}">
-        <p14:creationId xmlns:p14="http://schemas.microsoft.com/office/powerpoint/2010/main" val="61084087"/>
-      </p:ext>
-    </p:extLst>
-  </p:cSld>
-  <p:clrMapOvr>
-    <a:masterClrMapping/>
-  </p:clrMapOvr>
-</p:sld>
-</file>
-
-<file path=ppt/slides/slide16.xml><?xml version="1.0" encoding="utf-8"?>
-<p:sld xmlns:a="http://schemas.openxmlformats.org/drawingml/2006/main" xmlns:r="http://schemas.openxmlformats.org/officeDocument/2006/relationships" xmlns:p="http://schemas.openxmlformats.org/presentationml/2006/main">
-  <p:cSld>
-    <p:bg>
-      <p:bgPr>
-        <a:solidFill>
-          <a:schemeClr val="bg1"/>
-        </a:solidFill>
-        <a:effectLst/>
-      </p:bgPr>
-    </p:bg>
-    <p:spTree>
-      <p:nvGrpSpPr>
-        <p:cNvPr id="1" name=""/>
-        <p:cNvGrpSpPr/>
-        <p:nvPr/>
-      </p:nvGrpSpPr>
-      <p:grpSpPr>
-        <a:xfrm>
-          <a:off x="0" y="0"/>
-          <a:ext cx="0" cy="0"/>
-          <a:chOff x="0" y="0"/>
-          <a:chExt cx="0" cy="0"/>
-        </a:xfrm>
-      </p:grpSpPr>
+        </p:txBody>
+      </p:sp>
       <p:sp useBgFill="1">
         <p:nvSpPr>
-          <p:cNvPr id="71" name="Rectangle 70">
-            <a:extLst>
-              <a:ext uri="{FF2B5EF4-FFF2-40B4-BE49-F238E27FC236}">
-                <a16:creationId xmlns:a16="http://schemas.microsoft.com/office/drawing/2014/main" id="{C1A1C5D3-C053-4EE9-BE1A-419B6E27CCAE}"/>
+          <p:cNvPr id="11" name="Rectangle 10">
+            <a:extLst>
+              <a:ext uri="{FF2B5EF4-FFF2-40B4-BE49-F238E27FC236}">
+                <a16:creationId xmlns:a16="http://schemas.microsoft.com/office/drawing/2014/main" id="{3F0B700A-1508-4097-A8C8-8A474BB0C4BE}"/>
               </a:ext>
               <a:ext uri="{C183D7F6-B498-43B3-948B-1728B52AA6E4}">
                 <adec:decorative xmlns:adec="http://schemas.microsoft.com/office/drawing/2017/decorative" val="1"/>
@@ -11283,10 +11642,10 @@
       </p:sp>
       <p:sp useBgFill="1">
         <p:nvSpPr>
-          <p:cNvPr id="73" name="Rectangle 72">
-            <a:extLst>
-              <a:ext uri="{FF2B5EF4-FFF2-40B4-BE49-F238E27FC236}">
-                <a16:creationId xmlns:a16="http://schemas.microsoft.com/office/drawing/2014/main" id="{A3473CF9-37EB-43E7-89EF-D2D1C53D1DAC}"/>
+          <p:cNvPr id="12" name="Rectangle 11">
+            <a:extLst>
+              <a:ext uri="{FF2B5EF4-FFF2-40B4-BE49-F238E27FC236}">
+                <a16:creationId xmlns:a16="http://schemas.microsoft.com/office/drawing/2014/main" id="{7E4FDD61-6761-4F50-8A17-F88F5C26BD30}"/>
               </a:ext>
               <a:ext uri="{C183D7F6-B498-43B3-948B-1728B52AA6E4}">
                 <adec:decorative xmlns:adec="http://schemas.microsoft.com/office/drawing/2017/decorative" val="1"/>
@@ -11382,53 +11741,66 @@
       </p:sp>
       <p:sp>
         <p:nvSpPr>
-          <p:cNvPr id="2" name="Title 1">
-            <a:extLst>
-              <a:ext uri="{FF2B5EF4-FFF2-40B4-BE49-F238E27FC236}">
-                <a16:creationId xmlns:a16="http://schemas.microsoft.com/office/drawing/2014/main" id="{0FDE5079-B185-4DE0-AF2C-AE4B7709FBC3}"/>
-              </a:ext>
-            </a:extLst>
-          </p:cNvPr>
-          <p:cNvSpPr>
-            <a:spLocks noGrp="1"/>
-          </p:cNvSpPr>
-          <p:nvPr>
-            <p:ph type="title"/>
-          </p:nvPr>
+          <p:cNvPr id="13" name="Title 1">
+            <a:extLst>
+              <a:ext uri="{FF2B5EF4-FFF2-40B4-BE49-F238E27FC236}">
+                <a16:creationId xmlns:a16="http://schemas.microsoft.com/office/drawing/2014/main" id="{D21650C2-4448-4869-8636-550B6AF58D81}"/>
+              </a:ext>
+            </a:extLst>
+          </p:cNvPr>
+          <p:cNvSpPr txBox="1">
+            <a:spLocks/>
+          </p:cNvSpPr>
+          <p:nvPr/>
         </p:nvSpPr>
         <p:spPr>
           <a:xfrm>
-            <a:off x="2103121" y="310343"/>
+            <a:off x="2160197" y="310343"/>
             <a:ext cx="7985759" cy="868823"/>
           </a:xfrm>
+          <a:prstGeom prst="rect">
+            <a:avLst/>
+          </a:prstGeom>
         </p:spPr>
         <p:txBody>
           <a:bodyPr vert="horz" lIns="91440" tIns="45720" rIns="91440" bIns="45720" rtlCol="0" anchor="ctr">
             <a:normAutofit/>
           </a:bodyPr>
-          <a:lstStyle/>
-          <a:p>
-            <a:pPr algn="ctr"/>
-            <a:r>
-              <a:rPr lang="en-US" sz="4000" kern="1200" dirty="0">
+          <a:lstStyle>
+            <a:lvl1pPr algn="l" defTabSz="914400" rtl="0" eaLnBrk="1" latinLnBrk="0" hangingPunct="1">
+              <a:lnSpc>
+                <a:spcPct val="90000"/>
+              </a:lnSpc>
+              <a:spcBef>
+                <a:spcPct val="0"/>
+              </a:spcBef>
+              <a:buNone/>
+              <a:defRPr sz="4400" kern="1200">
                 <a:solidFill>
                   <a:schemeClr val="tx1"/>
                 </a:solidFill>
                 <a:latin typeface="+mj-lt"/>
                 <a:ea typeface="+mj-ea"/>
                 <a:cs typeface="+mj-cs"/>
-              </a:rPr>
-              <a:t>Mock-ups</a:t>
-            </a:r>
+              </a:defRPr>
+            </a:lvl1pPr>
+          </a:lstStyle>
+          <a:p>
+            <a:pPr algn="ctr"/>
+            <a:r>
+              <a:rPr lang="en-US" sz="4000"/>
+              <a:t>Automated Pipeline</a:t>
+            </a:r>
+            <a:endParaRPr lang="en-US" sz="4000" dirty="0"/>
           </a:p>
         </p:txBody>
       </p:sp>
       <p:sp>
         <p:nvSpPr>
-          <p:cNvPr id="75" name="Rectangle: Rounded Corners 74">
-            <a:extLst>
-              <a:ext uri="{FF2B5EF4-FFF2-40B4-BE49-F238E27FC236}">
-                <a16:creationId xmlns:a16="http://schemas.microsoft.com/office/drawing/2014/main" id="{586B4EF9-43BA-4655-A6FF-1D8E21574C95}"/>
+          <p:cNvPr id="14" name="Rectangle: Rounded Corners 13">
+            <a:extLst>
+              <a:ext uri="{FF2B5EF4-FFF2-40B4-BE49-F238E27FC236}">
+                <a16:creationId xmlns:a16="http://schemas.microsoft.com/office/drawing/2014/main" id="{BE88FAD3-CB4F-403F-9CCE-61E433CDD217}"/>
               </a:ext>
               <a:ext uri="{C183D7F6-B498-43B3-948B-1728B52AA6E4}">
                 <adec:decorative xmlns:adec="http://schemas.microsoft.com/office/drawing/2017/decorative" val="1"/>
@@ -11493,12 +11865,218 @@
           </a:p>
         </p:txBody>
       </p:sp>
+      <p:sp>
+        <p:nvSpPr>
+          <p:cNvPr id="15" name="TextBox 14">
+            <a:extLst>
+              <a:ext uri="{FF2B5EF4-FFF2-40B4-BE49-F238E27FC236}">
+                <a16:creationId xmlns:a16="http://schemas.microsoft.com/office/drawing/2014/main" id="{995FEE27-0AFE-4B0B-8C9F-E7D391128E82}"/>
+              </a:ext>
+            </a:extLst>
+          </p:cNvPr>
+          <p:cNvSpPr txBox="1"/>
+          <p:nvPr/>
+        </p:nvSpPr>
+        <p:spPr>
+          <a:xfrm>
+            <a:off x="1704109" y="1929448"/>
+            <a:ext cx="8384770" cy="4801314"/>
+          </a:xfrm>
+          <a:prstGeom prst="rect">
+            <a:avLst/>
+          </a:prstGeom>
+          <a:noFill/>
+        </p:spPr>
+        <p:txBody>
+          <a:bodyPr wrap="square" rtlCol="0">
+            <a:spAutoFit/>
+          </a:bodyPr>
+          <a:lstStyle/>
+          <a:p>
+            <a:r>
+              <a:rPr lang="en-US" dirty="0"/>
+              <a:t>Code Pipeline</a:t>
+            </a:r>
+          </a:p>
+          <a:p>
+            <a:pPr marL="285750" indent="-285750">
+              <a:buFont typeface="Arial" panose="020B0604020202020204" pitchFamily="34" charset="0"/>
+              <a:buChar char="•"/>
+            </a:pPr>
+            <a:r>
+              <a:rPr lang="en-US" dirty="0"/>
+              <a:t>Source: GitHub</a:t>
+            </a:r>
+          </a:p>
+          <a:p>
+            <a:pPr marL="285750" indent="-285750">
+              <a:buFont typeface="Arial" panose="020B0604020202020204" pitchFamily="34" charset="0"/>
+              <a:buChar char="•"/>
+            </a:pPr>
+            <a:r>
+              <a:rPr lang="en-US" dirty="0"/>
+              <a:t>Deploy: AWS Elastic Beanstalk</a:t>
+            </a:r>
+          </a:p>
+          <a:p>
+            <a:pPr marL="285750" indent="-285750">
+              <a:buFont typeface="Arial" panose="020B0604020202020204" pitchFamily="34" charset="0"/>
+              <a:buChar char="•"/>
+            </a:pPr>
+            <a:r>
+              <a:rPr lang="en-US" dirty="0"/>
+              <a:t>Artifact stored in S3 bucket</a:t>
+            </a:r>
+          </a:p>
+          <a:p>
+            <a:endParaRPr lang="en-US" dirty="0"/>
+          </a:p>
+          <a:p>
+            <a:r>
+              <a:rPr lang="en-US" dirty="0"/>
+              <a:t>Code Commit</a:t>
+            </a:r>
+          </a:p>
+          <a:p>
+            <a:pPr marL="285750" indent="-285750">
+              <a:buFont typeface="Arial" panose="020B0604020202020204" pitchFamily="34" charset="0"/>
+              <a:buChar char="•"/>
+            </a:pPr>
+            <a:r>
+              <a:rPr lang="en-US" dirty="0"/>
+              <a:t>GitHub using </a:t>
+            </a:r>
+            <a:r>
+              <a:rPr lang="en-US" dirty="0" err="1"/>
+              <a:t>oAuth</a:t>
+            </a:r>
+            <a:endParaRPr lang="en-US" dirty="0"/>
+          </a:p>
+          <a:p>
+            <a:pPr marL="285750" indent="-285750">
+              <a:buFont typeface="Arial" panose="020B0604020202020204" pitchFamily="34" charset="0"/>
+              <a:buChar char="•"/>
+            </a:pPr>
+            <a:r>
+              <a:rPr lang="en-US" dirty="0"/>
+              <a:t>Repository using S3 bucket</a:t>
+            </a:r>
+          </a:p>
+          <a:p>
+            <a:pPr marL="285750" indent="-285750">
+              <a:buFont typeface="Arial" panose="020B0604020202020204" pitchFamily="34" charset="0"/>
+              <a:buChar char="•"/>
+            </a:pPr>
+            <a:endParaRPr lang="en-US" dirty="0"/>
+          </a:p>
+          <a:p>
+            <a:r>
+              <a:rPr lang="en-US" dirty="0"/>
+              <a:t>Code Build</a:t>
+            </a:r>
+          </a:p>
+          <a:p>
+            <a:pPr marL="285750" indent="-285750">
+              <a:buFont typeface="Arial" panose="020B0604020202020204" pitchFamily="34" charset="0"/>
+              <a:buChar char="•"/>
+            </a:pPr>
+            <a:r>
+              <a:rPr lang="en-US" dirty="0"/>
+              <a:t>Build Projects for packaging code, executing test cases</a:t>
+            </a:r>
+          </a:p>
+          <a:p>
+            <a:endParaRPr lang="en-US" dirty="0"/>
+          </a:p>
+          <a:p>
+            <a:r>
+              <a:rPr lang="en-US" dirty="0"/>
+              <a:t>Code Deploy</a:t>
+            </a:r>
+          </a:p>
+          <a:p>
+            <a:pPr marL="285750" indent="-285750">
+              <a:buFont typeface="Arial" panose="020B0604020202020204" pitchFamily="34" charset="0"/>
+              <a:buChar char="•"/>
+            </a:pPr>
+            <a:r>
+              <a:rPr lang="en-US" dirty="0"/>
+              <a:t>Deploy on EC2</a:t>
+            </a:r>
+          </a:p>
+          <a:p>
+            <a:pPr marL="285750" indent="-285750">
+              <a:buFont typeface="Arial" panose="020B0604020202020204" pitchFamily="34" charset="0"/>
+              <a:buChar char="•"/>
+            </a:pPr>
+            <a:r>
+              <a:rPr lang="en-US" dirty="0"/>
+              <a:t>Deployment Groups, rolling changes</a:t>
+            </a:r>
+          </a:p>
+          <a:p>
+            <a:pPr marL="285750" indent="-285750">
+              <a:buFont typeface="Arial" panose="020B0604020202020204" pitchFamily="34" charset="0"/>
+              <a:buChar char="•"/>
+            </a:pPr>
+            <a:r>
+              <a:rPr lang="en-US" dirty="0"/>
+              <a:t>IAM roles</a:t>
+            </a:r>
+          </a:p>
+          <a:p>
+            <a:pPr marL="285750" indent="-285750">
+              <a:buFont typeface="Arial" panose="020B0604020202020204" pitchFamily="34" charset="0"/>
+              <a:buChar char="•"/>
+            </a:pPr>
+            <a:endParaRPr lang="en-US" dirty="0"/>
+          </a:p>
+        </p:txBody>
+      </p:sp>
+    </p:spTree>
+    <p:extLst>
+      <p:ext uri="{BB962C8B-B14F-4D97-AF65-F5344CB8AC3E}">
+        <p14:creationId xmlns:p14="http://schemas.microsoft.com/office/powerpoint/2010/main" val="361104267"/>
+      </p:ext>
+    </p:extLst>
+  </p:cSld>
+  <p:clrMapOvr>
+    <a:masterClrMapping/>
+  </p:clrMapOvr>
+</p:sld>
+</file>
+
+<file path=ppt/slides/slide15.xml><?xml version="1.0" encoding="utf-8"?>
+<p:sld xmlns:a="http://schemas.openxmlformats.org/drawingml/2006/main" xmlns:r="http://schemas.openxmlformats.org/officeDocument/2006/relationships" xmlns:p="http://schemas.openxmlformats.org/presentationml/2006/main">
+  <p:cSld>
+    <p:bg>
+      <p:bgPr>
+        <a:solidFill>
+          <a:schemeClr val="bg1"/>
+        </a:solidFill>
+        <a:effectLst/>
+      </p:bgPr>
+    </p:bg>
+    <p:spTree>
+      <p:nvGrpSpPr>
+        <p:cNvPr id="1" name=""/>
+        <p:cNvGrpSpPr/>
+        <p:nvPr/>
+      </p:nvGrpSpPr>
+      <p:grpSpPr>
+        <a:xfrm>
+          <a:off x="0" y="0"/>
+          <a:ext cx="0" cy="0"/>
+          <a:chOff x="0" y="0"/>
+          <a:chExt cx="0" cy="0"/>
+        </a:xfrm>
+      </p:grpSpPr>
       <p:sp useBgFill="1">
         <p:nvSpPr>
-          <p:cNvPr id="6" name="Rectangle 5">
-            <a:extLst>
-              <a:ext uri="{FF2B5EF4-FFF2-40B4-BE49-F238E27FC236}">
-                <a16:creationId xmlns:a16="http://schemas.microsoft.com/office/drawing/2014/main" id="{A5CF232E-4688-45AB-91BA-966C407455DC}"/>
+          <p:cNvPr id="71" name="Rectangle 70">
+            <a:extLst>
+              <a:ext uri="{FF2B5EF4-FFF2-40B4-BE49-F238E27FC236}">
+                <a16:creationId xmlns:a16="http://schemas.microsoft.com/office/drawing/2014/main" id="{C1A1C5D3-C053-4EE9-BE1A-419B6E27CCAE}"/>
               </a:ext>
               <a:ext uri="{C183D7F6-B498-43B3-948B-1728B52AA6E4}">
                 <adec:decorative xmlns:adec="http://schemas.microsoft.com/office/drawing/2017/decorative" val="1"/>
@@ -11555,10 +12133,10 @@
       </p:sp>
       <p:sp useBgFill="1">
         <p:nvSpPr>
-          <p:cNvPr id="7" name="Rectangle 6">
-            <a:extLst>
-              <a:ext uri="{FF2B5EF4-FFF2-40B4-BE49-F238E27FC236}">
-                <a16:creationId xmlns:a16="http://schemas.microsoft.com/office/drawing/2014/main" id="{B9A6EEF5-232F-4206-A5C3-2004CDBA3F51}"/>
+          <p:cNvPr id="73" name="Rectangle 72">
+            <a:extLst>
+              <a:ext uri="{FF2B5EF4-FFF2-40B4-BE49-F238E27FC236}">
+                <a16:creationId xmlns:a16="http://schemas.microsoft.com/office/drawing/2014/main" id="{A3473CF9-37EB-43E7-89EF-D2D1C53D1DAC}"/>
               </a:ext>
               <a:ext uri="{C183D7F6-B498-43B3-948B-1728B52AA6E4}">
                 <adec:decorative xmlns:adec="http://schemas.microsoft.com/office/drawing/2017/decorative" val="1"/>
@@ -11654,66 +12232,58 @@
       </p:sp>
       <p:sp>
         <p:nvSpPr>
-          <p:cNvPr id="8" name="Title 1">
-            <a:extLst>
-              <a:ext uri="{FF2B5EF4-FFF2-40B4-BE49-F238E27FC236}">
-                <a16:creationId xmlns:a16="http://schemas.microsoft.com/office/drawing/2014/main" id="{046F6EB2-F0E8-4FDA-82BF-764849ACBB21}"/>
-              </a:ext>
-            </a:extLst>
-          </p:cNvPr>
-          <p:cNvSpPr txBox="1">
-            <a:spLocks/>
-          </p:cNvSpPr>
-          <p:nvPr/>
+          <p:cNvPr id="2" name="Title 1">
+            <a:extLst>
+              <a:ext uri="{FF2B5EF4-FFF2-40B4-BE49-F238E27FC236}">
+                <a16:creationId xmlns:a16="http://schemas.microsoft.com/office/drawing/2014/main" id="{0FDE5079-B185-4DE0-AF2C-AE4B7709FBC3}"/>
+              </a:ext>
+            </a:extLst>
+          </p:cNvPr>
+          <p:cNvSpPr>
+            <a:spLocks noGrp="1"/>
+          </p:cNvSpPr>
+          <p:nvPr>
+            <p:ph type="title"/>
+          </p:nvPr>
         </p:nvSpPr>
         <p:spPr>
           <a:xfrm>
             <a:off x="2103121" y="310343"/>
             <a:ext cx="7985759" cy="868823"/>
           </a:xfrm>
-          <a:prstGeom prst="rect">
-            <a:avLst/>
-          </a:prstGeom>
         </p:spPr>
         <p:txBody>
           <a:bodyPr vert="horz" lIns="91440" tIns="45720" rIns="91440" bIns="45720" rtlCol="0" anchor="ctr">
             <a:normAutofit/>
           </a:bodyPr>
-          <a:lstStyle>
-            <a:lvl1pPr algn="l" defTabSz="914400" rtl="0" eaLnBrk="1" latinLnBrk="0" hangingPunct="1">
-              <a:lnSpc>
-                <a:spcPct val="90000"/>
-              </a:lnSpc>
-              <a:spcBef>
-                <a:spcPct val="0"/>
-              </a:spcBef>
-              <a:buNone/>
-              <a:defRPr sz="4400" kern="1200">
-                <a:solidFill>
-                  <a:schemeClr val="tx1"/>
-                </a:solidFill>
-                <a:latin typeface="+mj-lt"/>
-                <a:ea typeface="+mj-ea"/>
-                <a:cs typeface="+mj-cs"/>
-              </a:defRPr>
-            </a:lvl1pPr>
-          </a:lstStyle>
+          <a:lstStyle/>
           <a:p>
             <a:pPr algn="ctr"/>
             <a:r>
-              <a:rPr lang="en-US" sz="4000"/>
-              <a:t>AWS Service choices</a:t>
-            </a:r>
-            <a:endParaRPr lang="en-US" sz="4000" dirty="0"/>
+              <a:rPr lang="en-US" sz="4000" dirty="0"/>
+              <a:t>AWS </a:t>
+            </a:r>
+            <a:r>
+              <a:rPr lang="en-US" sz="4000" dirty="0" err="1"/>
+              <a:t>CodeBuild</a:t>
+            </a:r>
+            <a:endParaRPr lang="en-US" sz="4000" kern="1200" dirty="0">
+              <a:solidFill>
+                <a:schemeClr val="tx1"/>
+              </a:solidFill>
+              <a:latin typeface="+mj-lt"/>
+              <a:ea typeface="+mj-ea"/>
+              <a:cs typeface="+mj-cs"/>
+            </a:endParaRPr>
           </a:p>
         </p:txBody>
       </p:sp>
       <p:sp>
         <p:nvSpPr>
-          <p:cNvPr id="9" name="Rectangle: Rounded Corners 8">
-            <a:extLst>
-              <a:ext uri="{FF2B5EF4-FFF2-40B4-BE49-F238E27FC236}">
-                <a16:creationId xmlns:a16="http://schemas.microsoft.com/office/drawing/2014/main" id="{3093EA87-1287-49B8-BAEF-1B00D6E8B777}"/>
+          <p:cNvPr id="75" name="Rectangle: Rounded Corners 74">
+            <a:extLst>
+              <a:ext uri="{FF2B5EF4-FFF2-40B4-BE49-F238E27FC236}">
+                <a16:creationId xmlns:a16="http://schemas.microsoft.com/office/drawing/2014/main" id="{586B4EF9-43BA-4655-A6FF-1D8E21574C95}"/>
               </a:ext>
               <a:ext uri="{C183D7F6-B498-43B3-948B-1728B52AA6E4}">
                 <adec:decorative xmlns:adec="http://schemas.microsoft.com/office/drawing/2017/decorative" val="1"/>
@@ -11780,10 +12350,10 @@
       </p:sp>
       <p:sp>
         <p:nvSpPr>
-          <p:cNvPr id="10" name="TextBox 9">
-            <a:extLst>
-              <a:ext uri="{FF2B5EF4-FFF2-40B4-BE49-F238E27FC236}">
-                <a16:creationId xmlns:a16="http://schemas.microsoft.com/office/drawing/2014/main" id="{AD61C7D7-49C3-4845-B117-89B002224F74}"/>
+          <p:cNvPr id="3" name="TextBox 2">
+            <a:extLst>
+              <a:ext uri="{FF2B5EF4-FFF2-40B4-BE49-F238E27FC236}">
+                <a16:creationId xmlns:a16="http://schemas.microsoft.com/office/drawing/2014/main" id="{3DA47A83-3C4B-4A44-A497-1DB8B4E3B592}"/>
               </a:ext>
             </a:extLst>
           </p:cNvPr>
@@ -11792,8 +12362,8 @@
         </p:nvSpPr>
         <p:spPr>
           <a:xfrm>
-            <a:off x="1800902" y="2113713"/>
-            <a:ext cx="8384770" cy="4801314"/>
+            <a:off x="1090670" y="2375471"/>
+            <a:ext cx="10113484" cy="4204356"/>
           </a:xfrm>
           <a:prstGeom prst="rect">
             <a:avLst/>
@@ -11806,603 +12376,325 @@
           </a:bodyPr>
           <a:lstStyle/>
           <a:p>
+            <a:pPr marL="285750" indent="-285750">
+              <a:lnSpc>
+                <a:spcPct val="150000"/>
+              </a:lnSpc>
+              <a:buFont typeface="Arial" panose="020B0604020202020204" pitchFamily="34" charset="0"/>
+              <a:buChar char="•"/>
+            </a:pPr>
             <a:r>
               <a:rPr lang="en-US" dirty="0"/>
-              <a:t>Code Pipeline</a:t>
+              <a:t>Build service, which compiles source code, runs tests, and produces artifacts</a:t>
             </a:r>
           </a:p>
           <a:p>
             <a:pPr marL="285750" indent="-285750">
+              <a:lnSpc>
+                <a:spcPct val="150000"/>
+              </a:lnSpc>
               <a:buFont typeface="Arial" panose="020B0604020202020204" pitchFamily="34" charset="0"/>
               <a:buChar char="•"/>
             </a:pPr>
             <a:r>
               <a:rPr lang="en-US" dirty="0"/>
-              <a:t>Source: GitHub</a:t>
+              <a:t>Pulls source code from </a:t>
+            </a:r>
+            <a:r>
+              <a:rPr lang="en-US" dirty="0" err="1"/>
+              <a:t>CodeCommit</a:t>
+            </a:r>
+            <a:r>
+              <a:rPr lang="en-US" dirty="0"/>
+              <a:t>, Amazon S3, GitHub, or Bitbucket</a:t>
             </a:r>
           </a:p>
           <a:p>
             <a:pPr marL="285750" indent="-285750">
+              <a:lnSpc>
+                <a:spcPct val="150000"/>
+              </a:lnSpc>
               <a:buFont typeface="Arial" panose="020B0604020202020204" pitchFamily="34" charset="0"/>
               <a:buChar char="•"/>
             </a:pPr>
             <a:r>
               <a:rPr lang="en-US" dirty="0"/>
-              <a:t>Deploy: AWS Elastic Beanstalk</a:t>
+              <a:t>Supports popular programming languages and build tools, and can be customized</a:t>
             </a:r>
           </a:p>
           <a:p>
             <a:pPr marL="285750" indent="-285750">
+              <a:lnSpc>
+                <a:spcPct val="150000"/>
+              </a:lnSpc>
               <a:buFont typeface="Arial" panose="020B0604020202020204" pitchFamily="34" charset="0"/>
               <a:buChar char="•"/>
             </a:pPr>
             <a:r>
               <a:rPr lang="en-US" dirty="0"/>
-              <a:t>Artifact sored in S3 bucket</a:t>
-            </a:r>
-          </a:p>
-          <a:p>
+              <a:t>Run via AWS </a:t>
+            </a:r>
+            <a:r>
+              <a:rPr lang="en-US" dirty="0" err="1"/>
+              <a:t>CodeBuild</a:t>
+            </a:r>
+            <a:r>
+              <a:rPr lang="en-US" dirty="0"/>
+              <a:t> console, AWS CLI, AWS SDKs, or AWS </a:t>
+            </a:r>
+            <a:r>
+              <a:rPr lang="en-US" dirty="0" err="1"/>
+              <a:t>CodePipeline</a:t>
+            </a:r>
             <a:endParaRPr lang="en-US" dirty="0"/>
           </a:p>
           <a:p>
+            <a:pPr marL="285750" indent="-285750">
+              <a:lnSpc>
+                <a:spcPct val="150000"/>
+              </a:lnSpc>
+              <a:buFont typeface="Arial" panose="020B0604020202020204" pitchFamily="34" charset="0"/>
+              <a:buChar char="•"/>
+            </a:pPr>
             <a:r>
               <a:rPr lang="en-US" dirty="0"/>
-              <a:t>Code Commit</a:t>
+              <a:t>Ability to view the overall status of the build, build phase details, and build logs</a:t>
             </a:r>
           </a:p>
           <a:p>
             <a:pPr marL="285750" indent="-285750">
+              <a:lnSpc>
+                <a:spcPct val="150000"/>
+              </a:lnSpc>
               <a:buFont typeface="Arial" panose="020B0604020202020204" pitchFamily="34" charset="0"/>
               <a:buChar char="•"/>
             </a:pPr>
             <a:r>
               <a:rPr lang="en-US" dirty="0"/>
-              <a:t>GitHub using </a:t>
+              <a:t>Build specifications are written using a specific </a:t>
+            </a:r>
+            <a:r>
+              <a:rPr lang="en-US" dirty="0">
+                <a:hlinkClick r:id="rId3"/>
+              </a:rPr>
+              <a:t>syntax</a:t>
+            </a:r>
+            <a:r>
+              <a:rPr lang="en-US" dirty="0"/>
+              <a:t>, in a </a:t>
             </a:r>
             <a:r>
               <a:rPr lang="en-US" dirty="0" err="1"/>
-              <a:t>oAuth</a:t>
+              <a:t>yaml</a:t>
+            </a:r>
+            <a:r>
+              <a:rPr lang="en-US" dirty="0"/>
+              <a:t> format</a:t>
+            </a:r>
+          </a:p>
+          <a:p>
+            <a:pPr marL="285750" indent="-285750">
+              <a:lnSpc>
+                <a:spcPct val="150000"/>
+              </a:lnSpc>
+              <a:buFont typeface="Arial" panose="020B0604020202020204" pitchFamily="34" charset="0"/>
+              <a:buChar char="•"/>
+            </a:pPr>
+            <a:r>
+              <a:rPr lang="en-US" dirty="0">
+                <a:hlinkClick r:id="rId4"/>
+              </a:rPr>
+              <a:t>Pricing</a:t>
+            </a:r>
+            <a:r>
+              <a:rPr lang="en-US" dirty="0"/>
+              <a:t> is based on the number of build minutes, and there is a free tier option</a:t>
+            </a:r>
+          </a:p>
+          <a:p>
+            <a:pPr marL="285750" indent="-285750">
+              <a:lnSpc>
+                <a:spcPct val="150000"/>
+              </a:lnSpc>
+              <a:buFont typeface="Arial" panose="020B0604020202020204" pitchFamily="34" charset="0"/>
+              <a:buChar char="•"/>
+            </a:pPr>
+            <a:r>
+              <a:rPr lang="en-US" dirty="0"/>
+              <a:t>Team decided to use AWS </a:t>
+            </a:r>
+            <a:r>
+              <a:rPr lang="en-US" dirty="0" err="1"/>
+              <a:t>CodeBuild</a:t>
+            </a:r>
+            <a:r>
+              <a:rPr lang="en-US" dirty="0"/>
+              <a:t> because of the easy integration with AWS </a:t>
+            </a:r>
+            <a:r>
+              <a:rPr lang="en-US" dirty="0" err="1"/>
+              <a:t>CodePipeline</a:t>
             </a:r>
             <a:endParaRPr lang="en-US" dirty="0"/>
           </a:p>
           <a:p>
             <a:pPr marL="285750" indent="-285750">
-              <a:buFont typeface="Arial" panose="020B0604020202020204" pitchFamily="34" charset="0"/>
-              <a:buChar char="•"/>
+              <a:lnSpc>
+                <a:spcPct val="150000"/>
+              </a:lnSpc>
+              <a:buFont typeface="Arial" panose="020B0604020202020204" pitchFamily="34" charset="0"/>
+              <a:buChar char="•"/>
+            </a:pPr>
+            <a:endParaRPr lang="en-US" dirty="0"/>
+          </a:p>
+          <a:p>
+            <a:pPr lvl="1">
+              <a:lnSpc>
+                <a:spcPct val="150000"/>
+              </a:lnSpc>
             </a:pPr>
             <a:r>
               <a:rPr lang="en-US" dirty="0"/>
-              <a:t>Repository using S3 bucket</a:t>
-            </a:r>
-          </a:p>
-          <a:p>
-            <a:pPr marL="285750" indent="-285750">
-              <a:buFont typeface="Arial" panose="020B0604020202020204" pitchFamily="34" charset="0"/>
-              <a:buChar char="•"/>
-            </a:pPr>
+              <a:t>(Source:  </a:t>
+            </a:r>
+            <a:r>
+              <a:rPr lang="fr-FR" dirty="0">
+                <a:hlinkClick r:id="rId5"/>
+              </a:rPr>
+              <a:t>https://docs.aws.amazon.com/codebuild/latest/userguide/welcome.html</a:t>
+            </a:r>
+            <a:r>
+              <a:rPr lang="fr-FR" dirty="0"/>
+              <a:t>)</a:t>
+            </a:r>
             <a:endParaRPr lang="en-US" dirty="0"/>
           </a:p>
-          <a:p>
-            <a:r>
-              <a:rPr lang="en-US" dirty="0"/>
-              <a:t>Code Build</a:t>
-            </a:r>
-          </a:p>
-          <a:p>
-            <a:pPr marL="285750" indent="-285750">
-              <a:buFont typeface="Arial" panose="020B0604020202020204" pitchFamily="34" charset="0"/>
-              <a:buChar char="•"/>
-            </a:pPr>
-            <a:r>
-              <a:rPr lang="en-US" dirty="0"/>
-              <a:t>Build Projects for packaging code, executing test cases</a:t>
-            </a:r>
-          </a:p>
-          <a:p>
-            <a:endParaRPr lang="en-US" dirty="0"/>
-          </a:p>
-          <a:p>
-            <a:r>
-              <a:rPr lang="en-US" dirty="0"/>
-              <a:t>Code Deploy</a:t>
-            </a:r>
-          </a:p>
-          <a:p>
-            <a:pPr marL="285750" indent="-285750">
-              <a:buFont typeface="Arial" panose="020B0604020202020204" pitchFamily="34" charset="0"/>
-              <a:buChar char="•"/>
-            </a:pPr>
-            <a:r>
-              <a:rPr lang="en-US" dirty="0"/>
-              <a:t>Deploy on EC2</a:t>
-            </a:r>
-          </a:p>
-          <a:p>
-            <a:pPr marL="285750" indent="-285750">
-              <a:buFont typeface="Arial" panose="020B0604020202020204" pitchFamily="34" charset="0"/>
-              <a:buChar char="•"/>
-            </a:pPr>
-            <a:r>
-              <a:rPr lang="en-US" dirty="0"/>
-              <a:t>Deployment Groups, rolling changes</a:t>
-            </a:r>
-          </a:p>
-          <a:p>
-            <a:pPr marL="285750" indent="-285750">
-              <a:buFont typeface="Arial" panose="020B0604020202020204" pitchFamily="34" charset="0"/>
-              <a:buChar char="•"/>
-            </a:pPr>
-            <a:r>
-              <a:rPr lang="en-US" dirty="0"/>
-              <a:t>IAM roles</a:t>
-            </a:r>
-          </a:p>
-          <a:p>
-            <a:pPr marL="285750" indent="-285750">
-              <a:buFont typeface="Arial" panose="020B0604020202020204" pitchFamily="34" charset="0"/>
-              <a:buChar char="•"/>
-            </a:pPr>
-            <a:endParaRPr lang="en-US" dirty="0"/>
-          </a:p>
-        </p:txBody>
-      </p:sp>
-      <p:sp useBgFill="1">
-        <p:nvSpPr>
-          <p:cNvPr id="11" name="Rectangle 10">
-            <a:extLst>
-              <a:ext uri="{FF2B5EF4-FFF2-40B4-BE49-F238E27FC236}">
-                <a16:creationId xmlns:a16="http://schemas.microsoft.com/office/drawing/2014/main" id="{3F0B700A-1508-4097-A8C8-8A474BB0C4BE}"/>
-              </a:ext>
-              <a:ext uri="{C183D7F6-B498-43B3-948B-1728B52AA6E4}">
-                <adec:decorative xmlns:adec="http://schemas.microsoft.com/office/drawing/2017/decorative" val="1"/>
-              </a:ext>
-            </a:extLst>
-          </p:cNvPr>
-          <p:cNvSpPr>
-            <a:spLocks noGrp="1" noRot="1" noChangeAspect="1" noMove="1" noResize="1" noEditPoints="1" noAdjustHandles="1" noChangeArrowheads="1" noChangeShapeType="1" noTextEdit="1"/>
-          </p:cNvSpPr>
-          <p:nvPr>
-            <p:extLst>
-              <p:ext uri="{386F3935-93C4-4BCD-93E2-E3B085C9AB24}">
-                <p16:designElem xmlns:p16="http://schemas.microsoft.com/office/powerpoint/2015/main" val="1"/>
-              </p:ext>
-            </p:extLst>
-          </p:nvPr>
-        </p:nvSpPr>
+        </p:txBody>
+      </p:sp>
+    </p:spTree>
+    <p:extLst>
+      <p:ext uri="{BB962C8B-B14F-4D97-AF65-F5344CB8AC3E}">
+        <p14:creationId xmlns:p14="http://schemas.microsoft.com/office/powerpoint/2010/main" val="512997375"/>
+      </p:ext>
+    </p:extLst>
+  </p:cSld>
+  <p:clrMapOvr>
+    <a:masterClrMapping/>
+  </p:clrMapOvr>
+</p:sld>
+</file>
+
+<file path=ppt/slides/slide16.xml><?xml version="1.0" encoding="utf-8"?>
+<p:sld xmlns:a="http://schemas.openxmlformats.org/drawingml/2006/main" xmlns:r="http://schemas.openxmlformats.org/officeDocument/2006/relationships" xmlns:p="http://schemas.openxmlformats.org/presentationml/2006/main">
+  <p:cSld>
+    <p:spTree>
+      <p:nvGrpSpPr>
+        <p:cNvPr id="1" name=""/>
+        <p:cNvGrpSpPr/>
+        <p:nvPr/>
+      </p:nvGrpSpPr>
+      <p:grpSpPr>
+        <a:xfrm>
+          <a:off x="0" y="0"/>
+          <a:ext cx="0" cy="0"/>
+          <a:chOff x="0" y="0"/>
+          <a:chExt cx="0" cy="0"/>
+        </a:xfrm>
+      </p:grpSpPr>
+      <p:pic>
+        <p:nvPicPr>
+          <p:cNvPr id="4" name="Picture 3">
+            <a:extLst>
+              <a:ext uri="{FF2B5EF4-FFF2-40B4-BE49-F238E27FC236}">
+                <a16:creationId xmlns:a16="http://schemas.microsoft.com/office/drawing/2014/main" id="{05D957DA-20B5-425F-8107-70B33683D008}"/>
+              </a:ext>
+            </a:extLst>
+          </p:cNvPr>
+          <p:cNvPicPr>
+            <a:picLocks noChangeAspect="1"/>
+          </p:cNvPicPr>
+          <p:nvPr/>
+        </p:nvPicPr>
+        <p:blipFill>
+          <a:blip r:embed="rId2"/>
+          <a:stretch>
+            <a:fillRect/>
+          </a:stretch>
+        </p:blipFill>
         <p:spPr>
           <a:xfrm>
-            <a:off x="0" y="0"/>
-            <a:ext cx="12192000" cy="6858000"/>
-          </a:xfrm>
-          <a:prstGeom prst="rect">
-            <a:avLst/>
-          </a:prstGeom>
-          <a:ln>
-            <a:noFill/>
-          </a:ln>
-        </p:spPr>
-        <p:style>
-          <a:lnRef idx="2">
-            <a:schemeClr val="accent1">
-              <a:shade val="50000"/>
-            </a:schemeClr>
-          </a:lnRef>
-          <a:fillRef idx="1">
-            <a:schemeClr val="accent1"/>
-          </a:fillRef>
-          <a:effectRef idx="0">
-            <a:schemeClr val="accent1"/>
-          </a:effectRef>
-          <a:fontRef idx="minor">
-            <a:schemeClr val="lt1"/>
-          </a:fontRef>
-        </p:style>
-        <p:txBody>
-          <a:bodyPr rtlCol="0" anchor="ctr"/>
-          <a:lstStyle/>
-          <a:p>
-            <a:pPr algn="ctr"/>
-            <a:endParaRPr lang="en-US" dirty="0"/>
-          </a:p>
-        </p:txBody>
-      </p:sp>
-      <p:sp useBgFill="1">
-        <p:nvSpPr>
-          <p:cNvPr id="12" name="Rectangle 11">
-            <a:extLst>
-              <a:ext uri="{FF2B5EF4-FFF2-40B4-BE49-F238E27FC236}">
-                <a16:creationId xmlns:a16="http://schemas.microsoft.com/office/drawing/2014/main" id="{7E4FDD61-6761-4F50-8A17-F88F5C26BD30}"/>
-              </a:ext>
-              <a:ext uri="{C183D7F6-B498-43B3-948B-1728B52AA6E4}">
-                <adec:decorative xmlns:adec="http://schemas.microsoft.com/office/drawing/2017/decorative" val="1"/>
-              </a:ext>
-            </a:extLst>
-          </p:cNvPr>
-          <p:cNvSpPr>
-            <a:spLocks noGrp="1" noRot="1" noChangeAspect="1" noMove="1" noResize="1" noEditPoints="1" noAdjustHandles="1" noChangeArrowheads="1" noChangeShapeType="1" noTextEdit="1"/>
-          </p:cNvSpPr>
-          <p:nvPr>
-            <p:extLst>
-              <p:ext uri="{386F3935-93C4-4BCD-93E2-E3B085C9AB24}">
-                <p16:designElem xmlns:p16="http://schemas.microsoft.com/office/powerpoint/2015/main" val="1"/>
-              </p:ext>
-            </p:extLst>
-          </p:nvPr>
-        </p:nvSpPr>
-        <p:spPr>
-          <a:xfrm>
-            <a:off x="1903615" y="221673"/>
-            <a:ext cx="8384770" cy="1332634"/>
-          </a:xfrm>
-          <a:prstGeom prst="rect">
-            <a:avLst/>
-          </a:prstGeom>
-          <a:ln w="12700">
-            <a:solidFill>
-              <a:srgbClr val="E1E1E1"/>
-            </a:solidFill>
-          </a:ln>
-          <a:effectLst>
-            <a:outerShdw blurRad="50800" dist="38100" dir="2700000" algn="tl" rotWithShape="0">
-              <a:schemeClr val="bg2">
-                <a:lumMod val="85000"/>
-                <a:alpha val="50000"/>
-              </a:schemeClr>
-            </a:outerShdw>
-          </a:effectLst>
-        </p:spPr>
-        <p:style>
-          <a:lnRef idx="2">
-            <a:schemeClr val="accent1">
-              <a:shade val="50000"/>
-            </a:schemeClr>
-          </a:lnRef>
-          <a:fillRef idx="1">
-            <a:schemeClr val="accent1"/>
-          </a:fillRef>
-          <a:effectRef idx="0">
-            <a:schemeClr val="accent1"/>
-          </a:effectRef>
-          <a:fontRef idx="minor">
-            <a:schemeClr val="lt1"/>
-          </a:fontRef>
-        </p:style>
-        <p:txBody>
-          <a:bodyPr rtlCol="0" anchor="ctr"/>
-          <a:lstStyle/>
-          <a:p>
-            <a:pPr marL="0" marR="0" lvl="0" indent="0" algn="ctr" defTabSz="914400" rtl="0" eaLnBrk="1" fontAlgn="auto" latinLnBrk="0" hangingPunct="1">
-              <a:lnSpc>
-                <a:spcPct val="100000"/>
-              </a:lnSpc>
-              <a:spcBef>
-                <a:spcPts val="0"/>
-              </a:spcBef>
-              <a:spcAft>
-                <a:spcPts val="0"/>
-              </a:spcAft>
-              <a:buClrTx/>
-              <a:buSzTx/>
-              <a:buFontTx/>
-              <a:buNone/>
-              <a:tabLst/>
-              <a:defRPr/>
-            </a:pPr>
-            <a:endParaRPr kumimoji="0" lang="en-US" sz="1800" b="0" i="0" u="none" strike="noStrike" kern="1200" cap="none" spc="0" normalizeH="0" baseline="0" noProof="0" dirty="0">
-              <a:ln>
-                <a:noFill/>
-              </a:ln>
-              <a:solidFill>
-                <a:prstClr val="white"/>
-              </a:solidFill>
-              <a:effectLst/>
-              <a:uLnTx/>
-              <a:uFillTx/>
-              <a:latin typeface="Calibri" panose="020F0502020204030204"/>
-              <a:ea typeface="+mn-ea"/>
-              <a:cs typeface="+mn-cs"/>
-            </a:endParaRPr>
-          </a:p>
-        </p:txBody>
-      </p:sp>
-      <p:sp>
-        <p:nvSpPr>
-          <p:cNvPr id="13" name="Title 1">
-            <a:extLst>
-              <a:ext uri="{FF2B5EF4-FFF2-40B4-BE49-F238E27FC236}">
-                <a16:creationId xmlns:a16="http://schemas.microsoft.com/office/drawing/2014/main" id="{D21650C2-4448-4869-8636-550B6AF58D81}"/>
-              </a:ext>
-            </a:extLst>
-          </p:cNvPr>
-          <p:cNvSpPr txBox="1">
-            <a:spLocks/>
-          </p:cNvSpPr>
-          <p:nvPr/>
-        </p:nvSpPr>
-        <p:spPr>
-          <a:xfrm>
-            <a:off x="2160197" y="310343"/>
-            <a:ext cx="7985759" cy="868823"/>
+            <a:off x="5549735" y="283944"/>
+            <a:ext cx="4381005" cy="3052506"/>
           </a:xfrm>
           <a:prstGeom prst="rect">
             <a:avLst/>
           </a:prstGeom>
         </p:spPr>
-        <p:txBody>
-          <a:bodyPr vert="horz" lIns="91440" tIns="45720" rIns="91440" bIns="45720" rtlCol="0" anchor="ctr">
-            <a:normAutofit/>
-          </a:bodyPr>
-          <a:lstStyle>
-            <a:lvl1pPr algn="l" defTabSz="914400" rtl="0" eaLnBrk="1" latinLnBrk="0" hangingPunct="1">
-              <a:lnSpc>
-                <a:spcPct val="90000"/>
-              </a:lnSpc>
-              <a:spcBef>
-                <a:spcPct val="0"/>
-              </a:spcBef>
-              <a:buNone/>
-              <a:defRPr sz="4400" kern="1200">
-                <a:solidFill>
-                  <a:schemeClr val="tx1"/>
-                </a:solidFill>
-                <a:latin typeface="+mj-lt"/>
-                <a:ea typeface="+mj-ea"/>
-                <a:cs typeface="+mj-cs"/>
-              </a:defRPr>
-            </a:lvl1pPr>
-          </a:lstStyle>
-          <a:p>
-            <a:pPr algn="ctr"/>
-            <a:r>
-              <a:rPr lang="en-US" sz="4000"/>
-              <a:t>Automated Pipeline</a:t>
-            </a:r>
-            <a:endParaRPr lang="en-US" sz="4000" dirty="0"/>
-          </a:p>
-        </p:txBody>
-      </p:sp>
-      <p:sp>
-        <p:nvSpPr>
-          <p:cNvPr id="14" name="Rectangle: Rounded Corners 13">
-            <a:extLst>
-              <a:ext uri="{FF2B5EF4-FFF2-40B4-BE49-F238E27FC236}">
-                <a16:creationId xmlns:a16="http://schemas.microsoft.com/office/drawing/2014/main" id="{BE88FAD3-CB4F-403F-9CCE-61E433CDD217}"/>
-              </a:ext>
-              <a:ext uri="{C183D7F6-B498-43B3-948B-1728B52AA6E4}">
-                <adec:decorative xmlns:adec="http://schemas.microsoft.com/office/drawing/2017/decorative" val="1"/>
-              </a:ext>
-            </a:extLst>
-          </p:cNvPr>
-          <p:cNvSpPr>
-            <a:spLocks noGrp="1" noRot="1" noChangeAspect="1" noMove="1" noResize="1" noEditPoints="1" noAdjustHandles="1" noChangeArrowheads="1" noChangeShapeType="1" noTextEdit="1"/>
-          </p:cNvSpPr>
-          <p:nvPr>
-            <p:extLst>
-              <p:ext uri="{386F3935-93C4-4BCD-93E2-E3B085C9AB24}">
-                <p16:designElem xmlns:p16="http://schemas.microsoft.com/office/powerpoint/2015/main" val="1"/>
-              </p:ext>
-            </p:extLst>
-          </p:nvPr>
-        </p:nvSpPr>
+      </p:pic>
+      <p:pic>
+        <p:nvPicPr>
+          <p:cNvPr id="5" name="Picture 4">
+            <a:extLst>
+              <a:ext uri="{FF2B5EF4-FFF2-40B4-BE49-F238E27FC236}">
+                <a16:creationId xmlns:a16="http://schemas.microsoft.com/office/drawing/2014/main" id="{C163E8EA-8E86-4750-AAD1-89302E978901}"/>
+              </a:ext>
+            </a:extLst>
+          </p:cNvPr>
+          <p:cNvPicPr>
+            <a:picLocks noChangeAspect="1"/>
+          </p:cNvPicPr>
+          <p:nvPr/>
+        </p:nvPicPr>
+        <p:blipFill>
+          <a:blip r:embed="rId3"/>
+          <a:stretch>
+            <a:fillRect/>
+          </a:stretch>
+        </p:blipFill>
         <p:spPr>
           <a:xfrm>
-            <a:off x="2483110" y="1211407"/>
-            <a:ext cx="7225780" cy="685800"/>
-          </a:xfrm>
-          <a:prstGeom prst="roundRect">
-            <a:avLst>
-              <a:gd name="adj" fmla="val 0"/>
-            </a:avLst>
-          </a:prstGeom>
-          <a:solidFill>
-            <a:schemeClr val="accent2"/>
-          </a:solidFill>
-          <a:ln>
-            <a:noFill/>
-          </a:ln>
-        </p:spPr>
-        <p:style>
-          <a:lnRef idx="2">
-            <a:schemeClr val="accent1">
-              <a:shade val="50000"/>
-            </a:schemeClr>
-          </a:lnRef>
-          <a:fillRef idx="1">
-            <a:schemeClr val="accent1"/>
-          </a:fillRef>
-          <a:effectRef idx="0">
-            <a:schemeClr val="accent1"/>
-          </a:effectRef>
-          <a:fontRef idx="minor">
-            <a:schemeClr val="lt1"/>
-          </a:fontRef>
-        </p:style>
-        <p:txBody>
-          <a:bodyPr rtlCol="0" anchor="ctr"/>
-          <a:lstStyle/>
-          <a:p>
-            <a:pPr algn="ctr"/>
-            <a:endParaRPr lang="en-US" dirty="0">
-              <a:solidFill>
-                <a:prstClr val="white"/>
-              </a:solidFill>
-              <a:latin typeface="Calibri" panose="020F0502020204030204"/>
-            </a:endParaRPr>
-          </a:p>
-        </p:txBody>
-      </p:sp>
-      <p:sp>
-        <p:nvSpPr>
-          <p:cNvPr id="15" name="TextBox 14">
-            <a:extLst>
-              <a:ext uri="{FF2B5EF4-FFF2-40B4-BE49-F238E27FC236}">
-                <a16:creationId xmlns:a16="http://schemas.microsoft.com/office/drawing/2014/main" id="{995FEE27-0AFE-4B0B-8C9F-E7D391128E82}"/>
-              </a:ext>
-            </a:extLst>
-          </p:cNvPr>
-          <p:cNvSpPr txBox="1"/>
-          <p:nvPr/>
-        </p:nvSpPr>
-        <p:spPr>
-          <a:xfrm>
-            <a:off x="1704109" y="1929448"/>
-            <a:ext cx="8384770" cy="4801314"/>
+            <a:off x="2388919" y="3521551"/>
+            <a:ext cx="6915398" cy="2949481"/>
           </a:xfrm>
           <a:prstGeom prst="rect">
             <a:avLst/>
           </a:prstGeom>
-          <a:noFill/>
         </p:spPr>
-        <p:txBody>
-          <a:bodyPr wrap="square" rtlCol="0">
-            <a:spAutoFit/>
-          </a:bodyPr>
-          <a:lstStyle/>
-          <a:p>
-            <a:r>
-              <a:rPr lang="en-US" dirty="0"/>
-              <a:t>Code Pipeline</a:t>
-            </a:r>
-          </a:p>
-          <a:p>
-            <a:pPr marL="285750" indent="-285750">
-              <a:buFont typeface="Arial" panose="020B0604020202020204" pitchFamily="34" charset="0"/>
-              <a:buChar char="•"/>
-            </a:pPr>
-            <a:r>
-              <a:rPr lang="en-US" dirty="0"/>
-              <a:t>Source: GitHub</a:t>
-            </a:r>
-          </a:p>
-          <a:p>
-            <a:pPr marL="285750" indent="-285750">
-              <a:buFont typeface="Arial" panose="020B0604020202020204" pitchFamily="34" charset="0"/>
-              <a:buChar char="•"/>
-            </a:pPr>
-            <a:r>
-              <a:rPr lang="en-US" dirty="0"/>
-              <a:t>Deploy: AWS Elastic Beanstalk</a:t>
-            </a:r>
-          </a:p>
-          <a:p>
-            <a:pPr marL="285750" indent="-285750">
-              <a:buFont typeface="Arial" panose="020B0604020202020204" pitchFamily="34" charset="0"/>
-              <a:buChar char="•"/>
-            </a:pPr>
-            <a:r>
-              <a:rPr lang="en-US" dirty="0"/>
-              <a:t>Artifact sored in S3 bucket</a:t>
-            </a:r>
-          </a:p>
-          <a:p>
-            <a:endParaRPr lang="en-US" dirty="0"/>
-          </a:p>
-          <a:p>
-            <a:r>
-              <a:rPr lang="en-US" dirty="0"/>
-              <a:t>Code Commit</a:t>
-            </a:r>
-          </a:p>
-          <a:p>
-            <a:pPr marL="285750" indent="-285750">
-              <a:buFont typeface="Arial" panose="020B0604020202020204" pitchFamily="34" charset="0"/>
-              <a:buChar char="•"/>
-            </a:pPr>
-            <a:r>
-              <a:rPr lang="en-US" dirty="0"/>
-              <a:t>GitHub using </a:t>
-            </a:r>
-            <a:r>
-              <a:rPr lang="en-US" dirty="0" err="1"/>
-              <a:t>oAuth</a:t>
-            </a:r>
-            <a:endParaRPr lang="en-US" dirty="0"/>
-          </a:p>
-          <a:p>
-            <a:pPr marL="285750" indent="-285750">
-              <a:buFont typeface="Arial" panose="020B0604020202020204" pitchFamily="34" charset="0"/>
-              <a:buChar char="•"/>
-            </a:pPr>
-            <a:r>
-              <a:rPr lang="en-US" dirty="0"/>
-              <a:t>Repository using S3 bucket</a:t>
-            </a:r>
-          </a:p>
-          <a:p>
-            <a:pPr marL="285750" indent="-285750">
-              <a:buFont typeface="Arial" panose="020B0604020202020204" pitchFamily="34" charset="0"/>
-              <a:buChar char="•"/>
-            </a:pPr>
-            <a:endParaRPr lang="en-US" dirty="0"/>
-          </a:p>
-          <a:p>
-            <a:r>
-              <a:rPr lang="en-US" dirty="0"/>
-              <a:t>Code Build</a:t>
-            </a:r>
-          </a:p>
-          <a:p>
-            <a:pPr marL="285750" indent="-285750">
-              <a:buFont typeface="Arial" panose="020B0604020202020204" pitchFamily="34" charset="0"/>
-              <a:buChar char="•"/>
-            </a:pPr>
-            <a:r>
-              <a:rPr lang="en-US" dirty="0"/>
-              <a:t>Build Projects for packaging code, executing test cases</a:t>
-            </a:r>
-          </a:p>
-          <a:p>
-            <a:endParaRPr lang="en-US" dirty="0"/>
-          </a:p>
-          <a:p>
-            <a:r>
-              <a:rPr lang="en-US" dirty="0"/>
-              <a:t>Code Deploy</a:t>
-            </a:r>
-          </a:p>
-          <a:p>
-            <a:pPr marL="285750" indent="-285750">
-              <a:buFont typeface="Arial" panose="020B0604020202020204" pitchFamily="34" charset="0"/>
-              <a:buChar char="•"/>
-            </a:pPr>
-            <a:r>
-              <a:rPr lang="en-US" dirty="0"/>
-              <a:t>Deploy on EC2</a:t>
-            </a:r>
-          </a:p>
-          <a:p>
-            <a:pPr marL="285750" indent="-285750">
-              <a:buFont typeface="Arial" panose="020B0604020202020204" pitchFamily="34" charset="0"/>
-              <a:buChar char="•"/>
-            </a:pPr>
-            <a:r>
-              <a:rPr lang="en-US" dirty="0"/>
-              <a:t>Deployment Groups, rolling changes</a:t>
-            </a:r>
-          </a:p>
-          <a:p>
-            <a:pPr marL="285750" indent="-285750">
-              <a:buFont typeface="Arial" panose="020B0604020202020204" pitchFamily="34" charset="0"/>
-              <a:buChar char="•"/>
-            </a:pPr>
-            <a:r>
-              <a:rPr lang="en-US" dirty="0"/>
-              <a:t>IAM roles</a:t>
-            </a:r>
-          </a:p>
-          <a:p>
-            <a:pPr marL="285750" indent="-285750">
-              <a:buFont typeface="Arial" panose="020B0604020202020204" pitchFamily="34" charset="0"/>
-              <a:buChar char="•"/>
-            </a:pPr>
-            <a:endParaRPr lang="en-US" dirty="0"/>
-          </a:p>
-        </p:txBody>
-      </p:sp>
+      </p:pic>
+      <p:pic>
+        <p:nvPicPr>
+          <p:cNvPr id="6" name="Picture 5">
+            <a:extLst>
+              <a:ext uri="{FF2B5EF4-FFF2-40B4-BE49-F238E27FC236}">
+                <a16:creationId xmlns:a16="http://schemas.microsoft.com/office/drawing/2014/main" id="{D7540EB3-365D-4B5D-AB41-6C01469E3CB0}"/>
+              </a:ext>
+            </a:extLst>
+          </p:cNvPr>
+          <p:cNvPicPr>
+            <a:picLocks noChangeAspect="1"/>
+          </p:cNvPicPr>
+          <p:nvPr/>
+        </p:nvPicPr>
+        <p:blipFill>
+          <a:blip r:embed="rId4"/>
+          <a:stretch>
+            <a:fillRect/>
+          </a:stretch>
+        </p:blipFill>
+        <p:spPr>
+          <a:xfrm>
+            <a:off x="2025654" y="1042988"/>
+            <a:ext cx="2819400" cy="1590675"/>
+          </a:xfrm>
+          <a:prstGeom prst="rect">
+            <a:avLst/>
+          </a:prstGeom>
+        </p:spPr>
+      </p:pic>
     </p:spTree>
     <p:extLst>
       <p:ext uri="{BB962C8B-B14F-4D97-AF65-F5344CB8AC3E}">
-        <p14:creationId xmlns:p14="http://schemas.microsoft.com/office/powerpoint/2010/main" val="361104267"/>
+        <p14:creationId xmlns:p14="http://schemas.microsoft.com/office/powerpoint/2010/main" val="519025307"/>
       </p:ext>
     </p:extLst>
   </p:cSld>
@@ -13162,6 +13454,720 @@
 </p:sld>
 </file>
 
+<file path=ppt/slides/slide18.xml><?xml version="1.0" encoding="utf-8"?>
+<p:sld xmlns:a="http://schemas.openxmlformats.org/drawingml/2006/main" xmlns:r="http://schemas.openxmlformats.org/officeDocument/2006/relationships" xmlns:p="http://schemas.openxmlformats.org/presentationml/2006/main">
+  <p:cSld>
+    <p:bg>
+      <p:bgPr>
+        <a:solidFill>
+          <a:schemeClr val="bg1"/>
+        </a:solidFill>
+        <a:effectLst/>
+      </p:bgPr>
+    </p:bg>
+    <p:spTree>
+      <p:nvGrpSpPr>
+        <p:cNvPr id="1" name=""/>
+        <p:cNvGrpSpPr/>
+        <p:nvPr/>
+      </p:nvGrpSpPr>
+      <p:grpSpPr>
+        <a:xfrm>
+          <a:off x="0" y="0"/>
+          <a:ext cx="0" cy="0"/>
+          <a:chOff x="0" y="0"/>
+          <a:chExt cx="0" cy="0"/>
+        </a:xfrm>
+      </p:grpSpPr>
+      <p:sp useBgFill="1">
+        <p:nvSpPr>
+          <p:cNvPr id="13" name="Rectangle 12">
+            <a:extLst>
+              <a:ext uri="{FF2B5EF4-FFF2-40B4-BE49-F238E27FC236}">
+                <a16:creationId xmlns:a16="http://schemas.microsoft.com/office/drawing/2014/main" id="{72C7A71F-A746-4AB2-8FF5-03D4135FAFAD}"/>
+              </a:ext>
+              <a:ext uri="{C183D7F6-B498-43B3-948B-1728B52AA6E4}">
+                <adec:decorative xmlns:adec="http://schemas.microsoft.com/office/drawing/2017/decorative" val="1"/>
+              </a:ext>
+            </a:extLst>
+          </p:cNvPr>
+          <p:cNvSpPr>
+            <a:spLocks noGrp="1" noRot="1" noChangeAspect="1" noMove="1" noResize="1" noEditPoints="1" noAdjustHandles="1" noChangeArrowheads="1" noChangeShapeType="1" noTextEdit="1"/>
+          </p:cNvSpPr>
+          <p:nvPr>
+            <p:extLst>
+              <p:ext uri="{386F3935-93C4-4BCD-93E2-E3B085C9AB24}">
+                <p16:designElem xmlns:p16="http://schemas.microsoft.com/office/powerpoint/2015/main" val="1"/>
+              </p:ext>
+            </p:extLst>
+          </p:nvPr>
+        </p:nvSpPr>
+        <p:spPr>
+          <a:xfrm>
+            <a:off x="0" y="0"/>
+            <a:ext cx="12192000" cy="6858000"/>
+          </a:xfrm>
+          <a:prstGeom prst="rect">
+            <a:avLst/>
+          </a:prstGeom>
+          <a:ln>
+            <a:noFill/>
+          </a:ln>
+        </p:spPr>
+        <p:style>
+          <a:lnRef idx="2">
+            <a:schemeClr val="accent1">
+              <a:shade val="50000"/>
+            </a:schemeClr>
+          </a:lnRef>
+          <a:fillRef idx="1">
+            <a:schemeClr val="accent1"/>
+          </a:fillRef>
+          <a:effectRef idx="0">
+            <a:schemeClr val="accent1"/>
+          </a:effectRef>
+          <a:fontRef idx="minor">
+            <a:schemeClr val="lt1"/>
+          </a:fontRef>
+        </p:style>
+        <p:txBody>
+          <a:bodyPr rtlCol="0" anchor="ctr"/>
+          <a:lstStyle/>
+          <a:p>
+            <a:pPr algn="ctr"/>
+            <a:endParaRPr lang="en-US"/>
+          </a:p>
+        </p:txBody>
+      </p:sp>
+      <p:sp useBgFill="1">
+        <p:nvSpPr>
+          <p:cNvPr id="15" name="Rectangle 14">
+            <a:extLst>
+              <a:ext uri="{FF2B5EF4-FFF2-40B4-BE49-F238E27FC236}">
+                <a16:creationId xmlns:a16="http://schemas.microsoft.com/office/drawing/2014/main" id="{17FF8914-DDE9-46F8-AF0A-54FD0AC09BEE}"/>
+              </a:ext>
+              <a:ext uri="{C183D7F6-B498-43B3-948B-1728B52AA6E4}">
+                <adec:decorative xmlns:adec="http://schemas.microsoft.com/office/drawing/2017/decorative" val="1"/>
+              </a:ext>
+            </a:extLst>
+          </p:cNvPr>
+          <p:cNvSpPr>
+            <a:spLocks noGrp="1" noRot="1" noChangeAspect="1" noMove="1" noResize="1" noEditPoints="1" noAdjustHandles="1" noChangeArrowheads="1" noChangeShapeType="1" noTextEdit="1"/>
+          </p:cNvSpPr>
+          <p:nvPr>
+            <p:extLst>
+              <p:ext uri="{386F3935-93C4-4BCD-93E2-E3B085C9AB24}">
+                <p16:designElem xmlns:p16="http://schemas.microsoft.com/office/powerpoint/2015/main" val="1"/>
+              </p:ext>
+            </p:extLst>
+          </p:nvPr>
+        </p:nvSpPr>
+        <p:spPr>
+          <a:xfrm>
+            <a:off x="665853" y="1533525"/>
+            <a:ext cx="10917063" cy="3790950"/>
+          </a:xfrm>
+          <a:prstGeom prst="rect">
+            <a:avLst/>
+          </a:prstGeom>
+          <a:solidFill>
+            <a:schemeClr val="bg1"/>
+          </a:solidFill>
+          <a:ln w="12700">
+            <a:solidFill>
+              <a:srgbClr val="E1E1E1"/>
+            </a:solidFill>
+          </a:ln>
+          <a:effectLst>
+            <a:outerShdw blurRad="50800" dist="38100" dir="2700000" algn="tl" rotWithShape="0">
+              <a:schemeClr val="bg1">
+                <a:lumMod val="85000"/>
+                <a:alpha val="50000"/>
+              </a:schemeClr>
+            </a:outerShdw>
+          </a:effectLst>
+        </p:spPr>
+        <p:style>
+          <a:lnRef idx="2">
+            <a:schemeClr val="accent1">
+              <a:shade val="50000"/>
+            </a:schemeClr>
+          </a:lnRef>
+          <a:fillRef idx="1">
+            <a:schemeClr val="accent1"/>
+          </a:fillRef>
+          <a:effectRef idx="0">
+            <a:schemeClr val="accent1"/>
+          </a:effectRef>
+          <a:fontRef idx="minor">
+            <a:schemeClr val="lt1"/>
+          </a:fontRef>
+        </p:style>
+        <p:txBody>
+          <a:bodyPr rtlCol="0" anchor="ctr"/>
+          <a:lstStyle/>
+          <a:p>
+            <a:pPr algn="ctr"/>
+            <a:endParaRPr lang="en-US" dirty="0">
+              <a:solidFill>
+                <a:prstClr val="white"/>
+              </a:solidFill>
+              <a:latin typeface="Calibri" panose="020F0502020204030204"/>
+            </a:endParaRPr>
+          </a:p>
+        </p:txBody>
+      </p:sp>
+      <p:sp>
+        <p:nvSpPr>
+          <p:cNvPr id="2" name="Title 1">
+            <a:extLst>
+              <a:ext uri="{FF2B5EF4-FFF2-40B4-BE49-F238E27FC236}">
+                <a16:creationId xmlns:a16="http://schemas.microsoft.com/office/drawing/2014/main" id="{2D34CEF4-01D3-4AF7-9E84-F43030ACA972}"/>
+              </a:ext>
+            </a:extLst>
+          </p:cNvPr>
+          <p:cNvSpPr>
+            <a:spLocks noGrp="1"/>
+          </p:cNvSpPr>
+          <p:nvPr>
+            <p:ph type="title"/>
+          </p:nvPr>
+        </p:nvSpPr>
+        <p:spPr>
+          <a:xfrm>
+            <a:off x="1074419" y="1933575"/>
+            <a:ext cx="7182890" cy="2990849"/>
+          </a:xfrm>
+        </p:spPr>
+        <p:txBody>
+          <a:bodyPr vert="horz" lIns="91440" tIns="45720" rIns="91440" bIns="45720" rtlCol="0" anchor="ctr">
+            <a:normAutofit/>
+          </a:bodyPr>
+          <a:lstStyle/>
+          <a:p>
+            <a:r>
+              <a:rPr lang="en-US" sz="5400" dirty="0"/>
+              <a:t>Appendix</a:t>
+            </a:r>
+            <a:endParaRPr lang="en-US" sz="3600" kern="1200" dirty="0">
+              <a:solidFill>
+                <a:schemeClr val="tx1"/>
+              </a:solidFill>
+              <a:latin typeface="+mj-lt"/>
+              <a:ea typeface="+mj-ea"/>
+              <a:cs typeface="+mj-cs"/>
+            </a:endParaRPr>
+          </a:p>
+        </p:txBody>
+      </p:sp>
+      <p:sp>
+        <p:nvSpPr>
+          <p:cNvPr id="17" name="Rectangle 16">
+            <a:extLst>
+              <a:ext uri="{FF2B5EF4-FFF2-40B4-BE49-F238E27FC236}">
+                <a16:creationId xmlns:a16="http://schemas.microsoft.com/office/drawing/2014/main" id="{094C1DE0-31FE-4AD0-95EA-B65CA6B89D58}"/>
+              </a:ext>
+              <a:ext uri="{C183D7F6-B498-43B3-948B-1728B52AA6E4}">
+                <adec:decorative xmlns:adec="http://schemas.microsoft.com/office/drawing/2017/decorative" val="1"/>
+              </a:ext>
+            </a:extLst>
+          </p:cNvPr>
+          <p:cNvSpPr>
+            <a:spLocks noGrp="1" noRot="1" noChangeAspect="1" noMove="1" noResize="1" noEditPoints="1" noAdjustHandles="1" noChangeArrowheads="1" noChangeShapeType="1" noTextEdit="1"/>
+          </p:cNvSpPr>
+          <p:nvPr>
+            <p:extLst>
+              <p:ext uri="{386F3935-93C4-4BCD-93E2-E3B085C9AB24}">
+                <p16:designElem xmlns:p16="http://schemas.microsoft.com/office/powerpoint/2015/main" val="1"/>
+              </p:ext>
+            </p:extLst>
+          </p:nvPr>
+        </p:nvSpPr>
+        <p:spPr>
+          <a:xfrm>
+            <a:off x="609084" y="2965074"/>
+            <a:ext cx="128016" cy="914400"/>
+          </a:xfrm>
+          <a:prstGeom prst="rect">
+            <a:avLst/>
+          </a:prstGeom>
+          <a:solidFill>
+            <a:schemeClr val="accent2"/>
+          </a:solidFill>
+          <a:ln>
+            <a:noFill/>
+          </a:ln>
+        </p:spPr>
+        <p:style>
+          <a:lnRef idx="2">
+            <a:schemeClr val="accent1">
+              <a:shade val="50000"/>
+            </a:schemeClr>
+          </a:lnRef>
+          <a:fillRef idx="1">
+            <a:schemeClr val="accent1"/>
+          </a:fillRef>
+          <a:effectRef idx="0">
+            <a:schemeClr val="accent1"/>
+          </a:effectRef>
+          <a:fontRef idx="minor">
+            <a:schemeClr val="lt1"/>
+          </a:fontRef>
+        </p:style>
+        <p:txBody>
+          <a:bodyPr rtlCol="0" anchor="ctr"/>
+          <a:lstStyle/>
+          <a:p>
+            <a:pPr marL="0" marR="0" lvl="0" indent="0" algn="ctr" defTabSz="914400" rtl="0" eaLnBrk="1" fontAlgn="auto" latinLnBrk="0" hangingPunct="1">
+              <a:lnSpc>
+                <a:spcPct val="100000"/>
+              </a:lnSpc>
+              <a:spcBef>
+                <a:spcPts val="0"/>
+              </a:spcBef>
+              <a:spcAft>
+                <a:spcPts val="0"/>
+              </a:spcAft>
+              <a:buClrTx/>
+              <a:buSzTx/>
+              <a:buFontTx/>
+              <a:buNone/>
+              <a:tabLst/>
+              <a:defRPr/>
+            </a:pPr>
+            <a:endParaRPr kumimoji="0" lang="en-US" sz="1800" b="0" i="0" u="none" strike="noStrike" kern="1200" cap="none" spc="0" normalizeH="0" baseline="0" noProof="0">
+              <a:ln>
+                <a:noFill/>
+              </a:ln>
+              <a:solidFill>
+                <a:prstClr val="white"/>
+              </a:solidFill>
+              <a:effectLst/>
+              <a:uLnTx/>
+              <a:uFillTx/>
+              <a:latin typeface="Calibri" panose="020F0502020204030204"/>
+              <a:ea typeface="+mn-ea"/>
+              <a:cs typeface="+mn-cs"/>
+            </a:endParaRPr>
+          </a:p>
+        </p:txBody>
+      </p:sp>
+      <p:sp>
+        <p:nvSpPr>
+          <p:cNvPr id="19" name="Rectangle 18">
+            <a:extLst>
+              <a:ext uri="{FF2B5EF4-FFF2-40B4-BE49-F238E27FC236}">
+                <a16:creationId xmlns:a16="http://schemas.microsoft.com/office/drawing/2014/main" id="{3F736409-6C07-4CE8-86F8-1174E2235C2E}"/>
+              </a:ext>
+              <a:ext uri="{C183D7F6-B498-43B3-948B-1728B52AA6E4}">
+                <adec:decorative xmlns:adec="http://schemas.microsoft.com/office/drawing/2017/decorative" val="1"/>
+              </a:ext>
+            </a:extLst>
+          </p:cNvPr>
+          <p:cNvSpPr>
+            <a:spLocks noGrp="1" noRot="1" noChangeAspect="1" noMove="1" noResize="1" noEditPoints="1" noAdjustHandles="1" noChangeArrowheads="1" noChangeShapeType="1" noTextEdit="1"/>
+          </p:cNvSpPr>
+          <p:nvPr>
+            <p:extLst>
+              <p:ext uri="{386F3935-93C4-4BCD-93E2-E3B085C9AB24}">
+                <p16:designElem xmlns:p16="http://schemas.microsoft.com/office/powerpoint/2015/main" val="1"/>
+              </p:ext>
+            </p:extLst>
+          </p:nvPr>
+        </p:nvSpPr>
+        <p:spPr>
+          <a:xfrm rot="5400000">
+            <a:off x="7360539" y="3424428"/>
+            <a:ext cx="2103120" cy="9144"/>
+          </a:xfrm>
+          <a:prstGeom prst="rect">
+            <a:avLst/>
+          </a:prstGeom>
+          <a:solidFill>
+            <a:srgbClr val="D5D5D5"/>
+          </a:solidFill>
+          <a:ln w="3175">
+            <a:noFill/>
+          </a:ln>
+          <a:effectLst/>
+        </p:spPr>
+        <p:style>
+          <a:lnRef idx="2">
+            <a:schemeClr val="accent1">
+              <a:shade val="50000"/>
+            </a:schemeClr>
+          </a:lnRef>
+          <a:fillRef idx="1">
+            <a:schemeClr val="accent1"/>
+          </a:fillRef>
+          <a:effectRef idx="0">
+            <a:schemeClr val="accent1"/>
+          </a:effectRef>
+          <a:fontRef idx="minor">
+            <a:schemeClr val="lt1"/>
+          </a:fontRef>
+        </p:style>
+        <p:txBody>
+          <a:bodyPr rtlCol="0" anchor="ctr"/>
+          <a:lstStyle/>
+          <a:p>
+            <a:pPr marL="0" marR="0" lvl="0" indent="0" algn="ctr" defTabSz="914400" rtl="0" eaLnBrk="1" fontAlgn="auto" latinLnBrk="0" hangingPunct="1">
+              <a:lnSpc>
+                <a:spcPct val="100000"/>
+              </a:lnSpc>
+              <a:spcBef>
+                <a:spcPts val="0"/>
+              </a:spcBef>
+              <a:spcAft>
+                <a:spcPts val="0"/>
+              </a:spcAft>
+              <a:buClrTx/>
+              <a:buSzTx/>
+              <a:buFontTx/>
+              <a:buNone/>
+              <a:tabLst/>
+              <a:defRPr/>
+            </a:pPr>
+            <a:endParaRPr kumimoji="0" lang="en-US" sz="1800" b="0" i="0" u="none" strike="noStrike" kern="1200" cap="none" spc="0" normalizeH="0" baseline="0" noProof="0">
+              <a:ln>
+                <a:noFill/>
+              </a:ln>
+              <a:solidFill>
+                <a:prstClr val="white"/>
+              </a:solidFill>
+              <a:effectLst/>
+              <a:uLnTx/>
+              <a:uFillTx/>
+              <a:latin typeface="Calibri" panose="020F0502020204030204"/>
+              <a:ea typeface="+mn-ea"/>
+              <a:cs typeface="+mn-cs"/>
+            </a:endParaRPr>
+          </a:p>
+        </p:txBody>
+      </p:sp>
+    </p:spTree>
+    <p:extLst>
+      <p:ext uri="{BB962C8B-B14F-4D97-AF65-F5344CB8AC3E}">
+        <p14:creationId xmlns:p14="http://schemas.microsoft.com/office/powerpoint/2010/main" val="3223813983"/>
+      </p:ext>
+    </p:extLst>
+  </p:cSld>
+  <p:clrMapOvr>
+    <a:masterClrMapping/>
+  </p:clrMapOvr>
+</p:sld>
+</file>
+
+<file path=ppt/slides/slide19.xml><?xml version="1.0" encoding="utf-8"?>
+<p:sld xmlns:a="http://schemas.openxmlformats.org/drawingml/2006/main" xmlns:r="http://schemas.openxmlformats.org/officeDocument/2006/relationships" xmlns:p="http://schemas.openxmlformats.org/presentationml/2006/main">
+  <p:cSld>
+    <p:bg>
+      <p:bgPr>
+        <a:solidFill>
+          <a:schemeClr val="bg1"/>
+        </a:solidFill>
+        <a:effectLst/>
+      </p:bgPr>
+    </p:bg>
+    <p:spTree>
+      <p:nvGrpSpPr>
+        <p:cNvPr id="1" name=""/>
+        <p:cNvGrpSpPr/>
+        <p:nvPr/>
+      </p:nvGrpSpPr>
+      <p:grpSpPr>
+        <a:xfrm>
+          <a:off x="0" y="0"/>
+          <a:ext cx="0" cy="0"/>
+          <a:chOff x="0" y="0"/>
+          <a:chExt cx="0" cy="0"/>
+        </a:xfrm>
+      </p:grpSpPr>
+      <p:sp useBgFill="1">
+        <p:nvSpPr>
+          <p:cNvPr id="71" name="Rectangle 70">
+            <a:extLst>
+              <a:ext uri="{FF2B5EF4-FFF2-40B4-BE49-F238E27FC236}">
+                <a16:creationId xmlns:a16="http://schemas.microsoft.com/office/drawing/2014/main" id="{C1A1C5D3-C053-4EE9-BE1A-419B6E27CCAE}"/>
+              </a:ext>
+              <a:ext uri="{C183D7F6-B498-43B3-948B-1728B52AA6E4}">
+                <adec:decorative xmlns:adec="http://schemas.microsoft.com/office/drawing/2017/decorative" val="1"/>
+              </a:ext>
+            </a:extLst>
+          </p:cNvPr>
+          <p:cNvSpPr>
+            <a:spLocks noGrp="1" noRot="1" noChangeAspect="1" noMove="1" noResize="1" noEditPoints="1" noAdjustHandles="1" noChangeArrowheads="1" noChangeShapeType="1" noTextEdit="1"/>
+          </p:cNvSpPr>
+          <p:nvPr>
+            <p:extLst>
+              <p:ext uri="{386F3935-93C4-4BCD-93E2-E3B085C9AB24}">
+                <p16:designElem xmlns:p16="http://schemas.microsoft.com/office/powerpoint/2015/main" val="1"/>
+              </p:ext>
+            </p:extLst>
+          </p:nvPr>
+        </p:nvSpPr>
+        <p:spPr>
+          <a:xfrm>
+            <a:off x="0" y="0"/>
+            <a:ext cx="12192000" cy="6858000"/>
+          </a:xfrm>
+          <a:prstGeom prst="rect">
+            <a:avLst/>
+          </a:prstGeom>
+          <a:ln>
+            <a:noFill/>
+          </a:ln>
+        </p:spPr>
+        <p:style>
+          <a:lnRef idx="2">
+            <a:schemeClr val="accent1">
+              <a:shade val="50000"/>
+            </a:schemeClr>
+          </a:lnRef>
+          <a:fillRef idx="1">
+            <a:schemeClr val="accent1"/>
+          </a:fillRef>
+          <a:effectRef idx="0">
+            <a:schemeClr val="accent1"/>
+          </a:effectRef>
+          <a:fontRef idx="minor">
+            <a:schemeClr val="lt1"/>
+          </a:fontRef>
+        </p:style>
+        <p:txBody>
+          <a:bodyPr rtlCol="0" anchor="ctr"/>
+          <a:lstStyle/>
+          <a:p>
+            <a:pPr algn="ctr"/>
+            <a:endParaRPr lang="en-US" dirty="0"/>
+          </a:p>
+        </p:txBody>
+      </p:sp>
+      <p:sp useBgFill="1">
+        <p:nvSpPr>
+          <p:cNvPr id="73" name="Rectangle 72">
+            <a:extLst>
+              <a:ext uri="{FF2B5EF4-FFF2-40B4-BE49-F238E27FC236}">
+                <a16:creationId xmlns:a16="http://schemas.microsoft.com/office/drawing/2014/main" id="{A3473CF9-37EB-43E7-89EF-D2D1C53D1DAC}"/>
+              </a:ext>
+              <a:ext uri="{C183D7F6-B498-43B3-948B-1728B52AA6E4}">
+                <adec:decorative xmlns:adec="http://schemas.microsoft.com/office/drawing/2017/decorative" val="1"/>
+              </a:ext>
+            </a:extLst>
+          </p:cNvPr>
+          <p:cNvSpPr>
+            <a:spLocks noGrp="1" noRot="1" noChangeAspect="1" noMove="1" noResize="1" noEditPoints="1" noAdjustHandles="1" noChangeArrowheads="1" noChangeShapeType="1" noTextEdit="1"/>
+          </p:cNvSpPr>
+          <p:nvPr>
+            <p:extLst>
+              <p:ext uri="{386F3935-93C4-4BCD-93E2-E3B085C9AB24}">
+                <p16:designElem xmlns:p16="http://schemas.microsoft.com/office/powerpoint/2015/main" val="1"/>
+              </p:ext>
+            </p:extLst>
+          </p:nvPr>
+        </p:nvSpPr>
+        <p:spPr>
+          <a:xfrm>
+            <a:off x="1903615" y="221673"/>
+            <a:ext cx="8384770" cy="1332634"/>
+          </a:xfrm>
+          <a:prstGeom prst="rect">
+            <a:avLst/>
+          </a:prstGeom>
+          <a:ln w="12700">
+            <a:solidFill>
+              <a:srgbClr val="E1E1E1"/>
+            </a:solidFill>
+          </a:ln>
+          <a:effectLst>
+            <a:outerShdw blurRad="50800" dist="38100" dir="2700000" algn="tl" rotWithShape="0">
+              <a:schemeClr val="bg2">
+                <a:lumMod val="85000"/>
+                <a:alpha val="50000"/>
+              </a:schemeClr>
+            </a:outerShdw>
+          </a:effectLst>
+        </p:spPr>
+        <p:style>
+          <a:lnRef idx="2">
+            <a:schemeClr val="accent1">
+              <a:shade val="50000"/>
+            </a:schemeClr>
+          </a:lnRef>
+          <a:fillRef idx="1">
+            <a:schemeClr val="accent1"/>
+          </a:fillRef>
+          <a:effectRef idx="0">
+            <a:schemeClr val="accent1"/>
+          </a:effectRef>
+          <a:fontRef idx="minor">
+            <a:schemeClr val="lt1"/>
+          </a:fontRef>
+        </p:style>
+        <p:txBody>
+          <a:bodyPr rtlCol="0" anchor="ctr"/>
+          <a:lstStyle/>
+          <a:p>
+            <a:pPr marL="0" marR="0" lvl="0" indent="0" algn="ctr" defTabSz="914400" rtl="0" eaLnBrk="1" fontAlgn="auto" latinLnBrk="0" hangingPunct="1">
+              <a:lnSpc>
+                <a:spcPct val="100000"/>
+              </a:lnSpc>
+              <a:spcBef>
+                <a:spcPts val="0"/>
+              </a:spcBef>
+              <a:spcAft>
+                <a:spcPts val="0"/>
+              </a:spcAft>
+              <a:buClrTx/>
+              <a:buSzTx/>
+              <a:buFontTx/>
+              <a:buNone/>
+              <a:tabLst/>
+              <a:defRPr/>
+            </a:pPr>
+            <a:endParaRPr kumimoji="0" lang="en-US" sz="1800" b="0" i="0" u="none" strike="noStrike" kern="1200" cap="none" spc="0" normalizeH="0" baseline="0" noProof="0" dirty="0">
+              <a:ln>
+                <a:noFill/>
+              </a:ln>
+              <a:solidFill>
+                <a:prstClr val="white"/>
+              </a:solidFill>
+              <a:effectLst/>
+              <a:uLnTx/>
+              <a:uFillTx/>
+              <a:latin typeface="Calibri" panose="020F0502020204030204"/>
+              <a:ea typeface="+mn-ea"/>
+              <a:cs typeface="+mn-cs"/>
+            </a:endParaRPr>
+          </a:p>
+        </p:txBody>
+      </p:sp>
+      <p:sp>
+        <p:nvSpPr>
+          <p:cNvPr id="2" name="Title 1">
+            <a:extLst>
+              <a:ext uri="{FF2B5EF4-FFF2-40B4-BE49-F238E27FC236}">
+                <a16:creationId xmlns:a16="http://schemas.microsoft.com/office/drawing/2014/main" id="{0FDE5079-B185-4DE0-AF2C-AE4B7709FBC3}"/>
+              </a:ext>
+            </a:extLst>
+          </p:cNvPr>
+          <p:cNvSpPr>
+            <a:spLocks noGrp="1"/>
+          </p:cNvSpPr>
+          <p:nvPr>
+            <p:ph type="title"/>
+          </p:nvPr>
+        </p:nvSpPr>
+        <p:spPr>
+          <a:xfrm>
+            <a:off x="2103121" y="310343"/>
+            <a:ext cx="7985759" cy="868823"/>
+          </a:xfrm>
+        </p:spPr>
+        <p:txBody>
+          <a:bodyPr vert="horz" lIns="91440" tIns="45720" rIns="91440" bIns="45720" rtlCol="0" anchor="ctr">
+            <a:normAutofit/>
+          </a:bodyPr>
+          <a:lstStyle/>
+          <a:p>
+            <a:pPr algn="ctr"/>
+            <a:r>
+              <a:rPr lang="en-US" sz="4000" kern="1200" dirty="0">
+                <a:solidFill>
+                  <a:schemeClr val="tx1"/>
+                </a:solidFill>
+                <a:latin typeface="+mj-lt"/>
+                <a:ea typeface="+mj-ea"/>
+                <a:cs typeface="+mj-cs"/>
+              </a:rPr>
+              <a:t>Mock-ups</a:t>
+            </a:r>
+          </a:p>
+        </p:txBody>
+      </p:sp>
+      <p:sp>
+        <p:nvSpPr>
+          <p:cNvPr id="75" name="Rectangle: Rounded Corners 74">
+            <a:extLst>
+              <a:ext uri="{FF2B5EF4-FFF2-40B4-BE49-F238E27FC236}">
+                <a16:creationId xmlns:a16="http://schemas.microsoft.com/office/drawing/2014/main" id="{586B4EF9-43BA-4655-A6FF-1D8E21574C95}"/>
+              </a:ext>
+              <a:ext uri="{C183D7F6-B498-43B3-948B-1728B52AA6E4}">
+                <adec:decorative xmlns:adec="http://schemas.microsoft.com/office/drawing/2017/decorative" val="1"/>
+              </a:ext>
+            </a:extLst>
+          </p:cNvPr>
+          <p:cNvSpPr>
+            <a:spLocks noGrp="1" noRot="1" noChangeAspect="1" noMove="1" noResize="1" noEditPoints="1" noAdjustHandles="1" noChangeArrowheads="1" noChangeShapeType="1" noTextEdit="1"/>
+          </p:cNvSpPr>
+          <p:nvPr>
+            <p:extLst>
+              <p:ext uri="{386F3935-93C4-4BCD-93E2-E3B085C9AB24}">
+                <p16:designElem xmlns:p16="http://schemas.microsoft.com/office/powerpoint/2015/main" val="1"/>
+              </p:ext>
+            </p:extLst>
+          </p:nvPr>
+        </p:nvSpPr>
+        <p:spPr>
+          <a:xfrm>
+            <a:off x="2483110" y="1211407"/>
+            <a:ext cx="7225780" cy="685800"/>
+          </a:xfrm>
+          <a:prstGeom prst="roundRect">
+            <a:avLst>
+              <a:gd name="adj" fmla="val 0"/>
+            </a:avLst>
+          </a:prstGeom>
+          <a:solidFill>
+            <a:schemeClr val="accent2"/>
+          </a:solidFill>
+          <a:ln>
+            <a:noFill/>
+          </a:ln>
+        </p:spPr>
+        <p:style>
+          <a:lnRef idx="2">
+            <a:schemeClr val="accent1">
+              <a:shade val="50000"/>
+            </a:schemeClr>
+          </a:lnRef>
+          <a:fillRef idx="1">
+            <a:schemeClr val="accent1"/>
+          </a:fillRef>
+          <a:effectRef idx="0">
+            <a:schemeClr val="accent1"/>
+          </a:effectRef>
+          <a:fontRef idx="minor">
+            <a:schemeClr val="lt1"/>
+          </a:fontRef>
+        </p:style>
+        <p:txBody>
+          <a:bodyPr rtlCol="0" anchor="ctr"/>
+          <a:lstStyle/>
+          <a:p>
+            <a:pPr algn="ctr"/>
+            <a:endParaRPr lang="en-US" dirty="0">
+              <a:solidFill>
+                <a:prstClr val="white"/>
+              </a:solidFill>
+              <a:latin typeface="Calibri" panose="020F0502020204030204"/>
+            </a:endParaRPr>
+          </a:p>
+        </p:txBody>
+      </p:sp>
+    </p:spTree>
+    <p:extLst>
+      <p:ext uri="{BB962C8B-B14F-4D97-AF65-F5344CB8AC3E}">
+        <p14:creationId xmlns:p14="http://schemas.microsoft.com/office/powerpoint/2010/main" val="3893044674"/>
+      </p:ext>
+    </p:extLst>
+  </p:cSld>
+  <p:clrMapOvr>
+    <a:masterClrMapping/>
+  </p:clrMapOvr>
+</p:sld>
+</file>
+
 <file path=ppt/slides/slide2.xml><?xml version="1.0" encoding="utf-8"?>
 <p:sld xmlns:a="http://schemas.openxmlformats.org/drawingml/2006/main" xmlns:r="http://schemas.openxmlformats.org/officeDocument/2006/relationships" xmlns:p="http://schemas.openxmlformats.org/presentationml/2006/main">
   <p:cSld>
@@ -13497,8 +14503,8 @@
         </p:nvSpPr>
         <p:spPr>
           <a:xfrm>
-            <a:off x="6082112" y="3333750"/>
-            <a:ext cx="5224064" cy="1754326"/>
+            <a:off x="5717309" y="3333750"/>
+            <a:ext cx="5938981" cy="1477328"/>
           </a:xfrm>
           <a:prstGeom prst="rect">
             <a:avLst/>
@@ -13581,362 +14587,6 @@
 </file>
 
 <file path=ppt/slides/slide3.xml><?xml version="1.0" encoding="utf-8"?>
-<p:sld xmlns:a="http://schemas.openxmlformats.org/drawingml/2006/main" xmlns:r="http://schemas.openxmlformats.org/officeDocument/2006/relationships" xmlns:p="http://schemas.openxmlformats.org/presentationml/2006/main">
-  <p:cSld>
-    <p:bg>
-      <p:bgPr>
-        <a:solidFill>
-          <a:schemeClr val="bg1"/>
-        </a:solidFill>
-        <a:effectLst/>
-      </p:bgPr>
-    </p:bg>
-    <p:spTree>
-      <p:nvGrpSpPr>
-        <p:cNvPr id="1" name=""/>
-        <p:cNvGrpSpPr/>
-        <p:nvPr/>
-      </p:nvGrpSpPr>
-      <p:grpSpPr>
-        <a:xfrm>
-          <a:off x="0" y="0"/>
-          <a:ext cx="0" cy="0"/>
-          <a:chOff x="0" y="0"/>
-          <a:chExt cx="0" cy="0"/>
-        </a:xfrm>
-      </p:grpSpPr>
-      <p:sp useBgFill="1">
-        <p:nvSpPr>
-          <p:cNvPr id="71" name="Rectangle 70">
-            <a:extLst>
-              <a:ext uri="{FF2B5EF4-FFF2-40B4-BE49-F238E27FC236}">
-                <a16:creationId xmlns:a16="http://schemas.microsoft.com/office/drawing/2014/main" id="{C1A1C5D3-C053-4EE9-BE1A-419B6E27CCAE}"/>
-              </a:ext>
-              <a:ext uri="{C183D7F6-B498-43B3-948B-1728B52AA6E4}">
-                <adec:decorative xmlns:adec="http://schemas.microsoft.com/office/drawing/2017/decorative" val="1"/>
-              </a:ext>
-            </a:extLst>
-          </p:cNvPr>
-          <p:cNvSpPr>
-            <a:spLocks noGrp="1" noRot="1" noChangeAspect="1" noMove="1" noResize="1" noEditPoints="1" noAdjustHandles="1" noChangeArrowheads="1" noChangeShapeType="1" noTextEdit="1"/>
-          </p:cNvSpPr>
-          <p:nvPr>
-            <p:extLst>
-              <p:ext uri="{386F3935-93C4-4BCD-93E2-E3B085C9AB24}">
-                <p16:designElem xmlns:p16="http://schemas.microsoft.com/office/powerpoint/2015/main" val="1"/>
-              </p:ext>
-            </p:extLst>
-          </p:nvPr>
-        </p:nvSpPr>
-        <p:spPr>
-          <a:xfrm>
-            <a:off x="0" y="0"/>
-            <a:ext cx="12192000" cy="6858000"/>
-          </a:xfrm>
-          <a:prstGeom prst="rect">
-            <a:avLst/>
-          </a:prstGeom>
-          <a:ln>
-            <a:noFill/>
-          </a:ln>
-        </p:spPr>
-        <p:style>
-          <a:lnRef idx="2">
-            <a:schemeClr val="accent1">
-              <a:shade val="50000"/>
-            </a:schemeClr>
-          </a:lnRef>
-          <a:fillRef idx="1">
-            <a:schemeClr val="accent1"/>
-          </a:fillRef>
-          <a:effectRef idx="0">
-            <a:schemeClr val="accent1"/>
-          </a:effectRef>
-          <a:fontRef idx="minor">
-            <a:schemeClr val="lt1"/>
-          </a:fontRef>
-        </p:style>
-        <p:txBody>
-          <a:bodyPr rtlCol="0" anchor="ctr"/>
-          <a:lstStyle/>
-          <a:p>
-            <a:pPr algn="ctr"/>
-            <a:endParaRPr lang="en-US" dirty="0"/>
-          </a:p>
-        </p:txBody>
-      </p:sp>
-      <p:sp useBgFill="1">
-        <p:nvSpPr>
-          <p:cNvPr id="73" name="Rectangle 72">
-            <a:extLst>
-              <a:ext uri="{FF2B5EF4-FFF2-40B4-BE49-F238E27FC236}">
-                <a16:creationId xmlns:a16="http://schemas.microsoft.com/office/drawing/2014/main" id="{A3473CF9-37EB-43E7-89EF-D2D1C53D1DAC}"/>
-              </a:ext>
-              <a:ext uri="{C183D7F6-B498-43B3-948B-1728B52AA6E4}">
-                <adec:decorative xmlns:adec="http://schemas.microsoft.com/office/drawing/2017/decorative" val="1"/>
-              </a:ext>
-            </a:extLst>
-          </p:cNvPr>
-          <p:cNvSpPr>
-            <a:spLocks noGrp="1" noRot="1" noChangeAspect="1" noMove="1" noResize="1" noEditPoints="1" noAdjustHandles="1" noChangeArrowheads="1" noChangeShapeType="1" noTextEdit="1"/>
-          </p:cNvSpPr>
-          <p:nvPr>
-            <p:extLst>
-              <p:ext uri="{386F3935-93C4-4BCD-93E2-E3B085C9AB24}">
-                <p16:designElem xmlns:p16="http://schemas.microsoft.com/office/powerpoint/2015/main" val="1"/>
-              </p:ext>
-            </p:extLst>
-          </p:nvPr>
-        </p:nvSpPr>
-        <p:spPr>
-          <a:xfrm>
-            <a:off x="1903615" y="221673"/>
-            <a:ext cx="8384770" cy="1332634"/>
-          </a:xfrm>
-          <a:prstGeom prst="rect">
-            <a:avLst/>
-          </a:prstGeom>
-          <a:ln w="12700">
-            <a:solidFill>
-              <a:srgbClr val="E1E1E1"/>
-            </a:solidFill>
-          </a:ln>
-          <a:effectLst>
-            <a:outerShdw blurRad="50800" dist="38100" dir="2700000" algn="tl" rotWithShape="0">
-              <a:schemeClr val="bg2">
-                <a:lumMod val="85000"/>
-                <a:alpha val="50000"/>
-              </a:schemeClr>
-            </a:outerShdw>
-          </a:effectLst>
-        </p:spPr>
-        <p:style>
-          <a:lnRef idx="2">
-            <a:schemeClr val="accent1">
-              <a:shade val="50000"/>
-            </a:schemeClr>
-          </a:lnRef>
-          <a:fillRef idx="1">
-            <a:schemeClr val="accent1"/>
-          </a:fillRef>
-          <a:effectRef idx="0">
-            <a:schemeClr val="accent1"/>
-          </a:effectRef>
-          <a:fontRef idx="minor">
-            <a:schemeClr val="lt1"/>
-          </a:fontRef>
-        </p:style>
-        <p:txBody>
-          <a:bodyPr rtlCol="0" anchor="ctr"/>
-          <a:lstStyle/>
-          <a:p>
-            <a:pPr marL="0" marR="0" lvl="0" indent="0" algn="ctr" defTabSz="914400" rtl="0" eaLnBrk="1" fontAlgn="auto" latinLnBrk="0" hangingPunct="1">
-              <a:lnSpc>
-                <a:spcPct val="100000"/>
-              </a:lnSpc>
-              <a:spcBef>
-                <a:spcPts val="0"/>
-              </a:spcBef>
-              <a:spcAft>
-                <a:spcPts val="0"/>
-              </a:spcAft>
-              <a:buClrTx/>
-              <a:buSzTx/>
-              <a:buFontTx/>
-              <a:buNone/>
-              <a:tabLst/>
-              <a:defRPr/>
-            </a:pPr>
-            <a:endParaRPr kumimoji="0" lang="en-US" sz="1800" b="0" i="0" u="none" strike="noStrike" kern="1200" cap="none" spc="0" normalizeH="0" baseline="0" noProof="0" dirty="0">
-              <a:ln>
-                <a:noFill/>
-              </a:ln>
-              <a:solidFill>
-                <a:prstClr val="white"/>
-              </a:solidFill>
-              <a:effectLst/>
-              <a:uLnTx/>
-              <a:uFillTx/>
-              <a:latin typeface="Calibri" panose="020F0502020204030204"/>
-              <a:ea typeface="+mn-ea"/>
-              <a:cs typeface="+mn-cs"/>
-            </a:endParaRPr>
-          </a:p>
-        </p:txBody>
-      </p:sp>
-      <p:sp>
-        <p:nvSpPr>
-          <p:cNvPr id="2" name="Title 1">
-            <a:extLst>
-              <a:ext uri="{FF2B5EF4-FFF2-40B4-BE49-F238E27FC236}">
-                <a16:creationId xmlns:a16="http://schemas.microsoft.com/office/drawing/2014/main" id="{0FDE5079-B185-4DE0-AF2C-AE4B7709FBC3}"/>
-              </a:ext>
-            </a:extLst>
-          </p:cNvPr>
-          <p:cNvSpPr>
-            <a:spLocks noGrp="1"/>
-          </p:cNvSpPr>
-          <p:nvPr>
-            <p:ph type="title"/>
-          </p:nvPr>
-        </p:nvSpPr>
-        <p:spPr>
-          <a:xfrm>
-            <a:off x="2103121" y="310343"/>
-            <a:ext cx="7985759" cy="868823"/>
-          </a:xfrm>
-        </p:spPr>
-        <p:txBody>
-          <a:bodyPr vert="horz" lIns="91440" tIns="45720" rIns="91440" bIns="45720" rtlCol="0" anchor="ctr">
-            <a:normAutofit/>
-          </a:bodyPr>
-          <a:lstStyle/>
-          <a:p>
-            <a:pPr algn="ctr"/>
-            <a:r>
-              <a:rPr lang="en-US" sz="4000" kern="1200" dirty="0">
-                <a:solidFill>
-                  <a:schemeClr val="tx1"/>
-                </a:solidFill>
-                <a:latin typeface="+mj-lt"/>
-                <a:ea typeface="+mj-ea"/>
-                <a:cs typeface="+mj-cs"/>
-              </a:rPr>
-              <a:t>Architectural Diagram</a:t>
-            </a:r>
-          </a:p>
-        </p:txBody>
-      </p:sp>
-      <p:sp>
-        <p:nvSpPr>
-          <p:cNvPr id="75" name="Rectangle: Rounded Corners 74">
-            <a:extLst>
-              <a:ext uri="{FF2B5EF4-FFF2-40B4-BE49-F238E27FC236}">
-                <a16:creationId xmlns:a16="http://schemas.microsoft.com/office/drawing/2014/main" id="{586B4EF9-43BA-4655-A6FF-1D8E21574C95}"/>
-              </a:ext>
-              <a:ext uri="{C183D7F6-B498-43B3-948B-1728B52AA6E4}">
-                <adec:decorative xmlns:adec="http://schemas.microsoft.com/office/drawing/2017/decorative" val="1"/>
-              </a:ext>
-            </a:extLst>
-          </p:cNvPr>
-          <p:cNvSpPr>
-            <a:spLocks noGrp="1" noRot="1" noChangeAspect="1" noMove="1" noResize="1" noEditPoints="1" noAdjustHandles="1" noChangeArrowheads="1" noChangeShapeType="1" noTextEdit="1"/>
-          </p:cNvSpPr>
-          <p:nvPr>
-            <p:extLst>
-              <p:ext uri="{386F3935-93C4-4BCD-93E2-E3B085C9AB24}">
-                <p16:designElem xmlns:p16="http://schemas.microsoft.com/office/powerpoint/2015/main" val="1"/>
-              </p:ext>
-            </p:extLst>
-          </p:nvPr>
-        </p:nvSpPr>
-        <p:spPr>
-          <a:xfrm>
-            <a:off x="2483110" y="1211407"/>
-            <a:ext cx="7225780" cy="685800"/>
-          </a:xfrm>
-          <a:prstGeom prst="roundRect">
-            <a:avLst>
-              <a:gd name="adj" fmla="val 0"/>
-            </a:avLst>
-          </a:prstGeom>
-          <a:solidFill>
-            <a:schemeClr val="accent2"/>
-          </a:solidFill>
-          <a:ln>
-            <a:noFill/>
-          </a:ln>
-        </p:spPr>
-        <p:style>
-          <a:lnRef idx="2">
-            <a:schemeClr val="accent1">
-              <a:shade val="50000"/>
-            </a:schemeClr>
-          </a:lnRef>
-          <a:fillRef idx="1">
-            <a:schemeClr val="accent1"/>
-          </a:fillRef>
-          <a:effectRef idx="0">
-            <a:schemeClr val="accent1"/>
-          </a:effectRef>
-          <a:fontRef idx="minor">
-            <a:schemeClr val="lt1"/>
-          </a:fontRef>
-        </p:style>
-        <p:txBody>
-          <a:bodyPr rtlCol="0" anchor="ctr"/>
-          <a:lstStyle/>
-          <a:p>
-            <a:pPr algn="ctr"/>
-            <a:endParaRPr lang="en-US" dirty="0">
-              <a:solidFill>
-                <a:prstClr val="white"/>
-              </a:solidFill>
-              <a:latin typeface="Calibri" panose="020F0502020204030204"/>
-            </a:endParaRPr>
-          </a:p>
-        </p:txBody>
-      </p:sp>
-      <p:pic>
-        <p:nvPicPr>
-          <p:cNvPr id="2050" name="Picture 2">
-            <a:extLst>
-              <a:ext uri="{FF2B5EF4-FFF2-40B4-BE49-F238E27FC236}">
-                <a16:creationId xmlns:a16="http://schemas.microsoft.com/office/drawing/2014/main" id="{33E07461-F097-4C85-8DBD-810E1FD14814}"/>
-              </a:ext>
-            </a:extLst>
-          </p:cNvPr>
-          <p:cNvPicPr>
-            <a:picLocks noChangeAspect="1" noChangeArrowheads="1"/>
-          </p:cNvPicPr>
-          <p:nvPr/>
-        </p:nvPicPr>
-        <p:blipFill>
-          <a:blip r:embed="rId3">
-            <a:extLst>
-              <a:ext uri="{28A0092B-C50C-407E-A947-70E740481C1C}">
-                <a14:useLocalDpi xmlns:a14="http://schemas.microsoft.com/office/drawing/2010/main" val="0"/>
-              </a:ext>
-            </a:extLst>
-          </a:blip>
-          <a:stretch>
-            <a:fillRect/>
-          </a:stretch>
-        </p:blipFill>
-        <p:spPr bwMode="auto">
-          <a:xfrm>
-            <a:off x="910541" y="1897207"/>
-            <a:ext cx="10370917" cy="4338789"/>
-          </a:xfrm>
-          <a:prstGeom prst="rect">
-            <a:avLst/>
-          </a:prstGeom>
-          <a:noFill/>
-          <a:extLst>
-            <a:ext uri="{909E8E84-426E-40DD-AFC4-6F175D3DCCD1}">
-              <a14:hiddenFill xmlns:a14="http://schemas.microsoft.com/office/drawing/2010/main">
-                <a:solidFill>
-                  <a:srgbClr val="FFFFFF"/>
-                </a:solidFill>
-              </a14:hiddenFill>
-            </a:ext>
-          </a:extLst>
-        </p:spPr>
-      </p:pic>
-    </p:spTree>
-    <p:extLst>
-      <p:ext uri="{BB962C8B-B14F-4D97-AF65-F5344CB8AC3E}">
-        <p14:creationId xmlns:p14="http://schemas.microsoft.com/office/powerpoint/2010/main" val="882630486"/>
-      </p:ext>
-    </p:extLst>
-  </p:cSld>
-  <p:clrMapOvr>
-    <a:masterClrMapping/>
-  </p:clrMapOvr>
-</p:sld>
-</file>
-
-<file path=ppt/slides/slide4.xml><?xml version="1.0" encoding="utf-8"?>
 <p:sld xmlns:a="http://schemas.openxmlformats.org/drawingml/2006/main" xmlns:r="http://schemas.openxmlformats.org/officeDocument/2006/relationships" xmlns:p="http://schemas.openxmlformats.org/presentationml/2006/main">
   <p:cSld>
     <p:bg>
@@ -14128,7 +14778,7 @@
           <a:lstStyle/>
           <a:p>
             <a:r>
-              <a:rPr lang="en-US" sz="5400" kern="1200">
+              <a:rPr lang="en-US" sz="5400" kern="1200" dirty="0">
                 <a:solidFill>
                   <a:schemeClr val="tx1"/>
                 </a:solidFill>
@@ -14138,54 +14788,26 @@
               </a:rPr>
               <a:t>Key Project Components</a:t>
             </a:r>
-          </a:p>
-        </p:txBody>
-      </p:sp>
-      <p:sp>
-        <p:nvSpPr>
-          <p:cNvPr id="5" name="TextBox 4">
-            <a:extLst>
-              <a:ext uri="{FF2B5EF4-FFF2-40B4-BE49-F238E27FC236}">
-                <a16:creationId xmlns:a16="http://schemas.microsoft.com/office/drawing/2014/main" id="{B91596C9-FAE5-4736-ADAF-DA6854F51C54}"/>
-              </a:ext>
-            </a:extLst>
-          </p:cNvPr>
-          <p:cNvSpPr txBox="1"/>
-          <p:nvPr/>
-        </p:nvSpPr>
-        <p:spPr>
-          <a:xfrm>
-            <a:off x="8610600" y="1933574"/>
-            <a:ext cx="2686812" cy="2990849"/>
-          </a:xfrm>
-          <a:prstGeom prst="rect">
-            <a:avLst/>
-          </a:prstGeom>
-        </p:spPr>
-        <p:txBody>
-          <a:bodyPr vert="horz" lIns="91440" tIns="45720" rIns="91440" bIns="45720" rtlCol="0" anchor="ctr">
-            <a:normAutofit/>
-          </a:bodyPr>
-          <a:lstStyle/>
-          <a:p>
-            <a:pPr>
-              <a:lnSpc>
-                <a:spcPct val="90000"/>
-              </a:lnSpc>
-              <a:spcBef>
-                <a:spcPts val="1000"/>
-              </a:spcBef>
-            </a:pPr>
-            <a:r>
-              <a:rPr lang="en-US" sz="2800" kern="1200" dirty="0">
+            <a:br>
+              <a:rPr lang="en-US" sz="5400" kern="1200" dirty="0">
                 <a:solidFill>
                   <a:schemeClr val="tx1"/>
                 </a:solidFill>
-                <a:latin typeface="+mn-lt"/>
-                <a:ea typeface="+mn-ea"/>
-                <a:cs typeface="+mn-cs"/>
-              </a:rPr>
-              <a:t>The following components will be implemented in later phases of the project.</a:t>
+                <a:latin typeface="+mj-lt"/>
+                <a:ea typeface="+mj-ea"/>
+                <a:cs typeface="+mj-cs"/>
+              </a:rPr>
+            </a:br>
+            <a:r>
+              <a:rPr lang="en-US" sz="3600" kern="1200" dirty="0">
+                <a:solidFill>
+                  <a:schemeClr val="tx1"/>
+                </a:solidFill>
+                <a:latin typeface="+mj-lt"/>
+                <a:ea typeface="+mj-ea"/>
+                <a:cs typeface="+mj-cs"/>
+              </a:rPr>
+              <a:t>(Application Development)</a:t>
             </a:r>
           </a:p>
         </p:txBody>
@@ -14388,7 +15010,7 @@
 </p:sld>
 </file>
 
-<file path=ppt/slides/slide5.xml><?xml version="1.0" encoding="utf-8"?>
+<file path=ppt/slides/slide4.xml><?xml version="1.0" encoding="utf-8"?>
 <p:sld xmlns:a="http://schemas.openxmlformats.org/drawingml/2006/main" xmlns:r="http://schemas.openxmlformats.org/officeDocument/2006/relationships" xmlns:p="http://schemas.openxmlformats.org/presentationml/2006/main">
   <p:cSld>
     <p:bg>
@@ -14610,7 +15232,7 @@
                 <a:ea typeface="+mj-ea"/>
                 <a:cs typeface="+mj-cs"/>
               </a:rPr>
-              <a:t>Trello</a:t>
+              <a:t>Architectural Diagram</a:t>
             </a:r>
           </a:p>
         </p:txBody>
@@ -14687,6 +15309,362 @@
       </p:sp>
       <p:pic>
         <p:nvPicPr>
+          <p:cNvPr id="2050" name="Picture 2">
+            <a:extLst>
+              <a:ext uri="{FF2B5EF4-FFF2-40B4-BE49-F238E27FC236}">
+                <a16:creationId xmlns:a16="http://schemas.microsoft.com/office/drawing/2014/main" id="{33E07461-F097-4C85-8DBD-810E1FD14814}"/>
+              </a:ext>
+            </a:extLst>
+          </p:cNvPr>
+          <p:cNvPicPr>
+            <a:picLocks noChangeAspect="1" noChangeArrowheads="1"/>
+          </p:cNvPicPr>
+          <p:nvPr/>
+        </p:nvPicPr>
+        <p:blipFill>
+          <a:blip r:embed="rId3">
+            <a:extLst>
+              <a:ext uri="{28A0092B-C50C-407E-A947-70E740481C1C}">
+                <a14:useLocalDpi xmlns:a14="http://schemas.microsoft.com/office/drawing/2010/main" val="0"/>
+              </a:ext>
+            </a:extLst>
+          </a:blip>
+          <a:stretch>
+            <a:fillRect/>
+          </a:stretch>
+        </p:blipFill>
+        <p:spPr bwMode="auto">
+          <a:xfrm>
+            <a:off x="910541" y="1897207"/>
+            <a:ext cx="10370917" cy="4826866"/>
+          </a:xfrm>
+          <a:prstGeom prst="rect">
+            <a:avLst/>
+          </a:prstGeom>
+          <a:noFill/>
+          <a:extLst>
+            <a:ext uri="{909E8E84-426E-40DD-AFC4-6F175D3DCCD1}">
+              <a14:hiddenFill xmlns:a14="http://schemas.microsoft.com/office/drawing/2010/main">
+                <a:solidFill>
+                  <a:srgbClr val="FFFFFF"/>
+                </a:solidFill>
+              </a14:hiddenFill>
+            </a:ext>
+          </a:extLst>
+        </p:spPr>
+      </p:pic>
+    </p:spTree>
+    <p:extLst>
+      <p:ext uri="{BB962C8B-B14F-4D97-AF65-F5344CB8AC3E}">
+        <p14:creationId xmlns:p14="http://schemas.microsoft.com/office/powerpoint/2010/main" val="882630486"/>
+      </p:ext>
+    </p:extLst>
+  </p:cSld>
+  <p:clrMapOvr>
+    <a:masterClrMapping/>
+  </p:clrMapOvr>
+</p:sld>
+</file>
+
+<file path=ppt/slides/slide5.xml><?xml version="1.0" encoding="utf-8"?>
+<p:sld xmlns:a="http://schemas.openxmlformats.org/drawingml/2006/main" xmlns:r="http://schemas.openxmlformats.org/officeDocument/2006/relationships" xmlns:p="http://schemas.openxmlformats.org/presentationml/2006/main">
+  <p:cSld>
+    <p:bg>
+      <p:bgPr>
+        <a:solidFill>
+          <a:schemeClr val="bg1"/>
+        </a:solidFill>
+        <a:effectLst/>
+      </p:bgPr>
+    </p:bg>
+    <p:spTree>
+      <p:nvGrpSpPr>
+        <p:cNvPr id="1" name=""/>
+        <p:cNvGrpSpPr/>
+        <p:nvPr/>
+      </p:nvGrpSpPr>
+      <p:grpSpPr>
+        <a:xfrm>
+          <a:off x="0" y="0"/>
+          <a:ext cx="0" cy="0"/>
+          <a:chOff x="0" y="0"/>
+          <a:chExt cx="0" cy="0"/>
+        </a:xfrm>
+      </p:grpSpPr>
+      <p:sp useBgFill="1">
+        <p:nvSpPr>
+          <p:cNvPr id="71" name="Rectangle 70">
+            <a:extLst>
+              <a:ext uri="{FF2B5EF4-FFF2-40B4-BE49-F238E27FC236}">
+                <a16:creationId xmlns:a16="http://schemas.microsoft.com/office/drawing/2014/main" id="{C1A1C5D3-C053-4EE9-BE1A-419B6E27CCAE}"/>
+              </a:ext>
+              <a:ext uri="{C183D7F6-B498-43B3-948B-1728B52AA6E4}">
+                <adec:decorative xmlns:adec="http://schemas.microsoft.com/office/drawing/2017/decorative" val="1"/>
+              </a:ext>
+            </a:extLst>
+          </p:cNvPr>
+          <p:cNvSpPr>
+            <a:spLocks noGrp="1" noRot="1" noChangeAspect="1" noMove="1" noResize="1" noEditPoints="1" noAdjustHandles="1" noChangeArrowheads="1" noChangeShapeType="1" noTextEdit="1"/>
+          </p:cNvSpPr>
+          <p:nvPr>
+            <p:extLst>
+              <p:ext uri="{386F3935-93C4-4BCD-93E2-E3B085C9AB24}">
+                <p16:designElem xmlns:p16="http://schemas.microsoft.com/office/powerpoint/2015/main" val="1"/>
+              </p:ext>
+            </p:extLst>
+          </p:nvPr>
+        </p:nvSpPr>
+        <p:spPr>
+          <a:xfrm>
+            <a:off x="0" y="0"/>
+            <a:ext cx="12192000" cy="6858000"/>
+          </a:xfrm>
+          <a:prstGeom prst="rect">
+            <a:avLst/>
+          </a:prstGeom>
+          <a:ln>
+            <a:noFill/>
+          </a:ln>
+        </p:spPr>
+        <p:style>
+          <a:lnRef idx="2">
+            <a:schemeClr val="accent1">
+              <a:shade val="50000"/>
+            </a:schemeClr>
+          </a:lnRef>
+          <a:fillRef idx="1">
+            <a:schemeClr val="accent1"/>
+          </a:fillRef>
+          <a:effectRef idx="0">
+            <a:schemeClr val="accent1"/>
+          </a:effectRef>
+          <a:fontRef idx="minor">
+            <a:schemeClr val="lt1"/>
+          </a:fontRef>
+        </p:style>
+        <p:txBody>
+          <a:bodyPr rtlCol="0" anchor="ctr"/>
+          <a:lstStyle/>
+          <a:p>
+            <a:pPr algn="ctr"/>
+            <a:endParaRPr lang="en-US" dirty="0"/>
+          </a:p>
+        </p:txBody>
+      </p:sp>
+      <p:sp useBgFill="1">
+        <p:nvSpPr>
+          <p:cNvPr id="73" name="Rectangle 72">
+            <a:extLst>
+              <a:ext uri="{FF2B5EF4-FFF2-40B4-BE49-F238E27FC236}">
+                <a16:creationId xmlns:a16="http://schemas.microsoft.com/office/drawing/2014/main" id="{A3473CF9-37EB-43E7-89EF-D2D1C53D1DAC}"/>
+              </a:ext>
+              <a:ext uri="{C183D7F6-B498-43B3-948B-1728B52AA6E4}">
+                <adec:decorative xmlns:adec="http://schemas.microsoft.com/office/drawing/2017/decorative" val="1"/>
+              </a:ext>
+            </a:extLst>
+          </p:cNvPr>
+          <p:cNvSpPr>
+            <a:spLocks noGrp="1" noRot="1" noChangeAspect="1" noMove="1" noResize="1" noEditPoints="1" noAdjustHandles="1" noChangeArrowheads="1" noChangeShapeType="1" noTextEdit="1"/>
+          </p:cNvSpPr>
+          <p:nvPr>
+            <p:extLst>
+              <p:ext uri="{386F3935-93C4-4BCD-93E2-E3B085C9AB24}">
+                <p16:designElem xmlns:p16="http://schemas.microsoft.com/office/powerpoint/2015/main" val="1"/>
+              </p:ext>
+            </p:extLst>
+          </p:nvPr>
+        </p:nvSpPr>
+        <p:spPr>
+          <a:xfrm>
+            <a:off x="1903615" y="221673"/>
+            <a:ext cx="8384770" cy="1332634"/>
+          </a:xfrm>
+          <a:prstGeom prst="rect">
+            <a:avLst/>
+          </a:prstGeom>
+          <a:ln w="12700">
+            <a:solidFill>
+              <a:srgbClr val="E1E1E1"/>
+            </a:solidFill>
+          </a:ln>
+          <a:effectLst>
+            <a:outerShdw blurRad="50800" dist="38100" dir="2700000" algn="tl" rotWithShape="0">
+              <a:schemeClr val="bg2">
+                <a:lumMod val="85000"/>
+                <a:alpha val="50000"/>
+              </a:schemeClr>
+            </a:outerShdw>
+          </a:effectLst>
+        </p:spPr>
+        <p:style>
+          <a:lnRef idx="2">
+            <a:schemeClr val="accent1">
+              <a:shade val="50000"/>
+            </a:schemeClr>
+          </a:lnRef>
+          <a:fillRef idx="1">
+            <a:schemeClr val="accent1"/>
+          </a:fillRef>
+          <a:effectRef idx="0">
+            <a:schemeClr val="accent1"/>
+          </a:effectRef>
+          <a:fontRef idx="minor">
+            <a:schemeClr val="lt1"/>
+          </a:fontRef>
+        </p:style>
+        <p:txBody>
+          <a:bodyPr rtlCol="0" anchor="ctr"/>
+          <a:lstStyle/>
+          <a:p>
+            <a:pPr marL="0" marR="0" lvl="0" indent="0" algn="ctr" defTabSz="914400" rtl="0" eaLnBrk="1" fontAlgn="auto" latinLnBrk="0" hangingPunct="1">
+              <a:lnSpc>
+                <a:spcPct val="100000"/>
+              </a:lnSpc>
+              <a:spcBef>
+                <a:spcPts val="0"/>
+              </a:spcBef>
+              <a:spcAft>
+                <a:spcPts val="0"/>
+              </a:spcAft>
+              <a:buClrTx/>
+              <a:buSzTx/>
+              <a:buFontTx/>
+              <a:buNone/>
+              <a:tabLst/>
+              <a:defRPr/>
+            </a:pPr>
+            <a:endParaRPr kumimoji="0" lang="en-US" sz="1800" b="0" i="0" u="none" strike="noStrike" kern="1200" cap="none" spc="0" normalizeH="0" baseline="0" noProof="0" dirty="0">
+              <a:ln>
+                <a:noFill/>
+              </a:ln>
+              <a:solidFill>
+                <a:prstClr val="white"/>
+              </a:solidFill>
+              <a:effectLst/>
+              <a:uLnTx/>
+              <a:uFillTx/>
+              <a:latin typeface="Calibri" panose="020F0502020204030204"/>
+              <a:ea typeface="+mn-ea"/>
+              <a:cs typeface="+mn-cs"/>
+            </a:endParaRPr>
+          </a:p>
+        </p:txBody>
+      </p:sp>
+      <p:sp>
+        <p:nvSpPr>
+          <p:cNvPr id="2" name="Title 1">
+            <a:extLst>
+              <a:ext uri="{FF2B5EF4-FFF2-40B4-BE49-F238E27FC236}">
+                <a16:creationId xmlns:a16="http://schemas.microsoft.com/office/drawing/2014/main" id="{0FDE5079-B185-4DE0-AF2C-AE4B7709FBC3}"/>
+              </a:ext>
+            </a:extLst>
+          </p:cNvPr>
+          <p:cNvSpPr>
+            <a:spLocks noGrp="1"/>
+          </p:cNvSpPr>
+          <p:nvPr>
+            <p:ph type="title"/>
+          </p:nvPr>
+        </p:nvSpPr>
+        <p:spPr>
+          <a:xfrm>
+            <a:off x="2103121" y="310343"/>
+            <a:ext cx="7985759" cy="868823"/>
+          </a:xfrm>
+        </p:spPr>
+        <p:txBody>
+          <a:bodyPr vert="horz" lIns="91440" tIns="45720" rIns="91440" bIns="45720" rtlCol="0" anchor="ctr">
+            <a:normAutofit/>
+          </a:bodyPr>
+          <a:lstStyle/>
+          <a:p>
+            <a:pPr algn="ctr"/>
+            <a:r>
+              <a:rPr lang="en-US" sz="4000" kern="1200" dirty="0">
+                <a:solidFill>
+                  <a:schemeClr val="tx1"/>
+                </a:solidFill>
+                <a:latin typeface="+mj-lt"/>
+                <a:ea typeface="+mj-ea"/>
+                <a:cs typeface="+mj-cs"/>
+              </a:rPr>
+              <a:t>Trello</a:t>
+            </a:r>
+          </a:p>
+        </p:txBody>
+      </p:sp>
+      <p:sp>
+        <p:nvSpPr>
+          <p:cNvPr id="75" name="Rectangle: Rounded Corners 74">
+            <a:extLst>
+              <a:ext uri="{FF2B5EF4-FFF2-40B4-BE49-F238E27FC236}">
+                <a16:creationId xmlns:a16="http://schemas.microsoft.com/office/drawing/2014/main" id="{586B4EF9-43BA-4655-A6FF-1D8E21574C95}"/>
+              </a:ext>
+              <a:ext uri="{C183D7F6-B498-43B3-948B-1728B52AA6E4}">
+                <adec:decorative xmlns:adec="http://schemas.microsoft.com/office/drawing/2017/decorative" val="1"/>
+              </a:ext>
+            </a:extLst>
+          </p:cNvPr>
+          <p:cNvSpPr>
+            <a:spLocks noGrp="1" noRot="1" noChangeAspect="1" noMove="1" noResize="1" noEditPoints="1" noAdjustHandles="1" noChangeArrowheads="1" noChangeShapeType="1" noTextEdit="1"/>
+          </p:cNvSpPr>
+          <p:nvPr>
+            <p:extLst>
+              <p:ext uri="{386F3935-93C4-4BCD-93E2-E3B085C9AB24}">
+                <p16:designElem xmlns:p16="http://schemas.microsoft.com/office/powerpoint/2015/main" val="1"/>
+              </p:ext>
+            </p:extLst>
+          </p:nvPr>
+        </p:nvSpPr>
+        <p:spPr>
+          <a:xfrm>
+            <a:off x="2483110" y="1211407"/>
+            <a:ext cx="7225780" cy="685800"/>
+          </a:xfrm>
+          <a:prstGeom prst="roundRect">
+            <a:avLst>
+              <a:gd name="adj" fmla="val 0"/>
+            </a:avLst>
+          </a:prstGeom>
+          <a:solidFill>
+            <a:schemeClr val="accent2"/>
+          </a:solidFill>
+          <a:ln>
+            <a:noFill/>
+          </a:ln>
+        </p:spPr>
+        <p:style>
+          <a:lnRef idx="2">
+            <a:schemeClr val="accent1">
+              <a:shade val="50000"/>
+            </a:schemeClr>
+          </a:lnRef>
+          <a:fillRef idx="1">
+            <a:schemeClr val="accent1"/>
+          </a:fillRef>
+          <a:effectRef idx="0">
+            <a:schemeClr val="accent1"/>
+          </a:effectRef>
+          <a:fontRef idx="minor">
+            <a:schemeClr val="lt1"/>
+          </a:fontRef>
+        </p:style>
+        <p:txBody>
+          <a:bodyPr rtlCol="0" anchor="ctr"/>
+          <a:lstStyle/>
+          <a:p>
+            <a:pPr algn="ctr"/>
+            <a:endParaRPr lang="en-US" dirty="0">
+              <a:solidFill>
+                <a:prstClr val="white"/>
+              </a:solidFill>
+              <a:latin typeface="Calibri" panose="020F0502020204030204"/>
+            </a:endParaRPr>
+          </a:p>
+        </p:txBody>
+      </p:sp>
+      <p:pic>
+        <p:nvPicPr>
           <p:cNvPr id="10" name="Content Placeholder 4" descr="A screenshot of a cell phone&#10;&#10;Description automatically generated">
             <a:extLst>
               <a:ext uri="{FF2B5EF4-FFF2-40B4-BE49-F238E27FC236}">
@@ -14819,6 +15797,16 @@
             </a:pPr>
             <a:r>
               <a:rPr lang="en-US" dirty="0"/>
+              <a:t>Sprint Planning – Issue/Project Management</a:t>
+            </a:r>
+          </a:p>
+          <a:p>
+            <a:pPr marL="285750" indent="-285750">
+              <a:buFont typeface="Arial" panose="020B0604020202020204" pitchFamily="34" charset="0"/>
+              <a:buChar char="•"/>
+            </a:pPr>
+            <a:r>
+              <a:rPr lang="en-US" dirty="0"/>
               <a:t>Kanban Style through Trello</a:t>
             </a:r>
           </a:p>
@@ -14831,13 +15819,6 @@
               <a:rPr lang="en-US" dirty="0"/>
               <a:t>Backlog, In-progress, Waiting for Acceptance and Accepted</a:t>
             </a:r>
-          </a:p>
-          <a:p>
-            <a:pPr marL="285750" indent="-285750">
-              <a:buFont typeface="Arial" panose="020B0604020202020204" pitchFamily="34" charset="0"/>
-              <a:buChar char="•"/>
-            </a:pPr>
-            <a:endParaRPr lang="en-US" dirty="0"/>
           </a:p>
         </p:txBody>
       </p:sp>
@@ -14895,13 +15876,8 @@
             </a:pPr>
             <a:r>
               <a:rPr lang="en-US" dirty="0"/>
-              <a:t>Includes Story Points, Acceptance Criteria, </a:t>
-            </a:r>
-            <a:r>
-              <a:rPr lang="en-US" dirty="0" err="1"/>
-              <a:t>etc</a:t>
-            </a:r>
-            <a:endParaRPr lang="en-US" dirty="0"/>
+              <a:t>Includes Story Points, Acceptance Criteria, etc.</a:t>
+            </a:r>
           </a:p>
           <a:p>
             <a:pPr marL="285750" indent="-285750">
@@ -15417,7 +16393,7 @@
             </a:pPr>
             <a:r>
               <a:rPr lang="en-US" dirty="0"/>
-              <a:t>Branching strategy outlined</a:t>
+              <a:t>Branching strategy documented</a:t>
             </a:r>
           </a:p>
           <a:p>
@@ -17277,20 +18253,20 @@
 </file>
 
 <file path=customXml/item1.xml><?xml version="1.0" encoding="utf-8"?>
-<p:properties xmlns:p="http://schemas.microsoft.com/office/2006/metadata/properties" xmlns:xsi="http://www.w3.org/2001/XMLSchema-instance" xmlns:pc="http://schemas.microsoft.com/office/infopath/2007/PartnerControls">
-  <documentManagement>
-    <MediaServiceKeyPoints xmlns="71af3243-3dd4-4a8d-8c0d-dd76da1f02a5" xsi:nil="true"/>
-  </documentManagement>
-</p:properties>
-</file>
-
-<file path=customXml/item2.xml><?xml version="1.0" encoding="utf-8"?>
 <?mso-contentType ?>
 <FormTemplates xmlns="http://schemas.microsoft.com/sharepoint/v3/contenttype/forms">
   <Display>DocumentLibraryForm</Display>
   <Edit>DocumentLibraryForm</Edit>
   <New>DocumentLibraryForm</New>
 </FormTemplates>
+</file>
+
+<file path=customXml/item2.xml><?xml version="1.0" encoding="utf-8"?>
+<p:properties xmlns:p="http://schemas.microsoft.com/office/2006/metadata/properties" xmlns:xsi="http://www.w3.org/2001/XMLSchema-instance" xmlns:pc="http://schemas.microsoft.com/office/infopath/2007/PartnerControls">
+  <documentManagement>
+    <MediaServiceKeyPoints xmlns="71af3243-3dd4-4a8d-8c0d-dd76da1f02a5" xsi:nil="true"/>
+  </documentManagement>
+</p:properties>
 </file>
 
 <file path=customXml/item3.xml><?xml version="1.0" encoding="utf-8"?>
@@ -17505,26 +18481,26 @@
 </file>
 
 <file path=customXml/itemProps1.xml><?xml version="1.0" encoding="utf-8"?>
-<ds:datastoreItem xmlns:ds="http://schemas.openxmlformats.org/officeDocument/2006/customXml" ds:itemID="{03C7D9E6-B0D9-433E-BD46-EB60F64F4DA8}">
+<ds:datastoreItem xmlns:ds="http://schemas.openxmlformats.org/officeDocument/2006/customXml" ds:itemID="{5CA875DA-F9FD-4F83-A049-3B1027B542DE}">
   <ds:schemaRefs>
-    <ds:schemaRef ds:uri="http://purl.org/dc/terms/"/>
-    <ds:schemaRef ds:uri="http://schemas.openxmlformats.org/package/2006/metadata/core-properties"/>
-    <ds:schemaRef ds:uri="16c05727-aa75-4e4a-9b5f-8a80a1165891"/>
-    <ds:schemaRef ds:uri="http://schemas.microsoft.com/office/2006/documentManagement/types"/>
-    <ds:schemaRef ds:uri="http://schemas.microsoft.com/office/infopath/2007/PartnerControls"/>
-    <ds:schemaRef ds:uri="http://purl.org/dc/elements/1.1/"/>
-    <ds:schemaRef ds:uri="http://schemas.microsoft.com/office/2006/metadata/properties"/>
-    <ds:schemaRef ds:uri="71af3243-3dd4-4a8d-8c0d-dd76da1f02a5"/>
-    <ds:schemaRef ds:uri="http://www.w3.org/XML/1998/namespace"/>
-    <ds:schemaRef ds:uri="http://purl.org/dc/dcmitype/"/>
+    <ds:schemaRef ds:uri="http://schemas.microsoft.com/sharepoint/v3/contenttype/forms"/>
   </ds:schemaRefs>
 </ds:datastoreItem>
 </file>
 
 <file path=customXml/itemProps2.xml><?xml version="1.0" encoding="utf-8"?>
-<ds:datastoreItem xmlns:ds="http://schemas.openxmlformats.org/officeDocument/2006/customXml" ds:itemID="{5CA875DA-F9FD-4F83-A049-3B1027B542DE}">
+<ds:datastoreItem xmlns:ds="http://schemas.openxmlformats.org/officeDocument/2006/customXml" ds:itemID="{03C7D9E6-B0D9-433E-BD46-EB60F64F4DA8}">
   <ds:schemaRefs>
-    <ds:schemaRef ds:uri="http://schemas.microsoft.com/sharepoint/v3/contenttype/forms"/>
+    <ds:schemaRef ds:uri="http://purl.org/dc/elements/1.1/"/>
+    <ds:schemaRef ds:uri="http://schemas.microsoft.com/office/2006/metadata/properties"/>
+    <ds:schemaRef ds:uri="http://schemas.microsoft.com/office/2006/documentManagement/types"/>
+    <ds:schemaRef ds:uri="http://purl.org/dc/terms/"/>
+    <ds:schemaRef ds:uri="http://schemas.openxmlformats.org/package/2006/metadata/core-properties"/>
+    <ds:schemaRef ds:uri="16c05727-aa75-4e4a-9b5f-8a80a1165891"/>
+    <ds:schemaRef ds:uri="http://purl.org/dc/dcmitype/"/>
+    <ds:schemaRef ds:uri="http://schemas.microsoft.com/office/infopath/2007/PartnerControls"/>
+    <ds:schemaRef ds:uri="71af3243-3dd4-4a8d-8c0d-dd76da1f02a5"/>
+    <ds:schemaRef ds:uri="http://www.w3.org/XML/1998/namespace"/>
   </ds:schemaRefs>
 </ds:datastoreItem>
 </file>

--- a/documentation/Demonstrations/Connacht_University_TeamDC.pptx
+++ b/documentation/Demonstrations/Connacht_University_TeamDC.pptx
@@ -5,10 +5,10 @@
     <p:sldMasterId id="2147483648" r:id="rId4"/>
   </p:sldMasterIdLst>
   <p:notesMasterIdLst>
-    <p:notesMasterId r:id="rId24"/>
+    <p:notesMasterId r:id="rId25"/>
   </p:notesMasterIdLst>
   <p:handoutMasterIdLst>
-    <p:handoutMasterId r:id="rId25"/>
+    <p:handoutMasterId r:id="rId26"/>
   </p:handoutMasterIdLst>
   <p:sldIdLst>
     <p:sldId id="256" r:id="rId5"/>
@@ -30,6 +30,7 @@
     <p:sldId id="264" r:id="rId21"/>
     <p:sldId id="284" r:id="rId22"/>
     <p:sldId id="275" r:id="rId23"/>
+    <p:sldId id="285" r:id="rId24"/>
   </p:sldIdLst>
   <p:sldSz cx="12192000" cy="6858000"/>
   <p:notesSz cx="6858000" cy="9144000"/>
@@ -2550,6 +2551,261 @@
     <p:extLst>
       <p:ext uri="{BB962C8B-B14F-4D97-AF65-F5344CB8AC3E}">
         <p14:creationId xmlns:p14="http://schemas.microsoft.com/office/powerpoint/2010/main" val="2026532120"/>
+      </p:ext>
+    </p:extLst>
+  </p:cSld>
+  <p:clrMapOvr>
+    <a:masterClrMapping/>
+  </p:clrMapOvr>
+</p:notes>
+</file>
+
+<file path=ppt/notesSlides/notesSlide18.xml><?xml version="1.0" encoding="utf-8"?>
+<p:notes xmlns:a="http://schemas.openxmlformats.org/drawingml/2006/main" xmlns:r="http://schemas.openxmlformats.org/officeDocument/2006/relationships" xmlns:p="http://schemas.openxmlformats.org/presentationml/2006/main">
+  <p:cSld>
+    <p:spTree>
+      <p:nvGrpSpPr>
+        <p:cNvPr id="1" name=""/>
+        <p:cNvGrpSpPr/>
+        <p:nvPr/>
+      </p:nvGrpSpPr>
+      <p:grpSpPr>
+        <a:xfrm>
+          <a:off x="0" y="0"/>
+          <a:ext cx="0" cy="0"/>
+          <a:chOff x="0" y="0"/>
+          <a:chExt cx="0" cy="0"/>
+        </a:xfrm>
+      </p:grpSpPr>
+      <p:sp>
+        <p:nvSpPr>
+          <p:cNvPr id="2" name="Slide Image Placeholder 1"/>
+          <p:cNvSpPr>
+            <a:spLocks noGrp="1" noRot="1" noChangeAspect="1"/>
+          </p:cNvSpPr>
+          <p:nvPr>
+            <p:ph type="sldImg"/>
+          </p:nvPr>
+        </p:nvSpPr>
+        <p:spPr/>
+      </p:sp>
+      <p:sp>
+        <p:nvSpPr>
+          <p:cNvPr id="3" name="Notes Placeholder 2"/>
+          <p:cNvSpPr>
+            <a:spLocks noGrp="1"/>
+          </p:cNvSpPr>
+          <p:nvPr>
+            <p:ph type="body" idx="1"/>
+          </p:nvPr>
+        </p:nvSpPr>
+        <p:spPr/>
+        <p:txBody>
+          <a:bodyPr/>
+          <a:lstStyle/>
+          <a:p>
+            <a:r>
+              <a:rPr lang="en-US" i="0" dirty="0">
+                <a:latin typeface="Segoe UI" panose="020B0502040204020203" pitchFamily="34" charset="0"/>
+                <a:cs typeface="Segoe UI" panose="020B0502040204020203" pitchFamily="34" charset="0"/>
+              </a:rPr>
+              <a:t>Once you find your sources, you will want to evaluate your sources using the following questions: </a:t>
+            </a:r>
+          </a:p>
+          <a:p>
+            <a:endParaRPr lang="en-US" i="0" dirty="0">
+              <a:latin typeface="Segoe UI" panose="020B0502040204020203" pitchFamily="34" charset="0"/>
+              <a:cs typeface="Segoe UI" panose="020B0502040204020203" pitchFamily="34" charset="0"/>
+            </a:endParaRPr>
+          </a:p>
+          <a:p>
+            <a:r>
+              <a:rPr lang="en-US" b="1" i="0" dirty="0">
+                <a:latin typeface="Segoe UI" panose="020B0502040204020203" pitchFamily="34" charset="0"/>
+                <a:cs typeface="Segoe UI" panose="020B0502040204020203" pitchFamily="34" charset="0"/>
+              </a:rPr>
+              <a:t>Author: </a:t>
+            </a:r>
+          </a:p>
+          <a:p>
+            <a:pPr marL="171450" indent="-171450">
+              <a:buFont typeface="Arial" panose="020B0604020202020204" pitchFamily="34" charset="0"/>
+              <a:buChar char="•"/>
+            </a:pPr>
+            <a:r>
+              <a:rPr lang="en-US" i="0" dirty="0">
+                <a:latin typeface="Segoe UI" panose="020B0502040204020203" pitchFamily="34" charset="0"/>
+                <a:cs typeface="Segoe UI" panose="020B0502040204020203" pitchFamily="34" charset="0"/>
+              </a:rPr>
+              <a:t>Who is the author?</a:t>
+            </a:r>
+          </a:p>
+          <a:p>
+            <a:pPr marL="171450" indent="-171450">
+              <a:buFont typeface="Arial" panose="020B0604020202020204" pitchFamily="34" charset="0"/>
+              <a:buChar char="•"/>
+            </a:pPr>
+            <a:r>
+              <a:rPr lang="en-US" i="0" dirty="0">
+                <a:latin typeface="Segoe UI" panose="020B0502040204020203" pitchFamily="34" charset="0"/>
+                <a:cs typeface="Segoe UI" panose="020B0502040204020203" pitchFamily="34" charset="0"/>
+              </a:rPr>
+              <a:t>Why should I believe what he or she has to say on the topic?</a:t>
+            </a:r>
+          </a:p>
+          <a:p>
+            <a:pPr marL="171450" indent="-171450">
+              <a:buFont typeface="Arial" panose="020B0604020202020204" pitchFamily="34" charset="0"/>
+              <a:buChar char="•"/>
+            </a:pPr>
+            <a:r>
+              <a:rPr lang="en-US" i="0" dirty="0">
+                <a:latin typeface="Segoe UI" panose="020B0502040204020203" pitchFamily="34" charset="0"/>
+                <a:cs typeface="Segoe UI" panose="020B0502040204020203" pitchFamily="34" charset="0"/>
+              </a:rPr>
+              <a:t>Is the author seen as an expert on the topic? How do you know?</a:t>
+            </a:r>
+          </a:p>
+          <a:p>
+            <a:pPr marL="171450" indent="-171450">
+              <a:buFont typeface="Arial" panose="020B0604020202020204" pitchFamily="34" charset="0"/>
+              <a:buChar char="•"/>
+            </a:pPr>
+            <a:endParaRPr lang="en-US" i="0" dirty="0">
+              <a:latin typeface="Segoe UI" panose="020B0502040204020203" pitchFamily="34" charset="0"/>
+              <a:cs typeface="Segoe UI" panose="020B0502040204020203" pitchFamily="34" charset="0"/>
+            </a:endParaRPr>
+          </a:p>
+          <a:p>
+            <a:pPr marL="0" indent="0">
+              <a:buFont typeface="Arial" panose="020B0604020202020204" pitchFamily="34" charset="0"/>
+              <a:buNone/>
+            </a:pPr>
+            <a:r>
+              <a:rPr lang="en-US" b="1" i="0" dirty="0">
+                <a:latin typeface="Segoe UI" panose="020B0502040204020203" pitchFamily="34" charset="0"/>
+                <a:cs typeface="Segoe UI" panose="020B0502040204020203" pitchFamily="34" charset="0"/>
+              </a:rPr>
+              <a:t>Current: </a:t>
+            </a:r>
+          </a:p>
+          <a:p>
+            <a:pPr marL="171450" indent="-171450">
+              <a:buFont typeface="Arial" panose="020B0604020202020204" pitchFamily="34" charset="0"/>
+              <a:buChar char="•"/>
+            </a:pPr>
+            <a:r>
+              <a:rPr lang="en-US" i="0" dirty="0">
+                <a:latin typeface="Segoe UI" panose="020B0502040204020203" pitchFamily="34" charset="0"/>
+                <a:cs typeface="Segoe UI" panose="020B0502040204020203" pitchFamily="34" charset="0"/>
+              </a:rPr>
+              <a:t>How current is the information in the source?</a:t>
+            </a:r>
+          </a:p>
+          <a:p>
+            <a:pPr marL="171450" indent="-171450">
+              <a:buFont typeface="Arial" panose="020B0604020202020204" pitchFamily="34" charset="0"/>
+              <a:buChar char="•"/>
+            </a:pPr>
+            <a:r>
+              <a:rPr lang="en-US" i="0" dirty="0">
+                <a:latin typeface="Segoe UI" panose="020B0502040204020203" pitchFamily="34" charset="0"/>
+                <a:cs typeface="Segoe UI" panose="020B0502040204020203" pitchFamily="34" charset="0"/>
+              </a:rPr>
+              <a:t>When was the source published?</a:t>
+            </a:r>
+          </a:p>
+          <a:p>
+            <a:pPr marL="171450" indent="-171450">
+              <a:buFont typeface="Arial" panose="020B0604020202020204" pitchFamily="34" charset="0"/>
+              <a:buChar char="•"/>
+            </a:pPr>
+            <a:r>
+              <a:rPr lang="en-US" i="0" dirty="0">
+                <a:latin typeface="Segoe UI" panose="020B0502040204020203" pitchFamily="34" charset="0"/>
+                <a:cs typeface="Segoe UI" panose="020B0502040204020203" pitchFamily="34" charset="0"/>
+              </a:rPr>
+              <a:t>Is the information out-of-date?</a:t>
+            </a:r>
+          </a:p>
+          <a:p>
+            <a:pPr marL="171450" indent="-171450">
+              <a:buFont typeface="Arial" panose="020B0604020202020204" pitchFamily="34" charset="0"/>
+              <a:buChar char="•"/>
+            </a:pPr>
+            <a:endParaRPr lang="en-US" b="1" i="0" dirty="0">
+              <a:latin typeface="Segoe UI" panose="020B0502040204020203" pitchFamily="34" charset="0"/>
+              <a:cs typeface="Segoe UI" panose="020B0502040204020203" pitchFamily="34" charset="0"/>
+            </a:endParaRPr>
+          </a:p>
+          <a:p>
+            <a:pPr marL="0" indent="0">
+              <a:buFont typeface="Arial" panose="020B0604020202020204" pitchFamily="34" charset="0"/>
+              <a:buNone/>
+            </a:pPr>
+            <a:r>
+              <a:rPr lang="en-US" b="1" i="0" dirty="0">
+                <a:latin typeface="Segoe UI" panose="020B0502040204020203" pitchFamily="34" charset="0"/>
+                <a:cs typeface="Segoe UI" panose="020B0502040204020203" pitchFamily="34" charset="0"/>
+              </a:rPr>
+              <a:t>Accuracy: </a:t>
+            </a:r>
+          </a:p>
+          <a:p>
+            <a:pPr marL="171450" indent="-171450">
+              <a:buFont typeface="Arial" panose="020B0604020202020204" pitchFamily="34" charset="0"/>
+              <a:buChar char="•"/>
+            </a:pPr>
+            <a:r>
+              <a:rPr lang="en-US" i="0" dirty="0">
+                <a:latin typeface="Segoe UI" panose="020B0502040204020203" pitchFamily="34" charset="0"/>
+                <a:cs typeface="Segoe UI" panose="020B0502040204020203" pitchFamily="34" charset="0"/>
+              </a:rPr>
+              <a:t>Is the content accurate?</a:t>
+            </a:r>
+          </a:p>
+          <a:p>
+            <a:pPr marL="171450" indent="-171450">
+              <a:buFont typeface="Arial" panose="020B0604020202020204" pitchFamily="34" charset="0"/>
+              <a:buChar char="•"/>
+            </a:pPr>
+            <a:r>
+              <a:rPr lang="en-US" i="0" dirty="0">
+                <a:latin typeface="Segoe UI" panose="020B0502040204020203" pitchFamily="34" charset="0"/>
+                <a:cs typeface="Segoe UI" panose="020B0502040204020203" pitchFamily="34" charset="0"/>
+              </a:rPr>
+              <a:t>Is the information presented objectively?  Do they share the pros and cons?</a:t>
+            </a:r>
+          </a:p>
+        </p:txBody>
+      </p:sp>
+      <p:sp>
+        <p:nvSpPr>
+          <p:cNvPr id="4" name="Slide Number Placeholder 3"/>
+          <p:cNvSpPr>
+            <a:spLocks noGrp="1"/>
+          </p:cNvSpPr>
+          <p:nvPr>
+            <p:ph type="sldNum" sz="quarter" idx="10"/>
+          </p:nvPr>
+        </p:nvSpPr>
+        <p:spPr/>
+        <p:txBody>
+          <a:bodyPr/>
+          <a:lstStyle/>
+          <a:p>
+            <a:fld id="{BC849E9A-41F7-4779-A581-48A7C374A227}" type="slidenum">
+              <a:rPr lang="en-US" smtClean="0"/>
+              <a:t>20</a:t>
+            </a:fld>
+            <a:endParaRPr lang="en-US" dirty="0"/>
+          </a:p>
+        </p:txBody>
+      </p:sp>
+    </p:spTree>
+    <p:extLst>
+      <p:ext uri="{BB962C8B-B14F-4D97-AF65-F5344CB8AC3E}">
+        <p14:creationId xmlns:p14="http://schemas.microsoft.com/office/powerpoint/2010/main" val="2219405240"/>
       </p:ext>
     </p:extLst>
   </p:cSld>
@@ -14577,6 +14833,428 @@
     <p:extLst>
       <p:ext uri="{BB962C8B-B14F-4D97-AF65-F5344CB8AC3E}">
         <p14:creationId xmlns:p14="http://schemas.microsoft.com/office/powerpoint/2010/main" val="381659708"/>
+      </p:ext>
+    </p:extLst>
+  </p:cSld>
+  <p:clrMapOvr>
+    <a:masterClrMapping/>
+  </p:clrMapOvr>
+</p:sld>
+</file>
+
+<file path=ppt/slides/slide20.xml><?xml version="1.0" encoding="utf-8"?>
+<p:sld xmlns:a="http://schemas.openxmlformats.org/drawingml/2006/main" xmlns:r="http://schemas.openxmlformats.org/officeDocument/2006/relationships" xmlns:p="http://schemas.openxmlformats.org/presentationml/2006/main">
+  <p:cSld>
+    <p:bg>
+      <p:bgPr>
+        <a:solidFill>
+          <a:schemeClr val="bg1"/>
+        </a:solidFill>
+        <a:effectLst/>
+      </p:bgPr>
+    </p:bg>
+    <p:spTree>
+      <p:nvGrpSpPr>
+        <p:cNvPr id="1" name=""/>
+        <p:cNvGrpSpPr/>
+        <p:nvPr/>
+      </p:nvGrpSpPr>
+      <p:grpSpPr>
+        <a:xfrm>
+          <a:off x="0" y="0"/>
+          <a:ext cx="0" cy="0"/>
+          <a:chOff x="0" y="0"/>
+          <a:chExt cx="0" cy="0"/>
+        </a:xfrm>
+      </p:grpSpPr>
+      <p:sp useBgFill="1">
+        <p:nvSpPr>
+          <p:cNvPr id="71" name="Rectangle 70">
+            <a:extLst>
+              <a:ext uri="{FF2B5EF4-FFF2-40B4-BE49-F238E27FC236}">
+                <a16:creationId xmlns:a16="http://schemas.microsoft.com/office/drawing/2014/main" id="{C1A1C5D3-C053-4EE9-BE1A-419B6E27CCAE}"/>
+              </a:ext>
+              <a:ext uri="{C183D7F6-B498-43B3-948B-1728B52AA6E4}">
+                <adec:decorative xmlns:adec="http://schemas.microsoft.com/office/drawing/2017/decorative" val="1"/>
+              </a:ext>
+            </a:extLst>
+          </p:cNvPr>
+          <p:cNvSpPr>
+            <a:spLocks noGrp="1" noRot="1" noChangeAspect="1" noMove="1" noResize="1" noEditPoints="1" noAdjustHandles="1" noChangeArrowheads="1" noChangeShapeType="1" noTextEdit="1"/>
+          </p:cNvSpPr>
+          <p:nvPr>
+            <p:extLst>
+              <p:ext uri="{386F3935-93C4-4BCD-93E2-E3B085C9AB24}">
+                <p16:designElem xmlns:p16="http://schemas.microsoft.com/office/powerpoint/2015/main" val="1"/>
+              </p:ext>
+            </p:extLst>
+          </p:nvPr>
+        </p:nvSpPr>
+        <p:spPr>
+          <a:xfrm>
+            <a:off x="0" y="0"/>
+            <a:ext cx="12192000" cy="6858000"/>
+          </a:xfrm>
+          <a:prstGeom prst="rect">
+            <a:avLst/>
+          </a:prstGeom>
+          <a:ln>
+            <a:noFill/>
+          </a:ln>
+        </p:spPr>
+        <p:style>
+          <a:lnRef idx="2">
+            <a:schemeClr val="accent1">
+              <a:shade val="50000"/>
+            </a:schemeClr>
+          </a:lnRef>
+          <a:fillRef idx="1">
+            <a:schemeClr val="accent1"/>
+          </a:fillRef>
+          <a:effectRef idx="0">
+            <a:schemeClr val="accent1"/>
+          </a:effectRef>
+          <a:fontRef idx="minor">
+            <a:schemeClr val="lt1"/>
+          </a:fontRef>
+        </p:style>
+        <p:txBody>
+          <a:bodyPr rtlCol="0" anchor="ctr"/>
+          <a:lstStyle/>
+          <a:p>
+            <a:pPr algn="ctr"/>
+            <a:endParaRPr lang="en-US" dirty="0"/>
+          </a:p>
+        </p:txBody>
+      </p:sp>
+      <p:sp useBgFill="1">
+        <p:nvSpPr>
+          <p:cNvPr id="73" name="Rectangle 72">
+            <a:extLst>
+              <a:ext uri="{FF2B5EF4-FFF2-40B4-BE49-F238E27FC236}">
+                <a16:creationId xmlns:a16="http://schemas.microsoft.com/office/drawing/2014/main" id="{A3473CF9-37EB-43E7-89EF-D2D1C53D1DAC}"/>
+              </a:ext>
+              <a:ext uri="{C183D7F6-B498-43B3-948B-1728B52AA6E4}">
+                <adec:decorative xmlns:adec="http://schemas.microsoft.com/office/drawing/2017/decorative" val="1"/>
+              </a:ext>
+            </a:extLst>
+          </p:cNvPr>
+          <p:cNvSpPr>
+            <a:spLocks noGrp="1" noRot="1" noChangeAspect="1" noMove="1" noResize="1" noEditPoints="1" noAdjustHandles="1" noChangeArrowheads="1" noChangeShapeType="1" noTextEdit="1"/>
+          </p:cNvSpPr>
+          <p:nvPr>
+            <p:extLst>
+              <p:ext uri="{386F3935-93C4-4BCD-93E2-E3B085C9AB24}">
+                <p16:designElem xmlns:p16="http://schemas.microsoft.com/office/powerpoint/2015/main" val="1"/>
+              </p:ext>
+            </p:extLst>
+          </p:nvPr>
+        </p:nvSpPr>
+        <p:spPr>
+          <a:xfrm>
+            <a:off x="1903615" y="221673"/>
+            <a:ext cx="8384770" cy="1332634"/>
+          </a:xfrm>
+          <a:prstGeom prst="rect">
+            <a:avLst/>
+          </a:prstGeom>
+          <a:ln w="12700">
+            <a:solidFill>
+              <a:srgbClr val="E1E1E1"/>
+            </a:solidFill>
+          </a:ln>
+          <a:effectLst>
+            <a:outerShdw blurRad="50800" dist="38100" dir="2700000" algn="tl" rotWithShape="0">
+              <a:schemeClr val="bg2">
+                <a:lumMod val="85000"/>
+                <a:alpha val="50000"/>
+              </a:schemeClr>
+            </a:outerShdw>
+          </a:effectLst>
+        </p:spPr>
+        <p:style>
+          <a:lnRef idx="2">
+            <a:schemeClr val="accent1">
+              <a:shade val="50000"/>
+            </a:schemeClr>
+          </a:lnRef>
+          <a:fillRef idx="1">
+            <a:schemeClr val="accent1"/>
+          </a:fillRef>
+          <a:effectRef idx="0">
+            <a:schemeClr val="accent1"/>
+          </a:effectRef>
+          <a:fontRef idx="minor">
+            <a:schemeClr val="lt1"/>
+          </a:fontRef>
+        </p:style>
+        <p:txBody>
+          <a:bodyPr rtlCol="0" anchor="ctr"/>
+          <a:lstStyle/>
+          <a:p>
+            <a:pPr marL="0" marR="0" lvl="0" indent="0" algn="ctr" defTabSz="914400" rtl="0" eaLnBrk="1" fontAlgn="auto" latinLnBrk="0" hangingPunct="1">
+              <a:lnSpc>
+                <a:spcPct val="100000"/>
+              </a:lnSpc>
+              <a:spcBef>
+                <a:spcPts val="0"/>
+              </a:spcBef>
+              <a:spcAft>
+                <a:spcPts val="0"/>
+              </a:spcAft>
+              <a:buClrTx/>
+              <a:buSzTx/>
+              <a:buFontTx/>
+              <a:buNone/>
+              <a:tabLst/>
+              <a:defRPr/>
+            </a:pPr>
+            <a:endParaRPr kumimoji="0" lang="en-US" sz="1800" b="0" i="0" u="none" strike="noStrike" kern="1200" cap="none" spc="0" normalizeH="0" baseline="0" noProof="0" dirty="0">
+              <a:ln>
+                <a:noFill/>
+              </a:ln>
+              <a:solidFill>
+                <a:prstClr val="white"/>
+              </a:solidFill>
+              <a:effectLst/>
+              <a:uLnTx/>
+              <a:uFillTx/>
+              <a:latin typeface="Calibri" panose="020F0502020204030204"/>
+              <a:ea typeface="+mn-ea"/>
+              <a:cs typeface="+mn-cs"/>
+            </a:endParaRPr>
+          </a:p>
+        </p:txBody>
+      </p:sp>
+      <p:sp>
+        <p:nvSpPr>
+          <p:cNvPr id="2" name="Title 1">
+            <a:extLst>
+              <a:ext uri="{FF2B5EF4-FFF2-40B4-BE49-F238E27FC236}">
+                <a16:creationId xmlns:a16="http://schemas.microsoft.com/office/drawing/2014/main" id="{0FDE5079-B185-4DE0-AF2C-AE4B7709FBC3}"/>
+              </a:ext>
+            </a:extLst>
+          </p:cNvPr>
+          <p:cNvSpPr>
+            <a:spLocks noGrp="1"/>
+          </p:cNvSpPr>
+          <p:nvPr>
+            <p:ph type="title"/>
+          </p:nvPr>
+        </p:nvSpPr>
+        <p:spPr>
+          <a:xfrm>
+            <a:off x="2103121" y="310343"/>
+            <a:ext cx="7985759" cy="868823"/>
+          </a:xfrm>
+        </p:spPr>
+        <p:txBody>
+          <a:bodyPr vert="horz" lIns="91440" tIns="45720" rIns="91440" bIns="45720" rtlCol="0" anchor="ctr">
+            <a:normAutofit/>
+          </a:bodyPr>
+          <a:lstStyle/>
+          <a:p>
+            <a:pPr algn="ctr"/>
+            <a:r>
+              <a:rPr lang="en-US" sz="4000" dirty="0"/>
+              <a:t>Change/Release Management</a:t>
+            </a:r>
+            <a:endParaRPr lang="en-US" sz="4000" kern="1200" dirty="0">
+              <a:solidFill>
+                <a:schemeClr val="tx1"/>
+              </a:solidFill>
+              <a:latin typeface="+mj-lt"/>
+              <a:ea typeface="+mj-ea"/>
+              <a:cs typeface="+mj-cs"/>
+            </a:endParaRPr>
+          </a:p>
+        </p:txBody>
+      </p:sp>
+      <p:sp>
+        <p:nvSpPr>
+          <p:cNvPr id="75" name="Rectangle: Rounded Corners 74">
+            <a:extLst>
+              <a:ext uri="{FF2B5EF4-FFF2-40B4-BE49-F238E27FC236}">
+                <a16:creationId xmlns:a16="http://schemas.microsoft.com/office/drawing/2014/main" id="{586B4EF9-43BA-4655-A6FF-1D8E21574C95}"/>
+              </a:ext>
+              <a:ext uri="{C183D7F6-B498-43B3-948B-1728B52AA6E4}">
+                <adec:decorative xmlns:adec="http://schemas.microsoft.com/office/drawing/2017/decorative" val="1"/>
+              </a:ext>
+            </a:extLst>
+          </p:cNvPr>
+          <p:cNvSpPr>
+            <a:spLocks noGrp="1" noRot="1" noChangeAspect="1" noMove="1" noResize="1" noEditPoints="1" noAdjustHandles="1" noChangeArrowheads="1" noChangeShapeType="1" noTextEdit="1"/>
+          </p:cNvSpPr>
+          <p:nvPr>
+            <p:extLst>
+              <p:ext uri="{386F3935-93C4-4BCD-93E2-E3B085C9AB24}">
+                <p16:designElem xmlns:p16="http://schemas.microsoft.com/office/powerpoint/2015/main" val="1"/>
+              </p:ext>
+            </p:extLst>
+          </p:nvPr>
+        </p:nvSpPr>
+        <p:spPr>
+          <a:xfrm>
+            <a:off x="2483110" y="1211407"/>
+            <a:ext cx="7225780" cy="685800"/>
+          </a:xfrm>
+          <a:prstGeom prst="roundRect">
+            <a:avLst>
+              <a:gd name="adj" fmla="val 0"/>
+            </a:avLst>
+          </a:prstGeom>
+          <a:solidFill>
+            <a:schemeClr val="accent2"/>
+          </a:solidFill>
+          <a:ln>
+            <a:noFill/>
+          </a:ln>
+        </p:spPr>
+        <p:style>
+          <a:lnRef idx="2">
+            <a:schemeClr val="accent1">
+              <a:shade val="50000"/>
+            </a:schemeClr>
+          </a:lnRef>
+          <a:fillRef idx="1">
+            <a:schemeClr val="accent1"/>
+          </a:fillRef>
+          <a:effectRef idx="0">
+            <a:schemeClr val="accent1"/>
+          </a:effectRef>
+          <a:fontRef idx="minor">
+            <a:schemeClr val="lt1"/>
+          </a:fontRef>
+        </p:style>
+        <p:txBody>
+          <a:bodyPr rtlCol="0" anchor="ctr"/>
+          <a:lstStyle/>
+          <a:p>
+            <a:pPr algn="ctr"/>
+            <a:endParaRPr lang="en-US" dirty="0">
+              <a:solidFill>
+                <a:prstClr val="white"/>
+              </a:solidFill>
+              <a:latin typeface="Calibri" panose="020F0502020204030204"/>
+            </a:endParaRPr>
+          </a:p>
+        </p:txBody>
+      </p:sp>
+      <p:sp>
+        <p:nvSpPr>
+          <p:cNvPr id="3" name="TextBox 2">
+            <a:extLst>
+              <a:ext uri="{FF2B5EF4-FFF2-40B4-BE49-F238E27FC236}">
+                <a16:creationId xmlns:a16="http://schemas.microsoft.com/office/drawing/2014/main" id="{1C4BF56A-ED85-42EF-9C2C-2C84F4C11132}"/>
+              </a:ext>
+            </a:extLst>
+          </p:cNvPr>
+          <p:cNvSpPr txBox="1"/>
+          <p:nvPr/>
+        </p:nvSpPr>
+        <p:spPr>
+          <a:xfrm>
+            <a:off x="1173017" y="2290618"/>
+            <a:ext cx="10058400" cy="3693319"/>
+          </a:xfrm>
+          <a:prstGeom prst="rect">
+            <a:avLst/>
+          </a:prstGeom>
+          <a:noFill/>
+        </p:spPr>
+        <p:txBody>
+          <a:bodyPr wrap="square" rtlCol="0">
+            <a:spAutoFit/>
+          </a:bodyPr>
+          <a:lstStyle/>
+          <a:p>
+            <a:r>
+              <a:rPr lang="en-US" dirty="0"/>
+              <a:t>All changes will be prioritized, scheduled, and deployed accordingly.</a:t>
+            </a:r>
+          </a:p>
+          <a:p>
+            <a:endParaRPr lang="en-US" dirty="0"/>
+          </a:p>
+          <a:p>
+            <a:r>
+              <a:rPr lang="en-US" dirty="0"/>
+              <a:t>Production deployments will occur monthly</a:t>
+            </a:r>
+          </a:p>
+          <a:p>
+            <a:endParaRPr lang="en-US" dirty="0"/>
+          </a:p>
+          <a:p>
+            <a:r>
+              <a:rPr lang="en-US" dirty="0"/>
+              <a:t>Break fix deployments will occur bi-monthly (every other week)</a:t>
+            </a:r>
+          </a:p>
+          <a:p>
+            <a:endParaRPr lang="en-US" dirty="0"/>
+          </a:p>
+          <a:p>
+            <a:r>
+              <a:rPr lang="en-US" dirty="0"/>
+              <a:t>Emergency break fix deployments will occur on an ad-hoc basis</a:t>
+            </a:r>
+          </a:p>
+          <a:p>
+            <a:endParaRPr lang="en-US" dirty="0"/>
+          </a:p>
+          <a:p>
+            <a:r>
+              <a:rPr lang="en-US" dirty="0"/>
+              <a:t>Production deployments will be approved via CAB, with the following considerations:</a:t>
+            </a:r>
+          </a:p>
+          <a:p>
+            <a:pPr marL="742950" lvl="1" indent="-285750">
+              <a:buFont typeface="Arial" panose="020B0604020202020204" pitchFamily="34" charset="0"/>
+              <a:buChar char="•"/>
+            </a:pPr>
+            <a:r>
+              <a:rPr lang="en-US" dirty="0"/>
+              <a:t>All deployments must follow audit guidelines (including deployment change ticket)</a:t>
+            </a:r>
+          </a:p>
+          <a:p>
+            <a:pPr marL="742950" lvl="1" indent="-285750">
+              <a:buFont typeface="Arial" panose="020B0604020202020204" pitchFamily="34" charset="0"/>
+              <a:buChar char="•"/>
+            </a:pPr>
+            <a:r>
+              <a:rPr lang="en-US" dirty="0"/>
+              <a:t>All changes must be tested in the non-production environments</a:t>
+            </a:r>
+          </a:p>
+          <a:p>
+            <a:pPr marL="742950" lvl="1" indent="-285750">
+              <a:buFont typeface="Arial" panose="020B0604020202020204" pitchFamily="34" charset="0"/>
+              <a:buChar char="•"/>
+            </a:pPr>
+            <a:r>
+              <a:rPr lang="en-US" dirty="0"/>
+              <a:t>All changes must be presented in a demo</a:t>
+            </a:r>
+          </a:p>
+          <a:p>
+            <a:pPr marL="742950" lvl="1" indent="-285750">
+              <a:buFont typeface="Arial" panose="020B0604020202020204" pitchFamily="34" charset="0"/>
+              <a:buChar char="•"/>
+            </a:pPr>
+            <a:r>
+              <a:rPr lang="en-US" dirty="0"/>
+              <a:t>Must have business/customer approval</a:t>
+            </a:r>
+          </a:p>
+        </p:txBody>
+      </p:sp>
+    </p:spTree>
+    <p:extLst>
+      <p:ext uri="{BB962C8B-B14F-4D97-AF65-F5344CB8AC3E}">
+        <p14:creationId xmlns:p14="http://schemas.microsoft.com/office/powerpoint/2010/main" val="823015087"/>
       </p:ext>
     </p:extLst>
   </p:cSld>
@@ -18253,20 +18931,20 @@
 </file>
 
 <file path=customXml/item1.xml><?xml version="1.0" encoding="utf-8"?>
+<p:properties xmlns:p="http://schemas.microsoft.com/office/2006/metadata/properties" xmlns:xsi="http://www.w3.org/2001/XMLSchema-instance" xmlns:pc="http://schemas.microsoft.com/office/infopath/2007/PartnerControls">
+  <documentManagement>
+    <MediaServiceKeyPoints xmlns="71af3243-3dd4-4a8d-8c0d-dd76da1f02a5" xsi:nil="true"/>
+  </documentManagement>
+</p:properties>
+</file>
+
+<file path=customXml/item2.xml><?xml version="1.0" encoding="utf-8"?>
 <?mso-contentType ?>
 <FormTemplates xmlns="http://schemas.microsoft.com/sharepoint/v3/contenttype/forms">
   <Display>DocumentLibraryForm</Display>
   <Edit>DocumentLibraryForm</Edit>
   <New>DocumentLibraryForm</New>
 </FormTemplates>
-</file>
-
-<file path=customXml/item2.xml><?xml version="1.0" encoding="utf-8"?>
-<p:properties xmlns:p="http://schemas.microsoft.com/office/2006/metadata/properties" xmlns:xsi="http://www.w3.org/2001/XMLSchema-instance" xmlns:pc="http://schemas.microsoft.com/office/infopath/2007/PartnerControls">
-  <documentManagement>
-    <MediaServiceKeyPoints xmlns="71af3243-3dd4-4a8d-8c0d-dd76da1f02a5" xsi:nil="true"/>
-  </documentManagement>
-</p:properties>
 </file>
 
 <file path=customXml/item3.xml><?xml version="1.0" encoding="utf-8"?>
@@ -18481,14 +19159,6 @@
 </file>
 
 <file path=customXml/itemProps1.xml><?xml version="1.0" encoding="utf-8"?>
-<ds:datastoreItem xmlns:ds="http://schemas.openxmlformats.org/officeDocument/2006/customXml" ds:itemID="{5CA875DA-F9FD-4F83-A049-3B1027B542DE}">
-  <ds:schemaRefs>
-    <ds:schemaRef ds:uri="http://schemas.microsoft.com/sharepoint/v3/contenttype/forms"/>
-  </ds:schemaRefs>
-</ds:datastoreItem>
-</file>
-
-<file path=customXml/itemProps2.xml><?xml version="1.0" encoding="utf-8"?>
 <ds:datastoreItem xmlns:ds="http://schemas.openxmlformats.org/officeDocument/2006/customXml" ds:itemID="{03C7D9E6-B0D9-433E-BD46-EB60F64F4DA8}">
   <ds:schemaRefs>
     <ds:schemaRef ds:uri="http://purl.org/dc/elements/1.1/"/>
@@ -18501,6 +19171,14 @@
     <ds:schemaRef ds:uri="http://schemas.microsoft.com/office/infopath/2007/PartnerControls"/>
     <ds:schemaRef ds:uri="71af3243-3dd4-4a8d-8c0d-dd76da1f02a5"/>
     <ds:schemaRef ds:uri="http://www.w3.org/XML/1998/namespace"/>
+  </ds:schemaRefs>
+</ds:datastoreItem>
+</file>
+
+<file path=customXml/itemProps2.xml><?xml version="1.0" encoding="utf-8"?>
+<ds:datastoreItem xmlns:ds="http://schemas.openxmlformats.org/officeDocument/2006/customXml" ds:itemID="{5CA875DA-F9FD-4F83-A049-3B1027B542DE}">
+  <ds:schemaRefs>
+    <ds:schemaRef ds:uri="http://schemas.microsoft.com/sharepoint/v3/contenttype/forms"/>
   </ds:schemaRefs>
 </ds:datastoreItem>
 </file>

--- a/documentation/Demonstrations/Connacht_University_TeamDC.pptx
+++ b/documentation/Demonstrations/Connacht_University_TeamDC.pptx
@@ -234,7 +234,7 @@
           <a:p>
             <a:fld id="{73B2889B-A0AC-4482-8592-5C96F2309420}" type="datetimeFigureOut">
               <a:rPr lang="en-US" smtClean="0"/>
-              <a:t>6/18/2020</a:t>
+              <a:t>6/19/2020</a:t>
             </a:fld>
             <a:endParaRPr lang="en-US" dirty="0"/>
           </a:p>
@@ -411,7 +411,7 @@
           <a:p>
             <a:fld id="{830EB223-FFC0-462A-A3B8-EAA7CE0F8CBD}" type="datetimeFigureOut">
               <a:rPr lang="en-US" smtClean="0"/>
-              <a:t>6/18/2020</a:t>
+              <a:t>6/19/2020</a:t>
             </a:fld>
             <a:endParaRPr lang="en-US" dirty="0"/>
           </a:p>
@@ -4886,7 +4886,7 @@
           <a:p>
             <a:fld id="{DECF21A4-E71B-4D3A-AF45-E989C23A7BB1}" type="datetimeFigureOut">
               <a:rPr lang="en-US" smtClean="0"/>
-              <a:t>6/18/2020</a:t>
+              <a:t>6/19/2020</a:t>
             </a:fld>
             <a:endParaRPr lang="en-US" dirty="0"/>
           </a:p>
@@ -5084,7 +5084,7 @@
           <a:p>
             <a:fld id="{DECF21A4-E71B-4D3A-AF45-E989C23A7BB1}" type="datetimeFigureOut">
               <a:rPr lang="en-US" smtClean="0"/>
-              <a:t>6/18/2020</a:t>
+              <a:t>6/19/2020</a:t>
             </a:fld>
             <a:endParaRPr lang="en-US" dirty="0"/>
           </a:p>
@@ -5292,7 +5292,7 @@
           <a:p>
             <a:fld id="{DECF21A4-E71B-4D3A-AF45-E989C23A7BB1}" type="datetimeFigureOut">
               <a:rPr lang="en-US" smtClean="0"/>
-              <a:t>6/18/2020</a:t>
+              <a:t>6/19/2020</a:t>
             </a:fld>
             <a:endParaRPr lang="en-US" dirty="0"/>
           </a:p>
@@ -5490,7 +5490,7 @@
           <a:p>
             <a:fld id="{DECF21A4-E71B-4D3A-AF45-E989C23A7BB1}" type="datetimeFigureOut">
               <a:rPr lang="en-US" smtClean="0"/>
-              <a:t>6/18/2020</a:t>
+              <a:t>6/19/2020</a:t>
             </a:fld>
             <a:endParaRPr lang="en-US" dirty="0"/>
           </a:p>
@@ -5765,7 +5765,7 @@
           <a:p>
             <a:fld id="{DECF21A4-E71B-4D3A-AF45-E989C23A7BB1}" type="datetimeFigureOut">
               <a:rPr lang="en-US" smtClean="0"/>
-              <a:t>6/18/2020</a:t>
+              <a:t>6/19/2020</a:t>
             </a:fld>
             <a:endParaRPr lang="en-US" dirty="0"/>
           </a:p>
@@ -6030,7 +6030,7 @@
           <a:p>
             <a:fld id="{DECF21A4-E71B-4D3A-AF45-E989C23A7BB1}" type="datetimeFigureOut">
               <a:rPr lang="en-US" smtClean="0"/>
-              <a:t>6/18/2020</a:t>
+              <a:t>6/19/2020</a:t>
             </a:fld>
             <a:endParaRPr lang="en-US" dirty="0"/>
           </a:p>
@@ -6442,7 +6442,7 @@
           <a:p>
             <a:fld id="{DECF21A4-E71B-4D3A-AF45-E989C23A7BB1}" type="datetimeFigureOut">
               <a:rPr lang="en-US" smtClean="0"/>
-              <a:t>6/18/2020</a:t>
+              <a:t>6/19/2020</a:t>
             </a:fld>
             <a:endParaRPr lang="en-US" dirty="0"/>
           </a:p>
@@ -6583,7 +6583,7 @@
           <a:p>
             <a:fld id="{DECF21A4-E71B-4D3A-AF45-E989C23A7BB1}" type="datetimeFigureOut">
               <a:rPr lang="en-US" smtClean="0"/>
-              <a:t>6/18/2020</a:t>
+              <a:t>6/19/2020</a:t>
             </a:fld>
             <a:endParaRPr lang="en-US" dirty="0"/>
           </a:p>
@@ -6696,7 +6696,7 @@
           <a:p>
             <a:fld id="{DECF21A4-E71B-4D3A-AF45-E989C23A7BB1}" type="datetimeFigureOut">
               <a:rPr lang="en-US" smtClean="0"/>
-              <a:t>6/18/2020</a:t>
+              <a:t>6/19/2020</a:t>
             </a:fld>
             <a:endParaRPr lang="en-US" dirty="0"/>
           </a:p>
@@ -7007,7 +7007,7 @@
           <a:p>
             <a:fld id="{DECF21A4-E71B-4D3A-AF45-E989C23A7BB1}" type="datetimeFigureOut">
               <a:rPr lang="en-US" smtClean="0"/>
-              <a:t>6/18/2020</a:t>
+              <a:t>6/19/2020</a:t>
             </a:fld>
             <a:endParaRPr lang="en-US" dirty="0"/>
           </a:p>
@@ -7298,7 +7298,7 @@
           <a:p>
             <a:fld id="{DECF21A4-E71B-4D3A-AF45-E989C23A7BB1}" type="datetimeFigureOut">
               <a:rPr lang="en-US" smtClean="0"/>
-              <a:t>6/18/2020</a:t>
+              <a:t>6/19/2020</a:t>
             </a:fld>
             <a:endParaRPr lang="en-US" dirty="0"/>
           </a:p>
@@ -7539,7 +7539,7 @@
           <a:p>
             <a:fld id="{DECF21A4-E71B-4D3A-AF45-E989C23A7BB1}" type="datetimeFigureOut">
               <a:rPr lang="en-US" smtClean="0"/>
-              <a:t>6/18/2020</a:t>
+              <a:t>6/19/2020</a:t>
             </a:fld>
             <a:endParaRPr lang="en-US" dirty="0"/>
           </a:p>
@@ -17411,6 +17411,455 @@
           </a:p>
         </p:txBody>
       </p:sp>
+      <p:sp useBgFill="1">
+        <p:nvSpPr>
+          <p:cNvPr id="6" name="Rectangle 5">
+            <a:extLst>
+              <a:ext uri="{FF2B5EF4-FFF2-40B4-BE49-F238E27FC236}">
+                <a16:creationId xmlns:a16="http://schemas.microsoft.com/office/drawing/2014/main" id="{CEA5319F-9C31-436C-81CC-2023E34D0ED4}"/>
+              </a:ext>
+              <a:ext uri="{C183D7F6-B498-43B3-948B-1728B52AA6E4}">
+                <adec:decorative xmlns:adec="http://schemas.microsoft.com/office/drawing/2017/decorative" val="1"/>
+              </a:ext>
+            </a:extLst>
+          </p:cNvPr>
+          <p:cNvSpPr>
+            <a:spLocks noGrp="1" noRot="1" noChangeAspect="1" noMove="1" noResize="1" noEditPoints="1" noAdjustHandles="1" noChangeArrowheads="1" noChangeShapeType="1" noTextEdit="1"/>
+          </p:cNvSpPr>
+          <p:nvPr>
+            <p:extLst>
+              <p:ext uri="{386F3935-93C4-4BCD-93E2-E3B085C9AB24}">
+                <p16:designElem xmlns:p16="http://schemas.microsoft.com/office/powerpoint/2015/main" val="1"/>
+              </p:ext>
+            </p:extLst>
+          </p:nvPr>
+        </p:nvSpPr>
+        <p:spPr>
+          <a:xfrm>
+            <a:off x="0" y="0"/>
+            <a:ext cx="12192000" cy="6858000"/>
+          </a:xfrm>
+          <a:prstGeom prst="rect">
+            <a:avLst/>
+          </a:prstGeom>
+          <a:ln>
+            <a:noFill/>
+          </a:ln>
+        </p:spPr>
+        <p:style>
+          <a:lnRef idx="2">
+            <a:schemeClr val="accent1">
+              <a:shade val="50000"/>
+            </a:schemeClr>
+          </a:lnRef>
+          <a:fillRef idx="1">
+            <a:schemeClr val="accent1"/>
+          </a:fillRef>
+          <a:effectRef idx="0">
+            <a:schemeClr val="accent1"/>
+          </a:effectRef>
+          <a:fontRef idx="minor">
+            <a:schemeClr val="lt1"/>
+          </a:fontRef>
+        </p:style>
+        <p:txBody>
+          <a:bodyPr rtlCol="0" anchor="ctr"/>
+          <a:lstStyle/>
+          <a:p>
+            <a:pPr algn="ctr"/>
+            <a:endParaRPr lang="en-US" dirty="0"/>
+          </a:p>
+        </p:txBody>
+      </p:sp>
+      <p:sp useBgFill="1">
+        <p:nvSpPr>
+          <p:cNvPr id="7" name="Rectangle 6">
+            <a:extLst>
+              <a:ext uri="{FF2B5EF4-FFF2-40B4-BE49-F238E27FC236}">
+                <a16:creationId xmlns:a16="http://schemas.microsoft.com/office/drawing/2014/main" id="{620742ED-E02A-4600-967D-4E6F69879B72}"/>
+              </a:ext>
+              <a:ext uri="{C183D7F6-B498-43B3-948B-1728B52AA6E4}">
+                <adec:decorative xmlns:adec="http://schemas.microsoft.com/office/drawing/2017/decorative" val="1"/>
+              </a:ext>
+            </a:extLst>
+          </p:cNvPr>
+          <p:cNvSpPr>
+            <a:spLocks noGrp="1" noRot="1" noChangeAspect="1" noMove="1" noResize="1" noEditPoints="1" noAdjustHandles="1" noChangeArrowheads="1" noChangeShapeType="1" noTextEdit="1"/>
+          </p:cNvSpPr>
+          <p:nvPr>
+            <p:extLst>
+              <p:ext uri="{386F3935-93C4-4BCD-93E2-E3B085C9AB24}">
+                <p16:designElem xmlns:p16="http://schemas.microsoft.com/office/powerpoint/2015/main" val="1"/>
+              </p:ext>
+            </p:extLst>
+          </p:nvPr>
+        </p:nvSpPr>
+        <p:spPr>
+          <a:xfrm>
+            <a:off x="1903615" y="221673"/>
+            <a:ext cx="8384770" cy="1332634"/>
+          </a:xfrm>
+          <a:prstGeom prst="rect">
+            <a:avLst/>
+          </a:prstGeom>
+          <a:ln w="12700">
+            <a:solidFill>
+              <a:srgbClr val="E1E1E1"/>
+            </a:solidFill>
+          </a:ln>
+          <a:effectLst>
+            <a:outerShdw blurRad="50800" dist="38100" dir="2700000" algn="tl" rotWithShape="0">
+              <a:schemeClr val="bg2">
+                <a:lumMod val="85000"/>
+                <a:alpha val="50000"/>
+              </a:schemeClr>
+            </a:outerShdw>
+          </a:effectLst>
+        </p:spPr>
+        <p:style>
+          <a:lnRef idx="2">
+            <a:schemeClr val="accent1">
+              <a:shade val="50000"/>
+            </a:schemeClr>
+          </a:lnRef>
+          <a:fillRef idx="1">
+            <a:schemeClr val="accent1"/>
+          </a:fillRef>
+          <a:effectRef idx="0">
+            <a:schemeClr val="accent1"/>
+          </a:effectRef>
+          <a:fontRef idx="minor">
+            <a:schemeClr val="lt1"/>
+          </a:fontRef>
+        </p:style>
+        <p:txBody>
+          <a:bodyPr rtlCol="0" anchor="ctr"/>
+          <a:lstStyle/>
+          <a:p>
+            <a:pPr marL="0" marR="0" lvl="0" indent="0" algn="ctr" defTabSz="914400" rtl="0" eaLnBrk="1" fontAlgn="auto" latinLnBrk="0" hangingPunct="1">
+              <a:lnSpc>
+                <a:spcPct val="100000"/>
+              </a:lnSpc>
+              <a:spcBef>
+                <a:spcPts val="0"/>
+              </a:spcBef>
+              <a:spcAft>
+                <a:spcPts val="0"/>
+              </a:spcAft>
+              <a:buClrTx/>
+              <a:buSzTx/>
+              <a:buFontTx/>
+              <a:buNone/>
+              <a:tabLst/>
+              <a:defRPr/>
+            </a:pPr>
+            <a:endParaRPr kumimoji="0" lang="en-US" sz="1800" b="0" i="0" u="none" strike="noStrike" kern="1200" cap="none" spc="0" normalizeH="0" baseline="0" noProof="0" dirty="0">
+              <a:ln>
+                <a:noFill/>
+              </a:ln>
+              <a:solidFill>
+                <a:prstClr val="white"/>
+              </a:solidFill>
+              <a:effectLst/>
+              <a:uLnTx/>
+              <a:uFillTx/>
+              <a:latin typeface="Calibri" panose="020F0502020204030204"/>
+              <a:ea typeface="+mn-ea"/>
+              <a:cs typeface="+mn-cs"/>
+            </a:endParaRPr>
+          </a:p>
+        </p:txBody>
+      </p:sp>
+      <p:sp>
+        <p:nvSpPr>
+          <p:cNvPr id="8" name="Title 1">
+            <a:extLst>
+              <a:ext uri="{FF2B5EF4-FFF2-40B4-BE49-F238E27FC236}">
+                <a16:creationId xmlns:a16="http://schemas.microsoft.com/office/drawing/2014/main" id="{DACF5AAF-6FA9-4101-8AB2-58A8E9519761}"/>
+              </a:ext>
+            </a:extLst>
+          </p:cNvPr>
+          <p:cNvSpPr txBox="1">
+            <a:spLocks/>
+          </p:cNvSpPr>
+          <p:nvPr/>
+        </p:nvSpPr>
+        <p:spPr>
+          <a:xfrm>
+            <a:off x="2103121" y="310343"/>
+            <a:ext cx="7985759" cy="868823"/>
+          </a:xfrm>
+          <a:prstGeom prst="rect">
+            <a:avLst/>
+          </a:prstGeom>
+        </p:spPr>
+        <p:txBody>
+          <a:bodyPr vert="horz" lIns="91440" tIns="45720" rIns="91440" bIns="45720" rtlCol="0" anchor="ctr">
+            <a:normAutofit/>
+          </a:bodyPr>
+          <a:lstStyle>
+            <a:lvl1pPr algn="l" defTabSz="914400" rtl="0" eaLnBrk="1" latinLnBrk="0" hangingPunct="1">
+              <a:lnSpc>
+                <a:spcPct val="90000"/>
+              </a:lnSpc>
+              <a:spcBef>
+                <a:spcPct val="0"/>
+              </a:spcBef>
+              <a:buNone/>
+              <a:defRPr sz="4400" kern="1200">
+                <a:solidFill>
+                  <a:schemeClr val="tx1"/>
+                </a:solidFill>
+                <a:latin typeface="+mj-lt"/>
+                <a:ea typeface="+mj-ea"/>
+                <a:cs typeface="+mj-cs"/>
+              </a:defRPr>
+            </a:lvl1pPr>
+          </a:lstStyle>
+          <a:p>
+            <a:pPr algn="ctr"/>
+            <a:r>
+              <a:rPr lang="en-US"/>
+              <a:t>Angular code build/Unit test</a:t>
+            </a:r>
+            <a:endParaRPr lang="en-US" sz="4000" dirty="0"/>
+          </a:p>
+        </p:txBody>
+      </p:sp>
+      <p:sp>
+        <p:nvSpPr>
+          <p:cNvPr id="9" name="Rectangle: Rounded Corners 8">
+            <a:extLst>
+              <a:ext uri="{FF2B5EF4-FFF2-40B4-BE49-F238E27FC236}">
+                <a16:creationId xmlns:a16="http://schemas.microsoft.com/office/drawing/2014/main" id="{DEE9E1CB-10CF-4F7D-8E7F-24EDAF1CE1A3}"/>
+              </a:ext>
+              <a:ext uri="{C183D7F6-B498-43B3-948B-1728B52AA6E4}">
+                <adec:decorative xmlns:adec="http://schemas.microsoft.com/office/drawing/2017/decorative" val="1"/>
+              </a:ext>
+            </a:extLst>
+          </p:cNvPr>
+          <p:cNvSpPr>
+            <a:spLocks noGrp="1" noRot="1" noChangeAspect="1" noMove="1" noResize="1" noEditPoints="1" noAdjustHandles="1" noChangeArrowheads="1" noChangeShapeType="1" noTextEdit="1"/>
+          </p:cNvSpPr>
+          <p:nvPr>
+            <p:extLst>
+              <p:ext uri="{386F3935-93C4-4BCD-93E2-E3B085C9AB24}">
+                <p16:designElem xmlns:p16="http://schemas.microsoft.com/office/powerpoint/2015/main" val="1"/>
+              </p:ext>
+            </p:extLst>
+          </p:nvPr>
+        </p:nvSpPr>
+        <p:spPr>
+          <a:xfrm>
+            <a:off x="2483110" y="1211407"/>
+            <a:ext cx="7225780" cy="685800"/>
+          </a:xfrm>
+          <a:prstGeom prst="roundRect">
+            <a:avLst>
+              <a:gd name="adj" fmla="val 0"/>
+            </a:avLst>
+          </a:prstGeom>
+          <a:solidFill>
+            <a:schemeClr val="accent2"/>
+          </a:solidFill>
+          <a:ln>
+            <a:noFill/>
+          </a:ln>
+        </p:spPr>
+        <p:style>
+          <a:lnRef idx="2">
+            <a:schemeClr val="accent1">
+              <a:shade val="50000"/>
+            </a:schemeClr>
+          </a:lnRef>
+          <a:fillRef idx="1">
+            <a:schemeClr val="accent1"/>
+          </a:fillRef>
+          <a:effectRef idx="0">
+            <a:schemeClr val="accent1"/>
+          </a:effectRef>
+          <a:fontRef idx="minor">
+            <a:schemeClr val="lt1"/>
+          </a:fontRef>
+        </p:style>
+        <p:txBody>
+          <a:bodyPr rtlCol="0" anchor="ctr"/>
+          <a:lstStyle/>
+          <a:p>
+            <a:pPr algn="ctr"/>
+            <a:endParaRPr lang="en-US" dirty="0">
+              <a:solidFill>
+                <a:prstClr val="white"/>
+              </a:solidFill>
+              <a:latin typeface="Calibri" panose="020F0502020204030204"/>
+            </a:endParaRPr>
+          </a:p>
+        </p:txBody>
+      </p:sp>
+      <p:pic>
+        <p:nvPicPr>
+          <p:cNvPr id="10" name="Picture 9">
+            <a:extLst>
+              <a:ext uri="{FF2B5EF4-FFF2-40B4-BE49-F238E27FC236}">
+                <a16:creationId xmlns:a16="http://schemas.microsoft.com/office/drawing/2014/main" id="{9F9CB768-FD9B-4BA4-AB4A-82A59D162CAE}"/>
+              </a:ext>
+            </a:extLst>
+          </p:cNvPr>
+          <p:cNvPicPr>
+            <a:picLocks noChangeAspect="1"/>
+          </p:cNvPicPr>
+          <p:nvPr/>
+        </p:nvPicPr>
+        <p:blipFill>
+          <a:blip r:embed="rId3"/>
+          <a:stretch>
+            <a:fillRect/>
+          </a:stretch>
+        </p:blipFill>
+        <p:spPr>
+          <a:xfrm>
+            <a:off x="1903615" y="2510989"/>
+            <a:ext cx="5827231" cy="3657762"/>
+          </a:xfrm>
+          <a:prstGeom prst="rect">
+            <a:avLst/>
+          </a:prstGeom>
+        </p:spPr>
+      </p:pic>
+      <p:pic>
+        <p:nvPicPr>
+          <p:cNvPr id="11" name="Picture 10">
+            <a:extLst>
+              <a:ext uri="{FF2B5EF4-FFF2-40B4-BE49-F238E27FC236}">
+                <a16:creationId xmlns:a16="http://schemas.microsoft.com/office/drawing/2014/main" id="{CCA2FF81-2454-4A36-B7C1-A138C4B3AB98}"/>
+              </a:ext>
+            </a:extLst>
+          </p:cNvPr>
+          <p:cNvPicPr>
+            <a:picLocks noChangeAspect="1"/>
+          </p:cNvPicPr>
+          <p:nvPr/>
+        </p:nvPicPr>
+        <p:blipFill>
+          <a:blip r:embed="rId4"/>
+          <a:stretch>
+            <a:fillRect/>
+          </a:stretch>
+        </p:blipFill>
+        <p:spPr>
+          <a:xfrm>
+            <a:off x="7817454" y="3196223"/>
+            <a:ext cx="2357525" cy="964695"/>
+          </a:xfrm>
+          <a:prstGeom prst="rect">
+            <a:avLst/>
+          </a:prstGeom>
+        </p:spPr>
+      </p:pic>
+      <p:sp>
+        <p:nvSpPr>
+          <p:cNvPr id="12" name="TextBox 11">
+            <a:extLst>
+              <a:ext uri="{FF2B5EF4-FFF2-40B4-BE49-F238E27FC236}">
+                <a16:creationId xmlns:a16="http://schemas.microsoft.com/office/drawing/2014/main" id="{23C3380B-2C45-4BAD-8C1F-1B7E22221D17}"/>
+              </a:ext>
+            </a:extLst>
+          </p:cNvPr>
+          <p:cNvSpPr txBox="1"/>
+          <p:nvPr/>
+        </p:nvSpPr>
+        <p:spPr>
+          <a:xfrm>
+            <a:off x="7883129" y="4160918"/>
+            <a:ext cx="4156588" cy="923330"/>
+          </a:xfrm>
+          <a:prstGeom prst="rect">
+            <a:avLst/>
+          </a:prstGeom>
+          <a:noFill/>
+        </p:spPr>
+        <p:txBody>
+          <a:bodyPr wrap="square" rtlCol="0">
+            <a:spAutoFit/>
+          </a:bodyPr>
+          <a:lstStyle/>
+          <a:p>
+            <a:pPr marL="285750" indent="-285750">
+              <a:buFont typeface="Arial" panose="020B0604020202020204" pitchFamily="34" charset="0"/>
+              <a:buChar char="•"/>
+            </a:pPr>
+            <a:r>
+              <a:rPr lang="en-US" dirty="0"/>
+              <a:t>Built in testing support</a:t>
+            </a:r>
+          </a:p>
+          <a:p>
+            <a:pPr marL="285750" indent="-285750">
+              <a:buFont typeface="Arial" panose="020B0604020202020204" pitchFamily="34" charset="0"/>
+              <a:buChar char="•"/>
+            </a:pPr>
+            <a:r>
+              <a:rPr lang="en-US" dirty="0"/>
+              <a:t>Simple unit test execution via “ng test”</a:t>
+            </a:r>
+          </a:p>
+          <a:p>
+            <a:pPr marL="285750" indent="-285750">
+              <a:buFont typeface="Arial" panose="020B0604020202020204" pitchFamily="34" charset="0"/>
+              <a:buChar char="•"/>
+            </a:pPr>
+            <a:endParaRPr lang="en-US" dirty="0"/>
+          </a:p>
+        </p:txBody>
+      </p:sp>
+      <p:sp>
+        <p:nvSpPr>
+          <p:cNvPr id="13" name="Rectangle 12">
+            <a:extLst>
+              <a:ext uri="{FF2B5EF4-FFF2-40B4-BE49-F238E27FC236}">
+                <a16:creationId xmlns:a16="http://schemas.microsoft.com/office/drawing/2014/main" id="{1A384B5A-7838-40E7-9773-8ECB73ACC83B}"/>
+              </a:ext>
+            </a:extLst>
+          </p:cNvPr>
+          <p:cNvSpPr/>
+          <p:nvPr/>
+        </p:nvSpPr>
+        <p:spPr>
+          <a:xfrm>
+            <a:off x="1810327" y="1978619"/>
+            <a:ext cx="9956800" cy="646331"/>
+          </a:xfrm>
+          <a:prstGeom prst="rect">
+            <a:avLst/>
+          </a:prstGeom>
+        </p:spPr>
+        <p:txBody>
+          <a:bodyPr wrap="square">
+            <a:spAutoFit/>
+          </a:bodyPr>
+          <a:lstStyle/>
+          <a:p>
+            <a:pPr marL="285750" indent="-285750">
+              <a:buFont typeface="Arial" panose="020B0604020202020204" pitchFamily="34" charset="0"/>
+              <a:buChar char="•"/>
+            </a:pPr>
+            <a:r>
+              <a:rPr lang="en-US" dirty="0"/>
+              <a:t>Angular is a JavaScript based client-side framework for building performant web apps</a:t>
+            </a:r>
+          </a:p>
+          <a:p>
+            <a:pPr marL="285750" indent="-285750">
+              <a:buFont typeface="Arial" panose="020B0604020202020204" pitchFamily="34" charset="0"/>
+              <a:buChar char="•"/>
+            </a:pPr>
+            <a:r>
+              <a:rPr lang="en-US" dirty="0"/>
+              <a:t>A fully functioning starter application can be created with a single command: ng new project-name</a:t>
+            </a:r>
+          </a:p>
+        </p:txBody>
+      </p:sp>
     </p:spTree>
     <p:extLst>
       <p:ext uri="{BB962C8B-B14F-4D97-AF65-F5344CB8AC3E}">
@@ -17719,6 +18168,407 @@
               </a:solidFill>
               <a:latin typeface="Calibri" panose="020F0502020204030204"/>
             </a:endParaRPr>
+          </a:p>
+        </p:txBody>
+      </p:sp>
+      <p:sp useBgFill="1">
+        <p:nvSpPr>
+          <p:cNvPr id="6" name="Rectangle 5">
+            <a:extLst>
+              <a:ext uri="{FF2B5EF4-FFF2-40B4-BE49-F238E27FC236}">
+                <a16:creationId xmlns:a16="http://schemas.microsoft.com/office/drawing/2014/main" id="{BBF6FB1C-4D41-4BFD-8B89-FC041E87D18F}"/>
+              </a:ext>
+              <a:ext uri="{C183D7F6-B498-43B3-948B-1728B52AA6E4}">
+                <adec:decorative xmlns:adec="http://schemas.microsoft.com/office/drawing/2017/decorative" val="1"/>
+              </a:ext>
+            </a:extLst>
+          </p:cNvPr>
+          <p:cNvSpPr>
+            <a:spLocks noGrp="1" noRot="1" noChangeAspect="1" noMove="1" noResize="1" noEditPoints="1" noAdjustHandles="1" noChangeArrowheads="1" noChangeShapeType="1" noTextEdit="1"/>
+          </p:cNvSpPr>
+          <p:nvPr>
+            <p:extLst>
+              <p:ext uri="{386F3935-93C4-4BCD-93E2-E3B085C9AB24}">
+                <p16:designElem xmlns:p16="http://schemas.microsoft.com/office/powerpoint/2015/main" val="1"/>
+              </p:ext>
+            </p:extLst>
+          </p:nvPr>
+        </p:nvSpPr>
+        <p:spPr>
+          <a:xfrm>
+            <a:off x="0" y="0"/>
+            <a:ext cx="12192000" cy="6858000"/>
+          </a:xfrm>
+          <a:prstGeom prst="rect">
+            <a:avLst/>
+          </a:prstGeom>
+          <a:ln>
+            <a:noFill/>
+          </a:ln>
+        </p:spPr>
+        <p:style>
+          <a:lnRef idx="2">
+            <a:schemeClr val="accent1">
+              <a:shade val="50000"/>
+            </a:schemeClr>
+          </a:lnRef>
+          <a:fillRef idx="1">
+            <a:schemeClr val="accent1"/>
+          </a:fillRef>
+          <a:effectRef idx="0">
+            <a:schemeClr val="accent1"/>
+          </a:effectRef>
+          <a:fontRef idx="minor">
+            <a:schemeClr val="lt1"/>
+          </a:fontRef>
+        </p:style>
+        <p:txBody>
+          <a:bodyPr rtlCol="0" anchor="ctr"/>
+          <a:lstStyle/>
+          <a:p>
+            <a:pPr algn="ctr"/>
+            <a:endParaRPr lang="en-US" dirty="0"/>
+          </a:p>
+        </p:txBody>
+      </p:sp>
+      <p:sp useBgFill="1">
+        <p:nvSpPr>
+          <p:cNvPr id="7" name="Rectangle 6">
+            <a:extLst>
+              <a:ext uri="{FF2B5EF4-FFF2-40B4-BE49-F238E27FC236}">
+                <a16:creationId xmlns:a16="http://schemas.microsoft.com/office/drawing/2014/main" id="{097AA63F-365D-469C-AD17-98E515D1A08A}"/>
+              </a:ext>
+              <a:ext uri="{C183D7F6-B498-43B3-948B-1728B52AA6E4}">
+                <adec:decorative xmlns:adec="http://schemas.microsoft.com/office/drawing/2017/decorative" val="1"/>
+              </a:ext>
+            </a:extLst>
+          </p:cNvPr>
+          <p:cNvSpPr>
+            <a:spLocks noGrp="1" noRot="1" noChangeAspect="1" noMove="1" noResize="1" noEditPoints="1" noAdjustHandles="1" noChangeArrowheads="1" noChangeShapeType="1" noTextEdit="1"/>
+          </p:cNvSpPr>
+          <p:nvPr>
+            <p:extLst>
+              <p:ext uri="{386F3935-93C4-4BCD-93E2-E3B085C9AB24}">
+                <p16:designElem xmlns:p16="http://schemas.microsoft.com/office/powerpoint/2015/main" val="1"/>
+              </p:ext>
+            </p:extLst>
+          </p:nvPr>
+        </p:nvSpPr>
+        <p:spPr>
+          <a:xfrm>
+            <a:off x="1903615" y="221673"/>
+            <a:ext cx="8384770" cy="1332634"/>
+          </a:xfrm>
+          <a:prstGeom prst="rect">
+            <a:avLst/>
+          </a:prstGeom>
+          <a:ln w="12700">
+            <a:solidFill>
+              <a:srgbClr val="E1E1E1"/>
+            </a:solidFill>
+          </a:ln>
+          <a:effectLst>
+            <a:outerShdw blurRad="50800" dist="38100" dir="2700000" algn="tl" rotWithShape="0">
+              <a:schemeClr val="bg2">
+                <a:lumMod val="85000"/>
+                <a:alpha val="50000"/>
+              </a:schemeClr>
+            </a:outerShdw>
+          </a:effectLst>
+        </p:spPr>
+        <p:style>
+          <a:lnRef idx="2">
+            <a:schemeClr val="accent1">
+              <a:shade val="50000"/>
+            </a:schemeClr>
+          </a:lnRef>
+          <a:fillRef idx="1">
+            <a:schemeClr val="accent1"/>
+          </a:fillRef>
+          <a:effectRef idx="0">
+            <a:schemeClr val="accent1"/>
+          </a:effectRef>
+          <a:fontRef idx="minor">
+            <a:schemeClr val="lt1"/>
+          </a:fontRef>
+        </p:style>
+        <p:txBody>
+          <a:bodyPr rtlCol="0" anchor="ctr"/>
+          <a:lstStyle/>
+          <a:p>
+            <a:pPr marL="0" marR="0" lvl="0" indent="0" algn="ctr" defTabSz="914400" rtl="0" eaLnBrk="1" fontAlgn="auto" latinLnBrk="0" hangingPunct="1">
+              <a:lnSpc>
+                <a:spcPct val="100000"/>
+              </a:lnSpc>
+              <a:spcBef>
+                <a:spcPts val="0"/>
+              </a:spcBef>
+              <a:spcAft>
+                <a:spcPts val="0"/>
+              </a:spcAft>
+              <a:buClrTx/>
+              <a:buSzTx/>
+              <a:buFontTx/>
+              <a:buNone/>
+              <a:tabLst/>
+              <a:defRPr/>
+            </a:pPr>
+            <a:endParaRPr kumimoji="0" lang="en-US" sz="1800" b="0" i="0" u="none" strike="noStrike" kern="1200" cap="none" spc="0" normalizeH="0" baseline="0" noProof="0" dirty="0">
+              <a:ln>
+                <a:noFill/>
+              </a:ln>
+              <a:solidFill>
+                <a:prstClr val="white"/>
+              </a:solidFill>
+              <a:effectLst/>
+              <a:uLnTx/>
+              <a:uFillTx/>
+              <a:latin typeface="Calibri" panose="020F0502020204030204"/>
+              <a:ea typeface="+mn-ea"/>
+              <a:cs typeface="+mn-cs"/>
+            </a:endParaRPr>
+          </a:p>
+        </p:txBody>
+      </p:sp>
+      <p:sp>
+        <p:nvSpPr>
+          <p:cNvPr id="8" name="Title 1">
+            <a:extLst>
+              <a:ext uri="{FF2B5EF4-FFF2-40B4-BE49-F238E27FC236}">
+                <a16:creationId xmlns:a16="http://schemas.microsoft.com/office/drawing/2014/main" id="{3E7C58C4-F055-4185-8854-88178EC38AFF}"/>
+              </a:ext>
+            </a:extLst>
+          </p:cNvPr>
+          <p:cNvSpPr txBox="1">
+            <a:spLocks/>
+          </p:cNvSpPr>
+          <p:nvPr/>
+        </p:nvSpPr>
+        <p:spPr>
+          <a:xfrm>
+            <a:off x="2103121" y="310343"/>
+            <a:ext cx="7985759" cy="868823"/>
+          </a:xfrm>
+          <a:prstGeom prst="rect">
+            <a:avLst/>
+          </a:prstGeom>
+        </p:spPr>
+        <p:txBody>
+          <a:bodyPr vert="horz" lIns="91440" tIns="45720" rIns="91440" bIns="45720" rtlCol="0" anchor="ctr">
+            <a:normAutofit/>
+          </a:bodyPr>
+          <a:lstStyle>
+            <a:lvl1pPr algn="l" defTabSz="914400" rtl="0" eaLnBrk="1" latinLnBrk="0" hangingPunct="1">
+              <a:lnSpc>
+                <a:spcPct val="90000"/>
+              </a:lnSpc>
+              <a:spcBef>
+                <a:spcPct val="0"/>
+              </a:spcBef>
+              <a:buNone/>
+              <a:defRPr sz="4400" kern="1200">
+                <a:solidFill>
+                  <a:schemeClr val="tx1"/>
+                </a:solidFill>
+                <a:latin typeface="+mj-lt"/>
+                <a:ea typeface="+mj-ea"/>
+                <a:cs typeface="+mj-cs"/>
+              </a:defRPr>
+            </a:lvl1pPr>
+          </a:lstStyle>
+          <a:p>
+            <a:pPr algn="ctr"/>
+            <a:r>
+              <a:rPr lang="en-US"/>
+              <a:t>Automated documentation</a:t>
+            </a:r>
+            <a:endParaRPr lang="en-US" sz="4000" dirty="0"/>
+          </a:p>
+        </p:txBody>
+      </p:sp>
+      <p:sp>
+        <p:nvSpPr>
+          <p:cNvPr id="9" name="Rectangle: Rounded Corners 8">
+            <a:extLst>
+              <a:ext uri="{FF2B5EF4-FFF2-40B4-BE49-F238E27FC236}">
+                <a16:creationId xmlns:a16="http://schemas.microsoft.com/office/drawing/2014/main" id="{46693CBA-8CE9-49E4-B8AF-B3ECD363C297}"/>
+              </a:ext>
+              <a:ext uri="{C183D7F6-B498-43B3-948B-1728B52AA6E4}">
+                <adec:decorative xmlns:adec="http://schemas.microsoft.com/office/drawing/2017/decorative" val="1"/>
+              </a:ext>
+            </a:extLst>
+          </p:cNvPr>
+          <p:cNvSpPr>
+            <a:spLocks noGrp="1" noRot="1" noChangeAspect="1" noMove="1" noResize="1" noEditPoints="1" noAdjustHandles="1" noChangeArrowheads="1" noChangeShapeType="1" noTextEdit="1"/>
+          </p:cNvSpPr>
+          <p:nvPr>
+            <p:extLst>
+              <p:ext uri="{386F3935-93C4-4BCD-93E2-E3B085C9AB24}">
+                <p16:designElem xmlns:p16="http://schemas.microsoft.com/office/powerpoint/2015/main" val="1"/>
+              </p:ext>
+            </p:extLst>
+          </p:nvPr>
+        </p:nvSpPr>
+        <p:spPr>
+          <a:xfrm>
+            <a:off x="2483110" y="1211407"/>
+            <a:ext cx="7225780" cy="685800"/>
+          </a:xfrm>
+          <a:prstGeom prst="roundRect">
+            <a:avLst>
+              <a:gd name="adj" fmla="val 0"/>
+            </a:avLst>
+          </a:prstGeom>
+          <a:solidFill>
+            <a:schemeClr val="accent2"/>
+          </a:solidFill>
+          <a:ln>
+            <a:noFill/>
+          </a:ln>
+        </p:spPr>
+        <p:style>
+          <a:lnRef idx="2">
+            <a:schemeClr val="accent1">
+              <a:shade val="50000"/>
+            </a:schemeClr>
+          </a:lnRef>
+          <a:fillRef idx="1">
+            <a:schemeClr val="accent1"/>
+          </a:fillRef>
+          <a:effectRef idx="0">
+            <a:schemeClr val="accent1"/>
+          </a:effectRef>
+          <a:fontRef idx="minor">
+            <a:schemeClr val="lt1"/>
+          </a:fontRef>
+        </p:style>
+        <p:txBody>
+          <a:bodyPr rtlCol="0" anchor="ctr"/>
+          <a:lstStyle/>
+          <a:p>
+            <a:pPr algn="ctr"/>
+            <a:endParaRPr lang="en-US" dirty="0">
+              <a:solidFill>
+                <a:prstClr val="white"/>
+              </a:solidFill>
+              <a:latin typeface="Calibri" panose="020F0502020204030204"/>
+            </a:endParaRPr>
+          </a:p>
+        </p:txBody>
+      </p:sp>
+      <p:pic>
+        <p:nvPicPr>
+          <p:cNvPr id="10" name="Picture 9">
+            <a:extLst>
+              <a:ext uri="{FF2B5EF4-FFF2-40B4-BE49-F238E27FC236}">
+                <a16:creationId xmlns:a16="http://schemas.microsoft.com/office/drawing/2014/main" id="{66AEFC01-E2BC-438B-9AA5-CE4763115202}"/>
+              </a:ext>
+            </a:extLst>
+          </p:cNvPr>
+          <p:cNvPicPr>
+            <a:picLocks noChangeAspect="1"/>
+          </p:cNvPicPr>
+          <p:nvPr/>
+        </p:nvPicPr>
+        <p:blipFill>
+          <a:blip r:embed="rId3"/>
+          <a:stretch>
+            <a:fillRect/>
+          </a:stretch>
+        </p:blipFill>
+        <p:spPr>
+          <a:xfrm>
+            <a:off x="3298184" y="3137361"/>
+            <a:ext cx="5595632" cy="3388323"/>
+          </a:xfrm>
+          <a:prstGeom prst="rect">
+            <a:avLst/>
+          </a:prstGeom>
+        </p:spPr>
+      </p:pic>
+      <p:sp>
+        <p:nvSpPr>
+          <p:cNvPr id="11" name="TextBox 10">
+            <a:extLst>
+              <a:ext uri="{FF2B5EF4-FFF2-40B4-BE49-F238E27FC236}">
+                <a16:creationId xmlns:a16="http://schemas.microsoft.com/office/drawing/2014/main" id="{626FDD20-19A5-4EFD-9E1D-4170935A1596}"/>
+              </a:ext>
+            </a:extLst>
+          </p:cNvPr>
+          <p:cNvSpPr txBox="1"/>
+          <p:nvPr/>
+        </p:nvSpPr>
+        <p:spPr>
+          <a:xfrm>
+            <a:off x="1789032" y="2077770"/>
+            <a:ext cx="6800785" cy="1477328"/>
+          </a:xfrm>
+          <a:prstGeom prst="rect">
+            <a:avLst/>
+          </a:prstGeom>
+          <a:noFill/>
+        </p:spPr>
+        <p:txBody>
+          <a:bodyPr wrap="square" rtlCol="0">
+            <a:spAutoFit/>
+          </a:bodyPr>
+          <a:lstStyle/>
+          <a:p>
+            <a:pPr marL="285750" indent="-285750">
+              <a:buFont typeface="Arial" panose="020B0604020202020204" pitchFamily="34" charset="0"/>
+              <a:buChar char="•"/>
+            </a:pPr>
+            <a:r>
+              <a:rPr lang="en-US" dirty="0"/>
+              <a:t>Project</a:t>
+            </a:r>
+            <a:r>
+              <a:rPr lang="en-US" i="1" dirty="0"/>
+              <a:t> </a:t>
+            </a:r>
+            <a:r>
+              <a:rPr lang="en-US" dirty="0"/>
+              <a:t>documentation via </a:t>
+            </a:r>
+            <a:r>
+              <a:rPr lang="en-US" dirty="0" err="1"/>
+              <a:t>Compodoc</a:t>
+            </a:r>
+            <a:endParaRPr lang="en-US" dirty="0"/>
+          </a:p>
+          <a:p>
+            <a:pPr marL="285750" indent="-285750">
+              <a:buFont typeface="Arial" panose="020B0604020202020204" pitchFamily="34" charset="0"/>
+              <a:buChar char="•"/>
+            </a:pPr>
+            <a:r>
+              <a:rPr lang="en-US" dirty="0"/>
+              <a:t>Code and comments are parsed for full documentation coverage</a:t>
+            </a:r>
+          </a:p>
+          <a:p>
+            <a:pPr marL="285750" indent="-285750">
+              <a:buFont typeface="Arial" panose="020B0604020202020204" pitchFamily="34" charset="0"/>
+              <a:buChar char="•"/>
+            </a:pPr>
+            <a:r>
+              <a:rPr lang="en-US" dirty="0"/>
+              <a:t>Documentation is part of the software project</a:t>
+            </a:r>
+          </a:p>
+          <a:p>
+            <a:pPr marL="285750" indent="-285750">
+              <a:buFont typeface="Arial" panose="020B0604020202020204" pitchFamily="34" charset="0"/>
+              <a:buChar char="•"/>
+            </a:pPr>
+            <a:endParaRPr lang="en-US" dirty="0"/>
+          </a:p>
+          <a:p>
+            <a:pPr marL="285750" indent="-285750">
+              <a:buFont typeface="Arial" panose="020B0604020202020204" pitchFamily="34" charset="0"/>
+              <a:buChar char="•"/>
+            </a:pPr>
+            <a:endParaRPr lang="en-US" dirty="0"/>
           </a:p>
         </p:txBody>
       </p:sp>
@@ -18931,20 +19781,20 @@
 </file>
 
 <file path=customXml/item1.xml><?xml version="1.0" encoding="utf-8"?>
-<p:properties xmlns:p="http://schemas.microsoft.com/office/2006/metadata/properties" xmlns:xsi="http://www.w3.org/2001/XMLSchema-instance" xmlns:pc="http://schemas.microsoft.com/office/infopath/2007/PartnerControls">
-  <documentManagement>
-    <MediaServiceKeyPoints xmlns="71af3243-3dd4-4a8d-8c0d-dd76da1f02a5" xsi:nil="true"/>
-  </documentManagement>
-</p:properties>
-</file>
-
-<file path=customXml/item2.xml><?xml version="1.0" encoding="utf-8"?>
 <?mso-contentType ?>
 <FormTemplates xmlns="http://schemas.microsoft.com/sharepoint/v3/contenttype/forms">
   <Display>DocumentLibraryForm</Display>
   <Edit>DocumentLibraryForm</Edit>
   <New>DocumentLibraryForm</New>
 </FormTemplates>
+</file>
+
+<file path=customXml/item2.xml><?xml version="1.0" encoding="utf-8"?>
+<p:properties xmlns:p="http://schemas.microsoft.com/office/2006/metadata/properties" xmlns:xsi="http://www.w3.org/2001/XMLSchema-instance" xmlns:pc="http://schemas.microsoft.com/office/infopath/2007/PartnerControls">
+  <documentManagement>
+    <MediaServiceKeyPoints xmlns="71af3243-3dd4-4a8d-8c0d-dd76da1f02a5" xsi:nil="true"/>
+  </documentManagement>
+</p:properties>
 </file>
 
 <file path=customXml/item3.xml><?xml version="1.0" encoding="utf-8"?>
@@ -19159,26 +20009,26 @@
 </file>
 
 <file path=customXml/itemProps1.xml><?xml version="1.0" encoding="utf-8"?>
-<ds:datastoreItem xmlns:ds="http://schemas.openxmlformats.org/officeDocument/2006/customXml" ds:itemID="{03C7D9E6-B0D9-433E-BD46-EB60F64F4DA8}">
+<ds:datastoreItem xmlns:ds="http://schemas.openxmlformats.org/officeDocument/2006/customXml" ds:itemID="{5CA875DA-F9FD-4F83-A049-3B1027B542DE}">
   <ds:schemaRefs>
-    <ds:schemaRef ds:uri="http://purl.org/dc/elements/1.1/"/>
-    <ds:schemaRef ds:uri="http://schemas.microsoft.com/office/2006/metadata/properties"/>
-    <ds:schemaRef ds:uri="http://schemas.microsoft.com/office/2006/documentManagement/types"/>
-    <ds:schemaRef ds:uri="http://purl.org/dc/terms/"/>
-    <ds:schemaRef ds:uri="http://schemas.openxmlformats.org/package/2006/metadata/core-properties"/>
-    <ds:schemaRef ds:uri="16c05727-aa75-4e4a-9b5f-8a80a1165891"/>
-    <ds:schemaRef ds:uri="http://purl.org/dc/dcmitype/"/>
-    <ds:schemaRef ds:uri="http://schemas.microsoft.com/office/infopath/2007/PartnerControls"/>
-    <ds:schemaRef ds:uri="71af3243-3dd4-4a8d-8c0d-dd76da1f02a5"/>
-    <ds:schemaRef ds:uri="http://www.w3.org/XML/1998/namespace"/>
+    <ds:schemaRef ds:uri="http://schemas.microsoft.com/sharepoint/v3/contenttype/forms"/>
   </ds:schemaRefs>
 </ds:datastoreItem>
 </file>
 
 <file path=customXml/itemProps2.xml><?xml version="1.0" encoding="utf-8"?>
-<ds:datastoreItem xmlns:ds="http://schemas.openxmlformats.org/officeDocument/2006/customXml" ds:itemID="{5CA875DA-F9FD-4F83-A049-3B1027B542DE}">
+<ds:datastoreItem xmlns:ds="http://schemas.openxmlformats.org/officeDocument/2006/customXml" ds:itemID="{03C7D9E6-B0D9-433E-BD46-EB60F64F4DA8}">
   <ds:schemaRefs>
-    <ds:schemaRef ds:uri="http://schemas.microsoft.com/sharepoint/v3/contenttype/forms"/>
+    <ds:schemaRef ds:uri="http://purl.org/dc/elements/1.1/"/>
+    <ds:schemaRef ds:uri="http://schemas.microsoft.com/office/2006/metadata/properties"/>
+    <ds:schemaRef ds:uri="http://purl.org/dc/terms/"/>
+    <ds:schemaRef ds:uri="http://schemas.openxmlformats.org/package/2006/metadata/core-properties"/>
+    <ds:schemaRef ds:uri="16c05727-aa75-4e4a-9b5f-8a80a1165891"/>
+    <ds:schemaRef ds:uri="http://schemas.microsoft.com/office/2006/documentManagement/types"/>
+    <ds:schemaRef ds:uri="http://schemas.microsoft.com/office/infopath/2007/PartnerControls"/>
+    <ds:schemaRef ds:uri="71af3243-3dd4-4a8d-8c0d-dd76da1f02a5"/>
+    <ds:schemaRef ds:uri="http://www.w3.org/XML/1998/namespace"/>
+    <ds:schemaRef ds:uri="http://purl.org/dc/dcmitype/"/>
   </ds:schemaRefs>
 </ds:datastoreItem>
 </file>

--- a/documentation/Demonstrations/Connacht_University_TeamDC.pptx
+++ b/documentation/Demonstrations/Connacht_University_TeamDC.pptx
@@ -5,10 +5,10 @@
     <p:sldMasterId id="2147483648" r:id="rId4"/>
   </p:sldMasterIdLst>
   <p:notesMasterIdLst>
-    <p:notesMasterId r:id="rId25"/>
+    <p:notesMasterId r:id="rId28"/>
   </p:notesMasterIdLst>
   <p:handoutMasterIdLst>
-    <p:handoutMasterId r:id="rId26"/>
+    <p:handoutMasterId r:id="rId29"/>
   </p:handoutMasterIdLst>
   <p:sldIdLst>
     <p:sldId id="256" r:id="rId5"/>
@@ -30,7 +30,10 @@
     <p:sldId id="264" r:id="rId21"/>
     <p:sldId id="284" r:id="rId22"/>
     <p:sldId id="275" r:id="rId23"/>
-    <p:sldId id="285" r:id="rId24"/>
+    <p:sldId id="286" r:id="rId24"/>
+    <p:sldId id="287" r:id="rId25"/>
+    <p:sldId id="288" r:id="rId26"/>
+    <p:sldId id="285" r:id="rId27"/>
   </p:sldIdLst>
   <p:sldSz cx="12192000" cy="6858000"/>
   <p:notesSz cx="6858000" cy="9144000"/>
@@ -2805,7 +2808,262 @@
     </p:spTree>
     <p:extLst>
       <p:ext uri="{BB962C8B-B14F-4D97-AF65-F5344CB8AC3E}">
-        <p14:creationId xmlns:p14="http://schemas.microsoft.com/office/powerpoint/2010/main" val="2219405240"/>
+        <p14:creationId xmlns:p14="http://schemas.microsoft.com/office/powerpoint/2010/main" val="1660937143"/>
+      </p:ext>
+    </p:extLst>
+  </p:cSld>
+  <p:clrMapOvr>
+    <a:masterClrMapping/>
+  </p:clrMapOvr>
+</p:notes>
+</file>
+
+<file path=ppt/notesSlides/notesSlide19.xml><?xml version="1.0" encoding="utf-8"?>
+<p:notes xmlns:a="http://schemas.openxmlformats.org/drawingml/2006/main" xmlns:r="http://schemas.openxmlformats.org/officeDocument/2006/relationships" xmlns:p="http://schemas.openxmlformats.org/presentationml/2006/main">
+  <p:cSld>
+    <p:spTree>
+      <p:nvGrpSpPr>
+        <p:cNvPr id="1" name=""/>
+        <p:cNvGrpSpPr/>
+        <p:nvPr/>
+      </p:nvGrpSpPr>
+      <p:grpSpPr>
+        <a:xfrm>
+          <a:off x="0" y="0"/>
+          <a:ext cx="0" cy="0"/>
+          <a:chOff x="0" y="0"/>
+          <a:chExt cx="0" cy="0"/>
+        </a:xfrm>
+      </p:grpSpPr>
+      <p:sp>
+        <p:nvSpPr>
+          <p:cNvPr id="2" name="Slide Image Placeholder 1"/>
+          <p:cNvSpPr>
+            <a:spLocks noGrp="1" noRot="1" noChangeAspect="1"/>
+          </p:cNvSpPr>
+          <p:nvPr>
+            <p:ph type="sldImg"/>
+          </p:nvPr>
+        </p:nvSpPr>
+        <p:spPr/>
+      </p:sp>
+      <p:sp>
+        <p:nvSpPr>
+          <p:cNvPr id="3" name="Notes Placeholder 2"/>
+          <p:cNvSpPr>
+            <a:spLocks noGrp="1"/>
+          </p:cNvSpPr>
+          <p:nvPr>
+            <p:ph type="body" idx="1"/>
+          </p:nvPr>
+        </p:nvSpPr>
+        <p:spPr/>
+        <p:txBody>
+          <a:bodyPr/>
+          <a:lstStyle/>
+          <a:p>
+            <a:r>
+              <a:rPr lang="en-US" i="0" dirty="0">
+                <a:latin typeface="Segoe UI" panose="020B0502040204020203" pitchFamily="34" charset="0"/>
+                <a:cs typeface="Segoe UI" panose="020B0502040204020203" pitchFamily="34" charset="0"/>
+              </a:rPr>
+              <a:t>Once you find your sources, you will want to evaluate your sources using the following questions: </a:t>
+            </a:r>
+          </a:p>
+          <a:p>
+            <a:endParaRPr lang="en-US" i="0" dirty="0">
+              <a:latin typeface="Segoe UI" panose="020B0502040204020203" pitchFamily="34" charset="0"/>
+              <a:cs typeface="Segoe UI" panose="020B0502040204020203" pitchFamily="34" charset="0"/>
+            </a:endParaRPr>
+          </a:p>
+          <a:p>
+            <a:r>
+              <a:rPr lang="en-US" b="1" i="0" dirty="0">
+                <a:latin typeface="Segoe UI" panose="020B0502040204020203" pitchFamily="34" charset="0"/>
+                <a:cs typeface="Segoe UI" panose="020B0502040204020203" pitchFamily="34" charset="0"/>
+              </a:rPr>
+              <a:t>Author: </a:t>
+            </a:r>
+          </a:p>
+          <a:p>
+            <a:pPr marL="171450" indent="-171450">
+              <a:buFont typeface="Arial" panose="020B0604020202020204" pitchFamily="34" charset="0"/>
+              <a:buChar char="•"/>
+            </a:pPr>
+            <a:r>
+              <a:rPr lang="en-US" i="0" dirty="0">
+                <a:latin typeface="Segoe UI" panose="020B0502040204020203" pitchFamily="34" charset="0"/>
+                <a:cs typeface="Segoe UI" panose="020B0502040204020203" pitchFamily="34" charset="0"/>
+              </a:rPr>
+              <a:t>Who is the author?</a:t>
+            </a:r>
+          </a:p>
+          <a:p>
+            <a:pPr marL="171450" indent="-171450">
+              <a:buFont typeface="Arial" panose="020B0604020202020204" pitchFamily="34" charset="0"/>
+              <a:buChar char="•"/>
+            </a:pPr>
+            <a:r>
+              <a:rPr lang="en-US" i="0" dirty="0">
+                <a:latin typeface="Segoe UI" panose="020B0502040204020203" pitchFamily="34" charset="0"/>
+                <a:cs typeface="Segoe UI" panose="020B0502040204020203" pitchFamily="34" charset="0"/>
+              </a:rPr>
+              <a:t>Why should I believe what he or she has to say on the topic?</a:t>
+            </a:r>
+          </a:p>
+          <a:p>
+            <a:pPr marL="171450" indent="-171450">
+              <a:buFont typeface="Arial" panose="020B0604020202020204" pitchFamily="34" charset="0"/>
+              <a:buChar char="•"/>
+            </a:pPr>
+            <a:r>
+              <a:rPr lang="en-US" i="0" dirty="0">
+                <a:latin typeface="Segoe UI" panose="020B0502040204020203" pitchFamily="34" charset="0"/>
+                <a:cs typeface="Segoe UI" panose="020B0502040204020203" pitchFamily="34" charset="0"/>
+              </a:rPr>
+              <a:t>Is the author seen as an expert on the topic? How do you know?</a:t>
+            </a:r>
+          </a:p>
+          <a:p>
+            <a:pPr marL="171450" indent="-171450">
+              <a:buFont typeface="Arial" panose="020B0604020202020204" pitchFamily="34" charset="0"/>
+              <a:buChar char="•"/>
+            </a:pPr>
+            <a:endParaRPr lang="en-US" i="0" dirty="0">
+              <a:latin typeface="Segoe UI" panose="020B0502040204020203" pitchFamily="34" charset="0"/>
+              <a:cs typeface="Segoe UI" panose="020B0502040204020203" pitchFamily="34" charset="0"/>
+            </a:endParaRPr>
+          </a:p>
+          <a:p>
+            <a:pPr marL="0" indent="0">
+              <a:buFont typeface="Arial" panose="020B0604020202020204" pitchFamily="34" charset="0"/>
+              <a:buNone/>
+            </a:pPr>
+            <a:r>
+              <a:rPr lang="en-US" b="1" i="0" dirty="0">
+                <a:latin typeface="Segoe UI" panose="020B0502040204020203" pitchFamily="34" charset="0"/>
+                <a:cs typeface="Segoe UI" panose="020B0502040204020203" pitchFamily="34" charset="0"/>
+              </a:rPr>
+              <a:t>Current: </a:t>
+            </a:r>
+          </a:p>
+          <a:p>
+            <a:pPr marL="171450" indent="-171450">
+              <a:buFont typeface="Arial" panose="020B0604020202020204" pitchFamily="34" charset="0"/>
+              <a:buChar char="•"/>
+            </a:pPr>
+            <a:r>
+              <a:rPr lang="en-US" i="0" dirty="0">
+                <a:latin typeface="Segoe UI" panose="020B0502040204020203" pitchFamily="34" charset="0"/>
+                <a:cs typeface="Segoe UI" panose="020B0502040204020203" pitchFamily="34" charset="0"/>
+              </a:rPr>
+              <a:t>How current is the information in the source?</a:t>
+            </a:r>
+          </a:p>
+          <a:p>
+            <a:pPr marL="171450" indent="-171450">
+              <a:buFont typeface="Arial" panose="020B0604020202020204" pitchFamily="34" charset="0"/>
+              <a:buChar char="•"/>
+            </a:pPr>
+            <a:r>
+              <a:rPr lang="en-US" i="0" dirty="0">
+                <a:latin typeface="Segoe UI" panose="020B0502040204020203" pitchFamily="34" charset="0"/>
+                <a:cs typeface="Segoe UI" panose="020B0502040204020203" pitchFamily="34" charset="0"/>
+              </a:rPr>
+              <a:t>When was the source published?</a:t>
+            </a:r>
+          </a:p>
+          <a:p>
+            <a:pPr marL="171450" indent="-171450">
+              <a:buFont typeface="Arial" panose="020B0604020202020204" pitchFamily="34" charset="0"/>
+              <a:buChar char="•"/>
+            </a:pPr>
+            <a:r>
+              <a:rPr lang="en-US" i="0" dirty="0">
+                <a:latin typeface="Segoe UI" panose="020B0502040204020203" pitchFamily="34" charset="0"/>
+                <a:cs typeface="Segoe UI" panose="020B0502040204020203" pitchFamily="34" charset="0"/>
+              </a:rPr>
+              <a:t>Is the information out-of-date?</a:t>
+            </a:r>
+          </a:p>
+          <a:p>
+            <a:pPr marL="171450" indent="-171450">
+              <a:buFont typeface="Arial" panose="020B0604020202020204" pitchFamily="34" charset="0"/>
+              <a:buChar char="•"/>
+            </a:pPr>
+            <a:endParaRPr lang="en-US" b="1" i="0" dirty="0">
+              <a:latin typeface="Segoe UI" panose="020B0502040204020203" pitchFamily="34" charset="0"/>
+              <a:cs typeface="Segoe UI" panose="020B0502040204020203" pitchFamily="34" charset="0"/>
+            </a:endParaRPr>
+          </a:p>
+          <a:p>
+            <a:pPr marL="0" indent="0">
+              <a:buFont typeface="Arial" panose="020B0604020202020204" pitchFamily="34" charset="0"/>
+              <a:buNone/>
+            </a:pPr>
+            <a:r>
+              <a:rPr lang="en-US" b="1" i="0" dirty="0">
+                <a:latin typeface="Segoe UI" panose="020B0502040204020203" pitchFamily="34" charset="0"/>
+                <a:cs typeface="Segoe UI" panose="020B0502040204020203" pitchFamily="34" charset="0"/>
+              </a:rPr>
+              <a:t>Accuracy: </a:t>
+            </a:r>
+          </a:p>
+          <a:p>
+            <a:pPr marL="171450" indent="-171450">
+              <a:buFont typeface="Arial" panose="020B0604020202020204" pitchFamily="34" charset="0"/>
+              <a:buChar char="•"/>
+            </a:pPr>
+            <a:r>
+              <a:rPr lang="en-US" i="0" dirty="0">
+                <a:latin typeface="Segoe UI" panose="020B0502040204020203" pitchFamily="34" charset="0"/>
+                <a:cs typeface="Segoe UI" panose="020B0502040204020203" pitchFamily="34" charset="0"/>
+              </a:rPr>
+              <a:t>Is the content accurate?</a:t>
+            </a:r>
+          </a:p>
+          <a:p>
+            <a:pPr marL="171450" indent="-171450">
+              <a:buFont typeface="Arial" panose="020B0604020202020204" pitchFamily="34" charset="0"/>
+              <a:buChar char="•"/>
+            </a:pPr>
+            <a:r>
+              <a:rPr lang="en-US" i="0" dirty="0">
+                <a:latin typeface="Segoe UI" panose="020B0502040204020203" pitchFamily="34" charset="0"/>
+                <a:cs typeface="Segoe UI" panose="020B0502040204020203" pitchFamily="34" charset="0"/>
+              </a:rPr>
+              <a:t>Is the information presented objectively?  Do they share the pros and cons?</a:t>
+            </a:r>
+          </a:p>
+        </p:txBody>
+      </p:sp>
+      <p:sp>
+        <p:nvSpPr>
+          <p:cNvPr id="4" name="Slide Number Placeholder 3"/>
+          <p:cNvSpPr>
+            <a:spLocks noGrp="1"/>
+          </p:cNvSpPr>
+          <p:nvPr>
+            <p:ph type="sldNum" sz="quarter" idx="10"/>
+          </p:nvPr>
+        </p:nvSpPr>
+        <p:spPr/>
+        <p:txBody>
+          <a:bodyPr/>
+          <a:lstStyle/>
+          <a:p>
+            <a:fld id="{BC849E9A-41F7-4779-A581-48A7C374A227}" type="slidenum">
+              <a:rPr lang="en-US" smtClean="0"/>
+              <a:t>21</a:t>
+            </a:fld>
+            <a:endParaRPr lang="en-US" dirty="0"/>
+          </a:p>
+        </p:txBody>
+      </p:sp>
+    </p:spTree>
+    <p:extLst>
+      <p:ext uri="{BB962C8B-B14F-4D97-AF65-F5344CB8AC3E}">
+        <p14:creationId xmlns:p14="http://schemas.microsoft.com/office/powerpoint/2010/main" val="3611530504"/>
       </p:ext>
     </p:extLst>
   </p:cSld>
@@ -2945,6 +3203,516 @@
     <p:extLst>
       <p:ext uri="{BB962C8B-B14F-4D97-AF65-F5344CB8AC3E}">
         <p14:creationId xmlns:p14="http://schemas.microsoft.com/office/powerpoint/2010/main" val="4224310962"/>
+      </p:ext>
+    </p:extLst>
+  </p:cSld>
+  <p:clrMapOvr>
+    <a:masterClrMapping/>
+  </p:clrMapOvr>
+</p:notes>
+</file>
+
+<file path=ppt/notesSlides/notesSlide20.xml><?xml version="1.0" encoding="utf-8"?>
+<p:notes xmlns:a="http://schemas.openxmlformats.org/drawingml/2006/main" xmlns:r="http://schemas.openxmlformats.org/officeDocument/2006/relationships" xmlns:p="http://schemas.openxmlformats.org/presentationml/2006/main">
+  <p:cSld>
+    <p:spTree>
+      <p:nvGrpSpPr>
+        <p:cNvPr id="1" name=""/>
+        <p:cNvGrpSpPr/>
+        <p:nvPr/>
+      </p:nvGrpSpPr>
+      <p:grpSpPr>
+        <a:xfrm>
+          <a:off x="0" y="0"/>
+          <a:ext cx="0" cy="0"/>
+          <a:chOff x="0" y="0"/>
+          <a:chExt cx="0" cy="0"/>
+        </a:xfrm>
+      </p:grpSpPr>
+      <p:sp>
+        <p:nvSpPr>
+          <p:cNvPr id="2" name="Slide Image Placeholder 1"/>
+          <p:cNvSpPr>
+            <a:spLocks noGrp="1" noRot="1" noChangeAspect="1"/>
+          </p:cNvSpPr>
+          <p:nvPr>
+            <p:ph type="sldImg"/>
+          </p:nvPr>
+        </p:nvSpPr>
+        <p:spPr/>
+      </p:sp>
+      <p:sp>
+        <p:nvSpPr>
+          <p:cNvPr id="3" name="Notes Placeholder 2"/>
+          <p:cNvSpPr>
+            <a:spLocks noGrp="1"/>
+          </p:cNvSpPr>
+          <p:nvPr>
+            <p:ph type="body" idx="1"/>
+          </p:nvPr>
+        </p:nvSpPr>
+        <p:spPr/>
+        <p:txBody>
+          <a:bodyPr/>
+          <a:lstStyle/>
+          <a:p>
+            <a:r>
+              <a:rPr lang="en-US" i="0" dirty="0">
+                <a:latin typeface="Segoe UI" panose="020B0502040204020203" pitchFamily="34" charset="0"/>
+                <a:cs typeface="Segoe UI" panose="020B0502040204020203" pitchFamily="34" charset="0"/>
+              </a:rPr>
+              <a:t>Once you find your sources, you will want to evaluate your sources using the following questions: </a:t>
+            </a:r>
+          </a:p>
+          <a:p>
+            <a:endParaRPr lang="en-US" i="0" dirty="0">
+              <a:latin typeface="Segoe UI" panose="020B0502040204020203" pitchFamily="34" charset="0"/>
+              <a:cs typeface="Segoe UI" panose="020B0502040204020203" pitchFamily="34" charset="0"/>
+            </a:endParaRPr>
+          </a:p>
+          <a:p>
+            <a:r>
+              <a:rPr lang="en-US" b="1" i="0" dirty="0">
+                <a:latin typeface="Segoe UI" panose="020B0502040204020203" pitchFamily="34" charset="0"/>
+                <a:cs typeface="Segoe UI" panose="020B0502040204020203" pitchFamily="34" charset="0"/>
+              </a:rPr>
+              <a:t>Author: </a:t>
+            </a:r>
+          </a:p>
+          <a:p>
+            <a:pPr marL="171450" indent="-171450">
+              <a:buFont typeface="Arial" panose="020B0604020202020204" pitchFamily="34" charset="0"/>
+              <a:buChar char="•"/>
+            </a:pPr>
+            <a:r>
+              <a:rPr lang="en-US" i="0" dirty="0">
+                <a:latin typeface="Segoe UI" panose="020B0502040204020203" pitchFamily="34" charset="0"/>
+                <a:cs typeface="Segoe UI" panose="020B0502040204020203" pitchFamily="34" charset="0"/>
+              </a:rPr>
+              <a:t>Who is the author?</a:t>
+            </a:r>
+          </a:p>
+          <a:p>
+            <a:pPr marL="171450" indent="-171450">
+              <a:buFont typeface="Arial" panose="020B0604020202020204" pitchFamily="34" charset="0"/>
+              <a:buChar char="•"/>
+            </a:pPr>
+            <a:r>
+              <a:rPr lang="en-US" i="0" dirty="0">
+                <a:latin typeface="Segoe UI" panose="020B0502040204020203" pitchFamily="34" charset="0"/>
+                <a:cs typeface="Segoe UI" panose="020B0502040204020203" pitchFamily="34" charset="0"/>
+              </a:rPr>
+              <a:t>Why should I believe what he or she has to say on the topic?</a:t>
+            </a:r>
+          </a:p>
+          <a:p>
+            <a:pPr marL="171450" indent="-171450">
+              <a:buFont typeface="Arial" panose="020B0604020202020204" pitchFamily="34" charset="0"/>
+              <a:buChar char="•"/>
+            </a:pPr>
+            <a:r>
+              <a:rPr lang="en-US" i="0" dirty="0">
+                <a:latin typeface="Segoe UI" panose="020B0502040204020203" pitchFamily="34" charset="0"/>
+                <a:cs typeface="Segoe UI" panose="020B0502040204020203" pitchFamily="34" charset="0"/>
+              </a:rPr>
+              <a:t>Is the author seen as an expert on the topic? How do you know?</a:t>
+            </a:r>
+          </a:p>
+          <a:p>
+            <a:pPr marL="171450" indent="-171450">
+              <a:buFont typeface="Arial" panose="020B0604020202020204" pitchFamily="34" charset="0"/>
+              <a:buChar char="•"/>
+            </a:pPr>
+            <a:endParaRPr lang="en-US" i="0" dirty="0">
+              <a:latin typeface="Segoe UI" panose="020B0502040204020203" pitchFamily="34" charset="0"/>
+              <a:cs typeface="Segoe UI" panose="020B0502040204020203" pitchFamily="34" charset="0"/>
+            </a:endParaRPr>
+          </a:p>
+          <a:p>
+            <a:pPr marL="0" indent="0">
+              <a:buFont typeface="Arial" panose="020B0604020202020204" pitchFamily="34" charset="0"/>
+              <a:buNone/>
+            </a:pPr>
+            <a:r>
+              <a:rPr lang="en-US" b="1" i="0" dirty="0">
+                <a:latin typeface="Segoe UI" panose="020B0502040204020203" pitchFamily="34" charset="0"/>
+                <a:cs typeface="Segoe UI" panose="020B0502040204020203" pitchFamily="34" charset="0"/>
+              </a:rPr>
+              <a:t>Current: </a:t>
+            </a:r>
+          </a:p>
+          <a:p>
+            <a:pPr marL="171450" indent="-171450">
+              <a:buFont typeface="Arial" panose="020B0604020202020204" pitchFamily="34" charset="0"/>
+              <a:buChar char="•"/>
+            </a:pPr>
+            <a:r>
+              <a:rPr lang="en-US" i="0" dirty="0">
+                <a:latin typeface="Segoe UI" panose="020B0502040204020203" pitchFamily="34" charset="0"/>
+                <a:cs typeface="Segoe UI" panose="020B0502040204020203" pitchFamily="34" charset="0"/>
+              </a:rPr>
+              <a:t>How current is the information in the source?</a:t>
+            </a:r>
+          </a:p>
+          <a:p>
+            <a:pPr marL="171450" indent="-171450">
+              <a:buFont typeface="Arial" panose="020B0604020202020204" pitchFamily="34" charset="0"/>
+              <a:buChar char="•"/>
+            </a:pPr>
+            <a:r>
+              <a:rPr lang="en-US" i="0" dirty="0">
+                <a:latin typeface="Segoe UI" panose="020B0502040204020203" pitchFamily="34" charset="0"/>
+                <a:cs typeface="Segoe UI" panose="020B0502040204020203" pitchFamily="34" charset="0"/>
+              </a:rPr>
+              <a:t>When was the source published?</a:t>
+            </a:r>
+          </a:p>
+          <a:p>
+            <a:pPr marL="171450" indent="-171450">
+              <a:buFont typeface="Arial" panose="020B0604020202020204" pitchFamily="34" charset="0"/>
+              <a:buChar char="•"/>
+            </a:pPr>
+            <a:r>
+              <a:rPr lang="en-US" i="0" dirty="0">
+                <a:latin typeface="Segoe UI" panose="020B0502040204020203" pitchFamily="34" charset="0"/>
+                <a:cs typeface="Segoe UI" panose="020B0502040204020203" pitchFamily="34" charset="0"/>
+              </a:rPr>
+              <a:t>Is the information out-of-date?</a:t>
+            </a:r>
+          </a:p>
+          <a:p>
+            <a:pPr marL="171450" indent="-171450">
+              <a:buFont typeface="Arial" panose="020B0604020202020204" pitchFamily="34" charset="0"/>
+              <a:buChar char="•"/>
+            </a:pPr>
+            <a:endParaRPr lang="en-US" b="1" i="0" dirty="0">
+              <a:latin typeface="Segoe UI" panose="020B0502040204020203" pitchFamily="34" charset="0"/>
+              <a:cs typeface="Segoe UI" panose="020B0502040204020203" pitchFamily="34" charset="0"/>
+            </a:endParaRPr>
+          </a:p>
+          <a:p>
+            <a:pPr marL="0" indent="0">
+              <a:buFont typeface="Arial" panose="020B0604020202020204" pitchFamily="34" charset="0"/>
+              <a:buNone/>
+            </a:pPr>
+            <a:r>
+              <a:rPr lang="en-US" b="1" i="0" dirty="0">
+                <a:latin typeface="Segoe UI" panose="020B0502040204020203" pitchFamily="34" charset="0"/>
+                <a:cs typeface="Segoe UI" panose="020B0502040204020203" pitchFamily="34" charset="0"/>
+              </a:rPr>
+              <a:t>Accuracy: </a:t>
+            </a:r>
+          </a:p>
+          <a:p>
+            <a:pPr marL="171450" indent="-171450">
+              <a:buFont typeface="Arial" panose="020B0604020202020204" pitchFamily="34" charset="0"/>
+              <a:buChar char="•"/>
+            </a:pPr>
+            <a:r>
+              <a:rPr lang="en-US" i="0" dirty="0">
+                <a:latin typeface="Segoe UI" panose="020B0502040204020203" pitchFamily="34" charset="0"/>
+                <a:cs typeface="Segoe UI" panose="020B0502040204020203" pitchFamily="34" charset="0"/>
+              </a:rPr>
+              <a:t>Is the content accurate?</a:t>
+            </a:r>
+          </a:p>
+          <a:p>
+            <a:pPr marL="171450" indent="-171450">
+              <a:buFont typeface="Arial" panose="020B0604020202020204" pitchFamily="34" charset="0"/>
+              <a:buChar char="•"/>
+            </a:pPr>
+            <a:r>
+              <a:rPr lang="en-US" i="0" dirty="0">
+                <a:latin typeface="Segoe UI" panose="020B0502040204020203" pitchFamily="34" charset="0"/>
+                <a:cs typeface="Segoe UI" panose="020B0502040204020203" pitchFamily="34" charset="0"/>
+              </a:rPr>
+              <a:t>Is the information presented objectively?  Do they share the pros and cons?</a:t>
+            </a:r>
+          </a:p>
+        </p:txBody>
+      </p:sp>
+      <p:sp>
+        <p:nvSpPr>
+          <p:cNvPr id="4" name="Slide Number Placeholder 3"/>
+          <p:cNvSpPr>
+            <a:spLocks noGrp="1"/>
+          </p:cNvSpPr>
+          <p:nvPr>
+            <p:ph type="sldNum" sz="quarter" idx="10"/>
+          </p:nvPr>
+        </p:nvSpPr>
+        <p:spPr/>
+        <p:txBody>
+          <a:bodyPr/>
+          <a:lstStyle/>
+          <a:p>
+            <a:fld id="{BC849E9A-41F7-4779-A581-48A7C374A227}" type="slidenum">
+              <a:rPr lang="en-US" smtClean="0"/>
+              <a:t>22</a:t>
+            </a:fld>
+            <a:endParaRPr lang="en-US" dirty="0"/>
+          </a:p>
+        </p:txBody>
+      </p:sp>
+    </p:spTree>
+    <p:extLst>
+      <p:ext uri="{BB962C8B-B14F-4D97-AF65-F5344CB8AC3E}">
+        <p14:creationId xmlns:p14="http://schemas.microsoft.com/office/powerpoint/2010/main" val="3436635735"/>
+      </p:ext>
+    </p:extLst>
+  </p:cSld>
+  <p:clrMapOvr>
+    <a:masterClrMapping/>
+  </p:clrMapOvr>
+</p:notes>
+</file>
+
+<file path=ppt/notesSlides/notesSlide21.xml><?xml version="1.0" encoding="utf-8"?>
+<p:notes xmlns:a="http://schemas.openxmlformats.org/drawingml/2006/main" xmlns:r="http://schemas.openxmlformats.org/officeDocument/2006/relationships" xmlns:p="http://schemas.openxmlformats.org/presentationml/2006/main">
+  <p:cSld>
+    <p:spTree>
+      <p:nvGrpSpPr>
+        <p:cNvPr id="1" name=""/>
+        <p:cNvGrpSpPr/>
+        <p:nvPr/>
+      </p:nvGrpSpPr>
+      <p:grpSpPr>
+        <a:xfrm>
+          <a:off x="0" y="0"/>
+          <a:ext cx="0" cy="0"/>
+          <a:chOff x="0" y="0"/>
+          <a:chExt cx="0" cy="0"/>
+        </a:xfrm>
+      </p:grpSpPr>
+      <p:sp>
+        <p:nvSpPr>
+          <p:cNvPr id="2" name="Slide Image Placeholder 1"/>
+          <p:cNvSpPr>
+            <a:spLocks noGrp="1" noRot="1" noChangeAspect="1"/>
+          </p:cNvSpPr>
+          <p:nvPr>
+            <p:ph type="sldImg"/>
+          </p:nvPr>
+        </p:nvSpPr>
+        <p:spPr/>
+      </p:sp>
+      <p:sp>
+        <p:nvSpPr>
+          <p:cNvPr id="3" name="Notes Placeholder 2"/>
+          <p:cNvSpPr>
+            <a:spLocks noGrp="1"/>
+          </p:cNvSpPr>
+          <p:nvPr>
+            <p:ph type="body" idx="1"/>
+          </p:nvPr>
+        </p:nvSpPr>
+        <p:spPr/>
+        <p:txBody>
+          <a:bodyPr/>
+          <a:lstStyle/>
+          <a:p>
+            <a:r>
+              <a:rPr lang="en-US" i="0" dirty="0">
+                <a:latin typeface="Segoe UI" panose="020B0502040204020203" pitchFamily="34" charset="0"/>
+                <a:cs typeface="Segoe UI" panose="020B0502040204020203" pitchFamily="34" charset="0"/>
+              </a:rPr>
+              <a:t>Once you find your sources, you will want to evaluate your sources using the following questions: </a:t>
+            </a:r>
+          </a:p>
+          <a:p>
+            <a:endParaRPr lang="en-US" i="0" dirty="0">
+              <a:latin typeface="Segoe UI" panose="020B0502040204020203" pitchFamily="34" charset="0"/>
+              <a:cs typeface="Segoe UI" panose="020B0502040204020203" pitchFamily="34" charset="0"/>
+            </a:endParaRPr>
+          </a:p>
+          <a:p>
+            <a:r>
+              <a:rPr lang="en-US" b="1" i="0" dirty="0">
+                <a:latin typeface="Segoe UI" panose="020B0502040204020203" pitchFamily="34" charset="0"/>
+                <a:cs typeface="Segoe UI" panose="020B0502040204020203" pitchFamily="34" charset="0"/>
+              </a:rPr>
+              <a:t>Author: </a:t>
+            </a:r>
+          </a:p>
+          <a:p>
+            <a:pPr marL="171450" indent="-171450">
+              <a:buFont typeface="Arial" panose="020B0604020202020204" pitchFamily="34" charset="0"/>
+              <a:buChar char="•"/>
+            </a:pPr>
+            <a:r>
+              <a:rPr lang="en-US" i="0" dirty="0">
+                <a:latin typeface="Segoe UI" panose="020B0502040204020203" pitchFamily="34" charset="0"/>
+                <a:cs typeface="Segoe UI" panose="020B0502040204020203" pitchFamily="34" charset="0"/>
+              </a:rPr>
+              <a:t>Who is the author?</a:t>
+            </a:r>
+          </a:p>
+          <a:p>
+            <a:pPr marL="171450" indent="-171450">
+              <a:buFont typeface="Arial" panose="020B0604020202020204" pitchFamily="34" charset="0"/>
+              <a:buChar char="•"/>
+            </a:pPr>
+            <a:r>
+              <a:rPr lang="en-US" i="0" dirty="0">
+                <a:latin typeface="Segoe UI" panose="020B0502040204020203" pitchFamily="34" charset="0"/>
+                <a:cs typeface="Segoe UI" panose="020B0502040204020203" pitchFamily="34" charset="0"/>
+              </a:rPr>
+              <a:t>Why should I believe what he or she has to say on the topic?</a:t>
+            </a:r>
+          </a:p>
+          <a:p>
+            <a:pPr marL="171450" indent="-171450">
+              <a:buFont typeface="Arial" panose="020B0604020202020204" pitchFamily="34" charset="0"/>
+              <a:buChar char="•"/>
+            </a:pPr>
+            <a:r>
+              <a:rPr lang="en-US" i="0" dirty="0">
+                <a:latin typeface="Segoe UI" panose="020B0502040204020203" pitchFamily="34" charset="0"/>
+                <a:cs typeface="Segoe UI" panose="020B0502040204020203" pitchFamily="34" charset="0"/>
+              </a:rPr>
+              <a:t>Is the author seen as an expert on the topic? How do you know?</a:t>
+            </a:r>
+          </a:p>
+          <a:p>
+            <a:pPr marL="171450" indent="-171450">
+              <a:buFont typeface="Arial" panose="020B0604020202020204" pitchFamily="34" charset="0"/>
+              <a:buChar char="•"/>
+            </a:pPr>
+            <a:endParaRPr lang="en-US" i="0" dirty="0">
+              <a:latin typeface="Segoe UI" panose="020B0502040204020203" pitchFamily="34" charset="0"/>
+              <a:cs typeface="Segoe UI" panose="020B0502040204020203" pitchFamily="34" charset="0"/>
+            </a:endParaRPr>
+          </a:p>
+          <a:p>
+            <a:pPr marL="0" indent="0">
+              <a:buFont typeface="Arial" panose="020B0604020202020204" pitchFamily="34" charset="0"/>
+              <a:buNone/>
+            </a:pPr>
+            <a:r>
+              <a:rPr lang="en-US" b="1" i="0" dirty="0">
+                <a:latin typeface="Segoe UI" panose="020B0502040204020203" pitchFamily="34" charset="0"/>
+                <a:cs typeface="Segoe UI" panose="020B0502040204020203" pitchFamily="34" charset="0"/>
+              </a:rPr>
+              <a:t>Current: </a:t>
+            </a:r>
+          </a:p>
+          <a:p>
+            <a:pPr marL="171450" indent="-171450">
+              <a:buFont typeface="Arial" panose="020B0604020202020204" pitchFamily="34" charset="0"/>
+              <a:buChar char="•"/>
+            </a:pPr>
+            <a:r>
+              <a:rPr lang="en-US" i="0" dirty="0">
+                <a:latin typeface="Segoe UI" panose="020B0502040204020203" pitchFamily="34" charset="0"/>
+                <a:cs typeface="Segoe UI" panose="020B0502040204020203" pitchFamily="34" charset="0"/>
+              </a:rPr>
+              <a:t>How current is the information in the source?</a:t>
+            </a:r>
+          </a:p>
+          <a:p>
+            <a:pPr marL="171450" indent="-171450">
+              <a:buFont typeface="Arial" panose="020B0604020202020204" pitchFamily="34" charset="0"/>
+              <a:buChar char="•"/>
+            </a:pPr>
+            <a:r>
+              <a:rPr lang="en-US" i="0" dirty="0">
+                <a:latin typeface="Segoe UI" panose="020B0502040204020203" pitchFamily="34" charset="0"/>
+                <a:cs typeface="Segoe UI" panose="020B0502040204020203" pitchFamily="34" charset="0"/>
+              </a:rPr>
+              <a:t>When was the source published?</a:t>
+            </a:r>
+          </a:p>
+          <a:p>
+            <a:pPr marL="171450" indent="-171450">
+              <a:buFont typeface="Arial" panose="020B0604020202020204" pitchFamily="34" charset="0"/>
+              <a:buChar char="•"/>
+            </a:pPr>
+            <a:r>
+              <a:rPr lang="en-US" i="0" dirty="0">
+                <a:latin typeface="Segoe UI" panose="020B0502040204020203" pitchFamily="34" charset="0"/>
+                <a:cs typeface="Segoe UI" panose="020B0502040204020203" pitchFamily="34" charset="0"/>
+              </a:rPr>
+              <a:t>Is the information out-of-date?</a:t>
+            </a:r>
+          </a:p>
+          <a:p>
+            <a:pPr marL="171450" indent="-171450">
+              <a:buFont typeface="Arial" panose="020B0604020202020204" pitchFamily="34" charset="0"/>
+              <a:buChar char="•"/>
+            </a:pPr>
+            <a:endParaRPr lang="en-US" b="1" i="0" dirty="0">
+              <a:latin typeface="Segoe UI" panose="020B0502040204020203" pitchFamily="34" charset="0"/>
+              <a:cs typeface="Segoe UI" panose="020B0502040204020203" pitchFamily="34" charset="0"/>
+            </a:endParaRPr>
+          </a:p>
+          <a:p>
+            <a:pPr marL="0" indent="0">
+              <a:buFont typeface="Arial" panose="020B0604020202020204" pitchFamily="34" charset="0"/>
+              <a:buNone/>
+            </a:pPr>
+            <a:r>
+              <a:rPr lang="en-US" b="1" i="0" dirty="0">
+                <a:latin typeface="Segoe UI" panose="020B0502040204020203" pitchFamily="34" charset="0"/>
+                <a:cs typeface="Segoe UI" panose="020B0502040204020203" pitchFamily="34" charset="0"/>
+              </a:rPr>
+              <a:t>Accuracy: </a:t>
+            </a:r>
+          </a:p>
+          <a:p>
+            <a:pPr marL="171450" indent="-171450">
+              <a:buFont typeface="Arial" panose="020B0604020202020204" pitchFamily="34" charset="0"/>
+              <a:buChar char="•"/>
+            </a:pPr>
+            <a:r>
+              <a:rPr lang="en-US" i="0" dirty="0">
+                <a:latin typeface="Segoe UI" panose="020B0502040204020203" pitchFamily="34" charset="0"/>
+                <a:cs typeface="Segoe UI" panose="020B0502040204020203" pitchFamily="34" charset="0"/>
+              </a:rPr>
+              <a:t>Is the content accurate?</a:t>
+            </a:r>
+          </a:p>
+          <a:p>
+            <a:pPr marL="171450" indent="-171450">
+              <a:buFont typeface="Arial" panose="020B0604020202020204" pitchFamily="34" charset="0"/>
+              <a:buChar char="•"/>
+            </a:pPr>
+            <a:r>
+              <a:rPr lang="en-US" i="0" dirty="0">
+                <a:latin typeface="Segoe UI" panose="020B0502040204020203" pitchFamily="34" charset="0"/>
+                <a:cs typeface="Segoe UI" panose="020B0502040204020203" pitchFamily="34" charset="0"/>
+              </a:rPr>
+              <a:t>Is the information presented objectively?  Do they share the pros and cons?</a:t>
+            </a:r>
+          </a:p>
+        </p:txBody>
+      </p:sp>
+      <p:sp>
+        <p:nvSpPr>
+          <p:cNvPr id="4" name="Slide Number Placeholder 3"/>
+          <p:cNvSpPr>
+            <a:spLocks noGrp="1"/>
+          </p:cNvSpPr>
+          <p:nvPr>
+            <p:ph type="sldNum" sz="quarter" idx="10"/>
+          </p:nvPr>
+        </p:nvSpPr>
+        <p:spPr/>
+        <p:txBody>
+          <a:bodyPr/>
+          <a:lstStyle/>
+          <a:p>
+            <a:fld id="{BC849E9A-41F7-4779-A581-48A7C374A227}" type="slidenum">
+              <a:rPr lang="en-US" smtClean="0"/>
+              <a:t>23</a:t>
+            </a:fld>
+            <a:endParaRPr lang="en-US" dirty="0"/>
+          </a:p>
+        </p:txBody>
+      </p:sp>
+    </p:spTree>
+    <p:extLst>
+      <p:ext uri="{BB962C8B-B14F-4D97-AF65-F5344CB8AC3E}">
+        <p14:creationId xmlns:p14="http://schemas.microsoft.com/office/powerpoint/2010/main" val="2219405240"/>
       </p:ext>
     </p:extLst>
   </p:cSld>
@@ -14336,7 +15104,7 @@
                 <a:ea typeface="+mj-ea"/>
                 <a:cs typeface="+mj-cs"/>
               </a:rPr>
-              <a:t>Mock-ups</a:t>
+              <a:t>Mock-ups - Login</a:t>
             </a:r>
           </a:p>
         </p:txBody>
@@ -14411,6 +15179,42 @@
           </a:p>
         </p:txBody>
       </p:sp>
+      <p:pic>
+        <p:nvPicPr>
+          <p:cNvPr id="12" name="Picture 11">
+            <a:extLst>
+              <a:ext uri="{FF2B5EF4-FFF2-40B4-BE49-F238E27FC236}">
+                <a16:creationId xmlns:a16="http://schemas.microsoft.com/office/drawing/2014/main" id="{34F1C5B6-C25D-4FDC-A8BB-7003DA9DBA57}"/>
+              </a:ext>
+            </a:extLst>
+          </p:cNvPr>
+          <p:cNvPicPr>
+            <a:picLocks noChangeAspect="1"/>
+          </p:cNvPicPr>
+          <p:nvPr/>
+        </p:nvPicPr>
+        <p:blipFill>
+          <a:blip r:embed="rId3">
+            <a:extLst>
+              <a:ext uri="{28A0092B-C50C-407E-A947-70E740481C1C}">
+                <a14:useLocalDpi xmlns:a14="http://schemas.microsoft.com/office/drawing/2010/main" val="0"/>
+              </a:ext>
+            </a:extLst>
+          </a:blip>
+          <a:stretch>
+            <a:fillRect/>
+          </a:stretch>
+        </p:blipFill>
+        <p:spPr>
+          <a:xfrm>
+            <a:off x="1903615" y="1929448"/>
+            <a:ext cx="8494986" cy="4733000"/>
+          </a:xfrm>
+          <a:prstGeom prst="rect">
+            <a:avLst/>
+          </a:prstGeom>
+        </p:spPr>
+      </p:pic>
     </p:spTree>
     <p:extLst>
       <p:ext uri="{BB962C8B-B14F-4D97-AF65-F5344CB8AC3E}">
@@ -14843,6 +15647,333 @@
 </file>
 
 <file path=ppt/slides/slide20.xml><?xml version="1.0" encoding="utf-8"?>
+<p:sld xmlns:a="http://schemas.openxmlformats.org/drawingml/2006/main" xmlns:r="http://schemas.openxmlformats.org/officeDocument/2006/relationships" xmlns:p="http://schemas.openxmlformats.org/presentationml/2006/main">
+  <p:cSld>
+    <p:spTree>
+      <p:nvGrpSpPr>
+        <p:cNvPr id="1" name=""/>
+        <p:cNvGrpSpPr/>
+        <p:nvPr/>
+      </p:nvGrpSpPr>
+      <p:grpSpPr>
+        <a:xfrm>
+          <a:off x="0" y="0"/>
+          <a:ext cx="0" cy="0"/>
+          <a:chOff x="0" y="0"/>
+          <a:chExt cx="0" cy="0"/>
+        </a:xfrm>
+      </p:grpSpPr>
+      <p:sp>
+        <p:nvSpPr>
+          <p:cNvPr id="2" name="Title 1">
+            <a:extLst>
+              <a:ext uri="{FF2B5EF4-FFF2-40B4-BE49-F238E27FC236}">
+                <a16:creationId xmlns:a16="http://schemas.microsoft.com/office/drawing/2014/main" id="{0FDE5079-B185-4DE0-AF2C-AE4B7709FBC3}"/>
+              </a:ext>
+            </a:extLst>
+          </p:cNvPr>
+          <p:cNvSpPr>
+            <a:spLocks noGrp="1"/>
+          </p:cNvSpPr>
+          <p:nvPr>
+            <p:ph type="title"/>
+          </p:nvPr>
+        </p:nvSpPr>
+        <p:spPr>
+          <a:xfrm>
+            <a:off x="2103121" y="310343"/>
+            <a:ext cx="7985759" cy="868823"/>
+          </a:xfrm>
+        </p:spPr>
+        <p:txBody>
+          <a:bodyPr vert="horz" lIns="91440" tIns="45720" rIns="91440" bIns="45720" rtlCol="0" anchor="ctr">
+            <a:normAutofit/>
+          </a:bodyPr>
+          <a:lstStyle/>
+          <a:p>
+            <a:pPr algn="ctr"/>
+            <a:r>
+              <a:rPr lang="en-US" sz="4000" kern="1200" dirty="0">
+                <a:solidFill>
+                  <a:schemeClr val="tx1"/>
+                </a:solidFill>
+                <a:latin typeface="+mj-lt"/>
+                <a:ea typeface="+mj-ea"/>
+                <a:cs typeface="+mj-cs"/>
+              </a:rPr>
+              <a:t>Mock-ups – Student Home Page</a:t>
+            </a:r>
+          </a:p>
+        </p:txBody>
+      </p:sp>
+      <p:pic>
+        <p:nvPicPr>
+          <p:cNvPr id="4" name="Picture 3" descr="A screenshot of a social media post&#10;&#10;Description automatically generated">
+            <a:extLst>
+              <a:ext uri="{FF2B5EF4-FFF2-40B4-BE49-F238E27FC236}">
+                <a16:creationId xmlns:a16="http://schemas.microsoft.com/office/drawing/2014/main" id="{EE39048C-7EB9-4942-97C3-379BB2495945}"/>
+              </a:ext>
+            </a:extLst>
+          </p:cNvPr>
+          <p:cNvPicPr>
+            <a:picLocks noChangeAspect="1"/>
+          </p:cNvPicPr>
+          <p:nvPr/>
+        </p:nvPicPr>
+        <p:blipFill>
+          <a:blip r:embed="rId3">
+            <a:extLst>
+              <a:ext uri="{28A0092B-C50C-407E-A947-70E740481C1C}">
+                <a14:useLocalDpi xmlns:a14="http://schemas.microsoft.com/office/drawing/2010/main" val="0"/>
+              </a:ext>
+            </a:extLst>
+          </a:blip>
+          <a:stretch>
+            <a:fillRect/>
+          </a:stretch>
+        </p:blipFill>
+        <p:spPr>
+          <a:xfrm>
+            <a:off x="1513840" y="1870286"/>
+            <a:ext cx="8747760" cy="4873833"/>
+          </a:xfrm>
+          <a:prstGeom prst="rect">
+            <a:avLst/>
+          </a:prstGeom>
+        </p:spPr>
+      </p:pic>
+    </p:spTree>
+    <p:extLst>
+      <p:ext uri="{BB962C8B-B14F-4D97-AF65-F5344CB8AC3E}">
+        <p14:creationId xmlns:p14="http://schemas.microsoft.com/office/powerpoint/2010/main" val="3741090074"/>
+      </p:ext>
+    </p:extLst>
+  </p:cSld>
+  <p:clrMapOvr>
+    <a:masterClrMapping/>
+  </p:clrMapOvr>
+</p:sld>
+</file>
+
+<file path=ppt/slides/slide21.xml><?xml version="1.0" encoding="utf-8"?>
+<p:sld xmlns:a="http://schemas.openxmlformats.org/drawingml/2006/main" xmlns:r="http://schemas.openxmlformats.org/officeDocument/2006/relationships" xmlns:p="http://schemas.openxmlformats.org/presentationml/2006/main">
+  <p:cSld>
+    <p:spTree>
+      <p:nvGrpSpPr>
+        <p:cNvPr id="1" name=""/>
+        <p:cNvGrpSpPr/>
+        <p:nvPr/>
+      </p:nvGrpSpPr>
+      <p:grpSpPr>
+        <a:xfrm>
+          <a:off x="0" y="0"/>
+          <a:ext cx="0" cy="0"/>
+          <a:chOff x="0" y="0"/>
+          <a:chExt cx="0" cy="0"/>
+        </a:xfrm>
+      </p:grpSpPr>
+      <p:sp>
+        <p:nvSpPr>
+          <p:cNvPr id="2" name="Title 1">
+            <a:extLst>
+              <a:ext uri="{FF2B5EF4-FFF2-40B4-BE49-F238E27FC236}">
+                <a16:creationId xmlns:a16="http://schemas.microsoft.com/office/drawing/2014/main" id="{0FDE5079-B185-4DE0-AF2C-AE4B7709FBC3}"/>
+              </a:ext>
+            </a:extLst>
+          </p:cNvPr>
+          <p:cNvSpPr>
+            <a:spLocks noGrp="1"/>
+          </p:cNvSpPr>
+          <p:nvPr>
+            <p:ph type="title"/>
+          </p:nvPr>
+        </p:nvSpPr>
+        <p:spPr>
+          <a:xfrm>
+            <a:off x="2103121" y="310343"/>
+            <a:ext cx="7985759" cy="868823"/>
+          </a:xfrm>
+        </p:spPr>
+        <p:txBody>
+          <a:bodyPr vert="horz" lIns="91440" tIns="45720" rIns="91440" bIns="45720" rtlCol="0" anchor="ctr">
+            <a:normAutofit/>
+          </a:bodyPr>
+          <a:lstStyle/>
+          <a:p>
+            <a:pPr algn="ctr"/>
+            <a:r>
+              <a:rPr lang="en-US" sz="4000" kern="1200" dirty="0">
+                <a:solidFill>
+                  <a:schemeClr val="tx1"/>
+                </a:solidFill>
+                <a:latin typeface="+mj-lt"/>
+                <a:ea typeface="+mj-ea"/>
+                <a:cs typeface="+mj-cs"/>
+              </a:rPr>
+              <a:t>Mock-ups – Professor Home Page</a:t>
+            </a:r>
+          </a:p>
+        </p:txBody>
+      </p:sp>
+      <p:pic>
+        <p:nvPicPr>
+          <p:cNvPr id="5" name="Picture 4" descr="A screenshot of a social media post&#10;&#10;Description automatically generated">
+            <a:extLst>
+              <a:ext uri="{FF2B5EF4-FFF2-40B4-BE49-F238E27FC236}">
+                <a16:creationId xmlns:a16="http://schemas.microsoft.com/office/drawing/2014/main" id="{322B3898-94FE-40AD-819D-2675287ED134}"/>
+              </a:ext>
+            </a:extLst>
+          </p:cNvPr>
+          <p:cNvPicPr>
+            <a:picLocks noChangeAspect="1"/>
+          </p:cNvPicPr>
+          <p:nvPr/>
+        </p:nvPicPr>
+        <p:blipFill>
+          <a:blip r:embed="rId3">
+            <a:extLst>
+              <a:ext uri="{28A0092B-C50C-407E-A947-70E740481C1C}">
+                <a14:useLocalDpi xmlns:a14="http://schemas.microsoft.com/office/drawing/2010/main" val="0"/>
+              </a:ext>
+            </a:extLst>
+          </a:blip>
+          <a:stretch>
+            <a:fillRect/>
+          </a:stretch>
+        </p:blipFill>
+        <p:spPr>
+          <a:xfrm>
+            <a:off x="1849120" y="1696466"/>
+            <a:ext cx="8707120" cy="4851191"/>
+          </a:xfrm>
+          <a:prstGeom prst="rect">
+            <a:avLst/>
+          </a:prstGeom>
+        </p:spPr>
+      </p:pic>
+    </p:spTree>
+    <p:extLst>
+      <p:ext uri="{BB962C8B-B14F-4D97-AF65-F5344CB8AC3E}">
+        <p14:creationId xmlns:p14="http://schemas.microsoft.com/office/powerpoint/2010/main" val="2061644669"/>
+      </p:ext>
+    </p:extLst>
+  </p:cSld>
+  <p:clrMapOvr>
+    <a:masterClrMapping/>
+  </p:clrMapOvr>
+</p:sld>
+</file>
+
+<file path=ppt/slides/slide22.xml><?xml version="1.0" encoding="utf-8"?>
+<p:sld xmlns:a="http://schemas.openxmlformats.org/drawingml/2006/main" xmlns:r="http://schemas.openxmlformats.org/officeDocument/2006/relationships" xmlns:p="http://schemas.openxmlformats.org/presentationml/2006/main">
+  <p:cSld>
+    <p:spTree>
+      <p:nvGrpSpPr>
+        <p:cNvPr id="1" name=""/>
+        <p:cNvGrpSpPr/>
+        <p:nvPr/>
+      </p:nvGrpSpPr>
+      <p:grpSpPr>
+        <a:xfrm>
+          <a:off x="0" y="0"/>
+          <a:ext cx="0" cy="0"/>
+          <a:chOff x="0" y="0"/>
+          <a:chExt cx="0" cy="0"/>
+        </a:xfrm>
+      </p:grpSpPr>
+      <p:sp>
+        <p:nvSpPr>
+          <p:cNvPr id="2" name="Title 1">
+            <a:extLst>
+              <a:ext uri="{FF2B5EF4-FFF2-40B4-BE49-F238E27FC236}">
+                <a16:creationId xmlns:a16="http://schemas.microsoft.com/office/drawing/2014/main" id="{0FDE5079-B185-4DE0-AF2C-AE4B7709FBC3}"/>
+              </a:ext>
+            </a:extLst>
+          </p:cNvPr>
+          <p:cNvSpPr>
+            <a:spLocks noGrp="1"/>
+          </p:cNvSpPr>
+          <p:nvPr>
+            <p:ph type="title"/>
+          </p:nvPr>
+        </p:nvSpPr>
+        <p:spPr>
+          <a:xfrm>
+            <a:off x="2103121" y="310343"/>
+            <a:ext cx="7985759" cy="868823"/>
+          </a:xfrm>
+        </p:spPr>
+        <p:txBody>
+          <a:bodyPr vert="horz" lIns="91440" tIns="45720" rIns="91440" bIns="45720" rtlCol="0" anchor="ctr">
+            <a:normAutofit/>
+          </a:bodyPr>
+          <a:lstStyle/>
+          <a:p>
+            <a:pPr algn="ctr"/>
+            <a:r>
+              <a:rPr lang="en-US" sz="4000" kern="1200" dirty="0">
+                <a:solidFill>
+                  <a:schemeClr val="tx1"/>
+                </a:solidFill>
+                <a:latin typeface="+mj-lt"/>
+                <a:ea typeface="+mj-ea"/>
+                <a:cs typeface="+mj-cs"/>
+              </a:rPr>
+              <a:t>Mock-ups – Local Business</a:t>
+            </a:r>
+          </a:p>
+        </p:txBody>
+      </p:sp>
+      <p:pic>
+        <p:nvPicPr>
+          <p:cNvPr id="4" name="Picture 3" descr="A screenshot of a social media post&#10;&#10;Description automatically generated">
+            <a:extLst>
+              <a:ext uri="{FF2B5EF4-FFF2-40B4-BE49-F238E27FC236}">
+                <a16:creationId xmlns:a16="http://schemas.microsoft.com/office/drawing/2014/main" id="{E6D12455-80AB-4983-9929-6A73B2A8D508}"/>
+              </a:ext>
+            </a:extLst>
+          </p:cNvPr>
+          <p:cNvPicPr>
+            <a:picLocks noChangeAspect="1"/>
+          </p:cNvPicPr>
+          <p:nvPr/>
+        </p:nvPicPr>
+        <p:blipFill>
+          <a:blip r:embed="rId3">
+            <a:extLst>
+              <a:ext uri="{28A0092B-C50C-407E-A947-70E740481C1C}">
+                <a14:useLocalDpi xmlns:a14="http://schemas.microsoft.com/office/drawing/2010/main" val="0"/>
+              </a:ext>
+            </a:extLst>
+          </a:blip>
+          <a:stretch>
+            <a:fillRect/>
+          </a:stretch>
+        </p:blipFill>
+        <p:spPr>
+          <a:xfrm>
+            <a:off x="1859280" y="1904395"/>
+            <a:ext cx="8595360" cy="4788923"/>
+          </a:xfrm>
+          <a:prstGeom prst="rect">
+            <a:avLst/>
+          </a:prstGeom>
+        </p:spPr>
+      </p:pic>
+    </p:spTree>
+    <p:extLst>
+      <p:ext uri="{BB962C8B-B14F-4D97-AF65-F5344CB8AC3E}">
+        <p14:creationId xmlns:p14="http://schemas.microsoft.com/office/powerpoint/2010/main" val="919586409"/>
+      </p:ext>
+    </p:extLst>
+  </p:cSld>
+  <p:clrMapOvr>
+    <a:masterClrMapping/>
+  </p:clrMapOvr>
+</p:sld>
+</file>
+
+<file path=ppt/slides/slide23.xml><?xml version="1.0" encoding="utf-8"?>
 <p:sld xmlns:a="http://schemas.openxmlformats.org/drawingml/2006/main" xmlns:r="http://schemas.openxmlformats.org/officeDocument/2006/relationships" xmlns:p="http://schemas.openxmlformats.org/presentationml/2006/main">
   <p:cSld>
     <p:bg>
@@ -19781,20 +20912,20 @@
 </file>
 
 <file path=customXml/item1.xml><?xml version="1.0" encoding="utf-8"?>
+<p:properties xmlns:p="http://schemas.microsoft.com/office/2006/metadata/properties" xmlns:xsi="http://www.w3.org/2001/XMLSchema-instance" xmlns:pc="http://schemas.microsoft.com/office/infopath/2007/PartnerControls">
+  <documentManagement>
+    <MediaServiceKeyPoints xmlns="71af3243-3dd4-4a8d-8c0d-dd76da1f02a5" xsi:nil="true"/>
+  </documentManagement>
+</p:properties>
+</file>
+
+<file path=customXml/item2.xml><?xml version="1.0" encoding="utf-8"?>
 <?mso-contentType ?>
 <FormTemplates xmlns="http://schemas.microsoft.com/sharepoint/v3/contenttype/forms">
   <Display>DocumentLibraryForm</Display>
   <Edit>DocumentLibraryForm</Edit>
   <New>DocumentLibraryForm</New>
 </FormTemplates>
-</file>
-
-<file path=customXml/item2.xml><?xml version="1.0" encoding="utf-8"?>
-<p:properties xmlns:p="http://schemas.microsoft.com/office/2006/metadata/properties" xmlns:xsi="http://www.w3.org/2001/XMLSchema-instance" xmlns:pc="http://schemas.microsoft.com/office/infopath/2007/PartnerControls">
-  <documentManagement>
-    <MediaServiceKeyPoints xmlns="71af3243-3dd4-4a8d-8c0d-dd76da1f02a5" xsi:nil="true"/>
-  </documentManagement>
-</p:properties>
 </file>
 
 <file path=customXml/item3.xml><?xml version="1.0" encoding="utf-8"?>
@@ -20009,14 +21140,6 @@
 </file>
 
 <file path=customXml/itemProps1.xml><?xml version="1.0" encoding="utf-8"?>
-<ds:datastoreItem xmlns:ds="http://schemas.openxmlformats.org/officeDocument/2006/customXml" ds:itemID="{5CA875DA-F9FD-4F83-A049-3B1027B542DE}">
-  <ds:schemaRefs>
-    <ds:schemaRef ds:uri="http://schemas.microsoft.com/sharepoint/v3/contenttype/forms"/>
-  </ds:schemaRefs>
-</ds:datastoreItem>
-</file>
-
-<file path=customXml/itemProps2.xml><?xml version="1.0" encoding="utf-8"?>
 <ds:datastoreItem xmlns:ds="http://schemas.openxmlformats.org/officeDocument/2006/customXml" ds:itemID="{03C7D9E6-B0D9-433E-BD46-EB60F64F4DA8}">
   <ds:schemaRefs>
     <ds:schemaRef ds:uri="http://purl.org/dc/elements/1.1/"/>
@@ -20029,6 +21152,14 @@
     <ds:schemaRef ds:uri="71af3243-3dd4-4a8d-8c0d-dd76da1f02a5"/>
     <ds:schemaRef ds:uri="http://www.w3.org/XML/1998/namespace"/>
     <ds:schemaRef ds:uri="http://purl.org/dc/dcmitype/"/>
+  </ds:schemaRefs>
+</ds:datastoreItem>
+</file>
+
+<file path=customXml/itemProps2.xml><?xml version="1.0" encoding="utf-8"?>
+<ds:datastoreItem xmlns:ds="http://schemas.openxmlformats.org/officeDocument/2006/customXml" ds:itemID="{5CA875DA-F9FD-4F83-A049-3B1027B542DE}">
+  <ds:schemaRefs>
+    <ds:schemaRef ds:uri="http://schemas.microsoft.com/sharepoint/v3/contenttype/forms"/>
   </ds:schemaRefs>
 </ds:datastoreItem>
 </file>

--- a/documentation/Demonstrations/Connacht_University_TeamDC.pptx
+++ b/documentation/Demonstrations/Connacht_University_TeamDC.pptx
@@ -5,10 +5,10 @@
     <p:sldMasterId id="2147483648" r:id="rId4"/>
   </p:sldMasterIdLst>
   <p:notesMasterIdLst>
-    <p:notesMasterId r:id="rId28"/>
+    <p:notesMasterId r:id="rId27"/>
   </p:notesMasterIdLst>
   <p:handoutMasterIdLst>
-    <p:handoutMasterId r:id="rId29"/>
+    <p:handoutMasterId r:id="rId28"/>
   </p:handoutMasterIdLst>
   <p:sldIdLst>
     <p:sldId id="256" r:id="rId5"/>
@@ -26,14 +26,13 @@
     <p:sldId id="280" r:id="rId17"/>
     <p:sldId id="281" r:id="rId18"/>
     <p:sldId id="274" r:id="rId19"/>
-    <p:sldId id="276" r:id="rId20"/>
-    <p:sldId id="264" r:id="rId21"/>
-    <p:sldId id="284" r:id="rId22"/>
+    <p:sldId id="264" r:id="rId20"/>
+    <p:sldId id="284" r:id="rId21"/>
+    <p:sldId id="285" r:id="rId22"/>
     <p:sldId id="275" r:id="rId23"/>
     <p:sldId id="286" r:id="rId24"/>
     <p:sldId id="287" r:id="rId25"/>
     <p:sldId id="288" r:id="rId26"/>
-    <p:sldId id="285" r:id="rId27"/>
   </p:sldIdLst>
   <p:sldSz cx="12192000" cy="6858000"/>
   <p:notesSz cx="6858000" cy="9144000"/>
@@ -2150,7 +2149,7 @@
           <a:p>
             <a:fld id="{BC849E9A-41F7-4779-A581-48A7C374A227}" type="slidenum">
               <a:rPr lang="en-US" smtClean="0"/>
-              <a:t>17</a:t>
+              <a:t>16</a:t>
             </a:fld>
             <a:endParaRPr lang="en-US" dirty="0"/>
           </a:p>
@@ -2289,7 +2288,7 @@
           <a:p>
             <a:fld id="{BC849E9A-41F7-4779-A581-48A7C374A227}" type="slidenum">
               <a:rPr lang="en-US" smtClean="0"/>
-              <a:t>18</a:t>
+              <a:t>17</a:t>
             </a:fld>
             <a:endParaRPr lang="en-US" dirty="0"/>
           </a:p>
@@ -2544,7 +2543,7 @@
           <a:p>
             <a:fld id="{BC849E9A-41F7-4779-A581-48A7C374A227}" type="slidenum">
               <a:rPr lang="en-US" smtClean="0"/>
-              <a:t>19</a:t>
+              <a:t>18</a:t>
             </a:fld>
             <a:endParaRPr lang="en-US" dirty="0"/>
           </a:p>
@@ -2553,7 +2552,7 @@
     </p:spTree>
     <p:extLst>
       <p:ext uri="{BB962C8B-B14F-4D97-AF65-F5344CB8AC3E}">
-        <p14:creationId xmlns:p14="http://schemas.microsoft.com/office/powerpoint/2010/main" val="2026532120"/>
+        <p14:creationId xmlns:p14="http://schemas.microsoft.com/office/powerpoint/2010/main" val="2219405240"/>
       </p:ext>
     </p:extLst>
   </p:cSld>
@@ -2799,7 +2798,7 @@
           <a:p>
             <a:fld id="{BC849E9A-41F7-4779-A581-48A7C374A227}" type="slidenum">
               <a:rPr lang="en-US" smtClean="0"/>
-              <a:t>20</a:t>
+              <a:t>19</a:t>
             </a:fld>
             <a:endParaRPr lang="en-US" dirty="0"/>
           </a:p>
@@ -2808,7 +2807,7 @@
     </p:spTree>
     <p:extLst>
       <p:ext uri="{BB962C8B-B14F-4D97-AF65-F5344CB8AC3E}">
-        <p14:creationId xmlns:p14="http://schemas.microsoft.com/office/powerpoint/2010/main" val="1660937143"/>
+        <p14:creationId xmlns:p14="http://schemas.microsoft.com/office/powerpoint/2010/main" val="2026532120"/>
       </p:ext>
     </p:extLst>
   </p:cSld>
@@ -3054,7 +3053,7 @@
           <a:p>
             <a:fld id="{BC849E9A-41F7-4779-A581-48A7C374A227}" type="slidenum">
               <a:rPr lang="en-US" smtClean="0"/>
-              <a:t>21</a:t>
+              <a:t>20</a:t>
             </a:fld>
             <a:endParaRPr lang="en-US" dirty="0"/>
           </a:p>
@@ -3063,7 +3062,7 @@
     </p:spTree>
     <p:extLst>
       <p:ext uri="{BB962C8B-B14F-4D97-AF65-F5344CB8AC3E}">
-        <p14:creationId xmlns:p14="http://schemas.microsoft.com/office/powerpoint/2010/main" val="3611530504"/>
+        <p14:creationId xmlns:p14="http://schemas.microsoft.com/office/powerpoint/2010/main" val="624396034"/>
       </p:ext>
     </p:extLst>
   </p:cSld>
@@ -3448,7 +3447,7 @@
           <a:p>
             <a:fld id="{BC849E9A-41F7-4779-A581-48A7C374A227}" type="slidenum">
               <a:rPr lang="en-US" smtClean="0"/>
-              <a:t>22</a:t>
+              <a:t>21</a:t>
             </a:fld>
             <a:endParaRPr lang="en-US" dirty="0"/>
           </a:p>
@@ -3457,7 +3456,7 @@
     </p:spTree>
     <p:extLst>
       <p:ext uri="{BB962C8B-B14F-4D97-AF65-F5344CB8AC3E}">
-        <p14:creationId xmlns:p14="http://schemas.microsoft.com/office/powerpoint/2010/main" val="3436635735"/>
+        <p14:creationId xmlns:p14="http://schemas.microsoft.com/office/powerpoint/2010/main" val="3884459021"/>
       </p:ext>
     </p:extLst>
   </p:cSld>
@@ -3703,7 +3702,7 @@
           <a:p>
             <a:fld id="{BC849E9A-41F7-4779-A581-48A7C374A227}" type="slidenum">
               <a:rPr lang="en-US" smtClean="0"/>
-              <a:t>23</a:t>
+              <a:t>22</a:t>
             </a:fld>
             <a:endParaRPr lang="en-US" dirty="0"/>
           </a:p>
@@ -3712,7 +3711,7 @@
     </p:spTree>
     <p:extLst>
       <p:ext uri="{BB962C8B-B14F-4D97-AF65-F5344CB8AC3E}">
-        <p14:creationId xmlns:p14="http://schemas.microsoft.com/office/powerpoint/2010/main" val="2219405240"/>
+        <p14:creationId xmlns:p14="http://schemas.microsoft.com/office/powerpoint/2010/main" val="1256379980"/>
       </p:ext>
     </p:extLst>
   </p:cSld>
@@ -13595,6 +13594,582 @@
           </a:p>
         </p:txBody>
       </p:sp>
+      <p:sp useBgFill="1">
+        <p:nvSpPr>
+          <p:cNvPr id="7" name="Rectangle 6">
+            <a:extLst>
+              <a:ext uri="{FF2B5EF4-FFF2-40B4-BE49-F238E27FC236}">
+                <a16:creationId xmlns:a16="http://schemas.microsoft.com/office/drawing/2014/main" id="{3416646B-87F9-4F83-A198-CB299881B219}"/>
+              </a:ext>
+              <a:ext uri="{C183D7F6-B498-43B3-948B-1728B52AA6E4}">
+                <adec:decorative xmlns:adec="http://schemas.microsoft.com/office/drawing/2017/decorative" val="1"/>
+              </a:ext>
+            </a:extLst>
+          </p:cNvPr>
+          <p:cNvSpPr>
+            <a:spLocks noGrp="1" noRot="1" noChangeAspect="1" noMove="1" noResize="1" noEditPoints="1" noAdjustHandles="1" noChangeArrowheads="1" noChangeShapeType="1" noTextEdit="1"/>
+          </p:cNvSpPr>
+          <p:nvPr>
+            <p:extLst>
+              <p:ext uri="{386F3935-93C4-4BCD-93E2-E3B085C9AB24}">
+                <p16:designElem xmlns:p16="http://schemas.microsoft.com/office/powerpoint/2015/main" val="1"/>
+              </p:ext>
+            </p:extLst>
+          </p:nvPr>
+        </p:nvSpPr>
+        <p:spPr>
+          <a:xfrm>
+            <a:off x="0" y="0"/>
+            <a:ext cx="12192000" cy="6858000"/>
+          </a:xfrm>
+          <a:prstGeom prst="rect">
+            <a:avLst/>
+          </a:prstGeom>
+          <a:ln>
+            <a:noFill/>
+          </a:ln>
+        </p:spPr>
+        <p:style>
+          <a:lnRef idx="2">
+            <a:schemeClr val="accent1">
+              <a:shade val="50000"/>
+            </a:schemeClr>
+          </a:lnRef>
+          <a:fillRef idx="1">
+            <a:schemeClr val="accent1"/>
+          </a:fillRef>
+          <a:effectRef idx="0">
+            <a:schemeClr val="accent1"/>
+          </a:effectRef>
+          <a:fontRef idx="minor">
+            <a:schemeClr val="lt1"/>
+          </a:fontRef>
+        </p:style>
+        <p:txBody>
+          <a:bodyPr rtlCol="0" anchor="ctr"/>
+          <a:lstStyle/>
+          <a:p>
+            <a:pPr algn="ctr"/>
+            <a:endParaRPr lang="en-US" dirty="0"/>
+          </a:p>
+        </p:txBody>
+      </p:sp>
+      <p:sp useBgFill="1">
+        <p:nvSpPr>
+          <p:cNvPr id="8" name="Rectangle 7">
+            <a:extLst>
+              <a:ext uri="{FF2B5EF4-FFF2-40B4-BE49-F238E27FC236}">
+                <a16:creationId xmlns:a16="http://schemas.microsoft.com/office/drawing/2014/main" id="{20E1CCD2-3E9B-40B7-B878-661B370706A8}"/>
+              </a:ext>
+              <a:ext uri="{C183D7F6-B498-43B3-948B-1728B52AA6E4}">
+                <adec:decorative xmlns:adec="http://schemas.microsoft.com/office/drawing/2017/decorative" val="1"/>
+              </a:ext>
+            </a:extLst>
+          </p:cNvPr>
+          <p:cNvSpPr>
+            <a:spLocks noGrp="1" noRot="1" noChangeAspect="1" noMove="1" noResize="1" noEditPoints="1" noAdjustHandles="1" noChangeArrowheads="1" noChangeShapeType="1" noTextEdit="1"/>
+          </p:cNvSpPr>
+          <p:nvPr>
+            <p:extLst>
+              <p:ext uri="{386F3935-93C4-4BCD-93E2-E3B085C9AB24}">
+                <p16:designElem xmlns:p16="http://schemas.microsoft.com/office/powerpoint/2015/main" val="1"/>
+              </p:ext>
+            </p:extLst>
+          </p:nvPr>
+        </p:nvSpPr>
+        <p:spPr>
+          <a:xfrm>
+            <a:off x="1903615" y="221673"/>
+            <a:ext cx="8384770" cy="1332634"/>
+          </a:xfrm>
+          <a:prstGeom prst="rect">
+            <a:avLst/>
+          </a:prstGeom>
+          <a:ln w="12700">
+            <a:solidFill>
+              <a:srgbClr val="E1E1E1"/>
+            </a:solidFill>
+          </a:ln>
+          <a:effectLst>
+            <a:outerShdw blurRad="50800" dist="38100" dir="2700000" algn="tl" rotWithShape="0">
+              <a:schemeClr val="bg2">
+                <a:lumMod val="85000"/>
+                <a:alpha val="50000"/>
+              </a:schemeClr>
+            </a:outerShdw>
+          </a:effectLst>
+        </p:spPr>
+        <p:style>
+          <a:lnRef idx="2">
+            <a:schemeClr val="accent1">
+              <a:shade val="50000"/>
+            </a:schemeClr>
+          </a:lnRef>
+          <a:fillRef idx="1">
+            <a:schemeClr val="accent1"/>
+          </a:fillRef>
+          <a:effectRef idx="0">
+            <a:schemeClr val="accent1"/>
+          </a:effectRef>
+          <a:fontRef idx="minor">
+            <a:schemeClr val="lt1"/>
+          </a:fontRef>
+        </p:style>
+        <p:txBody>
+          <a:bodyPr rtlCol="0" anchor="ctr"/>
+          <a:lstStyle/>
+          <a:p>
+            <a:pPr marL="0" marR="0" lvl="0" indent="0" algn="ctr" defTabSz="914400" rtl="0" eaLnBrk="1" fontAlgn="auto" latinLnBrk="0" hangingPunct="1">
+              <a:lnSpc>
+                <a:spcPct val="100000"/>
+              </a:lnSpc>
+              <a:spcBef>
+                <a:spcPts val="0"/>
+              </a:spcBef>
+              <a:spcAft>
+                <a:spcPts val="0"/>
+              </a:spcAft>
+              <a:buClrTx/>
+              <a:buSzTx/>
+              <a:buFontTx/>
+              <a:buNone/>
+              <a:tabLst/>
+              <a:defRPr/>
+            </a:pPr>
+            <a:endParaRPr kumimoji="0" lang="en-US" sz="1800" b="0" i="0" u="none" strike="noStrike" kern="1200" cap="none" spc="0" normalizeH="0" baseline="0" noProof="0" dirty="0">
+              <a:ln>
+                <a:noFill/>
+              </a:ln>
+              <a:solidFill>
+                <a:prstClr val="white"/>
+              </a:solidFill>
+              <a:effectLst/>
+              <a:uLnTx/>
+              <a:uFillTx/>
+              <a:latin typeface="Calibri" panose="020F0502020204030204"/>
+              <a:ea typeface="+mn-ea"/>
+              <a:cs typeface="+mn-cs"/>
+            </a:endParaRPr>
+          </a:p>
+        </p:txBody>
+      </p:sp>
+      <p:sp>
+        <p:nvSpPr>
+          <p:cNvPr id="9" name="Title 1">
+            <a:extLst>
+              <a:ext uri="{FF2B5EF4-FFF2-40B4-BE49-F238E27FC236}">
+                <a16:creationId xmlns:a16="http://schemas.microsoft.com/office/drawing/2014/main" id="{B166DA31-1E5A-4900-A42A-25A28F10EA54}"/>
+              </a:ext>
+            </a:extLst>
+          </p:cNvPr>
+          <p:cNvSpPr txBox="1">
+            <a:spLocks/>
+          </p:cNvSpPr>
+          <p:nvPr/>
+        </p:nvSpPr>
+        <p:spPr>
+          <a:xfrm>
+            <a:off x="2103121" y="310343"/>
+            <a:ext cx="7985759" cy="868823"/>
+          </a:xfrm>
+          <a:prstGeom prst="rect">
+            <a:avLst/>
+          </a:prstGeom>
+        </p:spPr>
+        <p:txBody>
+          <a:bodyPr vert="horz" lIns="91440" tIns="45720" rIns="91440" bIns="45720" rtlCol="0" anchor="ctr">
+            <a:normAutofit/>
+          </a:bodyPr>
+          <a:lstStyle>
+            <a:lvl1pPr algn="l" defTabSz="914400" rtl="0" eaLnBrk="1" latinLnBrk="0" hangingPunct="1">
+              <a:lnSpc>
+                <a:spcPct val="90000"/>
+              </a:lnSpc>
+              <a:spcBef>
+                <a:spcPct val="0"/>
+              </a:spcBef>
+              <a:buNone/>
+              <a:defRPr sz="4400" kern="1200">
+                <a:solidFill>
+                  <a:schemeClr val="tx1"/>
+                </a:solidFill>
+                <a:latin typeface="+mj-lt"/>
+                <a:ea typeface="+mj-ea"/>
+                <a:cs typeface="+mj-cs"/>
+              </a:defRPr>
+            </a:lvl1pPr>
+          </a:lstStyle>
+          <a:p>
+            <a:pPr algn="ctr"/>
+            <a:r>
+              <a:rPr lang="en-US" sz="4000"/>
+              <a:t>AWS CodeBuild</a:t>
+            </a:r>
+            <a:endParaRPr lang="en-US" sz="4000" dirty="0"/>
+          </a:p>
+        </p:txBody>
+      </p:sp>
+      <p:sp>
+        <p:nvSpPr>
+          <p:cNvPr id="10" name="Rectangle: Rounded Corners 9">
+            <a:extLst>
+              <a:ext uri="{FF2B5EF4-FFF2-40B4-BE49-F238E27FC236}">
+                <a16:creationId xmlns:a16="http://schemas.microsoft.com/office/drawing/2014/main" id="{91AB9231-C121-44C7-A5A7-E86025D46994}"/>
+              </a:ext>
+              <a:ext uri="{C183D7F6-B498-43B3-948B-1728B52AA6E4}">
+                <adec:decorative xmlns:adec="http://schemas.microsoft.com/office/drawing/2017/decorative" val="1"/>
+              </a:ext>
+            </a:extLst>
+          </p:cNvPr>
+          <p:cNvSpPr>
+            <a:spLocks noGrp="1" noRot="1" noChangeAspect="1" noMove="1" noResize="1" noEditPoints="1" noAdjustHandles="1" noChangeArrowheads="1" noChangeShapeType="1" noTextEdit="1"/>
+          </p:cNvSpPr>
+          <p:nvPr>
+            <p:extLst>
+              <p:ext uri="{386F3935-93C4-4BCD-93E2-E3B085C9AB24}">
+                <p16:designElem xmlns:p16="http://schemas.microsoft.com/office/powerpoint/2015/main" val="1"/>
+              </p:ext>
+            </p:extLst>
+          </p:nvPr>
+        </p:nvSpPr>
+        <p:spPr>
+          <a:xfrm>
+            <a:off x="2483110" y="1211407"/>
+            <a:ext cx="7225780" cy="685800"/>
+          </a:xfrm>
+          <a:prstGeom prst="roundRect">
+            <a:avLst>
+              <a:gd name="adj" fmla="val 0"/>
+            </a:avLst>
+          </a:prstGeom>
+          <a:solidFill>
+            <a:schemeClr val="accent2"/>
+          </a:solidFill>
+          <a:ln>
+            <a:noFill/>
+          </a:ln>
+        </p:spPr>
+        <p:style>
+          <a:lnRef idx="2">
+            <a:schemeClr val="accent1">
+              <a:shade val="50000"/>
+            </a:schemeClr>
+          </a:lnRef>
+          <a:fillRef idx="1">
+            <a:schemeClr val="accent1"/>
+          </a:fillRef>
+          <a:effectRef idx="0">
+            <a:schemeClr val="accent1"/>
+          </a:effectRef>
+          <a:fontRef idx="minor">
+            <a:schemeClr val="lt1"/>
+          </a:fontRef>
+        </p:style>
+        <p:txBody>
+          <a:bodyPr rtlCol="0" anchor="ctr"/>
+          <a:lstStyle/>
+          <a:p>
+            <a:pPr algn="ctr"/>
+            <a:endParaRPr lang="en-US" dirty="0">
+              <a:solidFill>
+                <a:prstClr val="white"/>
+              </a:solidFill>
+              <a:latin typeface="Calibri" panose="020F0502020204030204"/>
+            </a:endParaRPr>
+          </a:p>
+        </p:txBody>
+      </p:sp>
+      <p:sp>
+        <p:nvSpPr>
+          <p:cNvPr id="11" name="TextBox 10">
+            <a:extLst>
+              <a:ext uri="{FF2B5EF4-FFF2-40B4-BE49-F238E27FC236}">
+                <a16:creationId xmlns:a16="http://schemas.microsoft.com/office/drawing/2014/main" id="{7EFC8551-E19D-4AE4-8B20-86526C38CDE6}"/>
+              </a:ext>
+            </a:extLst>
+          </p:cNvPr>
+          <p:cNvSpPr txBox="1"/>
+          <p:nvPr/>
+        </p:nvSpPr>
+        <p:spPr>
+          <a:xfrm>
+            <a:off x="1080655" y="1929448"/>
+            <a:ext cx="10058400" cy="1711366"/>
+          </a:xfrm>
+          <a:prstGeom prst="rect">
+            <a:avLst/>
+          </a:prstGeom>
+          <a:noFill/>
+        </p:spPr>
+        <p:txBody>
+          <a:bodyPr wrap="square" rtlCol="0">
+            <a:spAutoFit/>
+          </a:bodyPr>
+          <a:lstStyle/>
+          <a:p>
+            <a:pPr>
+              <a:lnSpc>
+                <a:spcPct val="150000"/>
+              </a:lnSpc>
+            </a:pPr>
+            <a:r>
+              <a:rPr lang="en-US" dirty="0"/>
+              <a:t>AWS </a:t>
+            </a:r>
+            <a:r>
+              <a:rPr lang="en-US" dirty="0" err="1"/>
+              <a:t>CodeBuild</a:t>
+            </a:r>
+            <a:r>
+              <a:rPr lang="en-US" dirty="0"/>
+              <a:t> is a build service, which compiles source code, runs tests, and produces artifacts. </a:t>
+            </a:r>
+            <a:r>
+              <a:rPr lang="en-US" baseline="30000" dirty="0">
+                <a:hlinkClick r:id="rId5"/>
+              </a:rPr>
+              <a:t>Source</a:t>
+            </a:r>
+            <a:r>
+              <a:rPr lang="en-US" baseline="30000" dirty="0"/>
+              <a:t>  </a:t>
+            </a:r>
+            <a:r>
+              <a:rPr lang="en-US" dirty="0"/>
+              <a:t>The team decided to use AWS </a:t>
+            </a:r>
+            <a:r>
+              <a:rPr lang="en-US" dirty="0" err="1"/>
+              <a:t>CodeBuild</a:t>
+            </a:r>
+            <a:r>
+              <a:rPr lang="en-US" dirty="0"/>
+              <a:t> because it supports the programming languages and build tools that will be used in this project, and easily integrates with AWS </a:t>
+            </a:r>
+            <a:r>
+              <a:rPr lang="en-US" dirty="0" err="1"/>
+              <a:t>CodePipeline</a:t>
+            </a:r>
+            <a:r>
+              <a:rPr lang="en-US" dirty="0"/>
+              <a:t>.</a:t>
+            </a:r>
+          </a:p>
+          <a:p>
+            <a:pPr marL="285750" indent="-285750">
+              <a:lnSpc>
+                <a:spcPct val="150000"/>
+              </a:lnSpc>
+              <a:buFont typeface="Arial" panose="020B0604020202020204" pitchFamily="34" charset="0"/>
+              <a:buChar char="•"/>
+            </a:pPr>
+            <a:endParaRPr lang="en-US" dirty="0"/>
+          </a:p>
+        </p:txBody>
+      </p:sp>
+      <p:pic>
+        <p:nvPicPr>
+          <p:cNvPr id="12" name="Picture 11">
+            <a:extLst>
+              <a:ext uri="{FF2B5EF4-FFF2-40B4-BE49-F238E27FC236}">
+                <a16:creationId xmlns:a16="http://schemas.microsoft.com/office/drawing/2014/main" id="{DBF832F8-E389-4CCE-801B-B62902E4282D}"/>
+              </a:ext>
+            </a:extLst>
+          </p:cNvPr>
+          <p:cNvPicPr>
+            <a:picLocks noChangeAspect="1"/>
+          </p:cNvPicPr>
+          <p:nvPr/>
+        </p:nvPicPr>
+        <p:blipFill>
+          <a:blip r:embed="rId6"/>
+          <a:stretch>
+            <a:fillRect/>
+          </a:stretch>
+        </p:blipFill>
+        <p:spPr>
+          <a:xfrm>
+            <a:off x="200426" y="3826655"/>
+            <a:ext cx="2819400" cy="1590675"/>
+          </a:xfrm>
+          <a:prstGeom prst="rect">
+            <a:avLst/>
+          </a:prstGeom>
+        </p:spPr>
+      </p:pic>
+      <p:sp>
+        <p:nvSpPr>
+          <p:cNvPr id="13" name="TextBox 12">
+            <a:extLst>
+              <a:ext uri="{FF2B5EF4-FFF2-40B4-BE49-F238E27FC236}">
+                <a16:creationId xmlns:a16="http://schemas.microsoft.com/office/drawing/2014/main" id="{B456E1C8-CDBE-45EC-8512-307C283AE2F6}"/>
+              </a:ext>
+            </a:extLst>
+          </p:cNvPr>
+          <p:cNvSpPr txBox="1"/>
+          <p:nvPr/>
+        </p:nvSpPr>
+        <p:spPr>
+          <a:xfrm>
+            <a:off x="136518" y="3370398"/>
+            <a:ext cx="4693184" cy="261610"/>
+          </a:xfrm>
+          <a:prstGeom prst="rect">
+            <a:avLst/>
+          </a:prstGeom>
+          <a:noFill/>
+        </p:spPr>
+        <p:txBody>
+          <a:bodyPr wrap="square" rtlCol="0">
+            <a:spAutoFit/>
+          </a:bodyPr>
+          <a:lstStyle/>
+          <a:p>
+            <a:r>
+              <a:rPr lang="en-US" sz="1100" dirty="0"/>
+              <a:t>Build specifications written in a </a:t>
+            </a:r>
+            <a:r>
+              <a:rPr lang="en-US" sz="1100" dirty="0" err="1"/>
+              <a:t>yaml</a:t>
+            </a:r>
+            <a:r>
+              <a:rPr lang="en-US" sz="1100" dirty="0"/>
+              <a:t> format:</a:t>
+            </a:r>
+          </a:p>
+        </p:txBody>
+      </p:sp>
+      <p:sp>
+        <p:nvSpPr>
+          <p:cNvPr id="14" name="TextBox 13">
+            <a:extLst>
+              <a:ext uri="{FF2B5EF4-FFF2-40B4-BE49-F238E27FC236}">
+                <a16:creationId xmlns:a16="http://schemas.microsoft.com/office/drawing/2014/main" id="{B98B485F-8A49-4D3E-B4CF-AAA1EBC1C789}"/>
+              </a:ext>
+            </a:extLst>
+          </p:cNvPr>
+          <p:cNvSpPr txBox="1"/>
+          <p:nvPr/>
+        </p:nvSpPr>
+        <p:spPr>
+          <a:xfrm>
+            <a:off x="3019826" y="3379204"/>
+            <a:ext cx="4351663" cy="261610"/>
+          </a:xfrm>
+          <a:prstGeom prst="rect">
+            <a:avLst/>
+          </a:prstGeom>
+          <a:noFill/>
+        </p:spPr>
+        <p:txBody>
+          <a:bodyPr wrap="square" rtlCol="0">
+            <a:spAutoFit/>
+          </a:bodyPr>
+          <a:lstStyle/>
+          <a:p>
+            <a:r>
+              <a:rPr lang="en-US" sz="1100" dirty="0"/>
+              <a:t>View the overall status of each build phase:</a:t>
+            </a:r>
+          </a:p>
+        </p:txBody>
+      </p:sp>
+      <p:pic>
+        <p:nvPicPr>
+          <p:cNvPr id="15" name="Picture 14">
+            <a:extLst>
+              <a:ext uri="{FF2B5EF4-FFF2-40B4-BE49-F238E27FC236}">
+                <a16:creationId xmlns:a16="http://schemas.microsoft.com/office/drawing/2014/main" id="{09853639-5CB7-41AA-9F7C-2F4FE3EF5A26}"/>
+              </a:ext>
+            </a:extLst>
+          </p:cNvPr>
+          <p:cNvPicPr>
+            <a:picLocks noChangeAspect="1"/>
+          </p:cNvPicPr>
+          <p:nvPr/>
+        </p:nvPicPr>
+        <p:blipFill>
+          <a:blip r:embed="rId7"/>
+          <a:stretch>
+            <a:fillRect/>
+          </a:stretch>
+        </p:blipFill>
+        <p:spPr>
+          <a:xfrm>
+            <a:off x="3019826" y="3826655"/>
+            <a:ext cx="3218480" cy="2242506"/>
+          </a:xfrm>
+          <a:prstGeom prst="rect">
+            <a:avLst/>
+          </a:prstGeom>
+        </p:spPr>
+      </p:pic>
+      <p:pic>
+        <p:nvPicPr>
+          <p:cNvPr id="16" name="Picture 15">
+            <a:extLst>
+              <a:ext uri="{FF2B5EF4-FFF2-40B4-BE49-F238E27FC236}">
+                <a16:creationId xmlns:a16="http://schemas.microsoft.com/office/drawing/2014/main" id="{93454F23-DB2F-435B-8466-2926373C6AEF}"/>
+              </a:ext>
+            </a:extLst>
+          </p:cNvPr>
+          <p:cNvPicPr>
+            <a:picLocks noChangeAspect="1"/>
+          </p:cNvPicPr>
+          <p:nvPr/>
+        </p:nvPicPr>
+        <p:blipFill>
+          <a:blip r:embed="rId8"/>
+          <a:stretch>
+            <a:fillRect/>
+          </a:stretch>
+        </p:blipFill>
+        <p:spPr>
+          <a:xfrm>
+            <a:off x="6423201" y="3826655"/>
+            <a:ext cx="5473657" cy="2334565"/>
+          </a:xfrm>
+          <a:prstGeom prst="rect">
+            <a:avLst/>
+          </a:prstGeom>
+        </p:spPr>
+      </p:pic>
+      <p:sp>
+        <p:nvSpPr>
+          <p:cNvPr id="17" name="TextBox 16">
+            <a:extLst>
+              <a:ext uri="{FF2B5EF4-FFF2-40B4-BE49-F238E27FC236}">
+                <a16:creationId xmlns:a16="http://schemas.microsoft.com/office/drawing/2014/main" id="{39B28DFC-CCF5-4EA3-8BE3-58F135555E24}"/>
+              </a:ext>
+            </a:extLst>
+          </p:cNvPr>
+          <p:cNvSpPr txBox="1"/>
+          <p:nvPr/>
+        </p:nvSpPr>
+        <p:spPr>
+          <a:xfrm>
+            <a:off x="6381442" y="3383489"/>
+            <a:ext cx="2873829" cy="261610"/>
+          </a:xfrm>
+          <a:prstGeom prst="rect">
+            <a:avLst/>
+          </a:prstGeom>
+          <a:noFill/>
+        </p:spPr>
+        <p:txBody>
+          <a:bodyPr wrap="square" rtlCol="0">
+            <a:spAutoFit/>
+          </a:bodyPr>
+          <a:lstStyle/>
+          <a:p>
+            <a:r>
+              <a:rPr lang="en-US" sz="1100" dirty="0"/>
+              <a:t>View detailed build logs:</a:t>
+            </a:r>
+          </a:p>
+        </p:txBody>
+      </p:sp>
     </p:spTree>
     <p:extLst>
       <p:ext uri="{BB962C8B-B14F-4D97-AF65-F5344CB8AC3E}">
@@ -13609,126 +14184,6 @@
 </file>
 
 <file path=ppt/slides/slide16.xml><?xml version="1.0" encoding="utf-8"?>
-<p:sld xmlns:a="http://schemas.openxmlformats.org/drawingml/2006/main" xmlns:r="http://schemas.openxmlformats.org/officeDocument/2006/relationships" xmlns:p="http://schemas.openxmlformats.org/presentationml/2006/main">
-  <p:cSld>
-    <p:spTree>
-      <p:nvGrpSpPr>
-        <p:cNvPr id="1" name=""/>
-        <p:cNvGrpSpPr/>
-        <p:nvPr/>
-      </p:nvGrpSpPr>
-      <p:grpSpPr>
-        <a:xfrm>
-          <a:off x="0" y="0"/>
-          <a:ext cx="0" cy="0"/>
-          <a:chOff x="0" y="0"/>
-          <a:chExt cx="0" cy="0"/>
-        </a:xfrm>
-      </p:grpSpPr>
-      <p:pic>
-        <p:nvPicPr>
-          <p:cNvPr id="4" name="Picture 3">
-            <a:extLst>
-              <a:ext uri="{FF2B5EF4-FFF2-40B4-BE49-F238E27FC236}">
-                <a16:creationId xmlns:a16="http://schemas.microsoft.com/office/drawing/2014/main" id="{05D957DA-20B5-425F-8107-70B33683D008}"/>
-              </a:ext>
-            </a:extLst>
-          </p:cNvPr>
-          <p:cNvPicPr>
-            <a:picLocks noChangeAspect="1"/>
-          </p:cNvPicPr>
-          <p:nvPr/>
-        </p:nvPicPr>
-        <p:blipFill>
-          <a:blip r:embed="rId2"/>
-          <a:stretch>
-            <a:fillRect/>
-          </a:stretch>
-        </p:blipFill>
-        <p:spPr>
-          <a:xfrm>
-            <a:off x="5549735" y="283944"/>
-            <a:ext cx="4381005" cy="3052506"/>
-          </a:xfrm>
-          <a:prstGeom prst="rect">
-            <a:avLst/>
-          </a:prstGeom>
-        </p:spPr>
-      </p:pic>
-      <p:pic>
-        <p:nvPicPr>
-          <p:cNvPr id="5" name="Picture 4">
-            <a:extLst>
-              <a:ext uri="{FF2B5EF4-FFF2-40B4-BE49-F238E27FC236}">
-                <a16:creationId xmlns:a16="http://schemas.microsoft.com/office/drawing/2014/main" id="{C163E8EA-8E86-4750-AAD1-89302E978901}"/>
-              </a:ext>
-            </a:extLst>
-          </p:cNvPr>
-          <p:cNvPicPr>
-            <a:picLocks noChangeAspect="1"/>
-          </p:cNvPicPr>
-          <p:nvPr/>
-        </p:nvPicPr>
-        <p:blipFill>
-          <a:blip r:embed="rId3"/>
-          <a:stretch>
-            <a:fillRect/>
-          </a:stretch>
-        </p:blipFill>
-        <p:spPr>
-          <a:xfrm>
-            <a:off x="2388919" y="3521551"/>
-            <a:ext cx="6915398" cy="2949481"/>
-          </a:xfrm>
-          <a:prstGeom prst="rect">
-            <a:avLst/>
-          </a:prstGeom>
-        </p:spPr>
-      </p:pic>
-      <p:pic>
-        <p:nvPicPr>
-          <p:cNvPr id="6" name="Picture 5">
-            <a:extLst>
-              <a:ext uri="{FF2B5EF4-FFF2-40B4-BE49-F238E27FC236}">
-                <a16:creationId xmlns:a16="http://schemas.microsoft.com/office/drawing/2014/main" id="{D7540EB3-365D-4B5D-AB41-6C01469E3CB0}"/>
-              </a:ext>
-            </a:extLst>
-          </p:cNvPr>
-          <p:cNvPicPr>
-            <a:picLocks noChangeAspect="1"/>
-          </p:cNvPicPr>
-          <p:nvPr/>
-        </p:nvPicPr>
-        <p:blipFill>
-          <a:blip r:embed="rId4"/>
-          <a:stretch>
-            <a:fillRect/>
-          </a:stretch>
-        </p:blipFill>
-        <p:spPr>
-          <a:xfrm>
-            <a:off x="2025654" y="1042988"/>
-            <a:ext cx="2819400" cy="1590675"/>
-          </a:xfrm>
-          <a:prstGeom prst="rect">
-            <a:avLst/>
-          </a:prstGeom>
-        </p:spPr>
-      </p:pic>
-    </p:spTree>
-    <p:extLst>
-      <p:ext uri="{BB962C8B-B14F-4D97-AF65-F5344CB8AC3E}">
-        <p14:creationId xmlns:p14="http://schemas.microsoft.com/office/powerpoint/2010/main" val="519025307"/>
-      </p:ext>
-    </p:extLst>
-  </p:cSld>
-  <p:clrMapOvr>
-    <a:masterClrMapping/>
-  </p:clrMapOvr>
-</p:sld>
-</file>
-
-<file path=ppt/slides/slide17.xml><?xml version="1.0" encoding="utf-8"?>
 <p:sld xmlns:a="http://schemas.openxmlformats.org/drawingml/2006/main" xmlns:r="http://schemas.openxmlformats.org/officeDocument/2006/relationships" xmlns:p="http://schemas.openxmlformats.org/presentationml/2006/main">
   <p:cSld>
     <p:bg>
@@ -14478,7 +14933,7 @@
 </p:sld>
 </file>
 
-<file path=ppt/slides/slide18.xml><?xml version="1.0" encoding="utf-8"?>
+<file path=ppt/slides/slide17.xml><?xml version="1.0" encoding="utf-8"?>
 <p:sld xmlns:a="http://schemas.openxmlformats.org/drawingml/2006/main" xmlns:r="http://schemas.openxmlformats.org/officeDocument/2006/relationships" xmlns:p="http://schemas.openxmlformats.org/presentationml/2006/main">
   <p:cSld>
     <p:bg>
@@ -14882,7 +15337,7 @@
 </p:sld>
 </file>
 
-<file path=ppt/slides/slide19.xml><?xml version="1.0" encoding="utf-8"?>
+<file path=ppt/slides/slide18.xml><?xml version="1.0" encoding="utf-8"?>
 <p:sld xmlns:a="http://schemas.openxmlformats.org/drawingml/2006/main" xmlns:r="http://schemas.openxmlformats.org/officeDocument/2006/relationships" xmlns:p="http://schemas.openxmlformats.org/presentationml/2006/main">
   <p:cSld>
     <p:bg>
@@ -15096,16 +15551,17 @@
           <a:p>
             <a:pPr algn="ctr"/>
             <a:r>
-              <a:rPr lang="en-US" sz="4000" kern="1200" dirty="0">
-                <a:solidFill>
-                  <a:schemeClr val="tx1"/>
-                </a:solidFill>
-                <a:latin typeface="+mj-lt"/>
-                <a:ea typeface="+mj-ea"/>
-                <a:cs typeface="+mj-cs"/>
-              </a:rPr>
-              <a:t>Mock-ups - Login</a:t>
-            </a:r>
+              <a:rPr lang="en-US" sz="4000" dirty="0"/>
+              <a:t>Change/Release Management</a:t>
+            </a:r>
+            <a:endParaRPr lang="en-US" sz="4000" kern="1200" dirty="0">
+              <a:solidFill>
+                <a:schemeClr val="tx1"/>
+              </a:solidFill>
+              <a:latin typeface="+mj-lt"/>
+              <a:ea typeface="+mj-ea"/>
+              <a:cs typeface="+mj-cs"/>
+            </a:endParaRPr>
           </a:p>
         </p:txBody>
       </p:sp>
@@ -15179,42 +15635,427 @@
           </a:p>
         </p:txBody>
       </p:sp>
-      <p:pic>
-        <p:nvPicPr>
-          <p:cNvPr id="12" name="Picture 11">
-            <a:extLst>
-              <a:ext uri="{FF2B5EF4-FFF2-40B4-BE49-F238E27FC236}">
-                <a16:creationId xmlns:a16="http://schemas.microsoft.com/office/drawing/2014/main" id="{34F1C5B6-C25D-4FDC-A8BB-7003DA9DBA57}"/>
-              </a:ext>
-            </a:extLst>
-          </p:cNvPr>
-          <p:cNvPicPr>
-            <a:picLocks noChangeAspect="1"/>
-          </p:cNvPicPr>
+      <p:sp>
+        <p:nvSpPr>
+          <p:cNvPr id="3" name="TextBox 2">
+            <a:extLst>
+              <a:ext uri="{FF2B5EF4-FFF2-40B4-BE49-F238E27FC236}">
+                <a16:creationId xmlns:a16="http://schemas.microsoft.com/office/drawing/2014/main" id="{1C4BF56A-ED85-42EF-9C2C-2C84F4C11132}"/>
+              </a:ext>
+            </a:extLst>
+          </p:cNvPr>
+          <p:cNvSpPr txBox="1"/>
           <p:nvPr/>
-        </p:nvPicPr>
-        <p:blipFill>
-          <a:blip r:embed="rId3">
-            <a:extLst>
-              <a:ext uri="{28A0092B-C50C-407E-A947-70E740481C1C}">
-                <a14:useLocalDpi xmlns:a14="http://schemas.microsoft.com/office/drawing/2010/main" val="0"/>
-              </a:ext>
-            </a:extLst>
-          </a:blip>
-          <a:stretch>
-            <a:fillRect/>
-          </a:stretch>
-        </p:blipFill>
+        </p:nvSpPr>
         <p:spPr>
           <a:xfrm>
-            <a:off x="1903615" y="1929448"/>
-            <a:ext cx="8494986" cy="4733000"/>
+            <a:off x="1173017" y="2290618"/>
+            <a:ext cx="10058400" cy="3693319"/>
           </a:xfrm>
           <a:prstGeom prst="rect">
             <a:avLst/>
           </a:prstGeom>
+          <a:noFill/>
         </p:spPr>
-      </p:pic>
+        <p:txBody>
+          <a:bodyPr wrap="square" rtlCol="0">
+            <a:spAutoFit/>
+          </a:bodyPr>
+          <a:lstStyle/>
+          <a:p>
+            <a:r>
+              <a:rPr lang="en-US" dirty="0"/>
+              <a:t>All changes will be prioritized, scheduled, and deployed accordingly.</a:t>
+            </a:r>
+          </a:p>
+          <a:p>
+            <a:endParaRPr lang="en-US" dirty="0"/>
+          </a:p>
+          <a:p>
+            <a:r>
+              <a:rPr lang="en-US" dirty="0"/>
+              <a:t>Production deployments will occur monthly</a:t>
+            </a:r>
+          </a:p>
+          <a:p>
+            <a:endParaRPr lang="en-US" dirty="0"/>
+          </a:p>
+          <a:p>
+            <a:r>
+              <a:rPr lang="en-US" dirty="0"/>
+              <a:t>Break fix deployments will occur bi-monthly (every other week)</a:t>
+            </a:r>
+          </a:p>
+          <a:p>
+            <a:endParaRPr lang="en-US" dirty="0"/>
+          </a:p>
+          <a:p>
+            <a:r>
+              <a:rPr lang="en-US" dirty="0"/>
+              <a:t>Emergency break fix deployments will occur on an ad-hoc basis</a:t>
+            </a:r>
+          </a:p>
+          <a:p>
+            <a:endParaRPr lang="en-US" dirty="0"/>
+          </a:p>
+          <a:p>
+            <a:r>
+              <a:rPr lang="en-US" dirty="0"/>
+              <a:t>Production deployments will be approved via CAB, with the following considerations:</a:t>
+            </a:r>
+          </a:p>
+          <a:p>
+            <a:pPr marL="742950" lvl="1" indent="-285750">
+              <a:buFont typeface="Arial" panose="020B0604020202020204" pitchFamily="34" charset="0"/>
+              <a:buChar char="•"/>
+            </a:pPr>
+            <a:r>
+              <a:rPr lang="en-US" dirty="0"/>
+              <a:t>All deployments must follow audit guidelines (including deployment change ticket)</a:t>
+            </a:r>
+          </a:p>
+          <a:p>
+            <a:pPr marL="742950" lvl="1" indent="-285750">
+              <a:buFont typeface="Arial" panose="020B0604020202020204" pitchFamily="34" charset="0"/>
+              <a:buChar char="•"/>
+            </a:pPr>
+            <a:r>
+              <a:rPr lang="en-US" dirty="0"/>
+              <a:t>All changes must be tested in the non-production environments</a:t>
+            </a:r>
+          </a:p>
+          <a:p>
+            <a:pPr marL="742950" lvl="1" indent="-285750">
+              <a:buFont typeface="Arial" panose="020B0604020202020204" pitchFamily="34" charset="0"/>
+              <a:buChar char="•"/>
+            </a:pPr>
+            <a:r>
+              <a:rPr lang="en-US" dirty="0"/>
+              <a:t>All changes must be presented in a demo</a:t>
+            </a:r>
+          </a:p>
+          <a:p>
+            <a:pPr marL="742950" lvl="1" indent="-285750">
+              <a:buFont typeface="Arial" panose="020B0604020202020204" pitchFamily="34" charset="0"/>
+              <a:buChar char="•"/>
+            </a:pPr>
+            <a:r>
+              <a:rPr lang="en-US" dirty="0"/>
+              <a:t>Must have business/customer approval</a:t>
+            </a:r>
+          </a:p>
+        </p:txBody>
+      </p:sp>
+    </p:spTree>
+    <p:extLst>
+      <p:ext uri="{BB962C8B-B14F-4D97-AF65-F5344CB8AC3E}">
+        <p14:creationId xmlns:p14="http://schemas.microsoft.com/office/powerpoint/2010/main" val="823015087"/>
+      </p:ext>
+    </p:extLst>
+  </p:cSld>
+  <p:clrMapOvr>
+    <a:masterClrMapping/>
+  </p:clrMapOvr>
+</p:sld>
+</file>
+
+<file path=ppt/slides/slide19.xml><?xml version="1.0" encoding="utf-8"?>
+<p:sld xmlns:a="http://schemas.openxmlformats.org/drawingml/2006/main" xmlns:r="http://schemas.openxmlformats.org/officeDocument/2006/relationships" xmlns:p="http://schemas.openxmlformats.org/presentationml/2006/main">
+  <p:cSld>
+    <p:bg>
+      <p:bgPr>
+        <a:solidFill>
+          <a:schemeClr val="bg1"/>
+        </a:solidFill>
+        <a:effectLst/>
+      </p:bgPr>
+    </p:bg>
+    <p:spTree>
+      <p:nvGrpSpPr>
+        <p:cNvPr id="1" name=""/>
+        <p:cNvGrpSpPr/>
+        <p:nvPr/>
+      </p:nvGrpSpPr>
+      <p:grpSpPr>
+        <a:xfrm>
+          <a:off x="0" y="0"/>
+          <a:ext cx="0" cy="0"/>
+          <a:chOff x="0" y="0"/>
+          <a:chExt cx="0" cy="0"/>
+        </a:xfrm>
+      </p:grpSpPr>
+      <p:sp useBgFill="1">
+        <p:nvSpPr>
+          <p:cNvPr id="71" name="Rectangle 70">
+            <a:extLst>
+              <a:ext uri="{FF2B5EF4-FFF2-40B4-BE49-F238E27FC236}">
+                <a16:creationId xmlns:a16="http://schemas.microsoft.com/office/drawing/2014/main" id="{C1A1C5D3-C053-4EE9-BE1A-419B6E27CCAE}"/>
+              </a:ext>
+              <a:ext uri="{C183D7F6-B498-43B3-948B-1728B52AA6E4}">
+                <adec:decorative xmlns:adec="http://schemas.microsoft.com/office/drawing/2017/decorative" val="1"/>
+              </a:ext>
+            </a:extLst>
+          </p:cNvPr>
+          <p:cNvSpPr>
+            <a:spLocks noGrp="1" noRot="1" noChangeAspect="1" noMove="1" noResize="1" noEditPoints="1" noAdjustHandles="1" noChangeArrowheads="1" noChangeShapeType="1" noTextEdit="1"/>
+          </p:cNvSpPr>
+          <p:nvPr>
+            <p:extLst>
+              <p:ext uri="{386F3935-93C4-4BCD-93E2-E3B085C9AB24}">
+                <p16:designElem xmlns:p16="http://schemas.microsoft.com/office/powerpoint/2015/main" val="1"/>
+              </p:ext>
+            </p:extLst>
+          </p:nvPr>
+        </p:nvSpPr>
+        <p:spPr>
+          <a:xfrm>
+            <a:off x="0" y="0"/>
+            <a:ext cx="12192000" cy="6858000"/>
+          </a:xfrm>
+          <a:prstGeom prst="rect">
+            <a:avLst/>
+          </a:prstGeom>
+          <a:ln>
+            <a:noFill/>
+          </a:ln>
+        </p:spPr>
+        <p:style>
+          <a:lnRef idx="2">
+            <a:schemeClr val="accent1">
+              <a:shade val="50000"/>
+            </a:schemeClr>
+          </a:lnRef>
+          <a:fillRef idx="1">
+            <a:schemeClr val="accent1"/>
+          </a:fillRef>
+          <a:effectRef idx="0">
+            <a:schemeClr val="accent1"/>
+          </a:effectRef>
+          <a:fontRef idx="minor">
+            <a:schemeClr val="lt1"/>
+          </a:fontRef>
+        </p:style>
+        <p:txBody>
+          <a:bodyPr rtlCol="0" anchor="ctr"/>
+          <a:lstStyle/>
+          <a:p>
+            <a:pPr algn="ctr"/>
+            <a:endParaRPr lang="en-US" dirty="0"/>
+          </a:p>
+        </p:txBody>
+      </p:sp>
+      <p:sp useBgFill="1">
+        <p:nvSpPr>
+          <p:cNvPr id="73" name="Rectangle 72">
+            <a:extLst>
+              <a:ext uri="{FF2B5EF4-FFF2-40B4-BE49-F238E27FC236}">
+                <a16:creationId xmlns:a16="http://schemas.microsoft.com/office/drawing/2014/main" id="{A3473CF9-37EB-43E7-89EF-D2D1C53D1DAC}"/>
+              </a:ext>
+              <a:ext uri="{C183D7F6-B498-43B3-948B-1728B52AA6E4}">
+                <adec:decorative xmlns:adec="http://schemas.microsoft.com/office/drawing/2017/decorative" val="1"/>
+              </a:ext>
+            </a:extLst>
+          </p:cNvPr>
+          <p:cNvSpPr>
+            <a:spLocks noGrp="1" noRot="1" noChangeAspect="1" noMove="1" noResize="1" noEditPoints="1" noAdjustHandles="1" noChangeArrowheads="1" noChangeShapeType="1" noTextEdit="1"/>
+          </p:cNvSpPr>
+          <p:nvPr>
+            <p:extLst>
+              <p:ext uri="{386F3935-93C4-4BCD-93E2-E3B085C9AB24}">
+                <p16:designElem xmlns:p16="http://schemas.microsoft.com/office/powerpoint/2015/main" val="1"/>
+              </p:ext>
+            </p:extLst>
+          </p:nvPr>
+        </p:nvSpPr>
+        <p:spPr>
+          <a:xfrm>
+            <a:off x="1903615" y="221673"/>
+            <a:ext cx="8384770" cy="1332634"/>
+          </a:xfrm>
+          <a:prstGeom prst="rect">
+            <a:avLst/>
+          </a:prstGeom>
+          <a:ln w="12700">
+            <a:solidFill>
+              <a:srgbClr val="E1E1E1"/>
+            </a:solidFill>
+          </a:ln>
+          <a:effectLst>
+            <a:outerShdw blurRad="50800" dist="38100" dir="2700000" algn="tl" rotWithShape="0">
+              <a:schemeClr val="bg2">
+                <a:lumMod val="85000"/>
+                <a:alpha val="50000"/>
+              </a:schemeClr>
+            </a:outerShdw>
+          </a:effectLst>
+        </p:spPr>
+        <p:style>
+          <a:lnRef idx="2">
+            <a:schemeClr val="accent1">
+              <a:shade val="50000"/>
+            </a:schemeClr>
+          </a:lnRef>
+          <a:fillRef idx="1">
+            <a:schemeClr val="accent1"/>
+          </a:fillRef>
+          <a:effectRef idx="0">
+            <a:schemeClr val="accent1"/>
+          </a:effectRef>
+          <a:fontRef idx="minor">
+            <a:schemeClr val="lt1"/>
+          </a:fontRef>
+        </p:style>
+        <p:txBody>
+          <a:bodyPr rtlCol="0" anchor="ctr"/>
+          <a:lstStyle/>
+          <a:p>
+            <a:pPr marL="0" marR="0" lvl="0" indent="0" algn="ctr" defTabSz="914400" rtl="0" eaLnBrk="1" fontAlgn="auto" latinLnBrk="0" hangingPunct="1">
+              <a:lnSpc>
+                <a:spcPct val="100000"/>
+              </a:lnSpc>
+              <a:spcBef>
+                <a:spcPts val="0"/>
+              </a:spcBef>
+              <a:spcAft>
+                <a:spcPts val="0"/>
+              </a:spcAft>
+              <a:buClrTx/>
+              <a:buSzTx/>
+              <a:buFontTx/>
+              <a:buNone/>
+              <a:tabLst/>
+              <a:defRPr/>
+            </a:pPr>
+            <a:endParaRPr kumimoji="0" lang="en-US" sz="1800" b="0" i="0" u="none" strike="noStrike" kern="1200" cap="none" spc="0" normalizeH="0" baseline="0" noProof="0" dirty="0">
+              <a:ln>
+                <a:noFill/>
+              </a:ln>
+              <a:solidFill>
+                <a:prstClr val="white"/>
+              </a:solidFill>
+              <a:effectLst/>
+              <a:uLnTx/>
+              <a:uFillTx/>
+              <a:latin typeface="Calibri" panose="020F0502020204030204"/>
+              <a:ea typeface="+mn-ea"/>
+              <a:cs typeface="+mn-cs"/>
+            </a:endParaRPr>
+          </a:p>
+        </p:txBody>
+      </p:sp>
+      <p:sp>
+        <p:nvSpPr>
+          <p:cNvPr id="2" name="Title 1">
+            <a:extLst>
+              <a:ext uri="{FF2B5EF4-FFF2-40B4-BE49-F238E27FC236}">
+                <a16:creationId xmlns:a16="http://schemas.microsoft.com/office/drawing/2014/main" id="{0FDE5079-B185-4DE0-AF2C-AE4B7709FBC3}"/>
+              </a:ext>
+            </a:extLst>
+          </p:cNvPr>
+          <p:cNvSpPr>
+            <a:spLocks noGrp="1"/>
+          </p:cNvSpPr>
+          <p:nvPr>
+            <p:ph type="title"/>
+          </p:nvPr>
+        </p:nvSpPr>
+        <p:spPr>
+          <a:xfrm>
+            <a:off x="2103121" y="310343"/>
+            <a:ext cx="7985759" cy="868823"/>
+          </a:xfrm>
+        </p:spPr>
+        <p:txBody>
+          <a:bodyPr vert="horz" lIns="91440" tIns="45720" rIns="91440" bIns="45720" rtlCol="0" anchor="ctr">
+            <a:normAutofit/>
+          </a:bodyPr>
+          <a:lstStyle/>
+          <a:p>
+            <a:pPr algn="ctr"/>
+            <a:r>
+              <a:rPr lang="en-US" sz="4000" kern="1200" dirty="0">
+                <a:solidFill>
+                  <a:schemeClr val="tx1"/>
+                </a:solidFill>
+                <a:latin typeface="+mj-lt"/>
+                <a:ea typeface="+mj-ea"/>
+                <a:cs typeface="+mj-cs"/>
+              </a:rPr>
+              <a:t>Mock-ups</a:t>
+            </a:r>
+          </a:p>
+        </p:txBody>
+      </p:sp>
+      <p:sp>
+        <p:nvSpPr>
+          <p:cNvPr id="75" name="Rectangle: Rounded Corners 74">
+            <a:extLst>
+              <a:ext uri="{FF2B5EF4-FFF2-40B4-BE49-F238E27FC236}">
+                <a16:creationId xmlns:a16="http://schemas.microsoft.com/office/drawing/2014/main" id="{586B4EF9-43BA-4655-A6FF-1D8E21574C95}"/>
+              </a:ext>
+              <a:ext uri="{C183D7F6-B498-43B3-948B-1728B52AA6E4}">
+                <adec:decorative xmlns:adec="http://schemas.microsoft.com/office/drawing/2017/decorative" val="1"/>
+              </a:ext>
+            </a:extLst>
+          </p:cNvPr>
+          <p:cNvSpPr>
+            <a:spLocks noGrp="1" noRot="1" noChangeAspect="1" noMove="1" noResize="1" noEditPoints="1" noAdjustHandles="1" noChangeArrowheads="1" noChangeShapeType="1" noTextEdit="1"/>
+          </p:cNvSpPr>
+          <p:nvPr>
+            <p:extLst>
+              <p:ext uri="{386F3935-93C4-4BCD-93E2-E3B085C9AB24}">
+                <p16:designElem xmlns:p16="http://schemas.microsoft.com/office/powerpoint/2015/main" val="1"/>
+              </p:ext>
+            </p:extLst>
+          </p:nvPr>
+        </p:nvSpPr>
+        <p:spPr>
+          <a:xfrm>
+            <a:off x="2483110" y="1211407"/>
+            <a:ext cx="7225780" cy="685800"/>
+          </a:xfrm>
+          <a:prstGeom prst="roundRect">
+            <a:avLst>
+              <a:gd name="adj" fmla="val 0"/>
+            </a:avLst>
+          </a:prstGeom>
+          <a:solidFill>
+            <a:schemeClr val="accent2"/>
+          </a:solidFill>
+          <a:ln>
+            <a:noFill/>
+          </a:ln>
+        </p:spPr>
+        <p:style>
+          <a:lnRef idx="2">
+            <a:schemeClr val="accent1">
+              <a:shade val="50000"/>
+            </a:schemeClr>
+          </a:lnRef>
+          <a:fillRef idx="1">
+            <a:schemeClr val="accent1"/>
+          </a:fillRef>
+          <a:effectRef idx="0">
+            <a:schemeClr val="accent1"/>
+          </a:effectRef>
+          <a:fontRef idx="minor">
+            <a:schemeClr val="lt1"/>
+          </a:fontRef>
+        </p:style>
+        <p:txBody>
+          <a:bodyPr rtlCol="0" anchor="ctr"/>
+          <a:lstStyle/>
+          <a:p>
+            <a:pPr algn="ctr"/>
+            <a:endParaRPr lang="en-US" dirty="0">
+              <a:solidFill>
+                <a:prstClr val="white"/>
+              </a:solidFill>
+              <a:latin typeface="Calibri" panose="020F0502020204030204"/>
+            </a:endParaRPr>
+          </a:p>
+        </p:txBody>
+      </p:sp>
     </p:spTree>
     <p:extLst>
       <p:ext uri="{BB962C8B-B14F-4D97-AF65-F5344CB8AC3E}">
@@ -15649,333 +16490,6 @@
 <file path=ppt/slides/slide20.xml><?xml version="1.0" encoding="utf-8"?>
 <p:sld xmlns:a="http://schemas.openxmlformats.org/drawingml/2006/main" xmlns:r="http://schemas.openxmlformats.org/officeDocument/2006/relationships" xmlns:p="http://schemas.openxmlformats.org/presentationml/2006/main">
   <p:cSld>
-    <p:spTree>
-      <p:nvGrpSpPr>
-        <p:cNvPr id="1" name=""/>
-        <p:cNvGrpSpPr/>
-        <p:nvPr/>
-      </p:nvGrpSpPr>
-      <p:grpSpPr>
-        <a:xfrm>
-          <a:off x="0" y="0"/>
-          <a:ext cx="0" cy="0"/>
-          <a:chOff x="0" y="0"/>
-          <a:chExt cx="0" cy="0"/>
-        </a:xfrm>
-      </p:grpSpPr>
-      <p:sp>
-        <p:nvSpPr>
-          <p:cNvPr id="2" name="Title 1">
-            <a:extLst>
-              <a:ext uri="{FF2B5EF4-FFF2-40B4-BE49-F238E27FC236}">
-                <a16:creationId xmlns:a16="http://schemas.microsoft.com/office/drawing/2014/main" id="{0FDE5079-B185-4DE0-AF2C-AE4B7709FBC3}"/>
-              </a:ext>
-            </a:extLst>
-          </p:cNvPr>
-          <p:cNvSpPr>
-            <a:spLocks noGrp="1"/>
-          </p:cNvSpPr>
-          <p:nvPr>
-            <p:ph type="title"/>
-          </p:nvPr>
-        </p:nvSpPr>
-        <p:spPr>
-          <a:xfrm>
-            <a:off x="2103121" y="310343"/>
-            <a:ext cx="7985759" cy="868823"/>
-          </a:xfrm>
-        </p:spPr>
-        <p:txBody>
-          <a:bodyPr vert="horz" lIns="91440" tIns="45720" rIns="91440" bIns="45720" rtlCol="0" anchor="ctr">
-            <a:normAutofit/>
-          </a:bodyPr>
-          <a:lstStyle/>
-          <a:p>
-            <a:pPr algn="ctr"/>
-            <a:r>
-              <a:rPr lang="en-US" sz="4000" kern="1200" dirty="0">
-                <a:solidFill>
-                  <a:schemeClr val="tx1"/>
-                </a:solidFill>
-                <a:latin typeface="+mj-lt"/>
-                <a:ea typeface="+mj-ea"/>
-                <a:cs typeface="+mj-cs"/>
-              </a:rPr>
-              <a:t>Mock-ups – Student Home Page</a:t>
-            </a:r>
-          </a:p>
-        </p:txBody>
-      </p:sp>
-      <p:pic>
-        <p:nvPicPr>
-          <p:cNvPr id="4" name="Picture 3" descr="A screenshot of a social media post&#10;&#10;Description automatically generated">
-            <a:extLst>
-              <a:ext uri="{FF2B5EF4-FFF2-40B4-BE49-F238E27FC236}">
-                <a16:creationId xmlns:a16="http://schemas.microsoft.com/office/drawing/2014/main" id="{EE39048C-7EB9-4942-97C3-379BB2495945}"/>
-              </a:ext>
-            </a:extLst>
-          </p:cNvPr>
-          <p:cNvPicPr>
-            <a:picLocks noChangeAspect="1"/>
-          </p:cNvPicPr>
-          <p:nvPr/>
-        </p:nvPicPr>
-        <p:blipFill>
-          <a:blip r:embed="rId3">
-            <a:extLst>
-              <a:ext uri="{28A0092B-C50C-407E-A947-70E740481C1C}">
-                <a14:useLocalDpi xmlns:a14="http://schemas.microsoft.com/office/drawing/2010/main" val="0"/>
-              </a:ext>
-            </a:extLst>
-          </a:blip>
-          <a:stretch>
-            <a:fillRect/>
-          </a:stretch>
-        </p:blipFill>
-        <p:spPr>
-          <a:xfrm>
-            <a:off x="1513840" y="1870286"/>
-            <a:ext cx="8747760" cy="4873833"/>
-          </a:xfrm>
-          <a:prstGeom prst="rect">
-            <a:avLst/>
-          </a:prstGeom>
-        </p:spPr>
-      </p:pic>
-    </p:spTree>
-    <p:extLst>
-      <p:ext uri="{BB962C8B-B14F-4D97-AF65-F5344CB8AC3E}">
-        <p14:creationId xmlns:p14="http://schemas.microsoft.com/office/powerpoint/2010/main" val="3741090074"/>
-      </p:ext>
-    </p:extLst>
-  </p:cSld>
-  <p:clrMapOvr>
-    <a:masterClrMapping/>
-  </p:clrMapOvr>
-</p:sld>
-</file>
-
-<file path=ppt/slides/slide21.xml><?xml version="1.0" encoding="utf-8"?>
-<p:sld xmlns:a="http://schemas.openxmlformats.org/drawingml/2006/main" xmlns:r="http://schemas.openxmlformats.org/officeDocument/2006/relationships" xmlns:p="http://schemas.openxmlformats.org/presentationml/2006/main">
-  <p:cSld>
-    <p:spTree>
-      <p:nvGrpSpPr>
-        <p:cNvPr id="1" name=""/>
-        <p:cNvGrpSpPr/>
-        <p:nvPr/>
-      </p:nvGrpSpPr>
-      <p:grpSpPr>
-        <a:xfrm>
-          <a:off x="0" y="0"/>
-          <a:ext cx="0" cy="0"/>
-          <a:chOff x="0" y="0"/>
-          <a:chExt cx="0" cy="0"/>
-        </a:xfrm>
-      </p:grpSpPr>
-      <p:sp>
-        <p:nvSpPr>
-          <p:cNvPr id="2" name="Title 1">
-            <a:extLst>
-              <a:ext uri="{FF2B5EF4-FFF2-40B4-BE49-F238E27FC236}">
-                <a16:creationId xmlns:a16="http://schemas.microsoft.com/office/drawing/2014/main" id="{0FDE5079-B185-4DE0-AF2C-AE4B7709FBC3}"/>
-              </a:ext>
-            </a:extLst>
-          </p:cNvPr>
-          <p:cNvSpPr>
-            <a:spLocks noGrp="1"/>
-          </p:cNvSpPr>
-          <p:nvPr>
-            <p:ph type="title"/>
-          </p:nvPr>
-        </p:nvSpPr>
-        <p:spPr>
-          <a:xfrm>
-            <a:off x="2103121" y="310343"/>
-            <a:ext cx="7985759" cy="868823"/>
-          </a:xfrm>
-        </p:spPr>
-        <p:txBody>
-          <a:bodyPr vert="horz" lIns="91440" tIns="45720" rIns="91440" bIns="45720" rtlCol="0" anchor="ctr">
-            <a:normAutofit/>
-          </a:bodyPr>
-          <a:lstStyle/>
-          <a:p>
-            <a:pPr algn="ctr"/>
-            <a:r>
-              <a:rPr lang="en-US" sz="4000" kern="1200" dirty="0">
-                <a:solidFill>
-                  <a:schemeClr val="tx1"/>
-                </a:solidFill>
-                <a:latin typeface="+mj-lt"/>
-                <a:ea typeface="+mj-ea"/>
-                <a:cs typeface="+mj-cs"/>
-              </a:rPr>
-              <a:t>Mock-ups – Professor Home Page</a:t>
-            </a:r>
-          </a:p>
-        </p:txBody>
-      </p:sp>
-      <p:pic>
-        <p:nvPicPr>
-          <p:cNvPr id="5" name="Picture 4" descr="A screenshot of a social media post&#10;&#10;Description automatically generated">
-            <a:extLst>
-              <a:ext uri="{FF2B5EF4-FFF2-40B4-BE49-F238E27FC236}">
-                <a16:creationId xmlns:a16="http://schemas.microsoft.com/office/drawing/2014/main" id="{322B3898-94FE-40AD-819D-2675287ED134}"/>
-              </a:ext>
-            </a:extLst>
-          </p:cNvPr>
-          <p:cNvPicPr>
-            <a:picLocks noChangeAspect="1"/>
-          </p:cNvPicPr>
-          <p:nvPr/>
-        </p:nvPicPr>
-        <p:blipFill>
-          <a:blip r:embed="rId3">
-            <a:extLst>
-              <a:ext uri="{28A0092B-C50C-407E-A947-70E740481C1C}">
-                <a14:useLocalDpi xmlns:a14="http://schemas.microsoft.com/office/drawing/2010/main" val="0"/>
-              </a:ext>
-            </a:extLst>
-          </a:blip>
-          <a:stretch>
-            <a:fillRect/>
-          </a:stretch>
-        </p:blipFill>
-        <p:spPr>
-          <a:xfrm>
-            <a:off x="1849120" y="1696466"/>
-            <a:ext cx="8707120" cy="4851191"/>
-          </a:xfrm>
-          <a:prstGeom prst="rect">
-            <a:avLst/>
-          </a:prstGeom>
-        </p:spPr>
-      </p:pic>
-    </p:spTree>
-    <p:extLst>
-      <p:ext uri="{BB962C8B-B14F-4D97-AF65-F5344CB8AC3E}">
-        <p14:creationId xmlns:p14="http://schemas.microsoft.com/office/powerpoint/2010/main" val="2061644669"/>
-      </p:ext>
-    </p:extLst>
-  </p:cSld>
-  <p:clrMapOvr>
-    <a:masterClrMapping/>
-  </p:clrMapOvr>
-</p:sld>
-</file>
-
-<file path=ppt/slides/slide22.xml><?xml version="1.0" encoding="utf-8"?>
-<p:sld xmlns:a="http://schemas.openxmlformats.org/drawingml/2006/main" xmlns:r="http://schemas.openxmlformats.org/officeDocument/2006/relationships" xmlns:p="http://schemas.openxmlformats.org/presentationml/2006/main">
-  <p:cSld>
-    <p:spTree>
-      <p:nvGrpSpPr>
-        <p:cNvPr id="1" name=""/>
-        <p:cNvGrpSpPr/>
-        <p:nvPr/>
-      </p:nvGrpSpPr>
-      <p:grpSpPr>
-        <a:xfrm>
-          <a:off x="0" y="0"/>
-          <a:ext cx="0" cy="0"/>
-          <a:chOff x="0" y="0"/>
-          <a:chExt cx="0" cy="0"/>
-        </a:xfrm>
-      </p:grpSpPr>
-      <p:sp>
-        <p:nvSpPr>
-          <p:cNvPr id="2" name="Title 1">
-            <a:extLst>
-              <a:ext uri="{FF2B5EF4-FFF2-40B4-BE49-F238E27FC236}">
-                <a16:creationId xmlns:a16="http://schemas.microsoft.com/office/drawing/2014/main" id="{0FDE5079-B185-4DE0-AF2C-AE4B7709FBC3}"/>
-              </a:ext>
-            </a:extLst>
-          </p:cNvPr>
-          <p:cNvSpPr>
-            <a:spLocks noGrp="1"/>
-          </p:cNvSpPr>
-          <p:nvPr>
-            <p:ph type="title"/>
-          </p:nvPr>
-        </p:nvSpPr>
-        <p:spPr>
-          <a:xfrm>
-            <a:off x="2103121" y="310343"/>
-            <a:ext cx="7985759" cy="868823"/>
-          </a:xfrm>
-        </p:spPr>
-        <p:txBody>
-          <a:bodyPr vert="horz" lIns="91440" tIns="45720" rIns="91440" bIns="45720" rtlCol="0" anchor="ctr">
-            <a:normAutofit/>
-          </a:bodyPr>
-          <a:lstStyle/>
-          <a:p>
-            <a:pPr algn="ctr"/>
-            <a:r>
-              <a:rPr lang="en-US" sz="4000" kern="1200" dirty="0">
-                <a:solidFill>
-                  <a:schemeClr val="tx1"/>
-                </a:solidFill>
-                <a:latin typeface="+mj-lt"/>
-                <a:ea typeface="+mj-ea"/>
-                <a:cs typeface="+mj-cs"/>
-              </a:rPr>
-              <a:t>Mock-ups – Local Business</a:t>
-            </a:r>
-          </a:p>
-        </p:txBody>
-      </p:sp>
-      <p:pic>
-        <p:nvPicPr>
-          <p:cNvPr id="4" name="Picture 3" descr="A screenshot of a social media post&#10;&#10;Description automatically generated">
-            <a:extLst>
-              <a:ext uri="{FF2B5EF4-FFF2-40B4-BE49-F238E27FC236}">
-                <a16:creationId xmlns:a16="http://schemas.microsoft.com/office/drawing/2014/main" id="{E6D12455-80AB-4983-9929-6A73B2A8D508}"/>
-              </a:ext>
-            </a:extLst>
-          </p:cNvPr>
-          <p:cNvPicPr>
-            <a:picLocks noChangeAspect="1"/>
-          </p:cNvPicPr>
-          <p:nvPr/>
-        </p:nvPicPr>
-        <p:blipFill>
-          <a:blip r:embed="rId3">
-            <a:extLst>
-              <a:ext uri="{28A0092B-C50C-407E-A947-70E740481C1C}">
-                <a14:useLocalDpi xmlns:a14="http://schemas.microsoft.com/office/drawing/2010/main" val="0"/>
-              </a:ext>
-            </a:extLst>
-          </a:blip>
-          <a:stretch>
-            <a:fillRect/>
-          </a:stretch>
-        </p:blipFill>
-        <p:spPr>
-          <a:xfrm>
-            <a:off x="1859280" y="1904395"/>
-            <a:ext cx="8595360" cy="4788923"/>
-          </a:xfrm>
-          <a:prstGeom prst="rect">
-            <a:avLst/>
-          </a:prstGeom>
-        </p:spPr>
-      </p:pic>
-    </p:spTree>
-    <p:extLst>
-      <p:ext uri="{BB962C8B-B14F-4D97-AF65-F5344CB8AC3E}">
-        <p14:creationId xmlns:p14="http://schemas.microsoft.com/office/powerpoint/2010/main" val="919586409"/>
-      </p:ext>
-    </p:extLst>
-  </p:cSld>
-  <p:clrMapOvr>
-    <a:masterClrMapping/>
-  </p:clrMapOvr>
-</p:sld>
-</file>
-
-<file path=ppt/slides/slide23.xml><?xml version="1.0" encoding="utf-8"?>
-<p:sld xmlns:a="http://schemas.openxmlformats.org/drawingml/2006/main" xmlns:r="http://schemas.openxmlformats.org/officeDocument/2006/relationships" xmlns:p="http://schemas.openxmlformats.org/presentationml/2006/main">
-  <p:cSld>
     <p:bg>
       <p:bgPr>
         <a:solidFill>
@@ -16187,17 +16701,16 @@
           <a:p>
             <a:pPr algn="ctr"/>
             <a:r>
-              <a:rPr lang="en-US" sz="4000" dirty="0"/>
-              <a:t>Change/Release Management</a:t>
-            </a:r>
-            <a:endParaRPr lang="en-US" sz="4000" kern="1200" dirty="0">
-              <a:solidFill>
-                <a:schemeClr val="tx1"/>
-              </a:solidFill>
-              <a:latin typeface="+mj-lt"/>
-              <a:ea typeface="+mj-ea"/>
-              <a:cs typeface="+mj-cs"/>
-            </a:endParaRPr>
+              <a:rPr lang="en-US" sz="4000" kern="1200" dirty="0">
+                <a:solidFill>
+                  <a:schemeClr val="tx1"/>
+                </a:solidFill>
+                <a:latin typeface="+mj-lt"/>
+                <a:ea typeface="+mj-ea"/>
+                <a:cs typeface="+mj-cs"/>
+              </a:rPr>
+              <a:t>Mock-ups</a:t>
+            </a:r>
           </a:p>
         </p:txBody>
       </p:sp>
@@ -16271,121 +16784,630 @@
           </a:p>
         </p:txBody>
       </p:sp>
-      <p:sp>
-        <p:nvSpPr>
-          <p:cNvPr id="3" name="TextBox 2">
-            <a:extLst>
-              <a:ext uri="{FF2B5EF4-FFF2-40B4-BE49-F238E27FC236}">
-                <a16:creationId xmlns:a16="http://schemas.microsoft.com/office/drawing/2014/main" id="{1C4BF56A-ED85-42EF-9C2C-2C84F4C11132}"/>
-              </a:ext>
-            </a:extLst>
-          </p:cNvPr>
-          <p:cNvSpPr txBox="1"/>
-          <p:nvPr/>
+    </p:spTree>
+    <p:extLst>
+      <p:ext uri="{BB962C8B-B14F-4D97-AF65-F5344CB8AC3E}">
+        <p14:creationId xmlns:p14="http://schemas.microsoft.com/office/powerpoint/2010/main" val="4156798678"/>
+      </p:ext>
+    </p:extLst>
+  </p:cSld>
+  <p:clrMapOvr>
+    <a:masterClrMapping/>
+  </p:clrMapOvr>
+</p:sld>
+</file>
+
+<file path=ppt/slides/slide21.xml><?xml version="1.0" encoding="utf-8"?>
+<p:sld xmlns:a="http://schemas.openxmlformats.org/drawingml/2006/main" xmlns:r="http://schemas.openxmlformats.org/officeDocument/2006/relationships" xmlns:p="http://schemas.openxmlformats.org/presentationml/2006/main">
+  <p:cSld>
+    <p:bg>
+      <p:bgPr>
+        <a:solidFill>
+          <a:schemeClr val="bg1"/>
+        </a:solidFill>
+        <a:effectLst/>
+      </p:bgPr>
+    </p:bg>
+    <p:spTree>
+      <p:nvGrpSpPr>
+        <p:cNvPr id="1" name=""/>
+        <p:cNvGrpSpPr/>
+        <p:nvPr/>
+      </p:nvGrpSpPr>
+      <p:grpSpPr>
+        <a:xfrm>
+          <a:off x="0" y="0"/>
+          <a:ext cx="0" cy="0"/>
+          <a:chOff x="0" y="0"/>
+          <a:chExt cx="0" cy="0"/>
+        </a:xfrm>
+      </p:grpSpPr>
+      <p:sp useBgFill="1">
+        <p:nvSpPr>
+          <p:cNvPr id="71" name="Rectangle 70">
+            <a:extLst>
+              <a:ext uri="{FF2B5EF4-FFF2-40B4-BE49-F238E27FC236}">
+                <a16:creationId xmlns:a16="http://schemas.microsoft.com/office/drawing/2014/main" id="{C1A1C5D3-C053-4EE9-BE1A-419B6E27CCAE}"/>
+              </a:ext>
+              <a:ext uri="{C183D7F6-B498-43B3-948B-1728B52AA6E4}">
+                <adec:decorative xmlns:adec="http://schemas.microsoft.com/office/drawing/2017/decorative" val="1"/>
+              </a:ext>
+            </a:extLst>
+          </p:cNvPr>
+          <p:cNvSpPr>
+            <a:spLocks noGrp="1" noRot="1" noChangeAspect="1" noMove="1" noResize="1" noEditPoints="1" noAdjustHandles="1" noChangeArrowheads="1" noChangeShapeType="1" noTextEdit="1"/>
+          </p:cNvSpPr>
+          <p:nvPr>
+            <p:extLst>
+              <p:ext uri="{386F3935-93C4-4BCD-93E2-E3B085C9AB24}">
+                <p16:designElem xmlns:p16="http://schemas.microsoft.com/office/powerpoint/2015/main" val="1"/>
+              </p:ext>
+            </p:extLst>
+          </p:nvPr>
         </p:nvSpPr>
         <p:spPr>
           <a:xfrm>
-            <a:off x="1173017" y="2290618"/>
-            <a:ext cx="10058400" cy="3693319"/>
+            <a:off x="0" y="0"/>
+            <a:ext cx="12192000" cy="6858000"/>
           </a:xfrm>
           <a:prstGeom prst="rect">
             <a:avLst/>
           </a:prstGeom>
-          <a:noFill/>
+          <a:ln>
+            <a:noFill/>
+          </a:ln>
         </p:spPr>
-        <p:txBody>
-          <a:bodyPr wrap="square" rtlCol="0">
-            <a:spAutoFit/>
+        <p:style>
+          <a:lnRef idx="2">
+            <a:schemeClr val="accent1">
+              <a:shade val="50000"/>
+            </a:schemeClr>
+          </a:lnRef>
+          <a:fillRef idx="1">
+            <a:schemeClr val="accent1"/>
+          </a:fillRef>
+          <a:effectRef idx="0">
+            <a:schemeClr val="accent1"/>
+          </a:effectRef>
+          <a:fontRef idx="minor">
+            <a:schemeClr val="lt1"/>
+          </a:fontRef>
+        </p:style>
+        <p:txBody>
+          <a:bodyPr rtlCol="0" anchor="ctr"/>
+          <a:lstStyle/>
+          <a:p>
+            <a:pPr algn="ctr"/>
+            <a:endParaRPr lang="en-US" dirty="0"/>
+          </a:p>
+        </p:txBody>
+      </p:sp>
+      <p:sp useBgFill="1">
+        <p:nvSpPr>
+          <p:cNvPr id="73" name="Rectangle 72">
+            <a:extLst>
+              <a:ext uri="{FF2B5EF4-FFF2-40B4-BE49-F238E27FC236}">
+                <a16:creationId xmlns:a16="http://schemas.microsoft.com/office/drawing/2014/main" id="{A3473CF9-37EB-43E7-89EF-D2D1C53D1DAC}"/>
+              </a:ext>
+              <a:ext uri="{C183D7F6-B498-43B3-948B-1728B52AA6E4}">
+                <adec:decorative xmlns:adec="http://schemas.microsoft.com/office/drawing/2017/decorative" val="1"/>
+              </a:ext>
+            </a:extLst>
+          </p:cNvPr>
+          <p:cNvSpPr>
+            <a:spLocks noGrp="1" noRot="1" noChangeAspect="1" noMove="1" noResize="1" noEditPoints="1" noAdjustHandles="1" noChangeArrowheads="1" noChangeShapeType="1" noTextEdit="1"/>
+          </p:cNvSpPr>
+          <p:nvPr>
+            <p:extLst>
+              <p:ext uri="{386F3935-93C4-4BCD-93E2-E3B085C9AB24}">
+                <p16:designElem xmlns:p16="http://schemas.microsoft.com/office/powerpoint/2015/main" val="1"/>
+              </p:ext>
+            </p:extLst>
+          </p:nvPr>
+        </p:nvSpPr>
+        <p:spPr>
+          <a:xfrm>
+            <a:off x="1903615" y="221673"/>
+            <a:ext cx="8384770" cy="1332634"/>
+          </a:xfrm>
+          <a:prstGeom prst="rect">
+            <a:avLst/>
+          </a:prstGeom>
+          <a:ln w="12700">
+            <a:solidFill>
+              <a:srgbClr val="E1E1E1"/>
+            </a:solidFill>
+          </a:ln>
+          <a:effectLst>
+            <a:outerShdw blurRad="50800" dist="38100" dir="2700000" algn="tl" rotWithShape="0">
+              <a:schemeClr val="bg2">
+                <a:lumMod val="85000"/>
+                <a:alpha val="50000"/>
+              </a:schemeClr>
+            </a:outerShdw>
+          </a:effectLst>
+        </p:spPr>
+        <p:style>
+          <a:lnRef idx="2">
+            <a:schemeClr val="accent1">
+              <a:shade val="50000"/>
+            </a:schemeClr>
+          </a:lnRef>
+          <a:fillRef idx="1">
+            <a:schemeClr val="accent1"/>
+          </a:fillRef>
+          <a:effectRef idx="0">
+            <a:schemeClr val="accent1"/>
+          </a:effectRef>
+          <a:fontRef idx="minor">
+            <a:schemeClr val="lt1"/>
+          </a:fontRef>
+        </p:style>
+        <p:txBody>
+          <a:bodyPr rtlCol="0" anchor="ctr"/>
+          <a:lstStyle/>
+          <a:p>
+            <a:pPr marL="0" marR="0" lvl="0" indent="0" algn="ctr" defTabSz="914400" rtl="0" eaLnBrk="1" fontAlgn="auto" latinLnBrk="0" hangingPunct="1">
+              <a:lnSpc>
+                <a:spcPct val="100000"/>
+              </a:lnSpc>
+              <a:spcBef>
+                <a:spcPts val="0"/>
+              </a:spcBef>
+              <a:spcAft>
+                <a:spcPts val="0"/>
+              </a:spcAft>
+              <a:buClrTx/>
+              <a:buSzTx/>
+              <a:buFontTx/>
+              <a:buNone/>
+              <a:tabLst/>
+              <a:defRPr/>
+            </a:pPr>
+            <a:endParaRPr kumimoji="0" lang="en-US" sz="1800" b="0" i="0" u="none" strike="noStrike" kern="1200" cap="none" spc="0" normalizeH="0" baseline="0" noProof="0" dirty="0">
+              <a:ln>
+                <a:noFill/>
+              </a:ln>
+              <a:solidFill>
+                <a:prstClr val="white"/>
+              </a:solidFill>
+              <a:effectLst/>
+              <a:uLnTx/>
+              <a:uFillTx/>
+              <a:latin typeface="Calibri" panose="020F0502020204030204"/>
+              <a:ea typeface="+mn-ea"/>
+              <a:cs typeface="+mn-cs"/>
+            </a:endParaRPr>
+          </a:p>
+        </p:txBody>
+      </p:sp>
+      <p:sp>
+        <p:nvSpPr>
+          <p:cNvPr id="2" name="Title 1">
+            <a:extLst>
+              <a:ext uri="{FF2B5EF4-FFF2-40B4-BE49-F238E27FC236}">
+                <a16:creationId xmlns:a16="http://schemas.microsoft.com/office/drawing/2014/main" id="{0FDE5079-B185-4DE0-AF2C-AE4B7709FBC3}"/>
+              </a:ext>
+            </a:extLst>
+          </p:cNvPr>
+          <p:cNvSpPr>
+            <a:spLocks noGrp="1"/>
+          </p:cNvSpPr>
+          <p:nvPr>
+            <p:ph type="title"/>
+          </p:nvPr>
+        </p:nvSpPr>
+        <p:spPr>
+          <a:xfrm>
+            <a:off x="2103121" y="310343"/>
+            <a:ext cx="7985759" cy="868823"/>
+          </a:xfrm>
+        </p:spPr>
+        <p:txBody>
+          <a:bodyPr vert="horz" lIns="91440" tIns="45720" rIns="91440" bIns="45720" rtlCol="0" anchor="ctr">
+            <a:normAutofit/>
           </a:bodyPr>
           <a:lstStyle/>
           <a:p>
-            <a:r>
-              <a:rPr lang="en-US" dirty="0"/>
-              <a:t>All changes will be prioritized, scheduled, and deployed accordingly.</a:t>
-            </a:r>
-          </a:p>
-          <a:p>
-            <a:endParaRPr lang="en-US" dirty="0"/>
-          </a:p>
-          <a:p>
-            <a:r>
-              <a:rPr lang="en-US" dirty="0"/>
-              <a:t>Production deployments will occur monthly</a:t>
-            </a:r>
-          </a:p>
-          <a:p>
-            <a:endParaRPr lang="en-US" dirty="0"/>
-          </a:p>
-          <a:p>
-            <a:r>
-              <a:rPr lang="en-US" dirty="0"/>
-              <a:t>Break fix deployments will occur bi-monthly (every other week)</a:t>
-            </a:r>
-          </a:p>
-          <a:p>
-            <a:endParaRPr lang="en-US" dirty="0"/>
-          </a:p>
-          <a:p>
-            <a:r>
-              <a:rPr lang="en-US" dirty="0"/>
-              <a:t>Emergency break fix deployments will occur on an ad-hoc basis</a:t>
-            </a:r>
-          </a:p>
-          <a:p>
-            <a:endParaRPr lang="en-US" dirty="0"/>
-          </a:p>
-          <a:p>
-            <a:r>
-              <a:rPr lang="en-US" dirty="0"/>
-              <a:t>Production deployments will be approved via CAB, with the following considerations:</a:t>
-            </a:r>
-          </a:p>
-          <a:p>
-            <a:pPr marL="742950" lvl="1" indent="-285750">
-              <a:buFont typeface="Arial" panose="020B0604020202020204" pitchFamily="34" charset="0"/>
-              <a:buChar char="•"/>
-            </a:pPr>
-            <a:r>
-              <a:rPr lang="en-US" dirty="0"/>
-              <a:t>All deployments must follow audit guidelines (including deployment change ticket)</a:t>
-            </a:r>
-          </a:p>
-          <a:p>
-            <a:pPr marL="742950" lvl="1" indent="-285750">
-              <a:buFont typeface="Arial" panose="020B0604020202020204" pitchFamily="34" charset="0"/>
-              <a:buChar char="•"/>
-            </a:pPr>
-            <a:r>
-              <a:rPr lang="en-US" dirty="0"/>
-              <a:t>All changes must be tested in the non-production environments</a:t>
-            </a:r>
-          </a:p>
-          <a:p>
-            <a:pPr marL="742950" lvl="1" indent="-285750">
-              <a:buFont typeface="Arial" panose="020B0604020202020204" pitchFamily="34" charset="0"/>
-              <a:buChar char="•"/>
-            </a:pPr>
-            <a:r>
-              <a:rPr lang="en-US" dirty="0"/>
-              <a:t>All changes must be presented in a demo</a:t>
-            </a:r>
-          </a:p>
-          <a:p>
-            <a:pPr marL="742950" lvl="1" indent="-285750">
-              <a:buFont typeface="Arial" panose="020B0604020202020204" pitchFamily="34" charset="0"/>
-              <a:buChar char="•"/>
-            </a:pPr>
-            <a:r>
-              <a:rPr lang="en-US" dirty="0"/>
-              <a:t>Must have business/customer approval</a:t>
-            </a:r>
+            <a:pPr algn="ctr"/>
+            <a:r>
+              <a:rPr lang="en-US" sz="4000" kern="1200" dirty="0">
+                <a:solidFill>
+                  <a:schemeClr val="tx1"/>
+                </a:solidFill>
+                <a:latin typeface="+mj-lt"/>
+                <a:ea typeface="+mj-ea"/>
+                <a:cs typeface="+mj-cs"/>
+              </a:rPr>
+              <a:t>Mock-ups</a:t>
+            </a:r>
+          </a:p>
+        </p:txBody>
+      </p:sp>
+      <p:sp>
+        <p:nvSpPr>
+          <p:cNvPr id="75" name="Rectangle: Rounded Corners 74">
+            <a:extLst>
+              <a:ext uri="{FF2B5EF4-FFF2-40B4-BE49-F238E27FC236}">
+                <a16:creationId xmlns:a16="http://schemas.microsoft.com/office/drawing/2014/main" id="{586B4EF9-43BA-4655-A6FF-1D8E21574C95}"/>
+              </a:ext>
+              <a:ext uri="{C183D7F6-B498-43B3-948B-1728B52AA6E4}">
+                <adec:decorative xmlns:adec="http://schemas.microsoft.com/office/drawing/2017/decorative" val="1"/>
+              </a:ext>
+            </a:extLst>
+          </p:cNvPr>
+          <p:cNvSpPr>
+            <a:spLocks noGrp="1" noRot="1" noChangeAspect="1" noMove="1" noResize="1" noEditPoints="1" noAdjustHandles="1" noChangeArrowheads="1" noChangeShapeType="1" noTextEdit="1"/>
+          </p:cNvSpPr>
+          <p:nvPr>
+            <p:extLst>
+              <p:ext uri="{386F3935-93C4-4BCD-93E2-E3B085C9AB24}">
+                <p16:designElem xmlns:p16="http://schemas.microsoft.com/office/powerpoint/2015/main" val="1"/>
+              </p:ext>
+            </p:extLst>
+          </p:nvPr>
+        </p:nvSpPr>
+        <p:spPr>
+          <a:xfrm>
+            <a:off x="2483110" y="1211407"/>
+            <a:ext cx="7225780" cy="685800"/>
+          </a:xfrm>
+          <a:prstGeom prst="roundRect">
+            <a:avLst>
+              <a:gd name="adj" fmla="val 0"/>
+            </a:avLst>
+          </a:prstGeom>
+          <a:solidFill>
+            <a:schemeClr val="accent2"/>
+          </a:solidFill>
+          <a:ln>
+            <a:noFill/>
+          </a:ln>
+        </p:spPr>
+        <p:style>
+          <a:lnRef idx="2">
+            <a:schemeClr val="accent1">
+              <a:shade val="50000"/>
+            </a:schemeClr>
+          </a:lnRef>
+          <a:fillRef idx="1">
+            <a:schemeClr val="accent1"/>
+          </a:fillRef>
+          <a:effectRef idx="0">
+            <a:schemeClr val="accent1"/>
+          </a:effectRef>
+          <a:fontRef idx="minor">
+            <a:schemeClr val="lt1"/>
+          </a:fontRef>
+        </p:style>
+        <p:txBody>
+          <a:bodyPr rtlCol="0" anchor="ctr"/>
+          <a:lstStyle/>
+          <a:p>
+            <a:pPr algn="ctr"/>
+            <a:endParaRPr lang="en-US" dirty="0">
+              <a:solidFill>
+                <a:prstClr val="white"/>
+              </a:solidFill>
+              <a:latin typeface="Calibri" panose="020F0502020204030204"/>
+            </a:endParaRPr>
           </a:p>
         </p:txBody>
       </p:sp>
     </p:spTree>
     <p:extLst>
       <p:ext uri="{BB962C8B-B14F-4D97-AF65-F5344CB8AC3E}">
-        <p14:creationId xmlns:p14="http://schemas.microsoft.com/office/powerpoint/2010/main" val="823015087"/>
+        <p14:creationId xmlns:p14="http://schemas.microsoft.com/office/powerpoint/2010/main" val="3882078504"/>
+      </p:ext>
+    </p:extLst>
+  </p:cSld>
+  <p:clrMapOvr>
+    <a:masterClrMapping/>
+  </p:clrMapOvr>
+</p:sld>
+</file>
+
+<file path=ppt/slides/slide22.xml><?xml version="1.0" encoding="utf-8"?>
+<p:sld xmlns:a="http://schemas.openxmlformats.org/drawingml/2006/main" xmlns:r="http://schemas.openxmlformats.org/officeDocument/2006/relationships" xmlns:p="http://schemas.openxmlformats.org/presentationml/2006/main">
+  <p:cSld>
+    <p:bg>
+      <p:bgPr>
+        <a:solidFill>
+          <a:schemeClr val="bg1"/>
+        </a:solidFill>
+        <a:effectLst/>
+      </p:bgPr>
+    </p:bg>
+    <p:spTree>
+      <p:nvGrpSpPr>
+        <p:cNvPr id="1" name=""/>
+        <p:cNvGrpSpPr/>
+        <p:nvPr/>
+      </p:nvGrpSpPr>
+      <p:grpSpPr>
+        <a:xfrm>
+          <a:off x="0" y="0"/>
+          <a:ext cx="0" cy="0"/>
+          <a:chOff x="0" y="0"/>
+          <a:chExt cx="0" cy="0"/>
+        </a:xfrm>
+      </p:grpSpPr>
+      <p:sp useBgFill="1">
+        <p:nvSpPr>
+          <p:cNvPr id="71" name="Rectangle 70">
+            <a:extLst>
+              <a:ext uri="{FF2B5EF4-FFF2-40B4-BE49-F238E27FC236}">
+                <a16:creationId xmlns:a16="http://schemas.microsoft.com/office/drawing/2014/main" id="{C1A1C5D3-C053-4EE9-BE1A-419B6E27CCAE}"/>
+              </a:ext>
+              <a:ext uri="{C183D7F6-B498-43B3-948B-1728B52AA6E4}">
+                <adec:decorative xmlns:adec="http://schemas.microsoft.com/office/drawing/2017/decorative" val="1"/>
+              </a:ext>
+            </a:extLst>
+          </p:cNvPr>
+          <p:cNvSpPr>
+            <a:spLocks noGrp="1" noRot="1" noChangeAspect="1" noMove="1" noResize="1" noEditPoints="1" noAdjustHandles="1" noChangeArrowheads="1" noChangeShapeType="1" noTextEdit="1"/>
+          </p:cNvSpPr>
+          <p:nvPr>
+            <p:extLst>
+              <p:ext uri="{386F3935-93C4-4BCD-93E2-E3B085C9AB24}">
+                <p16:designElem xmlns:p16="http://schemas.microsoft.com/office/powerpoint/2015/main" val="1"/>
+              </p:ext>
+            </p:extLst>
+          </p:nvPr>
+        </p:nvSpPr>
+        <p:spPr>
+          <a:xfrm>
+            <a:off x="0" y="0"/>
+            <a:ext cx="12192000" cy="6858000"/>
+          </a:xfrm>
+          <a:prstGeom prst="rect">
+            <a:avLst/>
+          </a:prstGeom>
+          <a:ln>
+            <a:noFill/>
+          </a:ln>
+        </p:spPr>
+        <p:style>
+          <a:lnRef idx="2">
+            <a:schemeClr val="accent1">
+              <a:shade val="50000"/>
+            </a:schemeClr>
+          </a:lnRef>
+          <a:fillRef idx="1">
+            <a:schemeClr val="accent1"/>
+          </a:fillRef>
+          <a:effectRef idx="0">
+            <a:schemeClr val="accent1"/>
+          </a:effectRef>
+          <a:fontRef idx="minor">
+            <a:schemeClr val="lt1"/>
+          </a:fontRef>
+        </p:style>
+        <p:txBody>
+          <a:bodyPr rtlCol="0" anchor="ctr"/>
+          <a:lstStyle/>
+          <a:p>
+            <a:pPr algn="ctr"/>
+            <a:endParaRPr lang="en-US" dirty="0"/>
+          </a:p>
+        </p:txBody>
+      </p:sp>
+      <p:sp useBgFill="1">
+        <p:nvSpPr>
+          <p:cNvPr id="73" name="Rectangle 72">
+            <a:extLst>
+              <a:ext uri="{FF2B5EF4-FFF2-40B4-BE49-F238E27FC236}">
+                <a16:creationId xmlns:a16="http://schemas.microsoft.com/office/drawing/2014/main" id="{A3473CF9-37EB-43E7-89EF-D2D1C53D1DAC}"/>
+              </a:ext>
+              <a:ext uri="{C183D7F6-B498-43B3-948B-1728B52AA6E4}">
+                <adec:decorative xmlns:adec="http://schemas.microsoft.com/office/drawing/2017/decorative" val="1"/>
+              </a:ext>
+            </a:extLst>
+          </p:cNvPr>
+          <p:cNvSpPr>
+            <a:spLocks noGrp="1" noRot="1" noChangeAspect="1" noMove="1" noResize="1" noEditPoints="1" noAdjustHandles="1" noChangeArrowheads="1" noChangeShapeType="1" noTextEdit="1"/>
+          </p:cNvSpPr>
+          <p:nvPr>
+            <p:extLst>
+              <p:ext uri="{386F3935-93C4-4BCD-93E2-E3B085C9AB24}">
+                <p16:designElem xmlns:p16="http://schemas.microsoft.com/office/powerpoint/2015/main" val="1"/>
+              </p:ext>
+            </p:extLst>
+          </p:nvPr>
+        </p:nvSpPr>
+        <p:spPr>
+          <a:xfrm>
+            <a:off x="1903615" y="221673"/>
+            <a:ext cx="8384770" cy="1332634"/>
+          </a:xfrm>
+          <a:prstGeom prst="rect">
+            <a:avLst/>
+          </a:prstGeom>
+          <a:ln w="12700">
+            <a:solidFill>
+              <a:srgbClr val="E1E1E1"/>
+            </a:solidFill>
+          </a:ln>
+          <a:effectLst>
+            <a:outerShdw blurRad="50800" dist="38100" dir="2700000" algn="tl" rotWithShape="0">
+              <a:schemeClr val="bg2">
+                <a:lumMod val="85000"/>
+                <a:alpha val="50000"/>
+              </a:schemeClr>
+            </a:outerShdw>
+          </a:effectLst>
+        </p:spPr>
+        <p:style>
+          <a:lnRef idx="2">
+            <a:schemeClr val="accent1">
+              <a:shade val="50000"/>
+            </a:schemeClr>
+          </a:lnRef>
+          <a:fillRef idx="1">
+            <a:schemeClr val="accent1"/>
+          </a:fillRef>
+          <a:effectRef idx="0">
+            <a:schemeClr val="accent1"/>
+          </a:effectRef>
+          <a:fontRef idx="minor">
+            <a:schemeClr val="lt1"/>
+          </a:fontRef>
+        </p:style>
+        <p:txBody>
+          <a:bodyPr rtlCol="0" anchor="ctr"/>
+          <a:lstStyle/>
+          <a:p>
+            <a:pPr marL="0" marR="0" lvl="0" indent="0" algn="ctr" defTabSz="914400" rtl="0" eaLnBrk="1" fontAlgn="auto" latinLnBrk="0" hangingPunct="1">
+              <a:lnSpc>
+                <a:spcPct val="100000"/>
+              </a:lnSpc>
+              <a:spcBef>
+                <a:spcPts val="0"/>
+              </a:spcBef>
+              <a:spcAft>
+                <a:spcPts val="0"/>
+              </a:spcAft>
+              <a:buClrTx/>
+              <a:buSzTx/>
+              <a:buFontTx/>
+              <a:buNone/>
+              <a:tabLst/>
+              <a:defRPr/>
+            </a:pPr>
+            <a:endParaRPr kumimoji="0" lang="en-US" sz="1800" b="0" i="0" u="none" strike="noStrike" kern="1200" cap="none" spc="0" normalizeH="0" baseline="0" noProof="0" dirty="0">
+              <a:ln>
+                <a:noFill/>
+              </a:ln>
+              <a:solidFill>
+                <a:prstClr val="white"/>
+              </a:solidFill>
+              <a:effectLst/>
+              <a:uLnTx/>
+              <a:uFillTx/>
+              <a:latin typeface="Calibri" panose="020F0502020204030204"/>
+              <a:ea typeface="+mn-ea"/>
+              <a:cs typeface="+mn-cs"/>
+            </a:endParaRPr>
+          </a:p>
+        </p:txBody>
+      </p:sp>
+      <p:sp>
+        <p:nvSpPr>
+          <p:cNvPr id="2" name="Title 1">
+            <a:extLst>
+              <a:ext uri="{FF2B5EF4-FFF2-40B4-BE49-F238E27FC236}">
+                <a16:creationId xmlns:a16="http://schemas.microsoft.com/office/drawing/2014/main" id="{0FDE5079-B185-4DE0-AF2C-AE4B7709FBC3}"/>
+              </a:ext>
+            </a:extLst>
+          </p:cNvPr>
+          <p:cNvSpPr>
+            <a:spLocks noGrp="1"/>
+          </p:cNvSpPr>
+          <p:nvPr>
+            <p:ph type="title"/>
+          </p:nvPr>
+        </p:nvSpPr>
+        <p:spPr>
+          <a:xfrm>
+            <a:off x="2103121" y="310343"/>
+            <a:ext cx="7985759" cy="868823"/>
+          </a:xfrm>
+        </p:spPr>
+        <p:txBody>
+          <a:bodyPr vert="horz" lIns="91440" tIns="45720" rIns="91440" bIns="45720" rtlCol="0" anchor="ctr">
+            <a:normAutofit/>
+          </a:bodyPr>
+          <a:lstStyle/>
+          <a:p>
+            <a:pPr algn="ctr"/>
+            <a:r>
+              <a:rPr lang="en-US" sz="4000" kern="1200" dirty="0">
+                <a:solidFill>
+                  <a:schemeClr val="tx1"/>
+                </a:solidFill>
+                <a:latin typeface="+mj-lt"/>
+                <a:ea typeface="+mj-ea"/>
+                <a:cs typeface="+mj-cs"/>
+              </a:rPr>
+              <a:t>Mock-ups</a:t>
+            </a:r>
+          </a:p>
+        </p:txBody>
+      </p:sp>
+      <p:sp>
+        <p:nvSpPr>
+          <p:cNvPr id="75" name="Rectangle: Rounded Corners 74">
+            <a:extLst>
+              <a:ext uri="{FF2B5EF4-FFF2-40B4-BE49-F238E27FC236}">
+                <a16:creationId xmlns:a16="http://schemas.microsoft.com/office/drawing/2014/main" id="{586B4EF9-43BA-4655-A6FF-1D8E21574C95}"/>
+              </a:ext>
+              <a:ext uri="{C183D7F6-B498-43B3-948B-1728B52AA6E4}">
+                <adec:decorative xmlns:adec="http://schemas.microsoft.com/office/drawing/2017/decorative" val="1"/>
+              </a:ext>
+            </a:extLst>
+          </p:cNvPr>
+          <p:cNvSpPr>
+            <a:spLocks noGrp="1" noRot="1" noChangeAspect="1" noMove="1" noResize="1" noEditPoints="1" noAdjustHandles="1" noChangeArrowheads="1" noChangeShapeType="1" noTextEdit="1"/>
+          </p:cNvSpPr>
+          <p:nvPr>
+            <p:extLst>
+              <p:ext uri="{386F3935-93C4-4BCD-93E2-E3B085C9AB24}">
+                <p16:designElem xmlns:p16="http://schemas.microsoft.com/office/powerpoint/2015/main" val="1"/>
+              </p:ext>
+            </p:extLst>
+          </p:nvPr>
+        </p:nvSpPr>
+        <p:spPr>
+          <a:xfrm>
+            <a:off x="2483110" y="1211407"/>
+            <a:ext cx="7225780" cy="685800"/>
+          </a:xfrm>
+          <a:prstGeom prst="roundRect">
+            <a:avLst>
+              <a:gd name="adj" fmla="val 0"/>
+            </a:avLst>
+          </a:prstGeom>
+          <a:solidFill>
+            <a:schemeClr val="accent2"/>
+          </a:solidFill>
+          <a:ln>
+            <a:noFill/>
+          </a:ln>
+        </p:spPr>
+        <p:style>
+          <a:lnRef idx="2">
+            <a:schemeClr val="accent1">
+              <a:shade val="50000"/>
+            </a:schemeClr>
+          </a:lnRef>
+          <a:fillRef idx="1">
+            <a:schemeClr val="accent1"/>
+          </a:fillRef>
+          <a:effectRef idx="0">
+            <a:schemeClr val="accent1"/>
+          </a:effectRef>
+          <a:fontRef idx="minor">
+            <a:schemeClr val="lt1"/>
+          </a:fontRef>
+        </p:style>
+        <p:txBody>
+          <a:bodyPr rtlCol="0" anchor="ctr"/>
+          <a:lstStyle/>
+          <a:p>
+            <a:pPr algn="ctr"/>
+            <a:endParaRPr lang="en-US" dirty="0">
+              <a:solidFill>
+                <a:prstClr val="white"/>
+              </a:solidFill>
+              <a:latin typeface="Calibri" panose="020F0502020204030204"/>
+            </a:endParaRPr>
+          </a:p>
+        </p:txBody>
+      </p:sp>
+    </p:spTree>
+    <p:extLst>
+      <p:ext uri="{BB962C8B-B14F-4D97-AF65-F5344CB8AC3E}">
+        <p14:creationId xmlns:p14="http://schemas.microsoft.com/office/powerpoint/2010/main" val="3910518010"/>
       </p:ext>
     </p:extLst>
   </p:cSld>
@@ -20010,6 +21032,125 @@
               </a:solidFill>
               <a:latin typeface="Calibri" panose="020F0502020204030204"/>
             </a:endParaRPr>
+          </a:p>
+        </p:txBody>
+      </p:sp>
+      <p:sp>
+        <p:nvSpPr>
+          <p:cNvPr id="3" name="TextBox 2">
+            <a:extLst>
+              <a:ext uri="{FF2B5EF4-FFF2-40B4-BE49-F238E27FC236}">
+                <a16:creationId xmlns:a16="http://schemas.microsoft.com/office/drawing/2014/main" id="{17D444B0-1D69-4FFB-81FC-7C3A3FDFD5A0}"/>
+              </a:ext>
+            </a:extLst>
+          </p:cNvPr>
+          <p:cNvSpPr txBox="1"/>
+          <p:nvPr/>
+        </p:nvSpPr>
+        <p:spPr>
+          <a:xfrm>
+            <a:off x="1265382" y="2438400"/>
+            <a:ext cx="10233891" cy="3139321"/>
+          </a:xfrm>
+          <a:prstGeom prst="rect">
+            <a:avLst/>
+          </a:prstGeom>
+          <a:noFill/>
+        </p:spPr>
+        <p:txBody>
+          <a:bodyPr wrap="square" rtlCol="0">
+            <a:spAutoFit/>
+          </a:bodyPr>
+          <a:lstStyle/>
+          <a:p>
+            <a:r>
+              <a:rPr lang="en-US" dirty="0"/>
+              <a:t>Requirements for the tool selection:</a:t>
+            </a:r>
+          </a:p>
+          <a:p>
+            <a:pPr marL="285750" indent="-285750">
+              <a:buFont typeface="Arial" panose="020B0604020202020204" pitchFamily="34" charset="0"/>
+              <a:buChar char="•"/>
+            </a:pPr>
+            <a:r>
+              <a:rPr lang="en-US" dirty="0"/>
+              <a:t>Shows vulnerabilities (password, security, etc.)</a:t>
+            </a:r>
+          </a:p>
+          <a:p>
+            <a:pPr marL="285750" indent="-285750">
+              <a:buFont typeface="Arial" panose="020B0604020202020204" pitchFamily="34" charset="0"/>
+              <a:buChar char="•"/>
+            </a:pPr>
+            <a:r>
+              <a:rPr lang="en-US" dirty="0"/>
+              <a:t>Safeguards for open source code and tools (no backdoors)</a:t>
+            </a:r>
+          </a:p>
+          <a:p>
+            <a:pPr marL="285750" indent="-285750">
+              <a:buFont typeface="Arial" panose="020B0604020202020204" pitchFamily="34" charset="0"/>
+              <a:buChar char="•"/>
+            </a:pPr>
+            <a:r>
+              <a:rPr lang="en-US" dirty="0"/>
+              <a:t>Integrates with all functions within the pipeline</a:t>
+            </a:r>
+          </a:p>
+          <a:p>
+            <a:endParaRPr lang="en-US" dirty="0"/>
+          </a:p>
+          <a:p>
+            <a:r>
+              <a:rPr lang="en-US" dirty="0"/>
+              <a:t>Options that are currently in review for Angular code:</a:t>
+            </a:r>
+          </a:p>
+          <a:p>
+            <a:pPr marL="285750" indent="-285750">
+              <a:buFont typeface="Arial" panose="020B0604020202020204" pitchFamily="34" charset="0"/>
+              <a:buChar char="•"/>
+            </a:pPr>
+            <a:r>
+              <a:rPr lang="en-US" dirty="0" err="1"/>
+              <a:t>Synk</a:t>
+            </a:r>
+            <a:endParaRPr lang="en-US" dirty="0"/>
+          </a:p>
+          <a:p>
+            <a:pPr marL="285750" indent="-285750">
+              <a:buFont typeface="Arial" panose="020B0604020202020204" pitchFamily="34" charset="0"/>
+              <a:buChar char="•"/>
+            </a:pPr>
+            <a:r>
+              <a:rPr lang="en-US" dirty="0"/>
+              <a:t>SonarQube</a:t>
+            </a:r>
+          </a:p>
+          <a:p>
+            <a:pPr marL="285750" indent="-285750">
+              <a:buFont typeface="Arial" panose="020B0604020202020204" pitchFamily="34" charset="0"/>
+              <a:buChar char="•"/>
+            </a:pPr>
+            <a:r>
+              <a:rPr lang="en-US" dirty="0" err="1"/>
+              <a:t>VeraCode</a:t>
+            </a:r>
+            <a:endParaRPr lang="en-US" dirty="0"/>
+          </a:p>
+          <a:p>
+            <a:pPr marL="285750" indent="-285750">
+              <a:buFont typeface="Arial" panose="020B0604020202020204" pitchFamily="34" charset="0"/>
+              <a:buChar char="•"/>
+            </a:pPr>
+            <a:endParaRPr lang="en-US" dirty="0"/>
+          </a:p>
+          <a:p>
+            <a:r>
+              <a:rPr lang="en-US" dirty="0"/>
+              <a:t>These cover Static and Dynamic Security Testing  (SAST and DAST)</a:t>
+            </a:r>
           </a:p>
         </p:txBody>
       </p:sp>
@@ -21142,13 +22283,13 @@
 <file path=customXml/itemProps1.xml><?xml version="1.0" encoding="utf-8"?>
 <ds:datastoreItem xmlns:ds="http://schemas.openxmlformats.org/officeDocument/2006/customXml" ds:itemID="{03C7D9E6-B0D9-433E-BD46-EB60F64F4DA8}">
   <ds:schemaRefs>
+    <ds:schemaRef ds:uri="http://schemas.microsoft.com/office/infopath/2007/PartnerControls"/>
+    <ds:schemaRef ds:uri="http://purl.org/dc/terms/"/>
+    <ds:schemaRef ds:uri="http://schemas.microsoft.com/office/2006/metadata/properties"/>
+    <ds:schemaRef ds:uri="http://schemas.microsoft.com/office/2006/documentManagement/types"/>
     <ds:schemaRef ds:uri="http://purl.org/dc/elements/1.1/"/>
-    <ds:schemaRef ds:uri="http://schemas.microsoft.com/office/2006/metadata/properties"/>
-    <ds:schemaRef ds:uri="http://purl.org/dc/terms/"/>
+    <ds:schemaRef ds:uri="16c05727-aa75-4e4a-9b5f-8a80a1165891"/>
     <ds:schemaRef ds:uri="http://schemas.openxmlformats.org/package/2006/metadata/core-properties"/>
-    <ds:schemaRef ds:uri="16c05727-aa75-4e4a-9b5f-8a80a1165891"/>
-    <ds:schemaRef ds:uri="http://schemas.microsoft.com/office/2006/documentManagement/types"/>
-    <ds:schemaRef ds:uri="http://schemas.microsoft.com/office/infopath/2007/PartnerControls"/>
     <ds:schemaRef ds:uri="71af3243-3dd4-4a8d-8c0d-dd76da1f02a5"/>
     <ds:schemaRef ds:uri="http://www.w3.org/XML/1998/namespace"/>
     <ds:schemaRef ds:uri="http://purl.org/dc/dcmitype/"/>

--- a/documentation/Demonstrations/Connacht_University_TeamDC.pptx
+++ b/documentation/Demonstrations/Connacht_University_TeamDC.pptx
@@ -15981,7 +15981,7 @@
                 <a:ea typeface="+mj-ea"/>
                 <a:cs typeface="+mj-cs"/>
               </a:rPr>
-              <a:t>Mock-ups</a:t>
+              <a:t>Mock-ups – Login Page</a:t>
             </a:r>
           </a:p>
         </p:txBody>
@@ -16056,6 +16056,42 @@
           </a:p>
         </p:txBody>
       </p:sp>
+      <p:pic>
+        <p:nvPicPr>
+          <p:cNvPr id="4" name="Picture 3" descr="A screenshot of a cell phone&#10;&#10;Description automatically generated">
+            <a:extLst>
+              <a:ext uri="{FF2B5EF4-FFF2-40B4-BE49-F238E27FC236}">
+                <a16:creationId xmlns:a16="http://schemas.microsoft.com/office/drawing/2014/main" id="{37788DBC-BF73-49C8-A511-DF87D6FD3227}"/>
+              </a:ext>
+            </a:extLst>
+          </p:cNvPr>
+          <p:cNvPicPr>
+            <a:picLocks noChangeAspect="1"/>
+          </p:cNvPicPr>
+          <p:nvPr/>
+        </p:nvPicPr>
+        <p:blipFill>
+          <a:blip r:embed="rId3">
+            <a:extLst>
+              <a:ext uri="{28A0092B-C50C-407E-A947-70E740481C1C}">
+                <a14:useLocalDpi xmlns:a14="http://schemas.microsoft.com/office/drawing/2010/main" val="0"/>
+              </a:ext>
+            </a:extLst>
+          </a:blip>
+          <a:stretch>
+            <a:fillRect/>
+          </a:stretch>
+        </p:blipFill>
+        <p:spPr>
+          <a:xfrm>
+            <a:off x="1753985" y="2000124"/>
+            <a:ext cx="8534400" cy="4754959"/>
+          </a:xfrm>
+          <a:prstGeom prst="rect">
+            <a:avLst/>
+          </a:prstGeom>
+        </p:spPr>
+      </p:pic>
     </p:spTree>
     <p:extLst>
       <p:ext uri="{BB962C8B-B14F-4D97-AF65-F5344CB8AC3E}">
@@ -16709,7 +16745,7 @@
                 <a:ea typeface="+mj-ea"/>
                 <a:cs typeface="+mj-cs"/>
               </a:rPr>
-              <a:t>Mock-ups</a:t>
+              <a:t>Mock-ups – Student Home Page</a:t>
             </a:r>
           </a:p>
         </p:txBody>
@@ -16784,6 +16820,42 @@
           </a:p>
         </p:txBody>
       </p:sp>
+      <p:pic>
+        <p:nvPicPr>
+          <p:cNvPr id="4" name="Picture 3" descr="A screenshot of a social media post&#10;&#10;Description automatically generated">
+            <a:extLst>
+              <a:ext uri="{FF2B5EF4-FFF2-40B4-BE49-F238E27FC236}">
+                <a16:creationId xmlns:a16="http://schemas.microsoft.com/office/drawing/2014/main" id="{018C8C35-C8F3-4409-9D63-FDD12A91823D}"/>
+              </a:ext>
+            </a:extLst>
+          </p:cNvPr>
+          <p:cNvPicPr>
+            <a:picLocks noChangeAspect="1"/>
+          </p:cNvPicPr>
+          <p:nvPr/>
+        </p:nvPicPr>
+        <p:blipFill>
+          <a:blip r:embed="rId3">
+            <a:extLst>
+              <a:ext uri="{28A0092B-C50C-407E-A947-70E740481C1C}">
+                <a14:useLocalDpi xmlns:a14="http://schemas.microsoft.com/office/drawing/2010/main" val="0"/>
+              </a:ext>
+            </a:extLst>
+          </a:blip>
+          <a:stretch>
+            <a:fillRect/>
+          </a:stretch>
+        </p:blipFill>
+        <p:spPr>
+          <a:xfrm>
+            <a:off x="1742440" y="2006809"/>
+            <a:ext cx="8707120" cy="4851191"/>
+          </a:xfrm>
+          <a:prstGeom prst="rect">
+            <a:avLst/>
+          </a:prstGeom>
+        </p:spPr>
+      </p:pic>
     </p:spTree>
     <p:extLst>
       <p:ext uri="{BB962C8B-B14F-4D97-AF65-F5344CB8AC3E}">
@@ -17011,16 +17083,17 @@
           <a:p>
             <a:pPr algn="ctr"/>
             <a:r>
-              <a:rPr lang="en-US" sz="4000" kern="1200" dirty="0">
-                <a:solidFill>
-                  <a:schemeClr val="tx1"/>
-                </a:solidFill>
-                <a:latin typeface="+mj-lt"/>
-                <a:ea typeface="+mj-ea"/>
-                <a:cs typeface="+mj-cs"/>
-              </a:rPr>
-              <a:t>Mock-ups</a:t>
-            </a:r>
+              <a:rPr lang="en-US" sz="4000" dirty="0"/>
+              <a:t>Mock-ups – Professor Home Page</a:t>
+            </a:r>
+            <a:endParaRPr lang="en-US" sz="4000" kern="1200" dirty="0">
+              <a:solidFill>
+                <a:schemeClr val="tx1"/>
+              </a:solidFill>
+              <a:latin typeface="+mj-lt"/>
+              <a:ea typeface="+mj-ea"/>
+              <a:cs typeface="+mj-cs"/>
+            </a:endParaRPr>
           </a:p>
         </p:txBody>
       </p:sp>
@@ -17094,6 +17167,42 @@
           </a:p>
         </p:txBody>
       </p:sp>
+      <p:pic>
+        <p:nvPicPr>
+          <p:cNvPr id="4" name="Picture 3" descr="A screenshot of a social media post&#10;&#10;Description automatically generated">
+            <a:extLst>
+              <a:ext uri="{FF2B5EF4-FFF2-40B4-BE49-F238E27FC236}">
+                <a16:creationId xmlns:a16="http://schemas.microsoft.com/office/drawing/2014/main" id="{651CA9D1-DD7B-4D27-A8C7-A245F2015467}"/>
+              </a:ext>
+            </a:extLst>
+          </p:cNvPr>
+          <p:cNvPicPr>
+            <a:picLocks noChangeAspect="1"/>
+          </p:cNvPicPr>
+          <p:nvPr/>
+        </p:nvPicPr>
+        <p:blipFill>
+          <a:blip r:embed="rId3">
+            <a:extLst>
+              <a:ext uri="{28A0092B-C50C-407E-A947-70E740481C1C}">
+                <a14:useLocalDpi xmlns:a14="http://schemas.microsoft.com/office/drawing/2010/main" val="0"/>
+              </a:ext>
+            </a:extLst>
+          </a:blip>
+          <a:stretch>
+            <a:fillRect/>
+          </a:stretch>
+        </p:blipFill>
+        <p:spPr>
+          <a:xfrm>
+            <a:off x="1828800" y="2018131"/>
+            <a:ext cx="8686800" cy="4839869"/>
+          </a:xfrm>
+          <a:prstGeom prst="rect">
+            <a:avLst/>
+          </a:prstGeom>
+        </p:spPr>
+      </p:pic>
     </p:spTree>
     <p:extLst>
       <p:ext uri="{BB962C8B-B14F-4D97-AF65-F5344CB8AC3E}">
@@ -17315,22 +17424,23 @@
         </p:spPr>
         <p:txBody>
           <a:bodyPr vert="horz" lIns="91440" tIns="45720" rIns="91440" bIns="45720" rtlCol="0" anchor="ctr">
-            <a:normAutofit/>
+            <a:normAutofit fontScale="90000"/>
           </a:bodyPr>
           <a:lstStyle/>
           <a:p>
             <a:pPr algn="ctr"/>
             <a:r>
-              <a:rPr lang="en-US" sz="4000" kern="1200" dirty="0">
-                <a:solidFill>
-                  <a:schemeClr val="tx1"/>
-                </a:solidFill>
-                <a:latin typeface="+mj-lt"/>
-                <a:ea typeface="+mj-ea"/>
-                <a:cs typeface="+mj-cs"/>
-              </a:rPr>
-              <a:t>Mock-ups</a:t>
-            </a:r>
+              <a:rPr lang="en-US" sz="4000" dirty="0"/>
+              <a:t>Mock-ups – Local Business Home Page</a:t>
+            </a:r>
+            <a:endParaRPr lang="en-US" sz="4000" kern="1200" dirty="0">
+              <a:solidFill>
+                <a:schemeClr val="tx1"/>
+              </a:solidFill>
+              <a:latin typeface="+mj-lt"/>
+              <a:ea typeface="+mj-ea"/>
+              <a:cs typeface="+mj-cs"/>
+            </a:endParaRPr>
           </a:p>
         </p:txBody>
       </p:sp>
@@ -17404,6 +17514,42 @@
           </a:p>
         </p:txBody>
       </p:sp>
+      <p:pic>
+        <p:nvPicPr>
+          <p:cNvPr id="4" name="Picture 3" descr="A screenshot of a social media post&#10;&#10;Description automatically generated">
+            <a:extLst>
+              <a:ext uri="{FF2B5EF4-FFF2-40B4-BE49-F238E27FC236}">
+                <a16:creationId xmlns:a16="http://schemas.microsoft.com/office/drawing/2014/main" id="{930BA241-5BFD-4C8D-90D9-D4E3A699B5F5}"/>
+              </a:ext>
+            </a:extLst>
+          </p:cNvPr>
+          <p:cNvPicPr>
+            <a:picLocks noChangeAspect="1"/>
+          </p:cNvPicPr>
+          <p:nvPr/>
+        </p:nvPicPr>
+        <p:blipFill>
+          <a:blip r:embed="rId3">
+            <a:extLst>
+              <a:ext uri="{28A0092B-C50C-407E-A947-70E740481C1C}">
+                <a14:useLocalDpi xmlns:a14="http://schemas.microsoft.com/office/drawing/2010/main" val="0"/>
+              </a:ext>
+            </a:extLst>
+          </a:blip>
+          <a:stretch>
+            <a:fillRect/>
+          </a:stretch>
+        </p:blipFill>
+        <p:spPr>
+          <a:xfrm>
+            <a:off x="1544320" y="1929448"/>
+            <a:ext cx="8544560" cy="4760620"/>
+          </a:xfrm>
+          <a:prstGeom prst="rect">
+            <a:avLst/>
+          </a:prstGeom>
+        </p:spPr>
+      </p:pic>
     </p:spTree>
     <p:extLst>
       <p:ext uri="{BB962C8B-B14F-4D97-AF65-F5344CB8AC3E}">
@@ -22053,20 +22199,20 @@
 </file>
 
 <file path=customXml/item1.xml><?xml version="1.0" encoding="utf-8"?>
-<p:properties xmlns:p="http://schemas.microsoft.com/office/2006/metadata/properties" xmlns:xsi="http://www.w3.org/2001/XMLSchema-instance" xmlns:pc="http://schemas.microsoft.com/office/infopath/2007/PartnerControls">
-  <documentManagement>
-    <MediaServiceKeyPoints xmlns="71af3243-3dd4-4a8d-8c0d-dd76da1f02a5" xsi:nil="true"/>
-  </documentManagement>
-</p:properties>
-</file>
-
-<file path=customXml/item2.xml><?xml version="1.0" encoding="utf-8"?>
 <?mso-contentType ?>
 <FormTemplates xmlns="http://schemas.microsoft.com/sharepoint/v3/contenttype/forms">
   <Display>DocumentLibraryForm</Display>
   <Edit>DocumentLibraryForm</Edit>
   <New>DocumentLibraryForm</New>
 </FormTemplates>
+</file>
+
+<file path=customXml/item2.xml><?xml version="1.0" encoding="utf-8"?>
+<p:properties xmlns:p="http://schemas.microsoft.com/office/2006/metadata/properties" xmlns:xsi="http://www.w3.org/2001/XMLSchema-instance" xmlns:pc="http://schemas.microsoft.com/office/infopath/2007/PartnerControls">
+  <documentManagement>
+    <MediaServiceKeyPoints xmlns="71af3243-3dd4-4a8d-8c0d-dd76da1f02a5" xsi:nil="true"/>
+  </documentManagement>
+</p:properties>
 </file>
 
 <file path=customXml/item3.xml><?xml version="1.0" encoding="utf-8"?>
@@ -22281,6 +22427,14 @@
 </file>
 
 <file path=customXml/itemProps1.xml><?xml version="1.0" encoding="utf-8"?>
+<ds:datastoreItem xmlns:ds="http://schemas.openxmlformats.org/officeDocument/2006/customXml" ds:itemID="{5CA875DA-F9FD-4F83-A049-3B1027B542DE}">
+  <ds:schemaRefs>
+    <ds:schemaRef ds:uri="http://schemas.microsoft.com/sharepoint/v3/contenttype/forms"/>
+  </ds:schemaRefs>
+</ds:datastoreItem>
+</file>
+
+<file path=customXml/itemProps2.xml><?xml version="1.0" encoding="utf-8"?>
 <ds:datastoreItem xmlns:ds="http://schemas.openxmlformats.org/officeDocument/2006/customXml" ds:itemID="{03C7D9E6-B0D9-433E-BD46-EB60F64F4DA8}">
   <ds:schemaRefs>
     <ds:schemaRef ds:uri="http://schemas.microsoft.com/office/infopath/2007/PartnerControls"/>
@@ -22293,14 +22447,6 @@
     <ds:schemaRef ds:uri="71af3243-3dd4-4a8d-8c0d-dd76da1f02a5"/>
     <ds:schemaRef ds:uri="http://www.w3.org/XML/1998/namespace"/>
     <ds:schemaRef ds:uri="http://purl.org/dc/dcmitype/"/>
-  </ds:schemaRefs>
-</ds:datastoreItem>
-</file>
-
-<file path=customXml/itemProps2.xml><?xml version="1.0" encoding="utf-8"?>
-<ds:datastoreItem xmlns:ds="http://schemas.openxmlformats.org/officeDocument/2006/customXml" ds:itemID="{5CA875DA-F9FD-4F83-A049-3B1027B542DE}">
-  <ds:schemaRefs>
-    <ds:schemaRef ds:uri="http://schemas.microsoft.com/sharepoint/v3/contenttype/forms"/>
   </ds:schemaRefs>
 </ds:datastoreItem>
 </file>

--- a/documentation/Demonstrations/Connacht_University_TeamDC.pptx
+++ b/documentation/Demonstrations/Connacht_University_TeamDC.pptx
@@ -15650,7 +15650,7 @@
         <p:spPr>
           <a:xfrm>
             <a:off x="1173017" y="2290618"/>
-            <a:ext cx="10058400" cy="3693319"/>
+            <a:ext cx="10058400" cy="4247317"/>
           </a:xfrm>
           <a:prstGeom prst="rect">
             <a:avLst/>
@@ -15722,6 +15722,26 @@
             <a:r>
               <a:rPr lang="en-US" dirty="0"/>
               <a:t>All changes must be tested in the non-production environments</a:t>
+            </a:r>
+          </a:p>
+          <a:p>
+            <a:pPr marL="742950" lvl="1" indent="-285750">
+              <a:buFont typeface="Arial" panose="020B0604020202020204" pitchFamily="34" charset="0"/>
+              <a:buChar char="•"/>
+            </a:pPr>
+            <a:r>
+              <a:rPr lang="en-US" dirty="0"/>
+              <a:t>Performance test yield appropriate results</a:t>
+            </a:r>
+          </a:p>
+          <a:p>
+            <a:pPr marL="742950" lvl="1" indent="-285750">
+              <a:buFont typeface="Arial" panose="020B0604020202020204" pitchFamily="34" charset="0"/>
+              <a:buChar char="•"/>
+            </a:pPr>
+            <a:r>
+              <a:rPr lang="en-US" dirty="0"/>
+              <a:t>Code scan results have no critical or high vulnerabilities</a:t>
             </a:r>
           </a:p>
           <a:p>
@@ -16441,7 +16461,7 @@
         <p:spPr>
           <a:xfrm>
             <a:off x="5717309" y="3333750"/>
-            <a:ext cx="5938981" cy="1477328"/>
+            <a:ext cx="5938981" cy="1200329"/>
           </a:xfrm>
           <a:prstGeom prst="rect">
             <a:avLst/>
@@ -16461,7 +16481,7 @@
                 </a:solidFill>
                 <a:cs typeface="Segoe UI" panose="020B0502040204020203" pitchFamily="34" charset="0"/>
               </a:rPr>
-              <a:t>Design to include:</a:t>
+              <a:t>Clean and simple design that includes:</a:t>
             </a:r>
           </a:p>
           <a:p>
@@ -16472,7 +16492,7 @@
                 </a:solidFill>
                 <a:cs typeface="Segoe UI" panose="020B0502040204020203" pitchFamily="34" charset="0"/>
               </a:rPr>
-              <a:t>Clean and simple design</a:t>
+              <a:t>User access levels (client, administrator)</a:t>
             </a:r>
           </a:p>
           <a:p>
@@ -16483,18 +16503,7 @@
                 </a:solidFill>
                 <a:cs typeface="Segoe UI" panose="020B0502040204020203" pitchFamily="34" charset="0"/>
               </a:rPr>
-              <a:t>User access levels (client, administrator)</a:t>
-            </a:r>
-          </a:p>
-          <a:p>
-            <a:r>
-              <a:rPr lang="en-US" dirty="0">
-                <a:solidFill>
-                  <a:srgbClr val="000000"/>
-                </a:solidFill>
-                <a:cs typeface="Segoe UI" panose="020B0502040204020203" pitchFamily="34" charset="0"/>
-              </a:rPr>
-              <a:t>Includes at least one self developed API and one webservice</a:t>
+              <a:t>At least one self developed API and one webservice</a:t>
             </a:r>
           </a:p>
           <a:p>
@@ -22199,20 +22208,20 @@
 </file>
 
 <file path=customXml/item1.xml><?xml version="1.0" encoding="utf-8"?>
+<p:properties xmlns:p="http://schemas.microsoft.com/office/2006/metadata/properties" xmlns:xsi="http://www.w3.org/2001/XMLSchema-instance" xmlns:pc="http://schemas.microsoft.com/office/infopath/2007/PartnerControls">
+  <documentManagement>
+    <MediaServiceKeyPoints xmlns="71af3243-3dd4-4a8d-8c0d-dd76da1f02a5" xsi:nil="true"/>
+  </documentManagement>
+</p:properties>
+</file>
+
+<file path=customXml/item2.xml><?xml version="1.0" encoding="utf-8"?>
 <?mso-contentType ?>
 <FormTemplates xmlns="http://schemas.microsoft.com/sharepoint/v3/contenttype/forms">
   <Display>DocumentLibraryForm</Display>
   <Edit>DocumentLibraryForm</Edit>
   <New>DocumentLibraryForm</New>
 </FormTemplates>
-</file>
-
-<file path=customXml/item2.xml><?xml version="1.0" encoding="utf-8"?>
-<p:properties xmlns:p="http://schemas.microsoft.com/office/2006/metadata/properties" xmlns:xsi="http://www.w3.org/2001/XMLSchema-instance" xmlns:pc="http://schemas.microsoft.com/office/infopath/2007/PartnerControls">
-  <documentManagement>
-    <MediaServiceKeyPoints xmlns="71af3243-3dd4-4a8d-8c0d-dd76da1f02a5" xsi:nil="true"/>
-  </documentManagement>
-</p:properties>
 </file>
 
 <file path=customXml/item3.xml><?xml version="1.0" encoding="utf-8"?>
@@ -22427,26 +22436,26 @@
 </file>
 
 <file path=customXml/itemProps1.xml><?xml version="1.0" encoding="utf-8"?>
-<ds:datastoreItem xmlns:ds="http://schemas.openxmlformats.org/officeDocument/2006/customXml" ds:itemID="{5CA875DA-F9FD-4F83-A049-3B1027B542DE}">
+<ds:datastoreItem xmlns:ds="http://schemas.openxmlformats.org/officeDocument/2006/customXml" ds:itemID="{03C7D9E6-B0D9-433E-BD46-EB60F64F4DA8}">
   <ds:schemaRefs>
-    <ds:schemaRef ds:uri="http://schemas.microsoft.com/sharepoint/v3/contenttype/forms"/>
+    <ds:schemaRef ds:uri="http://schemas.microsoft.com/office/infopath/2007/PartnerControls"/>
+    <ds:schemaRef ds:uri="http://purl.org/dc/elements/1.1/"/>
+    <ds:schemaRef ds:uri="http://schemas.microsoft.com/office/2006/metadata/properties"/>
+    <ds:schemaRef ds:uri="http://purl.org/dc/terms/"/>
+    <ds:schemaRef ds:uri="http://schemas.openxmlformats.org/package/2006/metadata/core-properties"/>
+    <ds:schemaRef ds:uri="16c05727-aa75-4e4a-9b5f-8a80a1165891"/>
+    <ds:schemaRef ds:uri="http://schemas.microsoft.com/office/2006/documentManagement/types"/>
+    <ds:schemaRef ds:uri="71af3243-3dd4-4a8d-8c0d-dd76da1f02a5"/>
+    <ds:schemaRef ds:uri="http://www.w3.org/XML/1998/namespace"/>
+    <ds:schemaRef ds:uri="http://purl.org/dc/dcmitype/"/>
   </ds:schemaRefs>
 </ds:datastoreItem>
 </file>
 
 <file path=customXml/itemProps2.xml><?xml version="1.0" encoding="utf-8"?>
-<ds:datastoreItem xmlns:ds="http://schemas.openxmlformats.org/officeDocument/2006/customXml" ds:itemID="{03C7D9E6-B0D9-433E-BD46-EB60F64F4DA8}">
+<ds:datastoreItem xmlns:ds="http://schemas.openxmlformats.org/officeDocument/2006/customXml" ds:itemID="{5CA875DA-F9FD-4F83-A049-3B1027B542DE}">
   <ds:schemaRefs>
-    <ds:schemaRef ds:uri="http://schemas.microsoft.com/office/infopath/2007/PartnerControls"/>
-    <ds:schemaRef ds:uri="http://purl.org/dc/terms/"/>
-    <ds:schemaRef ds:uri="http://schemas.microsoft.com/office/2006/metadata/properties"/>
-    <ds:schemaRef ds:uri="http://schemas.microsoft.com/office/2006/documentManagement/types"/>
-    <ds:schemaRef ds:uri="http://purl.org/dc/elements/1.1/"/>
-    <ds:schemaRef ds:uri="16c05727-aa75-4e4a-9b5f-8a80a1165891"/>
-    <ds:schemaRef ds:uri="http://schemas.openxmlformats.org/package/2006/metadata/core-properties"/>
-    <ds:schemaRef ds:uri="71af3243-3dd4-4a8d-8c0d-dd76da1f02a5"/>
-    <ds:schemaRef ds:uri="http://www.w3.org/XML/1998/namespace"/>
-    <ds:schemaRef ds:uri="http://purl.org/dc/dcmitype/"/>
+    <ds:schemaRef ds:uri="http://schemas.microsoft.com/sharepoint/v3/contenttype/forms"/>
   </ds:schemaRefs>
 </ds:datastoreItem>
 </file>
